--- a/05-creating-custom-profiles.pptx
+++ b/05-creating-custom-profiles.pptx
@@ -307,7 +307,7 @@
               <a:pPr>
                 <a:defRPr/>
               </a:pPr>
-              <a:t>2015-12-29</a:t>
+              <a:t>2016-01-19</a:t>
             </a:fld>
             <a:endParaRPr lang="en-US" dirty="0"/>
           </a:p>
@@ -490,7 +490,7 @@
               <a:pPr>
                 <a:defRPr/>
               </a:pPr>
-              <a:t>2015-12-29</a:t>
+              <a:t>2016-01-19</a:t>
             </a:fld>
             <a:endParaRPr lang="en-US" dirty="0"/>
           </a:p>
@@ -1388,6 +1388,68 @@
               <a:rPr lang="en-US" baseline="0" dirty="0" smtClean="0"/>
               <a:t> use `ls -l` to confirm its creation.</a:t>
             </a:r>
+          </a:p>
+          <a:p>
+            <a:pPr marL="0" marR="0" indent="0" algn="l" defTabSz="1217613" rtl="0" eaLnBrk="1" fontAlgn="base" latinLnBrk="0" hangingPunct="1">
+              <a:lnSpc>
+                <a:spcPct val="90000"/>
+              </a:lnSpc>
+              <a:spcBef>
+                <a:spcPct val="30000"/>
+              </a:spcBef>
+              <a:spcAft>
+                <a:spcPts val="450"/>
+              </a:spcAft>
+              <a:buClrTx/>
+              <a:buSzTx/>
+              <a:buFontTx/>
+              <a:buNone/>
+              <a:tabLst/>
+              <a:defRPr/>
+            </a:pPr>
+            <a:endParaRPr lang="en-US" baseline="0" dirty="0" smtClean="0"/>
+          </a:p>
+          <a:p>
+            <a:pPr marL="0" marR="0" indent="0" algn="l" defTabSz="1217613" rtl="0" eaLnBrk="1" fontAlgn="base" latinLnBrk="0" hangingPunct="1">
+              <a:lnSpc>
+                <a:spcPct val="90000"/>
+              </a:lnSpc>
+              <a:spcBef>
+                <a:spcPct val="30000"/>
+              </a:spcBef>
+              <a:spcAft>
+                <a:spcPts val="450"/>
+              </a:spcAft>
+              <a:buClrTx/>
+              <a:buSzTx/>
+              <a:buFontTx/>
+              <a:buNone/>
+              <a:tabLst/>
+              <a:defRPr/>
+            </a:pPr>
+            <a:r>
+              <a:rPr lang="en-US" baseline="0" dirty="0" smtClean="0"/>
+              <a:t>TBD- a. will there be a 'generate profile` command?</a:t>
+            </a:r>
+          </a:p>
+          <a:p>
+            <a:pPr marL="0" marR="0" indent="0" algn="l" defTabSz="1217613" rtl="0" eaLnBrk="1" fontAlgn="base" latinLnBrk="0" hangingPunct="1">
+              <a:lnSpc>
+                <a:spcPct val="90000"/>
+              </a:lnSpc>
+              <a:spcBef>
+                <a:spcPct val="30000"/>
+              </a:spcBef>
+              <a:spcAft>
+                <a:spcPts val="450"/>
+              </a:spcAft>
+              <a:buClrTx/>
+              <a:buSzTx/>
+              <a:buFontTx/>
+              <a:buNone/>
+              <a:tabLst/>
+              <a:defRPr/>
+            </a:pPr>
             <a:endParaRPr lang="en-US" dirty="0" smtClean="0"/>
           </a:p>
         </p:txBody>
@@ -5073,7 +5135,10 @@
           </a:bodyPr>
           <a:lstStyle/>
           <a:p>
-            <a:endParaRPr lang="en-US" dirty="0" smtClean="0"/>
+            <a:r>
+              <a:rPr lang="en-US" dirty="0" smtClean="0"/>
+              <a:t>TBD: now do lab for windows too.</a:t>
+            </a:r>
           </a:p>
           <a:p>
             <a:endParaRPr lang="en-US" dirty="0" smtClean="0"/>
@@ -6878,7 +6943,7 @@
             </a:r>
             <a:r>
               <a:rPr lang="en-US" baseline="0" dirty="0" smtClean="0"/>
-              <a:t> issue.</a:t>
+              <a:t> issue.  (TBD - did we change metadata file name?)</a:t>
             </a:r>
           </a:p>
           <a:p>
@@ -15015,7 +15080,7 @@
               <a:defRPr/>
             </a:pPr>
             <a:r>
-              <a:rPr lang="en-US" smtClean="0">
+              <a:rPr lang="en-US" dirty="0" smtClean="0">
                 <a:solidFill>
                   <a:srgbClr val="7F7F7F"/>
                 </a:solidFill>
@@ -15023,10 +15088,10 @@
                 <a:ea typeface="+mn-ea"/>
                 <a:cs typeface="+mn-cs"/>
               </a:rPr>
-              <a:t>4-</a:t>
+              <a:t>5-</a:t>
             </a:r>
             <a:fld id="{F0B79B2F-E1DD-4D43-95B3-EA08C411D807}" type="slidenum">
-              <a:rPr lang="en-US">
+              <a:rPr lang="en-US" smtClean="0">
                 <a:solidFill>
                   <a:srgbClr val="7F7F7F"/>
                 </a:solidFill>
@@ -15775,7 +15840,7 @@
               <a:defRPr/>
             </a:pPr>
             <a:r>
-              <a:rPr lang="en-US" smtClean="0">
+              <a:rPr lang="en-US" dirty="0" smtClean="0">
                 <a:solidFill>
                   <a:srgbClr val="7F7F7F"/>
                 </a:solidFill>
@@ -15783,10 +15848,10 @@
                 <a:ea typeface="+mn-ea"/>
                 <a:cs typeface="+mn-cs"/>
               </a:rPr>
-              <a:t>4-</a:t>
+              <a:t>5-</a:t>
             </a:r>
             <a:fld id="{F0B79B2F-E1DD-4D43-95B3-EA08C411D807}" type="slidenum">
-              <a:rPr lang="en-US">
+              <a:rPr lang="en-US" smtClean="0">
                 <a:solidFill>
                   <a:srgbClr val="7F7F7F"/>
                 </a:solidFill>
@@ -20252,10 +20317,18 @@
               <a:t>GE: </a:t>
             </a:r>
             <a:r>
-              <a:rPr lang="en-US" dirty="0" smtClean="0"/>
-              <a:t>TBD</a:t>
-            </a:r>
-            <a:endParaRPr lang="en-US" dirty="0"/>
+              <a:rPr lang="en-US" smtClean="0">
+                <a:solidFill>
+                  <a:srgbClr val="FF0000"/>
+                </a:solidFill>
+              </a:rPr>
+              <a:t>TBD from here to end</a:t>
+            </a:r>
+            <a:endParaRPr lang="en-US" dirty="0">
+              <a:solidFill>
+                <a:srgbClr val="FF0000"/>
+              </a:solidFill>
+            </a:endParaRPr>
           </a:p>
         </p:txBody>
       </p:sp>
@@ -20282,6 +20355,20 @@
             <a:r>
               <a:rPr lang="en-US" dirty="0" smtClean="0"/>
               <a:t>Show how this is populated by /rb file - see next slide</a:t>
+            </a:r>
+          </a:p>
+          <a:p>
+            <a:r>
+              <a:rPr lang="en-US" dirty="0" smtClean="0"/>
+              <a:t>TBD- Show side by side metadata and </a:t>
+            </a:r>
+            <a:r>
+              <a:rPr lang="en-US" dirty="0" err="1" smtClean="0"/>
+              <a:t>Compl</a:t>
+            </a:r>
+            <a:r>
+              <a:rPr lang="en-US" dirty="0" smtClean="0"/>
+              <a:t> UI profile name to illustrate how the name field is populated.</a:t>
             </a:r>
           </a:p>
           <a:p>
@@ -20345,8 +20432,8 @@
         </p:blipFill>
         <p:spPr>
           <a:xfrm>
-            <a:off x="9007812" y="5638825"/>
-            <a:ext cx="6126451" cy="2123028"/>
+            <a:off x="2098894" y="3244645"/>
+            <a:ext cx="13035369" cy="4517208"/>
           </a:xfrm>
           <a:prstGeom prst="rect">
             <a:avLst/>
@@ -24840,6 +24927,15 @@
 </file>
 
 <file path=customXml/item1.xml><?xml version="1.0" encoding="utf-8"?>
+<?mso-contentType ?>
+<FormTemplates xmlns="http://schemas.microsoft.com/sharepoint/v3/contenttype/forms">
+  <Display>DocumentLibraryForm</Display>
+  <Edit>DocumentLibraryForm</Edit>
+  <New>DocumentLibraryForm</New>
+</FormTemplates>
+</file>
+
+<file path=customXml/item2.xml><?xml version="1.0" encoding="utf-8"?>
 <p:properties xmlns:p="http://schemas.microsoft.com/office/2006/metadata/properties" xmlns:xsi="http://www.w3.org/2001/XMLSchema-instance" xmlns:pc="http://schemas.microsoft.com/office/infopath/2007/PartnerControls">
   <documentManagement>
     <_dlc_DocId xmlns="7bb5d761-a2ea-4873-95f7-7a6658fb3ef0">M4CWTKMW727E-592-73</_dlc_DocId>
@@ -24851,7 +24947,7 @@
 </p:properties>
 </file>
 
-<file path=customXml/item2.xml><?xml version="1.0" encoding="utf-8"?>
+<file path=customXml/item3.xml><?xml version="1.0" encoding="utf-8"?>
 <ct:contentTypeSchema xmlns:ct="http://schemas.microsoft.com/office/2006/metadata/contentType" xmlns:ma="http://schemas.microsoft.com/office/2006/metadata/properties/metaAttributes" ct:_="" ma:_="" ma:contentTypeName="Document" ma:contentTypeID="0x0101000812F700BE7F874999720E88173FE491" ma:contentTypeVersion="0" ma:contentTypeDescription="Create a new document." ma:contentTypeScope="" ma:versionID="3f79f408e2ca720b7aba6e0e32464d0c">
   <xsd:schema xmlns:xsd="http://www.w3.org/2001/XMLSchema" xmlns:xs="http://www.w3.org/2001/XMLSchema" xmlns:p="http://schemas.microsoft.com/office/2006/metadata/properties" xmlns:ns2="7bb5d761-a2ea-4873-95f7-7a6658fb3ef0" targetNamespace="http://schemas.microsoft.com/office/2006/metadata/properties" ma:root="true" ma:fieldsID="1e062cd38ba31e406bfc4340fbc7f87a" ns2:_="">
     <xsd:import namespace="7bb5d761-a2ea-4873-95f7-7a6658fb3ef0"/>
@@ -24996,7 +25092,7 @@
 </ct:contentTypeSchema>
 </file>
 
-<file path=customXml/item3.xml><?xml version="1.0" encoding="utf-8"?>
+<file path=customXml/item4.xml><?xml version="1.0" encoding="utf-8"?>
 <?mso-contentType ?>
 <spe:Receivers xmlns:spe="http://schemas.microsoft.com/sharepoint/events">
   <Receiver>
@@ -25042,16 +25138,15 @@
 </spe:Receivers>
 </file>
 
-<file path=customXml/item4.xml><?xml version="1.0" encoding="utf-8"?>
-<?mso-contentType ?>
-<FormTemplates xmlns="http://schemas.microsoft.com/sharepoint/v3/contenttype/forms">
-  <Display>DocumentLibraryForm</Display>
-  <Edit>DocumentLibraryForm</Edit>
-  <New>DocumentLibraryForm</New>
-</FormTemplates>
+<file path=customXml/itemProps1.xml><?xml version="1.0" encoding="utf-8"?>
+<ds:datastoreItem xmlns:ds="http://schemas.openxmlformats.org/officeDocument/2006/customXml" ds:itemID="{5CDEB364-43EC-4510-9881-539C2A3FCE9E}">
+  <ds:schemaRefs>
+    <ds:schemaRef ds:uri="http://schemas.microsoft.com/sharepoint/v3/contenttype/forms"/>
+  </ds:schemaRefs>
+</ds:datastoreItem>
 </file>
 
-<file path=customXml/itemProps1.xml><?xml version="1.0" encoding="utf-8"?>
+<file path=customXml/itemProps2.xml><?xml version="1.0" encoding="utf-8"?>
 <ds:datastoreItem xmlns:ds="http://schemas.openxmlformats.org/officeDocument/2006/customXml" ds:itemID="{6921749B-AEB7-461B-845F-603CABD25259}">
   <ds:schemaRefs>
     <ds:schemaRef ds:uri="http://schemas.microsoft.com/office/2006/documentManagement/types"/>
@@ -25067,7 +25162,7 @@
 </ds:datastoreItem>
 </file>
 
-<file path=customXml/itemProps2.xml><?xml version="1.0" encoding="utf-8"?>
+<file path=customXml/itemProps3.xml><?xml version="1.0" encoding="utf-8"?>
 <ds:datastoreItem xmlns:ds="http://schemas.openxmlformats.org/officeDocument/2006/customXml" ds:itemID="{164479E5-0B02-49AC-B79E-EC1D6164DDD3}">
   <ds:schemaRefs>
     <ds:schemaRef ds:uri="http://schemas.microsoft.com/office/2006/metadata/contentType"/>
@@ -25085,18 +25180,10 @@
 </ds:datastoreItem>
 </file>
 
-<file path=customXml/itemProps3.xml><?xml version="1.0" encoding="utf-8"?>
+<file path=customXml/itemProps4.xml><?xml version="1.0" encoding="utf-8"?>
 <ds:datastoreItem xmlns:ds="http://schemas.openxmlformats.org/officeDocument/2006/customXml" ds:itemID="{B13EBC30-FE27-4C6A-B723-23FC2188F7DC}">
   <ds:schemaRefs>
     <ds:schemaRef ds:uri="http://schemas.microsoft.com/sharepoint/events"/>
   </ds:schemaRefs>
 </ds:datastoreItem>
-</file>
-
-<file path=customXml/itemProps4.xml><?xml version="1.0" encoding="utf-8"?>
-<ds:datastoreItem xmlns:ds="http://schemas.openxmlformats.org/officeDocument/2006/customXml" ds:itemID="{5CDEB364-43EC-4510-9881-539C2A3FCE9E}">
-  <ds:schemaRefs>
-    <ds:schemaRef ds:uri="http://schemas.microsoft.com/sharepoint/v3/contenttype/forms"/>
-  </ds:schemaRefs>
-</ds:datastoreItem>
 </file>
--- a/05-creating-custom-profiles.pptx
+++ b/05-creating-custom-profiles.pptx
@@ -176,7 +176,7 @@
   </p:defaultTextStyle>
   <p:extLst>
     <p:ext uri="{EFAFB233-063F-42B5-8137-9DF3F51BA10A}">
-      <p15:sldGuideLst xmlns:p15="http://schemas.microsoft.com/office/powerpoint/2012/main">
+      <p15:sldGuideLst xmlns:p15="http://schemas.microsoft.com/office/powerpoint/2012/main" xmlns="">
         <p15:guide id="1" orient="horz" pos="894">
           <p15:clr>
             <a:srgbClr val="A4A3A4"/>
@@ -190,7 +190,7 @@
       </p15:sldGuideLst>
     </p:ext>
     <p:ext uri="{2D200454-40CA-4A62-9FC3-DE9A4176ACB9}">
-      <p15:notesGuideLst xmlns:p15="http://schemas.microsoft.com/office/powerpoint/2012/main"/>
+      <p15:notesGuideLst xmlns:p15="http://schemas.microsoft.com/office/powerpoint/2012/main" xmlns=""/>
     </p:ext>
   </p:extLst>
 </p:presentation>
@@ -307,7 +307,7 @@
               <a:pPr>
                 <a:defRPr/>
               </a:pPr>
-              <a:t>2016-01-19</a:t>
+              <a:t>1/19/16</a:t>
             </a:fld>
             <a:endParaRPr lang="en-US" dirty="0"/>
           </a:p>
@@ -490,7 +490,7 @@
               <a:pPr>
                 <a:defRPr/>
               </a:pPr>
-              <a:t>2016-01-19</a:t>
+              <a:t>1/19/16</a:t>
             </a:fld>
             <a:endParaRPr lang="en-US" dirty="0"/>
           </a:p>
@@ -8274,7 +8274,7 @@
   <p:clrMapOvr>
     <a:masterClrMapping/>
   </p:clrMapOvr>
-  <p:transition spd="med">
+  <p:transition xmlns:p14="http://schemas.microsoft.com/office/powerpoint/2010/main" spd="med">
     <p:fade/>
   </p:transition>
 </p:sldLayout>
@@ -8569,7 +8569,7 @@
   <p:clrMapOvr>
     <a:overrideClrMapping bg1="lt1" tx1="dk1" bg2="lt2" tx2="dk2" accent1="accent1" accent2="accent2" accent3="accent3" accent4="accent4" accent5="accent5" accent6="accent6" hlink="hlink" folHlink="folHlink"/>
   </p:clrMapOvr>
-  <p:transition spd="med">
+  <p:transition xmlns:p14="http://schemas.microsoft.com/office/powerpoint/2010/main" spd="med">
     <p:fade/>
   </p:transition>
 </p:sldLayout>
@@ -8702,14 +8702,14 @@
           </a:ln>
           <a:extLst>
             <a:ext uri="{909E8E84-426E-40dd-AFC4-6F175D3DCCD1}">
-              <a14:hiddenFill xmlns="" xmlns:a14="http://schemas.microsoft.com/office/drawing/2010/main">
+              <a14:hiddenFill xmlns:a14="http://schemas.microsoft.com/office/drawing/2010/main">
                 <a:solidFill>
                   <a:srgbClr val="FFFFFF"/>
                 </a:solidFill>
               </a14:hiddenFill>
             </a:ext>
             <a:ext uri="{91240B29-F687-4f45-9708-019B960494DF}">
-              <a14:hiddenLine xmlns="" xmlns:a14="http://schemas.microsoft.com/office/drawing/2010/main" w="9525">
+              <a14:hiddenLine xmlns:a14="http://schemas.microsoft.com/office/drawing/2010/main" w="9525">
                 <a:solidFill>
                   <a:srgbClr val="000000"/>
                 </a:solidFill>
@@ -8857,14 +8857,14 @@
           </a:ln>
           <a:extLst>
             <a:ext uri="{909E8E84-426E-40dd-AFC4-6F175D3DCCD1}">
-              <a14:hiddenFill xmlns="" xmlns:a14="http://schemas.microsoft.com/office/drawing/2010/main">
+              <a14:hiddenFill xmlns:a14="http://schemas.microsoft.com/office/drawing/2010/main">
                 <a:solidFill>
                   <a:srgbClr val="FFFFFF"/>
                 </a:solidFill>
               </a14:hiddenFill>
             </a:ext>
             <a:ext uri="{91240B29-F687-4f45-9708-019B960494DF}">
-              <a14:hiddenLine xmlns="" xmlns:a14="http://schemas.microsoft.com/office/drawing/2010/main" w="9525">
+              <a14:hiddenLine xmlns:a14="http://schemas.microsoft.com/office/drawing/2010/main" w="9525">
                 <a:solidFill>
                   <a:srgbClr val="000000"/>
                 </a:solidFill>
@@ -9262,7 +9262,7 @@
   <p:clrMapOvr>
     <a:overrideClrMapping bg1="lt1" tx1="dk1" bg2="lt2" tx2="dk2" accent1="accent1" accent2="accent2" accent3="accent3" accent4="accent4" accent5="accent5" accent6="accent6" hlink="hlink" folHlink="folHlink"/>
   </p:clrMapOvr>
-  <p:transition spd="med">
+  <p:transition xmlns:p14="http://schemas.microsoft.com/office/powerpoint/2010/main" spd="med">
     <p:fade/>
   </p:transition>
 </p:sldLayout>
@@ -9355,14 +9355,14 @@
           </a:ln>
           <a:extLst>
             <a:ext uri="{909E8E84-426E-40dd-AFC4-6F175D3DCCD1}">
-              <a14:hiddenFill xmlns="" xmlns:a14="http://schemas.microsoft.com/office/drawing/2010/main">
+              <a14:hiddenFill xmlns:a14="http://schemas.microsoft.com/office/drawing/2010/main">
                 <a:solidFill>
                   <a:srgbClr val="FFFFFF"/>
                 </a:solidFill>
               </a14:hiddenFill>
             </a:ext>
             <a:ext uri="{91240B29-F687-4f45-9708-019B960494DF}">
-              <a14:hiddenLine xmlns="" xmlns:a14="http://schemas.microsoft.com/office/drawing/2010/main" w="9525">
+              <a14:hiddenLine xmlns:a14="http://schemas.microsoft.com/office/drawing/2010/main" w="9525">
                 <a:solidFill>
                   <a:srgbClr val="000000"/>
                 </a:solidFill>
@@ -9384,7 +9384,7 @@
   <p:clrMapOvr>
     <a:masterClrMapping/>
   </p:clrMapOvr>
-  <p:transition spd="med">
+  <p:transition xmlns:p14="http://schemas.microsoft.com/office/powerpoint/2010/main" spd="med">
     <p:fade/>
   </p:transition>
 </p:sldLayout>
@@ -9671,7 +9671,7 @@
   <p:clrMapOvr>
     <a:masterClrMapping/>
   </p:clrMapOvr>
-  <p:transition spd="med">
+  <p:transition xmlns:p14="http://schemas.microsoft.com/office/powerpoint/2010/main" spd="med">
     <p:fade/>
   </p:transition>
 </p:sldLayout>
@@ -9888,14 +9888,14 @@
           </a:ln>
           <a:extLst>
             <a:ext uri="{909E8E84-426E-40dd-AFC4-6F175D3DCCD1}">
-              <a14:hiddenFill xmlns="" xmlns:a14="http://schemas.microsoft.com/office/drawing/2010/main">
+              <a14:hiddenFill xmlns:a14="http://schemas.microsoft.com/office/drawing/2010/main">
                 <a:solidFill>
                   <a:srgbClr val="FFFFFF"/>
                 </a:solidFill>
               </a14:hiddenFill>
             </a:ext>
             <a:ext uri="{91240B29-F687-4f45-9708-019B960494DF}">
-              <a14:hiddenLine xmlns="" xmlns:a14="http://schemas.microsoft.com/office/drawing/2010/main" w="9525">
+              <a14:hiddenLine xmlns:a14="http://schemas.microsoft.com/office/drawing/2010/main" w="9525">
                 <a:solidFill>
                   <a:srgbClr val="000000"/>
                 </a:solidFill>
@@ -10092,7 +10092,7 @@
   <p:clrMapOvr>
     <a:masterClrMapping/>
   </p:clrMapOvr>
-  <p:transition spd="med">
+  <p:transition xmlns:p14="http://schemas.microsoft.com/office/powerpoint/2010/main" spd="med">
     <p:fade/>
   </p:transition>
 </p:sldLayout>
@@ -10379,7 +10379,7 @@
   <p:clrMapOvr>
     <a:masterClrMapping/>
   </p:clrMapOvr>
-  <p:transition spd="med">
+  <p:transition xmlns:p14="http://schemas.microsoft.com/office/powerpoint/2010/main" spd="med">
     <p:fade/>
   </p:transition>
 </p:sldLayout>
@@ -10666,7 +10666,7 @@
   <p:clrMapOvr>
     <a:masterClrMapping/>
   </p:clrMapOvr>
-  <p:transition spd="med">
+  <p:transition xmlns:p14="http://schemas.microsoft.com/office/powerpoint/2010/main" spd="med">
     <p:fade/>
   </p:transition>
 </p:sldLayout>
@@ -11015,7 +11015,7 @@
   <p:clrMapOvr>
     <a:masterClrMapping/>
   </p:clrMapOvr>
-  <p:transition spd="med">
+  <p:transition xmlns:p14="http://schemas.microsoft.com/office/powerpoint/2010/main" spd="med">
     <p:fade/>
   </p:transition>
 </p:sldLayout>
@@ -11302,7 +11302,7 @@
   <p:clrMapOvr>
     <a:masterClrMapping/>
   </p:clrMapOvr>
-  <p:transition spd="med">
+  <p:transition xmlns:p14="http://schemas.microsoft.com/office/powerpoint/2010/main" spd="med">
     <p:fade/>
   </p:transition>
 </p:sldLayout>
@@ -11519,14 +11519,14 @@
           </a:ln>
           <a:extLst>
             <a:ext uri="{909E8E84-426E-40dd-AFC4-6F175D3DCCD1}">
-              <a14:hiddenFill xmlns="" xmlns:a14="http://schemas.microsoft.com/office/drawing/2010/main">
+              <a14:hiddenFill xmlns:a14="http://schemas.microsoft.com/office/drawing/2010/main">
                 <a:solidFill>
                   <a:srgbClr val="FFFFFF"/>
                 </a:solidFill>
               </a14:hiddenFill>
             </a:ext>
             <a:ext uri="{91240B29-F687-4f45-9708-019B960494DF}">
-              <a14:hiddenLine xmlns="" xmlns:a14="http://schemas.microsoft.com/office/drawing/2010/main" w="9525">
+              <a14:hiddenLine xmlns:a14="http://schemas.microsoft.com/office/drawing/2010/main" w="9525">
                 <a:solidFill>
                   <a:srgbClr val="000000"/>
                 </a:solidFill>
@@ -11723,7 +11723,7 @@
   <p:clrMapOvr>
     <a:masterClrMapping/>
   </p:clrMapOvr>
-  <p:transition spd="med">
+  <p:transition xmlns:p14="http://schemas.microsoft.com/office/powerpoint/2010/main" spd="med">
     <p:fade/>
   </p:transition>
 </p:sldLayout>
@@ -11900,7 +11900,7 @@
   <p:clrMapOvr>
     <a:masterClrMapping/>
   </p:clrMapOvr>
-  <p:transition spd="med">
+  <p:transition xmlns:p14="http://schemas.microsoft.com/office/powerpoint/2010/main" spd="med">
     <p:fade/>
   </p:transition>
 </p:sldLayout>
@@ -12188,7 +12188,7 @@
   <p:clrMapOvr>
     <a:masterClrMapping/>
   </p:clrMapOvr>
-  <p:transition spd="med">
+  <p:transition xmlns:p14="http://schemas.microsoft.com/office/powerpoint/2010/main" spd="med">
     <p:fade/>
   </p:transition>
 </p:sldLayout>
@@ -12500,7 +12500,7 @@
   <p:clrMapOvr>
     <a:masterClrMapping/>
   </p:clrMapOvr>
-  <p:transition spd="med">
+  <p:transition xmlns:p14="http://schemas.microsoft.com/office/powerpoint/2010/main" spd="med">
     <p:fade/>
   </p:transition>
 </p:sldLayout>
@@ -12804,7 +12804,7 @@
   <p:clrMapOvr>
     <a:masterClrMapping/>
   </p:clrMapOvr>
-  <p:transition spd="med">
+  <p:transition xmlns:p14="http://schemas.microsoft.com/office/powerpoint/2010/main" spd="med">
     <p:fade/>
   </p:transition>
 </p:sldLayout>
@@ -12880,14 +12880,14 @@
           </a:ln>
           <a:extLst>
             <a:ext uri="{909E8E84-426E-40dd-AFC4-6F175D3DCCD1}">
-              <a14:hiddenFill xmlns="" xmlns:a14="http://schemas.microsoft.com/office/drawing/2010/main">
+              <a14:hiddenFill xmlns:a14="http://schemas.microsoft.com/office/drawing/2010/main">
                 <a:solidFill>
                   <a:srgbClr val="FFFFFF"/>
                 </a:solidFill>
               </a14:hiddenFill>
             </a:ext>
             <a:ext uri="{91240B29-F687-4f45-9708-019B960494DF}">
-              <a14:hiddenLine xmlns="" xmlns:a14="http://schemas.microsoft.com/office/drawing/2010/main" w="9525">
+              <a14:hiddenLine xmlns:a14="http://schemas.microsoft.com/office/drawing/2010/main" w="9525">
                 <a:solidFill>
                   <a:srgbClr val="000000"/>
                 </a:solidFill>
@@ -13111,7 +13111,7 @@
   <p:clrMapOvr>
     <a:overrideClrMapping bg1="lt1" tx1="dk1" bg2="lt2" tx2="dk2" accent1="accent1" accent2="accent2" accent3="accent3" accent4="accent4" accent5="accent5" accent6="accent6" hlink="hlink" folHlink="folHlink"/>
   </p:clrMapOvr>
-  <p:transition spd="med">
+  <p:transition xmlns:p14="http://schemas.microsoft.com/office/powerpoint/2010/main" spd="med">
     <p:fade/>
   </p:transition>
 </p:sldLayout>
@@ -13317,7 +13317,7 @@
   <p:clrMapOvr>
     <a:overrideClrMapping bg1="lt1" tx1="dk1" bg2="lt2" tx2="dk2" accent1="accent1" accent2="accent2" accent3="accent3" accent4="accent4" accent5="accent5" accent6="accent6" hlink="hlink" folHlink="folHlink"/>
   </p:clrMapOvr>
-  <p:transition spd="med">
+  <p:transition xmlns:p14="http://schemas.microsoft.com/office/powerpoint/2010/main" spd="med">
     <p:fade/>
   </p:transition>
 </p:sldLayout>
@@ -13393,14 +13393,14 @@
           </a:ln>
           <a:extLst>
             <a:ext uri="{909E8E84-426E-40dd-AFC4-6F175D3DCCD1}">
-              <a14:hiddenFill xmlns="" xmlns:a14="http://schemas.microsoft.com/office/drawing/2010/main">
+              <a14:hiddenFill xmlns:a14="http://schemas.microsoft.com/office/drawing/2010/main">
                 <a:solidFill>
                   <a:srgbClr val="FFFFFF"/>
                 </a:solidFill>
               </a14:hiddenFill>
             </a:ext>
             <a:ext uri="{91240B29-F687-4f45-9708-019B960494DF}">
-              <a14:hiddenLine xmlns="" xmlns:a14="http://schemas.microsoft.com/office/drawing/2010/main" w="9525">
+              <a14:hiddenLine xmlns:a14="http://schemas.microsoft.com/office/drawing/2010/main" w="9525">
                 <a:solidFill>
                   <a:srgbClr val="000000"/>
                 </a:solidFill>
@@ -13683,7 +13683,7 @@
   <p:clrMapOvr>
     <a:overrideClrMapping bg1="lt1" tx1="dk1" bg2="lt2" tx2="dk2" accent1="accent1" accent2="accent2" accent3="accent3" accent4="accent4" accent5="accent5" accent6="accent6" hlink="hlink" folHlink="folHlink"/>
   </p:clrMapOvr>
-  <p:transition spd="med">
+  <p:transition xmlns:p14="http://schemas.microsoft.com/office/powerpoint/2010/main" spd="med">
     <p:fade/>
   </p:transition>
 </p:sldLayout>
@@ -13891,7 +13891,7 @@
   <p:clrMapOvr>
     <a:overrideClrMapping bg1="lt1" tx1="dk1" bg2="lt2" tx2="dk2" accent1="accent1" accent2="accent2" accent3="accent3" accent4="accent4" accent5="accent5" accent6="accent6" hlink="hlink" folHlink="folHlink"/>
   </p:clrMapOvr>
-  <p:transition spd="med">
+  <p:transition xmlns:p14="http://schemas.microsoft.com/office/powerpoint/2010/main" spd="med">
     <p:fade/>
   </p:transition>
 </p:sldLayout>
@@ -13967,14 +13967,14 @@
           </a:ln>
           <a:extLst>
             <a:ext uri="{909E8E84-426E-40dd-AFC4-6F175D3DCCD1}">
-              <a14:hiddenFill xmlns="" xmlns:a14="http://schemas.microsoft.com/office/drawing/2010/main">
+              <a14:hiddenFill xmlns:a14="http://schemas.microsoft.com/office/drawing/2010/main">
                 <a:solidFill>
                   <a:srgbClr val="FFFFFF"/>
                 </a:solidFill>
               </a14:hiddenFill>
             </a:ext>
             <a:ext uri="{91240B29-F687-4f45-9708-019B960494DF}">
-              <a14:hiddenLine xmlns="" xmlns:a14="http://schemas.microsoft.com/office/drawing/2010/main" w="9525">
+              <a14:hiddenLine xmlns:a14="http://schemas.microsoft.com/office/drawing/2010/main" w="9525">
                 <a:solidFill>
                   <a:srgbClr val="000000"/>
                 </a:solidFill>
@@ -14242,7 +14242,7 @@
   <p:clrMapOvr>
     <a:overrideClrMapping bg1="lt1" tx1="dk1" bg2="lt2" tx2="dk2" accent1="accent1" accent2="accent2" accent3="accent3" accent4="accent4" accent5="accent5" accent6="accent6" hlink="hlink" folHlink="folHlink"/>
   </p:clrMapOvr>
-  <p:transition spd="med">
+  <p:transition xmlns:p14="http://schemas.microsoft.com/office/powerpoint/2010/main" spd="med">
     <p:fade/>
   </p:transition>
 </p:sldLayout>
@@ -14470,7 +14470,7 @@
   <p:clrMapOvr>
     <a:overrideClrMapping bg1="lt1" tx1="dk1" bg2="lt2" tx2="dk2" accent1="accent1" accent2="accent2" accent3="accent3" accent4="accent4" accent5="accent5" accent6="accent6" hlink="hlink" folHlink="folHlink"/>
   </p:clrMapOvr>
-  <p:transition spd="med">
+  <p:transition xmlns:p14="http://schemas.microsoft.com/office/powerpoint/2010/main" spd="med">
     <p:fade/>
   </p:transition>
 </p:sldLayout>
@@ -14758,7 +14758,7 @@
   <p:clrMapOvr>
     <a:overrideClrMapping bg1="lt1" tx1="dk1" bg2="lt2" tx2="dk2" accent1="accent1" accent2="accent2" accent3="accent3" accent4="accent4" accent5="accent5" accent6="accent6" hlink="hlink" folHlink="folHlink"/>
   </p:clrMapOvr>
-  <p:transition spd="med">
+  <p:transition xmlns:p14="http://schemas.microsoft.com/office/powerpoint/2010/main" spd="med">
     <p:fade/>
   </p:transition>
 </p:sldLayout>
@@ -14914,14 +14914,14 @@
           </a:ln>
           <a:extLst>
             <a:ext uri="{909E8E84-426E-40dd-AFC4-6F175D3DCCD1}">
-              <a14:hiddenFill xmlns="" xmlns:a14="http://schemas.microsoft.com/office/drawing/2010/main">
+              <a14:hiddenFill xmlns:a14="http://schemas.microsoft.com/office/drawing/2010/main">
                 <a:solidFill>
                   <a:srgbClr val="FFFFFF"/>
                 </a:solidFill>
               </a14:hiddenFill>
             </a:ext>
             <a:ext uri="{91240B29-F687-4f45-9708-019B960494DF}">
-              <a14:hiddenLine xmlns="" xmlns:a14="http://schemas.microsoft.com/office/drawing/2010/main" w="9525">
+              <a14:hiddenLine xmlns:a14="http://schemas.microsoft.com/office/drawing/2010/main" w="9525">
                 <a:solidFill>
                   <a:srgbClr val="000000"/>
                 </a:solidFill>
@@ -15140,13 +15140,13 @@
     <p:sldLayoutId id="2147483867" r:id="rId13"/>
     <p:sldLayoutId id="2147483868" r:id="rId14"/>
   </p:sldLayoutIdLst>
-  <p:transition spd="med">
+  <p:transition xmlns:p14="http://schemas.microsoft.com/office/powerpoint/2010/main" spd="med">
     <p:fade/>
   </p:transition>
   <p:timing>
     <p:tnLst>
       <p:par>
-        <p:cTn id="1" dur="indefinite" restart="never" nodeType="tmRoot"/>
+        <p:cTn xmlns:p14="http://schemas.microsoft.com/office/powerpoint/2010/main" id="1" dur="indefinite" restart="never" nodeType="tmRoot"/>
       </p:par>
     </p:tnLst>
   </p:timing>
@@ -15674,14 +15674,14 @@
           </a:ln>
           <a:extLst>
             <a:ext uri="{909E8E84-426E-40dd-AFC4-6F175D3DCCD1}">
-              <a14:hiddenFill xmlns="" xmlns:a14="http://schemas.microsoft.com/office/drawing/2010/main">
+              <a14:hiddenFill xmlns:a14="http://schemas.microsoft.com/office/drawing/2010/main">
                 <a:solidFill>
                   <a:srgbClr val="FFFFFF"/>
                 </a:solidFill>
               </a14:hiddenFill>
             </a:ext>
             <a:ext uri="{91240B29-F687-4f45-9708-019B960494DF}">
-              <a14:hiddenLine xmlns="" xmlns:a14="http://schemas.microsoft.com/office/drawing/2010/main" w="9525">
+              <a14:hiddenLine xmlns:a14="http://schemas.microsoft.com/office/drawing/2010/main" w="9525">
                 <a:solidFill>
                   <a:srgbClr val="000000"/>
                 </a:solidFill>
@@ -15969,13 +15969,13 @@
     <p:sldLayoutId id="2147483856" r:id="rId7"/>
     <p:sldLayoutId id="2147483866" r:id="rId8"/>
   </p:sldLayoutIdLst>
-  <p:transition spd="med">
+  <p:transition xmlns:p14="http://schemas.microsoft.com/office/powerpoint/2010/main" spd="med">
     <p:fade/>
   </p:transition>
   <p:timing>
     <p:tnLst>
       <p:par>
-        <p:cTn id="1" dur="indefinite" restart="never" nodeType="tmRoot"/>
+        <p:cTn xmlns:p14="http://schemas.microsoft.com/office/powerpoint/2010/main" id="1" dur="indefinite" restart="never" nodeType="tmRoot"/>
       </p:par>
     </p:tnLst>
   </p:timing>
@@ -16478,13 +16478,13 @@
   <p:clrMapOvr>
     <a:masterClrMapping/>
   </p:clrMapOvr>
-  <p:transition spd="med">
+  <p:transition xmlns:p14="http://schemas.microsoft.com/office/powerpoint/2010/main" spd="med">
     <p:fade/>
   </p:transition>
   <p:timing>
     <p:tnLst>
       <p:par>
-        <p:cTn id="1" dur="indefinite" restart="never" nodeType="tmRoot"/>
+        <p:cTn xmlns:p14="http://schemas.microsoft.com/office/powerpoint/2010/main" id="1" dur="indefinite" restart="never" nodeType="tmRoot"/>
       </p:par>
     </p:tnLst>
   </p:timing>
@@ -16635,7 +16635,7 @@
   <p:clrMapOvr>
     <a:masterClrMapping/>
   </p:clrMapOvr>
-  <p:transition spd="med">
+  <p:transition xmlns:p14="http://schemas.microsoft.com/office/powerpoint/2010/main" spd="med">
     <p:fade/>
   </p:transition>
 </p:sld>
@@ -16889,13 +16889,13 @@
   <p:clrMapOvr>
     <a:masterClrMapping/>
   </p:clrMapOvr>
-  <p:transition spd="med">
+  <p:transition xmlns:p14="http://schemas.microsoft.com/office/powerpoint/2010/main" spd="med">
     <p:fade/>
   </p:transition>
   <p:timing>
     <p:tnLst>
       <p:par>
-        <p:cTn id="1" dur="indefinite" restart="never" nodeType="tmRoot"/>
+        <p:cTn xmlns:p14="http://schemas.microsoft.com/office/powerpoint/2010/main" id="1" dur="indefinite" restart="never" nodeType="tmRoot"/>
       </p:par>
     </p:tnLst>
   </p:timing>
@@ -17103,13 +17103,13 @@
   <p:clrMapOvr>
     <a:masterClrMapping/>
   </p:clrMapOvr>
-  <p:transition spd="med">
+  <p:transition xmlns:p14="http://schemas.microsoft.com/office/powerpoint/2010/main" spd="med">
     <p:fade/>
   </p:transition>
   <p:timing>
     <p:tnLst>
       <p:par>
-        <p:cTn id="1" dur="indefinite" restart="never" nodeType="tmRoot"/>
+        <p:cTn xmlns:p14="http://schemas.microsoft.com/office/powerpoint/2010/main" id="1" dur="indefinite" restart="never" nodeType="tmRoot"/>
       </p:par>
     </p:tnLst>
   </p:timing>
@@ -17338,13 +17338,13 @@
   <p:clrMapOvr>
     <a:masterClrMapping/>
   </p:clrMapOvr>
-  <p:transition spd="med">
+  <p:transition xmlns:p14="http://schemas.microsoft.com/office/powerpoint/2010/main" spd="med">
     <p:fade/>
   </p:transition>
   <p:timing>
     <p:tnLst>
       <p:par>
-        <p:cTn id="1" dur="indefinite" restart="never" nodeType="tmRoot"/>
+        <p:cTn xmlns:p14="http://schemas.microsoft.com/office/powerpoint/2010/main" id="1" dur="indefinite" restart="never" nodeType="tmRoot"/>
       </p:par>
     </p:tnLst>
   </p:timing>
@@ -17506,13 +17506,13 @@
   <p:clrMapOvr>
     <a:masterClrMapping/>
   </p:clrMapOvr>
-  <p:transition spd="med">
+  <p:transition xmlns:p14="http://schemas.microsoft.com/office/powerpoint/2010/main" spd="med">
     <p:fade/>
   </p:transition>
   <p:timing>
     <p:tnLst>
       <p:par>
-        <p:cTn id="1" dur="indefinite" restart="never" nodeType="tmRoot"/>
+        <p:cTn xmlns:p14="http://schemas.microsoft.com/office/powerpoint/2010/main" id="1" dur="indefinite" restart="never" nodeType="tmRoot"/>
       </p:par>
     </p:tnLst>
   </p:timing>
@@ -17834,7 +17834,7 @@
   <p:clrMapOvr>
     <a:masterClrMapping/>
   </p:clrMapOvr>
-  <p:transition spd="med">
+  <p:transition xmlns:p14="http://schemas.microsoft.com/office/powerpoint/2010/main" spd="med">
     <p:fade/>
   </p:transition>
 </p:sld>
@@ -18069,13 +18069,13 @@
   <p:clrMapOvr>
     <a:masterClrMapping/>
   </p:clrMapOvr>
-  <p:transition spd="med">
+  <p:transition xmlns:p14="http://schemas.microsoft.com/office/powerpoint/2010/main" spd="med">
     <p:fade/>
   </p:transition>
   <p:timing>
     <p:tnLst>
       <p:par>
-        <p:cTn id="1" dur="indefinite" restart="never" nodeType="tmRoot"/>
+        <p:cTn xmlns:p14="http://schemas.microsoft.com/office/powerpoint/2010/main" id="1" dur="indefinite" restart="never" nodeType="tmRoot"/>
       </p:par>
     </p:tnLst>
   </p:timing>
@@ -18221,13 +18221,13 @@
   <p:clrMapOvr>
     <a:masterClrMapping/>
   </p:clrMapOvr>
-  <p:transition spd="med">
+  <p:transition xmlns:p14="http://schemas.microsoft.com/office/powerpoint/2010/main" spd="med">
     <p:fade/>
   </p:transition>
   <p:timing>
     <p:tnLst>
       <p:par>
-        <p:cTn id="1" dur="indefinite" restart="never" nodeType="tmRoot"/>
+        <p:cTn xmlns:p14="http://schemas.microsoft.com/office/powerpoint/2010/main" id="1" dur="indefinite" restart="never" nodeType="tmRoot"/>
       </p:par>
     </p:tnLst>
   </p:timing>
@@ -18329,7 +18329,7 @@
               <a:buChar char="q"/>
             </a:pPr>
             <a:r>
-              <a:rPr lang="en-US" dirty="0" smtClean="0"/>
+              <a:rPr lang="en-US" dirty="0"/>
               <a:t>Zip up the new profile.</a:t>
             </a:r>
           </a:p>
@@ -18339,8 +18339,8 @@
               <a:buChar char="q"/>
             </a:pPr>
             <a:r>
-              <a:rPr lang="en-US" dirty="0" smtClean="0"/>
-              <a:t>Upload it to your laptop and then to the Compliance Server.</a:t>
+              <a:rPr lang="en-US" dirty="0"/>
+              <a:t>Download it to your laptop.</a:t>
             </a:r>
           </a:p>
           <a:p>
@@ -18348,6 +18348,14 @@
               <a:buFont typeface="Wingdings" panose="05000000000000000000" pitchFamily="2" charset="2"/>
               <a:buChar char="q"/>
             </a:pPr>
+            <a:r>
+              <a:rPr lang="en-US" dirty="0"/>
+              <a:t>Upload it to the Compliance Server</a:t>
+            </a:r>
+            <a:r>
+              <a:rPr lang="en-US" dirty="0" smtClean="0"/>
+              <a:t>.	</a:t>
+            </a:r>
             <a:endParaRPr lang="en-US" dirty="0" smtClean="0"/>
           </a:p>
           <a:p>
@@ -18376,7 +18384,7 @@
   <p:clrMapOvr>
     <a:masterClrMapping/>
   </p:clrMapOvr>
-  <p:transition spd="med">
+  <p:transition xmlns:p14="http://schemas.microsoft.com/office/powerpoint/2010/main" spd="med">
     <p:fade/>
   </p:transition>
 </p:sld>
@@ -18513,7 +18521,7 @@
   <p:clrMapOvr>
     <a:masterClrMapping/>
   </p:clrMapOvr>
-  <p:transition spd="med">
+  <p:transition xmlns:p14="http://schemas.microsoft.com/office/powerpoint/2010/main" spd="med">
     <p:fade/>
   </p:transition>
 </p:sld>
@@ -18623,7 +18631,7 @@
             </a:pPr>
             <a:r>
               <a:rPr lang="en-US" dirty="0" smtClean="0"/>
-              <a:t>Using </a:t>
+              <a:t>Use </a:t>
             </a:r>
             <a:r>
               <a:rPr lang="en-US" dirty="0" err="1" smtClean="0"/>
@@ -18688,13 +18696,13 @@
   <p:clrMapOvr>
     <a:masterClrMapping/>
   </p:clrMapOvr>
-  <p:transition spd="med">
+  <p:transition xmlns:p14="http://schemas.microsoft.com/office/powerpoint/2010/main" spd="med">
     <p:fade/>
   </p:transition>
   <p:timing>
     <p:tnLst>
       <p:par>
-        <p:cTn id="1" dur="indefinite" restart="never" nodeType="tmRoot"/>
+        <p:cTn xmlns:p14="http://schemas.microsoft.com/office/powerpoint/2010/main" id="1" dur="indefinite" restart="never" nodeType="tmRoot"/>
       </p:par>
     </p:tnLst>
   </p:timing>
@@ -18746,19 +18754,35 @@
           <a:p>
             <a:r>
               <a:rPr lang="en-US" dirty="0"/>
-              <a:t>  adding: profile_01/metadata.rb (deflated 17%)</a:t>
-            </a:r>
-          </a:p>
-          <a:p>
+              <a:t> </a:t>
+            </a:r>
+            <a:r>
+              <a:rPr lang="en-US" dirty="0" smtClean="0"/>
+              <a:t>adding</a:t>
+            </a:r>
             <a:r>
               <a:rPr lang="en-US" dirty="0"/>
-              <a:t>  adding: profile_01/test/ (stored 0%)</a:t>
-            </a:r>
-          </a:p>
-          <a:p>
+              <a:t>: profile_01/metadata.rb (deflated 17%)</a:t>
+            </a:r>
+          </a:p>
+          <a:p>
+            <a:r>
+              <a:rPr lang="en-US" dirty="0" smtClean="0"/>
+              <a:t> </a:t>
+            </a:r>
             <a:r>
               <a:rPr lang="en-US" dirty="0"/>
-              <a:t>  adding: profile_01/test/</a:t>
+              <a:t>adding: profile_01/test/ (stored 0%)</a:t>
+            </a:r>
+          </a:p>
+          <a:p>
+            <a:r>
+              <a:rPr lang="en-US" dirty="0" smtClean="0"/>
+              <a:t> </a:t>
+            </a:r>
+            <a:r>
+              <a:rPr lang="en-US" dirty="0"/>
+              <a:t>adding: profile_01/test/</a:t>
             </a:r>
             <a:r>
               <a:rPr lang="en-US" dirty="0" err="1"/>
@@ -18846,7 +18870,7 @@
   <p:clrMapOvr>
     <a:masterClrMapping/>
   </p:clrMapOvr>
-  <p:transition spd="med">
+  <p:transition xmlns:p14="http://schemas.microsoft.com/office/powerpoint/2010/main" spd="med">
     <p:fade/>
   </p:transition>
 </p:sld>
@@ -19013,7 +19037,7 @@
   <p:clrMapOvr>
     <a:masterClrMapping/>
   </p:clrMapOvr>
-  <p:transition spd="med">
+  <p:transition xmlns:p14="http://schemas.microsoft.com/office/powerpoint/2010/main" spd="med">
     <p:fade/>
   </p:transition>
 </p:sld>
@@ -19171,13 +19195,13 @@
   <p:clrMapOvr>
     <a:masterClrMapping/>
   </p:clrMapOvr>
-  <p:transition spd="med">
+  <p:transition xmlns:p14="http://schemas.microsoft.com/office/powerpoint/2010/main" spd="med">
     <p:fade/>
   </p:transition>
   <p:timing>
     <p:tnLst>
       <p:par>
-        <p:cTn id="1" dur="indefinite" restart="never" nodeType="tmRoot"/>
+        <p:cTn xmlns:p14="http://schemas.microsoft.com/office/powerpoint/2010/main" id="1" dur="indefinite" restart="never" nodeType="tmRoot"/>
       </p:par>
     </p:tnLst>
   </p:timing>
@@ -19410,13 +19434,13 @@
   <p:clrMapOvr>
     <a:masterClrMapping/>
   </p:clrMapOvr>
-  <p:transition spd="med">
+  <p:transition xmlns:p14="http://schemas.microsoft.com/office/powerpoint/2010/main" spd="med">
     <p:fade/>
   </p:transition>
   <p:timing>
     <p:tnLst>
       <p:par>
-        <p:cTn id="1" dur="indefinite" restart="never" nodeType="tmRoot"/>
+        <p:cTn xmlns:p14="http://schemas.microsoft.com/office/powerpoint/2010/main" id="1" dur="indefinite" restart="never" nodeType="tmRoot"/>
       </p:par>
     </p:tnLst>
   </p:timing>
@@ -19554,13 +19578,13 @@
   <p:clrMapOvr>
     <a:masterClrMapping/>
   </p:clrMapOvr>
-  <p:transition spd="med">
+  <p:transition xmlns:p14="http://schemas.microsoft.com/office/powerpoint/2010/main" spd="med">
     <p:fade/>
   </p:transition>
   <p:timing>
     <p:tnLst>
       <p:par>
-        <p:cTn id="1" dur="indefinite" restart="never" nodeType="tmRoot"/>
+        <p:cTn xmlns:p14="http://schemas.microsoft.com/office/powerpoint/2010/main" id="1" dur="indefinite" restart="never" nodeType="tmRoot"/>
       </p:par>
     </p:tnLst>
   </p:timing>
@@ -19606,17 +19630,10 @@
               <a:t>GE: </a:t>
             </a:r>
             <a:r>
-              <a:rPr lang="en-US" dirty="0"/>
-              <a:t>Upload the </a:t>
-            </a:r>
-            <a:r>
-              <a:rPr lang="en-US" dirty="0" smtClean="0"/>
-              <a:t>Profile </a:t>
-            </a:r>
-            <a:r>
-              <a:rPr lang="en-US" dirty="0"/>
-              <a:t>to Chef Compliance</a:t>
-            </a:r>
+              <a:rPr lang="en-US" dirty="0" smtClean="0"/>
+              <a:t>Scan Your Node</a:t>
+            </a:r>
+            <a:endParaRPr lang="en-US" dirty="0"/>
           </a:p>
         </p:txBody>
       </p:sp>
@@ -19735,13 +19752,13 @@
   <p:clrMapOvr>
     <a:masterClrMapping/>
   </p:clrMapOvr>
-  <p:transition spd="med">
+  <p:transition xmlns:p14="http://schemas.microsoft.com/office/powerpoint/2010/main" spd="med">
     <p:fade/>
   </p:transition>
   <p:timing>
     <p:tnLst>
       <p:par>
-        <p:cTn id="1" dur="indefinite" restart="never" nodeType="tmRoot"/>
+        <p:cTn xmlns:p14="http://schemas.microsoft.com/office/powerpoint/2010/main" id="1" dur="indefinite" restart="never" nodeType="tmRoot"/>
       </p:par>
     </p:tnLst>
   </p:timing>
@@ -19980,13 +19997,13 @@
   <p:clrMapOvr>
     <a:masterClrMapping/>
   </p:clrMapOvr>
-  <p:transition spd="med">
+  <p:transition xmlns:p14="http://schemas.microsoft.com/office/powerpoint/2010/main" spd="med">
     <p:fade/>
   </p:transition>
   <p:timing>
     <p:tnLst>
       <p:par>
-        <p:cTn id="1" dur="indefinite" restart="never" nodeType="tmRoot"/>
+        <p:cTn xmlns:p14="http://schemas.microsoft.com/office/powerpoint/2010/main" id="1" dur="indefinite" restart="never" nodeType="tmRoot"/>
       </p:par>
     </p:tnLst>
   </p:timing>
@@ -20127,13 +20144,13 @@
   <p:clrMapOvr>
     <a:masterClrMapping/>
   </p:clrMapOvr>
-  <p:transition spd="med">
+  <p:transition xmlns:p14="http://schemas.microsoft.com/office/powerpoint/2010/main" spd="med">
     <p:fade/>
   </p:transition>
   <p:timing>
     <p:tnLst>
       <p:par>
-        <p:cTn id="1" dur="indefinite" restart="never" nodeType="tmRoot"/>
+        <p:cTn xmlns:p14="http://schemas.microsoft.com/office/powerpoint/2010/main" id="1" dur="indefinite" restart="never" nodeType="tmRoot"/>
       </p:par>
     </p:tnLst>
   </p:timing>
@@ -20265,13 +20282,13 @@
   <p:clrMapOvr>
     <a:masterClrMapping/>
   </p:clrMapOvr>
-  <p:transition spd="med">
+  <p:transition xmlns:p14="http://schemas.microsoft.com/office/powerpoint/2010/main" spd="med">
     <p:fade/>
   </p:transition>
   <p:timing>
     <p:tnLst>
       <p:par>
-        <p:cTn id="1" dur="indefinite" restart="never" nodeType="tmRoot"/>
+        <p:cTn xmlns:p14="http://schemas.microsoft.com/office/powerpoint/2010/main" id="1" dur="indefinite" restart="never" nodeType="tmRoot"/>
       </p:par>
     </p:tnLst>
   </p:timing>
@@ -20455,13 +20472,13 @@
   <p:clrMapOvr>
     <a:masterClrMapping/>
   </p:clrMapOvr>
-  <p:transition spd="med">
+  <p:transition xmlns:p14="http://schemas.microsoft.com/office/powerpoint/2010/main" spd="med">
     <p:fade/>
   </p:transition>
   <p:timing>
     <p:tnLst>
       <p:par>
-        <p:cTn id="1" dur="indefinite" restart="never" nodeType="tmRoot"/>
+        <p:cTn xmlns:p14="http://schemas.microsoft.com/office/powerpoint/2010/main" id="1" dur="indefinite" restart="never" nodeType="tmRoot"/>
       </p:par>
     </p:tnLst>
   </p:timing>
@@ -20574,7 +20591,7 @@
   <p:clrMapOvr>
     <a:masterClrMapping/>
   </p:clrMapOvr>
-  <p:transition spd="med">
+  <p:transition xmlns:p14="http://schemas.microsoft.com/office/powerpoint/2010/main" spd="med">
     <p:fade/>
   </p:transition>
 </p:sld>
@@ -20661,7 +20678,7 @@
           </a:ln>
           <a:effectLst/>
           <a:extLst>
-            <a:ext uri="{91240B29-F687-4F45-9708-019B960494DF}">
+            <a:ext uri="{91240B29-F687-4f45-9708-019B960494DF}">
               <a14:hiddenLine xmlns:a14="http://schemas.microsoft.com/office/drawing/2010/main" w="9525">
                 <a:solidFill>
                   <a:schemeClr val="tx1"/>
@@ -20671,7 +20688,7 @@
                 <a:tailEnd/>
               </a14:hiddenLine>
             </a:ext>
-            <a:ext uri="{AF507438-7753-43E0-B8FC-AC1667EBCBE1}">
+            <a:ext uri="{AF507438-7753-43e0-B8FC-AC1667EBCBE1}">
               <a14:hiddenEffects xmlns:a14="http://schemas.microsoft.com/office/drawing/2010/main">
                 <a:effectLst>
                   <a:outerShdw dist="35921" dir="2700000" algn="ctr" rotWithShape="0">
@@ -21599,7 +21616,7 @@
   <p:clrMapOvr>
     <a:masterClrMapping/>
   </p:clrMapOvr>
-  <p:transition spd="med">
+  <p:transition xmlns:p14="http://schemas.microsoft.com/office/powerpoint/2010/main" spd="med">
     <p:fade/>
   </p:transition>
 </p:sld>
@@ -21789,13 +21806,13 @@
   <p:clrMapOvr>
     <a:masterClrMapping/>
   </p:clrMapOvr>
-  <p:transition spd="med">
+  <p:transition xmlns:p14="http://schemas.microsoft.com/office/powerpoint/2010/main" spd="med">
     <p:fade/>
   </p:transition>
   <p:timing>
     <p:tnLst>
       <p:par>
-        <p:cTn id="1" dur="indefinite" restart="never" nodeType="tmRoot"/>
+        <p:cTn xmlns:p14="http://schemas.microsoft.com/office/powerpoint/2010/main" id="1" dur="indefinite" restart="never" nodeType="tmRoot"/>
       </p:par>
     </p:tnLst>
   </p:timing>
@@ -21995,13 +22012,13 @@
   <p:clrMapOvr>
     <a:masterClrMapping/>
   </p:clrMapOvr>
-  <p:transition spd="med">
+  <p:transition xmlns:p14="http://schemas.microsoft.com/office/powerpoint/2010/main" spd="med">
     <p:fade/>
   </p:transition>
   <p:timing>
     <p:tnLst>
       <p:par>
-        <p:cTn id="1" dur="indefinite" restart="never" nodeType="tmRoot"/>
+        <p:cTn xmlns:p14="http://schemas.microsoft.com/office/powerpoint/2010/main" id="1" dur="indefinite" restart="never" nodeType="tmRoot"/>
       </p:par>
     </p:tnLst>
   </p:timing>
@@ -22182,7 +22199,7 @@
   <p:clrMapOvr>
     <a:masterClrMapping/>
   </p:clrMapOvr>
-  <p:transition spd="med">
+  <p:transition xmlns:p14="http://schemas.microsoft.com/office/powerpoint/2010/main" spd="med">
     <p:fade/>
   </p:transition>
 </p:sld>
@@ -22376,7 +22393,7 @@
   <p:clrMapOvr>
     <a:masterClrMapping/>
   </p:clrMapOvr>
-  <p:transition spd="med">
+  <p:transition xmlns:p14="http://schemas.microsoft.com/office/powerpoint/2010/main" spd="med">
     <p:fade/>
   </p:transition>
 </p:sld>
@@ -22417,12 +22434,12 @@
           <a:lstStyle/>
           <a:p>
             <a:r>
-              <a:rPr lang="en-US" dirty="0" err="1" smtClean="0"/>
+              <a:rPr lang="en-US" dirty="0" err="1"/>
               <a:t>InSpec</a:t>
             </a:r>
             <a:r>
-              <a:rPr lang="en-US" dirty="0" smtClean="0"/>
-              <a:t> CLI</a:t>
+              <a:rPr lang="en-US" dirty="0"/>
+              <a:t> Command Line Interface</a:t>
             </a:r>
             <a:endParaRPr lang="en-US" dirty="0"/>
           </a:p>
@@ -22449,24 +22466,16 @@
           <a:lstStyle/>
           <a:p>
             <a:r>
-              <a:rPr lang="en-US" dirty="0" smtClean="0"/>
+              <a:rPr lang="en-US" dirty="0"/>
               <a:t>In this section we will use the </a:t>
             </a:r>
             <a:r>
-              <a:rPr lang="en-US" dirty="0" err="1" smtClean="0"/>
+              <a:rPr lang="en-US" dirty="0" err="1"/>
               <a:t>InSpec</a:t>
             </a:r>
             <a:r>
-              <a:rPr lang="en-US" dirty="0" smtClean="0"/>
-              <a:t> CLI to run </a:t>
-            </a:r>
-            <a:r>
               <a:rPr lang="en-US" dirty="0"/>
-              <a:t>audit tests against </a:t>
-            </a:r>
-            <a:r>
-              <a:rPr lang="en-US" dirty="0" smtClean="0"/>
-              <a:t>targets.</a:t>
+              <a:t> command line interface (CLI) to run audit tests against targets.</a:t>
             </a:r>
           </a:p>
           <a:p>
@@ -22626,7 +22635,7 @@
   <p:clrMapOvr>
     <a:masterClrMapping/>
   </p:clrMapOvr>
-  <p:transition spd="med">
+  <p:transition xmlns:p14="http://schemas.microsoft.com/office/powerpoint/2010/main" spd="med">
     <p:fade/>
   </p:transition>
 </p:sld>
@@ -22774,13 +22783,13 @@
   <p:clrMapOvr>
     <a:masterClrMapping/>
   </p:clrMapOvr>
-  <p:transition spd="med">
+  <p:transition xmlns:p14="http://schemas.microsoft.com/office/powerpoint/2010/main" spd="med">
     <p:fade/>
   </p:transition>
   <p:timing>
     <p:tnLst>
       <p:par>
-        <p:cTn id="1" dur="indefinite" restart="never" nodeType="tmRoot"/>
+        <p:cTn xmlns:p14="http://schemas.microsoft.com/office/powerpoint/2010/main" id="1" dur="indefinite" restart="never" nodeType="tmRoot"/>
       </p:par>
     </p:tnLst>
   </p:timing>
@@ -22917,14 +22926,14 @@
           <a:lstStyle/>
           <a:p>
             <a:r>
-              <a:rPr lang="en-US" dirty="0"/>
+              <a:rPr lang="en-US" sz="4700" dirty="0"/>
               <a:t>GE: </a:t>
             </a:r>
             <a:r>
-              <a:rPr lang="en-US" dirty="0" smtClean="0"/>
-              <a:t>Create a Directory for your Profile</a:t>
-            </a:r>
-            <a:endParaRPr lang="en-US" dirty="0"/>
+              <a:rPr lang="en-US" sz="4700" dirty="0"/>
+              <a:t>Create and change to a directory for your profile</a:t>
+            </a:r>
+            <a:endParaRPr lang="en-US" sz="4700" dirty="0"/>
           </a:p>
         </p:txBody>
       </p:sp>
@@ -22938,13 +22947,13 @@
   <p:clrMapOvr>
     <a:masterClrMapping/>
   </p:clrMapOvr>
-  <p:transition spd="med">
+  <p:transition xmlns:p14="http://schemas.microsoft.com/office/powerpoint/2010/main" spd="med">
     <p:fade/>
   </p:transition>
   <p:timing>
     <p:tnLst>
       <p:par>
-        <p:cTn id="1" dur="indefinite" restart="never" nodeType="tmRoot"/>
+        <p:cTn xmlns:p14="http://schemas.microsoft.com/office/powerpoint/2010/main" id="1" dur="indefinite" restart="never" nodeType="tmRoot"/>
       </p:par>
     </p:tnLst>
   </p:timing>
@@ -23178,13 +23187,13 @@
   <p:clrMapOvr>
     <a:masterClrMapping/>
   </p:clrMapOvr>
-  <p:transition spd="med">
+  <p:transition xmlns:p14="http://schemas.microsoft.com/office/powerpoint/2010/main" spd="med">
     <p:fade/>
   </p:transition>
   <p:timing>
     <p:tnLst>
       <p:par>
-        <p:cTn id="1" dur="indefinite" restart="never" nodeType="tmRoot"/>
+        <p:cTn xmlns:p14="http://schemas.microsoft.com/office/powerpoint/2010/main" id="1" dur="indefinite" restart="never" nodeType="tmRoot"/>
       </p:par>
     </p:tnLst>
   </p:timing>
@@ -23292,7 +23301,15 @@
           <a:p>
             <a:r>
               <a:rPr lang="en-US" dirty="0" smtClean="0"/>
-              <a:t>GE: Creating a metadata.rb </a:t>
+              <a:t>GE: </a:t>
+            </a:r>
+            <a:r>
+              <a:rPr lang="en-US" dirty="0" smtClean="0"/>
+              <a:t>Create </a:t>
+            </a:r>
+            <a:r>
+              <a:rPr lang="en-US" dirty="0" smtClean="0"/>
+              <a:t>a metadata.rb </a:t>
             </a:r>
             <a:r>
               <a:rPr lang="en-US" dirty="0"/>
@@ -23316,7 +23333,7 @@
   <p:clrMapOvr>
     <a:masterClrMapping/>
   </p:clrMapOvr>
-  <p:transition spd="med">
+  <p:transition xmlns:p14="http://schemas.microsoft.com/office/powerpoint/2010/main" spd="med">
     <p:fade/>
   </p:transition>
 </p:sld>
@@ -23590,7 +23607,7 @@
   <p:clrMapOvr>
     <a:masterClrMapping/>
   </p:clrMapOvr>
-  <p:transition spd="med">
+  <p:transition xmlns:p14="http://schemas.microsoft.com/office/powerpoint/2010/main" spd="med">
     <p:fade/>
   </p:transition>
 </p:sld>
@@ -23972,7 +23989,7 @@
   <a:extraClrSchemeLst/>
   <a:extLst>
     <a:ext uri="{05A4C25C-085E-4340-85A3-A5531E510DB2}">
-      <thm15:themeFamily xmlns:thm15="http://schemas.microsoft.com/office/thememl/2012/main" name="Chef-TemplateComps_v09-16x9-Light.potx" id="{078CEFDB-FA7A-4E36-9964-13EF367585CB}" vid="{8B87B0F3-7308-43D5-8388-E1B49EA02652}"/>
+      <thm15:themeFamily xmlns:thm15="http://schemas.microsoft.com/office/thememl/2012/main" xmlns="" name="Chef-TemplateComps_v09-16x9-Light.potx" id="{078CEFDB-FA7A-4E36-9964-13EF367585CB}" vid="{8B87B0F3-7308-43D5-8388-E1B49EA02652}"/>
     </a:ext>
   </a:extLst>
 </a:theme>
@@ -24354,7 +24371,7 @@
   <a:extraClrSchemeLst/>
   <a:extLst>
     <a:ext uri="{05A4C25C-085E-4340-85A3-A5531E510DB2}">
-      <thm15:themeFamily xmlns:thm15="http://schemas.microsoft.com/office/thememl/2012/main" name="Chef-TemplateComps_v09-16x9-Light.potx" id="{078CEFDB-FA7A-4E36-9964-13EF367585CB}" vid="{8B87B0F3-7308-43D5-8388-E1B49EA02652}"/>
+      <thm15:themeFamily xmlns:thm15="http://schemas.microsoft.com/office/thememl/2012/main" xmlns="" name="Chef-TemplateComps_v09-16x9-Light.potx" id="{078CEFDB-FA7A-4E36-9964-13EF367585CB}" vid="{8B87B0F3-7308-43D5-8388-E1B49EA02652}"/>
     </a:ext>
   </a:extLst>
 </a:theme>

--- a/05-creating-custom-profiles.pptx
+++ b/05-creating-custom-profiles.pptx
@@ -176,7 +176,7 @@
   </p:defaultTextStyle>
   <p:extLst>
     <p:ext uri="{EFAFB233-063F-42B5-8137-9DF3F51BA10A}">
-      <p15:sldGuideLst xmlns:p15="http://schemas.microsoft.com/office/powerpoint/2012/main" xmlns="">
+      <p15:sldGuideLst xmlns="" xmlns:p15="http://schemas.microsoft.com/office/powerpoint/2012/main">
         <p15:guide id="1" orient="horz" pos="894">
           <p15:clr>
             <a:srgbClr val="A4A3A4"/>
@@ -190,7 +190,7 @@
       </p15:sldGuideLst>
     </p:ext>
     <p:ext uri="{2D200454-40CA-4A62-9FC3-DE9A4176ACB9}">
-      <p15:notesGuideLst xmlns:p15="http://schemas.microsoft.com/office/powerpoint/2012/main" xmlns=""/>
+      <p15:notesGuideLst xmlns="" xmlns:p15="http://schemas.microsoft.com/office/powerpoint/2012/main"/>
     </p:ext>
   </p:extLst>
 </p:presentation>
@@ -307,7 +307,7 @@
               <a:pPr>
                 <a:defRPr/>
               </a:pPr>
-              <a:t>1/19/16</a:t>
+              <a:t>1/20/16</a:t>
             </a:fld>
             <a:endParaRPr lang="en-US" dirty="0"/>
           </a:p>
@@ -490,7 +490,7 @@
               <a:pPr>
                 <a:defRPr/>
               </a:pPr>
-              <a:t>1/19/16</a:t>
+              <a:t>1/20/16</a:t>
             </a:fld>
             <a:endParaRPr lang="en-US" dirty="0"/>
           </a:p>
@@ -18356,7 +18356,6 @@
               <a:rPr lang="en-US" dirty="0" smtClean="0"/>
               <a:t>.	</a:t>
             </a:r>
-            <a:endParaRPr lang="en-US" dirty="0" smtClean="0"/>
           </a:p>
           <a:p>
             <a:pPr marL="342900" indent="-342900">
@@ -18616,13 +18615,18 @@
               <a:t>Write a custom </a:t>
             </a:r>
             <a:r>
-              <a:rPr lang="en-US" dirty="0"/>
+              <a:rPr lang="en-US"/>
               <a:t>c</a:t>
             </a:r>
             <a:r>
-              <a:rPr lang="en-US" dirty="0" smtClean="0"/>
-              <a:t>ompliance profile</a:t>
-            </a:r>
+              <a:rPr lang="en-US" smtClean="0"/>
+              <a:t>ompliance </a:t>
+            </a:r>
+            <a:r>
+              <a:rPr lang="en-US" smtClean="0"/>
+              <a:t>profile.</a:t>
+            </a:r>
+            <a:endParaRPr lang="en-US" dirty="0" smtClean="0"/>
           </a:p>
           <a:p>
             <a:pPr marL="457200" indent="-457200">
@@ -19627,11 +19631,7 @@
           <a:p>
             <a:r>
               <a:rPr lang="en-US" dirty="0" smtClean="0"/>
-              <a:t>GE: </a:t>
-            </a:r>
-            <a:r>
-              <a:rPr lang="en-US" dirty="0" smtClean="0"/>
-              <a:t>Scan Your Node</a:t>
+              <a:t>GE: Scan Your Node</a:t>
             </a:r>
             <a:endParaRPr lang="en-US" dirty="0"/>
           </a:p>
@@ -22441,7 +22441,6 @@
               <a:rPr lang="en-US" dirty="0"/>
               <a:t> Command Line Interface</a:t>
             </a:r>
-            <a:endParaRPr lang="en-US" dirty="0"/>
           </a:p>
         </p:txBody>
       </p:sp>
@@ -22927,13 +22926,8 @@
           <a:p>
             <a:r>
               <a:rPr lang="en-US" sz="4700" dirty="0"/>
-              <a:t>GE: </a:t>
-            </a:r>
-            <a:r>
-              <a:rPr lang="en-US" sz="4700" dirty="0"/>
-              <a:t>Create and change to a directory for your profile</a:t>
-            </a:r>
-            <a:endParaRPr lang="en-US" sz="4700" dirty="0"/>
+              <a:t>GE: Create and change to a directory for your profile</a:t>
+            </a:r>
           </a:p>
         </p:txBody>
       </p:sp>
@@ -23301,15 +23295,7 @@
           <a:p>
             <a:r>
               <a:rPr lang="en-US" dirty="0" smtClean="0"/>
-              <a:t>GE: </a:t>
-            </a:r>
-            <a:r>
-              <a:rPr lang="en-US" dirty="0" smtClean="0"/>
-              <a:t>Create </a:t>
-            </a:r>
-            <a:r>
-              <a:rPr lang="en-US" dirty="0" smtClean="0"/>
-              <a:t>a metadata.rb </a:t>
+              <a:t>GE: Create a metadata.rb </a:t>
             </a:r>
             <a:r>
               <a:rPr lang="en-US" dirty="0"/>
@@ -23989,7 +23975,7 @@
   <a:extraClrSchemeLst/>
   <a:extLst>
     <a:ext uri="{05A4C25C-085E-4340-85A3-A5531E510DB2}">
-      <thm15:themeFamily xmlns:thm15="http://schemas.microsoft.com/office/thememl/2012/main" xmlns="" name="Chef-TemplateComps_v09-16x9-Light.potx" id="{078CEFDB-FA7A-4E36-9964-13EF367585CB}" vid="{8B87B0F3-7308-43D5-8388-E1B49EA02652}"/>
+      <thm15:themeFamily xmlns="" xmlns:thm15="http://schemas.microsoft.com/office/thememl/2012/main" name="Chef-TemplateComps_v09-16x9-Light.potx" id="{078CEFDB-FA7A-4E36-9964-13EF367585CB}" vid="{8B87B0F3-7308-43D5-8388-E1B49EA02652}"/>
     </a:ext>
   </a:extLst>
 </a:theme>
@@ -24371,7 +24357,7 @@
   <a:extraClrSchemeLst/>
   <a:extLst>
     <a:ext uri="{05A4C25C-085E-4340-85A3-A5531E510DB2}">
-      <thm15:themeFamily xmlns:thm15="http://schemas.microsoft.com/office/thememl/2012/main" xmlns="" name="Chef-TemplateComps_v09-16x9-Light.potx" id="{078CEFDB-FA7A-4E36-9964-13EF367585CB}" vid="{8B87B0F3-7308-43D5-8388-E1B49EA02652}"/>
+      <thm15:themeFamily xmlns="" xmlns:thm15="http://schemas.microsoft.com/office/thememl/2012/main" name="Chef-TemplateComps_v09-16x9-Light.potx" id="{078CEFDB-FA7A-4E36-9964-13EF367585CB}" vid="{8B87B0F3-7308-43D5-8388-E1B49EA02652}"/>
     </a:ext>
   </a:extLst>
 </a:theme>

--- a/05-creating-custom-profiles.pptx
+++ b/05-creating-custom-profiles.pptx
@@ -176,7 +176,7 @@
   </p:defaultTextStyle>
   <p:extLst>
     <p:ext uri="{EFAFB233-063F-42B5-8137-9DF3F51BA10A}">
-      <p15:sldGuideLst xmlns="" xmlns:p15="http://schemas.microsoft.com/office/powerpoint/2012/main">
+      <p15:sldGuideLst xmlns:p15="http://schemas.microsoft.com/office/powerpoint/2012/main" xmlns="">
         <p15:guide id="1" orient="horz" pos="894">
           <p15:clr>
             <a:srgbClr val="A4A3A4"/>
@@ -190,7 +190,7 @@
       </p15:sldGuideLst>
     </p:ext>
     <p:ext uri="{2D200454-40CA-4A62-9FC3-DE9A4176ACB9}">
-      <p15:notesGuideLst xmlns="" xmlns:p15="http://schemas.microsoft.com/office/powerpoint/2012/main"/>
+      <p15:notesGuideLst xmlns:p15="http://schemas.microsoft.com/office/powerpoint/2012/main" xmlns=""/>
     </p:ext>
   </p:extLst>
 </p:presentation>
@@ -17599,10 +17599,12 @@
           <a:p>
             <a:r>
               <a:rPr lang="en-US" b="1" dirty="0"/>
-              <a:t>control "tmp-1.0" do</a:t>
-            </a:r>
-          </a:p>
-          <a:p>
+              <a:t>control "tmp-1.0" </a:t>
+            </a:r>
+            <a:r>
+              <a:rPr lang="en-US" b="1" dirty="0" smtClean="0"/>
+              <a:t>do</a:t>
+            </a:r>
             <a:endParaRPr lang="en-US" b="1" dirty="0"/>
           </a:p>
           <a:p>
@@ -17755,7 +17757,15 @@
           <a:p>
             <a:r>
               <a:rPr lang="en-US" b="1" dirty="0"/>
-              <a:t>  it { should </a:t>
+              <a:t> </a:t>
+            </a:r>
+            <a:r>
+              <a:rPr lang="en-US" b="1" dirty="0" smtClean="0"/>
+              <a:t>   </a:t>
+            </a:r>
+            <a:r>
+              <a:rPr lang="en-US" b="1" dirty="0"/>
+              <a:t>it { should </a:t>
             </a:r>
             <a:r>
               <a:rPr lang="en-US" b="1" dirty="0" err="1"/>
@@ -18204,8 +18214,16 @@
               <a:t>inspec</a:t>
             </a:r>
             <a:r>
-              <a:rPr lang="en-US" dirty="0" smtClean="0"/>
-              <a:t> exec' to Run Tests</a:t>
+              <a:rPr lang="en-US" smtClean="0"/>
+              <a:t> </a:t>
+            </a:r>
+            <a:r>
+              <a:rPr lang="en-US" smtClean="0"/>
+              <a:t>exec` </a:t>
+            </a:r>
+            <a:r>
+              <a:rPr lang="en-US" dirty="0" smtClean="0"/>
+              <a:t>to Run Tests</a:t>
             </a:r>
             <a:endParaRPr lang="en-US" dirty="0"/>
           </a:p>
@@ -18620,11 +18638,7 @@
             </a:r>
             <a:r>
               <a:rPr lang="en-US" smtClean="0"/>
-              <a:t>ompliance </a:t>
-            </a:r>
-            <a:r>
-              <a:rPr lang="en-US" smtClean="0"/>
-              <a:t>profile.</a:t>
+              <a:t>ompliance profile.</a:t>
             </a:r>
             <a:endParaRPr lang="en-US" dirty="0" smtClean="0"/>
           </a:p>
@@ -23975,7 +23989,7 @@
   <a:extraClrSchemeLst/>
   <a:extLst>
     <a:ext uri="{05A4C25C-085E-4340-85A3-A5531E510DB2}">
-      <thm15:themeFamily xmlns="" xmlns:thm15="http://schemas.microsoft.com/office/thememl/2012/main" name="Chef-TemplateComps_v09-16x9-Light.potx" id="{078CEFDB-FA7A-4E36-9964-13EF367585CB}" vid="{8B87B0F3-7308-43D5-8388-E1B49EA02652}"/>
+      <thm15:themeFamily xmlns:thm15="http://schemas.microsoft.com/office/thememl/2012/main" xmlns="" name="Chef-TemplateComps_v09-16x9-Light.potx" id="{078CEFDB-FA7A-4E36-9964-13EF367585CB}" vid="{8B87B0F3-7308-43D5-8388-E1B49EA02652}"/>
     </a:ext>
   </a:extLst>
 </a:theme>
@@ -24357,7 +24371,7 @@
   <a:extraClrSchemeLst/>
   <a:extLst>
     <a:ext uri="{05A4C25C-085E-4340-85A3-A5531E510DB2}">
-      <thm15:themeFamily xmlns="" xmlns:thm15="http://schemas.microsoft.com/office/thememl/2012/main" name="Chef-TemplateComps_v09-16x9-Light.potx" id="{078CEFDB-FA7A-4E36-9964-13EF367585CB}" vid="{8B87B0F3-7308-43D5-8388-E1B49EA02652}"/>
+      <thm15:themeFamily xmlns:thm15="http://schemas.microsoft.com/office/thememl/2012/main" xmlns="" name="Chef-TemplateComps_v09-16x9-Light.potx" id="{078CEFDB-FA7A-4E36-9964-13EF367585CB}" vid="{8B87B0F3-7308-43D5-8388-E1B49EA02652}"/>
     </a:ext>
   </a:extLst>
 </a:theme>

--- a/05-creating-custom-profiles.pptx
+++ b/05-creating-custom-profiles.pptx
@@ -176,7 +176,7 @@
   </p:defaultTextStyle>
   <p:extLst>
     <p:ext uri="{EFAFB233-063F-42B5-8137-9DF3F51BA10A}">
-      <p15:sldGuideLst xmlns:p15="http://schemas.microsoft.com/office/powerpoint/2012/main" xmlns="">
+      <p15:sldGuideLst xmlns:p15="http://schemas.microsoft.com/office/powerpoint/2012/main">
         <p15:guide id="1" orient="horz" pos="894">
           <p15:clr>
             <a:srgbClr val="A4A3A4"/>
@@ -190,7 +190,7 @@
       </p15:sldGuideLst>
     </p:ext>
     <p:ext uri="{2D200454-40CA-4A62-9FC3-DE9A4176ACB9}">
-      <p15:notesGuideLst xmlns:p15="http://schemas.microsoft.com/office/powerpoint/2012/main" xmlns=""/>
+      <p15:notesGuideLst xmlns:p15="http://schemas.microsoft.com/office/powerpoint/2012/main"/>
     </p:ext>
   </p:extLst>
 </p:presentation>
@@ -307,7 +307,7 @@
               <a:pPr>
                 <a:defRPr/>
               </a:pPr>
-              <a:t>1/20/16</a:t>
+              <a:t>2016-01-21</a:t>
             </a:fld>
             <a:endParaRPr lang="en-US" dirty="0"/>
           </a:p>
@@ -490,7 +490,7 @@
               <a:pPr>
                 <a:defRPr/>
               </a:pPr>
-              <a:t>1/20/16</a:t>
+              <a:t>2016-01-21</a:t>
             </a:fld>
             <a:endParaRPr lang="en-US" dirty="0"/>
           </a:p>
@@ -8274,7 +8274,7 @@
   <p:clrMapOvr>
     <a:masterClrMapping/>
   </p:clrMapOvr>
-  <p:transition xmlns:p14="http://schemas.microsoft.com/office/powerpoint/2010/main" spd="med">
+  <p:transition spd="med">
     <p:fade/>
   </p:transition>
 </p:sldLayout>
@@ -8569,7 +8569,7 @@
   <p:clrMapOvr>
     <a:overrideClrMapping bg1="lt1" tx1="dk1" bg2="lt2" tx2="dk2" accent1="accent1" accent2="accent2" accent3="accent3" accent4="accent4" accent5="accent5" accent6="accent6" hlink="hlink" folHlink="folHlink"/>
   </p:clrMapOvr>
-  <p:transition xmlns:p14="http://schemas.microsoft.com/office/powerpoint/2010/main" spd="med">
+  <p:transition spd="med">
     <p:fade/>
   </p:transition>
 </p:sldLayout>
@@ -8702,14 +8702,14 @@
           </a:ln>
           <a:extLst>
             <a:ext uri="{909E8E84-426E-40dd-AFC4-6F175D3DCCD1}">
-              <a14:hiddenFill xmlns:a14="http://schemas.microsoft.com/office/drawing/2010/main">
+              <a14:hiddenFill xmlns:a14="http://schemas.microsoft.com/office/drawing/2010/main" xmlns="">
                 <a:solidFill>
                   <a:srgbClr val="FFFFFF"/>
                 </a:solidFill>
               </a14:hiddenFill>
             </a:ext>
             <a:ext uri="{91240B29-F687-4f45-9708-019B960494DF}">
-              <a14:hiddenLine xmlns:a14="http://schemas.microsoft.com/office/drawing/2010/main" w="9525">
+              <a14:hiddenLine xmlns:a14="http://schemas.microsoft.com/office/drawing/2010/main" xmlns="" w="9525">
                 <a:solidFill>
                   <a:srgbClr val="000000"/>
                 </a:solidFill>
@@ -8857,14 +8857,14 @@
           </a:ln>
           <a:extLst>
             <a:ext uri="{909E8E84-426E-40dd-AFC4-6F175D3DCCD1}">
-              <a14:hiddenFill xmlns:a14="http://schemas.microsoft.com/office/drawing/2010/main">
+              <a14:hiddenFill xmlns:a14="http://schemas.microsoft.com/office/drawing/2010/main" xmlns="">
                 <a:solidFill>
                   <a:srgbClr val="FFFFFF"/>
                 </a:solidFill>
               </a14:hiddenFill>
             </a:ext>
             <a:ext uri="{91240B29-F687-4f45-9708-019B960494DF}">
-              <a14:hiddenLine xmlns:a14="http://schemas.microsoft.com/office/drawing/2010/main" w="9525">
+              <a14:hiddenLine xmlns:a14="http://schemas.microsoft.com/office/drawing/2010/main" xmlns="" w="9525">
                 <a:solidFill>
                   <a:srgbClr val="000000"/>
                 </a:solidFill>
@@ -9262,7 +9262,7 @@
   <p:clrMapOvr>
     <a:overrideClrMapping bg1="lt1" tx1="dk1" bg2="lt2" tx2="dk2" accent1="accent1" accent2="accent2" accent3="accent3" accent4="accent4" accent5="accent5" accent6="accent6" hlink="hlink" folHlink="folHlink"/>
   </p:clrMapOvr>
-  <p:transition xmlns:p14="http://schemas.microsoft.com/office/powerpoint/2010/main" spd="med">
+  <p:transition spd="med">
     <p:fade/>
   </p:transition>
 </p:sldLayout>
@@ -9355,14 +9355,14 @@
           </a:ln>
           <a:extLst>
             <a:ext uri="{909E8E84-426E-40dd-AFC4-6F175D3DCCD1}">
-              <a14:hiddenFill xmlns:a14="http://schemas.microsoft.com/office/drawing/2010/main">
+              <a14:hiddenFill xmlns:a14="http://schemas.microsoft.com/office/drawing/2010/main" xmlns="">
                 <a:solidFill>
                   <a:srgbClr val="FFFFFF"/>
                 </a:solidFill>
               </a14:hiddenFill>
             </a:ext>
             <a:ext uri="{91240B29-F687-4f45-9708-019B960494DF}">
-              <a14:hiddenLine xmlns:a14="http://schemas.microsoft.com/office/drawing/2010/main" w="9525">
+              <a14:hiddenLine xmlns:a14="http://schemas.microsoft.com/office/drawing/2010/main" xmlns="" w="9525">
                 <a:solidFill>
                   <a:srgbClr val="000000"/>
                 </a:solidFill>
@@ -9384,7 +9384,7 @@
   <p:clrMapOvr>
     <a:masterClrMapping/>
   </p:clrMapOvr>
-  <p:transition xmlns:p14="http://schemas.microsoft.com/office/powerpoint/2010/main" spd="med">
+  <p:transition spd="med">
     <p:fade/>
   </p:transition>
 </p:sldLayout>
@@ -9671,7 +9671,7 @@
   <p:clrMapOvr>
     <a:masterClrMapping/>
   </p:clrMapOvr>
-  <p:transition xmlns:p14="http://schemas.microsoft.com/office/powerpoint/2010/main" spd="med">
+  <p:transition spd="med">
     <p:fade/>
   </p:transition>
 </p:sldLayout>
@@ -9888,14 +9888,14 @@
           </a:ln>
           <a:extLst>
             <a:ext uri="{909E8E84-426E-40dd-AFC4-6F175D3DCCD1}">
-              <a14:hiddenFill xmlns:a14="http://schemas.microsoft.com/office/drawing/2010/main">
+              <a14:hiddenFill xmlns:a14="http://schemas.microsoft.com/office/drawing/2010/main" xmlns="">
                 <a:solidFill>
                   <a:srgbClr val="FFFFFF"/>
                 </a:solidFill>
               </a14:hiddenFill>
             </a:ext>
             <a:ext uri="{91240B29-F687-4f45-9708-019B960494DF}">
-              <a14:hiddenLine xmlns:a14="http://schemas.microsoft.com/office/drawing/2010/main" w="9525">
+              <a14:hiddenLine xmlns:a14="http://schemas.microsoft.com/office/drawing/2010/main" xmlns="" w="9525">
                 <a:solidFill>
                   <a:srgbClr val="000000"/>
                 </a:solidFill>
@@ -10092,7 +10092,7 @@
   <p:clrMapOvr>
     <a:masterClrMapping/>
   </p:clrMapOvr>
-  <p:transition xmlns:p14="http://schemas.microsoft.com/office/powerpoint/2010/main" spd="med">
+  <p:transition spd="med">
     <p:fade/>
   </p:transition>
 </p:sldLayout>
@@ -10379,7 +10379,7 @@
   <p:clrMapOvr>
     <a:masterClrMapping/>
   </p:clrMapOvr>
-  <p:transition xmlns:p14="http://schemas.microsoft.com/office/powerpoint/2010/main" spd="med">
+  <p:transition spd="med">
     <p:fade/>
   </p:transition>
 </p:sldLayout>
@@ -10666,7 +10666,7 @@
   <p:clrMapOvr>
     <a:masterClrMapping/>
   </p:clrMapOvr>
-  <p:transition xmlns:p14="http://schemas.microsoft.com/office/powerpoint/2010/main" spd="med">
+  <p:transition spd="med">
     <p:fade/>
   </p:transition>
 </p:sldLayout>
@@ -11015,7 +11015,7 @@
   <p:clrMapOvr>
     <a:masterClrMapping/>
   </p:clrMapOvr>
-  <p:transition xmlns:p14="http://schemas.microsoft.com/office/powerpoint/2010/main" spd="med">
+  <p:transition spd="med">
     <p:fade/>
   </p:transition>
 </p:sldLayout>
@@ -11302,7 +11302,7 @@
   <p:clrMapOvr>
     <a:masterClrMapping/>
   </p:clrMapOvr>
-  <p:transition xmlns:p14="http://schemas.microsoft.com/office/powerpoint/2010/main" spd="med">
+  <p:transition spd="med">
     <p:fade/>
   </p:transition>
 </p:sldLayout>
@@ -11519,14 +11519,14 @@
           </a:ln>
           <a:extLst>
             <a:ext uri="{909E8E84-426E-40dd-AFC4-6F175D3DCCD1}">
-              <a14:hiddenFill xmlns:a14="http://schemas.microsoft.com/office/drawing/2010/main">
+              <a14:hiddenFill xmlns:a14="http://schemas.microsoft.com/office/drawing/2010/main" xmlns="">
                 <a:solidFill>
                   <a:srgbClr val="FFFFFF"/>
                 </a:solidFill>
               </a14:hiddenFill>
             </a:ext>
             <a:ext uri="{91240B29-F687-4f45-9708-019B960494DF}">
-              <a14:hiddenLine xmlns:a14="http://schemas.microsoft.com/office/drawing/2010/main" w="9525">
+              <a14:hiddenLine xmlns:a14="http://schemas.microsoft.com/office/drawing/2010/main" xmlns="" w="9525">
                 <a:solidFill>
                   <a:srgbClr val="000000"/>
                 </a:solidFill>
@@ -11723,7 +11723,7 @@
   <p:clrMapOvr>
     <a:masterClrMapping/>
   </p:clrMapOvr>
-  <p:transition xmlns:p14="http://schemas.microsoft.com/office/powerpoint/2010/main" spd="med">
+  <p:transition spd="med">
     <p:fade/>
   </p:transition>
 </p:sldLayout>
@@ -11900,7 +11900,7 @@
   <p:clrMapOvr>
     <a:masterClrMapping/>
   </p:clrMapOvr>
-  <p:transition xmlns:p14="http://schemas.microsoft.com/office/powerpoint/2010/main" spd="med">
+  <p:transition spd="med">
     <p:fade/>
   </p:transition>
 </p:sldLayout>
@@ -12188,7 +12188,7 @@
   <p:clrMapOvr>
     <a:masterClrMapping/>
   </p:clrMapOvr>
-  <p:transition xmlns:p14="http://schemas.microsoft.com/office/powerpoint/2010/main" spd="med">
+  <p:transition spd="med">
     <p:fade/>
   </p:transition>
 </p:sldLayout>
@@ -12500,7 +12500,7 @@
   <p:clrMapOvr>
     <a:masterClrMapping/>
   </p:clrMapOvr>
-  <p:transition xmlns:p14="http://schemas.microsoft.com/office/powerpoint/2010/main" spd="med">
+  <p:transition spd="med">
     <p:fade/>
   </p:transition>
 </p:sldLayout>
@@ -12804,7 +12804,7 @@
   <p:clrMapOvr>
     <a:masterClrMapping/>
   </p:clrMapOvr>
-  <p:transition xmlns:p14="http://schemas.microsoft.com/office/powerpoint/2010/main" spd="med">
+  <p:transition spd="med">
     <p:fade/>
   </p:transition>
 </p:sldLayout>
@@ -12880,14 +12880,14 @@
           </a:ln>
           <a:extLst>
             <a:ext uri="{909E8E84-426E-40dd-AFC4-6F175D3DCCD1}">
-              <a14:hiddenFill xmlns:a14="http://schemas.microsoft.com/office/drawing/2010/main">
+              <a14:hiddenFill xmlns:a14="http://schemas.microsoft.com/office/drawing/2010/main" xmlns="">
                 <a:solidFill>
                   <a:srgbClr val="FFFFFF"/>
                 </a:solidFill>
               </a14:hiddenFill>
             </a:ext>
             <a:ext uri="{91240B29-F687-4f45-9708-019B960494DF}">
-              <a14:hiddenLine xmlns:a14="http://schemas.microsoft.com/office/drawing/2010/main" w="9525">
+              <a14:hiddenLine xmlns:a14="http://schemas.microsoft.com/office/drawing/2010/main" xmlns="" w="9525">
                 <a:solidFill>
                   <a:srgbClr val="000000"/>
                 </a:solidFill>
@@ -13111,7 +13111,7 @@
   <p:clrMapOvr>
     <a:overrideClrMapping bg1="lt1" tx1="dk1" bg2="lt2" tx2="dk2" accent1="accent1" accent2="accent2" accent3="accent3" accent4="accent4" accent5="accent5" accent6="accent6" hlink="hlink" folHlink="folHlink"/>
   </p:clrMapOvr>
-  <p:transition xmlns:p14="http://schemas.microsoft.com/office/powerpoint/2010/main" spd="med">
+  <p:transition spd="med">
     <p:fade/>
   </p:transition>
 </p:sldLayout>
@@ -13317,7 +13317,7 @@
   <p:clrMapOvr>
     <a:overrideClrMapping bg1="lt1" tx1="dk1" bg2="lt2" tx2="dk2" accent1="accent1" accent2="accent2" accent3="accent3" accent4="accent4" accent5="accent5" accent6="accent6" hlink="hlink" folHlink="folHlink"/>
   </p:clrMapOvr>
-  <p:transition xmlns:p14="http://schemas.microsoft.com/office/powerpoint/2010/main" spd="med">
+  <p:transition spd="med">
     <p:fade/>
   </p:transition>
 </p:sldLayout>
@@ -13393,14 +13393,14 @@
           </a:ln>
           <a:extLst>
             <a:ext uri="{909E8E84-426E-40dd-AFC4-6F175D3DCCD1}">
-              <a14:hiddenFill xmlns:a14="http://schemas.microsoft.com/office/drawing/2010/main">
+              <a14:hiddenFill xmlns:a14="http://schemas.microsoft.com/office/drawing/2010/main" xmlns="">
                 <a:solidFill>
                   <a:srgbClr val="FFFFFF"/>
                 </a:solidFill>
               </a14:hiddenFill>
             </a:ext>
             <a:ext uri="{91240B29-F687-4f45-9708-019B960494DF}">
-              <a14:hiddenLine xmlns:a14="http://schemas.microsoft.com/office/drawing/2010/main" w="9525">
+              <a14:hiddenLine xmlns:a14="http://schemas.microsoft.com/office/drawing/2010/main" xmlns="" w="9525">
                 <a:solidFill>
                   <a:srgbClr val="000000"/>
                 </a:solidFill>
@@ -13683,7 +13683,7 @@
   <p:clrMapOvr>
     <a:overrideClrMapping bg1="lt1" tx1="dk1" bg2="lt2" tx2="dk2" accent1="accent1" accent2="accent2" accent3="accent3" accent4="accent4" accent5="accent5" accent6="accent6" hlink="hlink" folHlink="folHlink"/>
   </p:clrMapOvr>
-  <p:transition xmlns:p14="http://schemas.microsoft.com/office/powerpoint/2010/main" spd="med">
+  <p:transition spd="med">
     <p:fade/>
   </p:transition>
 </p:sldLayout>
@@ -13891,7 +13891,7 @@
   <p:clrMapOvr>
     <a:overrideClrMapping bg1="lt1" tx1="dk1" bg2="lt2" tx2="dk2" accent1="accent1" accent2="accent2" accent3="accent3" accent4="accent4" accent5="accent5" accent6="accent6" hlink="hlink" folHlink="folHlink"/>
   </p:clrMapOvr>
-  <p:transition xmlns:p14="http://schemas.microsoft.com/office/powerpoint/2010/main" spd="med">
+  <p:transition spd="med">
     <p:fade/>
   </p:transition>
 </p:sldLayout>
@@ -13967,14 +13967,14 @@
           </a:ln>
           <a:extLst>
             <a:ext uri="{909E8E84-426E-40dd-AFC4-6F175D3DCCD1}">
-              <a14:hiddenFill xmlns:a14="http://schemas.microsoft.com/office/drawing/2010/main">
+              <a14:hiddenFill xmlns:a14="http://schemas.microsoft.com/office/drawing/2010/main" xmlns="">
                 <a:solidFill>
                   <a:srgbClr val="FFFFFF"/>
                 </a:solidFill>
               </a14:hiddenFill>
             </a:ext>
             <a:ext uri="{91240B29-F687-4f45-9708-019B960494DF}">
-              <a14:hiddenLine xmlns:a14="http://schemas.microsoft.com/office/drawing/2010/main" w="9525">
+              <a14:hiddenLine xmlns:a14="http://schemas.microsoft.com/office/drawing/2010/main" xmlns="" w="9525">
                 <a:solidFill>
                   <a:srgbClr val="000000"/>
                 </a:solidFill>
@@ -14242,7 +14242,7 @@
   <p:clrMapOvr>
     <a:overrideClrMapping bg1="lt1" tx1="dk1" bg2="lt2" tx2="dk2" accent1="accent1" accent2="accent2" accent3="accent3" accent4="accent4" accent5="accent5" accent6="accent6" hlink="hlink" folHlink="folHlink"/>
   </p:clrMapOvr>
-  <p:transition xmlns:p14="http://schemas.microsoft.com/office/powerpoint/2010/main" spd="med">
+  <p:transition spd="med">
     <p:fade/>
   </p:transition>
 </p:sldLayout>
@@ -14470,7 +14470,7 @@
   <p:clrMapOvr>
     <a:overrideClrMapping bg1="lt1" tx1="dk1" bg2="lt2" tx2="dk2" accent1="accent1" accent2="accent2" accent3="accent3" accent4="accent4" accent5="accent5" accent6="accent6" hlink="hlink" folHlink="folHlink"/>
   </p:clrMapOvr>
-  <p:transition xmlns:p14="http://schemas.microsoft.com/office/powerpoint/2010/main" spd="med">
+  <p:transition spd="med">
     <p:fade/>
   </p:transition>
 </p:sldLayout>
@@ -14758,7 +14758,7 @@
   <p:clrMapOvr>
     <a:overrideClrMapping bg1="lt1" tx1="dk1" bg2="lt2" tx2="dk2" accent1="accent1" accent2="accent2" accent3="accent3" accent4="accent4" accent5="accent5" accent6="accent6" hlink="hlink" folHlink="folHlink"/>
   </p:clrMapOvr>
-  <p:transition xmlns:p14="http://schemas.microsoft.com/office/powerpoint/2010/main" spd="med">
+  <p:transition spd="med">
     <p:fade/>
   </p:transition>
 </p:sldLayout>
@@ -14914,14 +14914,14 @@
           </a:ln>
           <a:extLst>
             <a:ext uri="{909E8E84-426E-40dd-AFC4-6F175D3DCCD1}">
-              <a14:hiddenFill xmlns:a14="http://schemas.microsoft.com/office/drawing/2010/main">
+              <a14:hiddenFill xmlns:a14="http://schemas.microsoft.com/office/drawing/2010/main" xmlns="">
                 <a:solidFill>
                   <a:srgbClr val="FFFFFF"/>
                 </a:solidFill>
               </a14:hiddenFill>
             </a:ext>
             <a:ext uri="{91240B29-F687-4f45-9708-019B960494DF}">
-              <a14:hiddenLine xmlns:a14="http://schemas.microsoft.com/office/drawing/2010/main" w="9525">
+              <a14:hiddenLine xmlns:a14="http://schemas.microsoft.com/office/drawing/2010/main" xmlns="" w="9525">
                 <a:solidFill>
                   <a:srgbClr val="000000"/>
                 </a:solidFill>
@@ -15140,13 +15140,13 @@
     <p:sldLayoutId id="2147483867" r:id="rId13"/>
     <p:sldLayoutId id="2147483868" r:id="rId14"/>
   </p:sldLayoutIdLst>
-  <p:transition xmlns:p14="http://schemas.microsoft.com/office/powerpoint/2010/main" spd="med">
+  <p:transition spd="med">
     <p:fade/>
   </p:transition>
   <p:timing>
     <p:tnLst>
       <p:par>
-        <p:cTn xmlns:p14="http://schemas.microsoft.com/office/powerpoint/2010/main" id="1" dur="indefinite" restart="never" nodeType="tmRoot"/>
+        <p:cTn id="1" dur="indefinite" restart="never" nodeType="tmRoot"/>
       </p:par>
     </p:tnLst>
   </p:timing>
@@ -15674,14 +15674,14 @@
           </a:ln>
           <a:extLst>
             <a:ext uri="{909E8E84-426E-40dd-AFC4-6F175D3DCCD1}">
-              <a14:hiddenFill xmlns:a14="http://schemas.microsoft.com/office/drawing/2010/main">
+              <a14:hiddenFill xmlns:a14="http://schemas.microsoft.com/office/drawing/2010/main" xmlns="">
                 <a:solidFill>
                   <a:srgbClr val="FFFFFF"/>
                 </a:solidFill>
               </a14:hiddenFill>
             </a:ext>
             <a:ext uri="{91240B29-F687-4f45-9708-019B960494DF}">
-              <a14:hiddenLine xmlns:a14="http://schemas.microsoft.com/office/drawing/2010/main" w="9525">
+              <a14:hiddenLine xmlns:a14="http://schemas.microsoft.com/office/drawing/2010/main" xmlns="" w="9525">
                 <a:solidFill>
                   <a:srgbClr val="000000"/>
                 </a:solidFill>
@@ -15969,13 +15969,13 @@
     <p:sldLayoutId id="2147483856" r:id="rId7"/>
     <p:sldLayoutId id="2147483866" r:id="rId8"/>
   </p:sldLayoutIdLst>
-  <p:transition xmlns:p14="http://schemas.microsoft.com/office/powerpoint/2010/main" spd="med">
+  <p:transition spd="med">
     <p:fade/>
   </p:transition>
   <p:timing>
     <p:tnLst>
       <p:par>
-        <p:cTn xmlns:p14="http://schemas.microsoft.com/office/powerpoint/2010/main" id="1" dur="indefinite" restart="never" nodeType="tmRoot"/>
+        <p:cTn id="1" dur="indefinite" restart="never" nodeType="tmRoot"/>
       </p:par>
     </p:tnLst>
   </p:timing>
@@ -16478,13 +16478,13 @@
   <p:clrMapOvr>
     <a:masterClrMapping/>
   </p:clrMapOvr>
-  <p:transition xmlns:p14="http://schemas.microsoft.com/office/powerpoint/2010/main" spd="med">
+  <p:transition spd="med">
     <p:fade/>
   </p:transition>
   <p:timing>
     <p:tnLst>
       <p:par>
-        <p:cTn xmlns:p14="http://schemas.microsoft.com/office/powerpoint/2010/main" id="1" dur="indefinite" restart="never" nodeType="tmRoot"/>
+        <p:cTn id="1" dur="indefinite" restart="never" nodeType="tmRoot"/>
       </p:par>
     </p:tnLst>
   </p:timing>
@@ -16524,8 +16524,12 @@
           <a:lstStyle/>
           <a:p>
             <a:r>
+              <a:rPr lang="en-US" dirty="0" smtClean="0"/>
+              <a:t>GL: </a:t>
+            </a:r>
+            <a:r>
               <a:rPr lang="en-US" dirty="0"/>
-              <a:t>GE: Add Values to the metadata.rb</a:t>
+              <a:t>Add Values to the metadata.rb</a:t>
             </a:r>
           </a:p>
         </p:txBody>
@@ -16635,7 +16639,7 @@
   <p:clrMapOvr>
     <a:masterClrMapping/>
   </p:clrMapOvr>
-  <p:transition xmlns:p14="http://schemas.microsoft.com/office/powerpoint/2010/main" spd="med">
+  <p:transition spd="med">
     <p:fade/>
   </p:transition>
 </p:sld>
@@ -16796,7 +16800,11 @@
           <a:p>
             <a:r>
               <a:rPr lang="en-US" dirty="0" smtClean="0"/>
-              <a:t>GE: Run `</a:t>
+              <a:t>GL: </a:t>
+            </a:r>
+            <a:r>
+              <a:rPr lang="en-US" dirty="0" smtClean="0"/>
+              <a:t>Run `</a:t>
             </a:r>
             <a:r>
               <a:rPr lang="en-US" dirty="0" err="1" smtClean="0"/>
@@ -16889,13 +16897,13 @@
   <p:clrMapOvr>
     <a:masterClrMapping/>
   </p:clrMapOvr>
-  <p:transition xmlns:p14="http://schemas.microsoft.com/office/powerpoint/2010/main" spd="med">
+  <p:transition spd="med">
     <p:fade/>
   </p:transition>
   <p:timing>
     <p:tnLst>
       <p:par>
-        <p:cTn xmlns:p14="http://schemas.microsoft.com/office/powerpoint/2010/main" id="1" dur="indefinite" restart="never" nodeType="tmRoot"/>
+        <p:cTn id="1" dur="indefinite" restart="never" nodeType="tmRoot"/>
       </p:par>
     </p:tnLst>
   </p:timing>
@@ -16938,7 +16946,7 @@
           <a:p>
             <a:r>
               <a:rPr lang="en-US" dirty="0" smtClean="0"/>
-              <a:t>GE: </a:t>
+              <a:t>GL: </a:t>
             </a:r>
             <a:r>
               <a:rPr lang="en-US" dirty="0" err="1" smtClean="0"/>
@@ -17103,13 +17111,13 @@
   <p:clrMapOvr>
     <a:masterClrMapping/>
   </p:clrMapOvr>
-  <p:transition xmlns:p14="http://schemas.microsoft.com/office/powerpoint/2010/main" spd="med">
+  <p:transition spd="med">
     <p:fade/>
   </p:transition>
   <p:timing>
     <p:tnLst>
       <p:par>
-        <p:cTn xmlns:p14="http://schemas.microsoft.com/office/powerpoint/2010/main" id="1" dur="indefinite" restart="never" nodeType="tmRoot"/>
+        <p:cTn id="1" dur="indefinite" restart="never" nodeType="tmRoot"/>
       </p:par>
     </p:tnLst>
   </p:timing>
@@ -17306,7 +17314,7 @@
           <a:p>
             <a:r>
               <a:rPr lang="en-US" dirty="0" smtClean="0"/>
-              <a:t>GE: </a:t>
+              <a:t>GL: </a:t>
             </a:r>
             <a:r>
               <a:rPr lang="en-US" dirty="0"/>
@@ -17338,13 +17346,13 @@
   <p:clrMapOvr>
     <a:masterClrMapping/>
   </p:clrMapOvr>
-  <p:transition xmlns:p14="http://schemas.microsoft.com/office/powerpoint/2010/main" spd="med">
+  <p:transition spd="med">
     <p:fade/>
   </p:transition>
   <p:timing>
     <p:tnLst>
       <p:par>
-        <p:cTn xmlns:p14="http://schemas.microsoft.com/office/powerpoint/2010/main" id="1" dur="indefinite" restart="never" nodeType="tmRoot"/>
+        <p:cTn id="1" dur="indefinite" restart="never" nodeType="tmRoot"/>
       </p:par>
     </p:tnLst>
   </p:timing>
@@ -17478,7 +17486,11 @@
           <a:p>
             <a:r>
               <a:rPr lang="en-US" dirty="0" smtClean="0"/>
-              <a:t>GE: Run `</a:t>
+              <a:t>GL: </a:t>
+            </a:r>
+            <a:r>
+              <a:rPr lang="en-US" dirty="0" smtClean="0"/>
+              <a:t>Run `</a:t>
             </a:r>
             <a:r>
               <a:rPr lang="en-US" dirty="0" err="1" smtClean="0"/>
@@ -17506,13 +17518,13 @@
   <p:clrMapOvr>
     <a:masterClrMapping/>
   </p:clrMapOvr>
-  <p:transition xmlns:p14="http://schemas.microsoft.com/office/powerpoint/2010/main" spd="med">
+  <p:transition spd="med">
     <p:fade/>
   </p:transition>
   <p:timing>
     <p:tnLst>
       <p:par>
-        <p:cTn xmlns:p14="http://schemas.microsoft.com/office/powerpoint/2010/main" id="1" dur="indefinite" restart="never" nodeType="tmRoot"/>
+        <p:cTn id="1" dur="indefinite" restart="never" nodeType="tmRoot"/>
       </p:par>
     </p:tnLst>
   </p:timing>
@@ -17552,8 +17564,12 @@
           <a:lstStyle/>
           <a:p>
             <a:r>
+              <a:rPr lang="en-US" dirty="0" smtClean="0"/>
+              <a:t>GL: </a:t>
+            </a:r>
+            <a:r>
               <a:rPr lang="en-US" dirty="0"/>
-              <a:t>GE: Write the Control Called </a:t>
+              <a:t>Write the Control Called </a:t>
             </a:r>
             <a:r>
               <a:rPr lang="en-US" dirty="0" err="1"/>
@@ -17844,7 +17860,7 @@
   <p:clrMapOvr>
     <a:masterClrMapping/>
   </p:clrMapOvr>
-  <p:transition xmlns:p14="http://schemas.microsoft.com/office/powerpoint/2010/main" spd="med">
+  <p:transition spd="med">
     <p:fade/>
   </p:transition>
 </p:sld>
@@ -17986,7 +18002,11 @@
           <a:p>
             <a:r>
               <a:rPr lang="en-US" dirty="0" smtClean="0"/>
-              <a:t>GE: Run `</a:t>
+              <a:t>GL: </a:t>
+            </a:r>
+            <a:r>
+              <a:rPr lang="en-US" dirty="0" smtClean="0"/>
+              <a:t>Run `</a:t>
             </a:r>
             <a:r>
               <a:rPr lang="en-US" dirty="0" err="1" smtClean="0"/>
@@ -18079,13 +18099,13 @@
   <p:clrMapOvr>
     <a:masterClrMapping/>
   </p:clrMapOvr>
-  <p:transition xmlns:p14="http://schemas.microsoft.com/office/powerpoint/2010/main" spd="med">
+  <p:transition spd="med">
     <p:fade/>
   </p:transition>
   <p:timing>
     <p:tnLst>
       <p:par>
-        <p:cTn xmlns:p14="http://schemas.microsoft.com/office/powerpoint/2010/main" id="1" dur="indefinite" restart="never" nodeType="tmRoot"/>
+        <p:cTn id="1" dur="indefinite" restart="never" nodeType="tmRoot"/>
       </p:par>
     </p:tnLst>
   </p:timing>
@@ -18207,23 +18227,19 @@
           <a:p>
             <a:r>
               <a:rPr lang="en-US" dirty="0" smtClean="0"/>
-              <a:t>GE: Use `</a:t>
+              <a:t>GL: </a:t>
+            </a:r>
+            <a:r>
+              <a:rPr lang="en-US" dirty="0" smtClean="0"/>
+              <a:t>Use `</a:t>
             </a:r>
             <a:r>
               <a:rPr lang="en-US" dirty="0" err="1" smtClean="0"/>
               <a:t>inspec</a:t>
             </a:r>
             <a:r>
-              <a:rPr lang="en-US" smtClean="0"/>
-              <a:t> </a:t>
-            </a:r>
-            <a:r>
-              <a:rPr lang="en-US" smtClean="0"/>
-              <a:t>exec` </a:t>
-            </a:r>
-            <a:r>
-              <a:rPr lang="en-US" dirty="0" smtClean="0"/>
-              <a:t>to Run Tests</a:t>
+              <a:rPr lang="en-US" dirty="0" smtClean="0"/>
+              <a:t> exec` to Run Tests</a:t>
             </a:r>
             <a:endParaRPr lang="en-US" dirty="0"/>
           </a:p>
@@ -18239,13 +18255,13 @@
   <p:clrMapOvr>
     <a:masterClrMapping/>
   </p:clrMapOvr>
-  <p:transition xmlns:p14="http://schemas.microsoft.com/office/powerpoint/2010/main" spd="med">
+  <p:transition spd="med">
     <p:fade/>
   </p:transition>
   <p:timing>
     <p:tnLst>
       <p:par>
-        <p:cTn xmlns:p14="http://schemas.microsoft.com/office/powerpoint/2010/main" id="1" dur="indefinite" restart="never" nodeType="tmRoot"/>
+        <p:cTn id="1" dur="indefinite" restart="never" nodeType="tmRoot"/>
       </p:par>
     </p:tnLst>
   </p:timing>
@@ -18293,7 +18309,11 @@
           <a:p>
             <a:r>
               <a:rPr lang="en-US" dirty="0" smtClean="0"/>
-              <a:t>GE: Uploading the Custom Profile to the Compliance Server </a:t>
+              <a:t>Group Lab: </a:t>
+            </a:r>
+            <a:r>
+              <a:rPr lang="en-US" dirty="0" smtClean="0"/>
+              <a:t>Uploading the Custom Profile to the Compliance Server </a:t>
             </a:r>
             <a:endParaRPr lang="en-US" dirty="0"/>
           </a:p>
@@ -18401,7 +18421,7 @@
   <p:clrMapOvr>
     <a:masterClrMapping/>
   </p:clrMapOvr>
-  <p:transition xmlns:p14="http://schemas.microsoft.com/office/powerpoint/2010/main" spd="med">
+  <p:transition spd="med">
     <p:fade/>
   </p:transition>
 </p:sld>
@@ -18522,7 +18542,11 @@
           <a:p>
             <a:r>
               <a:rPr lang="en-US" dirty="0" smtClean="0"/>
-              <a:t>GE: Install the zip Package</a:t>
+              <a:t>GL: </a:t>
+            </a:r>
+            <a:r>
+              <a:rPr lang="en-US" dirty="0" smtClean="0"/>
+              <a:t>Install the zip Package</a:t>
             </a:r>
             <a:endParaRPr lang="en-US" dirty="0"/>
           </a:p>
@@ -18538,7 +18562,7 @@
   <p:clrMapOvr>
     <a:masterClrMapping/>
   </p:clrMapOvr>
-  <p:transition xmlns:p14="http://schemas.microsoft.com/office/powerpoint/2010/main" spd="med">
+  <p:transition spd="med">
     <p:fade/>
   </p:transition>
 </p:sld>
@@ -18714,13 +18738,13 @@
   <p:clrMapOvr>
     <a:masterClrMapping/>
   </p:clrMapOvr>
-  <p:transition xmlns:p14="http://schemas.microsoft.com/office/powerpoint/2010/main" spd="med">
+  <p:transition spd="med">
     <p:fade/>
   </p:transition>
   <p:timing>
     <p:tnLst>
       <p:par>
-        <p:cTn xmlns:p14="http://schemas.microsoft.com/office/powerpoint/2010/main" id="1" dur="indefinite" restart="never" nodeType="tmRoot"/>
+        <p:cTn id="1" dur="indefinite" restart="never" nodeType="tmRoot"/>
       </p:par>
     </p:tnLst>
   </p:timing>
@@ -18872,7 +18896,11 @@
           <a:p>
             <a:r>
               <a:rPr lang="en-US" dirty="0" smtClean="0"/>
-              <a:t>GE: Zip up your New Profile</a:t>
+              <a:t>GL: </a:t>
+            </a:r>
+            <a:r>
+              <a:rPr lang="en-US" dirty="0" smtClean="0"/>
+              <a:t>Zip up your New Profile</a:t>
             </a:r>
             <a:endParaRPr lang="en-US" dirty="0"/>
           </a:p>
@@ -18888,7 +18916,7 @@
   <p:clrMapOvr>
     <a:masterClrMapping/>
   </p:clrMapOvr>
-  <p:transition xmlns:p14="http://schemas.microsoft.com/office/powerpoint/2010/main" spd="med">
+  <p:transition spd="med">
     <p:fade/>
   </p:transition>
 </p:sld>
@@ -19039,7 +19067,11 @@
           <a:p>
             <a:r>
               <a:rPr lang="en-US" dirty="0" smtClean="0"/>
-              <a:t>GE: Verify the zip File's Creation</a:t>
+              <a:t>GL: </a:t>
+            </a:r>
+            <a:r>
+              <a:rPr lang="en-US" dirty="0" smtClean="0"/>
+              <a:t>Verify the zip File's Creation</a:t>
             </a:r>
             <a:endParaRPr lang="en-US" dirty="0"/>
           </a:p>
@@ -19055,7 +19087,7 @@
   <p:clrMapOvr>
     <a:masterClrMapping/>
   </p:clrMapOvr>
-  <p:transition xmlns:p14="http://schemas.microsoft.com/office/powerpoint/2010/main" spd="med">
+  <p:transition spd="med">
     <p:fade/>
   </p:transition>
 </p:sld>
@@ -19189,7 +19221,11 @@
           <a:p>
             <a:r>
               <a:rPr lang="en-US" dirty="0" smtClean="0"/>
-              <a:t>GE: From your Laptop Run the </a:t>
+              <a:t>GL: </a:t>
+            </a:r>
+            <a:r>
+              <a:rPr lang="en-US" dirty="0" smtClean="0"/>
+              <a:t>From your Laptop Run the </a:t>
             </a:r>
             <a:r>
               <a:rPr lang="en-US" dirty="0" err="1" smtClean="0"/>
@@ -19213,13 +19249,13 @@
   <p:clrMapOvr>
     <a:masterClrMapping/>
   </p:clrMapOvr>
-  <p:transition xmlns:p14="http://schemas.microsoft.com/office/powerpoint/2010/main" spd="med">
+  <p:transition spd="med">
     <p:fade/>
   </p:transition>
   <p:timing>
     <p:tnLst>
       <p:par>
-        <p:cTn xmlns:p14="http://schemas.microsoft.com/office/powerpoint/2010/main" id="1" dur="indefinite" restart="never" nodeType="tmRoot"/>
+        <p:cTn id="1" dur="indefinite" restart="never" nodeType="tmRoot"/>
       </p:par>
     </p:tnLst>
   </p:timing>
@@ -19262,7 +19298,7 @@
           <a:p>
             <a:r>
               <a:rPr lang="en-US" dirty="0" smtClean="0"/>
-              <a:t>GE: </a:t>
+              <a:t>GL: </a:t>
             </a:r>
             <a:r>
               <a:rPr lang="en-US" dirty="0"/>
@@ -19452,13 +19488,13 @@
   <p:clrMapOvr>
     <a:masterClrMapping/>
   </p:clrMapOvr>
-  <p:transition xmlns:p14="http://schemas.microsoft.com/office/powerpoint/2010/main" spd="med">
+  <p:transition spd="med">
     <p:fade/>
   </p:transition>
   <p:timing>
     <p:tnLst>
       <p:par>
-        <p:cTn xmlns:p14="http://schemas.microsoft.com/office/powerpoint/2010/main" id="1" dur="indefinite" restart="never" nodeType="tmRoot"/>
+        <p:cTn id="1" dur="indefinite" restart="never" nodeType="tmRoot"/>
       </p:par>
     </p:tnLst>
   </p:timing>
@@ -19501,7 +19537,7 @@
           <a:p>
             <a:r>
               <a:rPr lang="en-US" dirty="0" smtClean="0"/>
-              <a:t>GE: </a:t>
+              <a:t>GL: </a:t>
             </a:r>
             <a:r>
               <a:rPr lang="en-US" dirty="0"/>
@@ -19596,13 +19632,13 @@
   <p:clrMapOvr>
     <a:masterClrMapping/>
   </p:clrMapOvr>
-  <p:transition xmlns:p14="http://schemas.microsoft.com/office/powerpoint/2010/main" spd="med">
+  <p:transition spd="med">
     <p:fade/>
   </p:transition>
   <p:timing>
     <p:tnLst>
       <p:par>
-        <p:cTn xmlns:p14="http://schemas.microsoft.com/office/powerpoint/2010/main" id="1" dur="indefinite" restart="never" nodeType="tmRoot"/>
+        <p:cTn id="1" dur="indefinite" restart="never" nodeType="tmRoot"/>
       </p:par>
     </p:tnLst>
   </p:timing>
@@ -19645,7 +19681,11 @@
           <a:p>
             <a:r>
               <a:rPr lang="en-US" dirty="0" smtClean="0"/>
-              <a:t>GE: Scan Your Node</a:t>
+              <a:t>GL: </a:t>
+            </a:r>
+            <a:r>
+              <a:rPr lang="en-US" dirty="0" smtClean="0"/>
+              <a:t>Scan Your Node</a:t>
             </a:r>
             <a:endParaRPr lang="en-US" dirty="0"/>
           </a:p>
@@ -19766,13 +19806,13 @@
   <p:clrMapOvr>
     <a:masterClrMapping/>
   </p:clrMapOvr>
-  <p:transition xmlns:p14="http://schemas.microsoft.com/office/powerpoint/2010/main" spd="med">
+  <p:transition spd="med">
     <p:fade/>
   </p:transition>
   <p:timing>
     <p:tnLst>
       <p:par>
-        <p:cTn xmlns:p14="http://schemas.microsoft.com/office/powerpoint/2010/main" id="1" dur="indefinite" restart="never" nodeType="tmRoot"/>
+        <p:cTn id="1" dur="indefinite" restart="never" nodeType="tmRoot"/>
       </p:par>
     </p:tnLst>
   </p:timing>
@@ -19815,7 +19855,11 @@
           <a:p>
             <a:r>
               <a:rPr lang="en-US" dirty="0" smtClean="0"/>
-              <a:t>GE: Scan Using the New Profile</a:t>
+              <a:t>GL: </a:t>
+            </a:r>
+            <a:r>
+              <a:rPr lang="en-US" dirty="0" smtClean="0"/>
+              <a:t>Scan Using the New Profile</a:t>
             </a:r>
             <a:endParaRPr lang="en-US" dirty="0"/>
           </a:p>
@@ -20011,13 +20055,13 @@
   <p:clrMapOvr>
     <a:masterClrMapping/>
   </p:clrMapOvr>
-  <p:transition xmlns:p14="http://schemas.microsoft.com/office/powerpoint/2010/main" spd="med">
+  <p:transition spd="med">
     <p:fade/>
   </p:transition>
   <p:timing>
     <p:tnLst>
       <p:par>
-        <p:cTn xmlns:p14="http://schemas.microsoft.com/office/powerpoint/2010/main" id="1" dur="indefinite" restart="never" nodeType="tmRoot"/>
+        <p:cTn id="1" dur="indefinite" restart="never" nodeType="tmRoot"/>
       </p:par>
     </p:tnLst>
   </p:timing>
@@ -20060,7 +20104,11 @@
           <a:p>
             <a:r>
               <a:rPr lang="en-US" dirty="0" smtClean="0"/>
-              <a:t>GE: Results of the Custom Profile Scan</a:t>
+              <a:t>GL: </a:t>
+            </a:r>
+            <a:r>
+              <a:rPr lang="en-US" dirty="0" smtClean="0"/>
+              <a:t>Results of the Custom Profile Scan</a:t>
             </a:r>
             <a:endParaRPr lang="en-US" dirty="0"/>
           </a:p>
@@ -20158,13 +20206,13 @@
   <p:clrMapOvr>
     <a:masterClrMapping/>
   </p:clrMapOvr>
-  <p:transition xmlns:p14="http://schemas.microsoft.com/office/powerpoint/2010/main" spd="med">
+  <p:transition spd="med">
     <p:fade/>
   </p:transition>
   <p:timing>
     <p:tnLst>
       <p:par>
-        <p:cTn xmlns:p14="http://schemas.microsoft.com/office/powerpoint/2010/main" id="1" dur="indefinite" restart="never" nodeType="tmRoot"/>
+        <p:cTn id="1" dur="indefinite" restart="never" nodeType="tmRoot"/>
       </p:par>
     </p:tnLst>
   </p:timing>
@@ -20207,7 +20255,11 @@
           <a:p>
             <a:r>
               <a:rPr lang="en-US" dirty="0" smtClean="0"/>
-              <a:t>GE: Results of the Custom Profile Scan</a:t>
+              <a:t>GL: </a:t>
+            </a:r>
+            <a:r>
+              <a:rPr lang="en-US" dirty="0" smtClean="0"/>
+              <a:t>Results of the Custom Profile Scan</a:t>
             </a:r>
             <a:endParaRPr lang="en-US" dirty="0"/>
           </a:p>
@@ -20296,13 +20348,13 @@
   <p:clrMapOvr>
     <a:masterClrMapping/>
   </p:clrMapOvr>
-  <p:transition xmlns:p14="http://schemas.microsoft.com/office/powerpoint/2010/main" spd="med">
+  <p:transition spd="med">
     <p:fade/>
   </p:transition>
   <p:timing>
     <p:tnLst>
       <p:par>
-        <p:cTn xmlns:p14="http://schemas.microsoft.com/office/powerpoint/2010/main" id="1" dur="indefinite" restart="never" nodeType="tmRoot"/>
+        <p:cTn id="1" dur="indefinite" restart="never" nodeType="tmRoot"/>
       </p:par>
     </p:tnLst>
   </p:timing>
@@ -20345,10 +20397,10 @@
           <a:p>
             <a:r>
               <a:rPr lang="en-US" dirty="0" smtClean="0"/>
-              <a:t>GE: </a:t>
-            </a:r>
-            <a:r>
-              <a:rPr lang="en-US" smtClean="0">
+              <a:t>GL: </a:t>
+            </a:r>
+            <a:r>
+              <a:rPr lang="en-US" dirty="0" smtClean="0">
                 <a:solidFill>
                   <a:srgbClr val="FF0000"/>
                 </a:solidFill>
@@ -20486,13 +20538,13 @@
   <p:clrMapOvr>
     <a:masterClrMapping/>
   </p:clrMapOvr>
-  <p:transition xmlns:p14="http://schemas.microsoft.com/office/powerpoint/2010/main" spd="med">
+  <p:transition spd="med">
     <p:fade/>
   </p:transition>
   <p:timing>
     <p:tnLst>
       <p:par>
-        <p:cTn xmlns:p14="http://schemas.microsoft.com/office/powerpoint/2010/main" id="1" dur="indefinite" restart="never" nodeType="tmRoot"/>
+        <p:cTn id="1" dur="indefinite" restart="never" nodeType="tmRoot"/>
       </p:par>
     </p:tnLst>
   </p:timing>
@@ -20605,7 +20657,7 @@
   <p:clrMapOvr>
     <a:masterClrMapping/>
   </p:clrMapOvr>
-  <p:transition xmlns:p14="http://schemas.microsoft.com/office/powerpoint/2010/main" spd="med">
+  <p:transition spd="med">
     <p:fade/>
   </p:transition>
 </p:sld>
@@ -20693,7 +20745,7 @@
           <a:effectLst/>
           <a:extLst>
             <a:ext uri="{91240B29-F687-4f45-9708-019B960494DF}">
-              <a14:hiddenLine xmlns:a14="http://schemas.microsoft.com/office/drawing/2010/main" w="9525">
+              <a14:hiddenLine xmlns:a14="http://schemas.microsoft.com/office/drawing/2010/main" xmlns="" w="9525">
                 <a:solidFill>
                   <a:schemeClr val="tx1"/>
                 </a:solidFill>
@@ -20703,7 +20755,7 @@
               </a14:hiddenLine>
             </a:ext>
             <a:ext uri="{AF507438-7753-43e0-B8FC-AC1667EBCBE1}">
-              <a14:hiddenEffects xmlns:a14="http://schemas.microsoft.com/office/drawing/2010/main">
+              <a14:hiddenEffects xmlns:a14="http://schemas.microsoft.com/office/drawing/2010/main" xmlns="">
                 <a:effectLst>
                   <a:outerShdw dist="35921" dir="2700000" algn="ctr" rotWithShape="0">
                     <a:schemeClr val="bg2"/>
@@ -21630,7 +21682,7 @@
   <p:clrMapOvr>
     <a:masterClrMapping/>
   </p:clrMapOvr>
-  <p:transition xmlns:p14="http://schemas.microsoft.com/office/powerpoint/2010/main" spd="med">
+  <p:transition spd="med">
     <p:fade/>
   </p:transition>
 </p:sld>
@@ -21670,7 +21722,11 @@
           <a:p>
             <a:r>
               <a:rPr lang="en-US" dirty="0" smtClean="0"/>
-              <a:t>GE: Save this</a:t>
+              <a:t>GL: </a:t>
+            </a:r>
+            <a:r>
+              <a:rPr lang="en-US" dirty="0" smtClean="0"/>
+              <a:t>Save this</a:t>
             </a:r>
             <a:endParaRPr lang="en-US" dirty="0"/>
           </a:p>
@@ -21820,13 +21876,13 @@
   <p:clrMapOvr>
     <a:masterClrMapping/>
   </p:clrMapOvr>
-  <p:transition xmlns:p14="http://schemas.microsoft.com/office/powerpoint/2010/main" spd="med">
+  <p:transition spd="med">
     <p:fade/>
   </p:transition>
   <p:timing>
     <p:tnLst>
       <p:par>
-        <p:cTn xmlns:p14="http://schemas.microsoft.com/office/powerpoint/2010/main" id="1" dur="indefinite" restart="never" nodeType="tmRoot"/>
+        <p:cTn id="1" dur="indefinite" restart="never" nodeType="tmRoot"/>
       </p:par>
     </p:tnLst>
   </p:timing>
@@ -22026,13 +22082,13 @@
   <p:clrMapOvr>
     <a:masterClrMapping/>
   </p:clrMapOvr>
-  <p:transition xmlns:p14="http://schemas.microsoft.com/office/powerpoint/2010/main" spd="med">
+  <p:transition spd="med">
     <p:fade/>
   </p:transition>
   <p:timing>
     <p:tnLst>
       <p:par>
-        <p:cTn xmlns:p14="http://schemas.microsoft.com/office/powerpoint/2010/main" id="1" dur="indefinite" restart="never" nodeType="tmRoot"/>
+        <p:cTn id="1" dur="indefinite" restart="never" nodeType="tmRoot"/>
       </p:par>
     </p:tnLst>
   </p:timing>
@@ -22213,7 +22269,7 @@
   <p:clrMapOvr>
     <a:masterClrMapping/>
   </p:clrMapOvr>
-  <p:transition xmlns:p14="http://schemas.microsoft.com/office/powerpoint/2010/main" spd="med">
+  <p:transition spd="med">
     <p:fade/>
   </p:transition>
 </p:sld>
@@ -22407,7 +22463,7 @@
   <p:clrMapOvr>
     <a:masterClrMapping/>
   </p:clrMapOvr>
-  <p:transition xmlns:p14="http://schemas.microsoft.com/office/powerpoint/2010/main" spd="med">
+  <p:transition spd="med">
     <p:fade/>
   </p:transition>
 </p:sld>
@@ -22648,7 +22704,7 @@
   <p:clrMapOvr>
     <a:masterClrMapping/>
   </p:clrMapOvr>
-  <p:transition xmlns:p14="http://schemas.microsoft.com/office/powerpoint/2010/main" spd="med">
+  <p:transition spd="med">
     <p:fade/>
   </p:transition>
 </p:sld>
@@ -22689,13 +22745,17 @@
         </p:spPr>
         <p:txBody>
           <a:bodyPr>
-            <a:normAutofit/>
+            <a:normAutofit fontScale="90000"/>
           </a:bodyPr>
           <a:lstStyle/>
           <a:p>
             <a:r>
               <a:rPr lang="en-US" dirty="0" smtClean="0"/>
-              <a:t>GE: Creating a Custom Profile</a:t>
+              <a:t>Group Lab: </a:t>
+            </a:r>
+            <a:r>
+              <a:rPr lang="en-US" dirty="0" smtClean="0"/>
+              <a:t>Creating a Custom Profile</a:t>
             </a:r>
             <a:endParaRPr lang="en-US" dirty="0"/>
           </a:p>
@@ -22796,13 +22856,13 @@
   <p:clrMapOvr>
     <a:masterClrMapping/>
   </p:clrMapOvr>
-  <p:transition xmlns:p14="http://schemas.microsoft.com/office/powerpoint/2010/main" spd="med">
+  <p:transition spd="med">
     <p:fade/>
   </p:transition>
   <p:timing>
     <p:tnLst>
       <p:par>
-        <p:cTn xmlns:p14="http://schemas.microsoft.com/office/powerpoint/2010/main" id="1" dur="indefinite" restart="never" nodeType="tmRoot"/>
+        <p:cTn id="1" dur="indefinite" restart="never" nodeType="tmRoot"/>
       </p:par>
     </p:tnLst>
   </p:timing>
@@ -22934,14 +22994,39 @@
         <p:spPr/>
         <p:txBody>
           <a:bodyPr>
-            <a:normAutofit/>
+            <a:normAutofit fontScale="90000"/>
           </a:bodyPr>
           <a:lstStyle/>
           <a:p>
             <a:r>
+              <a:rPr lang="en-US" sz="4700" dirty="0" smtClean="0"/>
+              <a:t>GL: </a:t>
+            </a:r>
+            <a:r>
               <a:rPr lang="en-US" sz="4700" dirty="0"/>
-              <a:t>GE: Create and change to a directory for your profile</a:t>
-            </a:r>
+              <a:t>Create and </a:t>
+            </a:r>
+            <a:r>
+              <a:rPr lang="en-US" sz="4700" dirty="0" smtClean="0"/>
+              <a:t>Change </a:t>
+            </a:r>
+            <a:r>
+              <a:rPr lang="en-US" sz="4700" dirty="0"/>
+              <a:t>to a </a:t>
+            </a:r>
+            <a:r>
+              <a:rPr lang="en-US" sz="4700" dirty="0" smtClean="0"/>
+              <a:t>Directory </a:t>
+            </a:r>
+            <a:r>
+              <a:rPr lang="en-US" sz="4700" dirty="0"/>
+              <a:t>for your </a:t>
+            </a:r>
+            <a:r>
+              <a:rPr lang="en-US" sz="4700" dirty="0" smtClean="0"/>
+              <a:t>Profile</a:t>
+            </a:r>
+            <a:endParaRPr lang="en-US" sz="4700" dirty="0"/>
           </a:p>
         </p:txBody>
       </p:sp>
@@ -22955,13 +23040,13 @@
   <p:clrMapOvr>
     <a:masterClrMapping/>
   </p:clrMapOvr>
-  <p:transition xmlns:p14="http://schemas.microsoft.com/office/powerpoint/2010/main" spd="med">
+  <p:transition spd="med">
     <p:fade/>
   </p:transition>
   <p:timing>
     <p:tnLst>
       <p:par>
-        <p:cTn xmlns:p14="http://schemas.microsoft.com/office/powerpoint/2010/main" id="1" dur="indefinite" restart="never" nodeType="tmRoot"/>
+        <p:cTn id="1" dur="indefinite" restart="never" nodeType="tmRoot"/>
       </p:par>
     </p:tnLst>
   </p:timing>
@@ -23106,7 +23191,11 @@
           <a:p>
             <a:r>
               <a:rPr lang="en-US" dirty="0" smtClean="0"/>
-              <a:t>GE: Run `</a:t>
+              <a:t>GL: </a:t>
+            </a:r>
+            <a:r>
+              <a:rPr lang="en-US" dirty="0" smtClean="0"/>
+              <a:t>Run `</a:t>
             </a:r>
             <a:r>
               <a:rPr lang="en-US" dirty="0" err="1" smtClean="0"/>
@@ -23195,13 +23284,13 @@
   <p:clrMapOvr>
     <a:masterClrMapping/>
   </p:clrMapOvr>
-  <p:transition xmlns:p14="http://schemas.microsoft.com/office/powerpoint/2010/main" spd="med">
+  <p:transition spd="med">
     <p:fade/>
   </p:transition>
   <p:timing>
     <p:tnLst>
       <p:par>
-        <p:cTn xmlns:p14="http://schemas.microsoft.com/office/powerpoint/2010/main" id="1" dur="indefinite" restart="never" nodeType="tmRoot"/>
+        <p:cTn id="1" dur="indefinite" restart="never" nodeType="tmRoot"/>
       </p:par>
     </p:tnLst>
   </p:timing>
@@ -23309,7 +23398,11 @@
           <a:p>
             <a:r>
               <a:rPr lang="en-US" dirty="0" smtClean="0"/>
-              <a:t>GE: Create a metadata.rb </a:t>
+              <a:t>GL: </a:t>
+            </a:r>
+            <a:r>
+              <a:rPr lang="en-US" dirty="0" smtClean="0"/>
+              <a:t>Create a metadata.rb </a:t>
             </a:r>
             <a:r>
               <a:rPr lang="en-US" dirty="0"/>
@@ -23333,7 +23426,7 @@
   <p:clrMapOvr>
     <a:masterClrMapping/>
   </p:clrMapOvr>
-  <p:transition xmlns:p14="http://schemas.microsoft.com/office/powerpoint/2010/main" spd="med">
+  <p:transition spd="med">
     <p:fade/>
   </p:transition>
 </p:sld>
@@ -23514,7 +23607,11 @@
           <a:p>
             <a:r>
               <a:rPr lang="en-US" dirty="0" smtClean="0"/>
-              <a:t>GE: Run `</a:t>
+              <a:t>GL: </a:t>
+            </a:r>
+            <a:r>
+              <a:rPr lang="en-US" dirty="0" smtClean="0"/>
+              <a:t>Run `</a:t>
             </a:r>
             <a:r>
               <a:rPr lang="en-US" dirty="0" err="1" smtClean="0"/>
@@ -23607,7 +23704,7 @@
   <p:clrMapOvr>
     <a:masterClrMapping/>
   </p:clrMapOvr>
-  <p:transition xmlns:p14="http://schemas.microsoft.com/office/powerpoint/2010/main" spd="med">
+  <p:transition spd="med">
     <p:fade/>
   </p:transition>
 </p:sld>
@@ -23989,7 +24086,7 @@
   <a:extraClrSchemeLst/>
   <a:extLst>
     <a:ext uri="{05A4C25C-085E-4340-85A3-A5531E510DB2}">
-      <thm15:themeFamily xmlns:thm15="http://schemas.microsoft.com/office/thememl/2012/main" xmlns="" name="Chef-TemplateComps_v09-16x9-Light.potx" id="{078CEFDB-FA7A-4E36-9964-13EF367585CB}" vid="{8B87B0F3-7308-43D5-8388-E1B49EA02652}"/>
+      <thm15:themeFamily xmlns:thm15="http://schemas.microsoft.com/office/thememl/2012/main" name="Chef-TemplateComps_v09-16x9-Light.potx" id="{078CEFDB-FA7A-4E36-9964-13EF367585CB}" vid="{8B87B0F3-7308-43D5-8388-E1B49EA02652}"/>
     </a:ext>
   </a:extLst>
 </a:theme>
@@ -24371,7 +24468,7 @@
   <a:extraClrSchemeLst/>
   <a:extLst>
     <a:ext uri="{05A4C25C-085E-4340-85A3-A5531E510DB2}">
-      <thm15:themeFamily xmlns:thm15="http://schemas.microsoft.com/office/thememl/2012/main" xmlns="" name="Chef-TemplateComps_v09-16x9-Light.potx" id="{078CEFDB-FA7A-4E36-9964-13EF367585CB}" vid="{8B87B0F3-7308-43D5-8388-E1B49EA02652}"/>
+      <thm15:themeFamily xmlns:thm15="http://schemas.microsoft.com/office/thememl/2012/main" name="Chef-TemplateComps_v09-16x9-Light.potx" id="{078CEFDB-FA7A-4E36-9964-13EF367585CB}" vid="{8B87B0F3-7308-43D5-8388-E1B49EA02652}"/>
     </a:ext>
   </a:extLst>
 </a:theme>
@@ -24944,27 +25041,6 @@
 </file>
 
 <file path=customXml/item1.xml><?xml version="1.0" encoding="utf-8"?>
-<?mso-contentType ?>
-<FormTemplates xmlns="http://schemas.microsoft.com/sharepoint/v3/contenttype/forms">
-  <Display>DocumentLibraryForm</Display>
-  <Edit>DocumentLibraryForm</Edit>
-  <New>DocumentLibraryForm</New>
-</FormTemplates>
-</file>
-
-<file path=customXml/item2.xml><?xml version="1.0" encoding="utf-8"?>
-<p:properties xmlns:p="http://schemas.microsoft.com/office/2006/metadata/properties" xmlns:xsi="http://www.w3.org/2001/XMLSchema-instance" xmlns:pc="http://schemas.microsoft.com/office/infopath/2007/PartnerControls">
-  <documentManagement>
-    <_dlc_DocId xmlns="7bb5d761-a2ea-4873-95f7-7a6658fb3ef0">M4CWTKMW727E-592-73</_dlc_DocId>
-    <_dlc_DocIdUrl xmlns="7bb5d761-a2ea-4873-95f7-7a6658fb3ef0">
-      <Url>https://kms.vci.local/marketing/team/_layouts/DocIdRedir.aspx?ID=M4CWTKMW727E-592-73</Url>
-      <Description>M4CWTKMW727E-592-73</Description>
-    </_dlc_DocIdUrl>
-  </documentManagement>
-</p:properties>
-</file>
-
-<file path=customXml/item3.xml><?xml version="1.0" encoding="utf-8"?>
 <ct:contentTypeSchema xmlns:ct="http://schemas.microsoft.com/office/2006/metadata/contentType" xmlns:ma="http://schemas.microsoft.com/office/2006/metadata/properties/metaAttributes" ct:_="" ma:_="" ma:contentTypeName="Document" ma:contentTypeID="0x0101000812F700BE7F874999720E88173FE491" ma:contentTypeVersion="0" ma:contentTypeDescription="Create a new document." ma:contentTypeScope="" ma:versionID="3f79f408e2ca720b7aba6e0e32464d0c">
   <xsd:schema xmlns:xsd="http://www.w3.org/2001/XMLSchema" xmlns:xs="http://www.w3.org/2001/XMLSchema" xmlns:p="http://schemas.microsoft.com/office/2006/metadata/properties" xmlns:ns2="7bb5d761-a2ea-4873-95f7-7a6658fb3ef0" targetNamespace="http://schemas.microsoft.com/office/2006/metadata/properties" ma:root="true" ma:fieldsID="1e062cd38ba31e406bfc4340fbc7f87a" ns2:_="">
     <xsd:import namespace="7bb5d761-a2ea-4873-95f7-7a6658fb3ef0"/>
@@ -25109,6 +25185,27 @@
 </ct:contentTypeSchema>
 </file>
 
+<file path=customXml/item2.xml><?xml version="1.0" encoding="utf-8"?>
+<p:properties xmlns:p="http://schemas.microsoft.com/office/2006/metadata/properties" xmlns:xsi="http://www.w3.org/2001/XMLSchema-instance" xmlns:pc="http://schemas.microsoft.com/office/infopath/2007/PartnerControls">
+  <documentManagement>
+    <_dlc_DocId xmlns="7bb5d761-a2ea-4873-95f7-7a6658fb3ef0">M4CWTKMW727E-592-73</_dlc_DocId>
+    <_dlc_DocIdUrl xmlns="7bb5d761-a2ea-4873-95f7-7a6658fb3ef0">
+      <Url>https://kms.vci.local/marketing/team/_layouts/DocIdRedir.aspx?ID=M4CWTKMW727E-592-73</Url>
+      <Description>M4CWTKMW727E-592-73</Description>
+    </_dlc_DocIdUrl>
+  </documentManagement>
+</p:properties>
+</file>
+
+<file path=customXml/item3.xml><?xml version="1.0" encoding="utf-8"?>
+<?mso-contentType ?>
+<FormTemplates xmlns="http://schemas.microsoft.com/sharepoint/v3/contenttype/forms">
+  <Display>DocumentLibraryForm</Display>
+  <Edit>DocumentLibraryForm</Edit>
+  <New>DocumentLibraryForm</New>
+</FormTemplates>
+</file>
+
 <file path=customXml/item4.xml><?xml version="1.0" encoding="utf-8"?>
 <?mso-contentType ?>
 <spe:Receivers xmlns:spe="http://schemas.microsoft.com/sharepoint/events">
@@ -25156,9 +25253,19 @@
 </file>
 
 <file path=customXml/itemProps1.xml><?xml version="1.0" encoding="utf-8"?>
-<ds:datastoreItem xmlns:ds="http://schemas.openxmlformats.org/officeDocument/2006/customXml" ds:itemID="{5CDEB364-43EC-4510-9881-539C2A3FCE9E}">
+<ds:datastoreItem xmlns:ds="http://schemas.openxmlformats.org/officeDocument/2006/customXml" ds:itemID="{164479E5-0B02-49AC-B79E-EC1D6164DDD3}">
   <ds:schemaRefs>
-    <ds:schemaRef ds:uri="http://schemas.microsoft.com/sharepoint/v3/contenttype/forms"/>
+    <ds:schemaRef ds:uri="http://schemas.microsoft.com/office/2006/metadata/contentType"/>
+    <ds:schemaRef ds:uri="http://schemas.microsoft.com/office/2006/metadata/properties/metaAttributes"/>
+    <ds:schemaRef ds:uri="http://www.w3.org/2001/XMLSchema"/>
+    <ds:schemaRef ds:uri="http://schemas.microsoft.com/office/2006/metadata/properties"/>
+    <ds:schemaRef ds:uri="7bb5d761-a2ea-4873-95f7-7a6658fb3ef0"/>
+    <ds:schemaRef ds:uri="http://schemas.microsoft.com/office/2006/documentManagement/types"/>
+    <ds:schemaRef ds:uri="http://schemas.microsoft.com/office/infopath/2007/PartnerControls"/>
+    <ds:schemaRef ds:uri="http://schemas.openxmlformats.org/package/2006/metadata/core-properties"/>
+    <ds:schemaRef ds:uri="http://purl.org/dc/elements/1.1/"/>
+    <ds:schemaRef ds:uri="http://purl.org/dc/terms/"/>
+    <ds:schemaRef ds:uri="http://schemas.microsoft.com/internal/obd"/>
   </ds:schemaRefs>
 </ds:datastoreItem>
 </file>
@@ -25180,19 +25287,9 @@
 </file>
 
 <file path=customXml/itemProps3.xml><?xml version="1.0" encoding="utf-8"?>
-<ds:datastoreItem xmlns:ds="http://schemas.openxmlformats.org/officeDocument/2006/customXml" ds:itemID="{164479E5-0B02-49AC-B79E-EC1D6164DDD3}">
+<ds:datastoreItem xmlns:ds="http://schemas.openxmlformats.org/officeDocument/2006/customXml" ds:itemID="{5CDEB364-43EC-4510-9881-539C2A3FCE9E}">
   <ds:schemaRefs>
-    <ds:schemaRef ds:uri="http://schemas.microsoft.com/office/2006/metadata/contentType"/>
-    <ds:schemaRef ds:uri="http://schemas.microsoft.com/office/2006/metadata/properties/metaAttributes"/>
-    <ds:schemaRef ds:uri="http://www.w3.org/2001/XMLSchema"/>
-    <ds:schemaRef ds:uri="http://schemas.microsoft.com/office/2006/metadata/properties"/>
-    <ds:schemaRef ds:uri="7bb5d761-a2ea-4873-95f7-7a6658fb3ef0"/>
-    <ds:schemaRef ds:uri="http://schemas.microsoft.com/office/2006/documentManagement/types"/>
-    <ds:schemaRef ds:uri="http://schemas.microsoft.com/office/infopath/2007/PartnerControls"/>
-    <ds:schemaRef ds:uri="http://schemas.openxmlformats.org/package/2006/metadata/core-properties"/>
-    <ds:schemaRef ds:uri="http://purl.org/dc/elements/1.1/"/>
-    <ds:schemaRef ds:uri="http://purl.org/dc/terms/"/>
-    <ds:schemaRef ds:uri="http://schemas.microsoft.com/internal/obd"/>
+    <ds:schemaRef ds:uri="http://schemas.microsoft.com/sharepoint/v3/contenttype/forms"/>
   </ds:schemaRefs>
 </ds:datastoreItem>
 </file>

--- a/05-creating-custom-profiles.pptx
+++ b/05-creating-custom-profiles.pptx
@@ -307,7 +307,7 @@
               <a:pPr>
                 <a:defRPr/>
               </a:pPr>
-              <a:t>2016-01-21</a:t>
+              <a:t>2016-01-27</a:t>
             </a:fld>
             <a:endParaRPr lang="en-US" dirty="0"/>
           </a:p>
@@ -490,7 +490,7 @@
               <a:pPr>
                 <a:defRPr/>
               </a:pPr>
-              <a:t>2016-01-21</a:t>
+              <a:t>2016-01-27</a:t>
             </a:fld>
             <a:endParaRPr lang="en-US" dirty="0"/>
           </a:p>
@@ -4613,11 +4613,23 @@
           <a:p>
             <a:r>
               <a:rPr lang="en-US" dirty="0" smtClean="0"/>
-              <a:t>Since you are logged</a:t>
+              <a:t>Since you are </a:t>
+            </a:r>
+            <a:r>
+              <a:rPr lang="en-US" smtClean="0"/>
+              <a:t>logged</a:t>
+            </a:r>
+            <a:r>
+              <a:rPr lang="en-US" baseline="0" smtClean="0"/>
+              <a:t> </a:t>
+            </a:r>
+            <a:r>
+              <a:rPr lang="en-US" baseline="0" smtClean="0"/>
+              <a:t>in to </a:t>
             </a:r>
             <a:r>
               <a:rPr lang="en-US" baseline="0" dirty="0" smtClean="0"/>
-              <a:t> into the Chef Compliance UI as 'admin', your profile is called 'admin/profile' on the 'Scan nodes' page.</a:t>
+              <a:t>the Chef Compliance UI as 'admin', your profile is called 'admin/profile' on the 'Scan nodes' page.</a:t>
             </a:r>
           </a:p>
           <a:p>
@@ -7767,7 +7779,15 @@
             </a:r>
             <a:r>
               <a:rPr lang="en-US" baseline="0" dirty="0" smtClean="0"/>
-              <a:t> a profile to the Compliance Server. For example, if you log into the Compliance Server as `admin`, then all profiles uploaded using the `</a:t>
+              <a:t> a profile to the Compliance Server. For example, if you log </a:t>
+            </a:r>
+            <a:r>
+              <a:rPr lang="en-US" baseline="0" dirty="0" smtClean="0"/>
+              <a:t>in to </a:t>
+            </a:r>
+            <a:r>
+              <a:rPr lang="en-US" baseline="0" dirty="0" smtClean="0"/>
+              <a:t>the Compliance Server as `admin`, then all profiles uploaded using the `</a:t>
             </a:r>
             <a:r>
               <a:rPr lang="en-US" baseline="0" dirty="0" err="1" smtClean="0"/>
@@ -8702,14 +8722,14 @@
           </a:ln>
           <a:extLst>
             <a:ext uri="{909E8E84-426E-40dd-AFC4-6F175D3DCCD1}">
-              <a14:hiddenFill xmlns:a14="http://schemas.microsoft.com/office/drawing/2010/main" xmlns="">
+              <a14:hiddenFill xmlns="" xmlns:a14="http://schemas.microsoft.com/office/drawing/2010/main">
                 <a:solidFill>
                   <a:srgbClr val="FFFFFF"/>
                 </a:solidFill>
               </a14:hiddenFill>
             </a:ext>
             <a:ext uri="{91240B29-F687-4f45-9708-019B960494DF}">
-              <a14:hiddenLine xmlns:a14="http://schemas.microsoft.com/office/drawing/2010/main" xmlns="" w="9525">
+              <a14:hiddenLine xmlns="" xmlns:a14="http://schemas.microsoft.com/office/drawing/2010/main" w="9525">
                 <a:solidFill>
                   <a:srgbClr val="000000"/>
                 </a:solidFill>
@@ -8857,14 +8877,14 @@
           </a:ln>
           <a:extLst>
             <a:ext uri="{909E8E84-426E-40dd-AFC4-6F175D3DCCD1}">
-              <a14:hiddenFill xmlns:a14="http://schemas.microsoft.com/office/drawing/2010/main" xmlns="">
+              <a14:hiddenFill xmlns="" xmlns:a14="http://schemas.microsoft.com/office/drawing/2010/main">
                 <a:solidFill>
                   <a:srgbClr val="FFFFFF"/>
                 </a:solidFill>
               </a14:hiddenFill>
             </a:ext>
             <a:ext uri="{91240B29-F687-4f45-9708-019B960494DF}">
-              <a14:hiddenLine xmlns:a14="http://schemas.microsoft.com/office/drawing/2010/main" xmlns="" w="9525">
+              <a14:hiddenLine xmlns="" xmlns:a14="http://schemas.microsoft.com/office/drawing/2010/main" w="9525">
                 <a:solidFill>
                   <a:srgbClr val="000000"/>
                 </a:solidFill>
@@ -9355,14 +9375,14 @@
           </a:ln>
           <a:extLst>
             <a:ext uri="{909E8E84-426E-40dd-AFC4-6F175D3DCCD1}">
-              <a14:hiddenFill xmlns:a14="http://schemas.microsoft.com/office/drawing/2010/main" xmlns="">
+              <a14:hiddenFill xmlns="" xmlns:a14="http://schemas.microsoft.com/office/drawing/2010/main">
                 <a:solidFill>
                   <a:srgbClr val="FFFFFF"/>
                 </a:solidFill>
               </a14:hiddenFill>
             </a:ext>
             <a:ext uri="{91240B29-F687-4f45-9708-019B960494DF}">
-              <a14:hiddenLine xmlns:a14="http://schemas.microsoft.com/office/drawing/2010/main" xmlns="" w="9525">
+              <a14:hiddenLine xmlns="" xmlns:a14="http://schemas.microsoft.com/office/drawing/2010/main" w="9525">
                 <a:solidFill>
                   <a:srgbClr val="000000"/>
                 </a:solidFill>
@@ -9888,14 +9908,14 @@
           </a:ln>
           <a:extLst>
             <a:ext uri="{909E8E84-426E-40dd-AFC4-6F175D3DCCD1}">
-              <a14:hiddenFill xmlns:a14="http://schemas.microsoft.com/office/drawing/2010/main" xmlns="">
+              <a14:hiddenFill xmlns="" xmlns:a14="http://schemas.microsoft.com/office/drawing/2010/main">
                 <a:solidFill>
                   <a:srgbClr val="FFFFFF"/>
                 </a:solidFill>
               </a14:hiddenFill>
             </a:ext>
             <a:ext uri="{91240B29-F687-4f45-9708-019B960494DF}">
-              <a14:hiddenLine xmlns:a14="http://schemas.microsoft.com/office/drawing/2010/main" xmlns="" w="9525">
+              <a14:hiddenLine xmlns="" xmlns:a14="http://schemas.microsoft.com/office/drawing/2010/main" w="9525">
                 <a:solidFill>
                   <a:srgbClr val="000000"/>
                 </a:solidFill>
@@ -11519,14 +11539,14 @@
           </a:ln>
           <a:extLst>
             <a:ext uri="{909E8E84-426E-40dd-AFC4-6F175D3DCCD1}">
-              <a14:hiddenFill xmlns:a14="http://schemas.microsoft.com/office/drawing/2010/main" xmlns="">
+              <a14:hiddenFill xmlns="" xmlns:a14="http://schemas.microsoft.com/office/drawing/2010/main">
                 <a:solidFill>
                   <a:srgbClr val="FFFFFF"/>
                 </a:solidFill>
               </a14:hiddenFill>
             </a:ext>
             <a:ext uri="{91240B29-F687-4f45-9708-019B960494DF}">
-              <a14:hiddenLine xmlns:a14="http://schemas.microsoft.com/office/drawing/2010/main" xmlns="" w="9525">
+              <a14:hiddenLine xmlns="" xmlns:a14="http://schemas.microsoft.com/office/drawing/2010/main" w="9525">
                 <a:solidFill>
                   <a:srgbClr val="000000"/>
                 </a:solidFill>
@@ -12880,14 +12900,14 @@
           </a:ln>
           <a:extLst>
             <a:ext uri="{909E8E84-426E-40dd-AFC4-6F175D3DCCD1}">
-              <a14:hiddenFill xmlns:a14="http://schemas.microsoft.com/office/drawing/2010/main" xmlns="">
+              <a14:hiddenFill xmlns="" xmlns:a14="http://schemas.microsoft.com/office/drawing/2010/main">
                 <a:solidFill>
                   <a:srgbClr val="FFFFFF"/>
                 </a:solidFill>
               </a14:hiddenFill>
             </a:ext>
             <a:ext uri="{91240B29-F687-4f45-9708-019B960494DF}">
-              <a14:hiddenLine xmlns:a14="http://schemas.microsoft.com/office/drawing/2010/main" xmlns="" w="9525">
+              <a14:hiddenLine xmlns="" xmlns:a14="http://schemas.microsoft.com/office/drawing/2010/main" w="9525">
                 <a:solidFill>
                   <a:srgbClr val="000000"/>
                 </a:solidFill>
@@ -13393,14 +13413,14 @@
           </a:ln>
           <a:extLst>
             <a:ext uri="{909E8E84-426E-40dd-AFC4-6F175D3DCCD1}">
-              <a14:hiddenFill xmlns:a14="http://schemas.microsoft.com/office/drawing/2010/main" xmlns="">
+              <a14:hiddenFill xmlns="" xmlns:a14="http://schemas.microsoft.com/office/drawing/2010/main">
                 <a:solidFill>
                   <a:srgbClr val="FFFFFF"/>
                 </a:solidFill>
               </a14:hiddenFill>
             </a:ext>
             <a:ext uri="{91240B29-F687-4f45-9708-019B960494DF}">
-              <a14:hiddenLine xmlns:a14="http://schemas.microsoft.com/office/drawing/2010/main" xmlns="" w="9525">
+              <a14:hiddenLine xmlns="" xmlns:a14="http://schemas.microsoft.com/office/drawing/2010/main" w="9525">
                 <a:solidFill>
                   <a:srgbClr val="000000"/>
                 </a:solidFill>
@@ -13967,14 +13987,14 @@
           </a:ln>
           <a:extLst>
             <a:ext uri="{909E8E84-426E-40dd-AFC4-6F175D3DCCD1}">
-              <a14:hiddenFill xmlns:a14="http://schemas.microsoft.com/office/drawing/2010/main" xmlns="">
+              <a14:hiddenFill xmlns="" xmlns:a14="http://schemas.microsoft.com/office/drawing/2010/main">
                 <a:solidFill>
                   <a:srgbClr val="FFFFFF"/>
                 </a:solidFill>
               </a14:hiddenFill>
             </a:ext>
             <a:ext uri="{91240B29-F687-4f45-9708-019B960494DF}">
-              <a14:hiddenLine xmlns:a14="http://schemas.microsoft.com/office/drawing/2010/main" xmlns="" w="9525">
+              <a14:hiddenLine xmlns="" xmlns:a14="http://schemas.microsoft.com/office/drawing/2010/main" w="9525">
                 <a:solidFill>
                   <a:srgbClr val="000000"/>
                 </a:solidFill>
@@ -14914,14 +14934,14 @@
           </a:ln>
           <a:extLst>
             <a:ext uri="{909E8E84-426E-40dd-AFC4-6F175D3DCCD1}">
-              <a14:hiddenFill xmlns:a14="http://schemas.microsoft.com/office/drawing/2010/main" xmlns="">
+              <a14:hiddenFill xmlns="" xmlns:a14="http://schemas.microsoft.com/office/drawing/2010/main">
                 <a:solidFill>
                   <a:srgbClr val="FFFFFF"/>
                 </a:solidFill>
               </a14:hiddenFill>
             </a:ext>
             <a:ext uri="{91240B29-F687-4f45-9708-019B960494DF}">
-              <a14:hiddenLine xmlns:a14="http://schemas.microsoft.com/office/drawing/2010/main" xmlns="" w="9525">
+              <a14:hiddenLine xmlns="" xmlns:a14="http://schemas.microsoft.com/office/drawing/2010/main" w="9525">
                 <a:solidFill>
                   <a:srgbClr val="000000"/>
                 </a:solidFill>
@@ -15674,14 +15694,14 @@
           </a:ln>
           <a:extLst>
             <a:ext uri="{909E8E84-426E-40dd-AFC4-6F175D3DCCD1}">
-              <a14:hiddenFill xmlns:a14="http://schemas.microsoft.com/office/drawing/2010/main" xmlns="">
+              <a14:hiddenFill xmlns="" xmlns:a14="http://schemas.microsoft.com/office/drawing/2010/main">
                 <a:solidFill>
                   <a:srgbClr val="FFFFFF"/>
                 </a:solidFill>
               </a14:hiddenFill>
             </a:ext>
             <a:ext uri="{91240B29-F687-4f45-9708-019B960494DF}">
-              <a14:hiddenLine xmlns:a14="http://schemas.microsoft.com/office/drawing/2010/main" xmlns="" w="9525">
+              <a14:hiddenLine xmlns="" xmlns:a14="http://schemas.microsoft.com/office/drawing/2010/main" w="9525">
                 <a:solidFill>
                   <a:srgbClr val="000000"/>
                 </a:solidFill>
@@ -16800,11 +16820,7 @@
           <a:p>
             <a:r>
               <a:rPr lang="en-US" dirty="0" smtClean="0"/>
-              <a:t>GL: </a:t>
-            </a:r>
-            <a:r>
-              <a:rPr lang="en-US" dirty="0" smtClean="0"/>
-              <a:t>Run `</a:t>
+              <a:t>GL: Run `</a:t>
             </a:r>
             <a:r>
               <a:rPr lang="en-US" dirty="0" err="1" smtClean="0"/>
@@ -17486,11 +17502,7 @@
           <a:p>
             <a:r>
               <a:rPr lang="en-US" dirty="0" smtClean="0"/>
-              <a:t>GL: </a:t>
-            </a:r>
-            <a:r>
-              <a:rPr lang="en-US" dirty="0" smtClean="0"/>
-              <a:t>Run `</a:t>
+              <a:t>GL: Run `</a:t>
             </a:r>
             <a:r>
               <a:rPr lang="en-US" dirty="0" err="1" smtClean="0"/>
@@ -18002,11 +18014,7 @@
           <a:p>
             <a:r>
               <a:rPr lang="en-US" dirty="0" smtClean="0"/>
-              <a:t>GL: </a:t>
-            </a:r>
-            <a:r>
-              <a:rPr lang="en-US" dirty="0" smtClean="0"/>
-              <a:t>Run `</a:t>
+              <a:t>GL: Run `</a:t>
             </a:r>
             <a:r>
               <a:rPr lang="en-US" dirty="0" err="1" smtClean="0"/>
@@ -18227,11 +18235,7 @@
           <a:p>
             <a:r>
               <a:rPr lang="en-US" dirty="0" smtClean="0"/>
-              <a:t>GL: </a:t>
-            </a:r>
-            <a:r>
-              <a:rPr lang="en-US" dirty="0" smtClean="0"/>
-              <a:t>Use `</a:t>
+              <a:t>GL: Use `</a:t>
             </a:r>
             <a:r>
               <a:rPr lang="en-US" dirty="0" err="1" smtClean="0"/>
@@ -18309,11 +18313,7 @@
           <a:p>
             <a:r>
               <a:rPr lang="en-US" dirty="0" smtClean="0"/>
-              <a:t>Group Lab: </a:t>
-            </a:r>
-            <a:r>
-              <a:rPr lang="en-US" dirty="0" smtClean="0"/>
-              <a:t>Uploading the Custom Profile to the Compliance Server </a:t>
+              <a:t>Group Lab: Uploading the Custom Profile to the Compliance Server </a:t>
             </a:r>
             <a:endParaRPr lang="en-US" dirty="0"/>
           </a:p>
@@ -18542,11 +18542,7 @@
           <a:p>
             <a:r>
               <a:rPr lang="en-US" dirty="0" smtClean="0"/>
-              <a:t>GL: </a:t>
-            </a:r>
-            <a:r>
-              <a:rPr lang="en-US" dirty="0" smtClean="0"/>
-              <a:t>Install the zip Package</a:t>
+              <a:t>GL: Install the zip Package</a:t>
             </a:r>
             <a:endParaRPr lang="en-US" dirty="0"/>
           </a:p>
@@ -18896,11 +18892,7 @@
           <a:p>
             <a:r>
               <a:rPr lang="en-US" dirty="0" smtClean="0"/>
-              <a:t>GL: </a:t>
-            </a:r>
-            <a:r>
-              <a:rPr lang="en-US" dirty="0" smtClean="0"/>
-              <a:t>Zip up your New Profile</a:t>
+              <a:t>GL: Zip up your New Profile</a:t>
             </a:r>
             <a:endParaRPr lang="en-US" dirty="0"/>
           </a:p>
@@ -19067,11 +19059,7 @@
           <a:p>
             <a:r>
               <a:rPr lang="en-US" dirty="0" smtClean="0"/>
-              <a:t>GL: </a:t>
-            </a:r>
-            <a:r>
-              <a:rPr lang="en-US" dirty="0" smtClean="0"/>
-              <a:t>Verify the zip File's Creation</a:t>
+              <a:t>GL: Verify the zip File's Creation</a:t>
             </a:r>
             <a:endParaRPr lang="en-US" dirty="0"/>
           </a:p>
@@ -19221,11 +19209,7 @@
           <a:p>
             <a:r>
               <a:rPr lang="en-US" dirty="0" smtClean="0"/>
-              <a:t>GL: </a:t>
-            </a:r>
-            <a:r>
-              <a:rPr lang="en-US" dirty="0" smtClean="0"/>
-              <a:t>From your Laptop Run the </a:t>
+              <a:t>GL: From your Laptop Run the </a:t>
             </a:r>
             <a:r>
               <a:rPr lang="en-US" dirty="0" err="1" smtClean="0"/>
@@ -19681,11 +19665,7 @@
           <a:p>
             <a:r>
               <a:rPr lang="en-US" dirty="0" smtClean="0"/>
-              <a:t>GL: </a:t>
-            </a:r>
-            <a:r>
-              <a:rPr lang="en-US" dirty="0" smtClean="0"/>
-              <a:t>Scan Your Node</a:t>
+              <a:t>GL: Scan Your Node</a:t>
             </a:r>
             <a:endParaRPr lang="en-US" dirty="0"/>
           </a:p>
@@ -19855,11 +19835,7 @@
           <a:p>
             <a:r>
               <a:rPr lang="en-US" dirty="0" smtClean="0"/>
-              <a:t>GL: </a:t>
-            </a:r>
-            <a:r>
-              <a:rPr lang="en-US" dirty="0" smtClean="0"/>
-              <a:t>Scan Using the New Profile</a:t>
+              <a:t>GL: Scan Using the New Profile</a:t>
             </a:r>
             <a:endParaRPr lang="en-US" dirty="0"/>
           </a:p>
@@ -20104,11 +20080,7 @@
           <a:p>
             <a:r>
               <a:rPr lang="en-US" dirty="0" smtClean="0"/>
-              <a:t>GL: </a:t>
-            </a:r>
-            <a:r>
-              <a:rPr lang="en-US" dirty="0" smtClean="0"/>
-              <a:t>Results of the Custom Profile Scan</a:t>
+              <a:t>GL: Results of the Custom Profile Scan</a:t>
             </a:r>
             <a:endParaRPr lang="en-US" dirty="0"/>
           </a:p>
@@ -20255,11 +20227,7 @@
           <a:p>
             <a:r>
               <a:rPr lang="en-US" dirty="0" smtClean="0"/>
-              <a:t>GL: </a:t>
-            </a:r>
-            <a:r>
-              <a:rPr lang="en-US" dirty="0" smtClean="0"/>
-              <a:t>Results of the Custom Profile Scan</a:t>
+              <a:t>GL: Results of the Custom Profile Scan</a:t>
             </a:r>
             <a:endParaRPr lang="en-US" dirty="0"/>
           </a:p>
@@ -20745,7 +20713,7 @@
           <a:effectLst/>
           <a:extLst>
             <a:ext uri="{91240B29-F687-4f45-9708-019B960494DF}">
-              <a14:hiddenLine xmlns:a14="http://schemas.microsoft.com/office/drawing/2010/main" xmlns="" w="9525">
+              <a14:hiddenLine xmlns="" xmlns:a14="http://schemas.microsoft.com/office/drawing/2010/main" w="9525">
                 <a:solidFill>
                   <a:schemeClr val="tx1"/>
                 </a:solidFill>
@@ -20755,7 +20723,7 @@
               </a14:hiddenLine>
             </a:ext>
             <a:ext uri="{AF507438-7753-43e0-B8FC-AC1667EBCBE1}">
-              <a14:hiddenEffects xmlns:a14="http://schemas.microsoft.com/office/drawing/2010/main" xmlns="">
+              <a14:hiddenEffects xmlns="" xmlns:a14="http://schemas.microsoft.com/office/drawing/2010/main">
                 <a:effectLst>
                   <a:outerShdw dist="35921" dir="2700000" algn="ctr" rotWithShape="0">
                     <a:schemeClr val="bg2"/>
@@ -21722,11 +21690,7 @@
           <a:p>
             <a:r>
               <a:rPr lang="en-US" dirty="0" smtClean="0"/>
-              <a:t>GL: </a:t>
-            </a:r>
-            <a:r>
-              <a:rPr lang="en-US" dirty="0" smtClean="0"/>
-              <a:t>Save this</a:t>
+              <a:t>GL: Save this</a:t>
             </a:r>
             <a:endParaRPr lang="en-US" dirty="0"/>
           </a:p>
@@ -22751,11 +22715,7 @@
           <a:p>
             <a:r>
               <a:rPr lang="en-US" dirty="0" smtClean="0"/>
-              <a:t>Group Lab: </a:t>
-            </a:r>
-            <a:r>
-              <a:rPr lang="en-US" dirty="0" smtClean="0"/>
-              <a:t>Creating a Custom Profile</a:t>
+              <a:t>Group Lab: Creating a Custom Profile</a:t>
             </a:r>
             <a:endParaRPr lang="en-US" dirty="0"/>
           </a:p>
@@ -23191,11 +23151,7 @@
           <a:p>
             <a:r>
               <a:rPr lang="en-US" dirty="0" smtClean="0"/>
-              <a:t>GL: </a:t>
-            </a:r>
-            <a:r>
-              <a:rPr lang="en-US" dirty="0" smtClean="0"/>
-              <a:t>Run `</a:t>
+              <a:t>GL: Run `</a:t>
             </a:r>
             <a:r>
               <a:rPr lang="en-US" dirty="0" err="1" smtClean="0"/>
@@ -23398,11 +23354,7 @@
           <a:p>
             <a:r>
               <a:rPr lang="en-US" dirty="0" smtClean="0"/>
-              <a:t>GL: </a:t>
-            </a:r>
-            <a:r>
-              <a:rPr lang="en-US" dirty="0" smtClean="0"/>
-              <a:t>Create a metadata.rb </a:t>
+              <a:t>GL: Create a metadata.rb </a:t>
             </a:r>
             <a:r>
               <a:rPr lang="en-US" dirty="0"/>
@@ -23607,11 +23559,7 @@
           <a:p>
             <a:r>
               <a:rPr lang="en-US" dirty="0" smtClean="0"/>
-              <a:t>GL: </a:t>
-            </a:r>
-            <a:r>
-              <a:rPr lang="en-US" dirty="0" smtClean="0"/>
-              <a:t>Run `</a:t>
+              <a:t>GL: Run `</a:t>
             </a:r>
             <a:r>
               <a:rPr lang="en-US" dirty="0" err="1" smtClean="0"/>
@@ -25041,6 +24989,27 @@
 </file>
 
 <file path=customXml/item1.xml><?xml version="1.0" encoding="utf-8"?>
+<?mso-contentType ?>
+<FormTemplates xmlns="http://schemas.microsoft.com/sharepoint/v3/contenttype/forms">
+  <Display>DocumentLibraryForm</Display>
+  <Edit>DocumentLibraryForm</Edit>
+  <New>DocumentLibraryForm</New>
+</FormTemplates>
+</file>
+
+<file path=customXml/item2.xml><?xml version="1.0" encoding="utf-8"?>
+<p:properties xmlns:p="http://schemas.microsoft.com/office/2006/metadata/properties" xmlns:xsi="http://www.w3.org/2001/XMLSchema-instance" xmlns:pc="http://schemas.microsoft.com/office/infopath/2007/PartnerControls">
+  <documentManagement>
+    <_dlc_DocId xmlns="7bb5d761-a2ea-4873-95f7-7a6658fb3ef0">M4CWTKMW727E-592-73</_dlc_DocId>
+    <_dlc_DocIdUrl xmlns="7bb5d761-a2ea-4873-95f7-7a6658fb3ef0">
+      <Url>https://kms.vci.local/marketing/team/_layouts/DocIdRedir.aspx?ID=M4CWTKMW727E-592-73</Url>
+      <Description>M4CWTKMW727E-592-73</Description>
+    </_dlc_DocIdUrl>
+  </documentManagement>
+</p:properties>
+</file>
+
+<file path=customXml/item3.xml><?xml version="1.0" encoding="utf-8"?>
 <ct:contentTypeSchema xmlns:ct="http://schemas.microsoft.com/office/2006/metadata/contentType" xmlns:ma="http://schemas.microsoft.com/office/2006/metadata/properties/metaAttributes" ct:_="" ma:_="" ma:contentTypeName="Document" ma:contentTypeID="0x0101000812F700BE7F874999720E88173FE491" ma:contentTypeVersion="0" ma:contentTypeDescription="Create a new document." ma:contentTypeScope="" ma:versionID="3f79f408e2ca720b7aba6e0e32464d0c">
   <xsd:schema xmlns:xsd="http://www.w3.org/2001/XMLSchema" xmlns:xs="http://www.w3.org/2001/XMLSchema" xmlns:p="http://schemas.microsoft.com/office/2006/metadata/properties" xmlns:ns2="7bb5d761-a2ea-4873-95f7-7a6658fb3ef0" targetNamespace="http://schemas.microsoft.com/office/2006/metadata/properties" ma:root="true" ma:fieldsID="1e062cd38ba31e406bfc4340fbc7f87a" ns2:_="">
     <xsd:import namespace="7bb5d761-a2ea-4873-95f7-7a6658fb3ef0"/>
@@ -25185,27 +25154,6 @@
 </ct:contentTypeSchema>
 </file>
 
-<file path=customXml/item2.xml><?xml version="1.0" encoding="utf-8"?>
-<p:properties xmlns:p="http://schemas.microsoft.com/office/2006/metadata/properties" xmlns:xsi="http://www.w3.org/2001/XMLSchema-instance" xmlns:pc="http://schemas.microsoft.com/office/infopath/2007/PartnerControls">
-  <documentManagement>
-    <_dlc_DocId xmlns="7bb5d761-a2ea-4873-95f7-7a6658fb3ef0">M4CWTKMW727E-592-73</_dlc_DocId>
-    <_dlc_DocIdUrl xmlns="7bb5d761-a2ea-4873-95f7-7a6658fb3ef0">
-      <Url>https://kms.vci.local/marketing/team/_layouts/DocIdRedir.aspx?ID=M4CWTKMW727E-592-73</Url>
-      <Description>M4CWTKMW727E-592-73</Description>
-    </_dlc_DocIdUrl>
-  </documentManagement>
-</p:properties>
-</file>
-
-<file path=customXml/item3.xml><?xml version="1.0" encoding="utf-8"?>
-<?mso-contentType ?>
-<FormTemplates xmlns="http://schemas.microsoft.com/sharepoint/v3/contenttype/forms">
-  <Display>DocumentLibraryForm</Display>
-  <Edit>DocumentLibraryForm</Edit>
-  <New>DocumentLibraryForm</New>
-</FormTemplates>
-</file>
-
 <file path=customXml/item4.xml><?xml version="1.0" encoding="utf-8"?>
 <?mso-contentType ?>
 <spe:Receivers xmlns:spe="http://schemas.microsoft.com/sharepoint/events">
@@ -25253,19 +25201,9 @@
 </file>
 
 <file path=customXml/itemProps1.xml><?xml version="1.0" encoding="utf-8"?>
-<ds:datastoreItem xmlns:ds="http://schemas.openxmlformats.org/officeDocument/2006/customXml" ds:itemID="{164479E5-0B02-49AC-B79E-EC1D6164DDD3}">
+<ds:datastoreItem xmlns:ds="http://schemas.openxmlformats.org/officeDocument/2006/customXml" ds:itemID="{5CDEB364-43EC-4510-9881-539C2A3FCE9E}">
   <ds:schemaRefs>
-    <ds:schemaRef ds:uri="http://schemas.microsoft.com/office/2006/metadata/contentType"/>
-    <ds:schemaRef ds:uri="http://schemas.microsoft.com/office/2006/metadata/properties/metaAttributes"/>
-    <ds:schemaRef ds:uri="http://www.w3.org/2001/XMLSchema"/>
-    <ds:schemaRef ds:uri="http://schemas.microsoft.com/office/2006/metadata/properties"/>
-    <ds:schemaRef ds:uri="7bb5d761-a2ea-4873-95f7-7a6658fb3ef0"/>
-    <ds:schemaRef ds:uri="http://schemas.microsoft.com/office/2006/documentManagement/types"/>
-    <ds:schemaRef ds:uri="http://schemas.microsoft.com/office/infopath/2007/PartnerControls"/>
-    <ds:schemaRef ds:uri="http://schemas.openxmlformats.org/package/2006/metadata/core-properties"/>
-    <ds:schemaRef ds:uri="http://purl.org/dc/elements/1.1/"/>
-    <ds:schemaRef ds:uri="http://purl.org/dc/terms/"/>
-    <ds:schemaRef ds:uri="http://schemas.microsoft.com/internal/obd"/>
+    <ds:schemaRef ds:uri="http://schemas.microsoft.com/sharepoint/v3/contenttype/forms"/>
   </ds:schemaRefs>
 </ds:datastoreItem>
 </file>
@@ -25287,9 +25225,19 @@
 </file>
 
 <file path=customXml/itemProps3.xml><?xml version="1.0" encoding="utf-8"?>
-<ds:datastoreItem xmlns:ds="http://schemas.openxmlformats.org/officeDocument/2006/customXml" ds:itemID="{5CDEB364-43EC-4510-9881-539C2A3FCE9E}">
+<ds:datastoreItem xmlns:ds="http://schemas.openxmlformats.org/officeDocument/2006/customXml" ds:itemID="{164479E5-0B02-49AC-B79E-EC1D6164DDD3}">
   <ds:schemaRefs>
-    <ds:schemaRef ds:uri="http://schemas.microsoft.com/sharepoint/v3/contenttype/forms"/>
+    <ds:schemaRef ds:uri="http://schemas.microsoft.com/office/2006/metadata/contentType"/>
+    <ds:schemaRef ds:uri="http://schemas.microsoft.com/office/2006/metadata/properties/metaAttributes"/>
+    <ds:schemaRef ds:uri="http://www.w3.org/2001/XMLSchema"/>
+    <ds:schemaRef ds:uri="http://schemas.microsoft.com/office/2006/metadata/properties"/>
+    <ds:schemaRef ds:uri="7bb5d761-a2ea-4873-95f7-7a6658fb3ef0"/>
+    <ds:schemaRef ds:uri="http://schemas.microsoft.com/office/2006/documentManagement/types"/>
+    <ds:schemaRef ds:uri="http://schemas.microsoft.com/office/infopath/2007/PartnerControls"/>
+    <ds:schemaRef ds:uri="http://schemas.openxmlformats.org/package/2006/metadata/core-properties"/>
+    <ds:schemaRef ds:uri="http://purl.org/dc/elements/1.1/"/>
+    <ds:schemaRef ds:uri="http://purl.org/dc/terms/"/>
+    <ds:schemaRef ds:uri="http://schemas.microsoft.com/internal/obd"/>
   </ds:schemaRefs>
 </ds:datastoreItem>
 </file>

--- a/05-creating-custom-profiles.pptx
+++ b/05-creating-custom-profiles.pptx
@@ -307,7 +307,7 @@
               <a:pPr>
                 <a:defRPr/>
               </a:pPr>
-              <a:t>2016-01-27</a:t>
+              <a:t>2016-01-28</a:t>
             </a:fld>
             <a:endParaRPr lang="en-US" dirty="0"/>
           </a:p>
@@ -490,7 +490,7 @@
               <a:pPr>
                 <a:defRPr/>
               </a:pPr>
-              <a:t>2016-01-27</a:t>
+              <a:t>2016-01-28</a:t>
             </a:fld>
             <a:endParaRPr lang="en-US" dirty="0"/>
           </a:p>
@@ -2718,8 +2718,241 @@
             </a:r>
             <a:r>
               <a:rPr lang="en-US" baseline="0" dirty="0" smtClean="0"/>
-              <a:t>/rb files was verified.</a:t>
-            </a:r>
+              <a:t>/rb files was verified</a:t>
+            </a:r>
+            <a:r>
+              <a:rPr lang="en-US" baseline="0" dirty="0" smtClean="0"/>
+              <a:t>.</a:t>
+            </a:r>
+          </a:p>
+          <a:p>
+            <a:pPr marL="0" marR="0" indent="0" algn="l" defTabSz="1217613" rtl="0" eaLnBrk="1" fontAlgn="base" latinLnBrk="0" hangingPunct="1">
+              <a:lnSpc>
+                <a:spcPct val="90000"/>
+              </a:lnSpc>
+              <a:spcBef>
+                <a:spcPct val="30000"/>
+              </a:spcBef>
+              <a:spcAft>
+                <a:spcPts val="450"/>
+              </a:spcAft>
+              <a:buClrTx/>
+              <a:buSzTx/>
+              <a:buFontTx/>
+              <a:buNone/>
+              <a:tabLst/>
+              <a:defRPr/>
+            </a:pPr>
+            <a:endParaRPr lang="en-US" baseline="0" dirty="0" smtClean="0"/>
+          </a:p>
+          <a:p>
+            <a:pPr marL="0" marR="0" indent="0" algn="l" defTabSz="1217613" rtl="0" eaLnBrk="1" fontAlgn="base" latinLnBrk="0" hangingPunct="1">
+              <a:lnSpc>
+                <a:spcPct val="90000"/>
+              </a:lnSpc>
+              <a:spcBef>
+                <a:spcPct val="30000"/>
+              </a:spcBef>
+              <a:spcAft>
+                <a:spcPts val="450"/>
+              </a:spcAft>
+              <a:buClrTx/>
+              <a:buSzTx/>
+              <a:buFontTx/>
+              <a:buNone/>
+              <a:tabLst/>
+              <a:defRPr/>
+            </a:pPr>
+            <a:r>
+              <a:rPr lang="en-US" dirty="0" smtClean="0"/>
+              <a:t>Instructor Note: In a recent test (1/28 </a:t>
+            </a:r>
+            <a:r>
+              <a:rPr lang="en-US" dirty="0" err="1" smtClean="0"/>
+              <a:t>inspec</a:t>
+            </a:r>
+            <a:r>
+              <a:rPr lang="en-US" dirty="0" smtClean="0"/>
+              <a:t> 0.9.2) the output was a little different:</a:t>
+            </a:r>
+            <a:br>
+              <a:rPr lang="en-US" dirty="0" smtClean="0"/>
+            </a:br>
+            <a:r>
+              <a:rPr lang="en-US" dirty="0" smtClean="0"/>
+              <a:t>[chef@ip-172-31-2-116 profile_01]$ </a:t>
+            </a:r>
+            <a:r>
+              <a:rPr lang="en-US" dirty="0" err="1" smtClean="0"/>
+              <a:t>inspec</a:t>
+            </a:r>
+            <a:r>
+              <a:rPr lang="en-US" dirty="0" smtClean="0"/>
+              <a:t> check ~/</a:t>
+            </a:r>
+            <a:r>
+              <a:rPr lang="en-US" dirty="0" err="1" smtClean="0"/>
+              <a:t>compliance_profiles</a:t>
+            </a:r>
+            <a:r>
+              <a:rPr lang="en-US" dirty="0" smtClean="0"/>
+              <a:t>/profile_01</a:t>
+            </a:r>
+          </a:p>
+          <a:p>
+            <a:pPr marL="0" marR="0" indent="0" algn="l" defTabSz="1217613" rtl="0" eaLnBrk="1" fontAlgn="base" latinLnBrk="0" hangingPunct="1">
+              <a:lnSpc>
+                <a:spcPct val="90000"/>
+              </a:lnSpc>
+              <a:spcBef>
+                <a:spcPct val="30000"/>
+              </a:spcBef>
+              <a:spcAft>
+                <a:spcPts val="450"/>
+              </a:spcAft>
+              <a:buClrTx/>
+              <a:buSzTx/>
+              <a:buFontTx/>
+              <a:buNone/>
+              <a:tabLst/>
+              <a:defRPr/>
+            </a:pPr>
+            <a:r>
+              <a:rPr lang="en-US" dirty="0" smtClean="0"/>
+              <a:t>I, [2016-01-28T22:14:01.897589 #6154]  INFO -- : Checking profile in /home/chef/</a:t>
+            </a:r>
+            <a:r>
+              <a:rPr lang="en-US" dirty="0" err="1" smtClean="0"/>
+              <a:t>compliance_profiles</a:t>
+            </a:r>
+            <a:r>
+              <a:rPr lang="en-US" dirty="0" smtClean="0"/>
+              <a:t>/profile_01</a:t>
+            </a:r>
+          </a:p>
+          <a:p>
+            <a:pPr marL="0" marR="0" indent="0" algn="l" defTabSz="1217613" rtl="0" eaLnBrk="1" fontAlgn="base" latinLnBrk="0" hangingPunct="1">
+              <a:lnSpc>
+                <a:spcPct val="90000"/>
+              </a:lnSpc>
+              <a:spcBef>
+                <a:spcPct val="30000"/>
+              </a:spcBef>
+              <a:spcAft>
+                <a:spcPts val="450"/>
+              </a:spcAft>
+              <a:buClrTx/>
+              <a:buSzTx/>
+              <a:buFontTx/>
+              <a:buNone/>
+              <a:tabLst/>
+              <a:defRPr/>
+            </a:pPr>
+            <a:r>
+              <a:rPr lang="en-US" dirty="0" smtClean="0"/>
+              <a:t>I, [2016-01-28T22:14:01.897815 #6154]  INFO -- : Metadata OK.</a:t>
+            </a:r>
+          </a:p>
+          <a:p>
+            <a:pPr marL="0" marR="0" indent="0" algn="l" defTabSz="1217613" rtl="0" eaLnBrk="1" fontAlgn="base" latinLnBrk="0" hangingPunct="1">
+              <a:lnSpc>
+                <a:spcPct val="90000"/>
+              </a:lnSpc>
+              <a:spcBef>
+                <a:spcPct val="30000"/>
+              </a:spcBef>
+              <a:spcAft>
+                <a:spcPts val="450"/>
+              </a:spcAft>
+              <a:buClrTx/>
+              <a:buSzTx/>
+              <a:buFontTx/>
+              <a:buNone/>
+              <a:tabLst/>
+              <a:defRPr/>
+            </a:pPr>
+            <a:r>
+              <a:rPr lang="en-US" dirty="0" smtClean="0"/>
+              <a:t>D, [2016-01-28T22:14:01.897878 #6154] DEBUG -- : Found 15 rules.</a:t>
+            </a:r>
+          </a:p>
+          <a:p>
+            <a:pPr marL="0" marR="0" indent="0" algn="l" defTabSz="1217613" rtl="0" eaLnBrk="1" fontAlgn="base" latinLnBrk="0" hangingPunct="1">
+              <a:lnSpc>
+                <a:spcPct val="90000"/>
+              </a:lnSpc>
+              <a:spcBef>
+                <a:spcPct val="30000"/>
+              </a:spcBef>
+              <a:spcAft>
+                <a:spcPts val="450"/>
+              </a:spcAft>
+              <a:buClrTx/>
+              <a:buSzTx/>
+              <a:buFontTx/>
+              <a:buNone/>
+              <a:tabLst/>
+              <a:defRPr/>
+            </a:pPr>
+            <a:r>
+              <a:rPr lang="en-US" dirty="0" smtClean="0"/>
+              <a:t>D, [2016-01-28T22:14:01.897926 #6154] DEBUG -- : Verify all rules in  /home/chef/</a:t>
+            </a:r>
+            <a:r>
+              <a:rPr lang="en-US" dirty="0" err="1" smtClean="0"/>
+              <a:t>compliance_profiles</a:t>
+            </a:r>
+            <a:r>
+              <a:rPr lang="en-US" dirty="0" smtClean="0"/>
+              <a:t>/profile_01/test/</a:t>
+            </a:r>
+            <a:r>
+              <a:rPr lang="en-US" dirty="0" err="1" smtClean="0"/>
+              <a:t>tmp.rb</a:t>
+            </a:r>
+            <a:endParaRPr lang="en-US" dirty="0" smtClean="0"/>
+          </a:p>
+          <a:p>
+            <a:pPr marL="0" marR="0" indent="0" algn="l" defTabSz="1217613" rtl="0" eaLnBrk="1" fontAlgn="base" latinLnBrk="0" hangingPunct="1">
+              <a:lnSpc>
+                <a:spcPct val="90000"/>
+              </a:lnSpc>
+              <a:spcBef>
+                <a:spcPct val="30000"/>
+              </a:spcBef>
+              <a:spcAft>
+                <a:spcPts val="450"/>
+              </a:spcAft>
+              <a:buClrTx/>
+              <a:buSzTx/>
+              <a:buFontTx/>
+              <a:buNone/>
+              <a:tabLst/>
+              <a:defRPr/>
+            </a:pPr>
+            <a:r>
+              <a:rPr lang="en-US" b="1" dirty="0" smtClean="0"/>
+              <a:t>I, [2016-01-28T22:14:01.897980 #6154]  INFO -- : Rule definitions OK.</a:t>
+            </a:r>
+          </a:p>
+          <a:p>
+            <a:pPr marL="0" marR="0" indent="0" algn="l" defTabSz="1217613" rtl="0" eaLnBrk="1" fontAlgn="base" latinLnBrk="0" hangingPunct="1">
+              <a:lnSpc>
+                <a:spcPct val="90000"/>
+              </a:lnSpc>
+              <a:spcBef>
+                <a:spcPct val="30000"/>
+              </a:spcBef>
+              <a:spcAft>
+                <a:spcPts val="450"/>
+              </a:spcAft>
+              <a:buClrTx/>
+              <a:buSzTx/>
+              <a:buFontTx/>
+              <a:buNone/>
+              <a:tabLst/>
+              <a:defRPr/>
+            </a:pPr>
             <a:endParaRPr lang="en-US" dirty="0" smtClean="0"/>
           </a:p>
           <a:p>
@@ -3468,10 +3701,12 @@
             </a:r>
             <a:r>
               <a:rPr lang="en-US" dirty="0" smtClean="0"/>
-              <a:t> and then run `zip -r profile_01.zip profile_01`.</a:t>
-            </a:r>
-          </a:p>
-          <a:p>
+              <a:t> and then run `zip -r profile_01.zip profile_01</a:t>
+            </a:r>
+            <a:r>
+              <a:rPr lang="en-US" dirty="0" smtClean="0"/>
+              <a:t>`. </a:t>
+            </a:r>
             <a:endParaRPr lang="en-US" dirty="0"/>
           </a:p>
         </p:txBody>
@@ -4621,11 +4856,7 @@
             </a:r>
             <a:r>
               <a:rPr lang="en-US" baseline="0" smtClean="0"/>
-              <a:t> </a:t>
-            </a:r>
-            <a:r>
-              <a:rPr lang="en-US" baseline="0" smtClean="0"/>
-              <a:t>in to </a:t>
+              <a:t> in to </a:t>
             </a:r>
             <a:r>
               <a:rPr lang="en-US" baseline="0" dirty="0" smtClean="0"/>
@@ -7779,15 +8010,7 @@
             </a:r>
             <a:r>
               <a:rPr lang="en-US" baseline="0" dirty="0" smtClean="0"/>
-              <a:t> a profile to the Compliance Server. For example, if you log </a:t>
-            </a:r>
-            <a:r>
-              <a:rPr lang="en-US" baseline="0" dirty="0" smtClean="0"/>
-              <a:t>in to </a:t>
-            </a:r>
-            <a:r>
-              <a:rPr lang="en-US" baseline="0" dirty="0" smtClean="0"/>
-              <a:t>the Compliance Server as `admin`, then all profiles uploaded using the `</a:t>
+              <a:t> a profile to the Compliance Server. For example, if you log in to the Compliance Server as `admin`, then all profiles uploaded using the `</a:t>
             </a:r>
             <a:r>
               <a:rPr lang="en-US" baseline="0" dirty="0" err="1" smtClean="0"/>
@@ -8722,14 +8945,14 @@
           </a:ln>
           <a:extLst>
             <a:ext uri="{909E8E84-426E-40dd-AFC4-6F175D3DCCD1}">
-              <a14:hiddenFill xmlns="" xmlns:a14="http://schemas.microsoft.com/office/drawing/2010/main">
+              <a14:hiddenFill xmlns:a14="http://schemas.microsoft.com/office/drawing/2010/main" xmlns="">
                 <a:solidFill>
                   <a:srgbClr val="FFFFFF"/>
                 </a:solidFill>
               </a14:hiddenFill>
             </a:ext>
             <a:ext uri="{91240B29-F687-4f45-9708-019B960494DF}">
-              <a14:hiddenLine xmlns="" xmlns:a14="http://schemas.microsoft.com/office/drawing/2010/main" w="9525">
+              <a14:hiddenLine xmlns:a14="http://schemas.microsoft.com/office/drawing/2010/main" xmlns="" w="9525">
                 <a:solidFill>
                   <a:srgbClr val="000000"/>
                 </a:solidFill>
@@ -8877,14 +9100,14 @@
           </a:ln>
           <a:extLst>
             <a:ext uri="{909E8E84-426E-40dd-AFC4-6F175D3DCCD1}">
-              <a14:hiddenFill xmlns="" xmlns:a14="http://schemas.microsoft.com/office/drawing/2010/main">
+              <a14:hiddenFill xmlns:a14="http://schemas.microsoft.com/office/drawing/2010/main" xmlns="">
                 <a:solidFill>
                   <a:srgbClr val="FFFFFF"/>
                 </a:solidFill>
               </a14:hiddenFill>
             </a:ext>
             <a:ext uri="{91240B29-F687-4f45-9708-019B960494DF}">
-              <a14:hiddenLine xmlns="" xmlns:a14="http://schemas.microsoft.com/office/drawing/2010/main" w="9525">
+              <a14:hiddenLine xmlns:a14="http://schemas.microsoft.com/office/drawing/2010/main" xmlns="" w="9525">
                 <a:solidFill>
                   <a:srgbClr val="000000"/>
                 </a:solidFill>
@@ -9375,14 +9598,14 @@
           </a:ln>
           <a:extLst>
             <a:ext uri="{909E8E84-426E-40dd-AFC4-6F175D3DCCD1}">
-              <a14:hiddenFill xmlns="" xmlns:a14="http://schemas.microsoft.com/office/drawing/2010/main">
+              <a14:hiddenFill xmlns:a14="http://schemas.microsoft.com/office/drawing/2010/main" xmlns="">
                 <a:solidFill>
                   <a:srgbClr val="FFFFFF"/>
                 </a:solidFill>
               </a14:hiddenFill>
             </a:ext>
             <a:ext uri="{91240B29-F687-4f45-9708-019B960494DF}">
-              <a14:hiddenLine xmlns="" xmlns:a14="http://schemas.microsoft.com/office/drawing/2010/main" w="9525">
+              <a14:hiddenLine xmlns:a14="http://schemas.microsoft.com/office/drawing/2010/main" xmlns="" w="9525">
                 <a:solidFill>
                   <a:srgbClr val="000000"/>
                 </a:solidFill>
@@ -9908,14 +10131,14 @@
           </a:ln>
           <a:extLst>
             <a:ext uri="{909E8E84-426E-40dd-AFC4-6F175D3DCCD1}">
-              <a14:hiddenFill xmlns="" xmlns:a14="http://schemas.microsoft.com/office/drawing/2010/main">
+              <a14:hiddenFill xmlns:a14="http://schemas.microsoft.com/office/drawing/2010/main" xmlns="">
                 <a:solidFill>
                   <a:srgbClr val="FFFFFF"/>
                 </a:solidFill>
               </a14:hiddenFill>
             </a:ext>
             <a:ext uri="{91240B29-F687-4f45-9708-019B960494DF}">
-              <a14:hiddenLine xmlns="" xmlns:a14="http://schemas.microsoft.com/office/drawing/2010/main" w="9525">
+              <a14:hiddenLine xmlns:a14="http://schemas.microsoft.com/office/drawing/2010/main" xmlns="" w="9525">
                 <a:solidFill>
                   <a:srgbClr val="000000"/>
                 </a:solidFill>
@@ -11539,14 +11762,14 @@
           </a:ln>
           <a:extLst>
             <a:ext uri="{909E8E84-426E-40dd-AFC4-6F175D3DCCD1}">
-              <a14:hiddenFill xmlns="" xmlns:a14="http://schemas.microsoft.com/office/drawing/2010/main">
+              <a14:hiddenFill xmlns:a14="http://schemas.microsoft.com/office/drawing/2010/main" xmlns="">
                 <a:solidFill>
                   <a:srgbClr val="FFFFFF"/>
                 </a:solidFill>
               </a14:hiddenFill>
             </a:ext>
             <a:ext uri="{91240B29-F687-4f45-9708-019B960494DF}">
-              <a14:hiddenLine xmlns="" xmlns:a14="http://schemas.microsoft.com/office/drawing/2010/main" w="9525">
+              <a14:hiddenLine xmlns:a14="http://schemas.microsoft.com/office/drawing/2010/main" xmlns="" w="9525">
                 <a:solidFill>
                   <a:srgbClr val="000000"/>
                 </a:solidFill>
@@ -12900,14 +13123,14 @@
           </a:ln>
           <a:extLst>
             <a:ext uri="{909E8E84-426E-40dd-AFC4-6F175D3DCCD1}">
-              <a14:hiddenFill xmlns="" xmlns:a14="http://schemas.microsoft.com/office/drawing/2010/main">
+              <a14:hiddenFill xmlns:a14="http://schemas.microsoft.com/office/drawing/2010/main" xmlns="">
                 <a:solidFill>
                   <a:srgbClr val="FFFFFF"/>
                 </a:solidFill>
               </a14:hiddenFill>
             </a:ext>
             <a:ext uri="{91240B29-F687-4f45-9708-019B960494DF}">
-              <a14:hiddenLine xmlns="" xmlns:a14="http://schemas.microsoft.com/office/drawing/2010/main" w="9525">
+              <a14:hiddenLine xmlns:a14="http://schemas.microsoft.com/office/drawing/2010/main" xmlns="" w="9525">
                 <a:solidFill>
                   <a:srgbClr val="000000"/>
                 </a:solidFill>
@@ -13413,14 +13636,14 @@
           </a:ln>
           <a:extLst>
             <a:ext uri="{909E8E84-426E-40dd-AFC4-6F175D3DCCD1}">
-              <a14:hiddenFill xmlns="" xmlns:a14="http://schemas.microsoft.com/office/drawing/2010/main">
+              <a14:hiddenFill xmlns:a14="http://schemas.microsoft.com/office/drawing/2010/main" xmlns="">
                 <a:solidFill>
                   <a:srgbClr val="FFFFFF"/>
                 </a:solidFill>
               </a14:hiddenFill>
             </a:ext>
             <a:ext uri="{91240B29-F687-4f45-9708-019B960494DF}">
-              <a14:hiddenLine xmlns="" xmlns:a14="http://schemas.microsoft.com/office/drawing/2010/main" w="9525">
+              <a14:hiddenLine xmlns:a14="http://schemas.microsoft.com/office/drawing/2010/main" xmlns="" w="9525">
                 <a:solidFill>
                   <a:srgbClr val="000000"/>
                 </a:solidFill>
@@ -13987,14 +14210,14 @@
           </a:ln>
           <a:extLst>
             <a:ext uri="{909E8E84-426E-40dd-AFC4-6F175D3DCCD1}">
-              <a14:hiddenFill xmlns="" xmlns:a14="http://schemas.microsoft.com/office/drawing/2010/main">
+              <a14:hiddenFill xmlns:a14="http://schemas.microsoft.com/office/drawing/2010/main" xmlns="">
                 <a:solidFill>
                   <a:srgbClr val="FFFFFF"/>
                 </a:solidFill>
               </a14:hiddenFill>
             </a:ext>
             <a:ext uri="{91240B29-F687-4f45-9708-019B960494DF}">
-              <a14:hiddenLine xmlns="" xmlns:a14="http://schemas.microsoft.com/office/drawing/2010/main" w="9525">
+              <a14:hiddenLine xmlns:a14="http://schemas.microsoft.com/office/drawing/2010/main" xmlns="" w="9525">
                 <a:solidFill>
                   <a:srgbClr val="000000"/>
                 </a:solidFill>
@@ -14934,14 +15157,14 @@
           </a:ln>
           <a:extLst>
             <a:ext uri="{909E8E84-426E-40dd-AFC4-6F175D3DCCD1}">
-              <a14:hiddenFill xmlns="" xmlns:a14="http://schemas.microsoft.com/office/drawing/2010/main">
+              <a14:hiddenFill xmlns:a14="http://schemas.microsoft.com/office/drawing/2010/main" xmlns="">
                 <a:solidFill>
                   <a:srgbClr val="FFFFFF"/>
                 </a:solidFill>
               </a14:hiddenFill>
             </a:ext>
             <a:ext uri="{91240B29-F687-4f45-9708-019B960494DF}">
-              <a14:hiddenLine xmlns="" xmlns:a14="http://schemas.microsoft.com/office/drawing/2010/main" w="9525">
+              <a14:hiddenLine xmlns:a14="http://schemas.microsoft.com/office/drawing/2010/main" xmlns="" w="9525">
                 <a:solidFill>
                   <a:srgbClr val="000000"/>
                 </a:solidFill>
@@ -15694,14 +15917,14 @@
           </a:ln>
           <a:extLst>
             <a:ext uri="{909E8E84-426E-40dd-AFC4-6F175D3DCCD1}">
-              <a14:hiddenFill xmlns="" xmlns:a14="http://schemas.microsoft.com/office/drawing/2010/main">
+              <a14:hiddenFill xmlns:a14="http://schemas.microsoft.com/office/drawing/2010/main" xmlns="">
                 <a:solidFill>
                   <a:srgbClr val="FFFFFF"/>
                 </a:solidFill>
               </a14:hiddenFill>
             </a:ext>
             <a:ext uri="{91240B29-F687-4f45-9708-019B960494DF}">
-              <a14:hiddenLine xmlns="" xmlns:a14="http://schemas.microsoft.com/office/drawing/2010/main" w="9525">
+              <a14:hiddenLine xmlns:a14="http://schemas.microsoft.com/office/drawing/2010/main" xmlns="" w="9525">
                 <a:solidFill>
                   <a:srgbClr val="000000"/>
                 </a:solidFill>
@@ -17911,45 +18134,45 @@
           <a:lstStyle/>
           <a:p>
             <a:r>
-              <a:rPr lang="en-US" b="1" dirty="0"/>
+              <a:rPr lang="en-US" b="1" dirty="0" smtClean="0"/>
               <a:t>I, [2015-12-11T22:53:24.912307 #16092]  INFO -- : Checking profile in /home/chef/</a:t>
             </a:r>
             <a:r>
-              <a:rPr lang="en-US" b="1" dirty="0" err="1"/>
+              <a:rPr lang="en-US" b="1" dirty="0" err="1" smtClean="0"/>
               <a:t>compliance_profiles</a:t>
             </a:r>
             <a:r>
-              <a:rPr lang="en-US" b="1" dirty="0"/>
+              <a:rPr lang="en-US" b="1" dirty="0" smtClean="0"/>
               <a:t>/profile_01/</a:t>
             </a:r>
           </a:p>
           <a:p>
             <a:r>
-              <a:rPr lang="en-US" b="1" dirty="0"/>
+              <a:rPr lang="en-US" b="1" dirty="0" smtClean="0"/>
               <a:t>I, [2015-12-11T22:53:24.912498 #16092]  INFO -- : Metadata OK.</a:t>
             </a:r>
           </a:p>
           <a:p>
             <a:r>
-              <a:rPr lang="en-US" b="1" dirty="0"/>
+              <a:rPr lang="en-US" b="1" dirty="0" smtClean="0"/>
               <a:t>D, [2015-12-11T22:53:24.912570 #16092] DEBUG -- : Found 14 rules.</a:t>
             </a:r>
           </a:p>
           <a:p>
             <a:r>
-              <a:rPr lang="en-US" b="1" dirty="0"/>
+              <a:rPr lang="en-US" b="1" dirty="0" smtClean="0"/>
               <a:t>D, [2015-12-11T22:53:24.912617 #16092] DEBUG -- : Verify all rules in  /home/chef/</a:t>
             </a:r>
             <a:r>
-              <a:rPr lang="en-US" b="1" dirty="0" err="1"/>
+              <a:rPr lang="en-US" b="1" dirty="0" err="1" smtClean="0"/>
               <a:t>compliance_profiles</a:t>
             </a:r>
             <a:r>
-              <a:rPr lang="en-US" b="1" dirty="0"/>
+              <a:rPr lang="en-US" b="1" dirty="0" smtClean="0"/>
               <a:t>/profile_01/test/</a:t>
             </a:r>
             <a:r>
-              <a:rPr lang="en-US" b="1" dirty="0" err="1"/>
+              <a:rPr lang="en-US" b="1" dirty="0" err="1" smtClean="0"/>
               <a:t>tmp.rb</a:t>
             </a:r>
             <a:endParaRPr lang="en-US" b="1" dirty="0"/>
@@ -20713,7 +20936,7 @@
           <a:effectLst/>
           <a:extLst>
             <a:ext uri="{91240B29-F687-4f45-9708-019B960494DF}">
-              <a14:hiddenLine xmlns="" xmlns:a14="http://schemas.microsoft.com/office/drawing/2010/main" w="9525">
+              <a14:hiddenLine xmlns:a14="http://schemas.microsoft.com/office/drawing/2010/main" xmlns="" w="9525">
                 <a:solidFill>
                   <a:schemeClr val="tx1"/>
                 </a:solidFill>
@@ -20723,7 +20946,7 @@
               </a14:hiddenLine>
             </a:ext>
             <a:ext uri="{AF507438-7753-43e0-B8FC-AC1667EBCBE1}">
-              <a14:hiddenEffects xmlns="" xmlns:a14="http://schemas.microsoft.com/office/drawing/2010/main">
+              <a14:hiddenEffects xmlns:a14="http://schemas.microsoft.com/office/drawing/2010/main" xmlns="">
                 <a:effectLst>
                   <a:outerShdw dist="35921" dir="2700000" algn="ctr" rotWithShape="0">
                     <a:schemeClr val="bg2"/>
@@ -24989,27 +25212,6 @@
 </file>
 
 <file path=customXml/item1.xml><?xml version="1.0" encoding="utf-8"?>
-<?mso-contentType ?>
-<FormTemplates xmlns="http://schemas.microsoft.com/sharepoint/v3/contenttype/forms">
-  <Display>DocumentLibraryForm</Display>
-  <Edit>DocumentLibraryForm</Edit>
-  <New>DocumentLibraryForm</New>
-</FormTemplates>
-</file>
-
-<file path=customXml/item2.xml><?xml version="1.0" encoding="utf-8"?>
-<p:properties xmlns:p="http://schemas.microsoft.com/office/2006/metadata/properties" xmlns:xsi="http://www.w3.org/2001/XMLSchema-instance" xmlns:pc="http://schemas.microsoft.com/office/infopath/2007/PartnerControls">
-  <documentManagement>
-    <_dlc_DocId xmlns="7bb5d761-a2ea-4873-95f7-7a6658fb3ef0">M4CWTKMW727E-592-73</_dlc_DocId>
-    <_dlc_DocIdUrl xmlns="7bb5d761-a2ea-4873-95f7-7a6658fb3ef0">
-      <Url>https://kms.vci.local/marketing/team/_layouts/DocIdRedir.aspx?ID=M4CWTKMW727E-592-73</Url>
-      <Description>M4CWTKMW727E-592-73</Description>
-    </_dlc_DocIdUrl>
-  </documentManagement>
-</p:properties>
-</file>
-
-<file path=customXml/item3.xml><?xml version="1.0" encoding="utf-8"?>
 <ct:contentTypeSchema xmlns:ct="http://schemas.microsoft.com/office/2006/metadata/contentType" xmlns:ma="http://schemas.microsoft.com/office/2006/metadata/properties/metaAttributes" ct:_="" ma:_="" ma:contentTypeName="Document" ma:contentTypeID="0x0101000812F700BE7F874999720E88173FE491" ma:contentTypeVersion="0" ma:contentTypeDescription="Create a new document." ma:contentTypeScope="" ma:versionID="3f79f408e2ca720b7aba6e0e32464d0c">
   <xsd:schema xmlns:xsd="http://www.w3.org/2001/XMLSchema" xmlns:xs="http://www.w3.org/2001/XMLSchema" xmlns:p="http://schemas.microsoft.com/office/2006/metadata/properties" xmlns:ns2="7bb5d761-a2ea-4873-95f7-7a6658fb3ef0" targetNamespace="http://schemas.microsoft.com/office/2006/metadata/properties" ma:root="true" ma:fieldsID="1e062cd38ba31e406bfc4340fbc7f87a" ns2:_="">
     <xsd:import namespace="7bb5d761-a2ea-4873-95f7-7a6658fb3ef0"/>
@@ -25154,6 +25356,27 @@
 </ct:contentTypeSchema>
 </file>
 
+<file path=customXml/item2.xml><?xml version="1.0" encoding="utf-8"?>
+<p:properties xmlns:p="http://schemas.microsoft.com/office/2006/metadata/properties" xmlns:xsi="http://www.w3.org/2001/XMLSchema-instance" xmlns:pc="http://schemas.microsoft.com/office/infopath/2007/PartnerControls">
+  <documentManagement>
+    <_dlc_DocId xmlns="7bb5d761-a2ea-4873-95f7-7a6658fb3ef0">M4CWTKMW727E-592-73</_dlc_DocId>
+    <_dlc_DocIdUrl xmlns="7bb5d761-a2ea-4873-95f7-7a6658fb3ef0">
+      <Url>https://kms.vci.local/marketing/team/_layouts/DocIdRedir.aspx?ID=M4CWTKMW727E-592-73</Url>
+      <Description>M4CWTKMW727E-592-73</Description>
+    </_dlc_DocIdUrl>
+  </documentManagement>
+</p:properties>
+</file>
+
+<file path=customXml/item3.xml><?xml version="1.0" encoding="utf-8"?>
+<?mso-contentType ?>
+<FormTemplates xmlns="http://schemas.microsoft.com/sharepoint/v3/contenttype/forms">
+  <Display>DocumentLibraryForm</Display>
+  <Edit>DocumentLibraryForm</Edit>
+  <New>DocumentLibraryForm</New>
+</FormTemplates>
+</file>
+
 <file path=customXml/item4.xml><?xml version="1.0" encoding="utf-8"?>
 <?mso-contentType ?>
 <spe:Receivers xmlns:spe="http://schemas.microsoft.com/sharepoint/events">
@@ -25201,9 +25424,19 @@
 </file>
 
 <file path=customXml/itemProps1.xml><?xml version="1.0" encoding="utf-8"?>
-<ds:datastoreItem xmlns:ds="http://schemas.openxmlformats.org/officeDocument/2006/customXml" ds:itemID="{5CDEB364-43EC-4510-9881-539C2A3FCE9E}">
+<ds:datastoreItem xmlns:ds="http://schemas.openxmlformats.org/officeDocument/2006/customXml" ds:itemID="{164479E5-0B02-49AC-B79E-EC1D6164DDD3}">
   <ds:schemaRefs>
-    <ds:schemaRef ds:uri="http://schemas.microsoft.com/sharepoint/v3/contenttype/forms"/>
+    <ds:schemaRef ds:uri="http://schemas.microsoft.com/office/2006/metadata/contentType"/>
+    <ds:schemaRef ds:uri="http://schemas.microsoft.com/office/2006/metadata/properties/metaAttributes"/>
+    <ds:schemaRef ds:uri="http://www.w3.org/2001/XMLSchema"/>
+    <ds:schemaRef ds:uri="http://schemas.microsoft.com/office/2006/metadata/properties"/>
+    <ds:schemaRef ds:uri="7bb5d761-a2ea-4873-95f7-7a6658fb3ef0"/>
+    <ds:schemaRef ds:uri="http://schemas.microsoft.com/office/2006/documentManagement/types"/>
+    <ds:schemaRef ds:uri="http://schemas.microsoft.com/office/infopath/2007/PartnerControls"/>
+    <ds:schemaRef ds:uri="http://schemas.openxmlformats.org/package/2006/metadata/core-properties"/>
+    <ds:schemaRef ds:uri="http://purl.org/dc/elements/1.1/"/>
+    <ds:schemaRef ds:uri="http://purl.org/dc/terms/"/>
+    <ds:schemaRef ds:uri="http://schemas.microsoft.com/internal/obd"/>
   </ds:schemaRefs>
 </ds:datastoreItem>
 </file>
@@ -25225,19 +25458,9 @@
 </file>
 
 <file path=customXml/itemProps3.xml><?xml version="1.0" encoding="utf-8"?>
-<ds:datastoreItem xmlns:ds="http://schemas.openxmlformats.org/officeDocument/2006/customXml" ds:itemID="{164479E5-0B02-49AC-B79E-EC1D6164DDD3}">
+<ds:datastoreItem xmlns:ds="http://schemas.openxmlformats.org/officeDocument/2006/customXml" ds:itemID="{5CDEB364-43EC-4510-9881-539C2A3FCE9E}">
   <ds:schemaRefs>
-    <ds:schemaRef ds:uri="http://schemas.microsoft.com/office/2006/metadata/contentType"/>
-    <ds:schemaRef ds:uri="http://schemas.microsoft.com/office/2006/metadata/properties/metaAttributes"/>
-    <ds:schemaRef ds:uri="http://www.w3.org/2001/XMLSchema"/>
-    <ds:schemaRef ds:uri="http://schemas.microsoft.com/office/2006/metadata/properties"/>
-    <ds:schemaRef ds:uri="7bb5d761-a2ea-4873-95f7-7a6658fb3ef0"/>
-    <ds:schemaRef ds:uri="http://schemas.microsoft.com/office/2006/documentManagement/types"/>
-    <ds:schemaRef ds:uri="http://schemas.microsoft.com/office/infopath/2007/PartnerControls"/>
-    <ds:schemaRef ds:uri="http://schemas.openxmlformats.org/package/2006/metadata/core-properties"/>
-    <ds:schemaRef ds:uri="http://purl.org/dc/elements/1.1/"/>
-    <ds:schemaRef ds:uri="http://purl.org/dc/terms/"/>
-    <ds:schemaRef ds:uri="http://schemas.microsoft.com/internal/obd"/>
+    <ds:schemaRef ds:uri="http://schemas.microsoft.com/sharepoint/v3/contenttype/forms"/>
   </ds:schemaRefs>
 </ds:datastoreItem>
 </file>

--- a/05-creating-custom-profiles.pptx
+++ b/05-creating-custom-profiles.pptx
@@ -307,7 +307,7 @@
               <a:pPr>
                 <a:defRPr/>
               </a:pPr>
-              <a:t>2016-01-28</a:t>
+              <a:t>2016-02-03</a:t>
             </a:fld>
             <a:endParaRPr lang="en-US" dirty="0"/>
           </a:p>
@@ -490,7 +490,7 @@
               <a:pPr>
                 <a:defRPr/>
               </a:pPr>
-              <a:t>2016-01-28</a:t>
+              <a:t>2016-02-03</a:t>
             </a:fld>
             <a:endParaRPr lang="en-US" dirty="0"/>
           </a:p>
@@ -1625,6 +1625,53 @@
               <a:rPr lang="en-US" baseline="0" dirty="0" smtClean="0"/>
               <a:t> again. You should no longer see the errors you saw previously.</a:t>
             </a:r>
+          </a:p>
+          <a:p>
+            <a:pPr marL="0" marR="0" indent="0" algn="l" defTabSz="1217613" rtl="0" eaLnBrk="1" fontAlgn="base" latinLnBrk="0" hangingPunct="1">
+              <a:lnSpc>
+                <a:spcPct val="90000"/>
+              </a:lnSpc>
+              <a:spcBef>
+                <a:spcPct val="30000"/>
+              </a:spcBef>
+              <a:spcAft>
+                <a:spcPts val="450"/>
+              </a:spcAft>
+              <a:buClrTx/>
+              <a:buSzTx/>
+              <a:buFontTx/>
+              <a:buNone/>
+              <a:tabLst/>
+              <a:defRPr/>
+            </a:pPr>
+            <a:endParaRPr lang="en-US" baseline="0" dirty="0" smtClean="0"/>
+          </a:p>
+          <a:p>
+            <a:pPr marL="0" marR="0" indent="0" algn="l" defTabSz="1217613" rtl="0" eaLnBrk="1" fontAlgn="base" latinLnBrk="0" hangingPunct="1">
+              <a:lnSpc>
+                <a:spcPct val="90000"/>
+              </a:lnSpc>
+              <a:spcBef>
+                <a:spcPct val="30000"/>
+              </a:spcBef>
+              <a:spcAft>
+                <a:spcPts val="450"/>
+              </a:spcAft>
+              <a:buClrTx/>
+              <a:buSzTx/>
+              <a:buFontTx/>
+              <a:buNone/>
+              <a:tabLst/>
+              <a:defRPr/>
+            </a:pPr>
+            <a:r>
+              <a:rPr lang="en-US" baseline="0" dirty="0" err="1" smtClean="0"/>
+              <a:t>tbd</a:t>
+            </a:r>
+            <a:r>
+              <a:rPr lang="en-US" baseline="0" dirty="0" smtClean="0"/>
+              <a:t> Let's find out where the 14 rules are found on 5-14.</a:t>
+            </a:r>
             <a:endParaRPr lang="en-US" dirty="0" smtClean="0"/>
           </a:p>
           <a:p>
@@ -1799,6 +1846,41 @@
               <a:defRPr/>
             </a:pPr>
             <a:r>
+              <a:rPr lang="en-US" dirty="0" err="1" smtClean="0"/>
+              <a:t>tbd</a:t>
+            </a:r>
+            <a:r>
+              <a:rPr lang="en-US" dirty="0" smtClean="0"/>
+              <a:t> - all double quotes? get </a:t>
+            </a:r>
+            <a:r>
+              <a:rPr lang="en-US" dirty="0" err="1" smtClean="0"/>
+              <a:t>larry's</a:t>
+            </a:r>
+            <a:r>
+              <a:rPr lang="en-US" dirty="0" smtClean="0"/>
+              <a:t> script for this from ref.</a:t>
+            </a:r>
+          </a:p>
+          <a:p>
+            <a:pPr marL="0" marR="0" indent="0" algn="l" defTabSz="1217613" rtl="0" eaLnBrk="1" fontAlgn="base" latinLnBrk="0" hangingPunct="1">
+              <a:lnSpc>
+                <a:spcPct val="90000"/>
+              </a:lnSpc>
+              <a:spcBef>
+                <a:spcPct val="30000"/>
+              </a:spcBef>
+              <a:spcAft>
+                <a:spcPts val="450"/>
+              </a:spcAft>
+              <a:buClrTx/>
+              <a:buSzTx/>
+              <a:buFontTx/>
+              <a:buNone/>
+              <a:tabLst/>
+              <a:defRPr/>
+            </a:pPr>
+            <a:r>
               <a:rPr lang="en-US" dirty="0" smtClean="0"/>
               <a:t>Create</a:t>
             </a:r>
@@ -2718,11 +2800,7 @@
             </a:r>
             <a:r>
               <a:rPr lang="en-US" baseline="0" dirty="0" smtClean="0"/>
-              <a:t>/rb files was verified</a:t>
-            </a:r>
-            <a:r>
-              <a:rPr lang="en-US" baseline="0" dirty="0" smtClean="0"/>
-              <a:t>.</a:t>
+              <a:t>/rb files was verified.</a:t>
             </a:r>
           </a:p>
           <a:p>
@@ -3701,11 +3779,7 @@
             </a:r>
             <a:r>
               <a:rPr lang="en-US" dirty="0" smtClean="0"/>
-              <a:t> and then run `zip -r profile_01.zip profile_01</a:t>
-            </a:r>
-            <a:r>
-              <a:rPr lang="en-US" dirty="0" smtClean="0"/>
-              <a:t>`. </a:t>
+              <a:t> and then run `zip -r profile_01.zip profile_01`. </a:t>
             </a:r>
             <a:endParaRPr lang="en-US" dirty="0"/>
           </a:p>
@@ -4707,6 +4781,26 @@
             <a:endParaRPr lang="en-US" dirty="0" smtClean="0"/>
           </a:p>
           <a:p>
+            <a:r>
+              <a:rPr lang="en-US" dirty="0" err="1" smtClean="0"/>
+              <a:t>tbd</a:t>
+            </a:r>
+            <a:r>
+              <a:rPr lang="en-US" dirty="0" smtClean="0"/>
+              <a:t> - show </a:t>
+            </a:r>
+            <a:r>
+              <a:rPr lang="en-US" dirty="0" err="1" smtClean="0"/>
+              <a:t>linux</a:t>
+            </a:r>
+            <a:r>
+              <a:rPr lang="en-US" dirty="0" smtClean="0"/>
+              <a:t> </a:t>
+            </a:r>
+            <a:r>
+              <a:rPr lang="en-US" smtClean="0"/>
+              <a:t>and windows node here.</a:t>
+            </a:r>
             <a:endParaRPr lang="en-US" dirty="0" smtClean="0"/>
           </a:p>
           <a:p>
@@ -6573,7 +6667,7 @@
             </a:pPr>
             <a:r>
               <a:rPr lang="en-US" dirty="0" smtClean="0"/>
-              <a:t>On your target node, create a directory for your profiles</a:t>
+              <a:t>On your target Linux node, create a directory for your profiles</a:t>
             </a:r>
             <a:r>
               <a:rPr lang="en-US" baseline="0" dirty="0" smtClean="0"/>
@@ -7186,7 +7280,7 @@
             </a:r>
             <a:r>
               <a:rPr lang="en-US" baseline="0" dirty="0" smtClean="0"/>
-              <a:t> issue.  (TBD - did we change metadata file name?)</a:t>
+              <a:t> issue. </a:t>
             </a:r>
           </a:p>
           <a:p>
@@ -7207,7 +7301,26 @@
               <a:tabLst/>
               <a:defRPr/>
             </a:pPr>
-            <a:endParaRPr lang="en-US" baseline="0" dirty="0" smtClean="0"/>
+            <a:r>
+              <a:rPr lang="en-US" dirty="0" smtClean="0"/>
+              <a:t>From within ~/</a:t>
+            </a:r>
+            <a:r>
+              <a:rPr lang="en-US" dirty="0" err="1" smtClean="0"/>
+              <a:t>compliance_profiles</a:t>
+            </a:r>
+            <a:r>
+              <a:rPr lang="en-US" dirty="0" smtClean="0"/>
+              <a:t>/profile_01, </a:t>
+            </a:r>
+            <a:r>
+              <a:rPr lang="en-US" dirty="0" smtClean="0"/>
+              <a:t>let's create a metadata.rb by using the `touch`</a:t>
+            </a:r>
+            <a:r>
+              <a:rPr lang="en-US" baseline="0" dirty="0" smtClean="0"/>
+              <a:t> command.</a:t>
+            </a:r>
           </a:p>
           <a:p>
             <a:pPr marL="0" marR="0" indent="0" algn="l" defTabSz="1217613" rtl="0" eaLnBrk="1" fontAlgn="base" latinLnBrk="0" hangingPunct="1">
@@ -7227,22 +7340,7 @@
               <a:tabLst/>
               <a:defRPr/>
             </a:pPr>
-            <a:r>
-              <a:rPr lang="en-US" dirty="0" smtClean="0"/>
-              <a:t>From within ~/</a:t>
-            </a:r>
-            <a:r>
-              <a:rPr lang="en-US" dirty="0" err="1" smtClean="0"/>
-              <a:t>compliance_profiles</a:t>
-            </a:r>
-            <a:r>
-              <a:rPr lang="en-US" dirty="0" smtClean="0"/>
-              <a:t>, let's create a metadata.rb by using the `touch`</a:t>
-            </a:r>
-            <a:r>
-              <a:rPr lang="en-US" baseline="0" dirty="0" smtClean="0"/>
-              <a:t> command.</a:t>
-            </a:r>
+            <a:endParaRPr lang="en-US" baseline="0" dirty="0" smtClean="0"/>
           </a:p>
           <a:p>
             <a:pPr marL="0" marR="0" indent="0" algn="l" defTabSz="1217613" rtl="0" eaLnBrk="1" fontAlgn="base" latinLnBrk="0" hangingPunct="1">
@@ -7262,7 +7360,19 @@
               <a:tabLst/>
               <a:defRPr/>
             </a:pPr>
-            <a:endParaRPr lang="en-US" baseline="0" dirty="0" smtClean="0"/>
+            <a:r>
+              <a:rPr lang="en-US" dirty="0" smtClean="0"/>
+              <a:t>$ `touch metadata.rb</a:t>
+            </a:r>
+            <a:r>
+              <a:rPr lang="en-US" dirty="0" smtClean="0"/>
+              <a:t>`    or you</a:t>
+            </a:r>
+            <a:r>
+              <a:rPr lang="en-US" baseline="0" dirty="0" smtClean="0"/>
+              <a:t> can use the full path as shown in this slide.</a:t>
+            </a:r>
+            <a:endParaRPr lang="en-US" dirty="0" smtClean="0"/>
           </a:p>
           <a:p>
             <a:pPr marL="0" marR="0" indent="0" algn="l" defTabSz="1217613" rtl="0" eaLnBrk="1" fontAlgn="base" latinLnBrk="0" hangingPunct="1">
@@ -7282,10 +7392,7 @@
               <a:tabLst/>
               <a:defRPr/>
             </a:pPr>
-            <a:r>
-              <a:rPr lang="en-US" dirty="0" smtClean="0"/>
-              <a:t>$ `touch metadata.rb`</a:t>
-            </a:r>
+            <a:endParaRPr lang="en-US" dirty="0" smtClean="0"/>
           </a:p>
           <a:p>
             <a:pPr marL="0" marR="0" indent="0" algn="l" defTabSz="1217613" rtl="0" eaLnBrk="1" fontAlgn="base" latinLnBrk="0" hangingPunct="1">
@@ -7305,7 +7412,18 @@
               <a:tabLst/>
               <a:defRPr/>
             </a:pPr>
-            <a:endParaRPr lang="en-US" dirty="0" smtClean="0"/>
+            <a:r>
+              <a:rPr lang="en-US" dirty="0" smtClean="0"/>
+              <a:t>You can also `</a:t>
+            </a:r>
+            <a:r>
+              <a:rPr lang="en-US" dirty="0" err="1" smtClean="0"/>
+              <a:t>ls`</a:t>
+            </a:r>
+            <a:r>
+              <a:rPr lang="en-US" dirty="0" smtClean="0"/>
+              <a:t> to see that the metadata.rb is now there.</a:t>
+            </a:r>
           </a:p>
           <a:p>
             <a:pPr marL="0" marR="0" indent="0" algn="l" defTabSz="1217613" rtl="0" eaLnBrk="1" fontAlgn="base" latinLnBrk="0" hangingPunct="1">
@@ -7325,18 +7443,47 @@
               <a:tabLst/>
               <a:defRPr/>
             </a:pPr>
-            <a:r>
-              <a:rPr lang="en-US" dirty="0" smtClean="0"/>
-              <a:t>You can also `</a:t>
-            </a:r>
+            <a:endParaRPr lang="en-US" dirty="0" smtClean="0"/>
+          </a:p>
+          <a:p>
+            <a:pPr marL="0" marR="0" indent="0" algn="l" defTabSz="1217613" rtl="0" eaLnBrk="1" fontAlgn="base" latinLnBrk="0" hangingPunct="1">
+              <a:lnSpc>
+                <a:spcPct val="90000"/>
+              </a:lnSpc>
+              <a:spcBef>
+                <a:spcPct val="30000"/>
+              </a:spcBef>
+              <a:spcAft>
+                <a:spcPts val="450"/>
+              </a:spcAft>
+              <a:buClrTx/>
+              <a:buSzTx/>
+              <a:buFontTx/>
+              <a:buNone/>
+              <a:tabLst/>
+              <a:defRPr/>
+            </a:pPr>
             <a:r>
               <a:rPr lang="en-US" dirty="0" err="1" smtClean="0"/>
-              <a:t>ls`</a:t>
-            </a:r>
-            <a:r>
-              <a:rPr lang="en-US" dirty="0" smtClean="0"/>
-              <a:t> to see that the metadata.rb is now there.</a:t>
-            </a:r>
+              <a:t>tbd</a:t>
+            </a:r>
+            <a:r>
+              <a:rPr lang="en-US" dirty="0" smtClean="0"/>
+              <a:t> specify</a:t>
+            </a:r>
+            <a:r>
+              <a:rPr lang="en-US" baseline="0" dirty="0" smtClean="0"/>
+              <a:t> </a:t>
+            </a:r>
+            <a:r>
+              <a:rPr lang="en-US" baseline="0" dirty="0" err="1" smtClean="0"/>
+              <a:t>pwd</a:t>
+            </a:r>
+            <a:r>
+              <a:rPr lang="en-US" baseline="0" dirty="0" smtClean="0"/>
+              <a:t>.</a:t>
+            </a:r>
+            <a:endParaRPr lang="en-US" dirty="0" smtClean="0"/>
           </a:p>
           <a:p>
             <a:pPr marL="0" marR="0" indent="0" algn="l" defTabSz="1217613" rtl="0" eaLnBrk="1" fontAlgn="base" latinLnBrk="0" hangingPunct="1">
@@ -8290,6 +8437,53 @@
             <a:r>
               <a:rPr lang="en-US" baseline="0" dirty="0" smtClean="0"/>
               <a:t> are we getting an error?</a:t>
+            </a:r>
+          </a:p>
+          <a:p>
+            <a:pPr marL="0" marR="0" indent="0" algn="l" defTabSz="1217613" rtl="0" eaLnBrk="1" fontAlgn="base" latinLnBrk="0" hangingPunct="1">
+              <a:lnSpc>
+                <a:spcPct val="90000"/>
+              </a:lnSpc>
+              <a:spcBef>
+                <a:spcPct val="30000"/>
+              </a:spcBef>
+              <a:spcAft>
+                <a:spcPts val="450"/>
+              </a:spcAft>
+              <a:buClrTx/>
+              <a:buSzTx/>
+              <a:buFontTx/>
+              <a:buNone/>
+              <a:tabLst/>
+              <a:defRPr/>
+            </a:pPr>
+            <a:endParaRPr lang="en-US" baseline="0" dirty="0" smtClean="0"/>
+          </a:p>
+          <a:p>
+            <a:pPr marL="0" marR="0" indent="0" algn="l" defTabSz="1217613" rtl="0" eaLnBrk="1" fontAlgn="base" latinLnBrk="0" hangingPunct="1">
+              <a:lnSpc>
+                <a:spcPct val="90000"/>
+              </a:lnSpc>
+              <a:spcBef>
+                <a:spcPct val="30000"/>
+              </a:spcBef>
+              <a:spcAft>
+                <a:spcPts val="450"/>
+              </a:spcAft>
+              <a:buClrTx/>
+              <a:buSzTx/>
+              <a:buFontTx/>
+              <a:buNone/>
+              <a:tabLst/>
+              <a:defRPr/>
+            </a:pPr>
+            <a:r>
+              <a:rPr lang="en-US" baseline="0" dirty="0" err="1" smtClean="0"/>
+              <a:t>tbd</a:t>
+            </a:r>
+            <a:r>
+              <a:rPr lang="en-US" baseline="0" dirty="0" smtClean="0"/>
+              <a:t>- the error is not explicit of what's wrong.</a:t>
             </a:r>
           </a:p>
         </p:txBody>
@@ -8945,14 +9139,14 @@
           </a:ln>
           <a:extLst>
             <a:ext uri="{909E8E84-426E-40dd-AFC4-6F175D3DCCD1}">
-              <a14:hiddenFill xmlns:a14="http://schemas.microsoft.com/office/drawing/2010/main" xmlns="">
+              <a14:hiddenFill xmlns="" xmlns:a14="http://schemas.microsoft.com/office/drawing/2010/main">
                 <a:solidFill>
                   <a:srgbClr val="FFFFFF"/>
                 </a:solidFill>
               </a14:hiddenFill>
             </a:ext>
             <a:ext uri="{91240B29-F687-4f45-9708-019B960494DF}">
-              <a14:hiddenLine xmlns:a14="http://schemas.microsoft.com/office/drawing/2010/main" xmlns="" w="9525">
+              <a14:hiddenLine xmlns="" xmlns:a14="http://schemas.microsoft.com/office/drawing/2010/main" w="9525">
                 <a:solidFill>
                   <a:srgbClr val="000000"/>
                 </a:solidFill>
@@ -9100,14 +9294,14 @@
           </a:ln>
           <a:extLst>
             <a:ext uri="{909E8E84-426E-40dd-AFC4-6F175D3DCCD1}">
-              <a14:hiddenFill xmlns:a14="http://schemas.microsoft.com/office/drawing/2010/main" xmlns="">
+              <a14:hiddenFill xmlns="" xmlns:a14="http://schemas.microsoft.com/office/drawing/2010/main">
                 <a:solidFill>
                   <a:srgbClr val="FFFFFF"/>
                 </a:solidFill>
               </a14:hiddenFill>
             </a:ext>
             <a:ext uri="{91240B29-F687-4f45-9708-019B960494DF}">
-              <a14:hiddenLine xmlns:a14="http://schemas.microsoft.com/office/drawing/2010/main" xmlns="" w="9525">
+              <a14:hiddenLine xmlns="" xmlns:a14="http://schemas.microsoft.com/office/drawing/2010/main" w="9525">
                 <a:solidFill>
                   <a:srgbClr val="000000"/>
                 </a:solidFill>
@@ -9598,14 +9792,14 @@
           </a:ln>
           <a:extLst>
             <a:ext uri="{909E8E84-426E-40dd-AFC4-6F175D3DCCD1}">
-              <a14:hiddenFill xmlns:a14="http://schemas.microsoft.com/office/drawing/2010/main" xmlns="">
+              <a14:hiddenFill xmlns="" xmlns:a14="http://schemas.microsoft.com/office/drawing/2010/main">
                 <a:solidFill>
                   <a:srgbClr val="FFFFFF"/>
                 </a:solidFill>
               </a14:hiddenFill>
             </a:ext>
             <a:ext uri="{91240B29-F687-4f45-9708-019B960494DF}">
-              <a14:hiddenLine xmlns:a14="http://schemas.microsoft.com/office/drawing/2010/main" xmlns="" w="9525">
+              <a14:hiddenLine xmlns="" xmlns:a14="http://schemas.microsoft.com/office/drawing/2010/main" w="9525">
                 <a:solidFill>
                   <a:srgbClr val="000000"/>
                 </a:solidFill>
@@ -10131,14 +10325,14 @@
           </a:ln>
           <a:extLst>
             <a:ext uri="{909E8E84-426E-40dd-AFC4-6F175D3DCCD1}">
-              <a14:hiddenFill xmlns:a14="http://schemas.microsoft.com/office/drawing/2010/main" xmlns="">
+              <a14:hiddenFill xmlns="" xmlns:a14="http://schemas.microsoft.com/office/drawing/2010/main">
                 <a:solidFill>
                   <a:srgbClr val="FFFFFF"/>
                 </a:solidFill>
               </a14:hiddenFill>
             </a:ext>
             <a:ext uri="{91240B29-F687-4f45-9708-019B960494DF}">
-              <a14:hiddenLine xmlns:a14="http://schemas.microsoft.com/office/drawing/2010/main" xmlns="" w="9525">
+              <a14:hiddenLine xmlns="" xmlns:a14="http://schemas.microsoft.com/office/drawing/2010/main" w="9525">
                 <a:solidFill>
                   <a:srgbClr val="000000"/>
                 </a:solidFill>
@@ -11762,14 +11956,14 @@
           </a:ln>
           <a:extLst>
             <a:ext uri="{909E8E84-426E-40dd-AFC4-6F175D3DCCD1}">
-              <a14:hiddenFill xmlns:a14="http://schemas.microsoft.com/office/drawing/2010/main" xmlns="">
+              <a14:hiddenFill xmlns="" xmlns:a14="http://schemas.microsoft.com/office/drawing/2010/main">
                 <a:solidFill>
                   <a:srgbClr val="FFFFFF"/>
                 </a:solidFill>
               </a14:hiddenFill>
             </a:ext>
             <a:ext uri="{91240B29-F687-4f45-9708-019B960494DF}">
-              <a14:hiddenLine xmlns:a14="http://schemas.microsoft.com/office/drawing/2010/main" xmlns="" w="9525">
+              <a14:hiddenLine xmlns="" xmlns:a14="http://schemas.microsoft.com/office/drawing/2010/main" w="9525">
                 <a:solidFill>
                   <a:srgbClr val="000000"/>
                 </a:solidFill>
@@ -13123,14 +13317,14 @@
           </a:ln>
           <a:extLst>
             <a:ext uri="{909E8E84-426E-40dd-AFC4-6F175D3DCCD1}">
-              <a14:hiddenFill xmlns:a14="http://schemas.microsoft.com/office/drawing/2010/main" xmlns="">
+              <a14:hiddenFill xmlns="" xmlns:a14="http://schemas.microsoft.com/office/drawing/2010/main">
                 <a:solidFill>
                   <a:srgbClr val="FFFFFF"/>
                 </a:solidFill>
               </a14:hiddenFill>
             </a:ext>
             <a:ext uri="{91240B29-F687-4f45-9708-019B960494DF}">
-              <a14:hiddenLine xmlns:a14="http://schemas.microsoft.com/office/drawing/2010/main" xmlns="" w="9525">
+              <a14:hiddenLine xmlns="" xmlns:a14="http://schemas.microsoft.com/office/drawing/2010/main" w="9525">
                 <a:solidFill>
                   <a:srgbClr val="000000"/>
                 </a:solidFill>
@@ -13636,14 +13830,14 @@
           </a:ln>
           <a:extLst>
             <a:ext uri="{909E8E84-426E-40dd-AFC4-6F175D3DCCD1}">
-              <a14:hiddenFill xmlns:a14="http://schemas.microsoft.com/office/drawing/2010/main" xmlns="">
+              <a14:hiddenFill xmlns="" xmlns:a14="http://schemas.microsoft.com/office/drawing/2010/main">
                 <a:solidFill>
                   <a:srgbClr val="FFFFFF"/>
                 </a:solidFill>
               </a14:hiddenFill>
             </a:ext>
             <a:ext uri="{91240B29-F687-4f45-9708-019B960494DF}">
-              <a14:hiddenLine xmlns:a14="http://schemas.microsoft.com/office/drawing/2010/main" xmlns="" w="9525">
+              <a14:hiddenLine xmlns="" xmlns:a14="http://schemas.microsoft.com/office/drawing/2010/main" w="9525">
                 <a:solidFill>
                   <a:srgbClr val="000000"/>
                 </a:solidFill>
@@ -14210,14 +14404,14 @@
           </a:ln>
           <a:extLst>
             <a:ext uri="{909E8E84-426E-40dd-AFC4-6F175D3DCCD1}">
-              <a14:hiddenFill xmlns:a14="http://schemas.microsoft.com/office/drawing/2010/main" xmlns="">
+              <a14:hiddenFill xmlns="" xmlns:a14="http://schemas.microsoft.com/office/drawing/2010/main">
                 <a:solidFill>
                   <a:srgbClr val="FFFFFF"/>
                 </a:solidFill>
               </a14:hiddenFill>
             </a:ext>
             <a:ext uri="{91240B29-F687-4f45-9708-019B960494DF}">
-              <a14:hiddenLine xmlns:a14="http://schemas.microsoft.com/office/drawing/2010/main" xmlns="" w="9525">
+              <a14:hiddenLine xmlns="" xmlns:a14="http://schemas.microsoft.com/office/drawing/2010/main" w="9525">
                 <a:solidFill>
                   <a:srgbClr val="000000"/>
                 </a:solidFill>
@@ -15157,14 +15351,14 @@
           </a:ln>
           <a:extLst>
             <a:ext uri="{909E8E84-426E-40dd-AFC4-6F175D3DCCD1}">
-              <a14:hiddenFill xmlns:a14="http://schemas.microsoft.com/office/drawing/2010/main" xmlns="">
+              <a14:hiddenFill xmlns="" xmlns:a14="http://schemas.microsoft.com/office/drawing/2010/main">
                 <a:solidFill>
                   <a:srgbClr val="FFFFFF"/>
                 </a:solidFill>
               </a14:hiddenFill>
             </a:ext>
             <a:ext uri="{91240B29-F687-4f45-9708-019B960494DF}">
-              <a14:hiddenLine xmlns:a14="http://schemas.microsoft.com/office/drawing/2010/main" xmlns="" w="9525">
+              <a14:hiddenLine xmlns="" xmlns:a14="http://schemas.microsoft.com/office/drawing/2010/main" w="9525">
                 <a:solidFill>
                   <a:srgbClr val="000000"/>
                 </a:solidFill>
@@ -15917,14 +16111,14 @@
           </a:ln>
           <a:extLst>
             <a:ext uri="{909E8E84-426E-40dd-AFC4-6F175D3DCCD1}">
-              <a14:hiddenFill xmlns:a14="http://schemas.microsoft.com/office/drawing/2010/main" xmlns="">
+              <a14:hiddenFill xmlns="" xmlns:a14="http://schemas.microsoft.com/office/drawing/2010/main">
                 <a:solidFill>
                   <a:srgbClr val="FFFFFF"/>
                 </a:solidFill>
               </a14:hiddenFill>
             </a:ext>
             <a:ext uri="{91240B29-F687-4f45-9708-019B960494DF}">
-              <a14:hiddenLine xmlns:a14="http://schemas.microsoft.com/office/drawing/2010/main" xmlns="" w="9525">
+              <a14:hiddenLine xmlns="" xmlns:a14="http://schemas.microsoft.com/office/drawing/2010/main" w="9525">
                 <a:solidFill>
                   <a:srgbClr val="000000"/>
                 </a:solidFill>
@@ -16885,6 +17079,13 @@
   <p:transition spd="med">
     <p:fade/>
   </p:transition>
+  <p:timing>
+    <p:tnLst>
+      <p:par>
+        <p:cTn id="1" dur="indefinite" restart="never" nodeType="tmRoot"/>
+      </p:par>
+    </p:tnLst>
+  </p:timing>
 </p:sld>
 </file>
 
@@ -18098,6 +18299,13 @@
   <p:transition spd="med">
     <p:fade/>
   </p:transition>
+  <p:timing>
+    <p:tnLst>
+      <p:par>
+        <p:cTn id="1" dur="indefinite" restart="never" nodeType="tmRoot"/>
+      </p:par>
+    </p:tnLst>
+  </p:timing>
 </p:sld>
 </file>
 
@@ -18647,6 +18855,13 @@
   <p:transition spd="med">
     <p:fade/>
   </p:transition>
+  <p:timing>
+    <p:tnLst>
+      <p:par>
+        <p:cTn id="1" dur="indefinite" restart="never" nodeType="tmRoot"/>
+      </p:par>
+    </p:tnLst>
+  </p:timing>
 </p:sld>
 </file>
 
@@ -18784,6 +18999,13 @@
   <p:transition spd="med">
     <p:fade/>
   </p:transition>
+  <p:timing>
+    <p:tnLst>
+      <p:par>
+        <p:cTn id="1" dur="indefinite" restart="never" nodeType="tmRoot"/>
+      </p:par>
+    </p:tnLst>
+  </p:timing>
 </p:sld>
 </file>
 
@@ -19134,6 +19356,13 @@
   <p:transition spd="med">
     <p:fade/>
   </p:transition>
+  <p:timing>
+    <p:tnLst>
+      <p:par>
+        <p:cTn id="1" dur="indefinite" restart="never" nodeType="tmRoot"/>
+      </p:par>
+    </p:tnLst>
+  </p:timing>
 </p:sld>
 </file>
 
@@ -19301,6 +19530,13 @@
   <p:transition spd="med">
     <p:fade/>
   </p:transition>
+  <p:timing>
+    <p:tnLst>
+      <p:par>
+        <p:cTn id="1" dur="indefinite" restart="never" nodeType="tmRoot"/>
+      </p:par>
+    </p:tnLst>
+  </p:timing>
 </p:sld>
 </file>
 
@@ -20851,6 +21087,13 @@
   <p:transition spd="med">
     <p:fade/>
   </p:transition>
+  <p:timing>
+    <p:tnLst>
+      <p:par>
+        <p:cTn id="1" dur="indefinite" restart="never" nodeType="tmRoot"/>
+      </p:par>
+    </p:tnLst>
+  </p:timing>
 </p:sld>
 </file>
 
@@ -20936,7 +21179,7 @@
           <a:effectLst/>
           <a:extLst>
             <a:ext uri="{91240B29-F687-4f45-9708-019B960494DF}">
-              <a14:hiddenLine xmlns:a14="http://schemas.microsoft.com/office/drawing/2010/main" xmlns="" w="9525">
+              <a14:hiddenLine xmlns="" xmlns:a14="http://schemas.microsoft.com/office/drawing/2010/main" w="9525">
                 <a:solidFill>
                   <a:schemeClr val="tx1"/>
                 </a:solidFill>
@@ -20946,7 +21189,7 @@
               </a14:hiddenLine>
             </a:ext>
             <a:ext uri="{AF507438-7753-43e0-B8FC-AC1667EBCBE1}">
-              <a14:hiddenEffects xmlns:a14="http://schemas.microsoft.com/office/drawing/2010/main" xmlns="">
+              <a14:hiddenEffects xmlns="" xmlns:a14="http://schemas.microsoft.com/office/drawing/2010/main">
                 <a:effectLst>
                   <a:outerShdw dist="35921" dir="2700000" algn="ctr" rotWithShape="0">
                     <a:schemeClr val="bg2"/>
@@ -21876,6 +22119,13 @@
   <p:transition spd="med">
     <p:fade/>
   </p:transition>
+  <p:timing>
+    <p:tnLst>
+      <p:par>
+        <p:cTn id="1" dur="indefinite" restart="never" nodeType="tmRoot"/>
+      </p:par>
+    </p:tnLst>
+  </p:timing>
 </p:sld>
 </file>
 
@@ -22894,6 +23144,13 @@
   <p:transition spd="med">
     <p:fade/>
   </p:transition>
+  <p:timing>
+    <p:tnLst>
+      <p:par>
+        <p:cTn id="1" dur="indefinite" restart="never" nodeType="tmRoot"/>
+      </p:par>
+    </p:tnLst>
+  </p:timing>
 </p:sld>
 </file>
 
@@ -23545,15 +23802,31 @@
           <a:p>
             <a:r>
               <a:rPr lang="en-US" dirty="0" smtClean="0"/>
-              <a:t>$ touch metadata.rb</a:t>
-            </a:r>
+              <a:t>$ </a:t>
+            </a:r>
+            <a:r>
+              <a:rPr lang="en-US" dirty="0"/>
+              <a:t>touch </a:t>
+            </a:r>
+            <a:r>
+              <a:rPr lang="en-US" dirty="0" smtClean="0"/>
+              <a:t>~/</a:t>
+            </a:r>
+            <a:r>
+              <a:rPr lang="en-US" dirty="0" err="1" smtClean="0"/>
+              <a:t>compliance_profiles</a:t>
+            </a:r>
+            <a:r>
+              <a:rPr lang="en-US" dirty="0" smtClean="0"/>
+              <a:t>/profile_01/metadata.rb</a:t>
+            </a:r>
+            <a:endParaRPr lang="en-US" dirty="0" smtClean="0"/>
           </a:p>
           <a:p>
             <a:r>
               <a:rPr lang="en-US" dirty="0" smtClean="0"/>
               <a:t>$ ls</a:t>
             </a:r>
-            <a:endParaRPr lang="en-US" dirty="0"/>
           </a:p>
           <a:p>
             <a:endParaRPr lang="en-US" dirty="0"/>
@@ -23604,6 +23877,13 @@
   <p:transition spd="med">
     <p:fade/>
   </p:transition>
+  <p:timing>
+    <p:tnLst>
+      <p:par>
+        <p:cTn id="1" dur="indefinite" restart="never" nodeType="tmRoot"/>
+      </p:par>
+    </p:tnLst>
+  </p:timing>
 </p:sld>
 </file>
 
@@ -23878,6 +24158,13 @@
   <p:transition spd="med">
     <p:fade/>
   </p:transition>
+  <p:timing>
+    <p:tnLst>
+      <p:par>
+        <p:cTn id="1" dur="indefinite" restart="never" nodeType="tmRoot"/>
+      </p:par>
+    </p:tnLst>
+  </p:timing>
 </p:sld>
 </file>
 
@@ -25357,27 +25644,6 @@
 </file>
 
 <file path=customXml/item2.xml><?xml version="1.0" encoding="utf-8"?>
-<p:properties xmlns:p="http://schemas.microsoft.com/office/2006/metadata/properties" xmlns:xsi="http://www.w3.org/2001/XMLSchema-instance" xmlns:pc="http://schemas.microsoft.com/office/infopath/2007/PartnerControls">
-  <documentManagement>
-    <_dlc_DocId xmlns="7bb5d761-a2ea-4873-95f7-7a6658fb3ef0">M4CWTKMW727E-592-73</_dlc_DocId>
-    <_dlc_DocIdUrl xmlns="7bb5d761-a2ea-4873-95f7-7a6658fb3ef0">
-      <Url>https://kms.vci.local/marketing/team/_layouts/DocIdRedir.aspx?ID=M4CWTKMW727E-592-73</Url>
-      <Description>M4CWTKMW727E-592-73</Description>
-    </_dlc_DocIdUrl>
-  </documentManagement>
-</p:properties>
-</file>
-
-<file path=customXml/item3.xml><?xml version="1.0" encoding="utf-8"?>
-<?mso-contentType ?>
-<FormTemplates xmlns="http://schemas.microsoft.com/sharepoint/v3/contenttype/forms">
-  <Display>DocumentLibraryForm</Display>
-  <Edit>DocumentLibraryForm</Edit>
-  <New>DocumentLibraryForm</New>
-</FormTemplates>
-</file>
-
-<file path=customXml/item4.xml><?xml version="1.0" encoding="utf-8"?>
 <?mso-contentType ?>
 <spe:Receivers xmlns:spe="http://schemas.microsoft.com/sharepoint/events">
   <Receiver>
@@ -25423,6 +25689,27 @@
 </spe:Receivers>
 </file>
 
+<file path=customXml/item3.xml><?xml version="1.0" encoding="utf-8"?>
+<?mso-contentType ?>
+<FormTemplates xmlns="http://schemas.microsoft.com/sharepoint/v3/contenttype/forms">
+  <Display>DocumentLibraryForm</Display>
+  <Edit>DocumentLibraryForm</Edit>
+  <New>DocumentLibraryForm</New>
+</FormTemplates>
+</file>
+
+<file path=customXml/item4.xml><?xml version="1.0" encoding="utf-8"?>
+<p:properties xmlns:p="http://schemas.microsoft.com/office/2006/metadata/properties" xmlns:xsi="http://www.w3.org/2001/XMLSchema-instance" xmlns:pc="http://schemas.microsoft.com/office/infopath/2007/PartnerControls">
+  <documentManagement>
+    <_dlc_DocId xmlns="7bb5d761-a2ea-4873-95f7-7a6658fb3ef0">M4CWTKMW727E-592-73</_dlc_DocId>
+    <_dlc_DocIdUrl xmlns="7bb5d761-a2ea-4873-95f7-7a6658fb3ef0">
+      <Url>https://kms.vci.local/marketing/team/_layouts/DocIdRedir.aspx?ID=M4CWTKMW727E-592-73</Url>
+      <Description>M4CWTKMW727E-592-73</Description>
+    </_dlc_DocIdUrl>
+  </documentManagement>
+</p:properties>
+</file>
+
 <file path=customXml/itemProps1.xml><?xml version="1.0" encoding="utf-8"?>
 <ds:datastoreItem xmlns:ds="http://schemas.openxmlformats.org/officeDocument/2006/customXml" ds:itemID="{164479E5-0B02-49AC-B79E-EC1D6164DDD3}">
   <ds:schemaRefs>
@@ -25442,6 +25729,22 @@
 </file>
 
 <file path=customXml/itemProps2.xml><?xml version="1.0" encoding="utf-8"?>
+<ds:datastoreItem xmlns:ds="http://schemas.openxmlformats.org/officeDocument/2006/customXml" ds:itemID="{B13EBC30-FE27-4C6A-B723-23FC2188F7DC}">
+  <ds:schemaRefs>
+    <ds:schemaRef ds:uri="http://schemas.microsoft.com/sharepoint/events"/>
+  </ds:schemaRefs>
+</ds:datastoreItem>
+</file>
+
+<file path=customXml/itemProps3.xml><?xml version="1.0" encoding="utf-8"?>
+<ds:datastoreItem xmlns:ds="http://schemas.openxmlformats.org/officeDocument/2006/customXml" ds:itemID="{5CDEB364-43EC-4510-9881-539C2A3FCE9E}">
+  <ds:schemaRefs>
+    <ds:schemaRef ds:uri="http://schemas.microsoft.com/sharepoint/v3/contenttype/forms"/>
+  </ds:schemaRefs>
+</ds:datastoreItem>
+</file>
+
+<file path=customXml/itemProps4.xml><?xml version="1.0" encoding="utf-8"?>
 <ds:datastoreItem xmlns:ds="http://schemas.openxmlformats.org/officeDocument/2006/customXml" ds:itemID="{6921749B-AEB7-461B-845F-603CABD25259}">
   <ds:schemaRefs>
     <ds:schemaRef ds:uri="http://schemas.microsoft.com/office/2006/documentManagement/types"/>
@@ -25455,20 +25758,4 @@
     <ds:schemaRef ds:uri="http://purl.org/dc/dcmitype/"/>
   </ds:schemaRefs>
 </ds:datastoreItem>
-</file>
-
-<file path=customXml/itemProps3.xml><?xml version="1.0" encoding="utf-8"?>
-<ds:datastoreItem xmlns:ds="http://schemas.openxmlformats.org/officeDocument/2006/customXml" ds:itemID="{5CDEB364-43EC-4510-9881-539C2A3FCE9E}">
-  <ds:schemaRefs>
-    <ds:schemaRef ds:uri="http://schemas.microsoft.com/sharepoint/v3/contenttype/forms"/>
-  </ds:schemaRefs>
-</ds:datastoreItem>
-</file>
-
-<file path=customXml/itemProps4.xml><?xml version="1.0" encoding="utf-8"?>
-<ds:datastoreItem xmlns:ds="http://schemas.openxmlformats.org/officeDocument/2006/customXml" ds:itemID="{B13EBC30-FE27-4C6A-B723-23FC2188F7DC}">
-  <ds:schemaRefs>
-    <ds:schemaRef ds:uri="http://schemas.microsoft.com/sharepoint/events"/>
-  </ds:schemaRefs>
-</ds:datastoreItem>
 </file>
--- a/05-creating-custom-profiles.pptx
+++ b/05-creating-custom-profiles.pptx
@@ -307,7 +307,7 @@
               <a:pPr>
                 <a:defRPr/>
               </a:pPr>
-              <a:t>2016-02-03</a:t>
+              <a:t>2016-02-04</a:t>
             </a:fld>
             <a:endParaRPr lang="en-US" dirty="0"/>
           </a:p>
@@ -490,7 +490,7 @@
               <a:pPr>
                 <a:defRPr/>
               </a:pPr>
-              <a:t>2016-02-03</a:t>
+              <a:t>2016-02-04</a:t>
             </a:fld>
             <a:endParaRPr lang="en-US" dirty="0"/>
           </a:p>
@@ -4494,12 +4494,154 @@
           </a:bodyPr>
           <a:lstStyle/>
           <a:p>
+            <a:pPr marL="0" marR="0" indent="0" algn="l" defTabSz="1217613" rtl="0" eaLnBrk="1" fontAlgn="base" latinLnBrk="0" hangingPunct="1">
+              <a:lnSpc>
+                <a:spcPct val="90000"/>
+              </a:lnSpc>
+              <a:spcBef>
+                <a:spcPct val="30000"/>
+              </a:spcBef>
+              <a:spcAft>
+                <a:spcPts val="450"/>
+              </a:spcAft>
+              <a:buClrTx/>
+              <a:buSzTx/>
+              <a:buFontTx/>
+              <a:buNone/>
+              <a:tabLst/>
+              <a:defRPr/>
+            </a:pPr>
+            <a:r>
+              <a:rPr lang="en-US" dirty="0" smtClean="0">
+                <a:effectLst/>
+              </a:rPr>
+              <a:t>The Compliance Server checks uploaded profiles using the same `</a:t>
+            </a:r>
+            <a:r>
+              <a:rPr lang="en-US" dirty="0" err="1" smtClean="0">
+                <a:effectLst/>
+              </a:rPr>
+              <a:t>inspec</a:t>
+            </a:r>
+            <a:r>
+              <a:rPr lang="en-US" dirty="0" smtClean="0">
+                <a:effectLst/>
+              </a:rPr>
+              <a:t> check ` mechanism that we used when running </a:t>
+            </a:r>
+            <a:r>
+              <a:rPr lang="en-US" dirty="0" err="1" smtClean="0">
+                <a:effectLst/>
+              </a:rPr>
+              <a:t>inspec</a:t>
+            </a:r>
+            <a:r>
+              <a:rPr lang="en-US" dirty="0" smtClean="0">
+                <a:effectLst/>
+              </a:rPr>
+              <a:t> via the CLI.</a:t>
+            </a:r>
             <a:endParaRPr lang="en-US" dirty="0" smtClean="0"/>
           </a:p>
           <a:p>
             <a:endParaRPr lang="en-US" dirty="0" smtClean="0"/>
           </a:p>
           <a:p>
+            <a:r>
+              <a:rPr lang="en-US" dirty="0" smtClean="0"/>
+              <a:t>Note that if you upload a </a:t>
+            </a:r>
+            <a:r>
+              <a:rPr lang="en-US" sz="1200" b="0" i="0" kern="1200" dirty="0" smtClean="0">
+                <a:solidFill>
+                  <a:schemeClr val="tx1"/>
+                </a:solidFill>
+                <a:effectLst/>
+                <a:latin typeface="Arial" panose="020B0604020202020204" pitchFamily="34" charset="0"/>
+                <a:ea typeface="ＭＳ Ｐゴシック" charset="0"/>
+                <a:cs typeface="Arial" panose="020B0604020202020204" pitchFamily="34" charset="0"/>
+              </a:rPr>
+              <a:t>Compliance profile to Compliance Server and the profile is written incorrectly, we currently don't get an error in the web</a:t>
+            </a:r>
+            <a:r>
+              <a:rPr lang="en-US" sz="1200" b="0" i="0" kern="1200" baseline="0" dirty="0" smtClean="0">
+                <a:solidFill>
+                  <a:schemeClr val="tx1"/>
+                </a:solidFill>
+                <a:effectLst/>
+                <a:latin typeface="Arial" panose="020B0604020202020204" pitchFamily="34" charset="0"/>
+                <a:ea typeface="ＭＳ Ｐゴシック" charset="0"/>
+                <a:cs typeface="Arial" panose="020B0604020202020204" pitchFamily="34" charset="0"/>
+              </a:rPr>
+              <a:t> UI. We would only be notified by the error when the new profile doesn't appear in the list of Compliance profiles or </a:t>
+            </a:r>
+            <a:r>
+              <a:rPr lang="en-US" sz="1200" b="0" i="0" kern="1200" dirty="0" smtClean="0">
+                <a:solidFill>
+                  <a:schemeClr val="tx1"/>
+                </a:solidFill>
+                <a:effectLst/>
+                <a:latin typeface="Arial" panose="020B0604020202020204" pitchFamily="34" charset="0"/>
+                <a:ea typeface="ＭＳ Ｐゴシック" charset="0"/>
+                <a:cs typeface="Arial" panose="020B0604020202020204" pitchFamily="34" charset="0"/>
+              </a:rPr>
+              <a:t>by looking at the logs. </a:t>
+            </a:r>
+          </a:p>
+          <a:p>
+            <a:endParaRPr lang="en-US" sz="1200" b="0" i="0" kern="1200" dirty="0" smtClean="0">
+              <a:solidFill>
+                <a:schemeClr val="tx1"/>
+              </a:solidFill>
+              <a:effectLst/>
+              <a:latin typeface="Arial" panose="020B0604020202020204" pitchFamily="34" charset="0"/>
+              <a:ea typeface="ＭＳ Ｐゴシック" charset="0"/>
+              <a:cs typeface="Arial" panose="020B0604020202020204" pitchFamily="34" charset="0"/>
+            </a:endParaRPr>
+          </a:p>
+          <a:p>
+            <a:r>
+              <a:rPr lang="en-US" sz="1200" b="0" i="0" kern="1200" dirty="0" smtClean="0">
+                <a:solidFill>
+                  <a:schemeClr val="tx1"/>
+                </a:solidFill>
+                <a:effectLst/>
+                <a:latin typeface="Arial" panose="020B0604020202020204" pitchFamily="34" charset="0"/>
+                <a:ea typeface="ＭＳ Ｐゴシック" charset="0"/>
+                <a:cs typeface="Arial" panose="020B0604020202020204" pitchFamily="34" charset="0"/>
+              </a:rPr>
+              <a:t>In the near future, </a:t>
+            </a:r>
+            <a:r>
+              <a:rPr lang="en-US" dirty="0" smtClean="0">
+                <a:effectLst/>
+              </a:rPr>
+              <a:t>the status of</a:t>
+            </a:r>
+            <a:r>
+              <a:rPr lang="en-US" baseline="0" dirty="0" smtClean="0">
+                <a:effectLst/>
+              </a:rPr>
+              <a:t> </a:t>
+            </a:r>
+            <a:r>
+              <a:rPr lang="en-US" dirty="0" smtClean="0">
+                <a:effectLst/>
+              </a:rPr>
+              <a:t>the</a:t>
+            </a:r>
+            <a:r>
+              <a:rPr lang="en-US" baseline="0" dirty="0" smtClean="0">
+                <a:effectLst/>
+              </a:rPr>
+              <a:t> uploaded profile will </a:t>
+            </a:r>
+            <a:r>
+              <a:rPr lang="en-US" dirty="0" smtClean="0">
+                <a:effectLst/>
+              </a:rPr>
+              <a:t>reported by the web UI. </a:t>
+            </a:r>
             <a:endParaRPr lang="en-US" dirty="0" smtClean="0"/>
           </a:p>
         </p:txBody>
@@ -7311,11 +7453,7 @@
             </a:r>
             <a:r>
               <a:rPr lang="en-US" dirty="0" smtClean="0"/>
-              <a:t>/profile_01, </a:t>
-            </a:r>
-            <a:r>
-              <a:rPr lang="en-US" dirty="0" smtClean="0"/>
-              <a:t>let's create a metadata.rb by using the `touch`</a:t>
+              <a:t>/profile_01, let's create a metadata.rb by using the `touch`</a:t>
             </a:r>
             <a:r>
               <a:rPr lang="en-US" baseline="0" dirty="0" smtClean="0"/>
@@ -7362,11 +7500,7 @@
             </a:pPr>
             <a:r>
               <a:rPr lang="en-US" dirty="0" smtClean="0"/>
-              <a:t>$ `touch metadata.rb</a:t>
-            </a:r>
-            <a:r>
-              <a:rPr lang="en-US" dirty="0" smtClean="0"/>
-              <a:t>`    or you</a:t>
+              <a:t>$ `touch metadata.rb`    or you</a:t>
             </a:r>
             <a:r>
               <a:rPr lang="en-US" baseline="0" dirty="0" smtClean="0"/>
@@ -9139,14 +9273,14 @@
           </a:ln>
           <a:extLst>
             <a:ext uri="{909E8E84-426E-40dd-AFC4-6F175D3DCCD1}">
-              <a14:hiddenFill xmlns="" xmlns:a14="http://schemas.microsoft.com/office/drawing/2010/main">
+              <a14:hiddenFill xmlns:a14="http://schemas.microsoft.com/office/drawing/2010/main" xmlns="">
                 <a:solidFill>
                   <a:srgbClr val="FFFFFF"/>
                 </a:solidFill>
               </a14:hiddenFill>
             </a:ext>
             <a:ext uri="{91240B29-F687-4f45-9708-019B960494DF}">
-              <a14:hiddenLine xmlns="" xmlns:a14="http://schemas.microsoft.com/office/drawing/2010/main" w="9525">
+              <a14:hiddenLine xmlns:a14="http://schemas.microsoft.com/office/drawing/2010/main" xmlns="" w="9525">
                 <a:solidFill>
                   <a:srgbClr val="000000"/>
                 </a:solidFill>
@@ -9294,14 +9428,14 @@
           </a:ln>
           <a:extLst>
             <a:ext uri="{909E8E84-426E-40dd-AFC4-6F175D3DCCD1}">
-              <a14:hiddenFill xmlns="" xmlns:a14="http://schemas.microsoft.com/office/drawing/2010/main">
+              <a14:hiddenFill xmlns:a14="http://schemas.microsoft.com/office/drawing/2010/main" xmlns="">
                 <a:solidFill>
                   <a:srgbClr val="FFFFFF"/>
                 </a:solidFill>
               </a14:hiddenFill>
             </a:ext>
             <a:ext uri="{91240B29-F687-4f45-9708-019B960494DF}">
-              <a14:hiddenLine xmlns="" xmlns:a14="http://schemas.microsoft.com/office/drawing/2010/main" w="9525">
+              <a14:hiddenLine xmlns:a14="http://schemas.microsoft.com/office/drawing/2010/main" xmlns="" w="9525">
                 <a:solidFill>
                   <a:srgbClr val="000000"/>
                 </a:solidFill>
@@ -9792,14 +9926,14 @@
           </a:ln>
           <a:extLst>
             <a:ext uri="{909E8E84-426E-40dd-AFC4-6F175D3DCCD1}">
-              <a14:hiddenFill xmlns="" xmlns:a14="http://schemas.microsoft.com/office/drawing/2010/main">
+              <a14:hiddenFill xmlns:a14="http://schemas.microsoft.com/office/drawing/2010/main" xmlns="">
                 <a:solidFill>
                   <a:srgbClr val="FFFFFF"/>
                 </a:solidFill>
               </a14:hiddenFill>
             </a:ext>
             <a:ext uri="{91240B29-F687-4f45-9708-019B960494DF}">
-              <a14:hiddenLine xmlns="" xmlns:a14="http://schemas.microsoft.com/office/drawing/2010/main" w="9525">
+              <a14:hiddenLine xmlns:a14="http://schemas.microsoft.com/office/drawing/2010/main" xmlns="" w="9525">
                 <a:solidFill>
                   <a:srgbClr val="000000"/>
                 </a:solidFill>
@@ -10325,14 +10459,14 @@
           </a:ln>
           <a:extLst>
             <a:ext uri="{909E8E84-426E-40dd-AFC4-6F175D3DCCD1}">
-              <a14:hiddenFill xmlns="" xmlns:a14="http://schemas.microsoft.com/office/drawing/2010/main">
+              <a14:hiddenFill xmlns:a14="http://schemas.microsoft.com/office/drawing/2010/main" xmlns="">
                 <a:solidFill>
                   <a:srgbClr val="FFFFFF"/>
                 </a:solidFill>
               </a14:hiddenFill>
             </a:ext>
             <a:ext uri="{91240B29-F687-4f45-9708-019B960494DF}">
-              <a14:hiddenLine xmlns="" xmlns:a14="http://schemas.microsoft.com/office/drawing/2010/main" w="9525">
+              <a14:hiddenLine xmlns:a14="http://schemas.microsoft.com/office/drawing/2010/main" xmlns="" w="9525">
                 <a:solidFill>
                   <a:srgbClr val="000000"/>
                 </a:solidFill>
@@ -11956,14 +12090,14 @@
           </a:ln>
           <a:extLst>
             <a:ext uri="{909E8E84-426E-40dd-AFC4-6F175D3DCCD1}">
-              <a14:hiddenFill xmlns="" xmlns:a14="http://schemas.microsoft.com/office/drawing/2010/main">
+              <a14:hiddenFill xmlns:a14="http://schemas.microsoft.com/office/drawing/2010/main" xmlns="">
                 <a:solidFill>
                   <a:srgbClr val="FFFFFF"/>
                 </a:solidFill>
               </a14:hiddenFill>
             </a:ext>
             <a:ext uri="{91240B29-F687-4f45-9708-019B960494DF}">
-              <a14:hiddenLine xmlns="" xmlns:a14="http://schemas.microsoft.com/office/drawing/2010/main" w="9525">
+              <a14:hiddenLine xmlns:a14="http://schemas.microsoft.com/office/drawing/2010/main" xmlns="" w="9525">
                 <a:solidFill>
                   <a:srgbClr val="000000"/>
                 </a:solidFill>
@@ -13317,14 +13451,14 @@
           </a:ln>
           <a:extLst>
             <a:ext uri="{909E8E84-426E-40dd-AFC4-6F175D3DCCD1}">
-              <a14:hiddenFill xmlns="" xmlns:a14="http://schemas.microsoft.com/office/drawing/2010/main">
+              <a14:hiddenFill xmlns:a14="http://schemas.microsoft.com/office/drawing/2010/main" xmlns="">
                 <a:solidFill>
                   <a:srgbClr val="FFFFFF"/>
                 </a:solidFill>
               </a14:hiddenFill>
             </a:ext>
             <a:ext uri="{91240B29-F687-4f45-9708-019B960494DF}">
-              <a14:hiddenLine xmlns="" xmlns:a14="http://schemas.microsoft.com/office/drawing/2010/main" w="9525">
+              <a14:hiddenLine xmlns:a14="http://schemas.microsoft.com/office/drawing/2010/main" xmlns="" w="9525">
                 <a:solidFill>
                   <a:srgbClr val="000000"/>
                 </a:solidFill>
@@ -13830,14 +13964,14 @@
           </a:ln>
           <a:extLst>
             <a:ext uri="{909E8E84-426E-40dd-AFC4-6F175D3DCCD1}">
-              <a14:hiddenFill xmlns="" xmlns:a14="http://schemas.microsoft.com/office/drawing/2010/main">
+              <a14:hiddenFill xmlns:a14="http://schemas.microsoft.com/office/drawing/2010/main" xmlns="">
                 <a:solidFill>
                   <a:srgbClr val="FFFFFF"/>
                 </a:solidFill>
               </a14:hiddenFill>
             </a:ext>
             <a:ext uri="{91240B29-F687-4f45-9708-019B960494DF}">
-              <a14:hiddenLine xmlns="" xmlns:a14="http://schemas.microsoft.com/office/drawing/2010/main" w="9525">
+              <a14:hiddenLine xmlns:a14="http://schemas.microsoft.com/office/drawing/2010/main" xmlns="" w="9525">
                 <a:solidFill>
                   <a:srgbClr val="000000"/>
                 </a:solidFill>
@@ -14404,14 +14538,14 @@
           </a:ln>
           <a:extLst>
             <a:ext uri="{909E8E84-426E-40dd-AFC4-6F175D3DCCD1}">
-              <a14:hiddenFill xmlns="" xmlns:a14="http://schemas.microsoft.com/office/drawing/2010/main">
+              <a14:hiddenFill xmlns:a14="http://schemas.microsoft.com/office/drawing/2010/main" xmlns="">
                 <a:solidFill>
                   <a:srgbClr val="FFFFFF"/>
                 </a:solidFill>
               </a14:hiddenFill>
             </a:ext>
             <a:ext uri="{91240B29-F687-4f45-9708-019B960494DF}">
-              <a14:hiddenLine xmlns="" xmlns:a14="http://schemas.microsoft.com/office/drawing/2010/main" w="9525">
+              <a14:hiddenLine xmlns:a14="http://schemas.microsoft.com/office/drawing/2010/main" xmlns="" w="9525">
                 <a:solidFill>
                   <a:srgbClr val="000000"/>
                 </a:solidFill>
@@ -15351,14 +15485,14 @@
           </a:ln>
           <a:extLst>
             <a:ext uri="{909E8E84-426E-40dd-AFC4-6F175D3DCCD1}">
-              <a14:hiddenFill xmlns="" xmlns:a14="http://schemas.microsoft.com/office/drawing/2010/main">
+              <a14:hiddenFill xmlns:a14="http://schemas.microsoft.com/office/drawing/2010/main" xmlns="">
                 <a:solidFill>
                   <a:srgbClr val="FFFFFF"/>
                 </a:solidFill>
               </a14:hiddenFill>
             </a:ext>
             <a:ext uri="{91240B29-F687-4f45-9708-019B960494DF}">
-              <a14:hiddenLine xmlns="" xmlns:a14="http://schemas.microsoft.com/office/drawing/2010/main" w="9525">
+              <a14:hiddenLine xmlns:a14="http://schemas.microsoft.com/office/drawing/2010/main" xmlns="" w="9525">
                 <a:solidFill>
                   <a:srgbClr val="000000"/>
                 </a:solidFill>
@@ -16111,14 +16245,14 @@
           </a:ln>
           <a:extLst>
             <a:ext uri="{909E8E84-426E-40dd-AFC4-6F175D3DCCD1}">
-              <a14:hiddenFill xmlns="" xmlns:a14="http://schemas.microsoft.com/office/drawing/2010/main">
+              <a14:hiddenFill xmlns:a14="http://schemas.microsoft.com/office/drawing/2010/main" xmlns="">
                 <a:solidFill>
                   <a:srgbClr val="FFFFFF"/>
                 </a:solidFill>
               </a14:hiddenFill>
             </a:ext>
             <a:ext uri="{91240B29-F687-4f45-9708-019B960494DF}">
-              <a14:hiddenLine xmlns="" xmlns:a14="http://schemas.microsoft.com/office/drawing/2010/main" w="9525">
+              <a14:hiddenLine xmlns:a14="http://schemas.microsoft.com/office/drawing/2010/main" xmlns="" w="9525">
                 <a:solidFill>
                   <a:srgbClr val="000000"/>
                 </a:solidFill>
@@ -21179,7 +21313,7 @@
           <a:effectLst/>
           <a:extLst>
             <a:ext uri="{91240B29-F687-4f45-9708-019B960494DF}">
-              <a14:hiddenLine xmlns="" xmlns:a14="http://schemas.microsoft.com/office/drawing/2010/main" w="9525">
+              <a14:hiddenLine xmlns:a14="http://schemas.microsoft.com/office/drawing/2010/main" xmlns="" w="9525">
                 <a:solidFill>
                   <a:schemeClr val="tx1"/>
                 </a:solidFill>
@@ -21189,7 +21323,7 @@
               </a14:hiddenLine>
             </a:ext>
             <a:ext uri="{AF507438-7753-43e0-B8FC-AC1667EBCBE1}">
-              <a14:hiddenEffects xmlns="" xmlns:a14="http://schemas.microsoft.com/office/drawing/2010/main">
+              <a14:hiddenEffects xmlns:a14="http://schemas.microsoft.com/office/drawing/2010/main" xmlns="">
                 <a:effectLst>
                   <a:outerShdw dist="35921" dir="2700000" algn="ctr" rotWithShape="0">
                     <a:schemeClr val="bg2"/>
@@ -23820,7 +23954,6 @@
               <a:rPr lang="en-US" dirty="0" smtClean="0"/>
               <a:t>/profile_01/metadata.rb</a:t>
             </a:r>
-            <a:endParaRPr lang="en-US" dirty="0" smtClean="0"/>
           </a:p>
           <a:p>
             <a:r>
@@ -25499,6 +25632,61 @@
 </file>
 
 <file path=customXml/item1.xml><?xml version="1.0" encoding="utf-8"?>
+<?mso-contentType ?>
+<FormTemplates xmlns="http://schemas.microsoft.com/sharepoint/v3/contenttype/forms">
+  <Display>DocumentLibraryForm</Display>
+  <Edit>DocumentLibraryForm</Edit>
+  <New>DocumentLibraryForm</New>
+</FormTemplates>
+</file>
+
+<file path=customXml/item2.xml><?xml version="1.0" encoding="utf-8"?>
+<?mso-contentType ?>
+<spe:Receivers xmlns:spe="http://schemas.microsoft.com/sharepoint/events">
+  <Receiver>
+    <Name>Document ID Generator</Name>
+    <Synchronization>Synchronous</Synchronization>
+    <Type>10001</Type>
+    <SequenceNumber>1000</SequenceNumber>
+    <Assembly>Microsoft.Office.DocumentManagement, Version=14.0.0.0, Culture=neutral, PublicKeyToken=71e9bce111e9429c</Assembly>
+    <Class>Microsoft.Office.DocumentManagement.Internal.DocIdHandler</Class>
+    <Data/>
+    <Filter/>
+  </Receiver>
+  <Receiver>
+    <Name>Document ID Generator</Name>
+    <Synchronization>Synchronous</Synchronization>
+    <Type>10002</Type>
+    <SequenceNumber>1001</SequenceNumber>
+    <Assembly>Microsoft.Office.DocumentManagement, Version=14.0.0.0, Culture=neutral, PublicKeyToken=71e9bce111e9429c</Assembly>
+    <Class>Microsoft.Office.DocumentManagement.Internal.DocIdHandler</Class>
+    <Data/>
+    <Filter/>
+  </Receiver>
+  <Receiver>
+    <Name>Document ID Generator</Name>
+    <Synchronization>Synchronous</Synchronization>
+    <Type>10004</Type>
+    <SequenceNumber>1002</SequenceNumber>
+    <Assembly>Microsoft.Office.DocumentManagement, Version=14.0.0.0, Culture=neutral, PublicKeyToken=71e9bce111e9429c</Assembly>
+    <Class>Microsoft.Office.DocumentManagement.Internal.DocIdHandler</Class>
+    <Data/>
+    <Filter/>
+  </Receiver>
+  <Receiver>
+    <Name>Document ID Generator</Name>
+    <Synchronization>Synchronous</Synchronization>
+    <Type>10006</Type>
+    <SequenceNumber>1003</SequenceNumber>
+    <Assembly>Microsoft.Office.DocumentManagement, Version=14.0.0.0, Culture=neutral, PublicKeyToken=71e9bce111e9429c</Assembly>
+    <Class>Microsoft.Office.DocumentManagement.Internal.DocIdHandler</Class>
+    <Data/>
+    <Filter/>
+  </Receiver>
+</spe:Receivers>
+</file>
+
+<file path=customXml/item3.xml><?xml version="1.0" encoding="utf-8"?>
 <ct:contentTypeSchema xmlns:ct="http://schemas.microsoft.com/office/2006/metadata/contentType" xmlns:ma="http://schemas.microsoft.com/office/2006/metadata/properties/metaAttributes" ct:_="" ma:_="" ma:contentTypeName="Document" ma:contentTypeID="0x0101000812F700BE7F874999720E88173FE491" ma:contentTypeVersion="0" ma:contentTypeDescription="Create a new document." ma:contentTypeScope="" ma:versionID="3f79f408e2ca720b7aba6e0e32464d0c">
   <xsd:schema xmlns:xsd="http://www.w3.org/2001/XMLSchema" xmlns:xs="http://www.w3.org/2001/XMLSchema" xmlns:p="http://schemas.microsoft.com/office/2006/metadata/properties" xmlns:ns2="7bb5d761-a2ea-4873-95f7-7a6658fb3ef0" targetNamespace="http://schemas.microsoft.com/office/2006/metadata/properties" ma:root="true" ma:fieldsID="1e062cd38ba31e406bfc4340fbc7f87a" ns2:_="">
     <xsd:import namespace="7bb5d761-a2ea-4873-95f7-7a6658fb3ef0"/>
@@ -25643,61 +25831,6 @@
 </ct:contentTypeSchema>
 </file>
 
-<file path=customXml/item2.xml><?xml version="1.0" encoding="utf-8"?>
-<?mso-contentType ?>
-<spe:Receivers xmlns:spe="http://schemas.microsoft.com/sharepoint/events">
-  <Receiver>
-    <Name>Document ID Generator</Name>
-    <Synchronization>Synchronous</Synchronization>
-    <Type>10001</Type>
-    <SequenceNumber>1000</SequenceNumber>
-    <Assembly>Microsoft.Office.DocumentManagement, Version=14.0.0.0, Culture=neutral, PublicKeyToken=71e9bce111e9429c</Assembly>
-    <Class>Microsoft.Office.DocumentManagement.Internal.DocIdHandler</Class>
-    <Data/>
-    <Filter/>
-  </Receiver>
-  <Receiver>
-    <Name>Document ID Generator</Name>
-    <Synchronization>Synchronous</Synchronization>
-    <Type>10002</Type>
-    <SequenceNumber>1001</SequenceNumber>
-    <Assembly>Microsoft.Office.DocumentManagement, Version=14.0.0.0, Culture=neutral, PublicKeyToken=71e9bce111e9429c</Assembly>
-    <Class>Microsoft.Office.DocumentManagement.Internal.DocIdHandler</Class>
-    <Data/>
-    <Filter/>
-  </Receiver>
-  <Receiver>
-    <Name>Document ID Generator</Name>
-    <Synchronization>Synchronous</Synchronization>
-    <Type>10004</Type>
-    <SequenceNumber>1002</SequenceNumber>
-    <Assembly>Microsoft.Office.DocumentManagement, Version=14.0.0.0, Culture=neutral, PublicKeyToken=71e9bce111e9429c</Assembly>
-    <Class>Microsoft.Office.DocumentManagement.Internal.DocIdHandler</Class>
-    <Data/>
-    <Filter/>
-  </Receiver>
-  <Receiver>
-    <Name>Document ID Generator</Name>
-    <Synchronization>Synchronous</Synchronization>
-    <Type>10006</Type>
-    <SequenceNumber>1003</SequenceNumber>
-    <Assembly>Microsoft.Office.DocumentManagement, Version=14.0.0.0, Culture=neutral, PublicKeyToken=71e9bce111e9429c</Assembly>
-    <Class>Microsoft.Office.DocumentManagement.Internal.DocIdHandler</Class>
-    <Data/>
-    <Filter/>
-  </Receiver>
-</spe:Receivers>
-</file>
-
-<file path=customXml/item3.xml><?xml version="1.0" encoding="utf-8"?>
-<?mso-contentType ?>
-<FormTemplates xmlns="http://schemas.microsoft.com/sharepoint/v3/contenttype/forms">
-  <Display>DocumentLibraryForm</Display>
-  <Edit>DocumentLibraryForm</Edit>
-  <New>DocumentLibraryForm</New>
-</FormTemplates>
-</file>
-
 <file path=customXml/item4.xml><?xml version="1.0" encoding="utf-8"?>
 <p:properties xmlns:p="http://schemas.microsoft.com/office/2006/metadata/properties" xmlns:xsi="http://www.w3.org/2001/XMLSchema-instance" xmlns:pc="http://schemas.microsoft.com/office/infopath/2007/PartnerControls">
   <documentManagement>
@@ -25711,6 +25844,22 @@
 </file>
 
 <file path=customXml/itemProps1.xml><?xml version="1.0" encoding="utf-8"?>
+<ds:datastoreItem xmlns:ds="http://schemas.openxmlformats.org/officeDocument/2006/customXml" ds:itemID="{5CDEB364-43EC-4510-9881-539C2A3FCE9E}">
+  <ds:schemaRefs>
+    <ds:schemaRef ds:uri="http://schemas.microsoft.com/sharepoint/v3/contenttype/forms"/>
+  </ds:schemaRefs>
+</ds:datastoreItem>
+</file>
+
+<file path=customXml/itemProps2.xml><?xml version="1.0" encoding="utf-8"?>
+<ds:datastoreItem xmlns:ds="http://schemas.openxmlformats.org/officeDocument/2006/customXml" ds:itemID="{B13EBC30-FE27-4C6A-B723-23FC2188F7DC}">
+  <ds:schemaRefs>
+    <ds:schemaRef ds:uri="http://schemas.microsoft.com/sharepoint/events"/>
+  </ds:schemaRefs>
+</ds:datastoreItem>
+</file>
+
+<file path=customXml/itemProps3.xml><?xml version="1.0" encoding="utf-8"?>
 <ds:datastoreItem xmlns:ds="http://schemas.openxmlformats.org/officeDocument/2006/customXml" ds:itemID="{164479E5-0B02-49AC-B79E-EC1D6164DDD3}">
   <ds:schemaRefs>
     <ds:schemaRef ds:uri="http://schemas.microsoft.com/office/2006/metadata/contentType"/>
@@ -25724,22 +25873,6 @@
     <ds:schemaRef ds:uri="http://purl.org/dc/elements/1.1/"/>
     <ds:schemaRef ds:uri="http://purl.org/dc/terms/"/>
     <ds:schemaRef ds:uri="http://schemas.microsoft.com/internal/obd"/>
-  </ds:schemaRefs>
-</ds:datastoreItem>
-</file>
-
-<file path=customXml/itemProps2.xml><?xml version="1.0" encoding="utf-8"?>
-<ds:datastoreItem xmlns:ds="http://schemas.openxmlformats.org/officeDocument/2006/customXml" ds:itemID="{B13EBC30-FE27-4C6A-B723-23FC2188F7DC}">
-  <ds:schemaRefs>
-    <ds:schemaRef ds:uri="http://schemas.microsoft.com/sharepoint/events"/>
-  </ds:schemaRefs>
-</ds:datastoreItem>
-</file>
-
-<file path=customXml/itemProps3.xml><?xml version="1.0" encoding="utf-8"?>
-<ds:datastoreItem xmlns:ds="http://schemas.openxmlformats.org/officeDocument/2006/customXml" ds:itemID="{5CDEB364-43EC-4510-9881-539C2A3FCE9E}">
-  <ds:schemaRefs>
-    <ds:schemaRef ds:uri="http://schemas.microsoft.com/sharepoint/v3/contenttype/forms"/>
   </ds:schemaRefs>
 </ds:datastoreItem>
 </file>

--- a/05-creating-custom-profiles.pptx
+++ b/05-creating-custom-profiles.pptx
@@ -6,10 +6,10 @@
     <p:sldMasterId id="2147483847" r:id="rId6"/>
   </p:sldMasterIdLst>
   <p:notesMasterIdLst>
-    <p:notesMasterId r:id="rId41"/>
+    <p:notesMasterId r:id="rId42"/>
   </p:notesMasterIdLst>
   <p:handoutMasterIdLst>
-    <p:handoutMasterId r:id="rId42"/>
+    <p:handoutMasterId r:id="rId43"/>
   </p:handoutMasterIdLst>
   <p:sldIdLst>
     <p:sldId id="256" r:id="rId7"/>
@@ -23,7 +23,7 @@
     <p:sldId id="281" r:id="rId15"/>
     <p:sldId id="316" r:id="rId16"/>
     <p:sldId id="295" r:id="rId17"/>
-    <p:sldId id="288" r:id="rId18"/>
+    <p:sldId id="322" r:id="rId18"/>
     <p:sldId id="297" r:id="rId19"/>
     <p:sldId id="298" r:id="rId20"/>
     <p:sldId id="317" r:id="rId21"/>
@@ -40,12 +40,13 @@
     <p:sldId id="312" r:id="rId32"/>
     <p:sldId id="313" r:id="rId33"/>
     <p:sldId id="314" r:id="rId34"/>
-    <p:sldId id="318" r:id="rId35"/>
-    <p:sldId id="319" r:id="rId36"/>
-    <p:sldId id="296" r:id="rId37"/>
-    <p:sldId id="302" r:id="rId38"/>
-    <p:sldId id="276" r:id="rId39"/>
-    <p:sldId id="267" r:id="rId40"/>
+    <p:sldId id="320" r:id="rId35"/>
+    <p:sldId id="318" r:id="rId36"/>
+    <p:sldId id="319" r:id="rId37"/>
+    <p:sldId id="296" r:id="rId38"/>
+    <p:sldId id="302" r:id="rId39"/>
+    <p:sldId id="276" r:id="rId40"/>
+    <p:sldId id="267" r:id="rId41"/>
   </p:sldIdLst>
   <p:sldSz cx="16256000" cy="9144000"/>
   <p:notesSz cx="6858000" cy="9144000"/>
@@ -307,7 +308,7 @@
               <a:pPr>
                 <a:defRPr/>
               </a:pPr>
-              <a:t>2016-02-04</a:t>
+              <a:t>2016-02-05</a:t>
             </a:fld>
             <a:endParaRPr lang="en-US" dirty="0"/>
           </a:p>
@@ -490,7 +491,7 @@
               <a:pPr>
                 <a:defRPr/>
               </a:pPr>
-              <a:t>2016-02-04</a:t>
+              <a:t>2016-02-05</a:t>
             </a:fld>
             <a:endParaRPr lang="en-US" dirty="0"/>
           </a:p>
@@ -1250,7 +1251,7 @@
     </p:spTree>
     <p:extLst>
       <p:ext uri="{BB962C8B-B14F-4D97-AF65-F5344CB8AC3E}">
-        <p14:creationId xmlns:p14="http://schemas.microsoft.com/office/powerpoint/2010/main" val="667353389"/>
+        <p14:creationId xmlns:p14="http://schemas.microsoft.com/office/powerpoint/2010/main" val="3452965500"/>
       </p:ext>
     </p:extLst>
   </p:cSld>
@@ -1387,49 +1388,6 @@
             <a:r>
               <a:rPr lang="en-US" baseline="0" dirty="0" smtClean="0"/>
               <a:t> use `ls -l` to confirm its creation.</a:t>
-            </a:r>
-          </a:p>
-          <a:p>
-            <a:pPr marL="0" marR="0" indent="0" algn="l" defTabSz="1217613" rtl="0" eaLnBrk="1" fontAlgn="base" latinLnBrk="0" hangingPunct="1">
-              <a:lnSpc>
-                <a:spcPct val="90000"/>
-              </a:lnSpc>
-              <a:spcBef>
-                <a:spcPct val="30000"/>
-              </a:spcBef>
-              <a:spcAft>
-                <a:spcPts val="450"/>
-              </a:spcAft>
-              <a:buClrTx/>
-              <a:buSzTx/>
-              <a:buFontTx/>
-              <a:buNone/>
-              <a:tabLst/>
-              <a:defRPr/>
-            </a:pPr>
-            <a:endParaRPr lang="en-US" baseline="0" dirty="0" smtClean="0"/>
-          </a:p>
-          <a:p>
-            <a:pPr marL="0" marR="0" indent="0" algn="l" defTabSz="1217613" rtl="0" eaLnBrk="1" fontAlgn="base" latinLnBrk="0" hangingPunct="1">
-              <a:lnSpc>
-                <a:spcPct val="90000"/>
-              </a:lnSpc>
-              <a:spcBef>
-                <a:spcPct val="30000"/>
-              </a:spcBef>
-              <a:spcAft>
-                <a:spcPts val="450"/>
-              </a:spcAft>
-              <a:buClrTx/>
-              <a:buSzTx/>
-              <a:buFontTx/>
-              <a:buNone/>
-              <a:tabLst/>
-              <a:defRPr/>
-            </a:pPr>
-            <a:r>
-              <a:rPr lang="en-US" baseline="0" dirty="0" smtClean="0"/>
-              <a:t>TBD- a. will there be a 'generate profile` command?</a:t>
             </a:r>
           </a:p>
           <a:p>
@@ -1824,7 +1782,7 @@
         <p:spPr/>
         <p:txBody>
           <a:bodyPr>
-            <a:normAutofit fontScale="55000" lnSpcReduction="20000"/>
+            <a:normAutofit fontScale="47500" lnSpcReduction="20000"/>
           </a:bodyPr>
           <a:lstStyle/>
           <a:p>
@@ -1851,16 +1809,64 @@
             </a:r>
             <a:r>
               <a:rPr lang="en-US" dirty="0" smtClean="0"/>
-              <a:t> - all double quotes? get </a:t>
-            </a:r>
-            <a:r>
-              <a:rPr lang="en-US" dirty="0" err="1" smtClean="0"/>
-              <a:t>larry's</a:t>
-            </a:r>
-            <a:r>
-              <a:rPr lang="en-US" dirty="0" smtClean="0"/>
-              <a:t> script for this from ref.</a:t>
-            </a:r>
+              <a:t> - Note: I</a:t>
+            </a:r>
+            <a:r>
+              <a:rPr lang="en-US" sz="1200" b="0" i="0" kern="1200" dirty="0" smtClean="0">
+                <a:solidFill>
+                  <a:schemeClr val="tx1"/>
+                </a:solidFill>
+                <a:effectLst/>
+                <a:latin typeface="Arial" panose="020B0604020202020204" pitchFamily="34" charset="0"/>
+                <a:ea typeface="ＭＳ Ｐゴシック" charset="0"/>
+                <a:cs typeface="Arial" panose="020B0604020202020204" pitchFamily="34" charset="0"/>
+              </a:rPr>
+              <a:t>t's generally correct to use single quotes unless string interpolation is used, in which doubles are correct. Check with </a:t>
+            </a:r>
+            <a:r>
+              <a:rPr lang="en-US" sz="1200" b="0" i="0" kern="1200" dirty="0" err="1" smtClean="0">
+                <a:solidFill>
+                  <a:schemeClr val="tx1"/>
+                </a:solidFill>
+                <a:effectLst/>
+                <a:latin typeface="Arial" panose="020B0604020202020204" pitchFamily="34" charset="0"/>
+                <a:ea typeface="ＭＳ Ｐゴシック" charset="0"/>
+                <a:cs typeface="Arial" panose="020B0604020202020204" pitchFamily="34" charset="0"/>
+              </a:rPr>
+              <a:t>inspec</a:t>
+            </a:r>
+            <a:r>
+              <a:rPr lang="en-US" sz="1200" b="0" i="0" kern="1200" dirty="0" smtClean="0">
+                <a:solidFill>
+                  <a:schemeClr val="tx1"/>
+                </a:solidFill>
+                <a:effectLst/>
+                <a:latin typeface="Arial" panose="020B0604020202020204" pitchFamily="34" charset="0"/>
+                <a:ea typeface="ＭＳ Ｐゴシック" charset="0"/>
+                <a:cs typeface="Arial" panose="020B0604020202020204" pitchFamily="34" charset="0"/>
+              </a:rPr>
+              <a:t> team about describe statement correctness</a:t>
+            </a:r>
+          </a:p>
+          <a:p>
+            <a:pPr marL="0" marR="0" indent="0" algn="l" defTabSz="1217613" rtl="0" eaLnBrk="1" fontAlgn="base" latinLnBrk="0" hangingPunct="1">
+              <a:lnSpc>
+                <a:spcPct val="90000"/>
+              </a:lnSpc>
+              <a:spcBef>
+                <a:spcPct val="30000"/>
+              </a:spcBef>
+              <a:spcAft>
+                <a:spcPts val="450"/>
+              </a:spcAft>
+              <a:buClrTx/>
+              <a:buSzTx/>
+              <a:buFontTx/>
+              <a:buNone/>
+              <a:tabLst/>
+              <a:defRPr/>
+            </a:pPr>
+            <a:endParaRPr lang="en-US" dirty="0" smtClean="0"/>
           </a:p>
           <a:p>
             <a:pPr marL="0" marR="0" indent="0" algn="l" defTabSz="1217613" rtl="0" eaLnBrk="1" fontAlgn="base" latinLnBrk="0" hangingPunct="1">
@@ -4922,32 +4928,6 @@
           <a:p>
             <a:endParaRPr lang="en-US" dirty="0" smtClean="0"/>
           </a:p>
-          <a:p>
-            <a:r>
-              <a:rPr lang="en-US" dirty="0" err="1" smtClean="0"/>
-              <a:t>tbd</a:t>
-            </a:r>
-            <a:r>
-              <a:rPr lang="en-US" dirty="0" smtClean="0"/>
-              <a:t> - show </a:t>
-            </a:r>
-            <a:r>
-              <a:rPr lang="en-US" dirty="0" err="1" smtClean="0"/>
-              <a:t>linux</a:t>
-            </a:r>
-            <a:r>
-              <a:rPr lang="en-US" dirty="0" smtClean="0"/>
-              <a:t> </a:t>
-            </a:r>
-            <a:r>
-              <a:rPr lang="en-US" smtClean="0"/>
-              <a:t>and windows node here.</a:t>
-            </a:r>
-            <a:endParaRPr lang="en-US" dirty="0" smtClean="0"/>
-          </a:p>
-          <a:p>
-            <a:endParaRPr lang="en-US" dirty="0" smtClean="0"/>
-          </a:p>
         </p:txBody>
       </p:sp>
       <p:sp>
@@ -5616,8 +5596,82 @@
           <a:p>
             <a:r>
               <a:rPr lang="en-US" dirty="0" smtClean="0"/>
-              <a:t>TBD: now do lab for windows too.</a:t>
-            </a:r>
+              <a:t>Instructor Note:</a:t>
+            </a:r>
+            <a:r>
+              <a:rPr lang="en-US" baseline="0" dirty="0" smtClean="0"/>
+              <a:t> The AMIs for this class have </a:t>
+            </a:r>
+            <a:r>
+              <a:rPr lang="en-US" dirty="0" smtClean="0"/>
+              <a:t>InSpec v0.9.2.</a:t>
+            </a:r>
+            <a:r>
+              <a:rPr lang="en-US" baseline="0" dirty="0" smtClean="0"/>
+              <a:t> We did not want to use the latest version of InSpec in this course since </a:t>
+            </a:r>
+            <a:r>
+              <a:rPr lang="en-US" sz="1200" b="0" i="0" kern="1200" dirty="0" smtClean="0">
+                <a:solidFill>
+                  <a:schemeClr val="tx1"/>
+                </a:solidFill>
+                <a:effectLst/>
+                <a:latin typeface="Arial" panose="020B0604020202020204" pitchFamily="34" charset="0"/>
+                <a:ea typeface="ＭＳ Ｐゴシック" charset="0"/>
+                <a:cs typeface="Arial" panose="020B0604020202020204" pitchFamily="34" charset="0"/>
+              </a:rPr>
+              <a:t>upgrading a part of </a:t>
+            </a:r>
+            <a:r>
+              <a:rPr lang="en-US" sz="1200" b="0" i="0" kern="1200" dirty="0" err="1" smtClean="0">
+                <a:solidFill>
+                  <a:schemeClr val="tx1"/>
+                </a:solidFill>
+                <a:effectLst/>
+                <a:latin typeface="Arial" panose="020B0604020202020204" pitchFamily="34" charset="0"/>
+                <a:ea typeface="ＭＳ Ｐゴシック" charset="0"/>
+                <a:cs typeface="Arial" panose="020B0604020202020204" pitchFamily="34" charset="0"/>
+              </a:rPr>
+              <a:t>ChefDk</a:t>
+            </a:r>
+            <a:r>
+              <a:rPr lang="en-US" sz="1200" b="0" i="0" kern="1200" dirty="0" smtClean="0">
+                <a:solidFill>
+                  <a:schemeClr val="tx1"/>
+                </a:solidFill>
+                <a:effectLst/>
+                <a:latin typeface="Arial" panose="020B0604020202020204" pitchFamily="34" charset="0"/>
+                <a:ea typeface="ＭＳ Ｐゴシック" charset="0"/>
+                <a:cs typeface="Arial" panose="020B0604020202020204" pitchFamily="34" charset="0"/>
+              </a:rPr>
+              <a:t> would not be</a:t>
+            </a:r>
+            <a:r>
+              <a:rPr lang="en-US" sz="1200" b="0" i="0" kern="1200" baseline="0" dirty="0" smtClean="0">
+                <a:solidFill>
+                  <a:schemeClr val="tx1"/>
+                </a:solidFill>
+                <a:effectLst/>
+                <a:latin typeface="Arial" panose="020B0604020202020204" pitchFamily="34" charset="0"/>
+                <a:ea typeface="ＭＳ Ｐゴシック" charset="0"/>
+                <a:cs typeface="Arial" panose="020B0604020202020204" pitchFamily="34" charset="0"/>
+              </a:rPr>
+              <a:t> an awesome message to tell. Here is a link to where the image on the right was derived: https://github.com/chef/inspec/blob/1f325b1cfd02391fab14a996693a034da37aadd8/docs/profiles.rst</a:t>
+            </a:r>
+          </a:p>
+          <a:p>
+            <a:endParaRPr lang="en-US" sz="1200" b="0" i="0" kern="1200" baseline="0" dirty="0" smtClean="0">
+              <a:solidFill>
+                <a:schemeClr val="tx1"/>
+              </a:solidFill>
+              <a:effectLst/>
+              <a:latin typeface="Arial" panose="020B0604020202020204" pitchFamily="34" charset="0"/>
+              <a:ea typeface="ＭＳ Ｐゴシック" charset="0"/>
+              <a:cs typeface="Arial" panose="020B0604020202020204" pitchFamily="34" charset="0"/>
+            </a:endParaRPr>
+          </a:p>
+          <a:p>
+            <a:endParaRPr lang="en-US" dirty="0" smtClean="0"/>
           </a:p>
           <a:p>
             <a:endParaRPr lang="en-US" dirty="0" smtClean="0"/>
@@ -5703,7 +5757,7 @@
     </p:spTree>
     <p:extLst>
       <p:ext uri="{BB962C8B-B14F-4D97-AF65-F5344CB8AC3E}">
-        <p14:creationId xmlns:p14="http://schemas.microsoft.com/office/powerpoint/2010/main" val="4089888830"/>
+        <p14:creationId xmlns:p14="http://schemas.microsoft.com/office/powerpoint/2010/main" val="3908413370"/>
       </p:ext>
     </p:extLst>
   </p:cSld>
@@ -5755,255 +5809,20 @@
         <p:spPr/>
         <p:txBody>
           <a:bodyPr>
-            <a:normAutofit fontScale="92500" lnSpcReduction="20000"/>
+            <a:normAutofit/>
           </a:bodyPr>
           <a:lstStyle/>
           <a:p>
             <a:r>
               <a:rPr lang="en-US" dirty="0" smtClean="0"/>
-              <a:t>https://github.com/chef/inspec/blob/7f555b902d6860ffe236ff23e4b52f20bac28adc/lib/inspec/profile.rb#L81-L129</a:t>
+              <a:t>TBD: now do lab for windows too.</a:t>
             </a:r>
           </a:p>
           <a:p>
             <a:endParaRPr lang="en-US" dirty="0" smtClean="0"/>
           </a:p>
           <a:p>
-            <a:pPr marL="0" marR="0" indent="0" algn="l" defTabSz="1217613" rtl="0" eaLnBrk="1" fontAlgn="base" latinLnBrk="0" hangingPunct="1">
-              <a:lnSpc>
-                <a:spcPct val="90000"/>
-              </a:lnSpc>
-              <a:spcBef>
-                <a:spcPct val="30000"/>
-              </a:spcBef>
-              <a:spcAft>
-                <a:spcPts val="450"/>
-              </a:spcAft>
-              <a:buClrTx/>
-              <a:buSzTx/>
-              <a:buFontTx/>
-              <a:buNone/>
-              <a:tabLst/>
-              <a:defRPr/>
-            </a:pPr>
-            <a:r>
-              <a:rPr lang="en-US" dirty="0" smtClean="0"/>
-              <a:t>So your</a:t>
-            </a:r>
-            <a:r>
-              <a:rPr lang="en-US" baseline="0" dirty="0" smtClean="0"/>
-              <a:t> cookbooks will have a </a:t>
-            </a:r>
-            <a:r>
-              <a:rPr lang="en-US" dirty="0" smtClean="0"/>
-              <a:t>metadata.rb.</a:t>
-            </a:r>
-            <a:endParaRPr lang="en-US" dirty="0"/>
-          </a:p>
-          <a:p>
-            <a:pPr marL="0" marR="0" indent="0" algn="l" defTabSz="1217613" rtl="0" eaLnBrk="1" fontAlgn="base" latinLnBrk="0" hangingPunct="1">
-              <a:lnSpc>
-                <a:spcPct val="90000"/>
-              </a:lnSpc>
-              <a:spcBef>
-                <a:spcPct val="30000"/>
-              </a:spcBef>
-              <a:spcAft>
-                <a:spcPts val="450"/>
-              </a:spcAft>
-              <a:buClrTx/>
-              <a:buSzTx/>
-              <a:buFontTx/>
-              <a:buNone/>
-              <a:tabLst/>
-              <a:defRPr/>
-            </a:pPr>
-            <a:r>
-              <a:rPr lang="en-US" dirty="0" smtClean="0"/>
-              <a:t>An</a:t>
-            </a:r>
-            <a:r>
-              <a:rPr lang="en-US" baseline="0" dirty="0" smtClean="0"/>
-              <a:t>d your </a:t>
-            </a:r>
-          </a:p>
-          <a:p>
-            <a:pPr marL="0" marR="0" indent="0" algn="l" defTabSz="1217613" rtl="0" eaLnBrk="1" fontAlgn="base" latinLnBrk="0" hangingPunct="1">
-              <a:lnSpc>
-                <a:spcPct val="90000"/>
-              </a:lnSpc>
-              <a:spcBef>
-                <a:spcPct val="30000"/>
-              </a:spcBef>
-              <a:spcAft>
-                <a:spcPts val="450"/>
-              </a:spcAft>
-              <a:buClrTx/>
-              <a:buSzTx/>
-              <a:buFontTx/>
-              <a:buNone/>
-              <a:tabLst/>
-              <a:defRPr/>
-            </a:pPr>
-            <a:endParaRPr lang="en-US" baseline="0" dirty="0" smtClean="0"/>
-          </a:p>
-          <a:p>
-            <a:r>
-              <a:rPr lang="en-US" sz="1200" b="1" i="0" kern="1200" dirty="0" smtClean="0">
-                <a:solidFill>
-                  <a:schemeClr val="tx1"/>
-                </a:solidFill>
-                <a:effectLst/>
-                <a:latin typeface="Arial" panose="020B0604020202020204" pitchFamily="34" charset="0"/>
-                <a:ea typeface="ＭＳ Ｐゴシック" charset="0"/>
-                <a:cs typeface="Arial" panose="020B0604020202020204" pitchFamily="34" charset="0"/>
-              </a:rPr>
-              <a:t>Adding profiles</a:t>
-            </a:r>
-          </a:p>
-          <a:p>
-            <a:r>
-              <a:rPr lang="en-US" sz="1200" b="0" i="0" kern="1200" dirty="0" smtClean="0">
-                <a:solidFill>
-                  <a:schemeClr val="tx1"/>
-                </a:solidFill>
-                <a:effectLst/>
-                <a:latin typeface="Arial" panose="020B0604020202020204" pitchFamily="34" charset="0"/>
-                <a:ea typeface="ＭＳ Ｐゴシック" charset="0"/>
-                <a:cs typeface="Arial" panose="020B0604020202020204" pitchFamily="34" charset="0"/>
-              </a:rPr>
-              <a:t>Compliance profiles must be packaged in to a .tar.gz or .zip file to be uploaded to the Compliance Server. </a:t>
-            </a:r>
-          </a:p>
-          <a:p>
-            <a:r>
-              <a:rPr lang="en-US" sz="1200" b="0" i="0" kern="1200" dirty="0" smtClean="0">
-                <a:solidFill>
-                  <a:schemeClr val="tx1"/>
-                </a:solidFill>
-                <a:effectLst/>
-                <a:latin typeface="Arial" panose="020B0604020202020204" pitchFamily="34" charset="0"/>
-                <a:ea typeface="ＭＳ Ｐゴシック" charset="0"/>
-                <a:cs typeface="Arial" panose="020B0604020202020204" pitchFamily="34" charset="0"/>
-              </a:rPr>
-              <a:t>The directory structure is as follows (note, this is subject to change.  TODO: link to official docs when </a:t>
-            </a:r>
-            <a:r>
-              <a:rPr lang="en-US" sz="1200" b="0" i="0" kern="1200" dirty="0" err="1" smtClean="0">
-                <a:solidFill>
-                  <a:schemeClr val="tx1"/>
-                </a:solidFill>
-                <a:effectLst/>
-                <a:latin typeface="Arial" panose="020B0604020202020204" pitchFamily="34" charset="0"/>
-                <a:ea typeface="ＭＳ Ｐゴシック" charset="0"/>
-                <a:cs typeface="Arial" panose="020B0604020202020204" pitchFamily="34" charset="0"/>
-              </a:rPr>
-              <a:t>avaialble</a:t>
-            </a:r>
-            <a:r>
-              <a:rPr lang="en-US" sz="1200" b="0" i="0" kern="1200" dirty="0" smtClean="0">
-                <a:solidFill>
-                  <a:schemeClr val="tx1"/>
-                </a:solidFill>
-                <a:effectLst/>
-                <a:latin typeface="Arial" panose="020B0604020202020204" pitchFamily="34" charset="0"/>
-                <a:ea typeface="ＭＳ Ｐゴシック" charset="0"/>
-                <a:cs typeface="Arial" panose="020B0604020202020204" pitchFamily="34" charset="0"/>
-              </a:rPr>
-              <a:t>):</a:t>
-            </a:r>
-          </a:p>
-          <a:p>
-            <a:r>
-              <a:rPr lang="en-US" sz="1200" b="0" i="0" kern="1200" dirty="0" smtClean="0">
-                <a:solidFill>
-                  <a:schemeClr val="tx1"/>
-                </a:solidFill>
-                <a:effectLst/>
-                <a:latin typeface="Arial" panose="020B0604020202020204" pitchFamily="34" charset="0"/>
-                <a:ea typeface="ＭＳ Ｐゴシック" charset="0"/>
-                <a:cs typeface="Arial" panose="020B0604020202020204" pitchFamily="34" charset="0"/>
-              </a:rPr>
-              <a:t>xyz.zip:</a:t>
-            </a:r>
-          </a:p>
-          <a:p>
-            <a:r>
-              <a:rPr lang="en-US" dirty="0" smtClean="0"/>
-              <a:t>.</a:t>
-            </a:r>
-            <a:br>
-              <a:rPr lang="en-US" dirty="0" smtClean="0"/>
-            </a:br>
-            <a:r>
-              <a:rPr lang="en-US" dirty="0" smtClean="0"/>
-              <a:t>├── README.md</a:t>
-            </a:r>
-            <a:br>
-              <a:rPr lang="en-US" dirty="0" smtClean="0"/>
-            </a:br>
-            <a:r>
-              <a:rPr lang="en-US" dirty="0" smtClean="0"/>
-              <a:t>├── metadata.rb</a:t>
-            </a:r>
-            <a:br>
-              <a:rPr lang="en-US" dirty="0" smtClean="0"/>
-            </a:br>
-            <a:r>
-              <a:rPr lang="en-US" dirty="0" smtClean="0"/>
-              <a:t>└── test</a:t>
-            </a:r>
-            <a:br>
-              <a:rPr lang="en-US" dirty="0" smtClean="0"/>
-            </a:br>
-            <a:r>
-              <a:rPr lang="en-US" dirty="0" smtClean="0"/>
-              <a:t>  ├── </a:t>
-            </a:r>
-            <a:r>
-              <a:rPr lang="en-US" dirty="0" err="1" smtClean="0"/>
-              <a:t>foo_spec.rb</a:t>
-            </a:r>
-            <a:r>
-              <a:rPr lang="en-US" dirty="0" smtClean="0"/>
-              <a:t/>
-            </a:r>
-            <a:br>
-              <a:rPr lang="en-US" dirty="0" smtClean="0"/>
-            </a:br>
-            <a:r>
-              <a:rPr lang="en-US" dirty="0" smtClean="0"/>
-              <a:t>  └── </a:t>
-            </a:r>
-            <a:r>
-              <a:rPr lang="en-US" dirty="0" err="1" smtClean="0"/>
-              <a:t>bar_spec.rb</a:t>
-            </a:r>
             <a:endParaRPr lang="en-US" dirty="0" smtClean="0"/>
-          </a:p>
-          <a:p>
-            <a:endParaRPr lang="en-US" dirty="0" smtClean="0"/>
-          </a:p>
-          <a:p>
-            <a:r>
-              <a:rPr lang="en-US" dirty="0" smtClean="0"/>
-              <a:t>As you write controls, </a:t>
-            </a:r>
-            <a:r>
-              <a:rPr lang="en-US" dirty="0" err="1" smtClean="0"/>
-              <a:t>InSpec</a:t>
-            </a:r>
-            <a:r>
-              <a:rPr lang="en-US" dirty="0" smtClean="0"/>
-              <a:t> requires a `test` directory since it </a:t>
-            </a:r>
-            <a:r>
-              <a:rPr lang="en-US" dirty="0" err="1" smtClean="0"/>
-              <a:t>InSpec</a:t>
-            </a:r>
-            <a:r>
-              <a:rPr lang="en-US" dirty="0" smtClean="0"/>
-              <a:t> expect this structure.</a:t>
-            </a:r>
           </a:p>
         </p:txBody>
       </p:sp>
@@ -6030,7 +5849,7 @@
               <a:pPr>
                 <a:defRPr/>
               </a:pPr>
-              <a:t>31</a:t>
+              <a:t>30</a:t>
             </a:fld>
             <a:endParaRPr lang="en-US" dirty="0"/>
           </a:p>
@@ -6083,7 +5902,7 @@
     </p:spTree>
     <p:extLst>
       <p:ext uri="{BB962C8B-B14F-4D97-AF65-F5344CB8AC3E}">
-        <p14:creationId xmlns:p14="http://schemas.microsoft.com/office/powerpoint/2010/main" val="4234763763"/>
+        <p14:creationId xmlns:p14="http://schemas.microsoft.com/office/powerpoint/2010/main" val="4089888830"/>
       </p:ext>
     </p:extLst>
   </p:cSld>
@@ -6135,9 +5954,18 @@
         <p:spPr/>
         <p:txBody>
           <a:bodyPr>
-            <a:normAutofit fontScale="70000" lnSpcReduction="20000"/>
+            <a:normAutofit fontScale="92500" lnSpcReduction="20000"/>
           </a:bodyPr>
           <a:lstStyle/>
+          <a:p>
+            <a:r>
+              <a:rPr lang="en-US" dirty="0" smtClean="0"/>
+              <a:t>https://github.com/chef/inspec/blob/7f555b902d6860ffe236ff23e4b52f20bac28adc/lib/inspec/profile.rb#L81-L129</a:t>
+            </a:r>
+          </a:p>
+          <a:p>
+            <a:endParaRPr lang="en-US" dirty="0" smtClean="0"/>
+          </a:p>
           <a:p>
             <a:pPr marL="0" marR="0" indent="0" algn="l" defTabSz="1217613" rtl="0" eaLnBrk="1" fontAlgn="base" latinLnBrk="0" hangingPunct="1">
               <a:lnSpc>
@@ -6158,99 +5986,17 @@
             </a:pPr>
             <a:r>
               <a:rPr lang="en-US" dirty="0" smtClean="0"/>
-              <a:t>The answer is, as you write controls, </a:t>
-            </a:r>
-            <a:r>
-              <a:rPr lang="en-US" dirty="0" err="1" smtClean="0"/>
-              <a:t>InSpec</a:t>
-            </a:r>
-            <a:r>
-              <a:rPr lang="en-US" dirty="0" smtClean="0"/>
-              <a:t> expects a `test` directory at the same</a:t>
+              <a:t>So your</a:t>
             </a:r>
             <a:r>
               <a:rPr lang="en-US" baseline="0" dirty="0" smtClean="0"/>
-              <a:t> </a:t>
-            </a:r>
-            <a:r>
-              <a:rPr lang="en-US" dirty="0" smtClean="0"/>
-              <a:t>level as the metadata.rb.</a:t>
-            </a:r>
-          </a:p>
-          <a:p>
-            <a:r>
-              <a:rPr lang="en-US" dirty="0" smtClean="0"/>
-              <a:t/>
-            </a:r>
-            <a:br>
-              <a:rPr lang="en-US" dirty="0" smtClean="0"/>
-            </a:br>
-            <a:r>
-              <a:rPr lang="en-US" dirty="0" smtClean="0"/>
-              <a:t>├── README.md</a:t>
-            </a:r>
-            <a:br>
-              <a:rPr lang="en-US" dirty="0" smtClean="0"/>
-            </a:br>
-            <a:r>
-              <a:rPr lang="en-US" dirty="0" smtClean="0"/>
-              <a:t>├── metadata.rb</a:t>
-            </a:r>
-            <a:br>
-              <a:rPr lang="en-US" dirty="0" smtClean="0"/>
-            </a:br>
-            <a:r>
-              <a:rPr lang="en-US" dirty="0" smtClean="0"/>
-              <a:t>└── test</a:t>
-            </a:r>
-            <a:br>
-              <a:rPr lang="en-US" dirty="0" smtClean="0"/>
-            </a:br>
-            <a:r>
-              <a:rPr lang="en-US" dirty="0" smtClean="0"/>
-              <a:t>  ├── </a:t>
-            </a:r>
-            <a:r>
-              <a:rPr lang="en-US" dirty="0" err="1" smtClean="0"/>
-              <a:t>foo_spec.rb</a:t>
-            </a:r>
-            <a:r>
-              <a:rPr lang="en-US" dirty="0" smtClean="0"/>
-              <a:t/>
-            </a:r>
-            <a:br>
-              <a:rPr lang="en-US" dirty="0" smtClean="0"/>
-            </a:br>
-            <a:r>
-              <a:rPr lang="en-US" dirty="0" smtClean="0"/>
-              <a:t>  └── </a:t>
-            </a:r>
-            <a:r>
-              <a:rPr lang="en-US" dirty="0" err="1" smtClean="0"/>
-              <a:t>bar_spec.rb</a:t>
-            </a:r>
-            <a:endParaRPr lang="en-US" dirty="0" smtClean="0"/>
-          </a:p>
-          <a:p>
-            <a:endParaRPr lang="en-US" dirty="0" smtClean="0"/>
-          </a:p>
-          <a:p>
-            <a:endParaRPr lang="en-US" dirty="0" smtClean="0"/>
-          </a:p>
-          <a:p>
-            <a:endParaRPr lang="en-US" dirty="0" smtClean="0"/>
-          </a:p>
-          <a:p>
-            <a:endParaRPr lang="en-US" dirty="0" smtClean="0"/>
-          </a:p>
-          <a:p>
-            <a:r>
-              <a:rPr lang="en-US" dirty="0" smtClean="0"/>
-              <a:t>https://github.com/chef/inspec/blob/7f555b902d6860ffe236ff23e4b52f20bac28adc/lib/inspec/profile.rb#L81-L129</a:t>
-            </a:r>
-          </a:p>
-          <a:p>
-            <a:endParaRPr lang="en-US" dirty="0" smtClean="0"/>
+              <a:t> cookbooks will have a </a:t>
+            </a:r>
+            <a:r>
+              <a:rPr lang="en-US" dirty="0" smtClean="0"/>
+              <a:t>metadata.rb.</a:t>
+            </a:r>
+            <a:endParaRPr lang="en-US" dirty="0"/>
           </a:p>
           <a:p>
             <a:pPr marL="0" marR="0" indent="0" algn="l" defTabSz="1217613" rtl="0" eaLnBrk="1" fontAlgn="base" latinLnBrk="0" hangingPunct="1">
@@ -6270,6 +6016,33 @@
               <a:tabLst/>
               <a:defRPr/>
             </a:pPr>
+            <a:r>
+              <a:rPr lang="en-US" dirty="0" smtClean="0"/>
+              <a:t>An</a:t>
+            </a:r>
+            <a:r>
+              <a:rPr lang="en-US" baseline="0" dirty="0" smtClean="0"/>
+              <a:t>d your </a:t>
+            </a:r>
+          </a:p>
+          <a:p>
+            <a:pPr marL="0" marR="0" indent="0" algn="l" defTabSz="1217613" rtl="0" eaLnBrk="1" fontAlgn="base" latinLnBrk="0" hangingPunct="1">
+              <a:lnSpc>
+                <a:spcPct val="90000"/>
+              </a:lnSpc>
+              <a:spcBef>
+                <a:spcPct val="30000"/>
+              </a:spcBef>
+              <a:spcAft>
+                <a:spcPts val="450"/>
+              </a:spcAft>
+              <a:buClrTx/>
+              <a:buSzTx/>
+              <a:buFontTx/>
+              <a:buNone/>
+              <a:tabLst/>
+              <a:defRPr/>
+            </a:pPr>
             <a:endParaRPr lang="en-US" baseline="0" dirty="0" smtClean="0"/>
           </a:p>
           <a:p>
@@ -6323,7 +6096,7 @@
                 <a:ea typeface="ＭＳ Ｐゴシック" charset="0"/>
                 <a:cs typeface="Arial" panose="020B0604020202020204" pitchFamily="34" charset="0"/>
               </a:rPr>
-              <a:t>availalble</a:t>
+              <a:t>avaialble</a:t>
             </a:r>
             <a:r>
               <a:rPr lang="en-US" sz="1200" b="0" i="0" kern="1200" dirty="0" smtClean="0">
@@ -6509,7 +6282,7 @@
     </p:spTree>
     <p:extLst>
       <p:ext uri="{BB962C8B-B14F-4D97-AF65-F5344CB8AC3E}">
-        <p14:creationId xmlns:p14="http://schemas.microsoft.com/office/powerpoint/2010/main" val="214120394"/>
+        <p14:creationId xmlns:p14="http://schemas.microsoft.com/office/powerpoint/2010/main" val="4234763763"/>
       </p:ext>
     </p:extLst>
   </p:cSld>
@@ -6746,6 +6519,432 @@
 </p:notes>
 </file>
 
+<file path=ppt/notesSlides/notesSlide30.xml><?xml version="1.0" encoding="utf-8"?>
+<p:notes xmlns:a="http://schemas.openxmlformats.org/drawingml/2006/main" xmlns:r="http://schemas.openxmlformats.org/officeDocument/2006/relationships" xmlns:p="http://schemas.openxmlformats.org/presentationml/2006/main">
+  <p:cSld>
+    <p:spTree>
+      <p:nvGrpSpPr>
+        <p:cNvPr id="1" name=""/>
+        <p:cNvGrpSpPr/>
+        <p:nvPr/>
+      </p:nvGrpSpPr>
+      <p:grpSpPr>
+        <a:xfrm>
+          <a:off x="0" y="0"/>
+          <a:ext cx="0" cy="0"/>
+          <a:chOff x="0" y="0"/>
+          <a:chExt cx="0" cy="0"/>
+        </a:xfrm>
+      </p:grpSpPr>
+      <p:sp>
+        <p:nvSpPr>
+          <p:cNvPr id="2" name="Slide Image Placeholder 1"/>
+          <p:cNvSpPr>
+            <a:spLocks noGrp="1" noRot="1" noChangeAspect="1"/>
+          </p:cNvSpPr>
+          <p:nvPr>
+            <p:ph type="sldImg"/>
+          </p:nvPr>
+        </p:nvSpPr>
+        <p:spPr/>
+      </p:sp>
+      <p:sp>
+        <p:nvSpPr>
+          <p:cNvPr id="3" name="Notes Placeholder 2"/>
+          <p:cNvSpPr>
+            <a:spLocks noGrp="1"/>
+          </p:cNvSpPr>
+          <p:nvPr>
+            <p:ph type="body" idx="1"/>
+          </p:nvPr>
+        </p:nvSpPr>
+        <p:spPr/>
+        <p:txBody>
+          <a:bodyPr>
+            <a:normAutofit fontScale="70000" lnSpcReduction="20000"/>
+          </a:bodyPr>
+          <a:lstStyle/>
+          <a:p>
+            <a:pPr marL="0" marR="0" indent="0" algn="l" defTabSz="1217613" rtl="0" eaLnBrk="1" fontAlgn="base" latinLnBrk="0" hangingPunct="1">
+              <a:lnSpc>
+                <a:spcPct val="90000"/>
+              </a:lnSpc>
+              <a:spcBef>
+                <a:spcPct val="30000"/>
+              </a:spcBef>
+              <a:spcAft>
+                <a:spcPts val="450"/>
+              </a:spcAft>
+              <a:buClrTx/>
+              <a:buSzTx/>
+              <a:buFontTx/>
+              <a:buNone/>
+              <a:tabLst/>
+              <a:defRPr/>
+            </a:pPr>
+            <a:r>
+              <a:rPr lang="en-US" dirty="0" smtClean="0"/>
+              <a:t>The answer is, as you write controls, </a:t>
+            </a:r>
+            <a:r>
+              <a:rPr lang="en-US" dirty="0" err="1" smtClean="0"/>
+              <a:t>InSpec</a:t>
+            </a:r>
+            <a:r>
+              <a:rPr lang="en-US" dirty="0" smtClean="0"/>
+              <a:t> expects a `test` directory at the same</a:t>
+            </a:r>
+            <a:r>
+              <a:rPr lang="en-US" baseline="0" dirty="0" smtClean="0"/>
+              <a:t> </a:t>
+            </a:r>
+            <a:r>
+              <a:rPr lang="en-US" dirty="0" smtClean="0"/>
+              <a:t>level as the metadata.rb.</a:t>
+            </a:r>
+          </a:p>
+          <a:p>
+            <a:r>
+              <a:rPr lang="en-US" dirty="0" smtClean="0"/>
+              <a:t/>
+            </a:r>
+            <a:br>
+              <a:rPr lang="en-US" dirty="0" smtClean="0"/>
+            </a:br>
+            <a:r>
+              <a:rPr lang="en-US" dirty="0" smtClean="0"/>
+              <a:t>├── README.md</a:t>
+            </a:r>
+            <a:br>
+              <a:rPr lang="en-US" dirty="0" smtClean="0"/>
+            </a:br>
+            <a:r>
+              <a:rPr lang="en-US" dirty="0" smtClean="0"/>
+              <a:t>├── metadata.rb</a:t>
+            </a:r>
+            <a:br>
+              <a:rPr lang="en-US" dirty="0" smtClean="0"/>
+            </a:br>
+            <a:r>
+              <a:rPr lang="en-US" dirty="0" smtClean="0"/>
+              <a:t>└── test</a:t>
+            </a:r>
+            <a:br>
+              <a:rPr lang="en-US" dirty="0" smtClean="0"/>
+            </a:br>
+            <a:r>
+              <a:rPr lang="en-US" dirty="0" smtClean="0"/>
+              <a:t>  ├── </a:t>
+            </a:r>
+            <a:r>
+              <a:rPr lang="en-US" dirty="0" err="1" smtClean="0"/>
+              <a:t>foo_spec.rb</a:t>
+            </a:r>
+            <a:r>
+              <a:rPr lang="en-US" dirty="0" smtClean="0"/>
+              <a:t/>
+            </a:r>
+            <a:br>
+              <a:rPr lang="en-US" dirty="0" smtClean="0"/>
+            </a:br>
+            <a:r>
+              <a:rPr lang="en-US" dirty="0" smtClean="0"/>
+              <a:t>  └── </a:t>
+            </a:r>
+            <a:r>
+              <a:rPr lang="en-US" dirty="0" err="1" smtClean="0"/>
+              <a:t>bar_spec.rb</a:t>
+            </a:r>
+            <a:endParaRPr lang="en-US" dirty="0" smtClean="0"/>
+          </a:p>
+          <a:p>
+            <a:endParaRPr lang="en-US" dirty="0" smtClean="0"/>
+          </a:p>
+          <a:p>
+            <a:endParaRPr lang="en-US" dirty="0" smtClean="0"/>
+          </a:p>
+          <a:p>
+            <a:endParaRPr lang="en-US" dirty="0" smtClean="0"/>
+          </a:p>
+          <a:p>
+            <a:endParaRPr lang="en-US" dirty="0" smtClean="0"/>
+          </a:p>
+          <a:p>
+            <a:r>
+              <a:rPr lang="en-US" dirty="0" smtClean="0"/>
+              <a:t>https://github.com/chef/inspec/blob/7f555b902d6860ffe236ff23e4b52f20bac28adc/lib/inspec/profile.rb#L81-L129</a:t>
+            </a:r>
+          </a:p>
+          <a:p>
+            <a:endParaRPr lang="en-US" dirty="0" smtClean="0"/>
+          </a:p>
+          <a:p>
+            <a:pPr marL="0" marR="0" indent="0" algn="l" defTabSz="1217613" rtl="0" eaLnBrk="1" fontAlgn="base" latinLnBrk="0" hangingPunct="1">
+              <a:lnSpc>
+                <a:spcPct val="90000"/>
+              </a:lnSpc>
+              <a:spcBef>
+                <a:spcPct val="30000"/>
+              </a:spcBef>
+              <a:spcAft>
+                <a:spcPts val="450"/>
+              </a:spcAft>
+              <a:buClrTx/>
+              <a:buSzTx/>
+              <a:buFontTx/>
+              <a:buNone/>
+              <a:tabLst/>
+              <a:defRPr/>
+            </a:pPr>
+            <a:endParaRPr lang="en-US" baseline="0" dirty="0" smtClean="0"/>
+          </a:p>
+          <a:p>
+            <a:r>
+              <a:rPr lang="en-US" sz="1200" b="1" i="0" kern="1200" dirty="0" smtClean="0">
+                <a:solidFill>
+                  <a:schemeClr val="tx1"/>
+                </a:solidFill>
+                <a:effectLst/>
+                <a:latin typeface="Arial" panose="020B0604020202020204" pitchFamily="34" charset="0"/>
+                <a:ea typeface="ＭＳ Ｐゴシック" charset="0"/>
+                <a:cs typeface="Arial" panose="020B0604020202020204" pitchFamily="34" charset="0"/>
+              </a:rPr>
+              <a:t>Adding profiles</a:t>
+            </a:r>
+          </a:p>
+          <a:p>
+            <a:r>
+              <a:rPr lang="en-US" sz="1200" b="0" i="0" kern="1200" dirty="0" smtClean="0">
+                <a:solidFill>
+                  <a:schemeClr val="tx1"/>
+                </a:solidFill>
+                <a:effectLst/>
+                <a:latin typeface="Arial" panose="020B0604020202020204" pitchFamily="34" charset="0"/>
+                <a:ea typeface="ＭＳ Ｐゴシック" charset="0"/>
+                <a:cs typeface="Arial" panose="020B0604020202020204" pitchFamily="34" charset="0"/>
+              </a:rPr>
+              <a:t>Compliance profiles must be packaged in to a .tar.gz or .zip file to be uploaded to the Compliance Server. </a:t>
+            </a:r>
+          </a:p>
+          <a:p>
+            <a:r>
+              <a:rPr lang="en-US" sz="1200" b="0" i="0" kern="1200" dirty="0" smtClean="0">
+                <a:solidFill>
+                  <a:schemeClr val="tx1"/>
+                </a:solidFill>
+                <a:effectLst/>
+                <a:latin typeface="Arial" panose="020B0604020202020204" pitchFamily="34" charset="0"/>
+                <a:ea typeface="ＭＳ Ｐゴシック" charset="0"/>
+                <a:cs typeface="Arial" panose="020B0604020202020204" pitchFamily="34" charset="0"/>
+              </a:rPr>
+              <a:t>The directory structure is as follows (note, this is subject to change.  TODO: link to official docs when </a:t>
+            </a:r>
+            <a:r>
+              <a:rPr lang="en-US" sz="1200" b="0" i="0" kern="1200" dirty="0" err="1" smtClean="0">
+                <a:solidFill>
+                  <a:schemeClr val="tx1"/>
+                </a:solidFill>
+                <a:effectLst/>
+                <a:latin typeface="Arial" panose="020B0604020202020204" pitchFamily="34" charset="0"/>
+                <a:ea typeface="ＭＳ Ｐゴシック" charset="0"/>
+                <a:cs typeface="Arial" panose="020B0604020202020204" pitchFamily="34" charset="0"/>
+              </a:rPr>
+              <a:t>availalble</a:t>
+            </a:r>
+            <a:r>
+              <a:rPr lang="en-US" sz="1200" b="0" i="0" kern="1200" dirty="0" smtClean="0">
+                <a:solidFill>
+                  <a:schemeClr val="tx1"/>
+                </a:solidFill>
+                <a:effectLst/>
+                <a:latin typeface="Arial" panose="020B0604020202020204" pitchFamily="34" charset="0"/>
+                <a:ea typeface="ＭＳ Ｐゴシック" charset="0"/>
+                <a:cs typeface="Arial" panose="020B0604020202020204" pitchFamily="34" charset="0"/>
+              </a:rPr>
+              <a:t>):</a:t>
+            </a:r>
+          </a:p>
+          <a:p>
+            <a:r>
+              <a:rPr lang="en-US" sz="1200" b="0" i="0" kern="1200" dirty="0" smtClean="0">
+                <a:solidFill>
+                  <a:schemeClr val="tx1"/>
+                </a:solidFill>
+                <a:effectLst/>
+                <a:latin typeface="Arial" panose="020B0604020202020204" pitchFamily="34" charset="0"/>
+                <a:ea typeface="ＭＳ Ｐゴシック" charset="0"/>
+                <a:cs typeface="Arial" panose="020B0604020202020204" pitchFamily="34" charset="0"/>
+              </a:rPr>
+              <a:t>xyz.zip:</a:t>
+            </a:r>
+          </a:p>
+          <a:p>
+            <a:r>
+              <a:rPr lang="en-US" dirty="0" smtClean="0"/>
+              <a:t>.</a:t>
+            </a:r>
+            <a:br>
+              <a:rPr lang="en-US" dirty="0" smtClean="0"/>
+            </a:br>
+            <a:r>
+              <a:rPr lang="en-US" dirty="0" smtClean="0"/>
+              <a:t>├── README.md</a:t>
+            </a:r>
+            <a:br>
+              <a:rPr lang="en-US" dirty="0" smtClean="0"/>
+            </a:br>
+            <a:r>
+              <a:rPr lang="en-US" dirty="0" smtClean="0"/>
+              <a:t>├── metadata.rb</a:t>
+            </a:r>
+            <a:br>
+              <a:rPr lang="en-US" dirty="0" smtClean="0"/>
+            </a:br>
+            <a:r>
+              <a:rPr lang="en-US" dirty="0" smtClean="0"/>
+              <a:t>└── test</a:t>
+            </a:r>
+            <a:br>
+              <a:rPr lang="en-US" dirty="0" smtClean="0"/>
+            </a:br>
+            <a:r>
+              <a:rPr lang="en-US" dirty="0" smtClean="0"/>
+              <a:t>  ├── </a:t>
+            </a:r>
+            <a:r>
+              <a:rPr lang="en-US" dirty="0" err="1" smtClean="0"/>
+              <a:t>foo_spec.rb</a:t>
+            </a:r>
+            <a:r>
+              <a:rPr lang="en-US" dirty="0" smtClean="0"/>
+              <a:t/>
+            </a:r>
+            <a:br>
+              <a:rPr lang="en-US" dirty="0" smtClean="0"/>
+            </a:br>
+            <a:r>
+              <a:rPr lang="en-US" dirty="0" smtClean="0"/>
+              <a:t>  └── </a:t>
+            </a:r>
+            <a:r>
+              <a:rPr lang="en-US" dirty="0" err="1" smtClean="0"/>
+              <a:t>bar_spec.rb</a:t>
+            </a:r>
+            <a:endParaRPr lang="en-US" dirty="0" smtClean="0"/>
+          </a:p>
+          <a:p>
+            <a:endParaRPr lang="en-US" dirty="0" smtClean="0"/>
+          </a:p>
+          <a:p>
+            <a:r>
+              <a:rPr lang="en-US" dirty="0" smtClean="0"/>
+              <a:t>As you write controls, </a:t>
+            </a:r>
+            <a:r>
+              <a:rPr lang="en-US" dirty="0" err="1" smtClean="0"/>
+              <a:t>InSpec</a:t>
+            </a:r>
+            <a:r>
+              <a:rPr lang="en-US" dirty="0" smtClean="0"/>
+              <a:t> requires a `test` directory since it </a:t>
+            </a:r>
+            <a:r>
+              <a:rPr lang="en-US" dirty="0" err="1" smtClean="0"/>
+              <a:t>InSpec</a:t>
+            </a:r>
+            <a:r>
+              <a:rPr lang="en-US" dirty="0" smtClean="0"/>
+              <a:t> expect this structure.</a:t>
+            </a:r>
+          </a:p>
+        </p:txBody>
+      </p:sp>
+      <p:sp>
+        <p:nvSpPr>
+          <p:cNvPr id="4" name="Slide Number Placeholder 3"/>
+          <p:cNvSpPr>
+            <a:spLocks noGrp="1"/>
+          </p:cNvSpPr>
+          <p:nvPr>
+            <p:ph type="sldNum" sz="quarter" idx="10"/>
+          </p:nvPr>
+        </p:nvSpPr>
+        <p:spPr/>
+        <p:txBody>
+          <a:bodyPr/>
+          <a:lstStyle/>
+          <a:p>
+            <a:pPr>
+              <a:defRPr/>
+            </a:pPr>
+            <a:fld id="{DC3734AA-3150-D947-AC52-2F5DF48BFCD5}" type="slidenum">
+              <a:rPr lang="en-US" smtClean="0"/>
+              <a:pPr>
+                <a:defRPr/>
+              </a:pPr>
+              <a:t>33</a:t>
+            </a:fld>
+            <a:endParaRPr lang="en-US" dirty="0"/>
+          </a:p>
+        </p:txBody>
+      </p:sp>
+      <p:sp>
+        <p:nvSpPr>
+          <p:cNvPr id="5" name="Header Placeholder 4"/>
+          <p:cNvSpPr>
+            <a:spLocks noGrp="1"/>
+          </p:cNvSpPr>
+          <p:nvPr>
+            <p:ph type="hdr" sz="quarter" idx="11"/>
+          </p:nvPr>
+        </p:nvSpPr>
+        <p:spPr/>
+        <p:txBody>
+          <a:bodyPr/>
+          <a:lstStyle/>
+          <a:p>
+            <a:pPr>
+              <a:defRPr/>
+            </a:pPr>
+            <a:endParaRPr lang="en-US"/>
+          </a:p>
+        </p:txBody>
+      </p:sp>
+      <p:sp>
+        <p:nvSpPr>
+          <p:cNvPr id="6" name="Footer Placeholder 5"/>
+          <p:cNvSpPr>
+            <a:spLocks noGrp="1"/>
+          </p:cNvSpPr>
+          <p:nvPr>
+            <p:ph type="ftr" sz="quarter" idx="12"/>
+          </p:nvPr>
+        </p:nvSpPr>
+        <p:spPr/>
+        <p:txBody>
+          <a:bodyPr/>
+          <a:lstStyle/>
+          <a:p>
+            <a:pPr>
+              <a:defRPr/>
+            </a:pPr>
+            <a:endParaRPr lang="en-US"/>
+          </a:p>
+        </p:txBody>
+      </p:sp>
+    </p:spTree>
+    <p:extLst>
+      <p:ext uri="{BB962C8B-B14F-4D97-AF65-F5344CB8AC3E}">
+        <p14:creationId xmlns:p14="http://schemas.microsoft.com/office/powerpoint/2010/main" val="214120394"/>
+      </p:ext>
+    </p:extLst>
+  </p:cSld>
+  <p:clrMapOvr>
+    <a:masterClrMapping/>
+  </p:clrMapOvr>
+</p:notes>
+</file>
+
 <file path=ppt/notesSlides/notesSlide4.xml><?xml version="1.0" encoding="utf-8"?>
 <p:notes xmlns:a="http://schemas.openxmlformats.org/drawingml/2006/main" xmlns:r="http://schemas.openxmlformats.org/officeDocument/2006/relationships" xmlns:p="http://schemas.openxmlformats.org/presentationml/2006/main">
   <p:cSld>
@@ -6883,12 +7082,6 @@
           </a:p>
           <a:p>
             <a:endParaRPr lang="en-US" dirty="0" smtClean="0"/>
-          </a:p>
-          <a:p>
-            <a:r>
-              <a:rPr lang="en-US" dirty="0" smtClean="0"/>
-              <a:t>Reminder: In the workplace you would likely perform this task TBD</a:t>
-            </a:r>
           </a:p>
           <a:p>
             <a:pPr marL="0" marR="0" indent="0" algn="l" defTabSz="1217613" rtl="0" eaLnBrk="1" fontAlgn="base" latinLnBrk="0" hangingPunct="1">
@@ -7558,66 +7751,6 @@
               <a:rPr lang="en-US" dirty="0" smtClean="0"/>
               <a:t> to see that the metadata.rb is now there.</a:t>
             </a:r>
-          </a:p>
-          <a:p>
-            <a:pPr marL="0" marR="0" indent="0" algn="l" defTabSz="1217613" rtl="0" eaLnBrk="1" fontAlgn="base" latinLnBrk="0" hangingPunct="1">
-              <a:lnSpc>
-                <a:spcPct val="90000"/>
-              </a:lnSpc>
-              <a:spcBef>
-                <a:spcPct val="30000"/>
-              </a:spcBef>
-              <a:spcAft>
-                <a:spcPts val="450"/>
-              </a:spcAft>
-              <a:buClrTx/>
-              <a:buSzTx/>
-              <a:buFontTx/>
-              <a:buNone/>
-              <a:tabLst/>
-              <a:defRPr/>
-            </a:pPr>
-            <a:endParaRPr lang="en-US" dirty="0" smtClean="0"/>
-          </a:p>
-          <a:p>
-            <a:pPr marL="0" marR="0" indent="0" algn="l" defTabSz="1217613" rtl="0" eaLnBrk="1" fontAlgn="base" latinLnBrk="0" hangingPunct="1">
-              <a:lnSpc>
-                <a:spcPct val="90000"/>
-              </a:lnSpc>
-              <a:spcBef>
-                <a:spcPct val="30000"/>
-              </a:spcBef>
-              <a:spcAft>
-                <a:spcPts val="450"/>
-              </a:spcAft>
-              <a:buClrTx/>
-              <a:buSzTx/>
-              <a:buFontTx/>
-              <a:buNone/>
-              <a:tabLst/>
-              <a:defRPr/>
-            </a:pPr>
-            <a:r>
-              <a:rPr lang="en-US" dirty="0" err="1" smtClean="0"/>
-              <a:t>tbd</a:t>
-            </a:r>
-            <a:r>
-              <a:rPr lang="en-US" dirty="0" smtClean="0"/>
-              <a:t> specify</a:t>
-            </a:r>
-            <a:r>
-              <a:rPr lang="en-US" baseline="0" dirty="0" smtClean="0"/>
-              <a:t> </a:t>
-            </a:r>
-            <a:r>
-              <a:rPr lang="en-US" baseline="0" dirty="0" err="1" smtClean="0"/>
-              <a:t>pwd</a:t>
-            </a:r>
-            <a:r>
-              <a:rPr lang="en-US" baseline="0" dirty="0" smtClean="0"/>
-              <a:t>.</a:t>
-            </a:r>
-            <a:endParaRPr lang="en-US" dirty="0" smtClean="0"/>
           </a:p>
           <a:p>
             <a:pPr marL="0" marR="0" indent="0" algn="l" defTabSz="1217613" rtl="0" eaLnBrk="1" fontAlgn="base" latinLnBrk="0" hangingPunct="1">
@@ -17556,19 +17689,15 @@
           <a:p>
             <a:r>
               <a:rPr lang="en-US" dirty="0"/>
-              <a:t>As you write controls, </a:t>
-            </a:r>
-            <a:r>
-              <a:rPr lang="en-US" dirty="0" err="1"/>
-              <a:t>InSpec</a:t>
+              <a:t>As you write controls, InSpec </a:t>
             </a:r>
             <a:r>
               <a:rPr lang="en-US" dirty="0"/>
-              <a:t> </a:t>
-            </a:r>
-            <a:r>
-              <a:rPr lang="en-US" dirty="0" smtClean="0"/>
-              <a:t>expects a specific directory structure. In our case, we need a `test` directory to be in our profile as follows:</a:t>
+              <a:t>v0.9.2 expects </a:t>
+            </a:r>
+            <a:r>
+              <a:rPr lang="en-US" dirty="0" smtClean="0"/>
+              <a:t>a specific directory structure. In our case, we need a `test` directory to be in our profile as follows:</a:t>
             </a:r>
             <a:endParaRPr lang="en-US" dirty="0"/>
           </a:p>
@@ -17625,13 +17754,13 @@
           </a:p>
           <a:p>
             <a:endParaRPr lang="en-US" dirty="0" smtClean="0">
-              <a:hlinkClick r:id="rId3"/>
+              <a:hlinkClick r:id=""/>
             </a:endParaRPr>
           </a:p>
           <a:p>
             <a:r>
               <a:rPr lang="en-US" dirty="0" smtClean="0">
-                <a:hlinkClick r:id="rId3"/>
+                <a:hlinkClick r:id=""/>
               </a:rPr>
               <a:t>https</a:t>
             </a:r>
@@ -17678,7 +17807,7 @@
     </p:spTree>
     <p:extLst>
       <p:ext uri="{BB962C8B-B14F-4D97-AF65-F5344CB8AC3E}">
-        <p14:creationId xmlns:p14="http://schemas.microsoft.com/office/powerpoint/2010/main" val="1203532607"/>
+        <p14:creationId xmlns:p14="http://schemas.microsoft.com/office/powerpoint/2010/main" val="3775848190"/>
       </p:ext>
     </p:extLst>
   </p:cSld>
@@ -19909,14 +20038,14 @@
           <a:p>
             <a:r>
               <a:rPr lang="en-US" dirty="0" smtClean="0"/>
-              <a:t>From your Compliance Server Dashboard:</a:t>
+              <a:t>From your Compliance Server Dashboard,</a:t>
             </a:r>
             <a:br>
               <a:rPr lang="en-US" dirty="0" smtClean="0"/>
             </a:br>
             <a:r>
               <a:rPr lang="en-US" dirty="0" smtClean="0"/>
-              <a:t>Click the </a:t>
+              <a:t>click the </a:t>
             </a:r>
             <a:r>
               <a:rPr lang="en-US" b="1" dirty="0" smtClean="0"/>
@@ -20289,15 +20418,11 @@
             </a:r>
             <a:r>
               <a:rPr lang="en-US" dirty="0"/>
-              <a:t>, </a:t>
-            </a:r>
-            <a:r>
-              <a:rPr lang="en-US" b="1" dirty="0"/>
-              <a:t>select your </a:t>
+              <a:t>, select your </a:t>
             </a:r>
             <a:r>
               <a:rPr lang="en-US" b="1" dirty="0" smtClean="0"/>
-              <a:t>node</a:t>
+              <a:t>Linux node</a:t>
             </a:r>
             <a:r>
               <a:rPr lang="en-US" dirty="0" smtClean="0"/>
@@ -20340,35 +20465,74 @@
           </a:p>
         </p:txBody>
       </p:sp>
-      <p:pic>
-        <p:nvPicPr>
-          <p:cNvPr id="3" name="Picture 2"/>
-          <p:cNvPicPr>
-            <a:picLocks noChangeAspect="1"/>
-          </p:cNvPicPr>
+      <p:grpSp>
+        <p:nvGrpSpPr>
+          <p:cNvPr id="5" name="Group 4"/>
+          <p:cNvGrpSpPr/>
           <p:nvPr/>
-        </p:nvPicPr>
-        <p:blipFill>
-          <a:blip r:embed="rId3"/>
-          <a:stretch>
-            <a:fillRect/>
-          </a:stretch>
-        </p:blipFill>
-        <p:spPr>
+        </p:nvGrpSpPr>
+        <p:grpSpPr>
           <a:xfrm>
             <a:off x="2638777" y="3360420"/>
             <a:ext cx="10978446" cy="4564454"/>
+            <a:chOff x="2638777" y="3360420"/>
+            <a:chExt cx="10978446" cy="4564454"/>
           </a:xfrm>
-          <a:prstGeom prst="rect">
-            <a:avLst/>
-          </a:prstGeom>
-          <a:ln>
-            <a:solidFill>
-              <a:schemeClr val="accent1"/>
-            </a:solidFill>
-          </a:ln>
-        </p:spPr>
-      </p:pic>
+        </p:grpSpPr>
+        <p:pic>
+          <p:nvPicPr>
+            <p:cNvPr id="3" name="Picture 2"/>
+            <p:cNvPicPr>
+              <a:picLocks noChangeAspect="1"/>
+            </p:cNvPicPr>
+            <p:nvPr/>
+          </p:nvPicPr>
+          <p:blipFill>
+            <a:blip r:embed="rId3"/>
+            <a:stretch>
+              <a:fillRect/>
+            </a:stretch>
+          </p:blipFill>
+          <p:spPr>
+            <a:xfrm>
+              <a:off x="2638777" y="3360420"/>
+              <a:ext cx="10978446" cy="4564454"/>
+            </a:xfrm>
+            <a:prstGeom prst="rect">
+              <a:avLst/>
+            </a:prstGeom>
+            <a:ln>
+              <a:solidFill>
+                <a:schemeClr val="accent1"/>
+              </a:solidFill>
+            </a:ln>
+          </p:spPr>
+        </p:pic>
+        <p:pic>
+          <p:nvPicPr>
+            <p:cNvPr id="4" name="Picture 3"/>
+            <p:cNvPicPr>
+              <a:picLocks noChangeAspect="1"/>
+            </p:cNvPicPr>
+            <p:nvPr/>
+          </p:nvPicPr>
+          <p:blipFill>
+            <a:blip r:embed="rId4"/>
+            <a:stretch>
+              <a:fillRect/>
+            </a:stretch>
+          </p:blipFill>
+          <p:spPr>
+            <a:xfrm>
+              <a:off x="6223861" y="6298058"/>
+              <a:ext cx="7345676" cy="742821"/>
+            </a:xfrm>
+            <a:prstGeom prst="rect">
+              <a:avLst/>
+            </a:prstGeom>
+          </p:spPr>
+        </p:pic>
+      </p:grpSp>
     </p:spTree>
     <p:extLst>
       <p:ext uri="{BB962C8B-B14F-4D97-AF65-F5344CB8AC3E}">
@@ -20958,6 +21122,346 @@
           <a:p>
             <a:r>
               <a:rPr lang="en-US" dirty="0" smtClean="0"/>
+              <a:t>InSpec </a:t>
+            </a:r>
+            <a:r>
+              <a:rPr lang="en-US" dirty="0" smtClean="0"/>
+              <a:t>Directory Structure </a:t>
+            </a:r>
+            <a:r>
+              <a:rPr lang="en-US" dirty="0" smtClean="0"/>
+              <a:t>Roadmap</a:t>
+            </a:r>
+            <a:endParaRPr lang="en-US" dirty="0"/>
+          </a:p>
+        </p:txBody>
+      </p:sp>
+      <p:sp>
+        <p:nvSpPr>
+          <p:cNvPr id="6" name="Text Placeholder 2"/>
+          <p:cNvSpPr>
+            <a:spLocks noGrp="1"/>
+          </p:cNvSpPr>
+          <p:nvPr>
+            <p:ph type="body" sz="quarter" idx="12"/>
+          </p:nvPr>
+        </p:nvSpPr>
+        <p:spPr>
+          <a:xfrm>
+            <a:off x="609599" y="1559018"/>
+            <a:ext cx="14042065" cy="5961922"/>
+          </a:xfrm>
+        </p:spPr>
+        <p:txBody>
+          <a:bodyPr/>
+          <a:lstStyle/>
+          <a:p>
+            <a:r>
+              <a:rPr lang="en-US" dirty="0"/>
+              <a:t>As </a:t>
+            </a:r>
+            <a:r>
+              <a:rPr lang="en-US" dirty="0" smtClean="0"/>
+              <a:t>mentioned previously</a:t>
+            </a:r>
+            <a:r>
+              <a:rPr lang="en-US" dirty="0" smtClean="0"/>
+              <a:t>, </a:t>
+            </a:r>
+            <a:r>
+              <a:rPr lang="en-US" dirty="0"/>
+              <a:t>InSpec </a:t>
+            </a:r>
+            <a:r>
+              <a:rPr lang="en-US" dirty="0" smtClean="0"/>
+              <a:t>v0.9.2 expects the </a:t>
+            </a:r>
+            <a:r>
+              <a:rPr lang="en-US" dirty="0" smtClean="0"/>
+              <a:t>directory structure on the left. In the future, the InSpec version that will ship with the next version of ChefDK </a:t>
+            </a:r>
+            <a:r>
+              <a:rPr lang="en-US" dirty="0"/>
+              <a:t>will </a:t>
+            </a:r>
+            <a:r>
+              <a:rPr lang="en-US" dirty="0" smtClean="0"/>
+              <a:t>expect </a:t>
+            </a:r>
+            <a:r>
+              <a:rPr lang="en-US" dirty="0"/>
+              <a:t>the directory structure on the </a:t>
+            </a:r>
+            <a:r>
+              <a:rPr lang="en-US" dirty="0" smtClean="0"/>
+              <a:t>right. </a:t>
+            </a:r>
+            <a:endParaRPr lang="en-US" dirty="0" smtClean="0"/>
+          </a:p>
+          <a:p>
+            <a:endParaRPr lang="en-US" dirty="0"/>
+          </a:p>
+          <a:p>
+            <a:r>
+              <a:rPr lang="en-US" dirty="0" smtClean="0"/>
+              <a:t>├── README.md</a:t>
+            </a:r>
+            <a:br>
+              <a:rPr lang="en-US" dirty="0" smtClean="0"/>
+            </a:br>
+            <a:r>
+              <a:rPr lang="en-US" dirty="0" smtClean="0"/>
+              <a:t>├── metadata.rb</a:t>
+            </a:r>
+            <a:br>
+              <a:rPr lang="en-US" dirty="0" smtClean="0"/>
+            </a:br>
+            <a:r>
+              <a:rPr lang="en-US" dirty="0" smtClean="0"/>
+              <a:t>└── test</a:t>
+            </a:r>
+            <a:br>
+              <a:rPr lang="en-US" dirty="0" smtClean="0"/>
+            </a:br>
+            <a:r>
+              <a:rPr lang="en-US" dirty="0" smtClean="0"/>
+              <a:t>  ├── </a:t>
+            </a:r>
+            <a:r>
+              <a:rPr lang="en-US" dirty="0" err="1" smtClean="0"/>
+              <a:t>foo_spec.rb</a:t>
+            </a:r>
+            <a:r>
+              <a:rPr lang="en-US" dirty="0" smtClean="0"/>
+              <a:t/>
+            </a:r>
+            <a:br>
+              <a:rPr lang="en-US" dirty="0" smtClean="0"/>
+            </a:br>
+            <a:r>
+              <a:rPr lang="en-US" dirty="0" smtClean="0"/>
+              <a:t>  └── </a:t>
+            </a:r>
+            <a:r>
+              <a:rPr lang="en-US" dirty="0" err="1" smtClean="0"/>
+              <a:t>bar_spec.rb</a:t>
+            </a:r>
+            <a:endParaRPr lang="en-US" dirty="0" smtClean="0"/>
+          </a:p>
+          <a:p>
+            <a:endParaRPr lang="en-US" dirty="0" smtClean="0">
+              <a:hlinkClick r:id="rId3"/>
+            </a:endParaRPr>
+          </a:p>
+        </p:txBody>
+      </p:sp>
+      <p:pic>
+        <p:nvPicPr>
+          <p:cNvPr id="3" name="Picture 2"/>
+          <p:cNvPicPr>
+            <a:picLocks noChangeAspect="1"/>
+          </p:cNvPicPr>
+          <p:nvPr/>
+        </p:nvPicPr>
+        <p:blipFill>
+          <a:blip r:embed="rId4"/>
+          <a:stretch>
+            <a:fillRect/>
+          </a:stretch>
+        </p:blipFill>
+        <p:spPr>
+          <a:xfrm>
+            <a:off x="9938805" y="3390770"/>
+            <a:ext cx="4712859" cy="3518650"/>
+          </a:xfrm>
+          <a:prstGeom prst="rect">
+            <a:avLst/>
+          </a:prstGeom>
+          <a:ln>
+            <a:solidFill>
+              <a:schemeClr val="accent1"/>
+            </a:solidFill>
+          </a:ln>
+        </p:spPr>
+      </p:pic>
+    </p:spTree>
+    <p:extLst>
+      <p:ext uri="{BB962C8B-B14F-4D97-AF65-F5344CB8AC3E}">
+        <p14:creationId xmlns:p14="http://schemas.microsoft.com/office/powerpoint/2010/main" val="4209682989"/>
+      </p:ext>
+    </p:extLst>
+  </p:cSld>
+  <p:clrMapOvr>
+    <a:masterClrMapping/>
+  </p:clrMapOvr>
+  <p:transition spd="med">
+    <p:fade/>
+  </p:transition>
+  <p:timing>
+    <p:tnLst>
+      <p:par>
+        <p:cTn id="1" dur="indefinite" restart="never" nodeType="tmRoot"/>
+      </p:par>
+    </p:tnLst>
+  </p:timing>
+</p:sld>
+</file>
+
+<file path=ppt/slides/slide3.xml><?xml version="1.0" encoding="utf-8"?>
+<p:sld xmlns:a="http://schemas.openxmlformats.org/drawingml/2006/main" xmlns:r="http://schemas.openxmlformats.org/officeDocument/2006/relationships" xmlns:p="http://schemas.openxmlformats.org/presentationml/2006/main">
+  <p:cSld>
+    <p:spTree>
+      <p:nvGrpSpPr>
+        <p:cNvPr id="1" name=""/>
+        <p:cNvGrpSpPr/>
+        <p:nvPr/>
+      </p:nvGrpSpPr>
+      <p:grpSpPr>
+        <a:xfrm>
+          <a:off x="0" y="0"/>
+          <a:ext cx="0" cy="0"/>
+          <a:chOff x="0" y="0"/>
+          <a:chExt cx="0" cy="0"/>
+        </a:xfrm>
+      </p:grpSpPr>
+      <p:sp>
+        <p:nvSpPr>
+          <p:cNvPr id="2" name="Title 1"/>
+          <p:cNvSpPr>
+            <a:spLocks noGrp="1"/>
+          </p:cNvSpPr>
+          <p:nvPr>
+            <p:ph type="ctrTitle"/>
+          </p:nvPr>
+        </p:nvSpPr>
+        <p:spPr/>
+        <p:txBody>
+          <a:bodyPr>
+            <a:normAutofit fontScale="90000"/>
+          </a:bodyPr>
+          <a:lstStyle/>
+          <a:p>
+            <a:r>
+              <a:rPr lang="en-US" dirty="0" smtClean="0"/>
+              <a:t>Creating a Custom Profile</a:t>
+            </a:r>
+            <a:endParaRPr lang="en-US" dirty="0"/>
+          </a:p>
+        </p:txBody>
+      </p:sp>
+      <p:sp>
+        <p:nvSpPr>
+          <p:cNvPr id="3" name="Subtitle 2"/>
+          <p:cNvSpPr>
+            <a:spLocks noGrp="1"/>
+          </p:cNvSpPr>
+          <p:nvPr>
+            <p:ph type="subTitle" idx="1"/>
+          </p:nvPr>
+        </p:nvSpPr>
+        <p:spPr>
+          <a:xfrm>
+            <a:off x="1671638" y="3271838"/>
+            <a:ext cx="12319000" cy="4317682"/>
+          </a:xfrm>
+        </p:spPr>
+        <p:txBody>
+          <a:bodyPr/>
+          <a:lstStyle/>
+          <a:p>
+            <a:r>
+              <a:rPr lang="en-US" dirty="0" smtClean="0"/>
+              <a:t>In this section we will create a custom compliance profile.</a:t>
+            </a:r>
+          </a:p>
+          <a:p>
+            <a:endParaRPr lang="en-US" dirty="0"/>
+          </a:p>
+          <a:p>
+            <a:r>
+              <a:rPr lang="en-US" dirty="0" smtClean="0"/>
+              <a:t>Custom profiles are created using </a:t>
+            </a:r>
+            <a:r>
+              <a:rPr lang="en-US" dirty="0" err="1" smtClean="0"/>
+              <a:t>InSpec</a:t>
+            </a:r>
+            <a:r>
+              <a:rPr lang="en-US" dirty="0" smtClean="0"/>
+              <a:t>, just like the existing profiles were created.</a:t>
+            </a:r>
+          </a:p>
+          <a:p>
+            <a:endParaRPr lang="en-US" dirty="0"/>
+          </a:p>
+          <a:p>
+            <a:r>
+              <a:rPr lang="en-US" dirty="0" smtClean="0"/>
+              <a:t>After you have created a custom profile, you'll learn how to upload it to a Compliance Server and then use it to check for compliance issues.</a:t>
+            </a:r>
+            <a:endParaRPr lang="en-US" dirty="0"/>
+          </a:p>
+        </p:txBody>
+      </p:sp>
+    </p:spTree>
+    <p:extLst>
+      <p:ext uri="{BB962C8B-B14F-4D97-AF65-F5344CB8AC3E}">
+        <p14:creationId xmlns:p14="http://schemas.microsoft.com/office/powerpoint/2010/main" val="2095059740"/>
+      </p:ext>
+    </p:extLst>
+  </p:cSld>
+  <p:clrMapOvr>
+    <a:masterClrMapping/>
+  </p:clrMapOvr>
+  <p:transition spd="med">
+    <p:fade/>
+  </p:transition>
+  <p:timing>
+    <p:tnLst>
+      <p:par>
+        <p:cTn id="1" dur="indefinite" restart="never" nodeType="tmRoot"/>
+      </p:par>
+    </p:tnLst>
+  </p:timing>
+</p:sld>
+</file>
+
+<file path=ppt/slides/slide30.xml><?xml version="1.0" encoding="utf-8"?>
+<p:sld xmlns:a="http://schemas.openxmlformats.org/drawingml/2006/main" xmlns:r="http://schemas.openxmlformats.org/officeDocument/2006/relationships" xmlns:p="http://schemas.openxmlformats.org/presentationml/2006/main">
+  <p:cSld>
+    <p:spTree>
+      <p:nvGrpSpPr>
+        <p:cNvPr id="1" name=""/>
+        <p:cNvGrpSpPr/>
+        <p:nvPr/>
+      </p:nvGrpSpPr>
+      <p:grpSpPr>
+        <a:xfrm>
+          <a:off x="0" y="0"/>
+          <a:ext cx="0" cy="0"/>
+          <a:chOff x="0" y="0"/>
+          <a:chExt cx="0" cy="0"/>
+        </a:xfrm>
+      </p:grpSpPr>
+      <p:sp>
+        <p:nvSpPr>
+          <p:cNvPr id="2" name="Title 1"/>
+          <p:cNvSpPr>
+            <a:spLocks noGrp="1"/>
+          </p:cNvSpPr>
+          <p:nvPr>
+            <p:ph type="title"/>
+          </p:nvPr>
+        </p:nvSpPr>
+        <p:spPr/>
+        <p:txBody>
+          <a:bodyPr>
+            <a:normAutofit/>
+          </a:bodyPr>
+          <a:lstStyle/>
+          <a:p>
+            <a:r>
+              <a:rPr lang="en-US" dirty="0" smtClean="0"/>
               <a:t>GL: </a:t>
             </a:r>
             <a:r>
@@ -21112,126 +21616,7 @@
 </p:sld>
 </file>
 
-<file path=ppt/slides/slide3.xml><?xml version="1.0" encoding="utf-8"?>
-<p:sld xmlns:a="http://schemas.openxmlformats.org/drawingml/2006/main" xmlns:r="http://schemas.openxmlformats.org/officeDocument/2006/relationships" xmlns:p="http://schemas.openxmlformats.org/presentationml/2006/main">
-  <p:cSld>
-    <p:spTree>
-      <p:nvGrpSpPr>
-        <p:cNvPr id="1" name=""/>
-        <p:cNvGrpSpPr/>
-        <p:nvPr/>
-      </p:nvGrpSpPr>
-      <p:grpSpPr>
-        <a:xfrm>
-          <a:off x="0" y="0"/>
-          <a:ext cx="0" cy="0"/>
-          <a:chOff x="0" y="0"/>
-          <a:chExt cx="0" cy="0"/>
-        </a:xfrm>
-      </p:grpSpPr>
-      <p:sp>
-        <p:nvSpPr>
-          <p:cNvPr id="2" name="Title 1"/>
-          <p:cNvSpPr>
-            <a:spLocks noGrp="1"/>
-          </p:cNvSpPr>
-          <p:nvPr>
-            <p:ph type="ctrTitle"/>
-          </p:nvPr>
-        </p:nvSpPr>
-        <p:spPr/>
-        <p:txBody>
-          <a:bodyPr>
-            <a:normAutofit fontScale="90000"/>
-          </a:bodyPr>
-          <a:lstStyle/>
-          <a:p>
-            <a:r>
-              <a:rPr lang="en-US" dirty="0" smtClean="0"/>
-              <a:t>Creating a Custom Profile</a:t>
-            </a:r>
-            <a:endParaRPr lang="en-US" dirty="0"/>
-          </a:p>
-        </p:txBody>
-      </p:sp>
-      <p:sp>
-        <p:nvSpPr>
-          <p:cNvPr id="3" name="Subtitle 2"/>
-          <p:cNvSpPr>
-            <a:spLocks noGrp="1"/>
-          </p:cNvSpPr>
-          <p:nvPr>
-            <p:ph type="subTitle" idx="1"/>
-          </p:nvPr>
-        </p:nvSpPr>
-        <p:spPr>
-          <a:xfrm>
-            <a:off x="1671638" y="3271838"/>
-            <a:ext cx="12319000" cy="4317682"/>
-          </a:xfrm>
-        </p:spPr>
-        <p:txBody>
-          <a:bodyPr/>
-          <a:lstStyle/>
-          <a:p>
-            <a:r>
-              <a:rPr lang="en-US" dirty="0" smtClean="0"/>
-              <a:t>In this section we will create a custom compliance profile.</a:t>
-            </a:r>
-          </a:p>
-          <a:p>
-            <a:endParaRPr lang="en-US" dirty="0"/>
-          </a:p>
-          <a:p>
-            <a:r>
-              <a:rPr lang="en-US" dirty="0" smtClean="0"/>
-              <a:t>Custom profiles are created using </a:t>
-            </a:r>
-            <a:r>
-              <a:rPr lang="en-US" dirty="0" err="1" smtClean="0"/>
-              <a:t>InSpec</a:t>
-            </a:r>
-            <a:r>
-              <a:rPr lang="en-US" dirty="0" smtClean="0"/>
-              <a:t>, just like the existing profiles were created.</a:t>
-            </a:r>
-          </a:p>
-          <a:p>
-            <a:endParaRPr lang="en-US" dirty="0"/>
-          </a:p>
-          <a:p>
-            <a:r>
-              <a:rPr lang="en-US" dirty="0" smtClean="0"/>
-              <a:t>After you have created a custom profile, you'll learn how to upload it to a Compliance Server and then use it to check for compliance issues.</a:t>
-            </a:r>
-            <a:endParaRPr lang="en-US" dirty="0"/>
-          </a:p>
-        </p:txBody>
-      </p:sp>
-    </p:spTree>
-    <p:extLst>
-      <p:ext uri="{BB962C8B-B14F-4D97-AF65-F5344CB8AC3E}">
-        <p14:creationId xmlns:p14="http://schemas.microsoft.com/office/powerpoint/2010/main" val="2095059740"/>
-      </p:ext>
-    </p:extLst>
-  </p:cSld>
-  <p:clrMapOvr>
-    <a:masterClrMapping/>
-  </p:clrMapOvr>
-  <p:transition spd="med">
-    <p:fade/>
-  </p:transition>
-  <p:timing>
-    <p:tnLst>
-      <p:par>
-        <p:cTn id="1" dur="indefinite" restart="never" nodeType="tmRoot"/>
-      </p:par>
-    </p:tnLst>
-  </p:timing>
-</p:sld>
-</file>
-
-<file path=ppt/slides/slide30.xml><?xml version="1.0" encoding="utf-8"?>
+<file path=ppt/slides/slide31.xml><?xml version="1.0" encoding="utf-8"?>
 <p:sld xmlns:a="http://schemas.openxmlformats.org/drawingml/2006/main" xmlns:r="http://schemas.openxmlformats.org/officeDocument/2006/relationships" xmlns:p="http://schemas.openxmlformats.org/presentationml/2006/main">
   <p:cSld>
     <p:spTree>
@@ -22244,203 +22629,6 @@
     <p:extLst>
       <p:ext uri="{BB962C8B-B14F-4D97-AF65-F5344CB8AC3E}">
         <p14:creationId xmlns:p14="http://schemas.microsoft.com/office/powerpoint/2010/main" val="3312136152"/>
-      </p:ext>
-    </p:extLst>
-  </p:cSld>
-  <p:clrMapOvr>
-    <a:masterClrMapping/>
-  </p:clrMapOvr>
-  <p:transition spd="med">
-    <p:fade/>
-  </p:transition>
-  <p:timing>
-    <p:tnLst>
-      <p:par>
-        <p:cTn id="1" dur="indefinite" restart="never" nodeType="tmRoot"/>
-      </p:par>
-    </p:tnLst>
-  </p:timing>
-</p:sld>
-</file>
-
-<file path=ppt/slides/slide31.xml><?xml version="1.0" encoding="utf-8"?>
-<p:sld xmlns:a="http://schemas.openxmlformats.org/drawingml/2006/main" xmlns:r="http://schemas.openxmlformats.org/officeDocument/2006/relationships" xmlns:p="http://schemas.openxmlformats.org/presentationml/2006/main">
-  <p:cSld>
-    <p:spTree>
-      <p:nvGrpSpPr>
-        <p:cNvPr id="1" name=""/>
-        <p:cNvGrpSpPr/>
-        <p:nvPr/>
-      </p:nvGrpSpPr>
-      <p:grpSpPr>
-        <a:xfrm>
-          <a:off x="0" y="0"/>
-          <a:ext cx="0" cy="0"/>
-          <a:chOff x="0" y="0"/>
-          <a:chExt cx="0" cy="0"/>
-        </a:xfrm>
-      </p:grpSpPr>
-      <p:sp>
-        <p:nvSpPr>
-          <p:cNvPr id="2" name="Title 1"/>
-          <p:cNvSpPr>
-            <a:spLocks noGrp="1"/>
-          </p:cNvSpPr>
-          <p:nvPr>
-            <p:ph type="title"/>
-          </p:nvPr>
-        </p:nvSpPr>
-        <p:spPr/>
-        <p:txBody>
-          <a:bodyPr/>
-          <a:lstStyle/>
-          <a:p>
-            <a:r>
-              <a:rPr lang="en-US" dirty="0" smtClean="0"/>
-              <a:t>GL: Save this</a:t>
-            </a:r>
-            <a:endParaRPr lang="en-US" dirty="0"/>
-          </a:p>
-        </p:txBody>
-      </p:sp>
-      <p:sp>
-        <p:nvSpPr>
-          <p:cNvPr id="6" name="Text Placeholder 2"/>
-          <p:cNvSpPr>
-            <a:spLocks noGrp="1"/>
-          </p:cNvSpPr>
-          <p:nvPr>
-            <p:ph type="body" sz="quarter" idx="12"/>
-          </p:nvPr>
-        </p:nvSpPr>
-        <p:spPr>
-          <a:xfrm>
-            <a:off x="609599" y="1559018"/>
-            <a:ext cx="14042065" cy="5961922"/>
-          </a:xfrm>
-        </p:spPr>
-        <p:txBody>
-          <a:bodyPr/>
-          <a:lstStyle/>
-          <a:p>
-            <a:pPr marL="457200" indent="-457200">
-              <a:buFont typeface="Arial" panose="020B0604020202020204" pitchFamily="34" charset="0"/>
-              <a:buChar char="•"/>
-            </a:pPr>
-            <a:r>
-              <a:rPr lang="en-US" dirty="0">
-                <a:hlinkClick r:id="rId3"/>
-              </a:rPr>
-              <a:t>https://</a:t>
-            </a:r>
-            <a:r>
-              <a:rPr lang="en-US" dirty="0" smtClean="0">
-                <a:hlinkClick r:id="rId3"/>
-              </a:rPr>
-              <a:t>github.com/chef/inspec/blob/7f555b902d6860ffe236ff23e4b52f20bac28adc/lib/inspec/profile.rb#L81-L129</a:t>
-            </a:r>
-            <a:endParaRPr lang="en-US" dirty="0" smtClean="0"/>
-          </a:p>
-          <a:p>
-            <a:pPr marL="457200" indent="-457200">
-              <a:buFont typeface="Arial" panose="020B0604020202020204" pitchFamily="34" charset="0"/>
-              <a:buChar char="•"/>
-            </a:pPr>
-            <a:endParaRPr lang="en-US" dirty="0"/>
-          </a:p>
-          <a:p>
-            <a:pPr marL="457200" indent="-457200">
-              <a:buFont typeface="Arial" panose="020B0604020202020204" pitchFamily="34" charset="0"/>
-              <a:buChar char="•"/>
-            </a:pPr>
-            <a:endParaRPr lang="en-US" dirty="0" smtClean="0"/>
-          </a:p>
-          <a:p>
-            <a:pPr marL="457200" indent="-457200">
-              <a:buFont typeface="Arial" panose="020B0604020202020204" pitchFamily="34" charset="0"/>
-              <a:buChar char="•"/>
-            </a:pPr>
-            <a:r>
-              <a:rPr lang="en-US" dirty="0" smtClean="0"/>
-              <a:t>and Check uses the </a:t>
-            </a:r>
-            <a:r>
-              <a:rPr lang="en-US" dirty="0"/>
-              <a:t>above from here:</a:t>
-            </a:r>
-            <a:br>
-              <a:rPr lang="en-US" dirty="0"/>
-            </a:br>
-            <a:r>
-              <a:rPr lang="en-US" dirty="0">
-                <a:hlinkClick r:id="rId4"/>
-              </a:rPr>
-              <a:t>https://</a:t>
-            </a:r>
-            <a:r>
-              <a:rPr lang="en-US" dirty="0" smtClean="0">
-                <a:hlinkClick r:id="rId4"/>
-              </a:rPr>
-              <a:t>github.com/chef/inspec/blob/b1ec95e343aac75ee1a21e3d1a09a32a5a8c1dd2/bin/inspec#L70-L78</a:t>
-            </a:r>
-            <a:endParaRPr lang="en-US" dirty="0" smtClean="0"/>
-          </a:p>
-          <a:p>
-            <a:pPr marL="457200" indent="-457200">
-              <a:buFont typeface="Arial" panose="020B0604020202020204" pitchFamily="34" charset="0"/>
-              <a:buChar char="•"/>
-            </a:pPr>
-            <a:endParaRPr lang="en-US" dirty="0"/>
-          </a:p>
-          <a:p>
-            <a:pPr marL="457200" indent="-457200">
-              <a:buFont typeface="Arial" panose="020B0604020202020204" pitchFamily="34" charset="0"/>
-              <a:buChar char="•"/>
-            </a:pPr>
-            <a:r>
-              <a:rPr lang="en-US" dirty="0">
-                <a:hlinkClick r:id="rId5"/>
-              </a:rPr>
-              <a:t>https://</a:t>
-            </a:r>
-            <a:r>
-              <a:rPr lang="en-US" dirty="0" smtClean="0">
-                <a:hlinkClick r:id="rId5"/>
-              </a:rPr>
-              <a:t>chefio.atlassian.net/wiki/pages/viewpage.action?spaceKey=SE&amp;title=Week+1#Week1-Addingprofiles</a:t>
-            </a:r>
-            <a:endParaRPr lang="en-US" dirty="0" smtClean="0"/>
-          </a:p>
-          <a:p>
-            <a:pPr marL="457200" indent="-457200">
-              <a:buFont typeface="Arial" panose="020B0604020202020204" pitchFamily="34" charset="0"/>
-              <a:buChar char="•"/>
-            </a:pPr>
-            <a:endParaRPr lang="en-US" dirty="0" smtClean="0"/>
-          </a:p>
-          <a:p>
-            <a:pPr marL="457200" indent="-457200">
-              <a:buFont typeface="Arial" panose="020B0604020202020204" pitchFamily="34" charset="0"/>
-              <a:buChar char="•"/>
-            </a:pPr>
-            <a:endParaRPr lang="en-US" dirty="0"/>
-          </a:p>
-          <a:p>
-            <a:endParaRPr lang="en-US" dirty="0" smtClean="0"/>
-          </a:p>
-          <a:p>
-            <a:pPr marL="457200" indent="-457200">
-              <a:buFont typeface="Arial" panose="020B0604020202020204" pitchFamily="34" charset="0"/>
-              <a:buChar char="•"/>
-            </a:pPr>
-            <a:endParaRPr lang="en-US" dirty="0"/>
-          </a:p>
-        </p:txBody>
-      </p:sp>
-    </p:spTree>
-    <p:extLst>
-      <p:ext uri="{BB962C8B-B14F-4D97-AF65-F5344CB8AC3E}">
-        <p14:creationId xmlns:p14="http://schemas.microsoft.com/office/powerpoint/2010/main" val="420890300"/>
       </p:ext>
     </p:extLst>
   </p:cSld>
@@ -22489,6 +22677,203 @@
         </p:nvSpPr>
         <p:spPr/>
         <p:txBody>
+          <a:bodyPr/>
+          <a:lstStyle/>
+          <a:p>
+            <a:r>
+              <a:rPr lang="en-US" dirty="0" smtClean="0"/>
+              <a:t>GL: Save this</a:t>
+            </a:r>
+            <a:endParaRPr lang="en-US" dirty="0"/>
+          </a:p>
+        </p:txBody>
+      </p:sp>
+      <p:sp>
+        <p:nvSpPr>
+          <p:cNvPr id="6" name="Text Placeholder 2"/>
+          <p:cNvSpPr>
+            <a:spLocks noGrp="1"/>
+          </p:cNvSpPr>
+          <p:nvPr>
+            <p:ph type="body" sz="quarter" idx="12"/>
+          </p:nvPr>
+        </p:nvSpPr>
+        <p:spPr>
+          <a:xfrm>
+            <a:off x="609599" y="1559018"/>
+            <a:ext cx="14042065" cy="5961922"/>
+          </a:xfrm>
+        </p:spPr>
+        <p:txBody>
+          <a:bodyPr/>
+          <a:lstStyle/>
+          <a:p>
+            <a:pPr marL="457200" indent="-457200">
+              <a:buFont typeface="Arial" panose="020B0604020202020204" pitchFamily="34" charset="0"/>
+              <a:buChar char="•"/>
+            </a:pPr>
+            <a:r>
+              <a:rPr lang="en-US" dirty="0">
+                <a:hlinkClick r:id="rId3"/>
+              </a:rPr>
+              <a:t>https://</a:t>
+            </a:r>
+            <a:r>
+              <a:rPr lang="en-US" dirty="0" smtClean="0">
+                <a:hlinkClick r:id="rId3"/>
+              </a:rPr>
+              <a:t>github.com/chef/inspec/blob/7f555b902d6860ffe236ff23e4b52f20bac28adc/lib/inspec/profile.rb#L81-L129</a:t>
+            </a:r>
+            <a:endParaRPr lang="en-US" dirty="0" smtClean="0"/>
+          </a:p>
+          <a:p>
+            <a:pPr marL="457200" indent="-457200">
+              <a:buFont typeface="Arial" panose="020B0604020202020204" pitchFamily="34" charset="0"/>
+              <a:buChar char="•"/>
+            </a:pPr>
+            <a:endParaRPr lang="en-US" dirty="0"/>
+          </a:p>
+          <a:p>
+            <a:pPr marL="457200" indent="-457200">
+              <a:buFont typeface="Arial" panose="020B0604020202020204" pitchFamily="34" charset="0"/>
+              <a:buChar char="•"/>
+            </a:pPr>
+            <a:endParaRPr lang="en-US" dirty="0" smtClean="0"/>
+          </a:p>
+          <a:p>
+            <a:pPr marL="457200" indent="-457200">
+              <a:buFont typeface="Arial" panose="020B0604020202020204" pitchFamily="34" charset="0"/>
+              <a:buChar char="•"/>
+            </a:pPr>
+            <a:r>
+              <a:rPr lang="en-US" dirty="0" smtClean="0"/>
+              <a:t>and Check uses the </a:t>
+            </a:r>
+            <a:r>
+              <a:rPr lang="en-US" dirty="0"/>
+              <a:t>above from here:</a:t>
+            </a:r>
+            <a:br>
+              <a:rPr lang="en-US" dirty="0"/>
+            </a:br>
+            <a:r>
+              <a:rPr lang="en-US" dirty="0">
+                <a:hlinkClick r:id="rId4"/>
+              </a:rPr>
+              <a:t>https://</a:t>
+            </a:r>
+            <a:r>
+              <a:rPr lang="en-US" dirty="0" smtClean="0">
+                <a:hlinkClick r:id="rId4"/>
+              </a:rPr>
+              <a:t>github.com/chef/inspec/blob/b1ec95e343aac75ee1a21e3d1a09a32a5a8c1dd2/bin/inspec#L70-L78</a:t>
+            </a:r>
+            <a:endParaRPr lang="en-US" dirty="0" smtClean="0"/>
+          </a:p>
+          <a:p>
+            <a:pPr marL="457200" indent="-457200">
+              <a:buFont typeface="Arial" panose="020B0604020202020204" pitchFamily="34" charset="0"/>
+              <a:buChar char="•"/>
+            </a:pPr>
+            <a:endParaRPr lang="en-US" dirty="0"/>
+          </a:p>
+          <a:p>
+            <a:pPr marL="457200" indent="-457200">
+              <a:buFont typeface="Arial" panose="020B0604020202020204" pitchFamily="34" charset="0"/>
+              <a:buChar char="•"/>
+            </a:pPr>
+            <a:r>
+              <a:rPr lang="en-US" dirty="0">
+                <a:hlinkClick r:id="rId5"/>
+              </a:rPr>
+              <a:t>https://</a:t>
+            </a:r>
+            <a:r>
+              <a:rPr lang="en-US" dirty="0" smtClean="0">
+                <a:hlinkClick r:id="rId5"/>
+              </a:rPr>
+              <a:t>chefio.atlassian.net/wiki/pages/viewpage.action?spaceKey=SE&amp;title=Week+1#Week1-Addingprofiles</a:t>
+            </a:r>
+            <a:endParaRPr lang="en-US" dirty="0" smtClean="0"/>
+          </a:p>
+          <a:p>
+            <a:pPr marL="457200" indent="-457200">
+              <a:buFont typeface="Arial" panose="020B0604020202020204" pitchFamily="34" charset="0"/>
+              <a:buChar char="•"/>
+            </a:pPr>
+            <a:endParaRPr lang="en-US" dirty="0" smtClean="0"/>
+          </a:p>
+          <a:p>
+            <a:pPr marL="457200" indent="-457200">
+              <a:buFont typeface="Arial" panose="020B0604020202020204" pitchFamily="34" charset="0"/>
+              <a:buChar char="•"/>
+            </a:pPr>
+            <a:endParaRPr lang="en-US" dirty="0"/>
+          </a:p>
+          <a:p>
+            <a:endParaRPr lang="en-US" dirty="0" smtClean="0"/>
+          </a:p>
+          <a:p>
+            <a:pPr marL="457200" indent="-457200">
+              <a:buFont typeface="Arial" panose="020B0604020202020204" pitchFamily="34" charset="0"/>
+              <a:buChar char="•"/>
+            </a:pPr>
+            <a:endParaRPr lang="en-US" dirty="0"/>
+          </a:p>
+        </p:txBody>
+      </p:sp>
+    </p:spTree>
+    <p:extLst>
+      <p:ext uri="{BB962C8B-B14F-4D97-AF65-F5344CB8AC3E}">
+        <p14:creationId xmlns:p14="http://schemas.microsoft.com/office/powerpoint/2010/main" val="420890300"/>
+      </p:ext>
+    </p:extLst>
+  </p:cSld>
+  <p:clrMapOvr>
+    <a:masterClrMapping/>
+  </p:clrMapOvr>
+  <p:transition spd="med">
+    <p:fade/>
+  </p:transition>
+  <p:timing>
+    <p:tnLst>
+      <p:par>
+        <p:cTn id="1" dur="indefinite" restart="never" nodeType="tmRoot"/>
+      </p:par>
+    </p:tnLst>
+  </p:timing>
+</p:sld>
+</file>
+
+<file path=ppt/slides/slide33.xml><?xml version="1.0" encoding="utf-8"?>
+<p:sld xmlns:a="http://schemas.openxmlformats.org/drawingml/2006/main" xmlns:r="http://schemas.openxmlformats.org/officeDocument/2006/relationships" xmlns:p="http://schemas.openxmlformats.org/presentationml/2006/main">
+  <p:cSld>
+    <p:spTree>
+      <p:nvGrpSpPr>
+        <p:cNvPr id="1" name=""/>
+        <p:cNvGrpSpPr/>
+        <p:nvPr/>
+      </p:nvGrpSpPr>
+      <p:grpSpPr>
+        <a:xfrm>
+          <a:off x="0" y="0"/>
+          <a:ext cx="0" cy="0"/>
+          <a:chOff x="0" y="0"/>
+          <a:chExt cx="0" cy="0"/>
+        </a:xfrm>
+      </p:grpSpPr>
+      <p:sp>
+        <p:nvSpPr>
+          <p:cNvPr id="2" name="Title 1"/>
+          <p:cNvSpPr>
+            <a:spLocks noGrp="1"/>
+          </p:cNvSpPr>
+          <p:nvPr>
+            <p:ph type="title"/>
+          </p:nvPr>
+        </p:nvSpPr>
+        <p:spPr/>
+        <p:txBody>
           <a:bodyPr>
             <a:normAutofit/>
           </a:bodyPr>
@@ -22666,7 +23051,7 @@
 </p:sld>
 </file>
 
-<file path=ppt/slides/slide33.xml><?xml version="1.0" encoding="utf-8"?>
+<file path=ppt/slides/slide34.xml><?xml version="1.0" encoding="utf-8"?>
 <p:sld xmlns:a="http://schemas.openxmlformats.org/drawingml/2006/main" xmlns:r="http://schemas.openxmlformats.org/officeDocument/2006/relationships" xmlns:p="http://schemas.openxmlformats.org/presentationml/2006/main">
   <p:cSld>
     <p:bg>
@@ -22846,7 +23231,7 @@
 </p:sld>
 </file>
 
-<file path=ppt/slides/slide34.xml><?xml version="1.0" encoding="utf-8"?>
+<file path=ppt/slides/slide35.xml><?xml version="1.0" encoding="utf-8"?>
 <p:sld xmlns:a="http://schemas.openxmlformats.org/drawingml/2006/main" xmlns:r="http://schemas.openxmlformats.org/officeDocument/2006/relationships" xmlns:p="http://schemas.openxmlformats.org/presentationml/2006/main">
   <p:cSld>
     <p:spTree>

--- a/05-creating-custom-profiles.pptx
+++ b/05-creating-custom-profiles.pptx
@@ -5656,8 +5656,41 @@
                 <a:ea typeface="ＭＳ Ｐゴシック" charset="0"/>
                 <a:cs typeface="Arial" panose="020B0604020202020204" pitchFamily="34" charset="0"/>
               </a:rPr>
-              <a:t> an awesome message to tell. Here is a link to where the image on the right was derived: https://github.com/chef/inspec/blob/1f325b1cfd02391fab14a996693a034da37aadd8/docs/profiles.rst</a:t>
-            </a:r>
+              <a:t> an awesome message to tell. Here is a link to where the image on the right was derived: https</a:t>
+            </a:r>
+            <a:r>
+              <a:rPr lang="en-US" sz="1200" b="0" i="0" kern="1200" baseline="0" smtClean="0">
+                <a:solidFill>
+                  <a:schemeClr val="tx1"/>
+                </a:solidFill>
+                <a:effectLst/>
+                <a:latin typeface="Arial" panose="020B0604020202020204" pitchFamily="34" charset="0"/>
+                <a:ea typeface="ＭＳ Ｐゴシック" charset="0"/>
+                <a:cs typeface="Arial" panose="020B0604020202020204" pitchFamily="34" charset="0"/>
+              </a:rPr>
+              <a:t>://</a:t>
+            </a:r>
+            <a:r>
+              <a:rPr lang="en-US" sz="1200" b="0" i="0" kern="1200" baseline="0" smtClean="0">
+                <a:solidFill>
+                  <a:schemeClr val="tx1"/>
+                </a:solidFill>
+                <a:effectLst/>
+                <a:latin typeface="Arial" panose="020B0604020202020204" pitchFamily="34" charset="0"/>
+                <a:ea typeface="ＭＳ Ｐゴシック" charset="0"/>
+                <a:cs typeface="Arial" panose="020B0604020202020204" pitchFamily="34" charset="0"/>
+              </a:rPr>
+              <a:t>github.com/chef/inspec/blob/1f325b1cfd02391fab14a996693a034da37aadd8/docs/profiles.rst </a:t>
+            </a:r>
+            <a:endParaRPr lang="en-US" sz="1200" b="0" i="0" kern="1200" baseline="0" dirty="0" smtClean="0">
+              <a:solidFill>
+                <a:schemeClr val="tx1"/>
+              </a:solidFill>
+              <a:effectLst/>
+              <a:latin typeface="Arial" panose="020B0604020202020204" pitchFamily="34" charset="0"/>
+              <a:ea typeface="ＭＳ Ｐゴシック" charset="0"/>
+              <a:cs typeface="Arial" panose="020B0604020202020204" pitchFamily="34" charset="0"/>
+            </a:endParaRPr>
           </a:p>
           <a:p>
             <a:endParaRPr lang="en-US" sz="1200" b="0" i="0" kern="1200" baseline="0" dirty="0" smtClean="0">
@@ -9406,14 +9439,14 @@
           </a:ln>
           <a:extLst>
             <a:ext uri="{909E8E84-426E-40dd-AFC4-6F175D3DCCD1}">
-              <a14:hiddenFill xmlns:a14="http://schemas.microsoft.com/office/drawing/2010/main" xmlns="">
+              <a14:hiddenFill xmlns="" xmlns:a14="http://schemas.microsoft.com/office/drawing/2010/main">
                 <a:solidFill>
                   <a:srgbClr val="FFFFFF"/>
                 </a:solidFill>
               </a14:hiddenFill>
             </a:ext>
             <a:ext uri="{91240B29-F687-4f45-9708-019B960494DF}">
-              <a14:hiddenLine xmlns:a14="http://schemas.microsoft.com/office/drawing/2010/main" xmlns="" w="9525">
+              <a14:hiddenLine xmlns="" xmlns:a14="http://schemas.microsoft.com/office/drawing/2010/main" w="9525">
                 <a:solidFill>
                   <a:srgbClr val="000000"/>
                 </a:solidFill>
@@ -9561,14 +9594,14 @@
           </a:ln>
           <a:extLst>
             <a:ext uri="{909E8E84-426E-40dd-AFC4-6F175D3DCCD1}">
-              <a14:hiddenFill xmlns:a14="http://schemas.microsoft.com/office/drawing/2010/main" xmlns="">
+              <a14:hiddenFill xmlns="" xmlns:a14="http://schemas.microsoft.com/office/drawing/2010/main">
                 <a:solidFill>
                   <a:srgbClr val="FFFFFF"/>
                 </a:solidFill>
               </a14:hiddenFill>
             </a:ext>
             <a:ext uri="{91240B29-F687-4f45-9708-019B960494DF}">
-              <a14:hiddenLine xmlns:a14="http://schemas.microsoft.com/office/drawing/2010/main" xmlns="" w="9525">
+              <a14:hiddenLine xmlns="" xmlns:a14="http://schemas.microsoft.com/office/drawing/2010/main" w="9525">
                 <a:solidFill>
                   <a:srgbClr val="000000"/>
                 </a:solidFill>
@@ -10059,14 +10092,14 @@
           </a:ln>
           <a:extLst>
             <a:ext uri="{909E8E84-426E-40dd-AFC4-6F175D3DCCD1}">
-              <a14:hiddenFill xmlns:a14="http://schemas.microsoft.com/office/drawing/2010/main" xmlns="">
+              <a14:hiddenFill xmlns="" xmlns:a14="http://schemas.microsoft.com/office/drawing/2010/main">
                 <a:solidFill>
                   <a:srgbClr val="FFFFFF"/>
                 </a:solidFill>
               </a14:hiddenFill>
             </a:ext>
             <a:ext uri="{91240B29-F687-4f45-9708-019B960494DF}">
-              <a14:hiddenLine xmlns:a14="http://schemas.microsoft.com/office/drawing/2010/main" xmlns="" w="9525">
+              <a14:hiddenLine xmlns="" xmlns:a14="http://schemas.microsoft.com/office/drawing/2010/main" w="9525">
                 <a:solidFill>
                   <a:srgbClr val="000000"/>
                 </a:solidFill>
@@ -10592,14 +10625,14 @@
           </a:ln>
           <a:extLst>
             <a:ext uri="{909E8E84-426E-40dd-AFC4-6F175D3DCCD1}">
-              <a14:hiddenFill xmlns:a14="http://schemas.microsoft.com/office/drawing/2010/main" xmlns="">
+              <a14:hiddenFill xmlns="" xmlns:a14="http://schemas.microsoft.com/office/drawing/2010/main">
                 <a:solidFill>
                   <a:srgbClr val="FFFFFF"/>
                 </a:solidFill>
               </a14:hiddenFill>
             </a:ext>
             <a:ext uri="{91240B29-F687-4f45-9708-019B960494DF}">
-              <a14:hiddenLine xmlns:a14="http://schemas.microsoft.com/office/drawing/2010/main" xmlns="" w="9525">
+              <a14:hiddenLine xmlns="" xmlns:a14="http://schemas.microsoft.com/office/drawing/2010/main" w="9525">
                 <a:solidFill>
                   <a:srgbClr val="000000"/>
                 </a:solidFill>
@@ -12223,14 +12256,14 @@
           </a:ln>
           <a:extLst>
             <a:ext uri="{909E8E84-426E-40dd-AFC4-6F175D3DCCD1}">
-              <a14:hiddenFill xmlns:a14="http://schemas.microsoft.com/office/drawing/2010/main" xmlns="">
+              <a14:hiddenFill xmlns="" xmlns:a14="http://schemas.microsoft.com/office/drawing/2010/main">
                 <a:solidFill>
                   <a:srgbClr val="FFFFFF"/>
                 </a:solidFill>
               </a14:hiddenFill>
             </a:ext>
             <a:ext uri="{91240B29-F687-4f45-9708-019B960494DF}">
-              <a14:hiddenLine xmlns:a14="http://schemas.microsoft.com/office/drawing/2010/main" xmlns="" w="9525">
+              <a14:hiddenLine xmlns="" xmlns:a14="http://schemas.microsoft.com/office/drawing/2010/main" w="9525">
                 <a:solidFill>
                   <a:srgbClr val="000000"/>
                 </a:solidFill>
@@ -13584,14 +13617,14 @@
           </a:ln>
           <a:extLst>
             <a:ext uri="{909E8E84-426E-40dd-AFC4-6F175D3DCCD1}">
-              <a14:hiddenFill xmlns:a14="http://schemas.microsoft.com/office/drawing/2010/main" xmlns="">
+              <a14:hiddenFill xmlns="" xmlns:a14="http://schemas.microsoft.com/office/drawing/2010/main">
                 <a:solidFill>
                   <a:srgbClr val="FFFFFF"/>
                 </a:solidFill>
               </a14:hiddenFill>
             </a:ext>
             <a:ext uri="{91240B29-F687-4f45-9708-019B960494DF}">
-              <a14:hiddenLine xmlns:a14="http://schemas.microsoft.com/office/drawing/2010/main" xmlns="" w="9525">
+              <a14:hiddenLine xmlns="" xmlns:a14="http://schemas.microsoft.com/office/drawing/2010/main" w="9525">
                 <a:solidFill>
                   <a:srgbClr val="000000"/>
                 </a:solidFill>
@@ -14097,14 +14130,14 @@
           </a:ln>
           <a:extLst>
             <a:ext uri="{909E8E84-426E-40dd-AFC4-6F175D3DCCD1}">
-              <a14:hiddenFill xmlns:a14="http://schemas.microsoft.com/office/drawing/2010/main" xmlns="">
+              <a14:hiddenFill xmlns="" xmlns:a14="http://schemas.microsoft.com/office/drawing/2010/main">
                 <a:solidFill>
                   <a:srgbClr val="FFFFFF"/>
                 </a:solidFill>
               </a14:hiddenFill>
             </a:ext>
             <a:ext uri="{91240B29-F687-4f45-9708-019B960494DF}">
-              <a14:hiddenLine xmlns:a14="http://schemas.microsoft.com/office/drawing/2010/main" xmlns="" w="9525">
+              <a14:hiddenLine xmlns="" xmlns:a14="http://schemas.microsoft.com/office/drawing/2010/main" w="9525">
                 <a:solidFill>
                   <a:srgbClr val="000000"/>
                 </a:solidFill>
@@ -14671,14 +14704,14 @@
           </a:ln>
           <a:extLst>
             <a:ext uri="{909E8E84-426E-40dd-AFC4-6F175D3DCCD1}">
-              <a14:hiddenFill xmlns:a14="http://schemas.microsoft.com/office/drawing/2010/main" xmlns="">
+              <a14:hiddenFill xmlns="" xmlns:a14="http://schemas.microsoft.com/office/drawing/2010/main">
                 <a:solidFill>
                   <a:srgbClr val="FFFFFF"/>
                 </a:solidFill>
               </a14:hiddenFill>
             </a:ext>
             <a:ext uri="{91240B29-F687-4f45-9708-019B960494DF}">
-              <a14:hiddenLine xmlns:a14="http://schemas.microsoft.com/office/drawing/2010/main" xmlns="" w="9525">
+              <a14:hiddenLine xmlns="" xmlns:a14="http://schemas.microsoft.com/office/drawing/2010/main" w="9525">
                 <a:solidFill>
                   <a:srgbClr val="000000"/>
                 </a:solidFill>
@@ -15618,14 +15651,14 @@
           </a:ln>
           <a:extLst>
             <a:ext uri="{909E8E84-426E-40dd-AFC4-6F175D3DCCD1}">
-              <a14:hiddenFill xmlns:a14="http://schemas.microsoft.com/office/drawing/2010/main" xmlns="">
+              <a14:hiddenFill xmlns="" xmlns:a14="http://schemas.microsoft.com/office/drawing/2010/main">
                 <a:solidFill>
                   <a:srgbClr val="FFFFFF"/>
                 </a:solidFill>
               </a14:hiddenFill>
             </a:ext>
             <a:ext uri="{91240B29-F687-4f45-9708-019B960494DF}">
-              <a14:hiddenLine xmlns:a14="http://schemas.microsoft.com/office/drawing/2010/main" xmlns="" w="9525">
+              <a14:hiddenLine xmlns="" xmlns:a14="http://schemas.microsoft.com/office/drawing/2010/main" w="9525">
                 <a:solidFill>
                   <a:srgbClr val="000000"/>
                 </a:solidFill>
@@ -16378,14 +16411,14 @@
           </a:ln>
           <a:extLst>
             <a:ext uri="{909E8E84-426E-40dd-AFC4-6F175D3DCCD1}">
-              <a14:hiddenFill xmlns:a14="http://schemas.microsoft.com/office/drawing/2010/main" xmlns="">
+              <a14:hiddenFill xmlns="" xmlns:a14="http://schemas.microsoft.com/office/drawing/2010/main">
                 <a:solidFill>
                   <a:srgbClr val="FFFFFF"/>
                 </a:solidFill>
               </a14:hiddenFill>
             </a:ext>
             <a:ext uri="{91240B29-F687-4f45-9708-019B960494DF}">
-              <a14:hiddenLine xmlns:a14="http://schemas.microsoft.com/office/drawing/2010/main" xmlns="" w="9525">
+              <a14:hiddenLine xmlns="" xmlns:a14="http://schemas.microsoft.com/office/drawing/2010/main" w="9525">
                 <a:solidFill>
                   <a:srgbClr val="000000"/>
                 </a:solidFill>
@@ -17689,11 +17722,7 @@
           <a:p>
             <a:r>
               <a:rPr lang="en-US" dirty="0"/>
-              <a:t>As you write controls, InSpec </a:t>
-            </a:r>
-            <a:r>
-              <a:rPr lang="en-US" dirty="0"/>
-              <a:t>v0.9.2 expects </a:t>
+              <a:t>As you write controls, InSpec v0.9.2 expects </a:t>
             </a:r>
             <a:r>
               <a:rPr lang="en-US" dirty="0" smtClean="0"/>
@@ -21122,15 +21151,7 @@
           <a:p>
             <a:r>
               <a:rPr lang="en-US" dirty="0" smtClean="0"/>
-              <a:t>InSpec </a:t>
-            </a:r>
-            <a:r>
-              <a:rPr lang="en-US" dirty="0" smtClean="0"/>
-              <a:t>Directory Structure </a:t>
-            </a:r>
-            <a:r>
-              <a:rPr lang="en-US" dirty="0" smtClean="0"/>
-              <a:t>Roadmap</a:t>
+              <a:t>InSpec Directory Structure Roadmap</a:t>
             </a:r>
             <a:endParaRPr lang="en-US" dirty="0"/>
           </a:p>
@@ -21162,11 +21183,7 @@
             </a:r>
             <a:r>
               <a:rPr lang="en-US" dirty="0" smtClean="0"/>
-              <a:t>mentioned previously</a:t>
-            </a:r>
-            <a:r>
-              <a:rPr lang="en-US" dirty="0" smtClean="0"/>
-              <a:t>, </a:t>
+              <a:t>mentioned previously, </a:t>
             </a:r>
             <a:r>
               <a:rPr lang="en-US" dirty="0"/>
@@ -21174,11 +21191,7 @@
             </a:r>
             <a:r>
               <a:rPr lang="en-US" dirty="0" smtClean="0"/>
-              <a:t>v0.9.2 expects the </a:t>
-            </a:r>
-            <a:r>
-              <a:rPr lang="en-US" dirty="0" smtClean="0"/>
-              <a:t>directory structure on the left. In the future, the InSpec version that will ship with the next version of ChefDK </a:t>
+              <a:t>v0.9.2 expects the directory structure on the left. In the future, the InSpec version that will ship with the next version of ChefDK </a:t>
             </a:r>
             <a:r>
               <a:rPr lang="en-US" dirty="0"/>
@@ -21196,7 +21209,6 @@
               <a:rPr lang="en-US" dirty="0" smtClean="0"/>
               <a:t>right. </a:t>
             </a:r>
-            <a:endParaRPr lang="en-US" dirty="0" smtClean="0"/>
           </a:p>
           <a:p>
             <a:endParaRPr lang="en-US" dirty="0"/>
@@ -21698,7 +21710,7 @@
           <a:effectLst/>
           <a:extLst>
             <a:ext uri="{91240B29-F687-4f45-9708-019B960494DF}">
-              <a14:hiddenLine xmlns:a14="http://schemas.microsoft.com/office/drawing/2010/main" xmlns="" w="9525">
+              <a14:hiddenLine xmlns="" xmlns:a14="http://schemas.microsoft.com/office/drawing/2010/main" w="9525">
                 <a:solidFill>
                   <a:schemeClr val="tx1"/>
                 </a:solidFill>
@@ -21708,7 +21720,7 @@
               </a14:hiddenLine>
             </a:ext>
             <a:ext uri="{AF507438-7753-43e0-B8FC-AC1667EBCBE1}">
-              <a14:hiddenEffects xmlns:a14="http://schemas.microsoft.com/office/drawing/2010/main" xmlns="">
+              <a14:hiddenEffects xmlns="" xmlns:a14="http://schemas.microsoft.com/office/drawing/2010/main">
                 <a:effectLst>
                   <a:outerShdw dist="35921" dir="2700000" algn="ctr" rotWithShape="0">
                     <a:schemeClr val="bg2"/>
@@ -23228,6 +23240,13 @@
   <p:transition spd="med">
     <p:fade/>
   </p:transition>
+  <p:timing>
+    <p:tnLst>
+      <p:par>
+        <p:cTn id="1" dur="indefinite" restart="never" nodeType="tmRoot"/>
+      </p:par>
+    </p:tnLst>
+  </p:timing>
 </p:sld>
 </file>
 
@@ -23422,6 +23441,13 @@
   <p:transition spd="med">
     <p:fade/>
   </p:transition>
+  <p:timing>
+    <p:tnLst>
+      <p:par>
+        <p:cTn id="1" dur="indefinite" restart="never" nodeType="tmRoot"/>
+      </p:par>
+    </p:tnLst>
+  </p:timing>
 </p:sld>
 </file>
 
@@ -26017,61 +26043,6 @@
 </file>
 
 <file path=customXml/item1.xml><?xml version="1.0" encoding="utf-8"?>
-<?mso-contentType ?>
-<FormTemplates xmlns="http://schemas.microsoft.com/sharepoint/v3/contenttype/forms">
-  <Display>DocumentLibraryForm</Display>
-  <Edit>DocumentLibraryForm</Edit>
-  <New>DocumentLibraryForm</New>
-</FormTemplates>
-</file>
-
-<file path=customXml/item2.xml><?xml version="1.0" encoding="utf-8"?>
-<?mso-contentType ?>
-<spe:Receivers xmlns:spe="http://schemas.microsoft.com/sharepoint/events">
-  <Receiver>
-    <Name>Document ID Generator</Name>
-    <Synchronization>Synchronous</Synchronization>
-    <Type>10001</Type>
-    <SequenceNumber>1000</SequenceNumber>
-    <Assembly>Microsoft.Office.DocumentManagement, Version=14.0.0.0, Culture=neutral, PublicKeyToken=71e9bce111e9429c</Assembly>
-    <Class>Microsoft.Office.DocumentManagement.Internal.DocIdHandler</Class>
-    <Data/>
-    <Filter/>
-  </Receiver>
-  <Receiver>
-    <Name>Document ID Generator</Name>
-    <Synchronization>Synchronous</Synchronization>
-    <Type>10002</Type>
-    <SequenceNumber>1001</SequenceNumber>
-    <Assembly>Microsoft.Office.DocumentManagement, Version=14.0.0.0, Culture=neutral, PublicKeyToken=71e9bce111e9429c</Assembly>
-    <Class>Microsoft.Office.DocumentManagement.Internal.DocIdHandler</Class>
-    <Data/>
-    <Filter/>
-  </Receiver>
-  <Receiver>
-    <Name>Document ID Generator</Name>
-    <Synchronization>Synchronous</Synchronization>
-    <Type>10004</Type>
-    <SequenceNumber>1002</SequenceNumber>
-    <Assembly>Microsoft.Office.DocumentManagement, Version=14.0.0.0, Culture=neutral, PublicKeyToken=71e9bce111e9429c</Assembly>
-    <Class>Microsoft.Office.DocumentManagement.Internal.DocIdHandler</Class>
-    <Data/>
-    <Filter/>
-  </Receiver>
-  <Receiver>
-    <Name>Document ID Generator</Name>
-    <Synchronization>Synchronous</Synchronization>
-    <Type>10006</Type>
-    <SequenceNumber>1003</SequenceNumber>
-    <Assembly>Microsoft.Office.DocumentManagement, Version=14.0.0.0, Culture=neutral, PublicKeyToken=71e9bce111e9429c</Assembly>
-    <Class>Microsoft.Office.DocumentManagement.Internal.DocIdHandler</Class>
-    <Data/>
-    <Filter/>
-  </Receiver>
-</spe:Receivers>
-</file>
-
-<file path=customXml/item3.xml><?xml version="1.0" encoding="utf-8"?>
 <ct:contentTypeSchema xmlns:ct="http://schemas.microsoft.com/office/2006/metadata/contentType" xmlns:ma="http://schemas.microsoft.com/office/2006/metadata/properties/metaAttributes" ct:_="" ma:_="" ma:contentTypeName="Document" ma:contentTypeID="0x0101000812F700BE7F874999720E88173FE491" ma:contentTypeVersion="0" ma:contentTypeDescription="Create a new document." ma:contentTypeScope="" ma:versionID="3f79f408e2ca720b7aba6e0e32464d0c">
   <xsd:schema xmlns:xsd="http://www.w3.org/2001/XMLSchema" xmlns:xs="http://www.w3.org/2001/XMLSchema" xmlns:p="http://schemas.microsoft.com/office/2006/metadata/properties" xmlns:ns2="7bb5d761-a2ea-4873-95f7-7a6658fb3ef0" targetNamespace="http://schemas.microsoft.com/office/2006/metadata/properties" ma:root="true" ma:fieldsID="1e062cd38ba31e406bfc4340fbc7f87a" ns2:_="">
     <xsd:import namespace="7bb5d761-a2ea-4873-95f7-7a6658fb3ef0"/>
@@ -26216,6 +26187,61 @@
 </ct:contentTypeSchema>
 </file>
 
+<file path=customXml/item2.xml><?xml version="1.0" encoding="utf-8"?>
+<?mso-contentType ?>
+<spe:Receivers xmlns:spe="http://schemas.microsoft.com/sharepoint/events">
+  <Receiver>
+    <Name>Document ID Generator</Name>
+    <Synchronization>Synchronous</Synchronization>
+    <Type>10001</Type>
+    <SequenceNumber>1000</SequenceNumber>
+    <Assembly>Microsoft.Office.DocumentManagement, Version=14.0.0.0, Culture=neutral, PublicKeyToken=71e9bce111e9429c</Assembly>
+    <Class>Microsoft.Office.DocumentManagement.Internal.DocIdHandler</Class>
+    <Data/>
+    <Filter/>
+  </Receiver>
+  <Receiver>
+    <Name>Document ID Generator</Name>
+    <Synchronization>Synchronous</Synchronization>
+    <Type>10002</Type>
+    <SequenceNumber>1001</SequenceNumber>
+    <Assembly>Microsoft.Office.DocumentManagement, Version=14.0.0.0, Culture=neutral, PublicKeyToken=71e9bce111e9429c</Assembly>
+    <Class>Microsoft.Office.DocumentManagement.Internal.DocIdHandler</Class>
+    <Data/>
+    <Filter/>
+  </Receiver>
+  <Receiver>
+    <Name>Document ID Generator</Name>
+    <Synchronization>Synchronous</Synchronization>
+    <Type>10004</Type>
+    <SequenceNumber>1002</SequenceNumber>
+    <Assembly>Microsoft.Office.DocumentManagement, Version=14.0.0.0, Culture=neutral, PublicKeyToken=71e9bce111e9429c</Assembly>
+    <Class>Microsoft.Office.DocumentManagement.Internal.DocIdHandler</Class>
+    <Data/>
+    <Filter/>
+  </Receiver>
+  <Receiver>
+    <Name>Document ID Generator</Name>
+    <Synchronization>Synchronous</Synchronization>
+    <Type>10006</Type>
+    <SequenceNumber>1003</SequenceNumber>
+    <Assembly>Microsoft.Office.DocumentManagement, Version=14.0.0.0, Culture=neutral, PublicKeyToken=71e9bce111e9429c</Assembly>
+    <Class>Microsoft.Office.DocumentManagement.Internal.DocIdHandler</Class>
+    <Data/>
+    <Filter/>
+  </Receiver>
+</spe:Receivers>
+</file>
+
+<file path=customXml/item3.xml><?xml version="1.0" encoding="utf-8"?>
+<?mso-contentType ?>
+<FormTemplates xmlns="http://schemas.microsoft.com/sharepoint/v3/contenttype/forms">
+  <Display>DocumentLibraryForm</Display>
+  <Edit>DocumentLibraryForm</Edit>
+  <New>DocumentLibraryForm</New>
+</FormTemplates>
+</file>
+
 <file path=customXml/item4.xml><?xml version="1.0" encoding="utf-8"?>
 <p:properties xmlns:p="http://schemas.microsoft.com/office/2006/metadata/properties" xmlns:xsi="http://www.w3.org/2001/XMLSchema-instance" xmlns:pc="http://schemas.microsoft.com/office/infopath/2007/PartnerControls">
   <documentManagement>
@@ -26229,9 +26255,19 @@
 </file>
 
 <file path=customXml/itemProps1.xml><?xml version="1.0" encoding="utf-8"?>
-<ds:datastoreItem xmlns:ds="http://schemas.openxmlformats.org/officeDocument/2006/customXml" ds:itemID="{5CDEB364-43EC-4510-9881-539C2A3FCE9E}">
+<ds:datastoreItem xmlns:ds="http://schemas.openxmlformats.org/officeDocument/2006/customXml" ds:itemID="{164479E5-0B02-49AC-B79E-EC1D6164DDD3}">
   <ds:schemaRefs>
-    <ds:schemaRef ds:uri="http://schemas.microsoft.com/sharepoint/v3/contenttype/forms"/>
+    <ds:schemaRef ds:uri="http://schemas.microsoft.com/office/2006/metadata/contentType"/>
+    <ds:schemaRef ds:uri="http://schemas.microsoft.com/office/2006/metadata/properties/metaAttributes"/>
+    <ds:schemaRef ds:uri="http://www.w3.org/2001/XMLSchema"/>
+    <ds:schemaRef ds:uri="http://schemas.microsoft.com/office/2006/metadata/properties"/>
+    <ds:schemaRef ds:uri="7bb5d761-a2ea-4873-95f7-7a6658fb3ef0"/>
+    <ds:schemaRef ds:uri="http://schemas.microsoft.com/office/2006/documentManagement/types"/>
+    <ds:schemaRef ds:uri="http://schemas.microsoft.com/office/infopath/2007/PartnerControls"/>
+    <ds:schemaRef ds:uri="http://schemas.openxmlformats.org/package/2006/metadata/core-properties"/>
+    <ds:schemaRef ds:uri="http://purl.org/dc/elements/1.1/"/>
+    <ds:schemaRef ds:uri="http://purl.org/dc/terms/"/>
+    <ds:schemaRef ds:uri="http://schemas.microsoft.com/internal/obd"/>
   </ds:schemaRefs>
 </ds:datastoreItem>
 </file>
@@ -26245,19 +26281,9 @@
 </file>
 
 <file path=customXml/itemProps3.xml><?xml version="1.0" encoding="utf-8"?>
-<ds:datastoreItem xmlns:ds="http://schemas.openxmlformats.org/officeDocument/2006/customXml" ds:itemID="{164479E5-0B02-49AC-B79E-EC1D6164DDD3}">
+<ds:datastoreItem xmlns:ds="http://schemas.openxmlformats.org/officeDocument/2006/customXml" ds:itemID="{5CDEB364-43EC-4510-9881-539C2A3FCE9E}">
   <ds:schemaRefs>
-    <ds:schemaRef ds:uri="http://schemas.microsoft.com/office/2006/metadata/contentType"/>
-    <ds:schemaRef ds:uri="http://schemas.microsoft.com/office/2006/metadata/properties/metaAttributes"/>
-    <ds:schemaRef ds:uri="http://www.w3.org/2001/XMLSchema"/>
-    <ds:schemaRef ds:uri="http://schemas.microsoft.com/office/2006/metadata/properties"/>
-    <ds:schemaRef ds:uri="7bb5d761-a2ea-4873-95f7-7a6658fb3ef0"/>
-    <ds:schemaRef ds:uri="http://schemas.microsoft.com/office/2006/documentManagement/types"/>
-    <ds:schemaRef ds:uri="http://schemas.microsoft.com/office/infopath/2007/PartnerControls"/>
-    <ds:schemaRef ds:uri="http://schemas.openxmlformats.org/package/2006/metadata/core-properties"/>
-    <ds:schemaRef ds:uri="http://purl.org/dc/elements/1.1/"/>
-    <ds:schemaRef ds:uri="http://purl.org/dc/terms/"/>
-    <ds:schemaRef ds:uri="http://schemas.microsoft.com/internal/obd"/>
+    <ds:schemaRef ds:uri="http://schemas.microsoft.com/sharepoint/v3/contenttype/forms"/>
   </ds:schemaRefs>
 </ds:datastoreItem>
 </file>

--- a/05-creating-custom-profiles.pptx
+++ b/05-creating-custom-profiles.pptx
@@ -308,7 +308,7 @@
               <a:pPr>
                 <a:defRPr/>
               </a:pPr>
-              <a:t>2016-02-05</a:t>
+              <a:t>2016-02-08</a:t>
             </a:fld>
             <a:endParaRPr lang="en-US" dirty="0"/>
           </a:p>
@@ -491,7 +491,7 @@
               <a:pPr>
                 <a:defRPr/>
               </a:pPr>
-              <a:t>2016-02-05</a:t>
+              <a:t>2016-02-08</a:t>
             </a:fld>
             <a:endParaRPr lang="en-US" dirty="0"/>
           </a:p>
@@ -5668,19 +5668,7 @@
                 <a:ea typeface="ＭＳ Ｐゴシック" charset="0"/>
                 <a:cs typeface="Arial" panose="020B0604020202020204" pitchFamily="34" charset="0"/>
               </a:rPr>
-              <a:t>://</a:t>
-            </a:r>
-            <a:r>
-              <a:rPr lang="en-US" sz="1200" b="0" i="0" kern="1200" baseline="0" smtClean="0">
-                <a:solidFill>
-                  <a:schemeClr val="tx1"/>
-                </a:solidFill>
-                <a:effectLst/>
-                <a:latin typeface="Arial" panose="020B0604020202020204" pitchFamily="34" charset="0"/>
-                <a:ea typeface="ＭＳ Ｐゴシック" charset="0"/>
-                <a:cs typeface="Arial" panose="020B0604020202020204" pitchFamily="34" charset="0"/>
-              </a:rPr>
-              <a:t>github.com/chef/inspec/blob/1f325b1cfd02391fab14a996693a034da37aadd8/docs/profiles.rst </a:t>
+              <a:t>://github.com/chef/inspec/blob/1f325b1cfd02391fab14a996693a034da37aadd8/docs/profiles.rst </a:t>
             </a:r>
             <a:endParaRPr lang="en-US" sz="1200" b="0" i="0" kern="1200" baseline="0" dirty="0" smtClean="0">
               <a:solidFill>
@@ -5848,8 +5836,37 @@
           <a:p>
             <a:r>
               <a:rPr lang="en-US" dirty="0" smtClean="0"/>
-              <a:t>TBD: now do lab for windows too.</a:t>
-            </a:r>
+              <a:t>TBD: now do lab for windows too</a:t>
+            </a:r>
+            <a:r>
+              <a:rPr lang="en-US" dirty="0" smtClean="0"/>
+              <a:t>. Also add </a:t>
+            </a:r>
+            <a:r>
+              <a:rPr lang="en-US" dirty="0" err="1" smtClean="0"/>
+              <a:t>inspec</a:t>
+            </a:r>
+            <a:r>
+              <a:rPr lang="en-US" dirty="0" smtClean="0"/>
+              <a:t> reference link that gives </a:t>
+            </a:r>
+            <a:r>
+              <a:rPr lang="en-US" smtClean="0"/>
+              <a:t>writing profile</a:t>
+            </a:r>
+            <a:r>
+              <a:rPr lang="en-US" baseline="0" smtClean="0"/>
+              <a:t> </a:t>
+            </a:r>
+            <a:r>
+              <a:rPr lang="en-US" smtClean="0"/>
+              <a:t>examples</a:t>
+            </a:r>
+            <a:r>
+              <a:rPr lang="en-US" dirty="0" smtClean="0"/>
+              <a:t>. </a:t>
+            </a:r>
+            <a:endParaRPr lang="en-US" dirty="0" smtClean="0"/>
           </a:p>
           <a:p>
             <a:endParaRPr lang="en-US" dirty="0" smtClean="0"/>
@@ -9439,14 +9456,14 @@
           </a:ln>
           <a:extLst>
             <a:ext uri="{909E8E84-426E-40dd-AFC4-6F175D3DCCD1}">
-              <a14:hiddenFill xmlns="" xmlns:a14="http://schemas.microsoft.com/office/drawing/2010/main">
+              <a14:hiddenFill xmlns:a14="http://schemas.microsoft.com/office/drawing/2010/main" xmlns="">
                 <a:solidFill>
                   <a:srgbClr val="FFFFFF"/>
                 </a:solidFill>
               </a14:hiddenFill>
             </a:ext>
             <a:ext uri="{91240B29-F687-4f45-9708-019B960494DF}">
-              <a14:hiddenLine xmlns="" xmlns:a14="http://schemas.microsoft.com/office/drawing/2010/main" w="9525">
+              <a14:hiddenLine xmlns:a14="http://schemas.microsoft.com/office/drawing/2010/main" xmlns="" w="9525">
                 <a:solidFill>
                   <a:srgbClr val="000000"/>
                 </a:solidFill>
@@ -9594,14 +9611,14 @@
           </a:ln>
           <a:extLst>
             <a:ext uri="{909E8E84-426E-40dd-AFC4-6F175D3DCCD1}">
-              <a14:hiddenFill xmlns="" xmlns:a14="http://schemas.microsoft.com/office/drawing/2010/main">
+              <a14:hiddenFill xmlns:a14="http://schemas.microsoft.com/office/drawing/2010/main" xmlns="">
                 <a:solidFill>
                   <a:srgbClr val="FFFFFF"/>
                 </a:solidFill>
               </a14:hiddenFill>
             </a:ext>
             <a:ext uri="{91240B29-F687-4f45-9708-019B960494DF}">
-              <a14:hiddenLine xmlns="" xmlns:a14="http://schemas.microsoft.com/office/drawing/2010/main" w="9525">
+              <a14:hiddenLine xmlns:a14="http://schemas.microsoft.com/office/drawing/2010/main" xmlns="" w="9525">
                 <a:solidFill>
                   <a:srgbClr val="000000"/>
                 </a:solidFill>
@@ -10092,14 +10109,14 @@
           </a:ln>
           <a:extLst>
             <a:ext uri="{909E8E84-426E-40dd-AFC4-6F175D3DCCD1}">
-              <a14:hiddenFill xmlns="" xmlns:a14="http://schemas.microsoft.com/office/drawing/2010/main">
+              <a14:hiddenFill xmlns:a14="http://schemas.microsoft.com/office/drawing/2010/main" xmlns="">
                 <a:solidFill>
                   <a:srgbClr val="FFFFFF"/>
                 </a:solidFill>
               </a14:hiddenFill>
             </a:ext>
             <a:ext uri="{91240B29-F687-4f45-9708-019B960494DF}">
-              <a14:hiddenLine xmlns="" xmlns:a14="http://schemas.microsoft.com/office/drawing/2010/main" w="9525">
+              <a14:hiddenLine xmlns:a14="http://schemas.microsoft.com/office/drawing/2010/main" xmlns="" w="9525">
                 <a:solidFill>
                   <a:srgbClr val="000000"/>
                 </a:solidFill>
@@ -10625,14 +10642,14 @@
           </a:ln>
           <a:extLst>
             <a:ext uri="{909E8E84-426E-40dd-AFC4-6F175D3DCCD1}">
-              <a14:hiddenFill xmlns="" xmlns:a14="http://schemas.microsoft.com/office/drawing/2010/main">
+              <a14:hiddenFill xmlns:a14="http://schemas.microsoft.com/office/drawing/2010/main" xmlns="">
                 <a:solidFill>
                   <a:srgbClr val="FFFFFF"/>
                 </a:solidFill>
               </a14:hiddenFill>
             </a:ext>
             <a:ext uri="{91240B29-F687-4f45-9708-019B960494DF}">
-              <a14:hiddenLine xmlns="" xmlns:a14="http://schemas.microsoft.com/office/drawing/2010/main" w="9525">
+              <a14:hiddenLine xmlns:a14="http://schemas.microsoft.com/office/drawing/2010/main" xmlns="" w="9525">
                 <a:solidFill>
                   <a:srgbClr val="000000"/>
                 </a:solidFill>
@@ -12256,14 +12273,14 @@
           </a:ln>
           <a:extLst>
             <a:ext uri="{909E8E84-426E-40dd-AFC4-6F175D3DCCD1}">
-              <a14:hiddenFill xmlns="" xmlns:a14="http://schemas.microsoft.com/office/drawing/2010/main">
+              <a14:hiddenFill xmlns:a14="http://schemas.microsoft.com/office/drawing/2010/main" xmlns="">
                 <a:solidFill>
                   <a:srgbClr val="FFFFFF"/>
                 </a:solidFill>
               </a14:hiddenFill>
             </a:ext>
             <a:ext uri="{91240B29-F687-4f45-9708-019B960494DF}">
-              <a14:hiddenLine xmlns="" xmlns:a14="http://schemas.microsoft.com/office/drawing/2010/main" w="9525">
+              <a14:hiddenLine xmlns:a14="http://schemas.microsoft.com/office/drawing/2010/main" xmlns="" w="9525">
                 <a:solidFill>
                   <a:srgbClr val="000000"/>
                 </a:solidFill>
@@ -13617,14 +13634,14 @@
           </a:ln>
           <a:extLst>
             <a:ext uri="{909E8E84-426E-40dd-AFC4-6F175D3DCCD1}">
-              <a14:hiddenFill xmlns="" xmlns:a14="http://schemas.microsoft.com/office/drawing/2010/main">
+              <a14:hiddenFill xmlns:a14="http://schemas.microsoft.com/office/drawing/2010/main" xmlns="">
                 <a:solidFill>
                   <a:srgbClr val="FFFFFF"/>
                 </a:solidFill>
               </a14:hiddenFill>
             </a:ext>
             <a:ext uri="{91240B29-F687-4f45-9708-019B960494DF}">
-              <a14:hiddenLine xmlns="" xmlns:a14="http://schemas.microsoft.com/office/drawing/2010/main" w="9525">
+              <a14:hiddenLine xmlns:a14="http://schemas.microsoft.com/office/drawing/2010/main" xmlns="" w="9525">
                 <a:solidFill>
                   <a:srgbClr val="000000"/>
                 </a:solidFill>
@@ -14130,14 +14147,14 @@
           </a:ln>
           <a:extLst>
             <a:ext uri="{909E8E84-426E-40dd-AFC4-6F175D3DCCD1}">
-              <a14:hiddenFill xmlns="" xmlns:a14="http://schemas.microsoft.com/office/drawing/2010/main">
+              <a14:hiddenFill xmlns:a14="http://schemas.microsoft.com/office/drawing/2010/main" xmlns="">
                 <a:solidFill>
                   <a:srgbClr val="FFFFFF"/>
                 </a:solidFill>
               </a14:hiddenFill>
             </a:ext>
             <a:ext uri="{91240B29-F687-4f45-9708-019B960494DF}">
-              <a14:hiddenLine xmlns="" xmlns:a14="http://schemas.microsoft.com/office/drawing/2010/main" w="9525">
+              <a14:hiddenLine xmlns:a14="http://schemas.microsoft.com/office/drawing/2010/main" xmlns="" w="9525">
                 <a:solidFill>
                   <a:srgbClr val="000000"/>
                 </a:solidFill>
@@ -14704,14 +14721,14 @@
           </a:ln>
           <a:extLst>
             <a:ext uri="{909E8E84-426E-40dd-AFC4-6F175D3DCCD1}">
-              <a14:hiddenFill xmlns="" xmlns:a14="http://schemas.microsoft.com/office/drawing/2010/main">
+              <a14:hiddenFill xmlns:a14="http://schemas.microsoft.com/office/drawing/2010/main" xmlns="">
                 <a:solidFill>
                   <a:srgbClr val="FFFFFF"/>
                 </a:solidFill>
               </a14:hiddenFill>
             </a:ext>
             <a:ext uri="{91240B29-F687-4f45-9708-019B960494DF}">
-              <a14:hiddenLine xmlns="" xmlns:a14="http://schemas.microsoft.com/office/drawing/2010/main" w="9525">
+              <a14:hiddenLine xmlns:a14="http://schemas.microsoft.com/office/drawing/2010/main" xmlns="" w="9525">
                 <a:solidFill>
                   <a:srgbClr val="000000"/>
                 </a:solidFill>
@@ -15651,14 +15668,14 @@
           </a:ln>
           <a:extLst>
             <a:ext uri="{909E8E84-426E-40dd-AFC4-6F175D3DCCD1}">
-              <a14:hiddenFill xmlns="" xmlns:a14="http://schemas.microsoft.com/office/drawing/2010/main">
+              <a14:hiddenFill xmlns:a14="http://schemas.microsoft.com/office/drawing/2010/main" xmlns="">
                 <a:solidFill>
                   <a:srgbClr val="FFFFFF"/>
                 </a:solidFill>
               </a14:hiddenFill>
             </a:ext>
             <a:ext uri="{91240B29-F687-4f45-9708-019B960494DF}">
-              <a14:hiddenLine xmlns="" xmlns:a14="http://schemas.microsoft.com/office/drawing/2010/main" w="9525">
+              <a14:hiddenLine xmlns:a14="http://schemas.microsoft.com/office/drawing/2010/main" xmlns="" w="9525">
                 <a:solidFill>
                   <a:srgbClr val="000000"/>
                 </a:solidFill>
@@ -16411,14 +16428,14 @@
           </a:ln>
           <a:extLst>
             <a:ext uri="{909E8E84-426E-40dd-AFC4-6F175D3DCCD1}">
-              <a14:hiddenFill xmlns="" xmlns:a14="http://schemas.microsoft.com/office/drawing/2010/main">
+              <a14:hiddenFill xmlns:a14="http://schemas.microsoft.com/office/drawing/2010/main" xmlns="">
                 <a:solidFill>
                   <a:srgbClr val="FFFFFF"/>
                 </a:solidFill>
               </a14:hiddenFill>
             </a:ext>
             <a:ext uri="{91240B29-F687-4f45-9708-019B960494DF}">
-              <a14:hiddenLine xmlns="" xmlns:a14="http://schemas.microsoft.com/office/drawing/2010/main" w="9525">
+              <a14:hiddenLine xmlns:a14="http://schemas.microsoft.com/office/drawing/2010/main" xmlns="" w="9525">
                 <a:solidFill>
                   <a:srgbClr val="000000"/>
                 </a:solidFill>
@@ -21710,7 +21727,7 @@
           <a:effectLst/>
           <a:extLst>
             <a:ext uri="{91240B29-F687-4f45-9708-019B960494DF}">
-              <a14:hiddenLine xmlns="" xmlns:a14="http://schemas.microsoft.com/office/drawing/2010/main" w="9525">
+              <a14:hiddenLine xmlns:a14="http://schemas.microsoft.com/office/drawing/2010/main" xmlns="" w="9525">
                 <a:solidFill>
                   <a:schemeClr val="tx1"/>
                 </a:solidFill>
@@ -21720,7 +21737,7 @@
               </a14:hiddenLine>
             </a:ext>
             <a:ext uri="{AF507438-7753-43e0-B8FC-AC1667EBCBE1}">
-              <a14:hiddenEffects xmlns="" xmlns:a14="http://schemas.microsoft.com/office/drawing/2010/main">
+              <a14:hiddenEffects xmlns:a14="http://schemas.microsoft.com/office/drawing/2010/main" xmlns="">
                 <a:effectLst>
                   <a:outerShdw dist="35921" dir="2700000" algn="ctr" rotWithShape="0">
                     <a:schemeClr val="bg2"/>
@@ -26043,6 +26060,52 @@
 </file>
 
 <file path=customXml/item1.xml><?xml version="1.0" encoding="utf-8"?>
+<?mso-contentType ?>
+<spe:Receivers xmlns:spe="http://schemas.microsoft.com/sharepoint/events">
+  <Receiver>
+    <Name>Document ID Generator</Name>
+    <Synchronization>Synchronous</Synchronization>
+    <Type>10001</Type>
+    <SequenceNumber>1000</SequenceNumber>
+    <Assembly>Microsoft.Office.DocumentManagement, Version=14.0.0.0, Culture=neutral, PublicKeyToken=71e9bce111e9429c</Assembly>
+    <Class>Microsoft.Office.DocumentManagement.Internal.DocIdHandler</Class>
+    <Data/>
+    <Filter/>
+  </Receiver>
+  <Receiver>
+    <Name>Document ID Generator</Name>
+    <Synchronization>Synchronous</Synchronization>
+    <Type>10002</Type>
+    <SequenceNumber>1001</SequenceNumber>
+    <Assembly>Microsoft.Office.DocumentManagement, Version=14.0.0.0, Culture=neutral, PublicKeyToken=71e9bce111e9429c</Assembly>
+    <Class>Microsoft.Office.DocumentManagement.Internal.DocIdHandler</Class>
+    <Data/>
+    <Filter/>
+  </Receiver>
+  <Receiver>
+    <Name>Document ID Generator</Name>
+    <Synchronization>Synchronous</Synchronization>
+    <Type>10004</Type>
+    <SequenceNumber>1002</SequenceNumber>
+    <Assembly>Microsoft.Office.DocumentManagement, Version=14.0.0.0, Culture=neutral, PublicKeyToken=71e9bce111e9429c</Assembly>
+    <Class>Microsoft.Office.DocumentManagement.Internal.DocIdHandler</Class>
+    <Data/>
+    <Filter/>
+  </Receiver>
+  <Receiver>
+    <Name>Document ID Generator</Name>
+    <Synchronization>Synchronous</Synchronization>
+    <Type>10006</Type>
+    <SequenceNumber>1003</SequenceNumber>
+    <Assembly>Microsoft.Office.DocumentManagement, Version=14.0.0.0, Culture=neutral, PublicKeyToken=71e9bce111e9429c</Assembly>
+    <Class>Microsoft.Office.DocumentManagement.Internal.DocIdHandler</Class>
+    <Data/>
+    <Filter/>
+  </Receiver>
+</spe:Receivers>
+</file>
+
+<file path=customXml/item2.xml><?xml version="1.0" encoding="utf-8"?>
 <ct:contentTypeSchema xmlns:ct="http://schemas.microsoft.com/office/2006/metadata/contentType" xmlns:ma="http://schemas.microsoft.com/office/2006/metadata/properties/metaAttributes" ct:_="" ma:_="" ma:contentTypeName="Document" ma:contentTypeID="0x0101000812F700BE7F874999720E88173FE491" ma:contentTypeVersion="0" ma:contentTypeDescription="Create a new document." ma:contentTypeScope="" ma:versionID="3f79f408e2ca720b7aba6e0e32464d0c">
   <xsd:schema xmlns:xsd="http://www.w3.org/2001/XMLSchema" xmlns:xs="http://www.w3.org/2001/XMLSchema" xmlns:p="http://schemas.microsoft.com/office/2006/metadata/properties" xmlns:ns2="7bb5d761-a2ea-4873-95f7-7a6658fb3ef0" targetNamespace="http://schemas.microsoft.com/office/2006/metadata/properties" ma:root="true" ma:fieldsID="1e062cd38ba31e406bfc4340fbc7f87a" ns2:_="">
     <xsd:import namespace="7bb5d761-a2ea-4873-95f7-7a6658fb3ef0"/>
@@ -26187,62 +26250,7 @@
 </ct:contentTypeSchema>
 </file>
 
-<file path=customXml/item2.xml><?xml version="1.0" encoding="utf-8"?>
-<?mso-contentType ?>
-<spe:Receivers xmlns:spe="http://schemas.microsoft.com/sharepoint/events">
-  <Receiver>
-    <Name>Document ID Generator</Name>
-    <Synchronization>Synchronous</Synchronization>
-    <Type>10001</Type>
-    <SequenceNumber>1000</SequenceNumber>
-    <Assembly>Microsoft.Office.DocumentManagement, Version=14.0.0.0, Culture=neutral, PublicKeyToken=71e9bce111e9429c</Assembly>
-    <Class>Microsoft.Office.DocumentManagement.Internal.DocIdHandler</Class>
-    <Data/>
-    <Filter/>
-  </Receiver>
-  <Receiver>
-    <Name>Document ID Generator</Name>
-    <Synchronization>Synchronous</Synchronization>
-    <Type>10002</Type>
-    <SequenceNumber>1001</SequenceNumber>
-    <Assembly>Microsoft.Office.DocumentManagement, Version=14.0.0.0, Culture=neutral, PublicKeyToken=71e9bce111e9429c</Assembly>
-    <Class>Microsoft.Office.DocumentManagement.Internal.DocIdHandler</Class>
-    <Data/>
-    <Filter/>
-  </Receiver>
-  <Receiver>
-    <Name>Document ID Generator</Name>
-    <Synchronization>Synchronous</Synchronization>
-    <Type>10004</Type>
-    <SequenceNumber>1002</SequenceNumber>
-    <Assembly>Microsoft.Office.DocumentManagement, Version=14.0.0.0, Culture=neutral, PublicKeyToken=71e9bce111e9429c</Assembly>
-    <Class>Microsoft.Office.DocumentManagement.Internal.DocIdHandler</Class>
-    <Data/>
-    <Filter/>
-  </Receiver>
-  <Receiver>
-    <Name>Document ID Generator</Name>
-    <Synchronization>Synchronous</Synchronization>
-    <Type>10006</Type>
-    <SequenceNumber>1003</SequenceNumber>
-    <Assembly>Microsoft.Office.DocumentManagement, Version=14.0.0.0, Culture=neutral, PublicKeyToken=71e9bce111e9429c</Assembly>
-    <Class>Microsoft.Office.DocumentManagement.Internal.DocIdHandler</Class>
-    <Data/>
-    <Filter/>
-  </Receiver>
-</spe:Receivers>
-</file>
-
 <file path=customXml/item3.xml><?xml version="1.0" encoding="utf-8"?>
-<?mso-contentType ?>
-<FormTemplates xmlns="http://schemas.microsoft.com/sharepoint/v3/contenttype/forms">
-  <Display>DocumentLibraryForm</Display>
-  <Edit>DocumentLibraryForm</Edit>
-  <New>DocumentLibraryForm</New>
-</FormTemplates>
-</file>
-
-<file path=customXml/item4.xml><?xml version="1.0" encoding="utf-8"?>
 <p:properties xmlns:p="http://schemas.microsoft.com/office/2006/metadata/properties" xmlns:xsi="http://www.w3.org/2001/XMLSchema-instance" xmlns:pc="http://schemas.microsoft.com/office/infopath/2007/PartnerControls">
   <documentManagement>
     <_dlc_DocId xmlns="7bb5d761-a2ea-4873-95f7-7a6658fb3ef0">M4CWTKMW727E-592-73</_dlc_DocId>
@@ -26254,7 +26262,24 @@
 </p:properties>
 </file>
 
+<file path=customXml/item4.xml><?xml version="1.0" encoding="utf-8"?>
+<?mso-contentType ?>
+<FormTemplates xmlns="http://schemas.microsoft.com/sharepoint/v3/contenttype/forms">
+  <Display>DocumentLibraryForm</Display>
+  <Edit>DocumentLibraryForm</Edit>
+  <New>DocumentLibraryForm</New>
+</FormTemplates>
+</file>
+
 <file path=customXml/itemProps1.xml><?xml version="1.0" encoding="utf-8"?>
+<ds:datastoreItem xmlns:ds="http://schemas.openxmlformats.org/officeDocument/2006/customXml" ds:itemID="{B13EBC30-FE27-4C6A-B723-23FC2188F7DC}">
+  <ds:schemaRefs>
+    <ds:schemaRef ds:uri="http://schemas.microsoft.com/sharepoint/events"/>
+  </ds:schemaRefs>
+</ds:datastoreItem>
+</file>
+
+<file path=customXml/itemProps2.xml><?xml version="1.0" encoding="utf-8"?>
 <ds:datastoreItem xmlns:ds="http://schemas.openxmlformats.org/officeDocument/2006/customXml" ds:itemID="{164479E5-0B02-49AC-B79E-EC1D6164DDD3}">
   <ds:schemaRefs>
     <ds:schemaRef ds:uri="http://schemas.microsoft.com/office/2006/metadata/contentType"/>
@@ -26272,23 +26297,7 @@
 </ds:datastoreItem>
 </file>
 
-<file path=customXml/itemProps2.xml><?xml version="1.0" encoding="utf-8"?>
-<ds:datastoreItem xmlns:ds="http://schemas.openxmlformats.org/officeDocument/2006/customXml" ds:itemID="{B13EBC30-FE27-4C6A-B723-23FC2188F7DC}">
-  <ds:schemaRefs>
-    <ds:schemaRef ds:uri="http://schemas.microsoft.com/sharepoint/events"/>
-  </ds:schemaRefs>
-</ds:datastoreItem>
-</file>
-
 <file path=customXml/itemProps3.xml><?xml version="1.0" encoding="utf-8"?>
-<ds:datastoreItem xmlns:ds="http://schemas.openxmlformats.org/officeDocument/2006/customXml" ds:itemID="{5CDEB364-43EC-4510-9881-539C2A3FCE9E}">
-  <ds:schemaRefs>
-    <ds:schemaRef ds:uri="http://schemas.microsoft.com/sharepoint/v3/contenttype/forms"/>
-  </ds:schemaRefs>
-</ds:datastoreItem>
-</file>
-
-<file path=customXml/itemProps4.xml><?xml version="1.0" encoding="utf-8"?>
 <ds:datastoreItem xmlns:ds="http://schemas.openxmlformats.org/officeDocument/2006/customXml" ds:itemID="{6921749B-AEB7-461B-845F-603CABD25259}">
   <ds:schemaRefs>
     <ds:schemaRef ds:uri="http://schemas.microsoft.com/office/2006/documentManagement/types"/>
@@ -26302,4 +26311,12 @@
     <ds:schemaRef ds:uri="http://purl.org/dc/dcmitype/"/>
   </ds:schemaRefs>
 </ds:datastoreItem>
+</file>
+
+<file path=customXml/itemProps4.xml><?xml version="1.0" encoding="utf-8"?>
+<ds:datastoreItem xmlns:ds="http://schemas.openxmlformats.org/officeDocument/2006/customXml" ds:itemID="{5CDEB364-43EC-4510-9881-539C2A3FCE9E}">
+  <ds:schemaRefs>
+    <ds:schemaRef ds:uri="http://schemas.microsoft.com/sharepoint/v3/contenttype/forms"/>
+  </ds:schemaRefs>
+</ds:datastoreItem>
 </file>
--- a/05-creating-custom-profiles.pptx
+++ b/05-creating-custom-profiles.pptx
@@ -5656,29 +5656,8 @@
                 <a:ea typeface="ＭＳ Ｐゴシック" charset="0"/>
                 <a:cs typeface="Arial" panose="020B0604020202020204" pitchFamily="34" charset="0"/>
               </a:rPr>
-              <a:t> an awesome message to tell. Here is a link to where the image on the right was derived: https</a:t>
-            </a:r>
-            <a:r>
-              <a:rPr lang="en-US" sz="1200" b="0" i="0" kern="1200" baseline="0" smtClean="0">
-                <a:solidFill>
-                  <a:schemeClr val="tx1"/>
-                </a:solidFill>
-                <a:effectLst/>
-                <a:latin typeface="Arial" panose="020B0604020202020204" pitchFamily="34" charset="0"/>
-                <a:ea typeface="ＭＳ Ｐゴシック" charset="0"/>
-                <a:cs typeface="Arial" panose="020B0604020202020204" pitchFamily="34" charset="0"/>
-              </a:rPr>
-              <a:t>://github.com/chef/inspec/blob/1f325b1cfd02391fab14a996693a034da37aadd8/docs/profiles.rst </a:t>
-            </a:r>
-            <a:endParaRPr lang="en-US" sz="1200" b="0" i="0" kern="1200" baseline="0" dirty="0" smtClean="0">
-              <a:solidFill>
-                <a:schemeClr val="tx1"/>
-              </a:solidFill>
-              <a:effectLst/>
-              <a:latin typeface="Arial" panose="020B0604020202020204" pitchFamily="34" charset="0"/>
-              <a:ea typeface="ＭＳ Ｐゴシック" charset="0"/>
-              <a:cs typeface="Arial" panose="020B0604020202020204" pitchFamily="34" charset="0"/>
-            </a:endParaRPr>
+              <a:t> an awesome message to tell. Here is a link to where the image on the right was derived: https://github.com/chef/inspec/blob/1f325b1cfd02391fab14a996693a034da37aadd8/docs/profiles.rst </a:t>
+            </a:r>
           </a:p>
           <a:p>
             <a:endParaRPr lang="en-US" sz="1200" b="0" i="0" kern="1200" baseline="0" dirty="0" smtClean="0">
@@ -5836,11 +5815,7 @@
           <a:p>
             <a:r>
               <a:rPr lang="en-US" dirty="0" smtClean="0"/>
-              <a:t>TBD: now do lab for windows too</a:t>
-            </a:r>
-            <a:r>
-              <a:rPr lang="en-US" dirty="0" smtClean="0"/>
-              <a:t>. Also add </a:t>
+              <a:t>TBD: now do lab for windows too. Also add </a:t>
             </a:r>
             <a:r>
               <a:rPr lang="en-US" dirty="0" err="1" smtClean="0"/>
@@ -5866,7 +5841,6 @@
               <a:rPr lang="en-US" dirty="0" smtClean="0"/>
               <a:t>. </a:t>
             </a:r>
-            <a:endParaRPr lang="en-US" dirty="0" smtClean="0"/>
           </a:p>
           <a:p>
             <a:endParaRPr lang="en-US" dirty="0" smtClean="0"/>
@@ -19868,98 +19842,6 @@
       </p:grpSpPr>
       <p:sp>
         <p:nvSpPr>
-          <p:cNvPr id="2" name="Content Placeholder 1"/>
-          <p:cNvSpPr>
-            <a:spLocks noGrp="1"/>
-          </p:cNvSpPr>
-          <p:nvPr>
-            <p:ph sz="quarter" idx="10"/>
-          </p:nvPr>
-        </p:nvSpPr>
-        <p:spPr>
-          <a:xfrm>
-            <a:off x="1121104" y="2489675"/>
-            <a:ext cx="14423693" cy="5498208"/>
-          </a:xfrm>
-        </p:spPr>
-        <p:txBody>
-          <a:bodyPr/>
-          <a:lstStyle/>
-          <a:p>
-            <a:r>
-              <a:rPr lang="en-US" dirty="0"/>
-              <a:t>The authenticity of host '52.90.148.31 (52.90.148.31)' can't be established.</a:t>
-            </a:r>
-          </a:p>
-          <a:p>
-            <a:r>
-              <a:rPr lang="en-US" dirty="0"/>
-              <a:t>RSA key fingerprint is a5:c3:31:5a:ce:4d:a8:17:46:ac:47:17:60:fc:26:17.</a:t>
-            </a:r>
-          </a:p>
-          <a:p>
-            <a:r>
-              <a:rPr lang="en-US" dirty="0"/>
-              <a:t>Are you sure you want to continue connecting (yes/no)? yes</a:t>
-            </a:r>
-          </a:p>
-          <a:p>
-            <a:r>
-              <a:rPr lang="en-US" dirty="0"/>
-              <a:t>Warning: Permanently added '52.90.148.31' (RSA) to the list of known hosts.</a:t>
-            </a:r>
-          </a:p>
-          <a:p>
-            <a:r>
-              <a:rPr lang="en-US" dirty="0"/>
-              <a:t>chef@52.90.148.31's password:</a:t>
-            </a:r>
-          </a:p>
-          <a:p>
-            <a:r>
-              <a:rPr lang="en-US" dirty="0"/>
-              <a:t>profile_01.zip                                100%  937     0.9KB/s   00:00</a:t>
-            </a:r>
-          </a:p>
-        </p:txBody>
-      </p:sp>
-      <p:sp>
-        <p:nvSpPr>
-          <p:cNvPr id="3" name="Text Placeholder 2"/>
-          <p:cNvSpPr>
-            <a:spLocks noGrp="1"/>
-          </p:cNvSpPr>
-          <p:nvPr>
-            <p:ph type="body" sz="quarter" idx="11"/>
-          </p:nvPr>
-        </p:nvSpPr>
-        <p:spPr>
-          <a:xfrm>
-            <a:off x="1121104" y="1337149"/>
-            <a:ext cx="14422528" cy="857411"/>
-          </a:xfrm>
-        </p:spPr>
-        <p:txBody>
-          <a:bodyPr/>
-          <a:lstStyle/>
-          <a:p>
-            <a:r>
-              <a:rPr lang="en-US" dirty="0"/>
-              <a:t>C:\tmp&gt;scp chef@52.90.148.31:~/</a:t>
-            </a:r>
-            <a:r>
-              <a:rPr lang="en-US" dirty="0" err="1"/>
-              <a:t>compliance_profiles</a:t>
-            </a:r>
-            <a:r>
-              <a:rPr lang="en-US" dirty="0"/>
-              <a:t>/profile_01.zip .</a:t>
-            </a:r>
-          </a:p>
-        </p:txBody>
-      </p:sp>
-      <p:sp>
-        <p:nvSpPr>
           <p:cNvPr id="4" name="Title 3"/>
           <p:cNvSpPr>
             <a:spLocks noGrp="1"/>
@@ -19977,7 +19859,15 @@
           <a:p>
             <a:r>
               <a:rPr lang="en-US" dirty="0" smtClean="0"/>
-              <a:t>GL: From your Laptop Run the </a:t>
+              <a:t>GL: From </a:t>
+            </a:r>
+            <a:r>
+              <a:rPr lang="en-US" dirty="0" smtClean="0"/>
+              <a:t>Your </a:t>
+            </a:r>
+            <a:r>
+              <a:rPr lang="en-US" dirty="0" smtClean="0"/>
+              <a:t>Laptop Run the </a:t>
             </a:r>
             <a:r>
               <a:rPr lang="en-US" dirty="0" err="1" smtClean="0"/>
@@ -19988,6 +19878,88 @@
               <a:t> Command</a:t>
             </a:r>
             <a:endParaRPr lang="en-US" dirty="0"/>
+          </a:p>
+        </p:txBody>
+      </p:sp>
+      <p:sp>
+        <p:nvSpPr>
+          <p:cNvPr id="2" name="Content Placeholder 1"/>
+          <p:cNvSpPr>
+            <a:spLocks noGrp="1"/>
+          </p:cNvSpPr>
+          <p:nvPr>
+            <p:ph sz="quarter" idx="10"/>
+          </p:nvPr>
+        </p:nvSpPr>
+        <p:spPr/>
+        <p:txBody>
+          <a:bodyPr/>
+          <a:lstStyle/>
+          <a:p>
+            <a:r>
+              <a:rPr lang="en-US" b="1" dirty="0"/>
+              <a:t>The authenticity of host '52.90.148.31 (52.90.148.31)' can't be established.</a:t>
+            </a:r>
+          </a:p>
+          <a:p>
+            <a:r>
+              <a:rPr lang="en-US" b="1" dirty="0"/>
+              <a:t>RSA key fingerprint is a5:c3:31:5a:ce:4d:a8:17:46:ac:47:17:60:fc:26:17.</a:t>
+            </a:r>
+          </a:p>
+          <a:p>
+            <a:r>
+              <a:rPr lang="en-US" b="1" dirty="0"/>
+              <a:t>Are you sure you want to continue connecting (yes/no)? yes</a:t>
+            </a:r>
+          </a:p>
+          <a:p>
+            <a:r>
+              <a:rPr lang="en-US" b="1" dirty="0"/>
+              <a:t>Warning: Permanently added '52.90.148.31' (RSA) to the list of known hosts.</a:t>
+            </a:r>
+          </a:p>
+          <a:p>
+            <a:r>
+              <a:rPr lang="en-US" b="1" dirty="0"/>
+              <a:t>chef@52.90.148.31's password:</a:t>
+            </a:r>
+          </a:p>
+          <a:p>
+            <a:r>
+              <a:rPr lang="en-US" b="1" dirty="0"/>
+              <a:t>profile_01.zip                                100%  937     0.9KB/s   00:00</a:t>
+            </a:r>
+          </a:p>
+        </p:txBody>
+      </p:sp>
+      <p:sp>
+        <p:nvSpPr>
+          <p:cNvPr id="3" name="Text Placeholder 2"/>
+          <p:cNvSpPr>
+            <a:spLocks noGrp="1"/>
+          </p:cNvSpPr>
+          <p:nvPr>
+            <p:ph type="body" sz="quarter" idx="11"/>
+          </p:nvPr>
+        </p:nvSpPr>
+        <p:spPr/>
+        <p:txBody>
+          <a:bodyPr/>
+          <a:lstStyle/>
+          <a:p>
+            <a:r>
+              <a:rPr lang="en-US" dirty="0"/>
+              <a:t>C:\tmp&gt;scp chef@52.90.148.31:~/</a:t>
+            </a:r>
+            <a:r>
+              <a:rPr lang="en-US" dirty="0" err="1"/>
+              <a:t>compliance_profiles</a:t>
+            </a:r>
+            <a:r>
+              <a:rPr lang="en-US" dirty="0"/>
+              <a:t>/profile_01.zip .</a:t>
+            </a:r>
           </a:p>
         </p:txBody>
       </p:sp>
@@ -26061,6 +26033,15 @@
 
 <file path=customXml/item1.xml><?xml version="1.0" encoding="utf-8"?>
 <?mso-contentType ?>
+<FormTemplates xmlns="http://schemas.microsoft.com/sharepoint/v3/contenttype/forms">
+  <Display>DocumentLibraryForm</Display>
+  <Edit>DocumentLibraryForm</Edit>
+  <New>DocumentLibraryForm</New>
+</FormTemplates>
+</file>
+
+<file path=customXml/item2.xml><?xml version="1.0" encoding="utf-8"?>
+<?mso-contentType ?>
 <spe:Receivers xmlns:spe="http://schemas.microsoft.com/sharepoint/events">
   <Receiver>
     <Name>Document ID Generator</Name>
@@ -26105,7 +26086,7 @@
 </spe:Receivers>
 </file>
 
-<file path=customXml/item2.xml><?xml version="1.0" encoding="utf-8"?>
+<file path=customXml/item3.xml><?xml version="1.0" encoding="utf-8"?>
 <ct:contentTypeSchema xmlns:ct="http://schemas.microsoft.com/office/2006/metadata/contentType" xmlns:ma="http://schemas.microsoft.com/office/2006/metadata/properties/metaAttributes" ct:_="" ma:_="" ma:contentTypeName="Document" ma:contentTypeID="0x0101000812F700BE7F874999720E88173FE491" ma:contentTypeVersion="0" ma:contentTypeDescription="Create a new document." ma:contentTypeScope="" ma:versionID="3f79f408e2ca720b7aba6e0e32464d0c">
   <xsd:schema xmlns:xsd="http://www.w3.org/2001/XMLSchema" xmlns:xs="http://www.w3.org/2001/XMLSchema" xmlns:p="http://schemas.microsoft.com/office/2006/metadata/properties" xmlns:ns2="7bb5d761-a2ea-4873-95f7-7a6658fb3ef0" targetNamespace="http://schemas.microsoft.com/office/2006/metadata/properties" ma:root="true" ma:fieldsID="1e062cd38ba31e406bfc4340fbc7f87a" ns2:_="">
     <xsd:import namespace="7bb5d761-a2ea-4873-95f7-7a6658fb3ef0"/>
@@ -26250,7 +26231,7 @@
 </ct:contentTypeSchema>
 </file>
 
-<file path=customXml/item3.xml><?xml version="1.0" encoding="utf-8"?>
+<file path=customXml/item4.xml><?xml version="1.0" encoding="utf-8"?>
 <p:properties xmlns:p="http://schemas.microsoft.com/office/2006/metadata/properties" xmlns:xsi="http://www.w3.org/2001/XMLSchema-instance" xmlns:pc="http://schemas.microsoft.com/office/infopath/2007/PartnerControls">
   <documentManagement>
     <_dlc_DocId xmlns="7bb5d761-a2ea-4873-95f7-7a6658fb3ef0">M4CWTKMW727E-592-73</_dlc_DocId>
@@ -26262,16 +26243,15 @@
 </p:properties>
 </file>
 
-<file path=customXml/item4.xml><?xml version="1.0" encoding="utf-8"?>
-<?mso-contentType ?>
-<FormTemplates xmlns="http://schemas.microsoft.com/sharepoint/v3/contenttype/forms">
-  <Display>DocumentLibraryForm</Display>
-  <Edit>DocumentLibraryForm</Edit>
-  <New>DocumentLibraryForm</New>
-</FormTemplates>
+<file path=customXml/itemProps1.xml><?xml version="1.0" encoding="utf-8"?>
+<ds:datastoreItem xmlns:ds="http://schemas.openxmlformats.org/officeDocument/2006/customXml" ds:itemID="{5CDEB364-43EC-4510-9881-539C2A3FCE9E}">
+  <ds:schemaRefs>
+    <ds:schemaRef ds:uri="http://schemas.microsoft.com/sharepoint/v3/contenttype/forms"/>
+  </ds:schemaRefs>
+</ds:datastoreItem>
 </file>
 
-<file path=customXml/itemProps1.xml><?xml version="1.0" encoding="utf-8"?>
+<file path=customXml/itemProps2.xml><?xml version="1.0" encoding="utf-8"?>
 <ds:datastoreItem xmlns:ds="http://schemas.openxmlformats.org/officeDocument/2006/customXml" ds:itemID="{B13EBC30-FE27-4C6A-B723-23FC2188F7DC}">
   <ds:schemaRefs>
     <ds:schemaRef ds:uri="http://schemas.microsoft.com/sharepoint/events"/>
@@ -26279,7 +26259,7 @@
 </ds:datastoreItem>
 </file>
 
-<file path=customXml/itemProps2.xml><?xml version="1.0" encoding="utf-8"?>
+<file path=customXml/itemProps3.xml><?xml version="1.0" encoding="utf-8"?>
 <ds:datastoreItem xmlns:ds="http://schemas.openxmlformats.org/officeDocument/2006/customXml" ds:itemID="{164479E5-0B02-49AC-B79E-EC1D6164DDD3}">
   <ds:schemaRefs>
     <ds:schemaRef ds:uri="http://schemas.microsoft.com/office/2006/metadata/contentType"/>
@@ -26297,7 +26277,7 @@
 </ds:datastoreItem>
 </file>
 
-<file path=customXml/itemProps3.xml><?xml version="1.0" encoding="utf-8"?>
+<file path=customXml/itemProps4.xml><?xml version="1.0" encoding="utf-8"?>
 <ds:datastoreItem xmlns:ds="http://schemas.openxmlformats.org/officeDocument/2006/customXml" ds:itemID="{6921749B-AEB7-461B-845F-603CABD25259}">
   <ds:schemaRefs>
     <ds:schemaRef ds:uri="http://schemas.microsoft.com/office/2006/documentManagement/types"/>
@@ -26311,12 +26291,4 @@
     <ds:schemaRef ds:uri="http://purl.org/dc/dcmitype/"/>
   </ds:schemaRefs>
 </ds:datastoreItem>
-</file>
-
-<file path=customXml/itemProps4.xml><?xml version="1.0" encoding="utf-8"?>
-<ds:datastoreItem xmlns:ds="http://schemas.openxmlformats.org/officeDocument/2006/customXml" ds:itemID="{5CDEB364-43EC-4510-9881-539C2A3FCE9E}">
-  <ds:schemaRefs>
-    <ds:schemaRef ds:uri="http://schemas.microsoft.com/sharepoint/v3/contenttype/forms"/>
-  </ds:schemaRefs>
-</ds:datastoreItem>
 </file>
--- a/05-creating-custom-profiles.pptx
+++ b/05-creating-custom-profiles.pptx
@@ -6,10 +6,10 @@
     <p:sldMasterId id="2147483847" r:id="rId6"/>
   </p:sldMasterIdLst>
   <p:notesMasterIdLst>
-    <p:notesMasterId r:id="rId42"/>
+    <p:notesMasterId r:id="rId38"/>
   </p:notesMasterIdLst>
   <p:handoutMasterIdLst>
-    <p:handoutMasterId r:id="rId43"/>
+    <p:handoutMasterId r:id="rId39"/>
   </p:handoutMasterIdLst>
   <p:sldIdLst>
     <p:sldId id="256" r:id="rId7"/>
@@ -41,12 +41,8 @@
     <p:sldId id="313" r:id="rId33"/>
     <p:sldId id="314" r:id="rId34"/>
     <p:sldId id="320" r:id="rId35"/>
-    <p:sldId id="318" r:id="rId36"/>
-    <p:sldId id="319" r:id="rId37"/>
-    <p:sldId id="296" r:id="rId38"/>
-    <p:sldId id="302" r:id="rId39"/>
-    <p:sldId id="276" r:id="rId40"/>
-    <p:sldId id="267" r:id="rId41"/>
+    <p:sldId id="276" r:id="rId36"/>
+    <p:sldId id="267" r:id="rId37"/>
   </p:sldIdLst>
   <p:sldSz cx="16256000" cy="9144000"/>
   <p:notesSz cx="6858000" cy="9144000"/>
@@ -308,7 +304,7 @@
               <a:pPr>
                 <a:defRPr/>
               </a:pPr>
-              <a:t>2016-02-08</a:t>
+              <a:t>2016-02-10</a:t>
             </a:fld>
             <a:endParaRPr lang="en-US" dirty="0"/>
           </a:p>
@@ -491,7 +487,7 @@
               <a:pPr>
                 <a:defRPr/>
               </a:pPr>
-              <a:t>2016-02-08</a:t>
+              <a:t>2016-02-10</a:t>
             </a:fld>
             <a:endParaRPr lang="en-US" dirty="0"/>
           </a:p>
@@ -2806,217 +2802,7 @@
             </a:r>
             <a:r>
               <a:rPr lang="en-US" baseline="0" dirty="0" smtClean="0"/>
-              <a:t>/rb files was verified.</a:t>
-            </a:r>
-          </a:p>
-          <a:p>
-            <a:pPr marL="0" marR="0" indent="0" algn="l" defTabSz="1217613" rtl="0" eaLnBrk="1" fontAlgn="base" latinLnBrk="0" hangingPunct="1">
-              <a:lnSpc>
-                <a:spcPct val="90000"/>
-              </a:lnSpc>
-              <a:spcBef>
-                <a:spcPct val="30000"/>
-              </a:spcBef>
-              <a:spcAft>
-                <a:spcPts val="450"/>
-              </a:spcAft>
-              <a:buClrTx/>
-              <a:buSzTx/>
-              <a:buFontTx/>
-              <a:buNone/>
-              <a:tabLst/>
-              <a:defRPr/>
-            </a:pPr>
-            <a:endParaRPr lang="en-US" baseline="0" dirty="0" smtClean="0"/>
-          </a:p>
-          <a:p>
-            <a:pPr marL="0" marR="0" indent="0" algn="l" defTabSz="1217613" rtl="0" eaLnBrk="1" fontAlgn="base" latinLnBrk="0" hangingPunct="1">
-              <a:lnSpc>
-                <a:spcPct val="90000"/>
-              </a:lnSpc>
-              <a:spcBef>
-                <a:spcPct val="30000"/>
-              </a:spcBef>
-              <a:spcAft>
-                <a:spcPts val="450"/>
-              </a:spcAft>
-              <a:buClrTx/>
-              <a:buSzTx/>
-              <a:buFontTx/>
-              <a:buNone/>
-              <a:tabLst/>
-              <a:defRPr/>
-            </a:pPr>
-            <a:r>
-              <a:rPr lang="en-US" dirty="0" smtClean="0"/>
-              <a:t>Instructor Note: In a recent test (1/28 </a:t>
-            </a:r>
-            <a:r>
-              <a:rPr lang="en-US" dirty="0" err="1" smtClean="0"/>
-              <a:t>inspec</a:t>
-            </a:r>
-            <a:r>
-              <a:rPr lang="en-US" dirty="0" smtClean="0"/>
-              <a:t> 0.9.2) the output was a little different:</a:t>
-            </a:r>
-            <a:br>
-              <a:rPr lang="en-US" dirty="0" smtClean="0"/>
-            </a:br>
-            <a:r>
-              <a:rPr lang="en-US" dirty="0" smtClean="0"/>
-              <a:t>[chef@ip-172-31-2-116 profile_01]$ </a:t>
-            </a:r>
-            <a:r>
-              <a:rPr lang="en-US" dirty="0" err="1" smtClean="0"/>
-              <a:t>inspec</a:t>
-            </a:r>
-            <a:r>
-              <a:rPr lang="en-US" dirty="0" smtClean="0"/>
-              <a:t> check ~/</a:t>
-            </a:r>
-            <a:r>
-              <a:rPr lang="en-US" dirty="0" err="1" smtClean="0"/>
-              <a:t>compliance_profiles</a:t>
-            </a:r>
-            <a:r>
-              <a:rPr lang="en-US" dirty="0" smtClean="0"/>
-              <a:t>/profile_01</a:t>
-            </a:r>
-          </a:p>
-          <a:p>
-            <a:pPr marL="0" marR="0" indent="0" algn="l" defTabSz="1217613" rtl="0" eaLnBrk="1" fontAlgn="base" latinLnBrk="0" hangingPunct="1">
-              <a:lnSpc>
-                <a:spcPct val="90000"/>
-              </a:lnSpc>
-              <a:spcBef>
-                <a:spcPct val="30000"/>
-              </a:spcBef>
-              <a:spcAft>
-                <a:spcPts val="450"/>
-              </a:spcAft>
-              <a:buClrTx/>
-              <a:buSzTx/>
-              <a:buFontTx/>
-              <a:buNone/>
-              <a:tabLst/>
-              <a:defRPr/>
-            </a:pPr>
-            <a:r>
-              <a:rPr lang="en-US" dirty="0" smtClean="0"/>
-              <a:t>I, [2016-01-28T22:14:01.897589 #6154]  INFO -- : Checking profile in /home/chef/</a:t>
-            </a:r>
-            <a:r>
-              <a:rPr lang="en-US" dirty="0" err="1" smtClean="0"/>
-              <a:t>compliance_profiles</a:t>
-            </a:r>
-            <a:r>
-              <a:rPr lang="en-US" dirty="0" smtClean="0"/>
-              <a:t>/profile_01</a:t>
-            </a:r>
-          </a:p>
-          <a:p>
-            <a:pPr marL="0" marR="0" indent="0" algn="l" defTabSz="1217613" rtl="0" eaLnBrk="1" fontAlgn="base" latinLnBrk="0" hangingPunct="1">
-              <a:lnSpc>
-                <a:spcPct val="90000"/>
-              </a:lnSpc>
-              <a:spcBef>
-                <a:spcPct val="30000"/>
-              </a:spcBef>
-              <a:spcAft>
-                <a:spcPts val="450"/>
-              </a:spcAft>
-              <a:buClrTx/>
-              <a:buSzTx/>
-              <a:buFontTx/>
-              <a:buNone/>
-              <a:tabLst/>
-              <a:defRPr/>
-            </a:pPr>
-            <a:r>
-              <a:rPr lang="en-US" dirty="0" smtClean="0"/>
-              <a:t>I, [2016-01-28T22:14:01.897815 #6154]  INFO -- : Metadata OK.</a:t>
-            </a:r>
-          </a:p>
-          <a:p>
-            <a:pPr marL="0" marR="0" indent="0" algn="l" defTabSz="1217613" rtl="0" eaLnBrk="1" fontAlgn="base" latinLnBrk="0" hangingPunct="1">
-              <a:lnSpc>
-                <a:spcPct val="90000"/>
-              </a:lnSpc>
-              <a:spcBef>
-                <a:spcPct val="30000"/>
-              </a:spcBef>
-              <a:spcAft>
-                <a:spcPts val="450"/>
-              </a:spcAft>
-              <a:buClrTx/>
-              <a:buSzTx/>
-              <a:buFontTx/>
-              <a:buNone/>
-              <a:tabLst/>
-              <a:defRPr/>
-            </a:pPr>
-            <a:r>
-              <a:rPr lang="en-US" dirty="0" smtClean="0"/>
-              <a:t>D, [2016-01-28T22:14:01.897878 #6154] DEBUG -- : Found 15 rules.</a:t>
-            </a:r>
-          </a:p>
-          <a:p>
-            <a:pPr marL="0" marR="0" indent="0" algn="l" defTabSz="1217613" rtl="0" eaLnBrk="1" fontAlgn="base" latinLnBrk="0" hangingPunct="1">
-              <a:lnSpc>
-                <a:spcPct val="90000"/>
-              </a:lnSpc>
-              <a:spcBef>
-                <a:spcPct val="30000"/>
-              </a:spcBef>
-              <a:spcAft>
-                <a:spcPts val="450"/>
-              </a:spcAft>
-              <a:buClrTx/>
-              <a:buSzTx/>
-              <a:buFontTx/>
-              <a:buNone/>
-              <a:tabLst/>
-              <a:defRPr/>
-            </a:pPr>
-            <a:r>
-              <a:rPr lang="en-US" dirty="0" smtClean="0"/>
-              <a:t>D, [2016-01-28T22:14:01.897926 #6154] DEBUG -- : Verify all rules in  /home/chef/</a:t>
-            </a:r>
-            <a:r>
-              <a:rPr lang="en-US" dirty="0" err="1" smtClean="0"/>
-              <a:t>compliance_profiles</a:t>
-            </a:r>
-            <a:r>
-              <a:rPr lang="en-US" dirty="0" smtClean="0"/>
-              <a:t>/profile_01/test/</a:t>
-            </a:r>
-            <a:r>
-              <a:rPr lang="en-US" dirty="0" err="1" smtClean="0"/>
-              <a:t>tmp.rb</a:t>
-            </a:r>
-            <a:endParaRPr lang="en-US" dirty="0" smtClean="0"/>
-          </a:p>
-          <a:p>
-            <a:pPr marL="0" marR="0" indent="0" algn="l" defTabSz="1217613" rtl="0" eaLnBrk="1" fontAlgn="base" latinLnBrk="0" hangingPunct="1">
-              <a:lnSpc>
-                <a:spcPct val="90000"/>
-              </a:lnSpc>
-              <a:spcBef>
-                <a:spcPct val="30000"/>
-              </a:spcBef>
-              <a:spcAft>
-                <a:spcPts val="450"/>
-              </a:spcAft>
-              <a:buClrTx/>
-              <a:buSzTx/>
-              <a:buFontTx/>
-              <a:buNone/>
-              <a:tabLst/>
-              <a:defRPr/>
-            </a:pPr>
-            <a:r>
-              <a:rPr lang="en-US" b="1" dirty="0" smtClean="0"/>
-              <a:t>I, [2016-01-28T22:14:01.897980 #6154]  INFO -- : Rule definitions OK.</a:t>
+              <a:t>/rb files was verified and its rule definitions are OK.</a:t>
             </a:r>
           </a:p>
           <a:p>
@@ -5767,555 +5553,6 @@
 </p:notes>
 </file>
 
-<file path=ppt/notesSlides/notesSlide28.xml><?xml version="1.0" encoding="utf-8"?>
-<p:notes xmlns:a="http://schemas.openxmlformats.org/drawingml/2006/main" xmlns:r="http://schemas.openxmlformats.org/officeDocument/2006/relationships" xmlns:p="http://schemas.openxmlformats.org/presentationml/2006/main">
-  <p:cSld>
-    <p:spTree>
-      <p:nvGrpSpPr>
-        <p:cNvPr id="1" name=""/>
-        <p:cNvGrpSpPr/>
-        <p:nvPr/>
-      </p:nvGrpSpPr>
-      <p:grpSpPr>
-        <a:xfrm>
-          <a:off x="0" y="0"/>
-          <a:ext cx="0" cy="0"/>
-          <a:chOff x="0" y="0"/>
-          <a:chExt cx="0" cy="0"/>
-        </a:xfrm>
-      </p:grpSpPr>
-      <p:sp>
-        <p:nvSpPr>
-          <p:cNvPr id="2" name="Slide Image Placeholder 1"/>
-          <p:cNvSpPr>
-            <a:spLocks noGrp="1" noRot="1" noChangeAspect="1"/>
-          </p:cNvSpPr>
-          <p:nvPr>
-            <p:ph type="sldImg"/>
-          </p:nvPr>
-        </p:nvSpPr>
-        <p:spPr/>
-      </p:sp>
-      <p:sp>
-        <p:nvSpPr>
-          <p:cNvPr id="3" name="Notes Placeholder 2"/>
-          <p:cNvSpPr>
-            <a:spLocks noGrp="1"/>
-          </p:cNvSpPr>
-          <p:nvPr>
-            <p:ph type="body" idx="1"/>
-          </p:nvPr>
-        </p:nvSpPr>
-        <p:spPr/>
-        <p:txBody>
-          <a:bodyPr>
-            <a:normAutofit/>
-          </a:bodyPr>
-          <a:lstStyle/>
-          <a:p>
-            <a:r>
-              <a:rPr lang="en-US" dirty="0" smtClean="0"/>
-              <a:t>TBD: now do lab for windows too. Also add </a:t>
-            </a:r>
-            <a:r>
-              <a:rPr lang="en-US" dirty="0" err="1" smtClean="0"/>
-              <a:t>inspec</a:t>
-            </a:r>
-            <a:r>
-              <a:rPr lang="en-US" dirty="0" smtClean="0"/>
-              <a:t> reference link that gives </a:t>
-            </a:r>
-            <a:r>
-              <a:rPr lang="en-US" smtClean="0"/>
-              <a:t>writing profile</a:t>
-            </a:r>
-            <a:r>
-              <a:rPr lang="en-US" baseline="0" smtClean="0"/>
-              <a:t> </a:t>
-            </a:r>
-            <a:r>
-              <a:rPr lang="en-US" smtClean="0"/>
-              <a:t>examples</a:t>
-            </a:r>
-            <a:r>
-              <a:rPr lang="en-US" dirty="0" smtClean="0"/>
-              <a:t>. </a:t>
-            </a:r>
-          </a:p>
-          <a:p>
-            <a:endParaRPr lang="en-US" dirty="0" smtClean="0"/>
-          </a:p>
-          <a:p>
-            <a:endParaRPr lang="en-US" dirty="0" smtClean="0"/>
-          </a:p>
-        </p:txBody>
-      </p:sp>
-      <p:sp>
-        <p:nvSpPr>
-          <p:cNvPr id="4" name="Slide Number Placeholder 3"/>
-          <p:cNvSpPr>
-            <a:spLocks noGrp="1"/>
-          </p:cNvSpPr>
-          <p:nvPr>
-            <p:ph type="sldNum" sz="quarter" idx="10"/>
-          </p:nvPr>
-        </p:nvSpPr>
-        <p:spPr/>
-        <p:txBody>
-          <a:bodyPr/>
-          <a:lstStyle/>
-          <a:p>
-            <a:pPr>
-              <a:defRPr/>
-            </a:pPr>
-            <a:fld id="{DC3734AA-3150-D947-AC52-2F5DF48BFCD5}" type="slidenum">
-              <a:rPr lang="en-US" smtClean="0"/>
-              <a:pPr>
-                <a:defRPr/>
-              </a:pPr>
-              <a:t>30</a:t>
-            </a:fld>
-            <a:endParaRPr lang="en-US" dirty="0"/>
-          </a:p>
-        </p:txBody>
-      </p:sp>
-      <p:sp>
-        <p:nvSpPr>
-          <p:cNvPr id="5" name="Header Placeholder 4"/>
-          <p:cNvSpPr>
-            <a:spLocks noGrp="1"/>
-          </p:cNvSpPr>
-          <p:nvPr>
-            <p:ph type="hdr" sz="quarter" idx="11"/>
-          </p:nvPr>
-        </p:nvSpPr>
-        <p:spPr/>
-        <p:txBody>
-          <a:bodyPr/>
-          <a:lstStyle/>
-          <a:p>
-            <a:pPr>
-              <a:defRPr/>
-            </a:pPr>
-            <a:endParaRPr lang="en-US"/>
-          </a:p>
-        </p:txBody>
-      </p:sp>
-      <p:sp>
-        <p:nvSpPr>
-          <p:cNvPr id="6" name="Footer Placeholder 5"/>
-          <p:cNvSpPr>
-            <a:spLocks noGrp="1"/>
-          </p:cNvSpPr>
-          <p:nvPr>
-            <p:ph type="ftr" sz="quarter" idx="12"/>
-          </p:nvPr>
-        </p:nvSpPr>
-        <p:spPr/>
-        <p:txBody>
-          <a:bodyPr/>
-          <a:lstStyle/>
-          <a:p>
-            <a:pPr>
-              <a:defRPr/>
-            </a:pPr>
-            <a:endParaRPr lang="en-US"/>
-          </a:p>
-        </p:txBody>
-      </p:sp>
-    </p:spTree>
-    <p:extLst>
-      <p:ext uri="{BB962C8B-B14F-4D97-AF65-F5344CB8AC3E}">
-        <p14:creationId xmlns:p14="http://schemas.microsoft.com/office/powerpoint/2010/main" val="4089888830"/>
-      </p:ext>
-    </p:extLst>
-  </p:cSld>
-  <p:clrMapOvr>
-    <a:masterClrMapping/>
-  </p:clrMapOvr>
-</p:notes>
-</file>
-
-<file path=ppt/notesSlides/notesSlide29.xml><?xml version="1.0" encoding="utf-8"?>
-<p:notes xmlns:a="http://schemas.openxmlformats.org/drawingml/2006/main" xmlns:r="http://schemas.openxmlformats.org/officeDocument/2006/relationships" xmlns:p="http://schemas.openxmlformats.org/presentationml/2006/main">
-  <p:cSld>
-    <p:spTree>
-      <p:nvGrpSpPr>
-        <p:cNvPr id="1" name=""/>
-        <p:cNvGrpSpPr/>
-        <p:nvPr/>
-      </p:nvGrpSpPr>
-      <p:grpSpPr>
-        <a:xfrm>
-          <a:off x="0" y="0"/>
-          <a:ext cx="0" cy="0"/>
-          <a:chOff x="0" y="0"/>
-          <a:chExt cx="0" cy="0"/>
-        </a:xfrm>
-      </p:grpSpPr>
-      <p:sp>
-        <p:nvSpPr>
-          <p:cNvPr id="2" name="Slide Image Placeholder 1"/>
-          <p:cNvSpPr>
-            <a:spLocks noGrp="1" noRot="1" noChangeAspect="1"/>
-          </p:cNvSpPr>
-          <p:nvPr>
-            <p:ph type="sldImg"/>
-          </p:nvPr>
-        </p:nvSpPr>
-        <p:spPr/>
-      </p:sp>
-      <p:sp>
-        <p:nvSpPr>
-          <p:cNvPr id="3" name="Notes Placeholder 2"/>
-          <p:cNvSpPr>
-            <a:spLocks noGrp="1"/>
-          </p:cNvSpPr>
-          <p:nvPr>
-            <p:ph type="body" idx="1"/>
-          </p:nvPr>
-        </p:nvSpPr>
-        <p:spPr/>
-        <p:txBody>
-          <a:bodyPr>
-            <a:normAutofit fontScale="92500" lnSpcReduction="20000"/>
-          </a:bodyPr>
-          <a:lstStyle/>
-          <a:p>
-            <a:r>
-              <a:rPr lang="en-US" dirty="0" smtClean="0"/>
-              <a:t>https://github.com/chef/inspec/blob/7f555b902d6860ffe236ff23e4b52f20bac28adc/lib/inspec/profile.rb#L81-L129</a:t>
-            </a:r>
-          </a:p>
-          <a:p>
-            <a:endParaRPr lang="en-US" dirty="0" smtClean="0"/>
-          </a:p>
-          <a:p>
-            <a:pPr marL="0" marR="0" indent="0" algn="l" defTabSz="1217613" rtl="0" eaLnBrk="1" fontAlgn="base" latinLnBrk="0" hangingPunct="1">
-              <a:lnSpc>
-                <a:spcPct val="90000"/>
-              </a:lnSpc>
-              <a:spcBef>
-                <a:spcPct val="30000"/>
-              </a:spcBef>
-              <a:spcAft>
-                <a:spcPts val="450"/>
-              </a:spcAft>
-              <a:buClrTx/>
-              <a:buSzTx/>
-              <a:buFontTx/>
-              <a:buNone/>
-              <a:tabLst/>
-              <a:defRPr/>
-            </a:pPr>
-            <a:r>
-              <a:rPr lang="en-US" dirty="0" smtClean="0"/>
-              <a:t>So your</a:t>
-            </a:r>
-            <a:r>
-              <a:rPr lang="en-US" baseline="0" dirty="0" smtClean="0"/>
-              <a:t> cookbooks will have a </a:t>
-            </a:r>
-            <a:r>
-              <a:rPr lang="en-US" dirty="0" smtClean="0"/>
-              <a:t>metadata.rb.</a:t>
-            </a:r>
-            <a:endParaRPr lang="en-US" dirty="0"/>
-          </a:p>
-          <a:p>
-            <a:pPr marL="0" marR="0" indent="0" algn="l" defTabSz="1217613" rtl="0" eaLnBrk="1" fontAlgn="base" latinLnBrk="0" hangingPunct="1">
-              <a:lnSpc>
-                <a:spcPct val="90000"/>
-              </a:lnSpc>
-              <a:spcBef>
-                <a:spcPct val="30000"/>
-              </a:spcBef>
-              <a:spcAft>
-                <a:spcPts val="450"/>
-              </a:spcAft>
-              <a:buClrTx/>
-              <a:buSzTx/>
-              <a:buFontTx/>
-              <a:buNone/>
-              <a:tabLst/>
-              <a:defRPr/>
-            </a:pPr>
-            <a:r>
-              <a:rPr lang="en-US" dirty="0" smtClean="0"/>
-              <a:t>An</a:t>
-            </a:r>
-            <a:r>
-              <a:rPr lang="en-US" baseline="0" dirty="0" smtClean="0"/>
-              <a:t>d your </a:t>
-            </a:r>
-          </a:p>
-          <a:p>
-            <a:pPr marL="0" marR="0" indent="0" algn="l" defTabSz="1217613" rtl="0" eaLnBrk="1" fontAlgn="base" latinLnBrk="0" hangingPunct="1">
-              <a:lnSpc>
-                <a:spcPct val="90000"/>
-              </a:lnSpc>
-              <a:spcBef>
-                <a:spcPct val="30000"/>
-              </a:spcBef>
-              <a:spcAft>
-                <a:spcPts val="450"/>
-              </a:spcAft>
-              <a:buClrTx/>
-              <a:buSzTx/>
-              <a:buFontTx/>
-              <a:buNone/>
-              <a:tabLst/>
-              <a:defRPr/>
-            </a:pPr>
-            <a:endParaRPr lang="en-US" baseline="0" dirty="0" smtClean="0"/>
-          </a:p>
-          <a:p>
-            <a:r>
-              <a:rPr lang="en-US" sz="1200" b="1" i="0" kern="1200" dirty="0" smtClean="0">
-                <a:solidFill>
-                  <a:schemeClr val="tx1"/>
-                </a:solidFill>
-                <a:effectLst/>
-                <a:latin typeface="Arial" panose="020B0604020202020204" pitchFamily="34" charset="0"/>
-                <a:ea typeface="ＭＳ Ｐゴシック" charset="0"/>
-                <a:cs typeface="Arial" panose="020B0604020202020204" pitchFamily="34" charset="0"/>
-              </a:rPr>
-              <a:t>Adding profiles</a:t>
-            </a:r>
-          </a:p>
-          <a:p>
-            <a:r>
-              <a:rPr lang="en-US" sz="1200" b="0" i="0" kern="1200" dirty="0" smtClean="0">
-                <a:solidFill>
-                  <a:schemeClr val="tx1"/>
-                </a:solidFill>
-                <a:effectLst/>
-                <a:latin typeface="Arial" panose="020B0604020202020204" pitchFamily="34" charset="0"/>
-                <a:ea typeface="ＭＳ Ｐゴシック" charset="0"/>
-                <a:cs typeface="Arial" panose="020B0604020202020204" pitchFamily="34" charset="0"/>
-              </a:rPr>
-              <a:t>Compliance profiles must be packaged in to a .tar.gz or .zip file to be uploaded to the Compliance Server. </a:t>
-            </a:r>
-          </a:p>
-          <a:p>
-            <a:r>
-              <a:rPr lang="en-US" sz="1200" b="0" i="0" kern="1200" dirty="0" smtClean="0">
-                <a:solidFill>
-                  <a:schemeClr val="tx1"/>
-                </a:solidFill>
-                <a:effectLst/>
-                <a:latin typeface="Arial" panose="020B0604020202020204" pitchFamily="34" charset="0"/>
-                <a:ea typeface="ＭＳ Ｐゴシック" charset="0"/>
-                <a:cs typeface="Arial" panose="020B0604020202020204" pitchFamily="34" charset="0"/>
-              </a:rPr>
-              <a:t>The directory structure is as follows (note, this is subject to change.  TODO: link to official docs when </a:t>
-            </a:r>
-            <a:r>
-              <a:rPr lang="en-US" sz="1200" b="0" i="0" kern="1200" dirty="0" err="1" smtClean="0">
-                <a:solidFill>
-                  <a:schemeClr val="tx1"/>
-                </a:solidFill>
-                <a:effectLst/>
-                <a:latin typeface="Arial" panose="020B0604020202020204" pitchFamily="34" charset="0"/>
-                <a:ea typeface="ＭＳ Ｐゴシック" charset="0"/>
-                <a:cs typeface="Arial" panose="020B0604020202020204" pitchFamily="34" charset="0"/>
-              </a:rPr>
-              <a:t>avaialble</a:t>
-            </a:r>
-            <a:r>
-              <a:rPr lang="en-US" sz="1200" b="0" i="0" kern="1200" dirty="0" smtClean="0">
-                <a:solidFill>
-                  <a:schemeClr val="tx1"/>
-                </a:solidFill>
-                <a:effectLst/>
-                <a:latin typeface="Arial" panose="020B0604020202020204" pitchFamily="34" charset="0"/>
-                <a:ea typeface="ＭＳ Ｐゴシック" charset="0"/>
-                <a:cs typeface="Arial" panose="020B0604020202020204" pitchFamily="34" charset="0"/>
-              </a:rPr>
-              <a:t>):</a:t>
-            </a:r>
-          </a:p>
-          <a:p>
-            <a:r>
-              <a:rPr lang="en-US" sz="1200" b="0" i="0" kern="1200" dirty="0" smtClean="0">
-                <a:solidFill>
-                  <a:schemeClr val="tx1"/>
-                </a:solidFill>
-                <a:effectLst/>
-                <a:latin typeface="Arial" panose="020B0604020202020204" pitchFamily="34" charset="0"/>
-                <a:ea typeface="ＭＳ Ｐゴシック" charset="0"/>
-                <a:cs typeface="Arial" panose="020B0604020202020204" pitchFamily="34" charset="0"/>
-              </a:rPr>
-              <a:t>xyz.zip:</a:t>
-            </a:r>
-          </a:p>
-          <a:p>
-            <a:r>
-              <a:rPr lang="en-US" dirty="0" smtClean="0"/>
-              <a:t>.</a:t>
-            </a:r>
-            <a:br>
-              <a:rPr lang="en-US" dirty="0" smtClean="0"/>
-            </a:br>
-            <a:r>
-              <a:rPr lang="en-US" dirty="0" smtClean="0"/>
-              <a:t>├── README.md</a:t>
-            </a:r>
-            <a:br>
-              <a:rPr lang="en-US" dirty="0" smtClean="0"/>
-            </a:br>
-            <a:r>
-              <a:rPr lang="en-US" dirty="0" smtClean="0"/>
-              <a:t>├── metadata.rb</a:t>
-            </a:r>
-            <a:br>
-              <a:rPr lang="en-US" dirty="0" smtClean="0"/>
-            </a:br>
-            <a:r>
-              <a:rPr lang="en-US" dirty="0" smtClean="0"/>
-              <a:t>└── test</a:t>
-            </a:r>
-            <a:br>
-              <a:rPr lang="en-US" dirty="0" smtClean="0"/>
-            </a:br>
-            <a:r>
-              <a:rPr lang="en-US" dirty="0" smtClean="0"/>
-              <a:t>  ├── </a:t>
-            </a:r>
-            <a:r>
-              <a:rPr lang="en-US" dirty="0" err="1" smtClean="0"/>
-              <a:t>foo_spec.rb</a:t>
-            </a:r>
-            <a:r>
-              <a:rPr lang="en-US" dirty="0" smtClean="0"/>
-              <a:t/>
-            </a:r>
-            <a:br>
-              <a:rPr lang="en-US" dirty="0" smtClean="0"/>
-            </a:br>
-            <a:r>
-              <a:rPr lang="en-US" dirty="0" smtClean="0"/>
-              <a:t>  └── </a:t>
-            </a:r>
-            <a:r>
-              <a:rPr lang="en-US" dirty="0" err="1" smtClean="0"/>
-              <a:t>bar_spec.rb</a:t>
-            </a:r>
-            <a:endParaRPr lang="en-US" dirty="0" smtClean="0"/>
-          </a:p>
-          <a:p>
-            <a:endParaRPr lang="en-US" dirty="0" smtClean="0"/>
-          </a:p>
-          <a:p>
-            <a:r>
-              <a:rPr lang="en-US" dirty="0" smtClean="0"/>
-              <a:t>As you write controls, </a:t>
-            </a:r>
-            <a:r>
-              <a:rPr lang="en-US" dirty="0" err="1" smtClean="0"/>
-              <a:t>InSpec</a:t>
-            </a:r>
-            <a:r>
-              <a:rPr lang="en-US" dirty="0" smtClean="0"/>
-              <a:t> requires a `test` directory since it </a:t>
-            </a:r>
-            <a:r>
-              <a:rPr lang="en-US" dirty="0" err="1" smtClean="0"/>
-              <a:t>InSpec</a:t>
-            </a:r>
-            <a:r>
-              <a:rPr lang="en-US" dirty="0" smtClean="0"/>
-              <a:t> expect this structure.</a:t>
-            </a:r>
-          </a:p>
-        </p:txBody>
-      </p:sp>
-      <p:sp>
-        <p:nvSpPr>
-          <p:cNvPr id="4" name="Slide Number Placeholder 3"/>
-          <p:cNvSpPr>
-            <a:spLocks noGrp="1"/>
-          </p:cNvSpPr>
-          <p:nvPr>
-            <p:ph type="sldNum" sz="quarter" idx="10"/>
-          </p:nvPr>
-        </p:nvSpPr>
-        <p:spPr/>
-        <p:txBody>
-          <a:bodyPr/>
-          <a:lstStyle/>
-          <a:p>
-            <a:pPr>
-              <a:defRPr/>
-            </a:pPr>
-            <a:fld id="{DC3734AA-3150-D947-AC52-2F5DF48BFCD5}" type="slidenum">
-              <a:rPr lang="en-US" smtClean="0"/>
-              <a:pPr>
-                <a:defRPr/>
-              </a:pPr>
-              <a:t>32</a:t>
-            </a:fld>
-            <a:endParaRPr lang="en-US" dirty="0"/>
-          </a:p>
-        </p:txBody>
-      </p:sp>
-      <p:sp>
-        <p:nvSpPr>
-          <p:cNvPr id="5" name="Header Placeholder 4"/>
-          <p:cNvSpPr>
-            <a:spLocks noGrp="1"/>
-          </p:cNvSpPr>
-          <p:nvPr>
-            <p:ph type="hdr" sz="quarter" idx="11"/>
-          </p:nvPr>
-        </p:nvSpPr>
-        <p:spPr/>
-        <p:txBody>
-          <a:bodyPr/>
-          <a:lstStyle/>
-          <a:p>
-            <a:pPr>
-              <a:defRPr/>
-            </a:pPr>
-            <a:endParaRPr lang="en-US"/>
-          </a:p>
-        </p:txBody>
-      </p:sp>
-      <p:sp>
-        <p:nvSpPr>
-          <p:cNvPr id="6" name="Footer Placeholder 5"/>
-          <p:cNvSpPr>
-            <a:spLocks noGrp="1"/>
-          </p:cNvSpPr>
-          <p:nvPr>
-            <p:ph type="ftr" sz="quarter" idx="12"/>
-          </p:nvPr>
-        </p:nvSpPr>
-        <p:spPr/>
-        <p:txBody>
-          <a:bodyPr/>
-          <a:lstStyle/>
-          <a:p>
-            <a:pPr>
-              <a:defRPr/>
-            </a:pPr>
-            <a:endParaRPr lang="en-US"/>
-          </a:p>
-        </p:txBody>
-      </p:sp>
-    </p:spTree>
-    <p:extLst>
-      <p:ext uri="{BB962C8B-B14F-4D97-AF65-F5344CB8AC3E}">
-        <p14:creationId xmlns:p14="http://schemas.microsoft.com/office/powerpoint/2010/main" val="4234763763"/>
-      </p:ext>
-    </p:extLst>
-  </p:cSld>
-  <p:clrMapOvr>
-    <a:masterClrMapping/>
-  </p:clrMapOvr>
-</p:notes>
-</file>
-
 <file path=ppt/notesSlides/notesSlide3.xml><?xml version="1.0" encoding="utf-8"?>
 <p:notes xmlns:a="http://schemas.openxmlformats.org/drawingml/2006/main" xmlns:r="http://schemas.openxmlformats.org/officeDocument/2006/relationships" xmlns:p="http://schemas.openxmlformats.org/presentationml/2006/main">
   <p:cSld>
@@ -6534,432 +5771,6 @@
     <p:extLst>
       <p:ext uri="{BB962C8B-B14F-4D97-AF65-F5344CB8AC3E}">
         <p14:creationId xmlns:p14="http://schemas.microsoft.com/office/powerpoint/2010/main" val="3964402445"/>
-      </p:ext>
-    </p:extLst>
-  </p:cSld>
-  <p:clrMapOvr>
-    <a:masterClrMapping/>
-  </p:clrMapOvr>
-</p:notes>
-</file>
-
-<file path=ppt/notesSlides/notesSlide30.xml><?xml version="1.0" encoding="utf-8"?>
-<p:notes xmlns:a="http://schemas.openxmlformats.org/drawingml/2006/main" xmlns:r="http://schemas.openxmlformats.org/officeDocument/2006/relationships" xmlns:p="http://schemas.openxmlformats.org/presentationml/2006/main">
-  <p:cSld>
-    <p:spTree>
-      <p:nvGrpSpPr>
-        <p:cNvPr id="1" name=""/>
-        <p:cNvGrpSpPr/>
-        <p:nvPr/>
-      </p:nvGrpSpPr>
-      <p:grpSpPr>
-        <a:xfrm>
-          <a:off x="0" y="0"/>
-          <a:ext cx="0" cy="0"/>
-          <a:chOff x="0" y="0"/>
-          <a:chExt cx="0" cy="0"/>
-        </a:xfrm>
-      </p:grpSpPr>
-      <p:sp>
-        <p:nvSpPr>
-          <p:cNvPr id="2" name="Slide Image Placeholder 1"/>
-          <p:cNvSpPr>
-            <a:spLocks noGrp="1" noRot="1" noChangeAspect="1"/>
-          </p:cNvSpPr>
-          <p:nvPr>
-            <p:ph type="sldImg"/>
-          </p:nvPr>
-        </p:nvSpPr>
-        <p:spPr/>
-      </p:sp>
-      <p:sp>
-        <p:nvSpPr>
-          <p:cNvPr id="3" name="Notes Placeholder 2"/>
-          <p:cNvSpPr>
-            <a:spLocks noGrp="1"/>
-          </p:cNvSpPr>
-          <p:nvPr>
-            <p:ph type="body" idx="1"/>
-          </p:nvPr>
-        </p:nvSpPr>
-        <p:spPr/>
-        <p:txBody>
-          <a:bodyPr>
-            <a:normAutofit fontScale="70000" lnSpcReduction="20000"/>
-          </a:bodyPr>
-          <a:lstStyle/>
-          <a:p>
-            <a:pPr marL="0" marR="0" indent="0" algn="l" defTabSz="1217613" rtl="0" eaLnBrk="1" fontAlgn="base" latinLnBrk="0" hangingPunct="1">
-              <a:lnSpc>
-                <a:spcPct val="90000"/>
-              </a:lnSpc>
-              <a:spcBef>
-                <a:spcPct val="30000"/>
-              </a:spcBef>
-              <a:spcAft>
-                <a:spcPts val="450"/>
-              </a:spcAft>
-              <a:buClrTx/>
-              <a:buSzTx/>
-              <a:buFontTx/>
-              <a:buNone/>
-              <a:tabLst/>
-              <a:defRPr/>
-            </a:pPr>
-            <a:r>
-              <a:rPr lang="en-US" dirty="0" smtClean="0"/>
-              <a:t>The answer is, as you write controls, </a:t>
-            </a:r>
-            <a:r>
-              <a:rPr lang="en-US" dirty="0" err="1" smtClean="0"/>
-              <a:t>InSpec</a:t>
-            </a:r>
-            <a:r>
-              <a:rPr lang="en-US" dirty="0" smtClean="0"/>
-              <a:t> expects a `test` directory at the same</a:t>
-            </a:r>
-            <a:r>
-              <a:rPr lang="en-US" baseline="0" dirty="0" smtClean="0"/>
-              <a:t> </a:t>
-            </a:r>
-            <a:r>
-              <a:rPr lang="en-US" dirty="0" smtClean="0"/>
-              <a:t>level as the metadata.rb.</a:t>
-            </a:r>
-          </a:p>
-          <a:p>
-            <a:r>
-              <a:rPr lang="en-US" dirty="0" smtClean="0"/>
-              <a:t/>
-            </a:r>
-            <a:br>
-              <a:rPr lang="en-US" dirty="0" smtClean="0"/>
-            </a:br>
-            <a:r>
-              <a:rPr lang="en-US" dirty="0" smtClean="0"/>
-              <a:t>├── README.md</a:t>
-            </a:r>
-            <a:br>
-              <a:rPr lang="en-US" dirty="0" smtClean="0"/>
-            </a:br>
-            <a:r>
-              <a:rPr lang="en-US" dirty="0" smtClean="0"/>
-              <a:t>├── metadata.rb</a:t>
-            </a:r>
-            <a:br>
-              <a:rPr lang="en-US" dirty="0" smtClean="0"/>
-            </a:br>
-            <a:r>
-              <a:rPr lang="en-US" dirty="0" smtClean="0"/>
-              <a:t>└── test</a:t>
-            </a:r>
-            <a:br>
-              <a:rPr lang="en-US" dirty="0" smtClean="0"/>
-            </a:br>
-            <a:r>
-              <a:rPr lang="en-US" dirty="0" smtClean="0"/>
-              <a:t>  ├── </a:t>
-            </a:r>
-            <a:r>
-              <a:rPr lang="en-US" dirty="0" err="1" smtClean="0"/>
-              <a:t>foo_spec.rb</a:t>
-            </a:r>
-            <a:r>
-              <a:rPr lang="en-US" dirty="0" smtClean="0"/>
-              <a:t/>
-            </a:r>
-            <a:br>
-              <a:rPr lang="en-US" dirty="0" smtClean="0"/>
-            </a:br>
-            <a:r>
-              <a:rPr lang="en-US" dirty="0" smtClean="0"/>
-              <a:t>  └── </a:t>
-            </a:r>
-            <a:r>
-              <a:rPr lang="en-US" dirty="0" err="1" smtClean="0"/>
-              <a:t>bar_spec.rb</a:t>
-            </a:r>
-            <a:endParaRPr lang="en-US" dirty="0" smtClean="0"/>
-          </a:p>
-          <a:p>
-            <a:endParaRPr lang="en-US" dirty="0" smtClean="0"/>
-          </a:p>
-          <a:p>
-            <a:endParaRPr lang="en-US" dirty="0" smtClean="0"/>
-          </a:p>
-          <a:p>
-            <a:endParaRPr lang="en-US" dirty="0" smtClean="0"/>
-          </a:p>
-          <a:p>
-            <a:endParaRPr lang="en-US" dirty="0" smtClean="0"/>
-          </a:p>
-          <a:p>
-            <a:r>
-              <a:rPr lang="en-US" dirty="0" smtClean="0"/>
-              <a:t>https://github.com/chef/inspec/blob/7f555b902d6860ffe236ff23e4b52f20bac28adc/lib/inspec/profile.rb#L81-L129</a:t>
-            </a:r>
-          </a:p>
-          <a:p>
-            <a:endParaRPr lang="en-US" dirty="0" smtClean="0"/>
-          </a:p>
-          <a:p>
-            <a:pPr marL="0" marR="0" indent="0" algn="l" defTabSz="1217613" rtl="0" eaLnBrk="1" fontAlgn="base" latinLnBrk="0" hangingPunct="1">
-              <a:lnSpc>
-                <a:spcPct val="90000"/>
-              </a:lnSpc>
-              <a:spcBef>
-                <a:spcPct val="30000"/>
-              </a:spcBef>
-              <a:spcAft>
-                <a:spcPts val="450"/>
-              </a:spcAft>
-              <a:buClrTx/>
-              <a:buSzTx/>
-              <a:buFontTx/>
-              <a:buNone/>
-              <a:tabLst/>
-              <a:defRPr/>
-            </a:pPr>
-            <a:endParaRPr lang="en-US" baseline="0" dirty="0" smtClean="0"/>
-          </a:p>
-          <a:p>
-            <a:r>
-              <a:rPr lang="en-US" sz="1200" b="1" i="0" kern="1200" dirty="0" smtClean="0">
-                <a:solidFill>
-                  <a:schemeClr val="tx1"/>
-                </a:solidFill>
-                <a:effectLst/>
-                <a:latin typeface="Arial" panose="020B0604020202020204" pitchFamily="34" charset="0"/>
-                <a:ea typeface="ＭＳ Ｐゴシック" charset="0"/>
-                <a:cs typeface="Arial" panose="020B0604020202020204" pitchFamily="34" charset="0"/>
-              </a:rPr>
-              <a:t>Adding profiles</a:t>
-            </a:r>
-          </a:p>
-          <a:p>
-            <a:r>
-              <a:rPr lang="en-US" sz="1200" b="0" i="0" kern="1200" dirty="0" smtClean="0">
-                <a:solidFill>
-                  <a:schemeClr val="tx1"/>
-                </a:solidFill>
-                <a:effectLst/>
-                <a:latin typeface="Arial" panose="020B0604020202020204" pitchFamily="34" charset="0"/>
-                <a:ea typeface="ＭＳ Ｐゴシック" charset="0"/>
-                <a:cs typeface="Arial" panose="020B0604020202020204" pitchFamily="34" charset="0"/>
-              </a:rPr>
-              <a:t>Compliance profiles must be packaged in to a .tar.gz or .zip file to be uploaded to the Compliance Server. </a:t>
-            </a:r>
-          </a:p>
-          <a:p>
-            <a:r>
-              <a:rPr lang="en-US" sz="1200" b="0" i="0" kern="1200" dirty="0" smtClean="0">
-                <a:solidFill>
-                  <a:schemeClr val="tx1"/>
-                </a:solidFill>
-                <a:effectLst/>
-                <a:latin typeface="Arial" panose="020B0604020202020204" pitchFamily="34" charset="0"/>
-                <a:ea typeface="ＭＳ Ｐゴシック" charset="0"/>
-                <a:cs typeface="Arial" panose="020B0604020202020204" pitchFamily="34" charset="0"/>
-              </a:rPr>
-              <a:t>The directory structure is as follows (note, this is subject to change.  TODO: link to official docs when </a:t>
-            </a:r>
-            <a:r>
-              <a:rPr lang="en-US" sz="1200" b="0" i="0" kern="1200" dirty="0" err="1" smtClean="0">
-                <a:solidFill>
-                  <a:schemeClr val="tx1"/>
-                </a:solidFill>
-                <a:effectLst/>
-                <a:latin typeface="Arial" panose="020B0604020202020204" pitchFamily="34" charset="0"/>
-                <a:ea typeface="ＭＳ Ｐゴシック" charset="0"/>
-                <a:cs typeface="Arial" panose="020B0604020202020204" pitchFamily="34" charset="0"/>
-              </a:rPr>
-              <a:t>availalble</a:t>
-            </a:r>
-            <a:r>
-              <a:rPr lang="en-US" sz="1200" b="0" i="0" kern="1200" dirty="0" smtClean="0">
-                <a:solidFill>
-                  <a:schemeClr val="tx1"/>
-                </a:solidFill>
-                <a:effectLst/>
-                <a:latin typeface="Arial" panose="020B0604020202020204" pitchFamily="34" charset="0"/>
-                <a:ea typeface="ＭＳ Ｐゴシック" charset="0"/>
-                <a:cs typeface="Arial" panose="020B0604020202020204" pitchFamily="34" charset="0"/>
-              </a:rPr>
-              <a:t>):</a:t>
-            </a:r>
-          </a:p>
-          <a:p>
-            <a:r>
-              <a:rPr lang="en-US" sz="1200" b="0" i="0" kern="1200" dirty="0" smtClean="0">
-                <a:solidFill>
-                  <a:schemeClr val="tx1"/>
-                </a:solidFill>
-                <a:effectLst/>
-                <a:latin typeface="Arial" panose="020B0604020202020204" pitchFamily="34" charset="0"/>
-                <a:ea typeface="ＭＳ Ｐゴシック" charset="0"/>
-                <a:cs typeface="Arial" panose="020B0604020202020204" pitchFamily="34" charset="0"/>
-              </a:rPr>
-              <a:t>xyz.zip:</a:t>
-            </a:r>
-          </a:p>
-          <a:p>
-            <a:r>
-              <a:rPr lang="en-US" dirty="0" smtClean="0"/>
-              <a:t>.</a:t>
-            </a:r>
-            <a:br>
-              <a:rPr lang="en-US" dirty="0" smtClean="0"/>
-            </a:br>
-            <a:r>
-              <a:rPr lang="en-US" dirty="0" smtClean="0"/>
-              <a:t>├── README.md</a:t>
-            </a:r>
-            <a:br>
-              <a:rPr lang="en-US" dirty="0" smtClean="0"/>
-            </a:br>
-            <a:r>
-              <a:rPr lang="en-US" dirty="0" smtClean="0"/>
-              <a:t>├── metadata.rb</a:t>
-            </a:r>
-            <a:br>
-              <a:rPr lang="en-US" dirty="0" smtClean="0"/>
-            </a:br>
-            <a:r>
-              <a:rPr lang="en-US" dirty="0" smtClean="0"/>
-              <a:t>└── test</a:t>
-            </a:r>
-            <a:br>
-              <a:rPr lang="en-US" dirty="0" smtClean="0"/>
-            </a:br>
-            <a:r>
-              <a:rPr lang="en-US" dirty="0" smtClean="0"/>
-              <a:t>  ├── </a:t>
-            </a:r>
-            <a:r>
-              <a:rPr lang="en-US" dirty="0" err="1" smtClean="0"/>
-              <a:t>foo_spec.rb</a:t>
-            </a:r>
-            <a:r>
-              <a:rPr lang="en-US" dirty="0" smtClean="0"/>
-              <a:t/>
-            </a:r>
-            <a:br>
-              <a:rPr lang="en-US" dirty="0" smtClean="0"/>
-            </a:br>
-            <a:r>
-              <a:rPr lang="en-US" dirty="0" smtClean="0"/>
-              <a:t>  └── </a:t>
-            </a:r>
-            <a:r>
-              <a:rPr lang="en-US" dirty="0" err="1" smtClean="0"/>
-              <a:t>bar_spec.rb</a:t>
-            </a:r>
-            <a:endParaRPr lang="en-US" dirty="0" smtClean="0"/>
-          </a:p>
-          <a:p>
-            <a:endParaRPr lang="en-US" dirty="0" smtClean="0"/>
-          </a:p>
-          <a:p>
-            <a:r>
-              <a:rPr lang="en-US" dirty="0" smtClean="0"/>
-              <a:t>As you write controls, </a:t>
-            </a:r>
-            <a:r>
-              <a:rPr lang="en-US" dirty="0" err="1" smtClean="0"/>
-              <a:t>InSpec</a:t>
-            </a:r>
-            <a:r>
-              <a:rPr lang="en-US" dirty="0" smtClean="0"/>
-              <a:t> requires a `test` directory since it </a:t>
-            </a:r>
-            <a:r>
-              <a:rPr lang="en-US" dirty="0" err="1" smtClean="0"/>
-              <a:t>InSpec</a:t>
-            </a:r>
-            <a:r>
-              <a:rPr lang="en-US" dirty="0" smtClean="0"/>
-              <a:t> expect this structure.</a:t>
-            </a:r>
-          </a:p>
-        </p:txBody>
-      </p:sp>
-      <p:sp>
-        <p:nvSpPr>
-          <p:cNvPr id="4" name="Slide Number Placeholder 3"/>
-          <p:cNvSpPr>
-            <a:spLocks noGrp="1"/>
-          </p:cNvSpPr>
-          <p:nvPr>
-            <p:ph type="sldNum" sz="quarter" idx="10"/>
-          </p:nvPr>
-        </p:nvSpPr>
-        <p:spPr/>
-        <p:txBody>
-          <a:bodyPr/>
-          <a:lstStyle/>
-          <a:p>
-            <a:pPr>
-              <a:defRPr/>
-            </a:pPr>
-            <a:fld id="{DC3734AA-3150-D947-AC52-2F5DF48BFCD5}" type="slidenum">
-              <a:rPr lang="en-US" smtClean="0"/>
-              <a:pPr>
-                <a:defRPr/>
-              </a:pPr>
-              <a:t>33</a:t>
-            </a:fld>
-            <a:endParaRPr lang="en-US" dirty="0"/>
-          </a:p>
-        </p:txBody>
-      </p:sp>
-      <p:sp>
-        <p:nvSpPr>
-          <p:cNvPr id="5" name="Header Placeholder 4"/>
-          <p:cNvSpPr>
-            <a:spLocks noGrp="1"/>
-          </p:cNvSpPr>
-          <p:nvPr>
-            <p:ph type="hdr" sz="quarter" idx="11"/>
-          </p:nvPr>
-        </p:nvSpPr>
-        <p:spPr/>
-        <p:txBody>
-          <a:bodyPr/>
-          <a:lstStyle/>
-          <a:p>
-            <a:pPr>
-              <a:defRPr/>
-            </a:pPr>
-            <a:endParaRPr lang="en-US"/>
-          </a:p>
-        </p:txBody>
-      </p:sp>
-      <p:sp>
-        <p:nvSpPr>
-          <p:cNvPr id="6" name="Footer Placeholder 5"/>
-          <p:cNvSpPr>
-            <a:spLocks noGrp="1"/>
-          </p:cNvSpPr>
-          <p:nvPr>
-            <p:ph type="ftr" sz="quarter" idx="12"/>
-          </p:nvPr>
-        </p:nvSpPr>
-        <p:spPr/>
-        <p:txBody>
-          <a:bodyPr/>
-          <a:lstStyle/>
-          <a:p>
-            <a:pPr>
-              <a:defRPr/>
-            </a:pPr>
-            <a:endParaRPr lang="en-US"/>
-          </a:p>
-        </p:txBody>
-      </p:sp>
-    </p:spTree>
-    <p:extLst>
-      <p:ext uri="{BB962C8B-B14F-4D97-AF65-F5344CB8AC3E}">
-        <p14:creationId xmlns:p14="http://schemas.microsoft.com/office/powerpoint/2010/main" val="214120394"/>
       </p:ext>
     </p:extLst>
   </p:cSld>
@@ -8776,6 +7587,82 @@
               <a:rPr lang="en-US" baseline="0" dirty="0" smtClean="0"/>
               <a:t>- the error is not explicit of what's wrong.</a:t>
             </a:r>
+          </a:p>
+          <a:p>
+            <a:r>
+              <a:rPr lang="en-US" dirty="0" smtClean="0">
+                <a:effectLst/>
+              </a:rPr>
+              <a:t>This is bad programming error</a:t>
+            </a:r>
+            <a:r>
+              <a:rPr lang="en-US" i="1" dirty="0" smtClean="0">
+                <a:effectLst/>
+              </a:rPr>
+              <a:t/>
+            </a:r>
+            <a:br>
+              <a:rPr lang="en-US" i="1" dirty="0" smtClean="0">
+                <a:effectLst/>
+              </a:rPr>
+            </a:br>
+            <a:r>
+              <a:rPr lang="en-US" dirty="0" smtClean="0">
+                <a:effectLst/>
+              </a:rPr>
+              <a:t>its basically spitting out a null (which is I </a:t>
+            </a:r>
+            <a:r>
+              <a:rPr lang="en-US" dirty="0" err="1" smtClean="0">
+                <a:effectLst/>
+              </a:rPr>
+              <a:t>dont</a:t>
+            </a:r>
+            <a:r>
+              <a:rPr lang="en-US" dirty="0" smtClean="0">
+                <a:effectLst/>
+              </a:rPr>
+              <a:t> know what broke) error</a:t>
+            </a:r>
+            <a:br>
+              <a:rPr lang="en-US" dirty="0" smtClean="0">
+                <a:effectLst/>
+              </a:rPr>
+            </a:br>
+            <a:r>
+              <a:rPr lang="en-US" dirty="0" smtClean="0">
+                <a:effectLst/>
+              </a:rPr>
+              <a:t>The next release of compliance should fix this</a:t>
+            </a:r>
+          </a:p>
+          <a:p>
+            <a:r>
+              <a:rPr lang="en-US" dirty="0" smtClean="0">
+                <a:effectLst/>
+              </a:rPr>
+              <a:t>It should give very explicit warnings/errors around functionality rather than exposing inner workings of the programming</a:t>
+            </a:r>
+          </a:p>
+          <a:p>
+            <a:pPr marL="0" marR="0" indent="0" algn="l" defTabSz="1217613" rtl="0" eaLnBrk="1" fontAlgn="base" latinLnBrk="0" hangingPunct="1">
+              <a:lnSpc>
+                <a:spcPct val="90000"/>
+              </a:lnSpc>
+              <a:spcBef>
+                <a:spcPct val="30000"/>
+              </a:spcBef>
+              <a:spcAft>
+                <a:spcPts val="450"/>
+              </a:spcAft>
+              <a:buClrTx/>
+              <a:buSzTx/>
+              <a:buFontTx/>
+              <a:buNone/>
+              <a:tabLst/>
+              <a:defRPr/>
+            </a:pPr>
+            <a:endParaRPr lang="en-US" baseline="0" dirty="0" smtClean="0"/>
           </a:p>
         </p:txBody>
       </p:sp>
@@ -9430,14 +8317,14 @@
           </a:ln>
           <a:extLst>
             <a:ext uri="{909E8E84-426E-40dd-AFC4-6F175D3DCCD1}">
-              <a14:hiddenFill xmlns:a14="http://schemas.microsoft.com/office/drawing/2010/main" xmlns="">
+              <a14:hiddenFill xmlns="" xmlns:a14="http://schemas.microsoft.com/office/drawing/2010/main">
                 <a:solidFill>
                   <a:srgbClr val="FFFFFF"/>
                 </a:solidFill>
               </a14:hiddenFill>
             </a:ext>
             <a:ext uri="{91240B29-F687-4f45-9708-019B960494DF}">
-              <a14:hiddenLine xmlns:a14="http://schemas.microsoft.com/office/drawing/2010/main" xmlns="" w="9525">
+              <a14:hiddenLine xmlns="" xmlns:a14="http://schemas.microsoft.com/office/drawing/2010/main" w="9525">
                 <a:solidFill>
                   <a:srgbClr val="000000"/>
                 </a:solidFill>
@@ -9585,14 +8472,14 @@
           </a:ln>
           <a:extLst>
             <a:ext uri="{909E8E84-426E-40dd-AFC4-6F175D3DCCD1}">
-              <a14:hiddenFill xmlns:a14="http://schemas.microsoft.com/office/drawing/2010/main" xmlns="">
+              <a14:hiddenFill xmlns="" xmlns:a14="http://schemas.microsoft.com/office/drawing/2010/main">
                 <a:solidFill>
                   <a:srgbClr val="FFFFFF"/>
                 </a:solidFill>
               </a14:hiddenFill>
             </a:ext>
             <a:ext uri="{91240B29-F687-4f45-9708-019B960494DF}">
-              <a14:hiddenLine xmlns:a14="http://schemas.microsoft.com/office/drawing/2010/main" xmlns="" w="9525">
+              <a14:hiddenLine xmlns="" xmlns:a14="http://schemas.microsoft.com/office/drawing/2010/main" w="9525">
                 <a:solidFill>
                   <a:srgbClr val="000000"/>
                 </a:solidFill>
@@ -10083,14 +8970,14 @@
           </a:ln>
           <a:extLst>
             <a:ext uri="{909E8E84-426E-40dd-AFC4-6F175D3DCCD1}">
-              <a14:hiddenFill xmlns:a14="http://schemas.microsoft.com/office/drawing/2010/main" xmlns="">
+              <a14:hiddenFill xmlns="" xmlns:a14="http://schemas.microsoft.com/office/drawing/2010/main">
                 <a:solidFill>
                   <a:srgbClr val="FFFFFF"/>
                 </a:solidFill>
               </a14:hiddenFill>
             </a:ext>
             <a:ext uri="{91240B29-F687-4f45-9708-019B960494DF}">
-              <a14:hiddenLine xmlns:a14="http://schemas.microsoft.com/office/drawing/2010/main" xmlns="" w="9525">
+              <a14:hiddenLine xmlns="" xmlns:a14="http://schemas.microsoft.com/office/drawing/2010/main" w="9525">
                 <a:solidFill>
                   <a:srgbClr val="000000"/>
                 </a:solidFill>
@@ -10616,14 +9503,14 @@
           </a:ln>
           <a:extLst>
             <a:ext uri="{909E8E84-426E-40dd-AFC4-6F175D3DCCD1}">
-              <a14:hiddenFill xmlns:a14="http://schemas.microsoft.com/office/drawing/2010/main" xmlns="">
+              <a14:hiddenFill xmlns="" xmlns:a14="http://schemas.microsoft.com/office/drawing/2010/main">
                 <a:solidFill>
                   <a:srgbClr val="FFFFFF"/>
                 </a:solidFill>
               </a14:hiddenFill>
             </a:ext>
             <a:ext uri="{91240B29-F687-4f45-9708-019B960494DF}">
-              <a14:hiddenLine xmlns:a14="http://schemas.microsoft.com/office/drawing/2010/main" xmlns="" w="9525">
+              <a14:hiddenLine xmlns="" xmlns:a14="http://schemas.microsoft.com/office/drawing/2010/main" w="9525">
                 <a:solidFill>
                   <a:srgbClr val="000000"/>
                 </a:solidFill>
@@ -12247,14 +11134,14 @@
           </a:ln>
           <a:extLst>
             <a:ext uri="{909E8E84-426E-40dd-AFC4-6F175D3DCCD1}">
-              <a14:hiddenFill xmlns:a14="http://schemas.microsoft.com/office/drawing/2010/main" xmlns="">
+              <a14:hiddenFill xmlns="" xmlns:a14="http://schemas.microsoft.com/office/drawing/2010/main">
                 <a:solidFill>
                   <a:srgbClr val="FFFFFF"/>
                 </a:solidFill>
               </a14:hiddenFill>
             </a:ext>
             <a:ext uri="{91240B29-F687-4f45-9708-019B960494DF}">
-              <a14:hiddenLine xmlns:a14="http://schemas.microsoft.com/office/drawing/2010/main" xmlns="" w="9525">
+              <a14:hiddenLine xmlns="" xmlns:a14="http://schemas.microsoft.com/office/drawing/2010/main" w="9525">
                 <a:solidFill>
                   <a:srgbClr val="000000"/>
                 </a:solidFill>
@@ -13608,14 +12495,14 @@
           </a:ln>
           <a:extLst>
             <a:ext uri="{909E8E84-426E-40dd-AFC4-6F175D3DCCD1}">
-              <a14:hiddenFill xmlns:a14="http://schemas.microsoft.com/office/drawing/2010/main" xmlns="">
+              <a14:hiddenFill xmlns="" xmlns:a14="http://schemas.microsoft.com/office/drawing/2010/main">
                 <a:solidFill>
                   <a:srgbClr val="FFFFFF"/>
                 </a:solidFill>
               </a14:hiddenFill>
             </a:ext>
             <a:ext uri="{91240B29-F687-4f45-9708-019B960494DF}">
-              <a14:hiddenLine xmlns:a14="http://schemas.microsoft.com/office/drawing/2010/main" xmlns="" w="9525">
+              <a14:hiddenLine xmlns="" xmlns:a14="http://schemas.microsoft.com/office/drawing/2010/main" w="9525">
                 <a:solidFill>
                   <a:srgbClr val="000000"/>
                 </a:solidFill>
@@ -14121,14 +13008,14 @@
           </a:ln>
           <a:extLst>
             <a:ext uri="{909E8E84-426E-40dd-AFC4-6F175D3DCCD1}">
-              <a14:hiddenFill xmlns:a14="http://schemas.microsoft.com/office/drawing/2010/main" xmlns="">
+              <a14:hiddenFill xmlns="" xmlns:a14="http://schemas.microsoft.com/office/drawing/2010/main">
                 <a:solidFill>
                   <a:srgbClr val="FFFFFF"/>
                 </a:solidFill>
               </a14:hiddenFill>
             </a:ext>
             <a:ext uri="{91240B29-F687-4f45-9708-019B960494DF}">
-              <a14:hiddenLine xmlns:a14="http://schemas.microsoft.com/office/drawing/2010/main" xmlns="" w="9525">
+              <a14:hiddenLine xmlns="" xmlns:a14="http://schemas.microsoft.com/office/drawing/2010/main" w="9525">
                 <a:solidFill>
                   <a:srgbClr val="000000"/>
                 </a:solidFill>
@@ -14695,14 +13582,14 @@
           </a:ln>
           <a:extLst>
             <a:ext uri="{909E8E84-426E-40dd-AFC4-6F175D3DCCD1}">
-              <a14:hiddenFill xmlns:a14="http://schemas.microsoft.com/office/drawing/2010/main" xmlns="">
+              <a14:hiddenFill xmlns="" xmlns:a14="http://schemas.microsoft.com/office/drawing/2010/main">
                 <a:solidFill>
                   <a:srgbClr val="FFFFFF"/>
                 </a:solidFill>
               </a14:hiddenFill>
             </a:ext>
             <a:ext uri="{91240B29-F687-4f45-9708-019B960494DF}">
-              <a14:hiddenLine xmlns:a14="http://schemas.microsoft.com/office/drawing/2010/main" xmlns="" w="9525">
+              <a14:hiddenLine xmlns="" xmlns:a14="http://schemas.microsoft.com/office/drawing/2010/main" w="9525">
                 <a:solidFill>
                   <a:srgbClr val="000000"/>
                 </a:solidFill>
@@ -15642,14 +14529,14 @@
           </a:ln>
           <a:extLst>
             <a:ext uri="{909E8E84-426E-40dd-AFC4-6F175D3DCCD1}">
-              <a14:hiddenFill xmlns:a14="http://schemas.microsoft.com/office/drawing/2010/main" xmlns="">
+              <a14:hiddenFill xmlns="" xmlns:a14="http://schemas.microsoft.com/office/drawing/2010/main">
                 <a:solidFill>
                   <a:srgbClr val="FFFFFF"/>
                 </a:solidFill>
               </a14:hiddenFill>
             </a:ext>
             <a:ext uri="{91240B29-F687-4f45-9708-019B960494DF}">
-              <a14:hiddenLine xmlns:a14="http://schemas.microsoft.com/office/drawing/2010/main" xmlns="" w="9525">
+              <a14:hiddenLine xmlns="" xmlns:a14="http://schemas.microsoft.com/office/drawing/2010/main" w="9525">
                 <a:solidFill>
                   <a:srgbClr val="000000"/>
                 </a:solidFill>
@@ -16402,14 +15289,14 @@
           </a:ln>
           <a:extLst>
             <a:ext uri="{909E8E84-426E-40dd-AFC4-6F175D3DCCD1}">
-              <a14:hiddenFill xmlns:a14="http://schemas.microsoft.com/office/drawing/2010/main" xmlns="">
+              <a14:hiddenFill xmlns="" xmlns:a14="http://schemas.microsoft.com/office/drawing/2010/main">
                 <a:solidFill>
                   <a:srgbClr val="FFFFFF"/>
                 </a:solidFill>
               </a14:hiddenFill>
             </a:ext>
             <a:ext uri="{91240B29-F687-4f45-9708-019B960494DF}">
-              <a14:hiddenLine xmlns:a14="http://schemas.microsoft.com/office/drawing/2010/main" xmlns="" w="9525">
+              <a14:hiddenLine xmlns="" xmlns:a14="http://schemas.microsoft.com/office/drawing/2010/main" w="9525">
                 <a:solidFill>
                   <a:srgbClr val="000000"/>
                 </a:solidFill>
@@ -18666,6 +17553,31 @@
               <a:rPr lang="en-US" b="1" dirty="0" err="1" smtClean="0"/>
               <a:t>tmp.rb</a:t>
             </a:r>
+            <a:endParaRPr lang="en-US" b="1" dirty="0" smtClean="0"/>
+          </a:p>
+          <a:p>
+            <a:r>
+              <a:rPr lang="en-US" dirty="0"/>
+              <a:t>I, </a:t>
+            </a:r>
+            <a:r>
+              <a:rPr lang="en-US" dirty="0" smtClean="0"/>
+              <a:t>[</a:t>
+            </a:r>
+            <a:r>
+              <a:rPr lang="en-US" dirty="0"/>
+              <a:t>2015-12-11T22:53:24.912617 #16092</a:t>
+            </a:r>
+            <a:r>
+              <a:rPr lang="en-US" dirty="0" smtClean="0"/>
+              <a:t>]  </a:t>
+            </a:r>
+            <a:r>
+              <a:rPr lang="en-US" dirty="0"/>
+              <a:t>INFO -- : Rule definitions OK.</a:t>
+            </a:r>
+          </a:p>
+          <a:p>
             <a:endParaRPr lang="en-US" b="1" dirty="0"/>
           </a:p>
         </p:txBody>
@@ -18754,8 +17666,8 @@
         </p:nvSpPr>
         <p:spPr bwMode="auto">
           <a:xfrm>
-            <a:off x="1121104" y="4297680"/>
-            <a:ext cx="14431939" cy="994582"/>
+            <a:off x="1115230" y="4392421"/>
+            <a:ext cx="14431939" cy="1936189"/>
           </a:xfrm>
           <a:prstGeom prst="rect">
             <a:avLst/>
@@ -19859,15 +18771,7 @@
           <a:p>
             <a:r>
               <a:rPr lang="en-US" dirty="0" smtClean="0"/>
-              <a:t>GL: From </a:t>
-            </a:r>
-            <a:r>
-              <a:rPr lang="en-US" dirty="0" smtClean="0"/>
-              <a:t>Your </a:t>
-            </a:r>
-            <a:r>
-              <a:rPr lang="en-US" dirty="0" smtClean="0"/>
-              <a:t>Laptop Run the </a:t>
+              <a:t>GL: From Your Laptop Run the </a:t>
             </a:r>
             <a:r>
               <a:rPr lang="en-US" dirty="0" err="1" smtClean="0"/>
@@ -21021,7 +19925,7 @@
         <p:spPr>
           <a:xfrm>
             <a:off x="297180" y="1856198"/>
-            <a:ext cx="15544800" cy="5345953"/>
+            <a:ext cx="15958820" cy="5345953"/>
           </a:xfrm>
         </p:spPr>
         <p:txBody>
@@ -21030,7 +19934,7 @@
           <a:p>
             <a:r>
               <a:rPr lang="en-US" dirty="0" smtClean="0"/>
-              <a:t>You should also be able to see your custom profile from your Compliance page.</a:t>
+              <a:t>You should also be able to see your custom profile from your Compliance profiles page.</a:t>
             </a:r>
           </a:p>
           <a:p>
@@ -21430,1631 +20334,6 @@
 <file path=ppt/slides/slide30.xml><?xml version="1.0" encoding="utf-8"?>
 <p:sld xmlns:a="http://schemas.openxmlformats.org/drawingml/2006/main" xmlns:r="http://schemas.openxmlformats.org/officeDocument/2006/relationships" xmlns:p="http://schemas.openxmlformats.org/presentationml/2006/main">
   <p:cSld>
-    <p:spTree>
-      <p:nvGrpSpPr>
-        <p:cNvPr id="1" name=""/>
-        <p:cNvGrpSpPr/>
-        <p:nvPr/>
-      </p:nvGrpSpPr>
-      <p:grpSpPr>
-        <a:xfrm>
-          <a:off x="0" y="0"/>
-          <a:ext cx="0" cy="0"/>
-          <a:chOff x="0" y="0"/>
-          <a:chExt cx="0" cy="0"/>
-        </a:xfrm>
-      </p:grpSpPr>
-      <p:sp>
-        <p:nvSpPr>
-          <p:cNvPr id="2" name="Title 1"/>
-          <p:cNvSpPr>
-            <a:spLocks noGrp="1"/>
-          </p:cNvSpPr>
-          <p:nvPr>
-            <p:ph type="title"/>
-          </p:nvPr>
-        </p:nvSpPr>
-        <p:spPr/>
-        <p:txBody>
-          <a:bodyPr>
-            <a:normAutofit/>
-          </a:bodyPr>
-          <a:lstStyle/>
-          <a:p>
-            <a:r>
-              <a:rPr lang="en-US" dirty="0" smtClean="0"/>
-              <a:t>GL: </a:t>
-            </a:r>
-            <a:r>
-              <a:rPr lang="en-US" dirty="0" smtClean="0">
-                <a:solidFill>
-                  <a:srgbClr val="FF0000"/>
-                </a:solidFill>
-              </a:rPr>
-              <a:t>TBD from here to end</a:t>
-            </a:r>
-            <a:endParaRPr lang="en-US" dirty="0">
-              <a:solidFill>
-                <a:srgbClr val="FF0000"/>
-              </a:solidFill>
-            </a:endParaRPr>
-          </a:p>
-        </p:txBody>
-      </p:sp>
-      <p:sp>
-        <p:nvSpPr>
-          <p:cNvPr id="6" name="Text Placeholder 2"/>
-          <p:cNvSpPr>
-            <a:spLocks noGrp="1"/>
-          </p:cNvSpPr>
-          <p:nvPr>
-            <p:ph type="body" sz="quarter" idx="12"/>
-          </p:nvPr>
-        </p:nvSpPr>
-        <p:spPr>
-          <a:xfrm>
-            <a:off x="448573" y="1354386"/>
-            <a:ext cx="14685690" cy="5345953"/>
-          </a:xfrm>
-        </p:spPr>
-        <p:txBody>
-          <a:bodyPr/>
-          <a:lstStyle/>
-          <a:p>
-            <a:r>
-              <a:rPr lang="en-US" dirty="0" smtClean="0"/>
-              <a:t>Show how this is populated by /rb file - see next slide</a:t>
-            </a:r>
-          </a:p>
-          <a:p>
-            <a:r>
-              <a:rPr lang="en-US" dirty="0" smtClean="0"/>
-              <a:t>TBD- Show side by side metadata and </a:t>
-            </a:r>
-            <a:r>
-              <a:rPr lang="en-US" dirty="0" err="1" smtClean="0"/>
-              <a:t>Compl</a:t>
-            </a:r>
-            <a:r>
-              <a:rPr lang="en-US" dirty="0" smtClean="0"/>
-              <a:t> UI profile name to illustrate how the name field is populated.</a:t>
-            </a:r>
-          </a:p>
-          <a:p>
-            <a:endParaRPr lang="en-US" dirty="0"/>
-          </a:p>
-          <a:p>
-            <a:r>
-              <a:rPr lang="en-US" dirty="0" smtClean="0"/>
-              <a:t/>
-            </a:r>
-            <a:br>
-              <a:rPr lang="en-US" dirty="0" smtClean="0"/>
-            </a:br>
-            <a:r>
-              <a:rPr lang="en-US" dirty="0" smtClean="0"/>
-              <a:t/>
-            </a:r>
-            <a:br>
-              <a:rPr lang="en-US" dirty="0" smtClean="0"/>
-            </a:br>
-            <a:r>
-              <a:rPr lang="en-US" dirty="0" smtClean="0"/>
-              <a:t>    </a:t>
-            </a:r>
-          </a:p>
-          <a:p>
-            <a:endParaRPr lang="en-US" dirty="0" smtClean="0"/>
-          </a:p>
-          <a:p>
-            <a:pPr marL="457200" indent="-457200">
-              <a:buFont typeface="Arial" panose="020B0604020202020204" pitchFamily="34" charset="0"/>
-              <a:buChar char="•"/>
-            </a:pPr>
-            <a:endParaRPr lang="en-US" dirty="0"/>
-          </a:p>
-          <a:p>
-            <a:endParaRPr lang="en-US" dirty="0" smtClean="0"/>
-          </a:p>
-          <a:p>
-            <a:pPr marL="457200" indent="-457200">
-              <a:buFont typeface="Arial" panose="020B0604020202020204" pitchFamily="34" charset="0"/>
-              <a:buChar char="•"/>
-            </a:pPr>
-            <a:endParaRPr lang="en-US" dirty="0"/>
-          </a:p>
-        </p:txBody>
-      </p:sp>
-      <p:pic>
-        <p:nvPicPr>
-          <p:cNvPr id="3" name="Picture 2"/>
-          <p:cNvPicPr>
-            <a:picLocks noChangeAspect="1"/>
-          </p:cNvPicPr>
-          <p:nvPr/>
-        </p:nvPicPr>
-        <p:blipFill>
-          <a:blip r:embed="rId3"/>
-          <a:stretch>
-            <a:fillRect/>
-          </a:stretch>
-        </p:blipFill>
-        <p:spPr>
-          <a:xfrm>
-            <a:off x="2098894" y="3244645"/>
-            <a:ext cx="13035369" cy="4517208"/>
-          </a:xfrm>
-          <a:prstGeom prst="rect">
-            <a:avLst/>
-          </a:prstGeom>
-          <a:ln>
-            <a:solidFill>
-              <a:schemeClr val="accent1"/>
-            </a:solidFill>
-          </a:ln>
-        </p:spPr>
-      </p:pic>
-    </p:spTree>
-    <p:extLst>
-      <p:ext uri="{BB962C8B-B14F-4D97-AF65-F5344CB8AC3E}">
-        <p14:creationId xmlns:p14="http://schemas.microsoft.com/office/powerpoint/2010/main" val="3774323270"/>
-      </p:ext>
-    </p:extLst>
-  </p:cSld>
-  <p:clrMapOvr>
-    <a:masterClrMapping/>
-  </p:clrMapOvr>
-  <p:transition spd="med">
-    <p:fade/>
-  </p:transition>
-  <p:timing>
-    <p:tnLst>
-      <p:par>
-        <p:cTn id="1" dur="indefinite" restart="never" nodeType="tmRoot"/>
-      </p:par>
-    </p:tnLst>
-  </p:timing>
-</p:sld>
-</file>
-
-<file path=ppt/slides/slide31.xml><?xml version="1.0" encoding="utf-8"?>
-<p:sld xmlns:a="http://schemas.openxmlformats.org/drawingml/2006/main" xmlns:r="http://schemas.openxmlformats.org/officeDocument/2006/relationships" xmlns:p="http://schemas.openxmlformats.org/presentationml/2006/main">
-  <p:cSld>
-    <p:spTree>
-      <p:nvGrpSpPr>
-        <p:cNvPr id="1" name=""/>
-        <p:cNvGrpSpPr/>
-        <p:nvPr/>
-      </p:nvGrpSpPr>
-      <p:grpSpPr>
-        <a:xfrm>
-          <a:off x="0" y="0"/>
-          <a:ext cx="0" cy="0"/>
-          <a:chOff x="0" y="0"/>
-          <a:chExt cx="0" cy="0"/>
-        </a:xfrm>
-      </p:grpSpPr>
-      <p:sp>
-        <p:nvSpPr>
-          <p:cNvPr id="2" name="Title 1"/>
-          <p:cNvSpPr>
-            <a:spLocks noGrp="1"/>
-          </p:cNvSpPr>
-          <p:nvPr>
-            <p:ph type="title"/>
-          </p:nvPr>
-        </p:nvSpPr>
-        <p:spPr/>
-        <p:txBody>
-          <a:bodyPr/>
-          <a:lstStyle/>
-          <a:p>
-            <a:endParaRPr lang="en-US"/>
-          </a:p>
-        </p:txBody>
-      </p:sp>
-      <p:sp>
-        <p:nvSpPr>
-          <p:cNvPr id="4" name="Text Placeholder 3"/>
-          <p:cNvSpPr>
-            <a:spLocks noGrp="1"/>
-          </p:cNvSpPr>
-          <p:nvPr>
-            <p:ph type="body" sz="quarter" idx="11"/>
-          </p:nvPr>
-        </p:nvSpPr>
-        <p:spPr/>
-        <p:txBody>
-          <a:bodyPr/>
-          <a:lstStyle/>
-          <a:p>
-            <a:endParaRPr lang="en-US"/>
-          </a:p>
-        </p:txBody>
-      </p:sp>
-      <p:sp>
-        <p:nvSpPr>
-          <p:cNvPr id="7" name="Rectangle 1"/>
-          <p:cNvSpPr>
-            <a:spLocks noGrp="1" noChangeArrowheads="1"/>
-          </p:cNvSpPr>
-          <p:nvPr>
-            <p:ph sz="quarter" idx="10"/>
-          </p:nvPr>
-        </p:nvSpPr>
-        <p:spPr bwMode="auto">
-          <a:xfrm>
-            <a:off x="1121104" y="4258556"/>
-            <a:ext cx="10637527" cy="1661993"/>
-          </a:xfrm>
-          <a:prstGeom prst="rect">
-            <a:avLst/>
-          </a:prstGeom>
-          <a:solidFill>
-            <a:srgbClr val="F7F7F7"/>
-          </a:solidFill>
-          <a:ln>
-            <a:noFill/>
-          </a:ln>
-          <a:effectLst/>
-          <a:extLst>
-            <a:ext uri="{91240B29-F687-4f45-9708-019B960494DF}">
-              <a14:hiddenLine xmlns:a14="http://schemas.microsoft.com/office/drawing/2010/main" xmlns="" w="9525">
-                <a:solidFill>
-                  <a:schemeClr val="tx1"/>
-                </a:solidFill>
-                <a:miter lim="800000"/>
-                <a:headEnd/>
-                <a:tailEnd/>
-              </a14:hiddenLine>
-            </a:ext>
-            <a:ext uri="{AF507438-7753-43e0-B8FC-AC1667EBCBE1}">
-              <a14:hiddenEffects xmlns:a14="http://schemas.microsoft.com/office/drawing/2010/main" xmlns="">
-                <a:effectLst>
-                  <a:outerShdw dist="35921" dir="2700000" algn="ctr" rotWithShape="0">
-                    <a:schemeClr val="bg2"/>
-                  </a:outerShdw>
-                </a:effectLst>
-              </a14:hiddenEffects>
-            </a:ext>
-          </a:extLst>
-        </p:spPr>
-        <p:txBody>
-          <a:bodyPr vert="horz" wrap="none" lIns="0" tIns="0" rIns="0" bIns="0" numCol="1" anchor="ctr" anchorCtr="0" compatLnSpc="1">
-            <a:prstTxWarp prst="textNoShape">
-              <a:avLst/>
-            </a:prstTxWarp>
-            <a:spAutoFit/>
-          </a:bodyPr>
-          <a:lstStyle/>
-          <a:p>
-            <a:pPr marL="0" marR="0" lvl="0" indent="0" algn="l" defTabSz="914400" rtl="0" eaLnBrk="0" fontAlgn="base" latinLnBrk="0" hangingPunct="0">
-              <a:lnSpc>
-                <a:spcPct val="100000"/>
-              </a:lnSpc>
-              <a:spcBef>
-                <a:spcPct val="0"/>
-              </a:spcBef>
-              <a:spcAft>
-                <a:spcPct val="0"/>
-              </a:spcAft>
-              <a:buClrTx/>
-              <a:buSzTx/>
-              <a:buFontTx/>
-              <a:buNone/>
-              <a:tabLst/>
-            </a:pPr>
-            <a:r>
-              <a:rPr kumimoji="0" lang="en-US" altLang="en-US" sz="1800" b="0" i="0" u="none" strike="noStrike" cap="none" normalizeH="0" baseline="0" dirty="0" smtClean="0">
-                <a:ln>
-                  <a:noFill/>
-                </a:ln>
-                <a:solidFill>
-                  <a:srgbClr val="222222"/>
-                </a:solidFill>
-                <a:effectLst/>
-                <a:latin typeface="Helvetica" panose="020B0604020202020204" pitchFamily="34" charset="0"/>
-                <a:ea typeface="Calibri" panose="020F0502020204030204" pitchFamily="34" charset="0"/>
-                <a:cs typeface="Arial" panose="020B0604020202020204" pitchFamily="34" charset="0"/>
-              </a:rPr>
-              <a:t>Create /</a:t>
-            </a:r>
-            <a:r>
-              <a:rPr kumimoji="0" lang="en-US" altLang="en-US" sz="1800" b="0" i="0" u="none" strike="noStrike" cap="none" normalizeH="0" baseline="0" dirty="0" err="1" smtClean="0">
-                <a:ln>
-                  <a:noFill/>
-                </a:ln>
-                <a:solidFill>
-                  <a:srgbClr val="222222"/>
-                </a:solidFill>
-                <a:effectLst/>
-                <a:latin typeface="Helvetica" panose="020B0604020202020204" pitchFamily="34" charset="0"/>
-                <a:ea typeface="Calibri" panose="020F0502020204030204" pitchFamily="34" charset="0"/>
-                <a:cs typeface="Arial" panose="020B0604020202020204" pitchFamily="34" charset="0"/>
-              </a:rPr>
-              <a:t>tmp</a:t>
-            </a:r>
-            <a:r>
-              <a:rPr kumimoji="0" lang="en-US" altLang="en-US" sz="1800" b="0" i="0" u="none" strike="noStrike" cap="none" normalizeH="0" baseline="0" dirty="0" smtClean="0">
-                <a:ln>
-                  <a:noFill/>
-                </a:ln>
-                <a:solidFill>
-                  <a:srgbClr val="222222"/>
-                </a:solidFill>
-                <a:effectLst/>
-                <a:latin typeface="Helvetica" panose="020B0604020202020204" pitchFamily="34" charset="0"/>
-                <a:ea typeface="Calibri" panose="020F0502020204030204" pitchFamily="34" charset="0"/>
-                <a:cs typeface="Arial" panose="020B0604020202020204" pitchFamily="34" charset="0"/>
-              </a:rPr>
-              <a:t> </a:t>
-            </a:r>
-            <a:r>
-              <a:rPr kumimoji="0" lang="en-US" altLang="en-US" sz="1800" b="0" i="0" u="none" strike="noStrike" cap="none" normalizeH="0" baseline="0" dirty="0" err="1" smtClean="0">
-                <a:ln>
-                  <a:noFill/>
-                </a:ln>
-                <a:solidFill>
-                  <a:srgbClr val="222222"/>
-                </a:solidFill>
-                <a:effectLst/>
-                <a:latin typeface="Helvetica" panose="020B0604020202020204" pitchFamily="34" charset="0"/>
-                <a:ea typeface="Calibri" panose="020F0502020204030204" pitchFamily="34" charset="0"/>
-                <a:cs typeface="Arial" panose="020B0604020202020204" pitchFamily="34" charset="0"/>
-              </a:rPr>
-              <a:t>directory</a:t>
-            </a:r>
-            <a:r>
-              <a:rPr kumimoji="0" lang="en-US" altLang="en-US" sz="1800" b="0" i="0" u="none" strike="noStrike" cap="none" normalizeH="0" baseline="0" dirty="0" err="1" smtClean="0">
-                <a:ln>
-                  <a:noFill/>
-                </a:ln>
-                <a:solidFill>
-                  <a:srgbClr val="23D0DF"/>
-                </a:solidFill>
-                <a:effectLst/>
-                <a:latin typeface="Helvetica" panose="020B0604020202020204" pitchFamily="34" charset="0"/>
-                <a:ea typeface="Calibri" panose="020F0502020204030204" pitchFamily="34" charset="0"/>
-                <a:cs typeface="Arial" panose="020B0604020202020204" pitchFamily="34" charset="0"/>
-              </a:rPr>
-              <a:t>Minor</a:t>
-            </a:r>
-            <a:r>
-              <a:rPr kumimoji="0" lang="en-US" altLang="en-US" sz="1800" b="0" i="0" u="none" strike="noStrike" cap="none" normalizeH="0" baseline="0" dirty="0" smtClean="0">
-                <a:ln>
-                  <a:noFill/>
-                </a:ln>
-                <a:solidFill>
-                  <a:srgbClr val="23D0DF"/>
-                </a:solidFill>
-                <a:effectLst/>
-                <a:latin typeface="Helvetica" panose="020B0604020202020204" pitchFamily="34" charset="0"/>
-                <a:ea typeface="Calibri" panose="020F0502020204030204" pitchFamily="34" charset="0"/>
-                <a:cs typeface="Arial" panose="020B0604020202020204" pitchFamily="34" charset="0"/>
-              </a:rPr>
-              <a:t> (score: 3.0)</a:t>
-            </a:r>
-            <a:endParaRPr kumimoji="0" lang="en-US" altLang="en-US" sz="1800" b="0" i="0" u="none" strike="noStrike" cap="none" normalizeH="0" baseline="0" dirty="0" smtClean="0">
-              <a:ln>
-                <a:noFill/>
-              </a:ln>
-              <a:solidFill>
-                <a:schemeClr val="tx1"/>
-              </a:solidFill>
-              <a:effectLst/>
-            </a:endParaRPr>
-          </a:p>
-          <a:p>
-            <a:pPr marL="0" marR="0" lvl="0" indent="0" algn="l" defTabSz="914400" rtl="0" eaLnBrk="0" fontAlgn="base" latinLnBrk="0" hangingPunct="0">
-              <a:lnSpc>
-                <a:spcPct val="100000"/>
-              </a:lnSpc>
-              <a:spcBef>
-                <a:spcPct val="0"/>
-              </a:spcBef>
-              <a:spcAft>
-                <a:spcPct val="0"/>
-              </a:spcAft>
-              <a:buClrTx/>
-              <a:buSzTx/>
-              <a:buFontTx/>
-              <a:buNone/>
-              <a:tabLst/>
-            </a:pPr>
-            <a:r>
-              <a:rPr kumimoji="0" lang="en-US" altLang="en-US" sz="1800" b="0" i="0" u="none" strike="noStrike" cap="none" normalizeH="0" baseline="0" dirty="0" smtClean="0">
-                <a:ln>
-                  <a:noFill/>
-                </a:ln>
-                <a:solidFill>
-                  <a:schemeClr val="tx1"/>
-                </a:solidFill>
-                <a:effectLst/>
-                <a:latin typeface="Arial" panose="020B0604020202020204" pitchFamily="34" charset="0"/>
-                <a:ea typeface="Calibri" panose="020F0502020204030204" pitchFamily="34" charset="0"/>
-                <a:cs typeface="Arial" panose="020B0604020202020204" pitchFamily="34" charset="0"/>
-              </a:rPr>
-              <a:t>/</a:t>
-            </a:r>
-            <a:r>
-              <a:rPr kumimoji="0" lang="en-US" altLang="en-US" sz="1800" b="0" i="0" u="none" strike="noStrike" cap="none" normalizeH="0" baseline="0" dirty="0" err="1" smtClean="0">
-                <a:ln>
-                  <a:noFill/>
-                </a:ln>
-                <a:solidFill>
-                  <a:schemeClr val="tx1"/>
-                </a:solidFill>
-                <a:effectLst/>
-                <a:latin typeface="Arial" panose="020B0604020202020204" pitchFamily="34" charset="0"/>
-                <a:ea typeface="Calibri" panose="020F0502020204030204" pitchFamily="34" charset="0"/>
-                <a:cs typeface="Arial" panose="020B0604020202020204" pitchFamily="34" charset="0"/>
-              </a:rPr>
-              <a:t>tmp</a:t>
-            </a:r>
-            <a:r>
-              <a:rPr kumimoji="0" lang="en-US" altLang="en-US" sz="1800" b="0" i="0" u="none" strike="noStrike" cap="none" normalizeH="0" baseline="0" dirty="0" smtClean="0">
-                <a:ln>
-                  <a:noFill/>
-                </a:ln>
-                <a:solidFill>
-                  <a:schemeClr val="tx1"/>
-                </a:solidFill>
-                <a:effectLst/>
-                <a:latin typeface="Arial" panose="020B0604020202020204" pitchFamily="34" charset="0"/>
-                <a:ea typeface="Calibri" panose="020F0502020204030204" pitchFamily="34" charset="0"/>
-                <a:cs typeface="Arial" panose="020B0604020202020204" pitchFamily="34" charset="0"/>
-              </a:rPr>
-              <a:t> directory is owned by the root </a:t>
-            </a:r>
-            <a:r>
-              <a:rPr kumimoji="0" lang="en-US" altLang="en-US" sz="1800" b="0" i="0" u="none" strike="noStrike" cap="none" normalizeH="0" baseline="0" dirty="0" err="1" smtClean="0">
-                <a:ln>
-                  <a:noFill/>
-                </a:ln>
-                <a:solidFill>
-                  <a:schemeClr val="tx1"/>
-                </a:solidFill>
-                <a:effectLst/>
-                <a:latin typeface="Arial" panose="020B0604020202020204" pitchFamily="34" charset="0"/>
-                <a:ea typeface="Calibri" panose="020F0502020204030204" pitchFamily="34" charset="0"/>
-                <a:cs typeface="Arial" panose="020B0604020202020204" pitchFamily="34" charset="0"/>
-              </a:rPr>
-              <a:t>user</a:t>
-            </a:r>
-            <a:r>
-              <a:rPr kumimoji="0" lang="en-US" altLang="en-US" sz="1800" b="0" i="0" u="none" strike="noStrike" cap="none" normalizeH="0" baseline="0" dirty="0" err="1" smtClean="0">
-                <a:ln>
-                  <a:noFill/>
-                </a:ln>
-                <a:solidFill>
-                  <a:srgbClr val="23D0DF"/>
-                </a:solidFill>
-                <a:effectLst/>
-                <a:latin typeface="Helvetica" panose="020B0604020202020204" pitchFamily="34" charset="0"/>
-                <a:ea typeface="Calibri" panose="020F0502020204030204" pitchFamily="34" charset="0"/>
-                <a:cs typeface="Arial" panose="020B0604020202020204" pitchFamily="34" charset="0"/>
-              </a:rPr>
-              <a:t>Minor</a:t>
-            </a:r>
-            <a:r>
-              <a:rPr kumimoji="0" lang="en-US" altLang="en-US" sz="1800" b="0" i="0" u="none" strike="noStrike" cap="none" normalizeH="0" baseline="0" dirty="0" smtClean="0">
-                <a:ln>
-                  <a:noFill/>
-                </a:ln>
-                <a:solidFill>
-                  <a:srgbClr val="23D0DF"/>
-                </a:solidFill>
-                <a:effectLst/>
-                <a:latin typeface="Helvetica" panose="020B0604020202020204" pitchFamily="34" charset="0"/>
-                <a:ea typeface="Calibri" panose="020F0502020204030204" pitchFamily="34" charset="0"/>
-                <a:cs typeface="Arial" panose="020B0604020202020204" pitchFamily="34" charset="0"/>
-              </a:rPr>
-              <a:t> (score: 3.0)</a:t>
-            </a:r>
-            <a:endParaRPr kumimoji="0" lang="en-US" altLang="en-US" sz="1800" b="0" i="0" u="none" strike="noStrike" cap="none" normalizeH="0" baseline="0" dirty="0" smtClean="0">
-              <a:ln>
-                <a:noFill/>
-              </a:ln>
-              <a:solidFill>
-                <a:schemeClr val="tx1"/>
-              </a:solidFill>
-              <a:effectLst/>
-            </a:endParaRPr>
-          </a:p>
-          <a:p>
-            <a:pPr marL="0" marR="0" lvl="0" indent="0" algn="l" defTabSz="914400" rtl="0" eaLnBrk="0" fontAlgn="base" latinLnBrk="0" hangingPunct="0">
-              <a:lnSpc>
-                <a:spcPct val="100000"/>
-              </a:lnSpc>
-              <a:spcBef>
-                <a:spcPct val="0"/>
-              </a:spcBef>
-              <a:spcAft>
-                <a:spcPct val="0"/>
-              </a:spcAft>
-              <a:buClrTx/>
-              <a:buSzTx/>
-              <a:buFontTx/>
-              <a:buNone/>
-              <a:tabLst/>
-            </a:pPr>
-            <a:r>
-              <a:rPr kumimoji="0" lang="en-US" altLang="en-US" sz="1800" b="0" i="0" u="none" strike="noStrike" cap="none" normalizeH="0" baseline="0" dirty="0" smtClean="0">
-                <a:ln>
-                  <a:noFill/>
-                </a:ln>
-                <a:solidFill>
-                  <a:srgbClr val="5B9BD5"/>
-                </a:solidFill>
-                <a:effectLst/>
-                <a:latin typeface="Helvetica" panose="020B0604020202020204" pitchFamily="34" charset="0"/>
-                <a:ea typeface="Calibri" panose="020F0502020204030204" pitchFamily="34" charset="0"/>
-                <a:cs typeface="Arial" panose="020B0604020202020204" pitchFamily="34" charset="0"/>
-              </a:rPr>
-              <a:t>The /</a:t>
-            </a:r>
-            <a:r>
-              <a:rPr kumimoji="0" lang="en-US" altLang="en-US" sz="1800" b="0" i="0" u="none" strike="noStrike" cap="none" normalizeH="0" baseline="0" dirty="0" err="1" smtClean="0">
-                <a:ln>
-                  <a:noFill/>
-                </a:ln>
-                <a:solidFill>
-                  <a:srgbClr val="5B9BD5"/>
-                </a:solidFill>
-                <a:effectLst/>
-                <a:latin typeface="Helvetica" panose="020B0604020202020204" pitchFamily="34" charset="0"/>
-                <a:ea typeface="Calibri" panose="020F0502020204030204" pitchFamily="34" charset="0"/>
-                <a:cs typeface="Arial" panose="020B0604020202020204" pitchFamily="34" charset="0"/>
-              </a:rPr>
-              <a:t>tmp</a:t>
-            </a:r>
-            <a:r>
-              <a:rPr kumimoji="0" lang="en-US" altLang="en-US" sz="1800" b="0" i="0" u="none" strike="noStrike" cap="none" normalizeH="0" baseline="0" dirty="0" smtClean="0">
-                <a:ln>
-                  <a:noFill/>
-                </a:ln>
-                <a:solidFill>
-                  <a:srgbClr val="5B9BD5"/>
-                </a:solidFill>
-                <a:effectLst/>
-                <a:latin typeface="Helvetica" panose="020B0604020202020204" pitchFamily="34" charset="0"/>
-                <a:ea typeface="Calibri" panose="020F0502020204030204" pitchFamily="34" charset="0"/>
-                <a:cs typeface="Arial" panose="020B0604020202020204" pitchFamily="34" charset="0"/>
-              </a:rPr>
-              <a:t> directory must be owned by the root user</a:t>
-            </a:r>
-            <a:endParaRPr kumimoji="0" lang="en-US" altLang="en-US" sz="1800" b="0" i="0" u="none" strike="noStrike" cap="none" normalizeH="0" baseline="0" dirty="0" smtClean="0">
-              <a:ln>
-                <a:noFill/>
-              </a:ln>
-              <a:solidFill>
-                <a:srgbClr val="333333"/>
-              </a:solidFill>
-              <a:effectLst/>
-              <a:latin typeface="Consolas" panose="020B0609020204030204" pitchFamily="49" charset="0"/>
-              <a:ea typeface="Times New Roman" panose="02020603050405020304" pitchFamily="18" charset="0"/>
-              <a:cs typeface="Consolas" panose="020B0609020204030204" pitchFamily="49" charset="0"/>
-            </a:endParaRPr>
-          </a:p>
-          <a:p>
-            <a:pPr marL="0" marR="0" lvl="0" indent="0" algn="l" defTabSz="914400" rtl="0" eaLnBrk="0" fontAlgn="base" latinLnBrk="0" hangingPunct="0">
-              <a:lnSpc>
-                <a:spcPct val="100000"/>
-              </a:lnSpc>
-              <a:spcBef>
-                <a:spcPct val="0"/>
-              </a:spcBef>
-              <a:spcAft>
-                <a:spcPct val="0"/>
-              </a:spcAft>
-              <a:buClrTx/>
-              <a:buSzTx/>
-              <a:buFontTx/>
-              <a:buNone/>
-              <a:tabLst/>
-            </a:pPr>
-            <a:r>
-              <a:rPr kumimoji="0" lang="en-US" altLang="en-US" sz="1800" b="0" i="0" u="none" strike="noStrike" cap="none" normalizeH="0" baseline="0" dirty="0" smtClean="0">
-                <a:ln>
-                  <a:noFill/>
-                </a:ln>
-                <a:solidFill>
-                  <a:srgbClr val="333333"/>
-                </a:solidFill>
-                <a:effectLst/>
-                <a:latin typeface="Consolas" panose="020B0609020204030204" pitchFamily="49" charset="0"/>
-                <a:ea typeface="Times New Roman" panose="02020603050405020304" pitchFamily="18" charset="0"/>
-                <a:cs typeface="Consolas" panose="020B0609020204030204" pitchFamily="49" charset="0"/>
-              </a:rPr>
-              <a:t>control </a:t>
-            </a:r>
-            <a:r>
-              <a:rPr kumimoji="0" lang="en-US" altLang="en-US" sz="1800" b="0" i="0" u="none" strike="noStrike" cap="none" normalizeH="0" baseline="0" dirty="0" smtClean="0">
-                <a:ln>
-                  <a:noFill/>
-                </a:ln>
-                <a:solidFill>
-                  <a:srgbClr val="DD1144"/>
-                </a:solidFill>
-                <a:effectLst/>
-                <a:latin typeface="Consolas" panose="020B0609020204030204" pitchFamily="49" charset="0"/>
-                <a:ea typeface="Times New Roman" panose="02020603050405020304" pitchFamily="18" charset="0"/>
-                <a:cs typeface="Consolas" panose="020B0609020204030204" pitchFamily="49" charset="0"/>
-              </a:rPr>
-              <a:t>"tmp-1.1"</a:t>
-            </a:r>
-            <a:r>
-              <a:rPr kumimoji="0" lang="en-US" altLang="en-US" sz="1800" b="0" i="0" u="none" strike="noStrike" cap="none" normalizeH="0" baseline="0" dirty="0" smtClean="0">
-                <a:ln>
-                  <a:noFill/>
-                </a:ln>
-                <a:solidFill>
-                  <a:srgbClr val="333333"/>
-                </a:solidFill>
-                <a:effectLst/>
-                <a:latin typeface="Consolas" panose="020B0609020204030204" pitchFamily="49" charset="0"/>
-                <a:ea typeface="Times New Roman" panose="02020603050405020304" pitchFamily="18" charset="0"/>
-                <a:cs typeface="Consolas" panose="020B0609020204030204" pitchFamily="49" charset="0"/>
-              </a:rPr>
-              <a:t> </a:t>
-            </a:r>
-            <a:r>
-              <a:rPr kumimoji="0" lang="en-US" altLang="en-US" sz="1800" b="1" i="0" u="none" strike="noStrike" cap="none" normalizeH="0" baseline="0" dirty="0" smtClean="0">
-                <a:ln>
-                  <a:noFill/>
-                </a:ln>
-                <a:solidFill>
-                  <a:srgbClr val="333333"/>
-                </a:solidFill>
-                <a:effectLst/>
-                <a:latin typeface="Consolas" panose="020B0609020204030204" pitchFamily="49" charset="0"/>
-                <a:ea typeface="Times New Roman" panose="02020603050405020304" pitchFamily="18" charset="0"/>
-                <a:cs typeface="Consolas" panose="020B0609020204030204" pitchFamily="49" charset="0"/>
-              </a:rPr>
-              <a:t>do</a:t>
-            </a:r>
-            <a:r>
-              <a:rPr kumimoji="0" lang="en-US" altLang="en-US" sz="1800" b="0" i="0" u="none" strike="noStrike" cap="none" normalizeH="0" baseline="0" dirty="0" smtClean="0">
-                <a:ln>
-                  <a:noFill/>
-                </a:ln>
-                <a:solidFill>
-                  <a:srgbClr val="333333"/>
-                </a:solidFill>
-                <a:effectLst/>
-                <a:latin typeface="Consolas" panose="020B0609020204030204" pitchFamily="49" charset="0"/>
-                <a:ea typeface="Times New Roman" panose="02020603050405020304" pitchFamily="18" charset="0"/>
-                <a:cs typeface="Consolas" panose="020B0609020204030204" pitchFamily="49" charset="0"/>
-              </a:rPr>
-              <a:t>  impact </a:t>
-            </a:r>
-            <a:r>
-              <a:rPr kumimoji="0" lang="en-US" altLang="en-US" sz="1800" b="0" i="0" u="none" strike="noStrike" cap="none" normalizeH="0" baseline="0" dirty="0" smtClean="0">
-                <a:ln>
-                  <a:noFill/>
-                </a:ln>
-                <a:solidFill>
-                  <a:srgbClr val="008080"/>
-                </a:solidFill>
-                <a:effectLst/>
-                <a:latin typeface="Consolas" panose="020B0609020204030204" pitchFamily="49" charset="0"/>
-                <a:ea typeface="Times New Roman" panose="02020603050405020304" pitchFamily="18" charset="0"/>
-                <a:cs typeface="Consolas" panose="020B0609020204030204" pitchFamily="49" charset="0"/>
-              </a:rPr>
-              <a:t>0</a:t>
-            </a:r>
-            <a:r>
-              <a:rPr kumimoji="0" lang="en-US" altLang="en-US" sz="1800" b="0" i="0" u="none" strike="noStrike" cap="none" normalizeH="0" baseline="0" dirty="0" smtClean="0">
-                <a:ln>
-                  <a:noFill/>
-                </a:ln>
-                <a:solidFill>
-                  <a:srgbClr val="333333"/>
-                </a:solidFill>
-                <a:effectLst/>
-                <a:latin typeface="Consolas" panose="020B0609020204030204" pitchFamily="49" charset="0"/>
-                <a:ea typeface="Times New Roman" panose="02020603050405020304" pitchFamily="18" charset="0"/>
-                <a:cs typeface="Consolas" panose="020B0609020204030204" pitchFamily="49" charset="0"/>
-              </a:rPr>
-              <a:t>.</a:t>
-            </a:r>
-            <a:r>
-              <a:rPr kumimoji="0" lang="en-US" altLang="en-US" sz="1800" b="0" i="0" u="none" strike="noStrike" cap="none" normalizeH="0" baseline="0" dirty="0" smtClean="0">
-                <a:ln>
-                  <a:noFill/>
-                </a:ln>
-                <a:solidFill>
-                  <a:srgbClr val="008080"/>
-                </a:solidFill>
-                <a:effectLst/>
-                <a:latin typeface="Consolas" panose="020B0609020204030204" pitchFamily="49" charset="0"/>
-                <a:ea typeface="Times New Roman" panose="02020603050405020304" pitchFamily="18" charset="0"/>
-                <a:cs typeface="Consolas" panose="020B0609020204030204" pitchFamily="49" charset="0"/>
-              </a:rPr>
-              <a:t>3</a:t>
-            </a:r>
-            <a:r>
-              <a:rPr kumimoji="0" lang="en-US" altLang="en-US" sz="1800" b="0" i="0" u="none" strike="noStrike" cap="none" normalizeH="0" baseline="0" dirty="0" smtClean="0">
-                <a:ln>
-                  <a:noFill/>
-                </a:ln>
-                <a:solidFill>
-                  <a:srgbClr val="333333"/>
-                </a:solidFill>
-                <a:effectLst/>
-                <a:latin typeface="Consolas" panose="020B0609020204030204" pitchFamily="49" charset="0"/>
-                <a:ea typeface="Times New Roman" panose="02020603050405020304" pitchFamily="18" charset="0"/>
-                <a:cs typeface="Consolas" panose="020B0609020204030204" pitchFamily="49" charset="0"/>
-              </a:rPr>
-              <a:t>  title </a:t>
-            </a:r>
-            <a:r>
-              <a:rPr kumimoji="0" lang="en-US" altLang="en-US" sz="1800" b="0" i="0" u="none" strike="noStrike" cap="none" normalizeH="0" baseline="0" dirty="0" smtClean="0">
-                <a:ln>
-                  <a:noFill/>
-                </a:ln>
-                <a:solidFill>
-                  <a:srgbClr val="DD1144"/>
-                </a:solidFill>
-                <a:effectLst/>
-                <a:latin typeface="Consolas" panose="020B0609020204030204" pitchFamily="49" charset="0"/>
-                <a:ea typeface="Times New Roman" panose="02020603050405020304" pitchFamily="18" charset="0"/>
-                <a:cs typeface="Consolas" panose="020B0609020204030204" pitchFamily="49" charset="0"/>
-              </a:rPr>
-              <a:t>"</a:t>
-            </a:r>
-            <a:r>
-              <a:rPr kumimoji="0" lang="en-US" altLang="en-US" sz="1800" b="0" i="0" u="none" strike="noStrike" cap="none" normalizeH="0" baseline="0" dirty="0" smtClean="0">
-                <a:ln>
-                  <a:noFill/>
-                </a:ln>
-                <a:solidFill>
-                  <a:srgbClr val="00B050"/>
-                </a:solidFill>
-                <a:effectLst/>
-                <a:latin typeface="Consolas" panose="020B0609020204030204" pitchFamily="49" charset="0"/>
-                <a:ea typeface="Times New Roman" panose="02020603050405020304" pitchFamily="18" charset="0"/>
-                <a:cs typeface="Consolas" panose="020B0609020204030204" pitchFamily="49" charset="0"/>
-              </a:rPr>
-              <a:t>/</a:t>
-            </a:r>
-            <a:r>
-              <a:rPr kumimoji="0" lang="en-US" altLang="en-US" sz="1800" b="0" i="0" u="none" strike="noStrike" cap="none" normalizeH="0" baseline="0" dirty="0" err="1" smtClean="0">
-                <a:ln>
-                  <a:noFill/>
-                </a:ln>
-                <a:solidFill>
-                  <a:srgbClr val="00B050"/>
-                </a:solidFill>
-                <a:effectLst/>
-                <a:latin typeface="Consolas" panose="020B0609020204030204" pitchFamily="49" charset="0"/>
-                <a:ea typeface="Times New Roman" panose="02020603050405020304" pitchFamily="18" charset="0"/>
-                <a:cs typeface="Consolas" panose="020B0609020204030204" pitchFamily="49" charset="0"/>
-              </a:rPr>
-              <a:t>tmp</a:t>
-            </a:r>
-            <a:r>
-              <a:rPr kumimoji="0" lang="en-US" altLang="en-US" sz="1800" b="0" i="0" u="none" strike="noStrike" cap="none" normalizeH="0" baseline="0" dirty="0" smtClean="0">
-                <a:ln>
-                  <a:noFill/>
-                </a:ln>
-                <a:solidFill>
-                  <a:srgbClr val="00B050"/>
-                </a:solidFill>
-                <a:effectLst/>
-                <a:latin typeface="Consolas" panose="020B0609020204030204" pitchFamily="49" charset="0"/>
-                <a:ea typeface="Times New Roman" panose="02020603050405020304" pitchFamily="18" charset="0"/>
-                <a:cs typeface="Consolas" panose="020B0609020204030204" pitchFamily="49" charset="0"/>
-              </a:rPr>
-              <a:t> directory is owned by the root user</a:t>
-            </a:r>
-            <a:r>
-              <a:rPr kumimoji="0" lang="en-US" altLang="en-US" sz="1800" b="0" i="0" u="none" strike="noStrike" cap="none" normalizeH="0" baseline="0" dirty="0" smtClean="0">
-                <a:ln>
-                  <a:noFill/>
-                </a:ln>
-                <a:solidFill>
-                  <a:srgbClr val="DD1144"/>
-                </a:solidFill>
-                <a:effectLst/>
-                <a:latin typeface="Consolas" panose="020B0609020204030204" pitchFamily="49" charset="0"/>
-                <a:ea typeface="Times New Roman" panose="02020603050405020304" pitchFamily="18" charset="0"/>
-                <a:cs typeface="Consolas" panose="020B0609020204030204" pitchFamily="49" charset="0"/>
-              </a:rPr>
-              <a:t>"</a:t>
-            </a:r>
-            <a:r>
-              <a:rPr kumimoji="0" lang="en-US" altLang="en-US" sz="1800" b="0" i="0" u="none" strike="noStrike" cap="none" normalizeH="0" baseline="0" dirty="0" smtClean="0">
-                <a:ln>
-                  <a:noFill/>
-                </a:ln>
-                <a:solidFill>
-                  <a:srgbClr val="333333"/>
-                </a:solidFill>
-                <a:effectLst/>
-                <a:latin typeface="Consolas" panose="020B0609020204030204" pitchFamily="49" charset="0"/>
-                <a:ea typeface="Times New Roman" panose="02020603050405020304" pitchFamily="18" charset="0"/>
-                <a:cs typeface="Consolas" panose="020B0609020204030204" pitchFamily="49" charset="0"/>
-              </a:rPr>
-              <a:t>  </a:t>
-            </a:r>
-          </a:p>
-          <a:p>
-            <a:pPr marL="0" marR="0" lvl="0" indent="0" algn="l" defTabSz="914400" rtl="0" eaLnBrk="0" fontAlgn="base" latinLnBrk="0" hangingPunct="0">
-              <a:lnSpc>
-                <a:spcPct val="100000"/>
-              </a:lnSpc>
-              <a:spcBef>
-                <a:spcPct val="0"/>
-              </a:spcBef>
-              <a:spcAft>
-                <a:spcPct val="0"/>
-              </a:spcAft>
-              <a:buClrTx/>
-              <a:buSzTx/>
-              <a:buFontTx/>
-              <a:buNone/>
-              <a:tabLst/>
-            </a:pPr>
-            <a:r>
-              <a:rPr kumimoji="0" lang="en-US" altLang="en-US" sz="1800" b="0" i="0" u="none" strike="noStrike" cap="none" normalizeH="0" baseline="0" dirty="0" err="1" smtClean="0">
-                <a:ln>
-                  <a:noFill/>
-                </a:ln>
-                <a:solidFill>
-                  <a:srgbClr val="333333"/>
-                </a:solidFill>
-                <a:effectLst/>
-                <a:latin typeface="Consolas" panose="020B0609020204030204" pitchFamily="49" charset="0"/>
-                <a:ea typeface="Times New Roman" panose="02020603050405020304" pitchFamily="18" charset="0"/>
-                <a:cs typeface="Consolas" panose="020B0609020204030204" pitchFamily="49" charset="0"/>
-              </a:rPr>
-              <a:t>desc</a:t>
-            </a:r>
-            <a:r>
-              <a:rPr kumimoji="0" lang="en-US" altLang="en-US" sz="1800" b="0" i="0" u="none" strike="noStrike" cap="none" normalizeH="0" baseline="0" dirty="0" smtClean="0">
-                <a:ln>
-                  <a:noFill/>
-                </a:ln>
-                <a:solidFill>
-                  <a:srgbClr val="333333"/>
-                </a:solidFill>
-                <a:effectLst/>
-                <a:latin typeface="Consolas" panose="020B0609020204030204" pitchFamily="49" charset="0"/>
-                <a:ea typeface="Times New Roman" panose="02020603050405020304" pitchFamily="18" charset="0"/>
-                <a:cs typeface="Consolas" panose="020B0609020204030204" pitchFamily="49" charset="0"/>
-              </a:rPr>
-              <a:t> </a:t>
-            </a:r>
-            <a:r>
-              <a:rPr kumimoji="0" lang="en-US" altLang="en-US" sz="1800" b="0" i="0" u="none" strike="noStrike" cap="none" normalizeH="0" baseline="0" dirty="0" smtClean="0">
-                <a:ln>
-                  <a:noFill/>
-                </a:ln>
-                <a:solidFill>
-                  <a:srgbClr val="DD1144"/>
-                </a:solidFill>
-                <a:effectLst/>
-                <a:latin typeface="Consolas" panose="020B0609020204030204" pitchFamily="49" charset="0"/>
-                <a:ea typeface="Times New Roman" panose="02020603050405020304" pitchFamily="18" charset="0"/>
-                <a:cs typeface="Consolas" panose="020B0609020204030204" pitchFamily="49" charset="0"/>
-              </a:rPr>
-              <a:t>"</a:t>
-            </a:r>
-            <a:r>
-              <a:rPr kumimoji="0" lang="en-US" altLang="en-US" sz="1800" b="0" i="0" u="none" strike="noStrike" cap="none" normalizeH="0" baseline="0" dirty="0" smtClean="0">
-                <a:ln>
-                  <a:noFill/>
-                </a:ln>
-                <a:solidFill>
-                  <a:srgbClr val="5B9BD5"/>
-                </a:solidFill>
-                <a:effectLst/>
-                <a:latin typeface="Consolas" panose="020B0609020204030204" pitchFamily="49" charset="0"/>
-                <a:ea typeface="Times New Roman" panose="02020603050405020304" pitchFamily="18" charset="0"/>
-                <a:cs typeface="Consolas" panose="020B0609020204030204" pitchFamily="49" charset="0"/>
-              </a:rPr>
-              <a:t>The /</a:t>
-            </a:r>
-            <a:r>
-              <a:rPr kumimoji="0" lang="en-US" altLang="en-US" sz="1800" b="0" i="0" u="none" strike="noStrike" cap="none" normalizeH="0" baseline="0" dirty="0" err="1" smtClean="0">
-                <a:ln>
-                  <a:noFill/>
-                </a:ln>
-                <a:solidFill>
-                  <a:srgbClr val="5B9BD5"/>
-                </a:solidFill>
-                <a:effectLst/>
-                <a:latin typeface="Consolas" panose="020B0609020204030204" pitchFamily="49" charset="0"/>
-                <a:ea typeface="Times New Roman" panose="02020603050405020304" pitchFamily="18" charset="0"/>
-                <a:cs typeface="Consolas" panose="020B0609020204030204" pitchFamily="49" charset="0"/>
-              </a:rPr>
-              <a:t>tmp</a:t>
-            </a:r>
-            <a:r>
-              <a:rPr kumimoji="0" lang="en-US" altLang="en-US" sz="1800" b="0" i="0" u="none" strike="noStrike" cap="none" normalizeH="0" baseline="0" dirty="0" smtClean="0">
-                <a:ln>
-                  <a:noFill/>
-                </a:ln>
-                <a:solidFill>
-                  <a:srgbClr val="5B9BD5"/>
-                </a:solidFill>
-                <a:effectLst/>
-                <a:latin typeface="Consolas" panose="020B0609020204030204" pitchFamily="49" charset="0"/>
-                <a:ea typeface="Times New Roman" panose="02020603050405020304" pitchFamily="18" charset="0"/>
-                <a:cs typeface="Consolas" panose="020B0609020204030204" pitchFamily="49" charset="0"/>
-              </a:rPr>
-              <a:t> directory must be owned by the root user</a:t>
-            </a:r>
-            <a:r>
-              <a:rPr kumimoji="0" lang="en-US" altLang="en-US" sz="1800" b="0" i="0" u="none" strike="noStrike" cap="none" normalizeH="0" baseline="0" dirty="0" smtClean="0">
-                <a:ln>
-                  <a:noFill/>
-                </a:ln>
-                <a:solidFill>
-                  <a:srgbClr val="DD1144"/>
-                </a:solidFill>
-                <a:effectLst/>
-                <a:latin typeface="Consolas" panose="020B0609020204030204" pitchFamily="49" charset="0"/>
-                <a:ea typeface="Times New Roman" panose="02020603050405020304" pitchFamily="18" charset="0"/>
-                <a:cs typeface="Consolas" panose="020B0609020204030204" pitchFamily="49" charset="0"/>
-              </a:rPr>
-              <a:t>"</a:t>
-            </a:r>
-            <a:r>
-              <a:rPr kumimoji="0" lang="en-US" altLang="en-US" sz="1800" b="0" i="0" u="none" strike="noStrike" cap="none" normalizeH="0" baseline="0" dirty="0" smtClean="0">
-                <a:ln>
-                  <a:noFill/>
-                </a:ln>
-                <a:solidFill>
-                  <a:srgbClr val="333333"/>
-                </a:solidFill>
-                <a:effectLst/>
-                <a:latin typeface="Consolas" panose="020B0609020204030204" pitchFamily="49" charset="0"/>
-                <a:ea typeface="Times New Roman" panose="02020603050405020304" pitchFamily="18" charset="0"/>
-                <a:cs typeface="Consolas" panose="020B0609020204030204" pitchFamily="49" charset="0"/>
-              </a:rPr>
-              <a:t>  </a:t>
-            </a:r>
-          </a:p>
-          <a:p>
-            <a:pPr marL="0" marR="0" lvl="0" indent="0" algn="l" defTabSz="914400" rtl="0" eaLnBrk="0" fontAlgn="base" latinLnBrk="0" hangingPunct="0">
-              <a:lnSpc>
-                <a:spcPct val="100000"/>
-              </a:lnSpc>
-              <a:spcBef>
-                <a:spcPct val="0"/>
-              </a:spcBef>
-              <a:spcAft>
-                <a:spcPct val="0"/>
-              </a:spcAft>
-              <a:buClrTx/>
-              <a:buSzTx/>
-              <a:buFontTx/>
-              <a:buNone/>
-              <a:tabLst/>
-            </a:pPr>
-            <a:r>
-              <a:rPr kumimoji="0" lang="en-US" altLang="en-US" sz="1800" b="0" i="0" u="none" strike="noStrike" cap="none" normalizeH="0" baseline="0" dirty="0" smtClean="0">
-                <a:ln>
-                  <a:noFill/>
-                </a:ln>
-                <a:solidFill>
-                  <a:srgbClr val="333333"/>
-                </a:solidFill>
-                <a:effectLst/>
-                <a:latin typeface="Consolas" panose="020B0609020204030204" pitchFamily="49" charset="0"/>
-                <a:ea typeface="Times New Roman" panose="02020603050405020304" pitchFamily="18" charset="0"/>
-                <a:cs typeface="Consolas" panose="020B0609020204030204" pitchFamily="49" charset="0"/>
-              </a:rPr>
-              <a:t>describe file(</a:t>
-            </a:r>
-            <a:r>
-              <a:rPr kumimoji="0" lang="en-US" altLang="en-US" sz="1800" b="0" i="0" u="none" strike="noStrike" cap="none" normalizeH="0" baseline="0" dirty="0" smtClean="0">
-                <a:ln>
-                  <a:noFill/>
-                </a:ln>
-                <a:solidFill>
-                  <a:srgbClr val="DD1144"/>
-                </a:solidFill>
-                <a:effectLst/>
-                <a:latin typeface="Consolas" panose="020B0609020204030204" pitchFamily="49" charset="0"/>
-                <a:ea typeface="Times New Roman" panose="02020603050405020304" pitchFamily="18" charset="0"/>
-                <a:cs typeface="Consolas" panose="020B0609020204030204" pitchFamily="49" charset="0"/>
-              </a:rPr>
-              <a:t>'/</a:t>
-            </a:r>
-            <a:r>
-              <a:rPr kumimoji="0" lang="en-US" altLang="en-US" sz="1800" b="0" i="0" u="none" strike="noStrike" cap="none" normalizeH="0" baseline="0" dirty="0" err="1" smtClean="0">
-                <a:ln>
-                  <a:noFill/>
-                </a:ln>
-                <a:solidFill>
-                  <a:srgbClr val="DD1144"/>
-                </a:solidFill>
-                <a:effectLst/>
-                <a:latin typeface="Consolas" panose="020B0609020204030204" pitchFamily="49" charset="0"/>
-                <a:ea typeface="Times New Roman" panose="02020603050405020304" pitchFamily="18" charset="0"/>
-                <a:cs typeface="Consolas" panose="020B0609020204030204" pitchFamily="49" charset="0"/>
-              </a:rPr>
-              <a:t>tmp</a:t>
-            </a:r>
-            <a:r>
-              <a:rPr kumimoji="0" lang="en-US" altLang="en-US" sz="1800" b="0" i="0" u="none" strike="noStrike" cap="none" normalizeH="0" baseline="0" dirty="0" smtClean="0">
-                <a:ln>
-                  <a:noFill/>
-                </a:ln>
-                <a:solidFill>
-                  <a:srgbClr val="DD1144"/>
-                </a:solidFill>
-                <a:effectLst/>
-                <a:latin typeface="Consolas" panose="020B0609020204030204" pitchFamily="49" charset="0"/>
-                <a:ea typeface="Times New Roman" panose="02020603050405020304" pitchFamily="18" charset="0"/>
-                <a:cs typeface="Consolas" panose="020B0609020204030204" pitchFamily="49" charset="0"/>
-              </a:rPr>
-              <a:t>'</a:t>
-            </a:r>
-            <a:r>
-              <a:rPr kumimoji="0" lang="en-US" altLang="en-US" sz="1800" b="0" i="0" u="none" strike="noStrike" cap="none" normalizeH="0" baseline="0" dirty="0" smtClean="0">
-                <a:ln>
-                  <a:noFill/>
-                </a:ln>
-                <a:solidFill>
-                  <a:srgbClr val="333333"/>
-                </a:solidFill>
-                <a:effectLst/>
-                <a:latin typeface="Consolas" panose="020B0609020204030204" pitchFamily="49" charset="0"/>
-                <a:ea typeface="Times New Roman" panose="02020603050405020304" pitchFamily="18" charset="0"/>
-                <a:cs typeface="Consolas" panose="020B0609020204030204" pitchFamily="49" charset="0"/>
-              </a:rPr>
-              <a:t>) </a:t>
-            </a:r>
-            <a:r>
-              <a:rPr kumimoji="0" lang="en-US" altLang="en-US" sz="1800" b="1" i="0" u="none" strike="noStrike" cap="none" normalizeH="0" baseline="0" dirty="0" smtClean="0">
-                <a:ln>
-                  <a:noFill/>
-                </a:ln>
-                <a:solidFill>
-                  <a:srgbClr val="333333"/>
-                </a:solidFill>
-                <a:effectLst/>
-                <a:latin typeface="Consolas" panose="020B0609020204030204" pitchFamily="49" charset="0"/>
-                <a:ea typeface="Times New Roman" panose="02020603050405020304" pitchFamily="18" charset="0"/>
-                <a:cs typeface="Consolas" panose="020B0609020204030204" pitchFamily="49" charset="0"/>
-              </a:rPr>
-              <a:t>do</a:t>
-            </a:r>
-            <a:r>
-              <a:rPr kumimoji="0" lang="en-US" altLang="en-US" sz="1800" b="0" i="0" u="none" strike="noStrike" cap="none" normalizeH="0" baseline="0" dirty="0" smtClean="0">
-                <a:ln>
-                  <a:noFill/>
-                </a:ln>
-                <a:solidFill>
-                  <a:srgbClr val="333333"/>
-                </a:solidFill>
-                <a:effectLst/>
-                <a:latin typeface="Consolas" panose="020B0609020204030204" pitchFamily="49" charset="0"/>
-                <a:ea typeface="Times New Roman" panose="02020603050405020304" pitchFamily="18" charset="0"/>
-                <a:cs typeface="Consolas" panose="020B0609020204030204" pitchFamily="49" charset="0"/>
-              </a:rPr>
-              <a:t>  it { should </a:t>
-            </a:r>
-            <a:r>
-              <a:rPr kumimoji="0" lang="en-US" altLang="en-US" sz="1800" b="0" i="0" u="none" strike="noStrike" cap="none" normalizeH="0" baseline="0" dirty="0" err="1" smtClean="0">
-                <a:ln>
-                  <a:noFill/>
-                </a:ln>
-                <a:solidFill>
-                  <a:srgbClr val="333333"/>
-                </a:solidFill>
-                <a:effectLst/>
-                <a:latin typeface="Consolas" panose="020B0609020204030204" pitchFamily="49" charset="0"/>
-                <a:ea typeface="Times New Roman" panose="02020603050405020304" pitchFamily="18" charset="0"/>
-                <a:cs typeface="Consolas" panose="020B0609020204030204" pitchFamily="49" charset="0"/>
-              </a:rPr>
-              <a:t>be_owned_by</a:t>
-            </a:r>
-            <a:r>
-              <a:rPr kumimoji="0" lang="en-US" altLang="en-US" sz="1800" b="0" i="0" u="none" strike="noStrike" cap="none" normalizeH="0" baseline="0" dirty="0" smtClean="0">
-                <a:ln>
-                  <a:noFill/>
-                </a:ln>
-                <a:solidFill>
-                  <a:srgbClr val="333333"/>
-                </a:solidFill>
-                <a:effectLst/>
-                <a:latin typeface="Consolas" panose="020B0609020204030204" pitchFamily="49" charset="0"/>
-                <a:ea typeface="Times New Roman" panose="02020603050405020304" pitchFamily="18" charset="0"/>
-                <a:cs typeface="Consolas" panose="020B0609020204030204" pitchFamily="49" charset="0"/>
-              </a:rPr>
-              <a:t> </a:t>
-            </a:r>
-            <a:r>
-              <a:rPr kumimoji="0" lang="en-US" altLang="en-US" sz="1800" b="0" i="0" u="none" strike="noStrike" cap="none" normalizeH="0" baseline="0" dirty="0" smtClean="0">
-                <a:ln>
-                  <a:noFill/>
-                </a:ln>
-                <a:solidFill>
-                  <a:srgbClr val="DD1144"/>
-                </a:solidFill>
-                <a:effectLst/>
-                <a:latin typeface="Consolas" panose="020B0609020204030204" pitchFamily="49" charset="0"/>
-                <a:ea typeface="Times New Roman" panose="02020603050405020304" pitchFamily="18" charset="0"/>
-                <a:cs typeface="Consolas" panose="020B0609020204030204" pitchFamily="49" charset="0"/>
-              </a:rPr>
-              <a:t>'root'</a:t>
-            </a:r>
-            <a:r>
-              <a:rPr kumimoji="0" lang="en-US" altLang="en-US" sz="1800" b="0" i="0" u="none" strike="noStrike" cap="none" normalizeH="0" baseline="0" dirty="0" smtClean="0">
-                <a:ln>
-                  <a:noFill/>
-                </a:ln>
-                <a:solidFill>
-                  <a:srgbClr val="333333"/>
-                </a:solidFill>
-                <a:effectLst/>
-                <a:latin typeface="Consolas" panose="020B0609020204030204" pitchFamily="49" charset="0"/>
-                <a:ea typeface="Times New Roman" panose="02020603050405020304" pitchFamily="18" charset="0"/>
-                <a:cs typeface="Consolas" panose="020B0609020204030204" pitchFamily="49" charset="0"/>
-              </a:rPr>
-              <a:t> }</a:t>
-            </a:r>
-            <a:r>
-              <a:rPr kumimoji="0" lang="en-US" altLang="en-US" sz="1800" b="0" i="0" u="none" strike="noStrike" cap="none" normalizeH="0" baseline="0" dirty="0" smtClean="0">
-                <a:ln>
-                  <a:noFill/>
-                </a:ln>
-                <a:solidFill>
-                  <a:schemeClr val="tx1"/>
-                </a:solidFill>
-                <a:effectLst/>
-                <a:latin typeface="Arial Unicode MS" panose="020B0604020202020204" pitchFamily="34" charset="-128"/>
-                <a:ea typeface="Times New Roman" panose="02020603050405020304" pitchFamily="18" charset="0"/>
-              </a:rPr>
-              <a:t> </a:t>
-            </a:r>
-            <a:endParaRPr kumimoji="0" lang="en-US" altLang="en-US" sz="1800" b="0" i="0" u="none" strike="noStrike" cap="none" normalizeH="0" baseline="0" dirty="0" smtClean="0">
-              <a:ln>
-                <a:noFill/>
-              </a:ln>
-              <a:solidFill>
-                <a:schemeClr val="tx1"/>
-              </a:solidFill>
-              <a:effectLst/>
-              <a:latin typeface="Arial" panose="020B0604020202020204" pitchFamily="34" charset="0"/>
-            </a:endParaRPr>
-          </a:p>
-        </p:txBody>
-      </p:sp>
-    </p:spTree>
-    <p:extLst>
-      <p:ext uri="{BB962C8B-B14F-4D97-AF65-F5344CB8AC3E}">
-        <p14:creationId xmlns:p14="http://schemas.microsoft.com/office/powerpoint/2010/main" val="3312136152"/>
-      </p:ext>
-    </p:extLst>
-  </p:cSld>
-  <p:clrMapOvr>
-    <a:masterClrMapping/>
-  </p:clrMapOvr>
-  <p:transition spd="med">
-    <p:fade/>
-  </p:transition>
-  <p:timing>
-    <p:tnLst>
-      <p:par>
-        <p:cTn id="1" dur="indefinite" restart="never" nodeType="tmRoot"/>
-      </p:par>
-    </p:tnLst>
-  </p:timing>
-</p:sld>
-</file>
-
-<file path=ppt/slides/slide32.xml><?xml version="1.0" encoding="utf-8"?>
-<p:sld xmlns:a="http://schemas.openxmlformats.org/drawingml/2006/main" xmlns:r="http://schemas.openxmlformats.org/officeDocument/2006/relationships" xmlns:p="http://schemas.openxmlformats.org/presentationml/2006/main">
-  <p:cSld>
-    <p:spTree>
-      <p:nvGrpSpPr>
-        <p:cNvPr id="1" name=""/>
-        <p:cNvGrpSpPr/>
-        <p:nvPr/>
-      </p:nvGrpSpPr>
-      <p:grpSpPr>
-        <a:xfrm>
-          <a:off x="0" y="0"/>
-          <a:ext cx="0" cy="0"/>
-          <a:chOff x="0" y="0"/>
-          <a:chExt cx="0" cy="0"/>
-        </a:xfrm>
-      </p:grpSpPr>
-      <p:sp>
-        <p:nvSpPr>
-          <p:cNvPr id="2" name="Title 1"/>
-          <p:cNvSpPr>
-            <a:spLocks noGrp="1"/>
-          </p:cNvSpPr>
-          <p:nvPr>
-            <p:ph type="title"/>
-          </p:nvPr>
-        </p:nvSpPr>
-        <p:spPr/>
-        <p:txBody>
-          <a:bodyPr/>
-          <a:lstStyle/>
-          <a:p>
-            <a:r>
-              <a:rPr lang="en-US" dirty="0" smtClean="0"/>
-              <a:t>GL: Save this</a:t>
-            </a:r>
-            <a:endParaRPr lang="en-US" dirty="0"/>
-          </a:p>
-        </p:txBody>
-      </p:sp>
-      <p:sp>
-        <p:nvSpPr>
-          <p:cNvPr id="6" name="Text Placeholder 2"/>
-          <p:cNvSpPr>
-            <a:spLocks noGrp="1"/>
-          </p:cNvSpPr>
-          <p:nvPr>
-            <p:ph type="body" sz="quarter" idx="12"/>
-          </p:nvPr>
-        </p:nvSpPr>
-        <p:spPr>
-          <a:xfrm>
-            <a:off x="609599" y="1559018"/>
-            <a:ext cx="14042065" cy="5961922"/>
-          </a:xfrm>
-        </p:spPr>
-        <p:txBody>
-          <a:bodyPr/>
-          <a:lstStyle/>
-          <a:p>
-            <a:pPr marL="457200" indent="-457200">
-              <a:buFont typeface="Arial" panose="020B0604020202020204" pitchFamily="34" charset="0"/>
-              <a:buChar char="•"/>
-            </a:pPr>
-            <a:r>
-              <a:rPr lang="en-US" dirty="0">
-                <a:hlinkClick r:id="rId3"/>
-              </a:rPr>
-              <a:t>https://</a:t>
-            </a:r>
-            <a:r>
-              <a:rPr lang="en-US" dirty="0" smtClean="0">
-                <a:hlinkClick r:id="rId3"/>
-              </a:rPr>
-              <a:t>github.com/chef/inspec/blob/7f555b902d6860ffe236ff23e4b52f20bac28adc/lib/inspec/profile.rb#L81-L129</a:t>
-            </a:r>
-            <a:endParaRPr lang="en-US" dirty="0" smtClean="0"/>
-          </a:p>
-          <a:p>
-            <a:pPr marL="457200" indent="-457200">
-              <a:buFont typeface="Arial" panose="020B0604020202020204" pitchFamily="34" charset="0"/>
-              <a:buChar char="•"/>
-            </a:pPr>
-            <a:endParaRPr lang="en-US" dirty="0"/>
-          </a:p>
-          <a:p>
-            <a:pPr marL="457200" indent="-457200">
-              <a:buFont typeface="Arial" panose="020B0604020202020204" pitchFamily="34" charset="0"/>
-              <a:buChar char="•"/>
-            </a:pPr>
-            <a:endParaRPr lang="en-US" dirty="0" smtClean="0"/>
-          </a:p>
-          <a:p>
-            <a:pPr marL="457200" indent="-457200">
-              <a:buFont typeface="Arial" panose="020B0604020202020204" pitchFamily="34" charset="0"/>
-              <a:buChar char="•"/>
-            </a:pPr>
-            <a:r>
-              <a:rPr lang="en-US" dirty="0" smtClean="0"/>
-              <a:t>and Check uses the </a:t>
-            </a:r>
-            <a:r>
-              <a:rPr lang="en-US" dirty="0"/>
-              <a:t>above from here:</a:t>
-            </a:r>
-            <a:br>
-              <a:rPr lang="en-US" dirty="0"/>
-            </a:br>
-            <a:r>
-              <a:rPr lang="en-US" dirty="0">
-                <a:hlinkClick r:id="rId4"/>
-              </a:rPr>
-              <a:t>https://</a:t>
-            </a:r>
-            <a:r>
-              <a:rPr lang="en-US" dirty="0" smtClean="0">
-                <a:hlinkClick r:id="rId4"/>
-              </a:rPr>
-              <a:t>github.com/chef/inspec/blob/b1ec95e343aac75ee1a21e3d1a09a32a5a8c1dd2/bin/inspec#L70-L78</a:t>
-            </a:r>
-            <a:endParaRPr lang="en-US" dirty="0" smtClean="0"/>
-          </a:p>
-          <a:p>
-            <a:pPr marL="457200" indent="-457200">
-              <a:buFont typeface="Arial" panose="020B0604020202020204" pitchFamily="34" charset="0"/>
-              <a:buChar char="•"/>
-            </a:pPr>
-            <a:endParaRPr lang="en-US" dirty="0"/>
-          </a:p>
-          <a:p>
-            <a:pPr marL="457200" indent="-457200">
-              <a:buFont typeface="Arial" panose="020B0604020202020204" pitchFamily="34" charset="0"/>
-              <a:buChar char="•"/>
-            </a:pPr>
-            <a:r>
-              <a:rPr lang="en-US" dirty="0">
-                <a:hlinkClick r:id="rId5"/>
-              </a:rPr>
-              <a:t>https://</a:t>
-            </a:r>
-            <a:r>
-              <a:rPr lang="en-US" dirty="0" smtClean="0">
-                <a:hlinkClick r:id="rId5"/>
-              </a:rPr>
-              <a:t>chefio.atlassian.net/wiki/pages/viewpage.action?spaceKey=SE&amp;title=Week+1#Week1-Addingprofiles</a:t>
-            </a:r>
-            <a:endParaRPr lang="en-US" dirty="0" smtClean="0"/>
-          </a:p>
-          <a:p>
-            <a:pPr marL="457200" indent="-457200">
-              <a:buFont typeface="Arial" panose="020B0604020202020204" pitchFamily="34" charset="0"/>
-              <a:buChar char="•"/>
-            </a:pPr>
-            <a:endParaRPr lang="en-US" dirty="0" smtClean="0"/>
-          </a:p>
-          <a:p>
-            <a:pPr marL="457200" indent="-457200">
-              <a:buFont typeface="Arial" panose="020B0604020202020204" pitchFamily="34" charset="0"/>
-              <a:buChar char="•"/>
-            </a:pPr>
-            <a:endParaRPr lang="en-US" dirty="0"/>
-          </a:p>
-          <a:p>
-            <a:endParaRPr lang="en-US" dirty="0" smtClean="0"/>
-          </a:p>
-          <a:p>
-            <a:pPr marL="457200" indent="-457200">
-              <a:buFont typeface="Arial" panose="020B0604020202020204" pitchFamily="34" charset="0"/>
-              <a:buChar char="•"/>
-            </a:pPr>
-            <a:endParaRPr lang="en-US" dirty="0"/>
-          </a:p>
-        </p:txBody>
-      </p:sp>
-    </p:spTree>
-    <p:extLst>
-      <p:ext uri="{BB962C8B-B14F-4D97-AF65-F5344CB8AC3E}">
-        <p14:creationId xmlns:p14="http://schemas.microsoft.com/office/powerpoint/2010/main" val="420890300"/>
-      </p:ext>
-    </p:extLst>
-  </p:cSld>
-  <p:clrMapOvr>
-    <a:masterClrMapping/>
-  </p:clrMapOvr>
-  <p:transition spd="med">
-    <p:fade/>
-  </p:transition>
-  <p:timing>
-    <p:tnLst>
-      <p:par>
-        <p:cTn id="1" dur="indefinite" restart="never" nodeType="tmRoot"/>
-      </p:par>
-    </p:tnLst>
-  </p:timing>
-</p:sld>
-</file>
-
-<file path=ppt/slides/slide33.xml><?xml version="1.0" encoding="utf-8"?>
-<p:sld xmlns:a="http://schemas.openxmlformats.org/drawingml/2006/main" xmlns:r="http://schemas.openxmlformats.org/officeDocument/2006/relationships" xmlns:p="http://schemas.openxmlformats.org/presentationml/2006/main">
-  <p:cSld>
-    <p:spTree>
-      <p:nvGrpSpPr>
-        <p:cNvPr id="1" name=""/>
-        <p:cNvGrpSpPr/>
-        <p:nvPr/>
-      </p:nvGrpSpPr>
-      <p:grpSpPr>
-        <a:xfrm>
-          <a:off x="0" y="0"/>
-          <a:ext cx="0" cy="0"/>
-          <a:chOff x="0" y="0"/>
-          <a:chExt cx="0" cy="0"/>
-        </a:xfrm>
-      </p:grpSpPr>
-      <p:sp>
-        <p:nvSpPr>
-          <p:cNvPr id="2" name="Title 1"/>
-          <p:cNvSpPr>
-            <a:spLocks noGrp="1"/>
-          </p:cNvSpPr>
-          <p:nvPr>
-            <p:ph type="title"/>
-          </p:nvPr>
-        </p:nvSpPr>
-        <p:spPr/>
-        <p:txBody>
-          <a:bodyPr>
-            <a:normAutofit/>
-          </a:bodyPr>
-          <a:lstStyle/>
-          <a:p>
-            <a:r>
-              <a:rPr lang="en-US" dirty="0" smtClean="0"/>
-              <a:t>TBD delete later.</a:t>
-            </a:r>
-            <a:endParaRPr lang="en-US" dirty="0"/>
-          </a:p>
-        </p:txBody>
-      </p:sp>
-      <p:sp>
-        <p:nvSpPr>
-          <p:cNvPr id="6" name="Text Placeholder 2"/>
-          <p:cNvSpPr>
-            <a:spLocks noGrp="1"/>
-          </p:cNvSpPr>
-          <p:nvPr>
-            <p:ph type="body" sz="quarter" idx="12"/>
-          </p:nvPr>
-        </p:nvSpPr>
-        <p:spPr>
-          <a:xfrm>
-            <a:off x="609599" y="1559018"/>
-            <a:ext cx="14042065" cy="5961922"/>
-          </a:xfrm>
-        </p:spPr>
-        <p:txBody>
-          <a:bodyPr/>
-          <a:lstStyle/>
-          <a:p>
-            <a:r>
-              <a:rPr lang="en-US" dirty="0"/>
-              <a:t>As you write controls, </a:t>
-            </a:r>
-            <a:r>
-              <a:rPr lang="en-US" dirty="0" err="1"/>
-              <a:t>InSpec</a:t>
-            </a:r>
-            <a:r>
-              <a:rPr lang="en-US" dirty="0"/>
-              <a:t> </a:t>
-            </a:r>
-            <a:r>
-              <a:rPr lang="en-US" dirty="0" smtClean="0"/>
-              <a:t>expects a specific directory structure. In our case, we need a `test` directory to be in our profile as follows:</a:t>
-            </a:r>
-            <a:endParaRPr lang="en-US" dirty="0"/>
-          </a:p>
-          <a:p>
-            <a:r>
-              <a:rPr lang="en-US" dirty="0" smtClean="0"/>
-              <a:t>├── </a:t>
-            </a:r>
-            <a:r>
-              <a:rPr lang="en-US" dirty="0"/>
-              <a:t>README.md</a:t>
-            </a:r>
-            <a:br>
-              <a:rPr lang="en-US" dirty="0"/>
-            </a:br>
-            <a:r>
-              <a:rPr lang="en-US" dirty="0"/>
-              <a:t>├── metadata.rb</a:t>
-            </a:r>
-            <a:br>
-              <a:rPr lang="en-US" dirty="0"/>
-            </a:br>
-            <a:r>
-              <a:rPr lang="en-US" dirty="0"/>
-              <a:t>└── test</a:t>
-            </a:r>
-            <a:br>
-              <a:rPr lang="en-US" dirty="0"/>
-            </a:br>
-            <a:r>
-              <a:rPr lang="en-US" dirty="0"/>
-              <a:t>  ├── </a:t>
-            </a:r>
-            <a:r>
-              <a:rPr lang="en-US" dirty="0" err="1"/>
-              <a:t>foo_spec.rb</a:t>
-            </a:r>
-            <a:r>
-              <a:rPr lang="en-US" dirty="0"/>
-              <a:t/>
-            </a:r>
-            <a:br>
-              <a:rPr lang="en-US" dirty="0"/>
-            </a:br>
-            <a:r>
-              <a:rPr lang="en-US" dirty="0"/>
-              <a:t>  └── </a:t>
-            </a:r>
-            <a:r>
-              <a:rPr lang="en-US" dirty="0" err="1"/>
-              <a:t>bar_spec.rb</a:t>
-            </a:r>
-            <a:endParaRPr lang="en-US" dirty="0"/>
-          </a:p>
-          <a:p>
-            <a:endParaRPr lang="en-US" dirty="0" smtClean="0">
-              <a:hlinkClick r:id="rId3"/>
-            </a:endParaRPr>
-          </a:p>
-          <a:p>
-            <a:r>
-              <a:rPr lang="en-US" dirty="0" smtClean="0">
-                <a:hlinkClick r:id="rId3"/>
-              </a:rPr>
-              <a:t>https</a:t>
-            </a:r>
-            <a:r>
-              <a:rPr lang="en-US" dirty="0">
-                <a:hlinkClick r:id="rId3"/>
-              </a:rPr>
-              <a:t>://</a:t>
-            </a:r>
-            <a:r>
-              <a:rPr lang="en-US" dirty="0" smtClean="0">
-                <a:hlinkClick r:id="rId3"/>
-              </a:rPr>
-              <a:t>chefio.atlassian.net/wiki/pages/viewpage.action?spaceKey=SE&amp;title=Week+1#Week1-Addingprofiles</a:t>
-            </a:r>
-            <a:endParaRPr lang="en-US" dirty="0" smtClean="0"/>
-          </a:p>
-          <a:p>
-            <a:pPr marL="457200" indent="-457200">
-              <a:buFont typeface="Arial" panose="020B0604020202020204" pitchFamily="34" charset="0"/>
-              <a:buChar char="•"/>
-            </a:pPr>
-            <a:endParaRPr lang="en-US" dirty="0" smtClean="0"/>
-          </a:p>
-          <a:p>
-            <a:pPr marL="457200" indent="-457200">
-              <a:buFont typeface="Arial" panose="020B0604020202020204" pitchFamily="34" charset="0"/>
-              <a:buChar char="•"/>
-            </a:pPr>
-            <a:endParaRPr lang="en-US" dirty="0"/>
-          </a:p>
-          <a:p>
-            <a:endParaRPr lang="en-US" dirty="0" smtClean="0"/>
-          </a:p>
-          <a:p>
-            <a:pPr marL="457200" indent="-457200">
-              <a:buFont typeface="Arial" panose="020B0604020202020204" pitchFamily="34" charset="0"/>
-              <a:buChar char="•"/>
-            </a:pPr>
-            <a:endParaRPr lang="en-US" dirty="0"/>
-          </a:p>
-        </p:txBody>
-      </p:sp>
-    </p:spTree>
-    <p:extLst>
-      <p:ext uri="{BB962C8B-B14F-4D97-AF65-F5344CB8AC3E}">
-        <p14:creationId xmlns:p14="http://schemas.microsoft.com/office/powerpoint/2010/main" val="576921078"/>
-      </p:ext>
-    </p:extLst>
-  </p:cSld>
-  <p:clrMapOvr>
-    <a:masterClrMapping/>
-  </p:clrMapOvr>
-  <p:transition spd="med">
-    <p:fade/>
-  </p:transition>
-  <p:timing>
-    <p:tnLst>
-      <p:par>
-        <p:cTn id="1" dur="indefinite" restart="never" nodeType="tmRoot"/>
-      </p:par>
-    </p:tnLst>
-  </p:timing>
-</p:sld>
-</file>
-
-<file path=ppt/slides/slide34.xml><?xml version="1.0" encoding="utf-8"?>
-<p:sld xmlns:a="http://schemas.openxmlformats.org/drawingml/2006/main" xmlns:r="http://schemas.openxmlformats.org/officeDocument/2006/relationships" xmlns:p="http://schemas.openxmlformats.org/presentationml/2006/main">
-  <p:cSld>
     <p:bg>
       <p:bgPr>
         <a:gradFill rotWithShape="0">
@@ -23239,7 +20518,7 @@
 </p:sld>
 </file>
 
-<file path=ppt/slides/slide35.xml><?xml version="1.0" encoding="utf-8"?>
+<file path=ppt/slides/slide31.xml><?xml version="1.0" encoding="utf-8"?>
 <p:sld xmlns:a="http://schemas.openxmlformats.org/drawingml/2006/main" xmlns:r="http://schemas.openxmlformats.org/officeDocument/2006/relationships" xmlns:p="http://schemas.openxmlformats.org/presentationml/2006/main">
   <p:cSld>
     <p:spTree>
@@ -26032,61 +23311,6 @@
 </file>
 
 <file path=customXml/item1.xml><?xml version="1.0" encoding="utf-8"?>
-<?mso-contentType ?>
-<FormTemplates xmlns="http://schemas.microsoft.com/sharepoint/v3/contenttype/forms">
-  <Display>DocumentLibraryForm</Display>
-  <Edit>DocumentLibraryForm</Edit>
-  <New>DocumentLibraryForm</New>
-</FormTemplates>
-</file>
-
-<file path=customXml/item2.xml><?xml version="1.0" encoding="utf-8"?>
-<?mso-contentType ?>
-<spe:Receivers xmlns:spe="http://schemas.microsoft.com/sharepoint/events">
-  <Receiver>
-    <Name>Document ID Generator</Name>
-    <Synchronization>Synchronous</Synchronization>
-    <Type>10001</Type>
-    <SequenceNumber>1000</SequenceNumber>
-    <Assembly>Microsoft.Office.DocumentManagement, Version=14.0.0.0, Culture=neutral, PublicKeyToken=71e9bce111e9429c</Assembly>
-    <Class>Microsoft.Office.DocumentManagement.Internal.DocIdHandler</Class>
-    <Data/>
-    <Filter/>
-  </Receiver>
-  <Receiver>
-    <Name>Document ID Generator</Name>
-    <Synchronization>Synchronous</Synchronization>
-    <Type>10002</Type>
-    <SequenceNumber>1001</SequenceNumber>
-    <Assembly>Microsoft.Office.DocumentManagement, Version=14.0.0.0, Culture=neutral, PublicKeyToken=71e9bce111e9429c</Assembly>
-    <Class>Microsoft.Office.DocumentManagement.Internal.DocIdHandler</Class>
-    <Data/>
-    <Filter/>
-  </Receiver>
-  <Receiver>
-    <Name>Document ID Generator</Name>
-    <Synchronization>Synchronous</Synchronization>
-    <Type>10004</Type>
-    <SequenceNumber>1002</SequenceNumber>
-    <Assembly>Microsoft.Office.DocumentManagement, Version=14.0.0.0, Culture=neutral, PublicKeyToken=71e9bce111e9429c</Assembly>
-    <Class>Microsoft.Office.DocumentManagement.Internal.DocIdHandler</Class>
-    <Data/>
-    <Filter/>
-  </Receiver>
-  <Receiver>
-    <Name>Document ID Generator</Name>
-    <Synchronization>Synchronous</Synchronization>
-    <Type>10006</Type>
-    <SequenceNumber>1003</SequenceNumber>
-    <Assembly>Microsoft.Office.DocumentManagement, Version=14.0.0.0, Culture=neutral, PublicKeyToken=71e9bce111e9429c</Assembly>
-    <Class>Microsoft.Office.DocumentManagement.Internal.DocIdHandler</Class>
-    <Data/>
-    <Filter/>
-  </Receiver>
-</spe:Receivers>
-</file>
-
-<file path=customXml/item3.xml><?xml version="1.0" encoding="utf-8"?>
 <ct:contentTypeSchema xmlns:ct="http://schemas.microsoft.com/office/2006/metadata/contentType" xmlns:ma="http://schemas.microsoft.com/office/2006/metadata/properties/metaAttributes" ct:_="" ma:_="" ma:contentTypeName="Document" ma:contentTypeID="0x0101000812F700BE7F874999720E88173FE491" ma:contentTypeVersion="0" ma:contentTypeDescription="Create a new document." ma:contentTypeScope="" ma:versionID="3f79f408e2ca720b7aba6e0e32464d0c">
   <xsd:schema xmlns:xsd="http://www.w3.org/2001/XMLSchema" xmlns:xs="http://www.w3.org/2001/XMLSchema" xmlns:p="http://schemas.microsoft.com/office/2006/metadata/properties" xmlns:ns2="7bb5d761-a2ea-4873-95f7-7a6658fb3ef0" targetNamespace="http://schemas.microsoft.com/office/2006/metadata/properties" ma:root="true" ma:fieldsID="1e062cd38ba31e406bfc4340fbc7f87a" ns2:_="">
     <xsd:import namespace="7bb5d761-a2ea-4873-95f7-7a6658fb3ef0"/>
@@ -26231,6 +23455,61 @@
 </ct:contentTypeSchema>
 </file>
 
+<file path=customXml/item2.xml><?xml version="1.0" encoding="utf-8"?>
+<?mso-contentType ?>
+<spe:Receivers xmlns:spe="http://schemas.microsoft.com/sharepoint/events">
+  <Receiver>
+    <Name>Document ID Generator</Name>
+    <Synchronization>Synchronous</Synchronization>
+    <Type>10001</Type>
+    <SequenceNumber>1000</SequenceNumber>
+    <Assembly>Microsoft.Office.DocumentManagement, Version=14.0.0.0, Culture=neutral, PublicKeyToken=71e9bce111e9429c</Assembly>
+    <Class>Microsoft.Office.DocumentManagement.Internal.DocIdHandler</Class>
+    <Data/>
+    <Filter/>
+  </Receiver>
+  <Receiver>
+    <Name>Document ID Generator</Name>
+    <Synchronization>Synchronous</Synchronization>
+    <Type>10002</Type>
+    <SequenceNumber>1001</SequenceNumber>
+    <Assembly>Microsoft.Office.DocumentManagement, Version=14.0.0.0, Culture=neutral, PublicKeyToken=71e9bce111e9429c</Assembly>
+    <Class>Microsoft.Office.DocumentManagement.Internal.DocIdHandler</Class>
+    <Data/>
+    <Filter/>
+  </Receiver>
+  <Receiver>
+    <Name>Document ID Generator</Name>
+    <Synchronization>Synchronous</Synchronization>
+    <Type>10004</Type>
+    <SequenceNumber>1002</SequenceNumber>
+    <Assembly>Microsoft.Office.DocumentManagement, Version=14.0.0.0, Culture=neutral, PublicKeyToken=71e9bce111e9429c</Assembly>
+    <Class>Microsoft.Office.DocumentManagement.Internal.DocIdHandler</Class>
+    <Data/>
+    <Filter/>
+  </Receiver>
+  <Receiver>
+    <Name>Document ID Generator</Name>
+    <Synchronization>Synchronous</Synchronization>
+    <Type>10006</Type>
+    <SequenceNumber>1003</SequenceNumber>
+    <Assembly>Microsoft.Office.DocumentManagement, Version=14.0.0.0, Culture=neutral, PublicKeyToken=71e9bce111e9429c</Assembly>
+    <Class>Microsoft.Office.DocumentManagement.Internal.DocIdHandler</Class>
+    <Data/>
+    <Filter/>
+  </Receiver>
+</spe:Receivers>
+</file>
+
+<file path=customXml/item3.xml><?xml version="1.0" encoding="utf-8"?>
+<?mso-contentType ?>
+<FormTemplates xmlns="http://schemas.microsoft.com/sharepoint/v3/contenttype/forms">
+  <Display>DocumentLibraryForm</Display>
+  <Edit>DocumentLibraryForm</Edit>
+  <New>DocumentLibraryForm</New>
+</FormTemplates>
+</file>
+
 <file path=customXml/item4.xml><?xml version="1.0" encoding="utf-8"?>
 <p:properties xmlns:p="http://schemas.microsoft.com/office/2006/metadata/properties" xmlns:xsi="http://www.w3.org/2001/XMLSchema-instance" xmlns:pc="http://schemas.microsoft.com/office/infopath/2007/PartnerControls">
   <documentManagement>
@@ -26244,9 +23523,19 @@
 </file>
 
 <file path=customXml/itemProps1.xml><?xml version="1.0" encoding="utf-8"?>
-<ds:datastoreItem xmlns:ds="http://schemas.openxmlformats.org/officeDocument/2006/customXml" ds:itemID="{5CDEB364-43EC-4510-9881-539C2A3FCE9E}">
+<ds:datastoreItem xmlns:ds="http://schemas.openxmlformats.org/officeDocument/2006/customXml" ds:itemID="{164479E5-0B02-49AC-B79E-EC1D6164DDD3}">
   <ds:schemaRefs>
-    <ds:schemaRef ds:uri="http://schemas.microsoft.com/sharepoint/v3/contenttype/forms"/>
+    <ds:schemaRef ds:uri="http://schemas.microsoft.com/office/2006/metadata/contentType"/>
+    <ds:schemaRef ds:uri="http://schemas.microsoft.com/office/2006/metadata/properties/metaAttributes"/>
+    <ds:schemaRef ds:uri="http://www.w3.org/2001/XMLSchema"/>
+    <ds:schemaRef ds:uri="http://schemas.microsoft.com/office/2006/metadata/properties"/>
+    <ds:schemaRef ds:uri="7bb5d761-a2ea-4873-95f7-7a6658fb3ef0"/>
+    <ds:schemaRef ds:uri="http://schemas.microsoft.com/office/2006/documentManagement/types"/>
+    <ds:schemaRef ds:uri="http://schemas.microsoft.com/office/infopath/2007/PartnerControls"/>
+    <ds:schemaRef ds:uri="http://schemas.openxmlformats.org/package/2006/metadata/core-properties"/>
+    <ds:schemaRef ds:uri="http://purl.org/dc/elements/1.1/"/>
+    <ds:schemaRef ds:uri="http://purl.org/dc/terms/"/>
+    <ds:schemaRef ds:uri="http://schemas.microsoft.com/internal/obd"/>
   </ds:schemaRefs>
 </ds:datastoreItem>
 </file>
@@ -26260,19 +23549,9 @@
 </file>
 
 <file path=customXml/itemProps3.xml><?xml version="1.0" encoding="utf-8"?>
-<ds:datastoreItem xmlns:ds="http://schemas.openxmlformats.org/officeDocument/2006/customXml" ds:itemID="{164479E5-0B02-49AC-B79E-EC1D6164DDD3}">
+<ds:datastoreItem xmlns:ds="http://schemas.openxmlformats.org/officeDocument/2006/customXml" ds:itemID="{5CDEB364-43EC-4510-9881-539C2A3FCE9E}">
   <ds:schemaRefs>
-    <ds:schemaRef ds:uri="http://schemas.microsoft.com/office/2006/metadata/contentType"/>
-    <ds:schemaRef ds:uri="http://schemas.microsoft.com/office/2006/metadata/properties/metaAttributes"/>
-    <ds:schemaRef ds:uri="http://www.w3.org/2001/XMLSchema"/>
-    <ds:schemaRef ds:uri="http://schemas.microsoft.com/office/2006/metadata/properties"/>
-    <ds:schemaRef ds:uri="7bb5d761-a2ea-4873-95f7-7a6658fb3ef0"/>
-    <ds:schemaRef ds:uri="http://schemas.microsoft.com/office/2006/documentManagement/types"/>
-    <ds:schemaRef ds:uri="http://schemas.microsoft.com/office/infopath/2007/PartnerControls"/>
-    <ds:schemaRef ds:uri="http://schemas.openxmlformats.org/package/2006/metadata/core-properties"/>
-    <ds:schemaRef ds:uri="http://purl.org/dc/elements/1.1/"/>
-    <ds:schemaRef ds:uri="http://purl.org/dc/terms/"/>
-    <ds:schemaRef ds:uri="http://schemas.microsoft.com/internal/obd"/>
+    <ds:schemaRef ds:uri="http://schemas.microsoft.com/sharepoint/v3/contenttype/forms"/>
   </ds:schemaRefs>
 </ds:datastoreItem>
 </file>

--- a/05-creating-custom-profiles.pptx
+++ b/05-creating-custom-profiles.pptx
@@ -5430,7 +5430,31 @@
                 <a:ea typeface="ＭＳ Ｐゴシック" charset="0"/>
                 <a:cs typeface="Arial" panose="020B0604020202020204" pitchFamily="34" charset="0"/>
               </a:rPr>
-              <a:t> would not be</a:t>
+              <a:t> </a:t>
+            </a:r>
+            <a:r>
+              <a:rPr lang="en-US" sz="1200" b="0" i="0" kern="1200" dirty="0" smtClean="0">
+                <a:solidFill>
+                  <a:schemeClr val="tx1"/>
+                </a:solidFill>
+                <a:effectLst/>
+                <a:latin typeface="Arial" panose="020B0604020202020204" pitchFamily="34" charset="0"/>
+                <a:ea typeface="ＭＳ Ｐゴシック" charset="0"/>
+                <a:cs typeface="Arial" panose="020B0604020202020204" pitchFamily="34" charset="0"/>
+              </a:rPr>
+              <a:t>and Compliance Server would </a:t>
+            </a:r>
+            <a:r>
+              <a:rPr lang="en-US" sz="1200" b="0" i="0" kern="1200" dirty="0" smtClean="0">
+                <a:solidFill>
+                  <a:schemeClr val="tx1"/>
+                </a:solidFill>
+                <a:effectLst/>
+                <a:latin typeface="Arial" panose="020B0604020202020204" pitchFamily="34" charset="0"/>
+                <a:ea typeface="ＭＳ Ｐゴシック" charset="0"/>
+                <a:cs typeface="Arial" panose="020B0604020202020204" pitchFamily="34" charset="0"/>
+              </a:rPr>
+              <a:t>not be</a:t>
             </a:r>
             <a:r>
               <a:rPr lang="en-US" sz="1200" b="0" i="0" kern="1200" baseline="0" dirty="0" smtClean="0">
@@ -5442,8 +5466,88 @@
                 <a:ea typeface="ＭＳ Ｐゴシック" charset="0"/>
                 <a:cs typeface="Arial" panose="020B0604020202020204" pitchFamily="34" charset="0"/>
               </a:rPr>
-              <a:t> an awesome message to tell. Here is a link to where the image on the right was derived: https://github.com/chef/inspec/blob/1f325b1cfd02391fab14a996693a034da37aadd8/docs/profiles.rst </a:t>
-            </a:r>
+              <a:t> </a:t>
+            </a:r>
+            <a:r>
+              <a:rPr lang="en-US" sz="1200" b="0" i="0" kern="1200" baseline="0" dirty="0" smtClean="0">
+                <a:solidFill>
+                  <a:schemeClr val="tx1"/>
+                </a:solidFill>
+                <a:effectLst/>
+                <a:latin typeface="Arial" panose="020B0604020202020204" pitchFamily="34" charset="0"/>
+                <a:ea typeface="ＭＳ Ｐゴシック" charset="0"/>
+                <a:cs typeface="Arial" panose="020B0604020202020204" pitchFamily="34" charset="0"/>
+              </a:rPr>
+              <a:t>the best message </a:t>
+            </a:r>
+            <a:r>
+              <a:rPr lang="en-US" sz="1200" b="0" i="0" kern="1200" baseline="0" dirty="0" smtClean="0">
+                <a:solidFill>
+                  <a:schemeClr val="tx1"/>
+                </a:solidFill>
+                <a:effectLst/>
+                <a:latin typeface="Arial" panose="020B0604020202020204" pitchFamily="34" charset="0"/>
+                <a:ea typeface="ＭＳ Ｐゴシック" charset="0"/>
+                <a:cs typeface="Arial" panose="020B0604020202020204" pitchFamily="34" charset="0"/>
+              </a:rPr>
+              <a:t>to tell. Here is a link to where the image on the right was derived: https://github.com/chef/inspec/blob/1f325b1cfd02391fab14a996693a034da37aadd8/docs/profiles.rst </a:t>
+            </a:r>
+            <a:endParaRPr lang="en-US" sz="1200" b="0" i="0" kern="1200" baseline="0" dirty="0" smtClean="0">
+              <a:solidFill>
+                <a:schemeClr val="tx1"/>
+              </a:solidFill>
+              <a:effectLst/>
+              <a:latin typeface="Arial" panose="020B0604020202020204" pitchFamily="34" charset="0"/>
+              <a:ea typeface="ＭＳ Ｐゴシック" charset="0"/>
+              <a:cs typeface="Arial" panose="020B0604020202020204" pitchFamily="34" charset="0"/>
+            </a:endParaRPr>
+          </a:p>
+          <a:p>
+            <a:r>
+              <a:rPr lang="en-US" sz="1200" b="0" i="0" kern="1200" baseline="0" dirty="0" smtClean="0">
+                <a:solidFill>
+                  <a:schemeClr val="tx1"/>
+                </a:solidFill>
+                <a:effectLst/>
+                <a:latin typeface="Arial" panose="020B0604020202020204" pitchFamily="34" charset="0"/>
+                <a:ea typeface="ＭＳ Ｐゴシック" charset="0"/>
+                <a:cs typeface="Arial" panose="020B0604020202020204" pitchFamily="34" charset="0"/>
+              </a:rPr>
+              <a:t>By end of Feb 2016 we expect a new version of Compliance Server and ChefDK, which will both include a newer version (0.10.1?) of </a:t>
+            </a:r>
+            <a:r>
+              <a:rPr lang="en-US" sz="1200" b="0" i="0" kern="1200" baseline="0" dirty="0" err="1" smtClean="0">
+                <a:solidFill>
+                  <a:schemeClr val="tx1"/>
+                </a:solidFill>
+                <a:effectLst/>
+                <a:latin typeface="Arial" panose="020B0604020202020204" pitchFamily="34" charset="0"/>
+                <a:ea typeface="ＭＳ Ｐゴシック" charset="0"/>
+                <a:cs typeface="Arial" panose="020B0604020202020204" pitchFamily="34" charset="0"/>
+              </a:rPr>
+              <a:t>inspec</a:t>
+            </a:r>
+            <a:r>
+              <a:rPr lang="en-US" sz="1200" b="0" i="0" kern="1200" baseline="0" dirty="0" smtClean="0">
+                <a:solidFill>
+                  <a:schemeClr val="tx1"/>
+                </a:solidFill>
+                <a:effectLst/>
+                <a:latin typeface="Arial" panose="020B0604020202020204" pitchFamily="34" charset="0"/>
+                <a:ea typeface="ＭＳ Ｐゴシック" charset="0"/>
+                <a:cs typeface="Arial" panose="020B0604020202020204" pitchFamily="34" charset="0"/>
+              </a:rPr>
+              <a:t>. At that point we'll rev this course accordingly.</a:t>
+            </a:r>
+            <a:endParaRPr lang="en-US" sz="1200" b="0" i="0" kern="1200" baseline="0" dirty="0" smtClean="0">
+              <a:solidFill>
+                <a:schemeClr val="tx1"/>
+              </a:solidFill>
+              <a:effectLst/>
+              <a:latin typeface="Arial" panose="020B0604020202020204" pitchFamily="34" charset="0"/>
+              <a:ea typeface="ＭＳ Ｐゴシック" charset="0"/>
+              <a:cs typeface="Arial" panose="020B0604020202020204" pitchFamily="34" charset="0"/>
+            </a:endParaRPr>
           </a:p>
           <a:p>
             <a:endParaRPr lang="en-US" sz="1200" b="0" i="0" kern="1200" baseline="0" dirty="0" smtClean="0">
@@ -8317,14 +8421,14 @@
           </a:ln>
           <a:extLst>
             <a:ext uri="{909E8E84-426E-40dd-AFC4-6F175D3DCCD1}">
-              <a14:hiddenFill xmlns="" xmlns:a14="http://schemas.microsoft.com/office/drawing/2010/main">
+              <a14:hiddenFill xmlns:a14="http://schemas.microsoft.com/office/drawing/2010/main" xmlns="">
                 <a:solidFill>
                   <a:srgbClr val="FFFFFF"/>
                 </a:solidFill>
               </a14:hiddenFill>
             </a:ext>
             <a:ext uri="{91240B29-F687-4f45-9708-019B960494DF}">
-              <a14:hiddenLine xmlns="" xmlns:a14="http://schemas.microsoft.com/office/drawing/2010/main" w="9525">
+              <a14:hiddenLine xmlns:a14="http://schemas.microsoft.com/office/drawing/2010/main" xmlns="" w="9525">
                 <a:solidFill>
                   <a:srgbClr val="000000"/>
                 </a:solidFill>
@@ -8472,14 +8576,14 @@
           </a:ln>
           <a:extLst>
             <a:ext uri="{909E8E84-426E-40dd-AFC4-6F175D3DCCD1}">
-              <a14:hiddenFill xmlns="" xmlns:a14="http://schemas.microsoft.com/office/drawing/2010/main">
+              <a14:hiddenFill xmlns:a14="http://schemas.microsoft.com/office/drawing/2010/main" xmlns="">
                 <a:solidFill>
                   <a:srgbClr val="FFFFFF"/>
                 </a:solidFill>
               </a14:hiddenFill>
             </a:ext>
             <a:ext uri="{91240B29-F687-4f45-9708-019B960494DF}">
-              <a14:hiddenLine xmlns="" xmlns:a14="http://schemas.microsoft.com/office/drawing/2010/main" w="9525">
+              <a14:hiddenLine xmlns:a14="http://schemas.microsoft.com/office/drawing/2010/main" xmlns="" w="9525">
                 <a:solidFill>
                   <a:srgbClr val="000000"/>
                 </a:solidFill>
@@ -8970,14 +9074,14 @@
           </a:ln>
           <a:extLst>
             <a:ext uri="{909E8E84-426E-40dd-AFC4-6F175D3DCCD1}">
-              <a14:hiddenFill xmlns="" xmlns:a14="http://schemas.microsoft.com/office/drawing/2010/main">
+              <a14:hiddenFill xmlns:a14="http://schemas.microsoft.com/office/drawing/2010/main" xmlns="">
                 <a:solidFill>
                   <a:srgbClr val="FFFFFF"/>
                 </a:solidFill>
               </a14:hiddenFill>
             </a:ext>
             <a:ext uri="{91240B29-F687-4f45-9708-019B960494DF}">
-              <a14:hiddenLine xmlns="" xmlns:a14="http://schemas.microsoft.com/office/drawing/2010/main" w="9525">
+              <a14:hiddenLine xmlns:a14="http://schemas.microsoft.com/office/drawing/2010/main" xmlns="" w="9525">
                 <a:solidFill>
                   <a:srgbClr val="000000"/>
                 </a:solidFill>
@@ -9503,14 +9607,14 @@
           </a:ln>
           <a:extLst>
             <a:ext uri="{909E8E84-426E-40dd-AFC4-6F175D3DCCD1}">
-              <a14:hiddenFill xmlns="" xmlns:a14="http://schemas.microsoft.com/office/drawing/2010/main">
+              <a14:hiddenFill xmlns:a14="http://schemas.microsoft.com/office/drawing/2010/main" xmlns="">
                 <a:solidFill>
                   <a:srgbClr val="FFFFFF"/>
                 </a:solidFill>
               </a14:hiddenFill>
             </a:ext>
             <a:ext uri="{91240B29-F687-4f45-9708-019B960494DF}">
-              <a14:hiddenLine xmlns="" xmlns:a14="http://schemas.microsoft.com/office/drawing/2010/main" w="9525">
+              <a14:hiddenLine xmlns:a14="http://schemas.microsoft.com/office/drawing/2010/main" xmlns="" w="9525">
                 <a:solidFill>
                   <a:srgbClr val="000000"/>
                 </a:solidFill>
@@ -11134,14 +11238,14 @@
           </a:ln>
           <a:extLst>
             <a:ext uri="{909E8E84-426E-40dd-AFC4-6F175D3DCCD1}">
-              <a14:hiddenFill xmlns="" xmlns:a14="http://schemas.microsoft.com/office/drawing/2010/main">
+              <a14:hiddenFill xmlns:a14="http://schemas.microsoft.com/office/drawing/2010/main" xmlns="">
                 <a:solidFill>
                   <a:srgbClr val="FFFFFF"/>
                 </a:solidFill>
               </a14:hiddenFill>
             </a:ext>
             <a:ext uri="{91240B29-F687-4f45-9708-019B960494DF}">
-              <a14:hiddenLine xmlns="" xmlns:a14="http://schemas.microsoft.com/office/drawing/2010/main" w="9525">
+              <a14:hiddenLine xmlns:a14="http://schemas.microsoft.com/office/drawing/2010/main" xmlns="" w="9525">
                 <a:solidFill>
                   <a:srgbClr val="000000"/>
                 </a:solidFill>
@@ -12495,14 +12599,14 @@
           </a:ln>
           <a:extLst>
             <a:ext uri="{909E8E84-426E-40dd-AFC4-6F175D3DCCD1}">
-              <a14:hiddenFill xmlns="" xmlns:a14="http://schemas.microsoft.com/office/drawing/2010/main">
+              <a14:hiddenFill xmlns:a14="http://schemas.microsoft.com/office/drawing/2010/main" xmlns="">
                 <a:solidFill>
                   <a:srgbClr val="FFFFFF"/>
                 </a:solidFill>
               </a14:hiddenFill>
             </a:ext>
             <a:ext uri="{91240B29-F687-4f45-9708-019B960494DF}">
-              <a14:hiddenLine xmlns="" xmlns:a14="http://schemas.microsoft.com/office/drawing/2010/main" w="9525">
+              <a14:hiddenLine xmlns:a14="http://schemas.microsoft.com/office/drawing/2010/main" xmlns="" w="9525">
                 <a:solidFill>
                   <a:srgbClr val="000000"/>
                 </a:solidFill>
@@ -13008,14 +13112,14 @@
           </a:ln>
           <a:extLst>
             <a:ext uri="{909E8E84-426E-40dd-AFC4-6F175D3DCCD1}">
-              <a14:hiddenFill xmlns="" xmlns:a14="http://schemas.microsoft.com/office/drawing/2010/main">
+              <a14:hiddenFill xmlns:a14="http://schemas.microsoft.com/office/drawing/2010/main" xmlns="">
                 <a:solidFill>
                   <a:srgbClr val="FFFFFF"/>
                 </a:solidFill>
               </a14:hiddenFill>
             </a:ext>
             <a:ext uri="{91240B29-F687-4f45-9708-019B960494DF}">
-              <a14:hiddenLine xmlns="" xmlns:a14="http://schemas.microsoft.com/office/drawing/2010/main" w="9525">
+              <a14:hiddenLine xmlns:a14="http://schemas.microsoft.com/office/drawing/2010/main" xmlns="" w="9525">
                 <a:solidFill>
                   <a:srgbClr val="000000"/>
                 </a:solidFill>
@@ -13582,14 +13686,14 @@
           </a:ln>
           <a:extLst>
             <a:ext uri="{909E8E84-426E-40dd-AFC4-6F175D3DCCD1}">
-              <a14:hiddenFill xmlns="" xmlns:a14="http://schemas.microsoft.com/office/drawing/2010/main">
+              <a14:hiddenFill xmlns:a14="http://schemas.microsoft.com/office/drawing/2010/main" xmlns="">
                 <a:solidFill>
                   <a:srgbClr val="FFFFFF"/>
                 </a:solidFill>
               </a14:hiddenFill>
             </a:ext>
             <a:ext uri="{91240B29-F687-4f45-9708-019B960494DF}">
-              <a14:hiddenLine xmlns="" xmlns:a14="http://schemas.microsoft.com/office/drawing/2010/main" w="9525">
+              <a14:hiddenLine xmlns:a14="http://schemas.microsoft.com/office/drawing/2010/main" xmlns="" w="9525">
                 <a:solidFill>
                   <a:srgbClr val="000000"/>
                 </a:solidFill>
@@ -14529,14 +14633,14 @@
           </a:ln>
           <a:extLst>
             <a:ext uri="{909E8E84-426E-40dd-AFC4-6F175D3DCCD1}">
-              <a14:hiddenFill xmlns="" xmlns:a14="http://schemas.microsoft.com/office/drawing/2010/main">
+              <a14:hiddenFill xmlns:a14="http://schemas.microsoft.com/office/drawing/2010/main" xmlns="">
                 <a:solidFill>
                   <a:srgbClr val="FFFFFF"/>
                 </a:solidFill>
               </a14:hiddenFill>
             </a:ext>
             <a:ext uri="{91240B29-F687-4f45-9708-019B960494DF}">
-              <a14:hiddenLine xmlns="" xmlns:a14="http://schemas.microsoft.com/office/drawing/2010/main" w="9525">
+              <a14:hiddenLine xmlns:a14="http://schemas.microsoft.com/office/drawing/2010/main" xmlns="" w="9525">
                 <a:solidFill>
                   <a:srgbClr val="000000"/>
                 </a:solidFill>
@@ -15289,14 +15393,14 @@
           </a:ln>
           <a:extLst>
             <a:ext uri="{909E8E84-426E-40dd-AFC4-6F175D3DCCD1}">
-              <a14:hiddenFill xmlns="" xmlns:a14="http://schemas.microsoft.com/office/drawing/2010/main">
+              <a14:hiddenFill xmlns:a14="http://schemas.microsoft.com/office/drawing/2010/main" xmlns="">
                 <a:solidFill>
                   <a:srgbClr val="FFFFFF"/>
                 </a:solidFill>
               </a14:hiddenFill>
             </a:ext>
             <a:ext uri="{91240B29-F687-4f45-9708-019B960494DF}">
-              <a14:hiddenLine xmlns="" xmlns:a14="http://schemas.microsoft.com/office/drawing/2010/main" w="9525">
+              <a14:hiddenLine xmlns:a14="http://schemas.microsoft.com/office/drawing/2010/main" xmlns="" w="9525">
                 <a:solidFill>
                   <a:srgbClr val="000000"/>
                 </a:solidFill>
@@ -23311,6 +23415,61 @@
 </file>
 
 <file path=customXml/item1.xml><?xml version="1.0" encoding="utf-8"?>
+<?mso-contentType ?>
+<FormTemplates xmlns="http://schemas.microsoft.com/sharepoint/v3/contenttype/forms">
+  <Display>DocumentLibraryForm</Display>
+  <Edit>DocumentLibraryForm</Edit>
+  <New>DocumentLibraryForm</New>
+</FormTemplates>
+</file>
+
+<file path=customXml/item2.xml><?xml version="1.0" encoding="utf-8"?>
+<?mso-contentType ?>
+<spe:Receivers xmlns:spe="http://schemas.microsoft.com/sharepoint/events">
+  <Receiver>
+    <Name>Document ID Generator</Name>
+    <Synchronization>Synchronous</Synchronization>
+    <Type>10001</Type>
+    <SequenceNumber>1000</SequenceNumber>
+    <Assembly>Microsoft.Office.DocumentManagement, Version=14.0.0.0, Culture=neutral, PublicKeyToken=71e9bce111e9429c</Assembly>
+    <Class>Microsoft.Office.DocumentManagement.Internal.DocIdHandler</Class>
+    <Data/>
+    <Filter/>
+  </Receiver>
+  <Receiver>
+    <Name>Document ID Generator</Name>
+    <Synchronization>Synchronous</Synchronization>
+    <Type>10002</Type>
+    <SequenceNumber>1001</SequenceNumber>
+    <Assembly>Microsoft.Office.DocumentManagement, Version=14.0.0.0, Culture=neutral, PublicKeyToken=71e9bce111e9429c</Assembly>
+    <Class>Microsoft.Office.DocumentManagement.Internal.DocIdHandler</Class>
+    <Data/>
+    <Filter/>
+  </Receiver>
+  <Receiver>
+    <Name>Document ID Generator</Name>
+    <Synchronization>Synchronous</Synchronization>
+    <Type>10004</Type>
+    <SequenceNumber>1002</SequenceNumber>
+    <Assembly>Microsoft.Office.DocumentManagement, Version=14.0.0.0, Culture=neutral, PublicKeyToken=71e9bce111e9429c</Assembly>
+    <Class>Microsoft.Office.DocumentManagement.Internal.DocIdHandler</Class>
+    <Data/>
+    <Filter/>
+  </Receiver>
+  <Receiver>
+    <Name>Document ID Generator</Name>
+    <Synchronization>Synchronous</Synchronization>
+    <Type>10006</Type>
+    <SequenceNumber>1003</SequenceNumber>
+    <Assembly>Microsoft.Office.DocumentManagement, Version=14.0.0.0, Culture=neutral, PublicKeyToken=71e9bce111e9429c</Assembly>
+    <Class>Microsoft.Office.DocumentManagement.Internal.DocIdHandler</Class>
+    <Data/>
+    <Filter/>
+  </Receiver>
+</spe:Receivers>
+</file>
+
+<file path=customXml/item3.xml><?xml version="1.0" encoding="utf-8"?>
 <ct:contentTypeSchema xmlns:ct="http://schemas.microsoft.com/office/2006/metadata/contentType" xmlns:ma="http://schemas.microsoft.com/office/2006/metadata/properties/metaAttributes" ct:_="" ma:_="" ma:contentTypeName="Document" ma:contentTypeID="0x0101000812F700BE7F874999720E88173FE491" ma:contentTypeVersion="0" ma:contentTypeDescription="Create a new document." ma:contentTypeScope="" ma:versionID="3f79f408e2ca720b7aba6e0e32464d0c">
   <xsd:schema xmlns:xsd="http://www.w3.org/2001/XMLSchema" xmlns:xs="http://www.w3.org/2001/XMLSchema" xmlns:p="http://schemas.microsoft.com/office/2006/metadata/properties" xmlns:ns2="7bb5d761-a2ea-4873-95f7-7a6658fb3ef0" targetNamespace="http://schemas.microsoft.com/office/2006/metadata/properties" ma:root="true" ma:fieldsID="1e062cd38ba31e406bfc4340fbc7f87a" ns2:_="">
     <xsd:import namespace="7bb5d761-a2ea-4873-95f7-7a6658fb3ef0"/>
@@ -23455,61 +23614,6 @@
 </ct:contentTypeSchema>
 </file>
 
-<file path=customXml/item2.xml><?xml version="1.0" encoding="utf-8"?>
-<?mso-contentType ?>
-<spe:Receivers xmlns:spe="http://schemas.microsoft.com/sharepoint/events">
-  <Receiver>
-    <Name>Document ID Generator</Name>
-    <Synchronization>Synchronous</Synchronization>
-    <Type>10001</Type>
-    <SequenceNumber>1000</SequenceNumber>
-    <Assembly>Microsoft.Office.DocumentManagement, Version=14.0.0.0, Culture=neutral, PublicKeyToken=71e9bce111e9429c</Assembly>
-    <Class>Microsoft.Office.DocumentManagement.Internal.DocIdHandler</Class>
-    <Data/>
-    <Filter/>
-  </Receiver>
-  <Receiver>
-    <Name>Document ID Generator</Name>
-    <Synchronization>Synchronous</Synchronization>
-    <Type>10002</Type>
-    <SequenceNumber>1001</SequenceNumber>
-    <Assembly>Microsoft.Office.DocumentManagement, Version=14.0.0.0, Culture=neutral, PublicKeyToken=71e9bce111e9429c</Assembly>
-    <Class>Microsoft.Office.DocumentManagement.Internal.DocIdHandler</Class>
-    <Data/>
-    <Filter/>
-  </Receiver>
-  <Receiver>
-    <Name>Document ID Generator</Name>
-    <Synchronization>Synchronous</Synchronization>
-    <Type>10004</Type>
-    <SequenceNumber>1002</SequenceNumber>
-    <Assembly>Microsoft.Office.DocumentManagement, Version=14.0.0.0, Culture=neutral, PublicKeyToken=71e9bce111e9429c</Assembly>
-    <Class>Microsoft.Office.DocumentManagement.Internal.DocIdHandler</Class>
-    <Data/>
-    <Filter/>
-  </Receiver>
-  <Receiver>
-    <Name>Document ID Generator</Name>
-    <Synchronization>Synchronous</Synchronization>
-    <Type>10006</Type>
-    <SequenceNumber>1003</SequenceNumber>
-    <Assembly>Microsoft.Office.DocumentManagement, Version=14.0.0.0, Culture=neutral, PublicKeyToken=71e9bce111e9429c</Assembly>
-    <Class>Microsoft.Office.DocumentManagement.Internal.DocIdHandler</Class>
-    <Data/>
-    <Filter/>
-  </Receiver>
-</spe:Receivers>
-</file>
-
-<file path=customXml/item3.xml><?xml version="1.0" encoding="utf-8"?>
-<?mso-contentType ?>
-<FormTemplates xmlns="http://schemas.microsoft.com/sharepoint/v3/contenttype/forms">
-  <Display>DocumentLibraryForm</Display>
-  <Edit>DocumentLibraryForm</Edit>
-  <New>DocumentLibraryForm</New>
-</FormTemplates>
-</file>
-
 <file path=customXml/item4.xml><?xml version="1.0" encoding="utf-8"?>
 <p:properties xmlns:p="http://schemas.microsoft.com/office/2006/metadata/properties" xmlns:xsi="http://www.w3.org/2001/XMLSchema-instance" xmlns:pc="http://schemas.microsoft.com/office/infopath/2007/PartnerControls">
   <documentManagement>
@@ -23523,6 +23627,22 @@
 </file>
 
 <file path=customXml/itemProps1.xml><?xml version="1.0" encoding="utf-8"?>
+<ds:datastoreItem xmlns:ds="http://schemas.openxmlformats.org/officeDocument/2006/customXml" ds:itemID="{5CDEB364-43EC-4510-9881-539C2A3FCE9E}">
+  <ds:schemaRefs>
+    <ds:schemaRef ds:uri="http://schemas.microsoft.com/sharepoint/v3/contenttype/forms"/>
+  </ds:schemaRefs>
+</ds:datastoreItem>
+</file>
+
+<file path=customXml/itemProps2.xml><?xml version="1.0" encoding="utf-8"?>
+<ds:datastoreItem xmlns:ds="http://schemas.openxmlformats.org/officeDocument/2006/customXml" ds:itemID="{B13EBC30-FE27-4C6A-B723-23FC2188F7DC}">
+  <ds:schemaRefs>
+    <ds:schemaRef ds:uri="http://schemas.microsoft.com/sharepoint/events"/>
+  </ds:schemaRefs>
+</ds:datastoreItem>
+</file>
+
+<file path=customXml/itemProps3.xml><?xml version="1.0" encoding="utf-8"?>
 <ds:datastoreItem xmlns:ds="http://schemas.openxmlformats.org/officeDocument/2006/customXml" ds:itemID="{164479E5-0B02-49AC-B79E-EC1D6164DDD3}">
   <ds:schemaRefs>
     <ds:schemaRef ds:uri="http://schemas.microsoft.com/office/2006/metadata/contentType"/>
@@ -23536,22 +23656,6 @@
     <ds:schemaRef ds:uri="http://purl.org/dc/elements/1.1/"/>
     <ds:schemaRef ds:uri="http://purl.org/dc/terms/"/>
     <ds:schemaRef ds:uri="http://schemas.microsoft.com/internal/obd"/>
-  </ds:schemaRefs>
-</ds:datastoreItem>
-</file>
-
-<file path=customXml/itemProps2.xml><?xml version="1.0" encoding="utf-8"?>
-<ds:datastoreItem xmlns:ds="http://schemas.openxmlformats.org/officeDocument/2006/customXml" ds:itemID="{B13EBC30-FE27-4C6A-B723-23FC2188F7DC}">
-  <ds:schemaRefs>
-    <ds:schemaRef ds:uri="http://schemas.microsoft.com/sharepoint/events"/>
-  </ds:schemaRefs>
-</ds:datastoreItem>
-</file>
-
-<file path=customXml/itemProps3.xml><?xml version="1.0" encoding="utf-8"?>
-<ds:datastoreItem xmlns:ds="http://schemas.openxmlformats.org/officeDocument/2006/customXml" ds:itemID="{5CDEB364-43EC-4510-9881-539C2A3FCE9E}">
-  <ds:schemaRefs>
-    <ds:schemaRef ds:uri="http://schemas.microsoft.com/sharepoint/v3/contenttype/forms"/>
   </ds:schemaRefs>
 </ds:datastoreItem>
 </file>

--- a/05-creating-custom-profiles.pptx
+++ b/05-creating-custom-profiles.pptx
@@ -304,7 +304,7 @@
               <a:pPr>
                 <a:defRPr/>
               </a:pPr>
-              <a:t>2016-02-10</a:t>
+              <a:t>2016-02-11</a:t>
             </a:fld>
             <a:endParaRPr lang="en-US" dirty="0"/>
           </a:p>
@@ -487,7 +487,7 @@
               <a:pPr>
                 <a:defRPr/>
               </a:pPr>
-              <a:t>2016-02-10</a:t>
+              <a:t>2016-02-11</a:t>
             </a:fld>
             <a:endParaRPr lang="en-US" dirty="0"/>
           </a:p>
@@ -1598,54 +1598,6 @@
               <a:tabLst/>
               <a:defRPr/>
             </a:pPr>
-            <a:endParaRPr lang="en-US" baseline="0" dirty="0" smtClean="0"/>
-          </a:p>
-          <a:p>
-            <a:pPr marL="0" marR="0" indent="0" algn="l" defTabSz="1217613" rtl="0" eaLnBrk="1" fontAlgn="base" latinLnBrk="0" hangingPunct="1">
-              <a:lnSpc>
-                <a:spcPct val="90000"/>
-              </a:lnSpc>
-              <a:spcBef>
-                <a:spcPct val="30000"/>
-              </a:spcBef>
-              <a:spcAft>
-                <a:spcPts val="450"/>
-              </a:spcAft>
-              <a:buClrTx/>
-              <a:buSzTx/>
-              <a:buFontTx/>
-              <a:buNone/>
-              <a:tabLst/>
-              <a:defRPr/>
-            </a:pPr>
-            <a:r>
-              <a:rPr lang="en-US" baseline="0" dirty="0" err="1" smtClean="0"/>
-              <a:t>tbd</a:t>
-            </a:r>
-            <a:r>
-              <a:rPr lang="en-US" baseline="0" dirty="0" smtClean="0"/>
-              <a:t> Let's find out where the 14 rules are found on 5-14.</a:t>
-            </a:r>
-            <a:endParaRPr lang="en-US" dirty="0" smtClean="0"/>
-          </a:p>
-          <a:p>
-            <a:pPr marL="0" marR="0" indent="0" algn="l" defTabSz="1217613" rtl="0" eaLnBrk="1" fontAlgn="base" latinLnBrk="0" hangingPunct="1">
-              <a:lnSpc>
-                <a:spcPct val="90000"/>
-              </a:lnSpc>
-              <a:spcBef>
-                <a:spcPct val="30000"/>
-              </a:spcBef>
-              <a:spcAft>
-                <a:spcPts val="450"/>
-              </a:spcAft>
-              <a:buClrTx/>
-              <a:buSzTx/>
-              <a:buFontTx/>
-              <a:buNone/>
-              <a:tabLst/>
-              <a:defRPr/>
-            </a:pPr>
             <a:endParaRPr lang="en-US" dirty="0" smtClean="0"/>
           </a:p>
         </p:txBody>
@@ -1778,7 +1730,7 @@
         <p:spPr/>
         <p:txBody>
           <a:bodyPr>
-            <a:normAutofit fontScale="47500" lnSpcReduction="20000"/>
+            <a:normAutofit fontScale="55000" lnSpcReduction="20000"/>
           </a:bodyPr>
           <a:lstStyle/>
           <a:p>
@@ -1800,95 +1752,16 @@
               <a:defRPr/>
             </a:pPr>
             <a:r>
-              <a:rPr lang="en-US" dirty="0" err="1" smtClean="0"/>
-              <a:t>tbd</a:t>
-            </a:r>
-            <a:r>
-              <a:rPr lang="en-US" dirty="0" smtClean="0"/>
-              <a:t> - Note: I</a:t>
-            </a:r>
-            <a:r>
-              <a:rPr lang="en-US" sz="1200" b="0" i="0" kern="1200" dirty="0" smtClean="0">
-                <a:solidFill>
-                  <a:schemeClr val="tx1"/>
-                </a:solidFill>
-                <a:effectLst/>
-                <a:latin typeface="Arial" panose="020B0604020202020204" pitchFamily="34" charset="0"/>
-                <a:ea typeface="ＭＳ Ｐゴシック" charset="0"/>
-                <a:cs typeface="Arial" panose="020B0604020202020204" pitchFamily="34" charset="0"/>
-              </a:rPr>
-              <a:t>t's generally correct to use single quotes unless string interpolation is used, in which doubles are correct. Check with </a:t>
-            </a:r>
-            <a:r>
-              <a:rPr lang="en-US" sz="1200" b="0" i="0" kern="1200" dirty="0" err="1" smtClean="0">
-                <a:solidFill>
-                  <a:schemeClr val="tx1"/>
-                </a:solidFill>
-                <a:effectLst/>
-                <a:latin typeface="Arial" panose="020B0604020202020204" pitchFamily="34" charset="0"/>
-                <a:ea typeface="ＭＳ Ｐゴシック" charset="0"/>
-                <a:cs typeface="Arial" panose="020B0604020202020204" pitchFamily="34" charset="0"/>
-              </a:rPr>
-              <a:t>inspec</a:t>
-            </a:r>
-            <a:r>
-              <a:rPr lang="en-US" sz="1200" b="0" i="0" kern="1200" dirty="0" smtClean="0">
-                <a:solidFill>
-                  <a:schemeClr val="tx1"/>
-                </a:solidFill>
-                <a:effectLst/>
-                <a:latin typeface="Arial" panose="020B0604020202020204" pitchFamily="34" charset="0"/>
-                <a:ea typeface="ＭＳ Ｐゴシック" charset="0"/>
-                <a:cs typeface="Arial" panose="020B0604020202020204" pitchFamily="34" charset="0"/>
-              </a:rPr>
-              <a:t> team about describe statement correctness</a:t>
-            </a:r>
-          </a:p>
-          <a:p>
-            <a:pPr marL="0" marR="0" indent="0" algn="l" defTabSz="1217613" rtl="0" eaLnBrk="1" fontAlgn="base" latinLnBrk="0" hangingPunct="1">
-              <a:lnSpc>
-                <a:spcPct val="90000"/>
-              </a:lnSpc>
-              <a:spcBef>
-                <a:spcPct val="30000"/>
-              </a:spcBef>
-              <a:spcAft>
-                <a:spcPts val="450"/>
-              </a:spcAft>
-              <a:buClrTx/>
-              <a:buSzTx/>
-              <a:buFontTx/>
-              <a:buNone/>
-              <a:tabLst/>
-              <a:defRPr/>
-            </a:pPr>
-            <a:endParaRPr lang="en-US" dirty="0" smtClean="0"/>
-          </a:p>
-          <a:p>
-            <a:pPr marL="0" marR="0" indent="0" algn="l" defTabSz="1217613" rtl="0" eaLnBrk="1" fontAlgn="base" latinLnBrk="0" hangingPunct="1">
-              <a:lnSpc>
-                <a:spcPct val="90000"/>
-              </a:lnSpc>
-              <a:spcBef>
-                <a:spcPct val="30000"/>
-              </a:spcBef>
-              <a:spcAft>
-                <a:spcPts val="450"/>
-              </a:spcAft>
-              <a:buClrTx/>
-              <a:buSzTx/>
-              <a:buFontTx/>
-              <a:buNone/>
-              <a:tabLst/>
-              <a:defRPr/>
-            </a:pPr>
-            <a:r>
               <a:rPr lang="en-US" dirty="0" smtClean="0"/>
               <a:t>Create</a:t>
             </a:r>
             <a:r>
               <a:rPr lang="en-US" baseline="0" dirty="0" smtClean="0"/>
-              <a:t> the </a:t>
+              <a:t> </a:t>
+            </a:r>
+            <a:r>
+              <a:rPr lang="en-US" baseline="0" dirty="0" smtClean="0"/>
+              <a:t>the </a:t>
             </a:r>
             <a:r>
               <a:rPr lang="en-US" dirty="0" smtClean="0"/>
@@ -2596,6 +2469,141 @@
               </a:rPr>
               <a:t>end</a:t>
             </a:r>
+          </a:p>
+          <a:p>
+            <a:pPr marL="0" marR="0" indent="0" algn="l" defTabSz="1217613" rtl="0" eaLnBrk="1" fontAlgn="base" latinLnBrk="0" hangingPunct="1">
+              <a:lnSpc>
+                <a:spcPct val="90000"/>
+              </a:lnSpc>
+              <a:spcBef>
+                <a:spcPct val="30000"/>
+              </a:spcBef>
+              <a:spcAft>
+                <a:spcPts val="450"/>
+              </a:spcAft>
+              <a:buClrTx/>
+              <a:buSzTx/>
+              <a:buFontTx/>
+              <a:buNone/>
+              <a:tabLst/>
+              <a:defRPr/>
+            </a:pPr>
+            <a:endParaRPr lang="en-US" b="1" dirty="0" smtClean="0">
+              <a:latin typeface="Courier New" panose="02070309020205020404" pitchFamily="49" charset="0"/>
+              <a:cs typeface="Courier New" panose="02070309020205020404" pitchFamily="49" charset="0"/>
+            </a:endParaRPr>
+          </a:p>
+          <a:p>
+            <a:pPr marL="0" marR="0" indent="0" algn="l" defTabSz="1217613" rtl="0" eaLnBrk="1" fontAlgn="base" latinLnBrk="0" hangingPunct="1">
+              <a:lnSpc>
+                <a:spcPct val="90000"/>
+              </a:lnSpc>
+              <a:spcBef>
+                <a:spcPct val="30000"/>
+              </a:spcBef>
+              <a:spcAft>
+                <a:spcPts val="450"/>
+              </a:spcAft>
+              <a:buClrTx/>
+              <a:buSzTx/>
+              <a:buFontTx/>
+              <a:buNone/>
+              <a:tabLst/>
+              <a:defRPr/>
+            </a:pPr>
+            <a:r>
+              <a:rPr lang="en-US" dirty="0" smtClean="0"/>
+              <a:t>Instructor</a:t>
+            </a:r>
+            <a:r>
+              <a:rPr lang="en-US" baseline="0" dirty="0" smtClean="0"/>
+              <a:t> </a:t>
+            </a:r>
+            <a:r>
+              <a:rPr lang="en-US" dirty="0" smtClean="0"/>
+              <a:t>Note: I</a:t>
+            </a:r>
+            <a:r>
+              <a:rPr lang="en-US" sz="1200" b="0" i="0" kern="1200" dirty="0" smtClean="0">
+                <a:solidFill>
+                  <a:schemeClr val="tx1"/>
+                </a:solidFill>
+                <a:effectLst/>
+                <a:latin typeface="Arial" panose="020B0604020202020204" pitchFamily="34" charset="0"/>
+                <a:ea typeface="ＭＳ Ｐゴシック" charset="0"/>
+                <a:cs typeface="Arial" panose="020B0604020202020204" pitchFamily="34" charset="0"/>
+              </a:rPr>
+              <a:t>t's generally correct to use single quotes unless string interpolation is used, in which doubles are correct. Check with </a:t>
+            </a:r>
+            <a:r>
+              <a:rPr lang="en-US" sz="1200" b="0" i="0" kern="1200" dirty="0" err="1" smtClean="0">
+                <a:solidFill>
+                  <a:schemeClr val="tx1"/>
+                </a:solidFill>
+                <a:effectLst/>
+                <a:latin typeface="Arial" panose="020B0604020202020204" pitchFamily="34" charset="0"/>
+                <a:ea typeface="ＭＳ Ｐゴシック" charset="0"/>
+                <a:cs typeface="Arial" panose="020B0604020202020204" pitchFamily="34" charset="0"/>
+              </a:rPr>
+              <a:t>inspec</a:t>
+            </a:r>
+            <a:r>
+              <a:rPr lang="en-US" sz="1200" b="0" i="0" kern="1200" dirty="0" smtClean="0">
+                <a:solidFill>
+                  <a:schemeClr val="tx1"/>
+                </a:solidFill>
+                <a:effectLst/>
+                <a:latin typeface="Arial" panose="020B0604020202020204" pitchFamily="34" charset="0"/>
+                <a:ea typeface="ＭＳ Ｐゴシック" charset="0"/>
+                <a:cs typeface="Arial" panose="020B0604020202020204" pitchFamily="34" charset="0"/>
+              </a:rPr>
+              <a:t> team about describe statement correctness. We need to make</a:t>
+            </a:r>
+            <a:r>
+              <a:rPr lang="en-US" sz="1200" b="0" i="0" kern="1200" baseline="0" dirty="0" smtClean="0">
+                <a:solidFill>
+                  <a:schemeClr val="tx1"/>
+                </a:solidFill>
+                <a:effectLst/>
+                <a:latin typeface="Arial" panose="020B0604020202020204" pitchFamily="34" charset="0"/>
+                <a:ea typeface="ＭＳ Ｐゴシック" charset="0"/>
+                <a:cs typeface="Arial" panose="020B0604020202020204" pitchFamily="34" charset="0"/>
+              </a:rPr>
+              <a:t> this example consistent </a:t>
+            </a:r>
+            <a:r>
+              <a:rPr lang="en-US" sz="1200" b="0" i="0" kern="1200" baseline="0" dirty="0" err="1" smtClean="0">
+                <a:solidFill>
+                  <a:schemeClr val="tx1"/>
+                </a:solidFill>
+                <a:effectLst/>
+                <a:latin typeface="Arial" panose="020B0604020202020204" pitchFamily="34" charset="0"/>
+                <a:ea typeface="ＭＳ Ｐゴシック" charset="0"/>
+                <a:cs typeface="Arial" panose="020B0604020202020204" pitchFamily="34" charset="0"/>
+              </a:rPr>
+              <a:t>wrt</a:t>
+            </a:r>
+            <a:r>
+              <a:rPr lang="en-US" sz="1200" b="0" i="0" kern="1200" baseline="0" dirty="0" smtClean="0">
+                <a:solidFill>
+                  <a:schemeClr val="tx1"/>
+                </a:solidFill>
+                <a:effectLst/>
+                <a:latin typeface="Arial" panose="020B0604020202020204" pitchFamily="34" charset="0"/>
+                <a:ea typeface="ＭＳ Ｐゴシック" charset="0"/>
+                <a:cs typeface="Arial" panose="020B0604020202020204" pitchFamily="34" charset="0"/>
+              </a:rPr>
+              <a:t> quotes.</a:t>
+            </a:r>
+            <a:endParaRPr lang="en-US" sz="1200" b="0" i="0" kern="1200" dirty="0" smtClean="0">
+              <a:solidFill>
+                <a:schemeClr val="tx1"/>
+              </a:solidFill>
+              <a:effectLst/>
+              <a:latin typeface="Arial" panose="020B0604020202020204" pitchFamily="34" charset="0"/>
+              <a:ea typeface="ＭＳ Ｐゴシック" charset="0"/>
+              <a:cs typeface="Arial" panose="020B0604020202020204" pitchFamily="34" charset="0"/>
+            </a:endParaRPr>
           </a:p>
           <a:p>
             <a:pPr marL="0" marR="0" indent="0" algn="l" defTabSz="1217613" rtl="0" eaLnBrk="1" fontAlgn="base" latinLnBrk="0" hangingPunct="1">
@@ -2823,6 +2831,70 @@
               <a:tabLst/>
               <a:defRPr/>
             </a:pPr>
+            <a:endParaRPr lang="en-US" baseline="0" dirty="0" smtClean="0"/>
+          </a:p>
+          <a:p>
+            <a:pPr marL="0" marR="0" indent="0" algn="l" defTabSz="1217613" rtl="0" eaLnBrk="1" fontAlgn="base" latinLnBrk="0" hangingPunct="1">
+              <a:lnSpc>
+                <a:spcPct val="90000"/>
+              </a:lnSpc>
+              <a:spcBef>
+                <a:spcPct val="30000"/>
+              </a:spcBef>
+              <a:spcAft>
+                <a:spcPts val="450"/>
+              </a:spcAft>
+              <a:buClrTx/>
+              <a:buSzTx/>
+              <a:buFontTx/>
+              <a:buNone/>
+              <a:tabLst/>
+              <a:defRPr/>
+            </a:pPr>
+            <a:r>
+              <a:rPr lang="en-US" baseline="0" dirty="0" smtClean="0"/>
+              <a:t>The 14 rules found in this example is not accurate (it should be 2 rules found) and this output is has been corrected in the latest release.</a:t>
+            </a:r>
+            <a:endParaRPr lang="en-US" dirty="0" smtClean="0"/>
+          </a:p>
+          <a:p>
+            <a:pPr marL="0" marR="0" indent="0" algn="l" defTabSz="1217613" rtl="0" eaLnBrk="1" fontAlgn="base" latinLnBrk="0" hangingPunct="1">
+              <a:lnSpc>
+                <a:spcPct val="90000"/>
+              </a:lnSpc>
+              <a:spcBef>
+                <a:spcPct val="30000"/>
+              </a:spcBef>
+              <a:spcAft>
+                <a:spcPts val="450"/>
+              </a:spcAft>
+              <a:buClrTx/>
+              <a:buSzTx/>
+              <a:buFontTx/>
+              <a:buNone/>
+              <a:tabLst/>
+              <a:defRPr/>
+            </a:pPr>
+            <a:endParaRPr lang="en-US" baseline="0" dirty="0" smtClean="0"/>
+          </a:p>
+          <a:p>
+            <a:pPr marL="0" marR="0" indent="0" algn="l" defTabSz="1217613" rtl="0" eaLnBrk="1" fontAlgn="base" latinLnBrk="0" hangingPunct="1">
+              <a:lnSpc>
+                <a:spcPct val="90000"/>
+              </a:lnSpc>
+              <a:spcBef>
+                <a:spcPct val="30000"/>
+              </a:spcBef>
+              <a:spcAft>
+                <a:spcPts val="450"/>
+              </a:spcAft>
+              <a:buClrTx/>
+              <a:buSzTx/>
+              <a:buFontTx/>
+              <a:buNone/>
+              <a:tabLst/>
+              <a:defRPr/>
+            </a:pPr>
             <a:endParaRPr lang="en-US" dirty="0" smtClean="0"/>
           </a:p>
           <a:p>
@@ -5430,31 +5502,7 @@
                 <a:ea typeface="ＭＳ Ｐゴシック" charset="0"/>
                 <a:cs typeface="Arial" panose="020B0604020202020204" pitchFamily="34" charset="0"/>
               </a:rPr>
-              <a:t> </a:t>
-            </a:r>
-            <a:r>
-              <a:rPr lang="en-US" sz="1200" b="0" i="0" kern="1200" dirty="0" smtClean="0">
-                <a:solidFill>
-                  <a:schemeClr val="tx1"/>
-                </a:solidFill>
-                <a:effectLst/>
-                <a:latin typeface="Arial" panose="020B0604020202020204" pitchFamily="34" charset="0"/>
-                <a:ea typeface="ＭＳ Ｐゴシック" charset="0"/>
-                <a:cs typeface="Arial" panose="020B0604020202020204" pitchFamily="34" charset="0"/>
-              </a:rPr>
-              <a:t>and Compliance Server would </a:t>
-            </a:r>
-            <a:r>
-              <a:rPr lang="en-US" sz="1200" b="0" i="0" kern="1200" dirty="0" smtClean="0">
-                <a:solidFill>
-                  <a:schemeClr val="tx1"/>
-                </a:solidFill>
-                <a:effectLst/>
-                <a:latin typeface="Arial" panose="020B0604020202020204" pitchFamily="34" charset="0"/>
-                <a:ea typeface="ＭＳ Ｐゴシック" charset="0"/>
-                <a:cs typeface="Arial" panose="020B0604020202020204" pitchFamily="34" charset="0"/>
-              </a:rPr>
-              <a:t>not be</a:t>
+              <a:t> and Compliance Server would not be</a:t>
             </a:r>
             <a:r>
               <a:rPr lang="en-US" sz="1200" b="0" i="0" kern="1200" baseline="0" dirty="0" smtClean="0">
@@ -5466,41 +5514,8 @@
                 <a:ea typeface="ＭＳ Ｐゴシック" charset="0"/>
                 <a:cs typeface="Arial" panose="020B0604020202020204" pitchFamily="34" charset="0"/>
               </a:rPr>
-              <a:t> </a:t>
-            </a:r>
-            <a:r>
-              <a:rPr lang="en-US" sz="1200" b="0" i="0" kern="1200" baseline="0" dirty="0" smtClean="0">
-                <a:solidFill>
-                  <a:schemeClr val="tx1"/>
-                </a:solidFill>
-                <a:effectLst/>
-                <a:latin typeface="Arial" panose="020B0604020202020204" pitchFamily="34" charset="0"/>
-                <a:ea typeface="ＭＳ Ｐゴシック" charset="0"/>
-                <a:cs typeface="Arial" panose="020B0604020202020204" pitchFamily="34" charset="0"/>
-              </a:rPr>
-              <a:t>the best message </a:t>
-            </a:r>
-            <a:r>
-              <a:rPr lang="en-US" sz="1200" b="0" i="0" kern="1200" baseline="0" dirty="0" smtClean="0">
-                <a:solidFill>
-                  <a:schemeClr val="tx1"/>
-                </a:solidFill>
-                <a:effectLst/>
-                <a:latin typeface="Arial" panose="020B0604020202020204" pitchFamily="34" charset="0"/>
-                <a:ea typeface="ＭＳ Ｐゴシック" charset="0"/>
-                <a:cs typeface="Arial" panose="020B0604020202020204" pitchFamily="34" charset="0"/>
-              </a:rPr>
-              <a:t>to tell. Here is a link to where the image on the right was derived: https://github.com/chef/inspec/blob/1f325b1cfd02391fab14a996693a034da37aadd8/docs/profiles.rst </a:t>
-            </a:r>
-            <a:endParaRPr lang="en-US" sz="1200" b="0" i="0" kern="1200" baseline="0" dirty="0" smtClean="0">
-              <a:solidFill>
-                <a:schemeClr val="tx1"/>
-              </a:solidFill>
-              <a:effectLst/>
-              <a:latin typeface="Arial" panose="020B0604020202020204" pitchFamily="34" charset="0"/>
-              <a:ea typeface="ＭＳ Ｐゴシック" charset="0"/>
-              <a:cs typeface="Arial" panose="020B0604020202020204" pitchFamily="34" charset="0"/>
-            </a:endParaRPr>
+              <a:t> the best message to tell. Here is a link to where the image on the right was derived: https://github.com/chef/inspec/blob/1f325b1cfd02391fab14a996693a034da37aadd8/docs/profiles.rst </a:t>
+            </a:r>
           </a:p>
           <a:p>
             <a:r>
@@ -5539,15 +5554,6 @@
               </a:rPr>
               <a:t>. At that point we'll rev this course accordingly.</a:t>
             </a:r>
-            <a:endParaRPr lang="en-US" sz="1200" b="0" i="0" kern="1200" baseline="0" dirty="0" smtClean="0">
-              <a:solidFill>
-                <a:schemeClr val="tx1"/>
-              </a:solidFill>
-              <a:effectLst/>
-              <a:latin typeface="Arial" panose="020B0604020202020204" pitchFamily="34" charset="0"/>
-              <a:ea typeface="ＭＳ Ｐゴシック" charset="0"/>
-              <a:cs typeface="Arial" panose="020B0604020202020204" pitchFamily="34" charset="0"/>
-            </a:endParaRPr>
           </a:p>
           <a:p>
             <a:endParaRPr lang="en-US" sz="1200" b="0" i="0" kern="1200" baseline="0" dirty="0" smtClean="0">
@@ -5648,6 +5654,200 @@
     <p:extLst>
       <p:ext uri="{BB962C8B-B14F-4D97-AF65-F5344CB8AC3E}">
         <p14:creationId xmlns:p14="http://schemas.microsoft.com/office/powerpoint/2010/main" val="3908413370"/>
+      </p:ext>
+    </p:extLst>
+  </p:cSld>
+  <p:clrMapOvr>
+    <a:masterClrMapping/>
+  </p:clrMapOvr>
+</p:notes>
+</file>
+
+<file path=ppt/notesSlides/notesSlide28.xml><?xml version="1.0" encoding="utf-8"?>
+<p:notes xmlns:a="http://schemas.openxmlformats.org/drawingml/2006/main" xmlns:r="http://schemas.openxmlformats.org/officeDocument/2006/relationships" xmlns:p="http://schemas.openxmlformats.org/presentationml/2006/main">
+  <p:cSld>
+    <p:spTree>
+      <p:nvGrpSpPr>
+        <p:cNvPr id="1" name=""/>
+        <p:cNvGrpSpPr/>
+        <p:nvPr/>
+      </p:nvGrpSpPr>
+      <p:grpSpPr>
+        <a:xfrm>
+          <a:off x="0" y="0"/>
+          <a:ext cx="0" cy="0"/>
+          <a:chOff x="0" y="0"/>
+          <a:chExt cx="0" cy="0"/>
+        </a:xfrm>
+      </p:grpSpPr>
+      <p:sp>
+        <p:nvSpPr>
+          <p:cNvPr id="2" name="Slide Image Placeholder 1"/>
+          <p:cNvSpPr>
+            <a:spLocks noGrp="1" noRot="1" noChangeAspect="1"/>
+          </p:cNvSpPr>
+          <p:nvPr>
+            <p:ph type="sldImg"/>
+          </p:nvPr>
+        </p:nvSpPr>
+        <p:spPr/>
+      </p:sp>
+      <p:sp>
+        <p:nvSpPr>
+          <p:cNvPr id="3" name="Notes Placeholder 2"/>
+          <p:cNvSpPr>
+            <a:spLocks noGrp="1"/>
+          </p:cNvSpPr>
+          <p:nvPr>
+            <p:ph type="body" idx="1"/>
+          </p:nvPr>
+        </p:nvSpPr>
+        <p:spPr/>
+        <p:txBody>
+          <a:bodyPr/>
+          <a:lstStyle/>
+          <a:p>
+            <a:r>
+              <a:rPr lang="en-US" dirty="0" smtClean="0"/>
+              <a:t>Instructor Note Answers: </a:t>
+            </a:r>
+            <a:br>
+              <a:rPr lang="en-US" dirty="0" smtClean="0"/>
+            </a:br>
+            <a:r>
+              <a:rPr lang="en-US" dirty="0" smtClean="0"/>
+              <a:t>1. `</a:t>
+            </a:r>
+            <a:r>
+              <a:rPr lang="en-US" dirty="0" err="1" smtClean="0"/>
+              <a:t>inspec</a:t>
+            </a:r>
+            <a:r>
+              <a:rPr lang="en-US" dirty="0" smtClean="0"/>
+              <a:t> check` just verifies the code--it doesn't actually test a system. `</a:t>
+            </a:r>
+            <a:r>
+              <a:rPr lang="en-US" dirty="0" err="1" smtClean="0"/>
+              <a:t>inspec</a:t>
+            </a:r>
+            <a:r>
+              <a:rPr lang="en-US" dirty="0" smtClean="0"/>
+              <a:t> exec' will run the tests against a system.</a:t>
+            </a:r>
+          </a:p>
+          <a:p>
+            <a:r>
+              <a:rPr lang="en-US" dirty="0" smtClean="0"/>
+              <a:t>Additional questions will be added when we test this course</a:t>
+            </a:r>
+            <a:r>
+              <a:rPr lang="en-US" baseline="0" dirty="0" smtClean="0"/>
+              <a:t> on the Late February v1.0 Compliance software since </a:t>
+            </a:r>
+            <a:r>
+              <a:rPr lang="en-US" baseline="0" dirty="0" err="1" smtClean="0"/>
+              <a:t>inspec.yml</a:t>
+            </a:r>
+            <a:r>
+              <a:rPr lang="en-US" baseline="0" dirty="0" smtClean="0"/>
+              <a:t> will replace the </a:t>
+            </a:r>
+            <a:r>
+              <a:rPr lang="en-US" baseline="0" dirty="0" err="1" smtClean="0"/>
+              <a:t>inspec</a:t>
+            </a:r>
+            <a:r>
+              <a:rPr lang="en-US" baseline="0" dirty="0" smtClean="0"/>
+              <a:t> requirement of metadata.rb. Plus the new `generate profile` command will change the way we </a:t>
+            </a:r>
+            <a:r>
+              <a:rPr lang="en-US" baseline="0" smtClean="0"/>
+              <a:t>create profiles too.</a:t>
+            </a:r>
+            <a:endParaRPr lang="en-US" dirty="0" smtClean="0"/>
+          </a:p>
+          <a:p>
+            <a:endParaRPr lang="en-US" dirty="0"/>
+          </a:p>
+        </p:txBody>
+      </p:sp>
+      <p:sp>
+        <p:nvSpPr>
+          <p:cNvPr id="4" name="Slide Number Placeholder 3"/>
+          <p:cNvSpPr>
+            <a:spLocks noGrp="1"/>
+          </p:cNvSpPr>
+          <p:nvPr>
+            <p:ph type="sldNum" sz="quarter" idx="10"/>
+          </p:nvPr>
+        </p:nvSpPr>
+        <p:spPr/>
+        <p:txBody>
+          <a:bodyPr/>
+          <a:lstStyle/>
+          <a:p>
+            <a:pPr>
+              <a:defRPr/>
+            </a:pPr>
+            <a:fld id="{DC3734AA-3150-D947-AC52-2F5DF48BFCD5}" type="slidenum">
+              <a:rPr lang="en-US" smtClean="0"/>
+              <a:pPr>
+                <a:defRPr/>
+              </a:pPr>
+              <a:t>30</a:t>
+            </a:fld>
+            <a:endParaRPr lang="en-US" dirty="0"/>
+          </a:p>
+        </p:txBody>
+      </p:sp>
+      <p:sp>
+        <p:nvSpPr>
+          <p:cNvPr id="5" name="Header Placeholder 4"/>
+          <p:cNvSpPr>
+            <a:spLocks noGrp="1"/>
+          </p:cNvSpPr>
+          <p:nvPr>
+            <p:ph type="hdr" sz="quarter" idx="11"/>
+          </p:nvPr>
+        </p:nvSpPr>
+        <p:spPr/>
+        <p:txBody>
+          <a:bodyPr/>
+          <a:lstStyle/>
+          <a:p>
+            <a:pPr>
+              <a:defRPr/>
+            </a:pPr>
+            <a:endParaRPr lang="en-US"/>
+          </a:p>
+        </p:txBody>
+      </p:sp>
+      <p:sp>
+        <p:nvSpPr>
+          <p:cNvPr id="6" name="Footer Placeholder 5"/>
+          <p:cNvSpPr>
+            <a:spLocks noGrp="1"/>
+          </p:cNvSpPr>
+          <p:nvPr>
+            <p:ph type="ftr" sz="quarter" idx="12"/>
+          </p:nvPr>
+        </p:nvSpPr>
+        <p:spPr/>
+        <p:txBody>
+          <a:bodyPr/>
+          <a:lstStyle/>
+          <a:p>
+            <a:pPr>
+              <a:defRPr/>
+            </a:pPr>
+            <a:endParaRPr lang="en-US"/>
+          </a:p>
+        </p:txBody>
+      </p:sp>
+    </p:spTree>
+    <p:extLst>
+      <p:ext uri="{BB962C8B-B14F-4D97-AF65-F5344CB8AC3E}">
+        <p14:creationId xmlns:p14="http://schemas.microsoft.com/office/powerpoint/2010/main" val="1950899682"/>
       </p:ext>
     </p:extLst>
   </p:cSld>
@@ -7684,37 +7884,58 @@
               <a:defRPr/>
             </a:pPr>
             <a:r>
+              <a:rPr lang="en-US" baseline="0" dirty="0" smtClean="0"/>
+              <a:t>Instructor Note: The (</a:t>
+            </a:r>
+            <a:r>
               <a:rPr lang="en-US" baseline="0" dirty="0" err="1" smtClean="0"/>
-              <a:t>tbd</a:t>
+              <a:t>noMethodError</a:t>
             </a:r>
             <a:r>
               <a:rPr lang="en-US" baseline="0" dirty="0" smtClean="0"/>
-              <a:t>- the error is not explicit of what's wrong.</a:t>
-            </a:r>
-          </a:p>
-          <a:p>
+              <a:t>)</a:t>
+            </a:r>
             <a:r>
               <a:rPr lang="en-US" dirty="0" smtClean="0">
                 <a:effectLst/>
               </a:rPr>
-              <a:t>This is bad programming error</a:t>
-            </a:r>
-            <a:r>
-              <a:rPr lang="en-US" i="1" dirty="0" smtClean="0">
-                <a:effectLst/>
-              </a:rPr>
-              <a:t/>
-            </a:r>
-            <a:br>
-              <a:rPr lang="en-US" i="1" dirty="0" smtClean="0">
-                <a:effectLst/>
-              </a:rPr>
-            </a:br>
+              <a:t> </a:t>
+            </a:r>
             <a:r>
               <a:rPr lang="en-US" dirty="0" smtClean="0">
                 <a:effectLst/>
               </a:rPr>
-              <a:t>its basically spitting out a null (which is I </a:t>
+              <a:t>is </a:t>
+            </a:r>
+            <a:r>
+              <a:rPr lang="en-US" dirty="0" smtClean="0">
+                <a:effectLst/>
+              </a:rPr>
+              <a:t>a bad </a:t>
+            </a:r>
+            <a:r>
+              <a:rPr lang="en-US" dirty="0" smtClean="0">
+                <a:effectLst/>
+              </a:rPr>
+              <a:t>programming </a:t>
+            </a:r>
+            <a:r>
+              <a:rPr lang="en-US" dirty="0" smtClean="0">
+                <a:effectLst/>
+              </a:rPr>
+              <a:t>error. It's </a:t>
+            </a:r>
+            <a:r>
+              <a:rPr lang="en-US" dirty="0" smtClean="0">
+                <a:effectLst/>
+              </a:rPr>
+              <a:t>basically spitting out a null (which is </a:t>
+            </a:r>
+            <a:r>
+              <a:rPr lang="en-US" dirty="0" smtClean="0">
+                <a:effectLst/>
+              </a:rPr>
+              <a:t>"I </a:t>
             </a:r>
             <a:r>
               <a:rPr lang="en-US" dirty="0" err="1" smtClean="0">
@@ -7726,7 +7947,19 @@
               <a:rPr lang="en-US" dirty="0" smtClean="0">
                 <a:effectLst/>
               </a:rPr>
-              <a:t> know what broke) error</a:t>
+              <a:t> know what </a:t>
+            </a:r>
+            <a:r>
+              <a:rPr lang="en-US" dirty="0" smtClean="0">
+                <a:effectLst/>
+              </a:rPr>
+              <a:t>broke") </a:t>
+            </a:r>
+            <a:r>
+              <a:rPr lang="en-US" dirty="0" smtClean="0">
+                <a:effectLst/>
+              </a:rPr>
+              <a:t>error</a:t>
             </a:r>
             <a:br>
               <a:rPr lang="en-US" dirty="0" smtClean="0">
@@ -7737,16 +7970,53 @@
               <a:rPr lang="en-US" dirty="0" smtClean="0">
                 <a:effectLst/>
               </a:rPr>
-              <a:t>The next release of compliance should fix this</a:t>
-            </a:r>
-          </a:p>
-          <a:p>
+              <a:t>The next release of compliance </a:t>
+            </a:r>
             <a:r>
               <a:rPr lang="en-US" dirty="0" smtClean="0">
                 <a:effectLst/>
               </a:rPr>
-              <a:t>It should give very explicit warnings/errors around functionality rather than exposing inner workings of the programming</a:t>
-            </a:r>
+              <a:t>in late</a:t>
+            </a:r>
+            <a:r>
+              <a:rPr lang="en-US" baseline="0" dirty="0" smtClean="0">
+                <a:effectLst/>
+              </a:rPr>
+              <a:t> Feb 2016 </a:t>
+            </a:r>
+            <a:r>
+              <a:rPr lang="en-US" dirty="0" smtClean="0">
+                <a:effectLst/>
+              </a:rPr>
+              <a:t>should </a:t>
+            </a:r>
+            <a:r>
+              <a:rPr lang="en-US" dirty="0" smtClean="0">
+                <a:effectLst/>
+              </a:rPr>
+              <a:t>fix </a:t>
+            </a:r>
+            <a:r>
+              <a:rPr lang="en-US" dirty="0" smtClean="0">
+                <a:effectLst/>
+              </a:rPr>
+              <a:t>this. It </a:t>
+            </a:r>
+            <a:r>
+              <a:rPr lang="en-US" dirty="0" smtClean="0">
+                <a:effectLst/>
+              </a:rPr>
+              <a:t>should give very explicit warnings/errors around functionality rather than exposing inner workings of the </a:t>
+            </a:r>
+            <a:r>
+              <a:rPr lang="en-US" dirty="0" smtClean="0">
+                <a:effectLst/>
+              </a:rPr>
+              <a:t>programming.</a:t>
+            </a:r>
+            <a:endParaRPr lang="en-US" dirty="0" smtClean="0">
+              <a:effectLst/>
+            </a:endParaRPr>
           </a:p>
           <a:p>
             <a:pPr marL="0" marR="0" indent="0" algn="l" defTabSz="1217613" rtl="0" eaLnBrk="1" fontAlgn="base" latinLnBrk="0" hangingPunct="1">
@@ -17302,215 +17572,215 @@
         <p:spPr/>
         <p:txBody>
           <a:bodyPr>
-            <a:normAutofit fontScale="55000" lnSpcReduction="20000"/>
+            <a:normAutofit fontScale="47500" lnSpcReduction="20000"/>
           </a:bodyPr>
           <a:lstStyle/>
           <a:p>
             <a:r>
-              <a:rPr lang="en-US" b="1" dirty="0"/>
+              <a:rPr lang="en-US" sz="3300" b="1" dirty="0"/>
               <a:t>title '/</a:t>
             </a:r>
             <a:r>
-              <a:rPr lang="en-US" b="1" dirty="0" err="1"/>
+              <a:rPr lang="en-US" sz="3300" b="1" dirty="0" err="1"/>
               <a:t>tmp</a:t>
             </a:r>
             <a:r>
-              <a:rPr lang="en-US" b="1" dirty="0"/>
+              <a:rPr lang="en-US" sz="3300" b="1" dirty="0"/>
               <a:t> profile'</a:t>
             </a:r>
           </a:p>
           <a:p>
-            <a:endParaRPr lang="en-US" b="1" dirty="0"/>
-          </a:p>
-          <a:p>
-            <a:r>
-              <a:rPr lang="en-US" b="1" dirty="0"/>
+            <a:endParaRPr lang="en-US" sz="3300" b="1" dirty="0"/>
+          </a:p>
+          <a:p>
+            <a:r>
+              <a:rPr lang="en-US" sz="3300" b="1" dirty="0"/>
               <a:t>control "tmp-1.0" </a:t>
             </a:r>
             <a:r>
-              <a:rPr lang="en-US" b="1" dirty="0" smtClean="0"/>
+              <a:rPr lang="en-US" sz="3300" b="1" dirty="0" smtClean="0"/>
               <a:t>do</a:t>
             </a:r>
-            <a:endParaRPr lang="en-US" b="1" dirty="0"/>
-          </a:p>
-          <a:p>
-            <a:r>
-              <a:rPr lang="en-US" b="1" dirty="0"/>
+            <a:endParaRPr lang="en-US" sz="3300" b="1" dirty="0"/>
+          </a:p>
+          <a:p>
+            <a:r>
+              <a:rPr lang="en-US" sz="3300" b="1" dirty="0"/>
               <a:t>  impact 0.3</a:t>
             </a:r>
           </a:p>
           <a:p>
             <a:r>
-              <a:rPr lang="en-US" b="1" dirty="0"/>
+              <a:rPr lang="en-US" sz="3300" b="1" dirty="0"/>
               <a:t>  title "Create /</a:t>
             </a:r>
             <a:r>
-              <a:rPr lang="en-US" b="1" dirty="0" err="1"/>
+              <a:rPr lang="en-US" sz="3300" b="1" dirty="0" err="1"/>
               <a:t>tmp</a:t>
             </a:r>
             <a:r>
-              <a:rPr lang="en-US" b="1" dirty="0"/>
+              <a:rPr lang="en-US" sz="3300" b="1" dirty="0"/>
               <a:t> directory"</a:t>
             </a:r>
           </a:p>
           <a:p>
             <a:r>
-              <a:rPr lang="en-US" b="1" dirty="0"/>
+              <a:rPr lang="en-US" sz="3300" b="1" dirty="0"/>
               <a:t>  </a:t>
             </a:r>
             <a:r>
-              <a:rPr lang="en-US" b="1" dirty="0" err="1"/>
+              <a:rPr lang="en-US" sz="3300" b="1" dirty="0" err="1"/>
               <a:t>desc</a:t>
             </a:r>
             <a:r>
-              <a:rPr lang="en-US" b="1" dirty="0"/>
+              <a:rPr lang="en-US" sz="3300" b="1" dirty="0"/>
               <a:t> "A /</a:t>
             </a:r>
             <a:r>
-              <a:rPr lang="en-US" b="1" dirty="0" err="1"/>
+              <a:rPr lang="en-US" sz="3300" b="1" dirty="0" err="1"/>
               <a:t>tmp</a:t>
             </a:r>
             <a:r>
-              <a:rPr lang="en-US" b="1" dirty="0"/>
+              <a:rPr lang="en-US" sz="3300" b="1" dirty="0"/>
               <a:t> directory must exist"</a:t>
             </a:r>
           </a:p>
           <a:p>
             <a:r>
-              <a:rPr lang="en-US" b="1" dirty="0"/>
+              <a:rPr lang="en-US" sz="3300" b="1" dirty="0"/>
               <a:t>  describe file('/</a:t>
             </a:r>
             <a:r>
-              <a:rPr lang="en-US" b="1" dirty="0" err="1"/>
+              <a:rPr lang="en-US" sz="3300" b="1" dirty="0" err="1"/>
               <a:t>tmp</a:t>
             </a:r>
             <a:r>
-              <a:rPr lang="en-US" b="1" dirty="0"/>
+              <a:rPr lang="en-US" sz="3300" b="1" dirty="0"/>
               <a:t>') do</a:t>
             </a:r>
           </a:p>
           <a:p>
             <a:r>
-              <a:rPr lang="en-US" b="1" dirty="0"/>
+              <a:rPr lang="en-US" sz="3300" b="1" dirty="0"/>
               <a:t>    it { should </a:t>
             </a:r>
             <a:r>
-              <a:rPr lang="en-US" b="1" dirty="0" err="1"/>
+              <a:rPr lang="en-US" sz="3300" b="1" dirty="0" err="1"/>
               <a:t>be_directory</a:t>
             </a:r>
             <a:r>
-              <a:rPr lang="en-US" b="1" dirty="0"/>
+              <a:rPr lang="en-US" sz="3300" b="1" dirty="0"/>
               <a:t> }</a:t>
             </a:r>
           </a:p>
           <a:p>
             <a:r>
-              <a:rPr lang="en-US" b="1" dirty="0"/>
+              <a:rPr lang="en-US" sz="3300" b="1" dirty="0"/>
               <a:t>  end</a:t>
             </a:r>
           </a:p>
           <a:p>
             <a:r>
-              <a:rPr lang="en-US" b="1" dirty="0"/>
+              <a:rPr lang="en-US" sz="3300" b="1" dirty="0"/>
               <a:t>end</a:t>
             </a:r>
           </a:p>
           <a:p>
-            <a:endParaRPr lang="en-US" b="1" dirty="0"/>
-          </a:p>
-          <a:p>
-            <a:r>
-              <a:rPr lang="en-US" b="1" dirty="0"/>
+            <a:endParaRPr lang="en-US" sz="3300" b="1" dirty="0"/>
+          </a:p>
+          <a:p>
+            <a:r>
+              <a:rPr lang="en-US" sz="3300" b="1" dirty="0"/>
               <a:t>control "tmp-1.1" do</a:t>
             </a:r>
           </a:p>
           <a:p>
             <a:r>
-              <a:rPr lang="en-US" b="1" dirty="0"/>
+              <a:rPr lang="en-US" sz="3300" b="1" dirty="0"/>
               <a:t>  impact 0.3</a:t>
             </a:r>
           </a:p>
           <a:p>
             <a:r>
-              <a:rPr lang="en-US" b="1" dirty="0"/>
+              <a:rPr lang="en-US" sz="3300" b="1" dirty="0"/>
               <a:t>  title "/</a:t>
             </a:r>
             <a:r>
-              <a:rPr lang="en-US" b="1" dirty="0" err="1"/>
+              <a:rPr lang="en-US" sz="3300" b="1" dirty="0" err="1"/>
               <a:t>tmp</a:t>
             </a:r>
             <a:r>
-              <a:rPr lang="en-US" b="1" dirty="0"/>
+              <a:rPr lang="en-US" sz="3300" b="1" dirty="0"/>
               <a:t> directory is owned by the root user"</a:t>
             </a:r>
           </a:p>
           <a:p>
             <a:r>
-              <a:rPr lang="en-US" b="1" dirty="0"/>
+              <a:rPr lang="en-US" sz="3300" b="1" dirty="0"/>
               <a:t>  </a:t>
             </a:r>
             <a:r>
-              <a:rPr lang="en-US" b="1" dirty="0" err="1"/>
+              <a:rPr lang="en-US" sz="3300" b="1" dirty="0" err="1"/>
               <a:t>desc</a:t>
             </a:r>
             <a:r>
-              <a:rPr lang="en-US" b="1" dirty="0"/>
+              <a:rPr lang="en-US" sz="3300" b="1" dirty="0"/>
               <a:t> "The /</a:t>
             </a:r>
             <a:r>
-              <a:rPr lang="en-US" b="1" dirty="0" err="1"/>
+              <a:rPr lang="en-US" sz="3300" b="1" dirty="0" err="1"/>
               <a:t>tmp</a:t>
             </a:r>
             <a:r>
-              <a:rPr lang="en-US" b="1" dirty="0"/>
+              <a:rPr lang="en-US" sz="3300" b="1" dirty="0"/>
               <a:t> directory must be owned by the root user"</a:t>
             </a:r>
           </a:p>
           <a:p>
             <a:r>
-              <a:rPr lang="en-US" b="1" dirty="0"/>
+              <a:rPr lang="en-US" sz="3300" b="1" dirty="0"/>
               <a:t>  describe file('/</a:t>
             </a:r>
             <a:r>
-              <a:rPr lang="en-US" b="1" dirty="0" err="1"/>
+              <a:rPr lang="en-US" sz="3300" b="1" dirty="0" err="1"/>
               <a:t>tmp</a:t>
             </a:r>
             <a:r>
-              <a:rPr lang="en-US" b="1" dirty="0"/>
+              <a:rPr lang="en-US" sz="3300" b="1" dirty="0"/>
               <a:t>') do</a:t>
             </a:r>
           </a:p>
           <a:p>
             <a:r>
-              <a:rPr lang="en-US" b="1" dirty="0"/>
+              <a:rPr lang="en-US" sz="3300" b="1" dirty="0"/>
               <a:t> </a:t>
             </a:r>
             <a:r>
-              <a:rPr lang="en-US" b="1" dirty="0" smtClean="0"/>
+              <a:rPr lang="en-US" sz="3300" b="1" dirty="0" smtClean="0"/>
               <a:t>   </a:t>
             </a:r>
             <a:r>
-              <a:rPr lang="en-US" b="1" dirty="0"/>
+              <a:rPr lang="en-US" sz="3300" b="1" dirty="0"/>
               <a:t>it { should </a:t>
             </a:r>
             <a:r>
-              <a:rPr lang="en-US" b="1" dirty="0" err="1"/>
+              <a:rPr lang="en-US" sz="3300" b="1" dirty="0" err="1"/>
               <a:t>be_owned_by</a:t>
             </a:r>
             <a:r>
-              <a:rPr lang="en-US" b="1" dirty="0"/>
+              <a:rPr lang="en-US" sz="3300" b="1" dirty="0"/>
               <a:t> 'root' }</a:t>
             </a:r>
           </a:p>
           <a:p>
             <a:r>
-              <a:rPr lang="en-US" b="1" dirty="0"/>
+              <a:rPr lang="en-US" sz="3300" b="1" dirty="0"/>
               <a:t>  end</a:t>
             </a:r>
           </a:p>
           <a:p>
             <a:r>
-              <a:rPr lang="en-US" b="1" dirty="0"/>
+              <a:rPr lang="en-US" sz="3300" b="1" dirty="0"/>
               <a:t>end</a:t>
             </a:r>
           </a:p>
@@ -18397,14 +18667,13 @@
               <a:t>Write a custom </a:t>
             </a:r>
             <a:r>
-              <a:rPr lang="en-US"/>
+              <a:rPr lang="en-US" dirty="0"/>
               <a:t>c</a:t>
             </a:r>
             <a:r>
-              <a:rPr lang="en-US" smtClean="0"/>
+              <a:rPr lang="en-US" dirty="0" smtClean="0"/>
               <a:t>ompliance profile.</a:t>
             </a:r>
-            <a:endParaRPr lang="en-US" dirty="0" smtClean="0"/>
           </a:p>
           <a:p>
             <a:pPr marL="457200" indent="-457200">
@@ -20512,90 +20781,40 @@
             </a:pPr>
             <a:r>
               <a:rPr lang="en-US" dirty="0" smtClean="0"/>
-              <a:t>What is ...?</a:t>
-            </a:r>
-            <a:br>
-              <a:rPr lang="en-US" dirty="0" smtClean="0"/>
-            </a:br>
-            <a:r>
-              <a:rPr lang="en-US" dirty="0" smtClean="0"/>
-              <a:t>______________________________</a:t>
-            </a:r>
-          </a:p>
-          <a:p>
-            <a:pPr marL="514350" indent="-514350">
-              <a:buFont typeface="+mj-lt"/>
-              <a:buAutoNum type="arabicPeriod"/>
-            </a:pPr>
-            <a:r>
-              <a:rPr lang="en-US" dirty="0" smtClean="0"/>
-              <a:t>Which is the correct answer?  </a:t>
-            </a:r>
-          </a:p>
-          <a:p>
-            <a:pPr marL="822325" lvl="1" indent="-514350">
-              <a:buFont typeface="+mj-lt"/>
-              <a:buAutoNum type="alphaLcPeriod"/>
-            </a:pPr>
-            <a:r>
-              <a:rPr lang="en-US" dirty="0" smtClean="0"/>
-              <a:t>answer</a:t>
-            </a:r>
-          </a:p>
-          <a:p>
-            <a:pPr marL="822325" lvl="1" indent="-514350">
-              <a:buFont typeface="+mj-lt"/>
-              <a:buAutoNum type="alphaLcPeriod"/>
-            </a:pPr>
-            <a:r>
-              <a:rPr lang="en-US" dirty="0" smtClean="0"/>
-              <a:t>answer</a:t>
-            </a:r>
-          </a:p>
-          <a:p>
-            <a:pPr marL="822325" lvl="1" indent="-514350">
-              <a:buFont typeface="+mj-lt"/>
-              <a:buAutoNum type="alphaLcPeriod"/>
-            </a:pPr>
-            <a:r>
-              <a:rPr lang="en-US" dirty="0" smtClean="0"/>
-              <a:t>answer</a:t>
-            </a:r>
-          </a:p>
-          <a:p>
-            <a:pPr marL="822325" lvl="1" indent="-514350">
-              <a:buFont typeface="+mj-lt"/>
-              <a:buAutoNum type="alphaLcPeriod"/>
-            </a:pPr>
-            <a:r>
-              <a:rPr lang="en-US" dirty="0" smtClean="0"/>
-              <a:t>answer</a:t>
-            </a:r>
-            <a:br>
-              <a:rPr lang="en-US" dirty="0" smtClean="0"/>
-            </a:br>
-            <a:endParaRPr lang="en-US" dirty="0" smtClean="0"/>
-          </a:p>
-          <a:p>
-            <a:pPr marL="514350" indent="-514350">
-              <a:buFont typeface="+mj-lt"/>
-              <a:buAutoNum type="arabicPeriod"/>
-            </a:pPr>
-            <a:r>
-              <a:rPr lang="en-US" dirty="0" smtClean="0"/>
-              <a:t>Capable of carrying on a conversation</a:t>
-            </a:r>
-          </a:p>
-          <a:p>
-            <a:pPr marL="514350" indent="-514350">
-              <a:buFont typeface="+mj-lt"/>
-              <a:buAutoNum type="arabicPeriod"/>
-            </a:pPr>
-            <a:r>
-              <a:rPr lang="en-US" dirty="0" smtClean="0"/>
-              <a:t>Explain</a:t>
-            </a:r>
-            <a:endParaRPr lang="en-US" dirty="0"/>
+              <a:t>What is </a:t>
+            </a:r>
+            <a:r>
+              <a:rPr lang="en-US" dirty="0" smtClean="0"/>
+              <a:t>the difference between </a:t>
+            </a:r>
+            <a:r>
+              <a:rPr lang="en-US" dirty="0"/>
+              <a:t>`</a:t>
+            </a:r>
+            <a:r>
+              <a:rPr lang="en-US" dirty="0" err="1"/>
+              <a:t>inspec</a:t>
+            </a:r>
+            <a:r>
+              <a:rPr lang="en-US" dirty="0"/>
+              <a:t> check</a:t>
+            </a:r>
+            <a:r>
+              <a:rPr lang="en-US" dirty="0" smtClean="0"/>
+              <a:t>` and  `</a:t>
+            </a:r>
+            <a:r>
+              <a:rPr lang="en-US" dirty="0" err="1"/>
+              <a:t>inspec</a:t>
+            </a:r>
+            <a:r>
+              <a:rPr lang="en-US" dirty="0"/>
+              <a:t> exec</a:t>
+            </a:r>
+            <a:r>
+              <a:rPr lang="en-US" dirty="0" smtClean="0"/>
+              <a:t>'? </a:t>
+            </a:r>
           </a:p>
         </p:txBody>
       </p:sp>
@@ -23415,6 +23634,18 @@
 </file>
 
 <file path=customXml/item1.xml><?xml version="1.0" encoding="utf-8"?>
+<p:properties xmlns:p="http://schemas.microsoft.com/office/2006/metadata/properties" xmlns:xsi="http://www.w3.org/2001/XMLSchema-instance" xmlns:pc="http://schemas.microsoft.com/office/infopath/2007/PartnerControls">
+  <documentManagement>
+    <_dlc_DocId xmlns="7bb5d761-a2ea-4873-95f7-7a6658fb3ef0">M4CWTKMW727E-592-73</_dlc_DocId>
+    <_dlc_DocIdUrl xmlns="7bb5d761-a2ea-4873-95f7-7a6658fb3ef0">
+      <Url>https://kms.vci.local/marketing/team/_layouts/DocIdRedir.aspx?ID=M4CWTKMW727E-592-73</Url>
+      <Description>M4CWTKMW727E-592-73</Description>
+    </_dlc_DocIdUrl>
+  </documentManagement>
+</p:properties>
+</file>
+
+<file path=customXml/item2.xml><?xml version="1.0" encoding="utf-8"?>
 <?mso-contentType ?>
 <FormTemplates xmlns="http://schemas.microsoft.com/sharepoint/v3/contenttype/forms">
   <Display>DocumentLibraryForm</Display>
@@ -23423,7 +23654,7 @@
 </FormTemplates>
 </file>
 
-<file path=customXml/item2.xml><?xml version="1.0" encoding="utf-8"?>
+<file path=customXml/item3.xml><?xml version="1.0" encoding="utf-8"?>
 <?mso-contentType ?>
 <spe:Receivers xmlns:spe="http://schemas.microsoft.com/sharepoint/events">
   <Receiver>
@@ -23469,7 +23700,7 @@
 </spe:Receivers>
 </file>
 
-<file path=customXml/item3.xml><?xml version="1.0" encoding="utf-8"?>
+<file path=customXml/item4.xml><?xml version="1.0" encoding="utf-8"?>
 <ct:contentTypeSchema xmlns:ct="http://schemas.microsoft.com/office/2006/metadata/contentType" xmlns:ma="http://schemas.microsoft.com/office/2006/metadata/properties/metaAttributes" ct:_="" ma:_="" ma:contentTypeName="Document" ma:contentTypeID="0x0101000812F700BE7F874999720E88173FE491" ma:contentTypeVersion="0" ma:contentTypeDescription="Create a new document." ma:contentTypeScope="" ma:versionID="3f79f408e2ca720b7aba6e0e32464d0c">
   <xsd:schema xmlns:xsd="http://www.w3.org/2001/XMLSchema" xmlns:xs="http://www.w3.org/2001/XMLSchema" xmlns:p="http://schemas.microsoft.com/office/2006/metadata/properties" xmlns:ns2="7bb5d761-a2ea-4873-95f7-7a6658fb3ef0" targetNamespace="http://schemas.microsoft.com/office/2006/metadata/properties" ma:root="true" ma:fieldsID="1e062cd38ba31e406bfc4340fbc7f87a" ns2:_="">
     <xsd:import namespace="7bb5d761-a2ea-4873-95f7-7a6658fb3ef0"/>
@@ -23614,19 +23845,23 @@
 </ct:contentTypeSchema>
 </file>
 
-<file path=customXml/item4.xml><?xml version="1.0" encoding="utf-8"?>
-<p:properties xmlns:p="http://schemas.microsoft.com/office/2006/metadata/properties" xmlns:xsi="http://www.w3.org/2001/XMLSchema-instance" xmlns:pc="http://schemas.microsoft.com/office/infopath/2007/PartnerControls">
-  <documentManagement>
-    <_dlc_DocId xmlns="7bb5d761-a2ea-4873-95f7-7a6658fb3ef0">M4CWTKMW727E-592-73</_dlc_DocId>
-    <_dlc_DocIdUrl xmlns="7bb5d761-a2ea-4873-95f7-7a6658fb3ef0">
-      <Url>https://kms.vci.local/marketing/team/_layouts/DocIdRedir.aspx?ID=M4CWTKMW727E-592-73</Url>
-      <Description>M4CWTKMW727E-592-73</Description>
-    </_dlc_DocIdUrl>
-  </documentManagement>
-</p:properties>
+<file path=customXml/itemProps1.xml><?xml version="1.0" encoding="utf-8"?>
+<ds:datastoreItem xmlns:ds="http://schemas.openxmlformats.org/officeDocument/2006/customXml" ds:itemID="{6921749B-AEB7-461B-845F-603CABD25259}">
+  <ds:schemaRefs>
+    <ds:schemaRef ds:uri="http://schemas.microsoft.com/office/2006/documentManagement/types"/>
+    <ds:schemaRef ds:uri="http://schemas.microsoft.com/office/infopath/2007/PartnerControls"/>
+    <ds:schemaRef ds:uri="http://purl.org/dc/elements/1.1/"/>
+    <ds:schemaRef ds:uri="http://schemas.microsoft.com/office/2006/metadata/properties"/>
+    <ds:schemaRef ds:uri="7bb5d761-a2ea-4873-95f7-7a6658fb3ef0"/>
+    <ds:schemaRef ds:uri="http://purl.org/dc/terms/"/>
+    <ds:schemaRef ds:uri="http://schemas.openxmlformats.org/package/2006/metadata/core-properties"/>
+    <ds:schemaRef ds:uri="http://www.w3.org/XML/1998/namespace"/>
+    <ds:schemaRef ds:uri="http://purl.org/dc/dcmitype/"/>
+  </ds:schemaRefs>
+</ds:datastoreItem>
 </file>
 
-<file path=customXml/itemProps1.xml><?xml version="1.0" encoding="utf-8"?>
+<file path=customXml/itemProps2.xml><?xml version="1.0" encoding="utf-8"?>
 <ds:datastoreItem xmlns:ds="http://schemas.openxmlformats.org/officeDocument/2006/customXml" ds:itemID="{5CDEB364-43EC-4510-9881-539C2A3FCE9E}">
   <ds:schemaRefs>
     <ds:schemaRef ds:uri="http://schemas.microsoft.com/sharepoint/v3/contenttype/forms"/>
@@ -23634,7 +23869,7 @@
 </ds:datastoreItem>
 </file>
 
-<file path=customXml/itemProps2.xml><?xml version="1.0" encoding="utf-8"?>
+<file path=customXml/itemProps3.xml><?xml version="1.0" encoding="utf-8"?>
 <ds:datastoreItem xmlns:ds="http://schemas.openxmlformats.org/officeDocument/2006/customXml" ds:itemID="{B13EBC30-FE27-4C6A-B723-23FC2188F7DC}">
   <ds:schemaRefs>
     <ds:schemaRef ds:uri="http://schemas.microsoft.com/sharepoint/events"/>
@@ -23642,7 +23877,7 @@
 </ds:datastoreItem>
 </file>
 
-<file path=customXml/itemProps3.xml><?xml version="1.0" encoding="utf-8"?>
+<file path=customXml/itemProps4.xml><?xml version="1.0" encoding="utf-8"?>
 <ds:datastoreItem xmlns:ds="http://schemas.openxmlformats.org/officeDocument/2006/customXml" ds:itemID="{164479E5-0B02-49AC-B79E-EC1D6164DDD3}">
   <ds:schemaRefs>
     <ds:schemaRef ds:uri="http://schemas.microsoft.com/office/2006/metadata/contentType"/>
@@ -23658,20 +23893,4 @@
     <ds:schemaRef ds:uri="http://schemas.microsoft.com/internal/obd"/>
   </ds:schemaRefs>
 </ds:datastoreItem>
-</file>
-
-<file path=customXml/itemProps4.xml><?xml version="1.0" encoding="utf-8"?>
-<ds:datastoreItem xmlns:ds="http://schemas.openxmlformats.org/officeDocument/2006/customXml" ds:itemID="{6921749B-AEB7-461B-845F-603CABD25259}">
-  <ds:schemaRefs>
-    <ds:schemaRef ds:uri="http://schemas.microsoft.com/office/2006/documentManagement/types"/>
-    <ds:schemaRef ds:uri="http://schemas.microsoft.com/office/infopath/2007/PartnerControls"/>
-    <ds:schemaRef ds:uri="http://purl.org/dc/elements/1.1/"/>
-    <ds:schemaRef ds:uri="http://schemas.microsoft.com/office/2006/metadata/properties"/>
-    <ds:schemaRef ds:uri="7bb5d761-a2ea-4873-95f7-7a6658fb3ef0"/>
-    <ds:schemaRef ds:uri="http://purl.org/dc/terms/"/>
-    <ds:schemaRef ds:uri="http://schemas.openxmlformats.org/package/2006/metadata/core-properties"/>
-    <ds:schemaRef ds:uri="http://www.w3.org/XML/1998/namespace"/>
-    <ds:schemaRef ds:uri="http://purl.org/dc/dcmitype/"/>
-  </ds:schemaRefs>
-</ds:datastoreItem>
 </file>
--- a/05-creating-custom-profiles.pptx
+++ b/05-creating-custom-profiles.pptx
@@ -6,10 +6,10 @@
     <p:sldMasterId id="2147483847" r:id="rId6"/>
   </p:sldMasterIdLst>
   <p:notesMasterIdLst>
-    <p:notesMasterId r:id="rId33"/>
+    <p:notesMasterId r:id="rId46"/>
   </p:notesMasterIdLst>
   <p:handoutMasterIdLst>
-    <p:handoutMasterId r:id="rId34"/>
+    <p:handoutMasterId r:id="rId47"/>
   </p:handoutMasterIdLst>
   <p:sldIdLst>
     <p:sldId id="256" r:id="rId7"/>
@@ -36,8 +36,21 @@
     <p:sldId id="340" r:id="rId28"/>
     <p:sldId id="344" r:id="rId29"/>
     <p:sldId id="301" r:id="rId30"/>
-    <p:sldId id="276" r:id="rId31"/>
-    <p:sldId id="267" r:id="rId32"/>
+    <p:sldId id="346" r:id="rId31"/>
+    <p:sldId id="348" r:id="rId32"/>
+    <p:sldId id="347" r:id="rId33"/>
+    <p:sldId id="349" r:id="rId34"/>
+    <p:sldId id="350" r:id="rId35"/>
+    <p:sldId id="351" r:id="rId36"/>
+    <p:sldId id="352" r:id="rId37"/>
+    <p:sldId id="358" r:id="rId38"/>
+    <p:sldId id="276" r:id="rId39"/>
+    <p:sldId id="354" r:id="rId40"/>
+    <p:sldId id="355" r:id="rId41"/>
+    <p:sldId id="356" r:id="rId42"/>
+    <p:sldId id="359" r:id="rId43"/>
+    <p:sldId id="353" r:id="rId44"/>
+    <p:sldId id="267" r:id="rId45"/>
   </p:sldIdLst>
   <p:sldSz cx="16256000" cy="9144000"/>
   <p:notesSz cx="6858000" cy="9144000"/>
@@ -299,7 +312,7 @@
               <a:pPr>
                 <a:defRPr/>
               </a:pPr>
-              <a:t>2016-02-26</a:t>
+              <a:t>2016-03-02</a:t>
             </a:fld>
             <a:endParaRPr lang="en-US" dirty="0"/>
           </a:p>
@@ -482,7 +495,7 @@
               <a:pPr>
                 <a:defRPr/>
               </a:pPr>
-              <a:t>2016-02-26</a:t>
+              <a:t>2016-03-02</a:t>
             </a:fld>
             <a:endParaRPr lang="en-US" dirty="0"/>
           </a:p>
@@ -2097,23 +2110,7 @@
             </a:pPr>
             <a:r>
               <a:rPr lang="en-US" baseline="0" dirty="0" smtClean="0"/>
-              <a:t>We've </a:t>
-            </a:r>
-            <a:r>
-              <a:rPr lang="en-US" baseline="0" dirty="0" smtClean="0"/>
-              <a:t>pasted the </a:t>
-            </a:r>
-            <a:r>
-              <a:rPr lang="en-US" baseline="0" dirty="0" smtClean="0"/>
-              <a:t>entire control code </a:t>
-            </a:r>
-            <a:r>
-              <a:rPr lang="en-US" baseline="0" dirty="0" smtClean="0"/>
-              <a:t>below so you can see it better</a:t>
-            </a:r>
-            <a:r>
-              <a:rPr lang="en-US" baseline="0" dirty="0" smtClean="0"/>
-              <a:t>.</a:t>
+              <a:t>We've pasted the entire control code below so you can see it better.</a:t>
             </a:r>
           </a:p>
           <a:p>
@@ -4338,9 +4335,19 @@
           <a:p>
             <a:r>
               <a:rPr lang="en-US" dirty="0" smtClean="0"/>
-              <a:t>In addition to the uploading procedure we'll do in the exercise, in the workplace you could also upload such custom profiles using an API.</a:t>
-            </a:r>
-            <a:endParaRPr lang="en-US" dirty="0"/>
+              <a:t>In addition to the uploading procedure we'll do in the exercise, in the workplace you could also upload </a:t>
+            </a:r>
+            <a:r>
+              <a:rPr lang="en-US" dirty="0" smtClean="0"/>
+              <a:t>custom </a:t>
+            </a:r>
+            <a:r>
+              <a:rPr lang="en-US" dirty="0" smtClean="0"/>
+              <a:t>profiles using an API.</a:t>
+            </a:r>
+          </a:p>
+          <a:p>
+            <a:endParaRPr lang="en-US" dirty="0" smtClean="0"/>
           </a:p>
         </p:txBody>
       </p:sp>
@@ -4474,67 +4481,40 @@
           <a:bodyPr/>
           <a:lstStyle/>
           <a:p>
+            <a:pPr marL="0" marR="0" indent="0" algn="l" defTabSz="1217613" rtl="0" eaLnBrk="1" fontAlgn="base" latinLnBrk="0" hangingPunct="1">
+              <a:lnSpc>
+                <a:spcPct val="90000"/>
+              </a:lnSpc>
+              <a:spcBef>
+                <a:spcPct val="30000"/>
+              </a:spcBef>
+              <a:spcAft>
+                <a:spcPts val="450"/>
+              </a:spcAft>
+              <a:buClrTx/>
+              <a:buSzTx/>
+              <a:buFontTx/>
+              <a:buNone/>
+              <a:tabLst/>
+              <a:defRPr/>
+            </a:pPr>
             <a:r>
               <a:rPr lang="en-US" dirty="0" smtClean="0"/>
-              <a:t>Instructor Note Answers: </a:t>
-            </a:r>
-            <a:br>
-              <a:rPr lang="en-US" dirty="0" smtClean="0"/>
-            </a:br>
-            <a:r>
-              <a:rPr lang="en-US" dirty="0" smtClean="0"/>
-              <a:t>1. `</a:t>
-            </a:r>
-            <a:r>
-              <a:rPr lang="en-US" dirty="0" err="1" smtClean="0"/>
-              <a:t>inspec</a:t>
-            </a:r>
-            <a:r>
-              <a:rPr lang="en-US" dirty="0" smtClean="0"/>
-              <a:t> check` just verifies the code--it doesn't actually test a system. `</a:t>
-            </a:r>
-            <a:r>
-              <a:rPr lang="en-US" dirty="0" err="1" smtClean="0"/>
-              <a:t>inspec</a:t>
-            </a:r>
-            <a:r>
-              <a:rPr lang="en-US" dirty="0" smtClean="0"/>
-              <a:t> exec' will run the tests against a system.</a:t>
-            </a:r>
-          </a:p>
-          <a:p>
-            <a:r>
-              <a:rPr lang="en-US" dirty="0" smtClean="0"/>
-              <a:t>Additional questions will be added when we test this course</a:t>
+              <a:t>From your Linux node,</a:t>
             </a:r>
             <a:r>
               <a:rPr lang="en-US" baseline="0" dirty="0" smtClean="0"/>
-              <a:t> on the Late February v1.0 Compliance software since </a:t>
+              <a:t> ensure you are in your Home directory and type `</a:t>
             </a:r>
             <a:r>
               <a:rPr lang="en-US" baseline="0" dirty="0" err="1" smtClean="0"/>
-              <a:t>inspec.yml</a:t>
+              <a:t>ls`</a:t>
             </a:r>
             <a:r>
               <a:rPr lang="en-US" baseline="0" dirty="0" smtClean="0"/>
-              <a:t> will replace the </a:t>
-            </a:r>
-            <a:r>
-              <a:rPr lang="en-US" baseline="0" dirty="0" err="1" smtClean="0"/>
-              <a:t>inspec</a:t>
-            </a:r>
-            <a:r>
-              <a:rPr lang="en-US" baseline="0" dirty="0" smtClean="0"/>
-              <a:t> requirement of metadata.rb. Plus the new `generate profile` command will change the way we </a:t>
-            </a:r>
-            <a:r>
-              <a:rPr lang="en-US" baseline="0" smtClean="0"/>
-              <a:t>create profiles too.</a:t>
+              <a:t> to see your compliance profile</a:t>
             </a:r>
             <a:endParaRPr lang="en-US" dirty="0" smtClean="0"/>
-          </a:p>
-          <a:p>
-            <a:endParaRPr lang="en-US" dirty="0"/>
           </a:p>
         </p:txBody>
       </p:sp>
@@ -4614,7 +4594,1084 @@
     </p:spTree>
     <p:extLst>
       <p:ext uri="{BB962C8B-B14F-4D97-AF65-F5344CB8AC3E}">
-        <p14:creationId xmlns:p14="http://schemas.microsoft.com/office/powerpoint/2010/main" val="1950899682"/>
+        <p14:creationId xmlns:p14="http://schemas.microsoft.com/office/powerpoint/2010/main" val="4207860257"/>
+      </p:ext>
+    </p:extLst>
+  </p:cSld>
+  <p:clrMapOvr>
+    <a:masterClrMapping/>
+  </p:clrMapOvr>
+</p:notes>
+</file>
+
+<file path=ppt/notesSlides/notesSlide24.xml><?xml version="1.0" encoding="utf-8"?>
+<p:notes xmlns:a="http://schemas.openxmlformats.org/drawingml/2006/main" xmlns:r="http://schemas.openxmlformats.org/officeDocument/2006/relationships" xmlns:p="http://schemas.openxmlformats.org/presentationml/2006/main">
+  <p:cSld>
+    <p:spTree>
+      <p:nvGrpSpPr>
+        <p:cNvPr id="1" name=""/>
+        <p:cNvGrpSpPr/>
+        <p:nvPr/>
+      </p:nvGrpSpPr>
+      <p:grpSpPr>
+        <a:xfrm>
+          <a:off x="0" y="0"/>
+          <a:ext cx="0" cy="0"/>
+          <a:chOff x="0" y="0"/>
+          <a:chExt cx="0" cy="0"/>
+        </a:xfrm>
+      </p:grpSpPr>
+      <p:sp>
+        <p:nvSpPr>
+          <p:cNvPr id="2" name="Slide Image Placeholder 1"/>
+          <p:cNvSpPr>
+            <a:spLocks noGrp="1" noRot="1" noChangeAspect="1"/>
+          </p:cNvSpPr>
+          <p:nvPr>
+            <p:ph type="sldImg"/>
+          </p:nvPr>
+        </p:nvSpPr>
+        <p:spPr/>
+      </p:sp>
+      <p:sp>
+        <p:nvSpPr>
+          <p:cNvPr id="3" name="Notes Placeholder 2"/>
+          <p:cNvSpPr>
+            <a:spLocks noGrp="1"/>
+          </p:cNvSpPr>
+          <p:nvPr>
+            <p:ph type="body" idx="1"/>
+          </p:nvPr>
+        </p:nvSpPr>
+        <p:spPr/>
+        <p:txBody>
+          <a:bodyPr/>
+          <a:lstStyle/>
+          <a:p>
+            <a:pPr marL="0" marR="0" indent="0" algn="l" defTabSz="1217613" rtl="0" eaLnBrk="1" fontAlgn="base" latinLnBrk="0" hangingPunct="1">
+              <a:lnSpc>
+                <a:spcPct val="90000"/>
+              </a:lnSpc>
+              <a:spcBef>
+                <a:spcPct val="30000"/>
+              </a:spcBef>
+              <a:spcAft>
+                <a:spcPts val="450"/>
+              </a:spcAft>
+              <a:buClrTx/>
+              <a:buSzTx/>
+              <a:buFontTx/>
+              <a:buNone/>
+              <a:tabLst/>
+              <a:defRPr/>
+            </a:pPr>
+            <a:r>
+              <a:rPr lang="en-US" dirty="0" smtClean="0"/>
+              <a:t>This example shows the options for the</a:t>
+            </a:r>
+            <a:r>
+              <a:rPr lang="en-US" baseline="0" dirty="0" smtClean="0"/>
+              <a:t> </a:t>
+            </a:r>
+            <a:r>
+              <a:rPr lang="en-US" dirty="0" smtClean="0"/>
+              <a:t>`</a:t>
+            </a:r>
+            <a:r>
+              <a:rPr lang="en-US" dirty="0" err="1" smtClean="0"/>
+              <a:t>inspec</a:t>
+            </a:r>
+            <a:r>
+              <a:rPr lang="en-US" dirty="0" smtClean="0"/>
+              <a:t> compliance`</a:t>
+            </a:r>
+            <a:r>
+              <a:rPr lang="en-US" baseline="0" dirty="0" smtClean="0"/>
+              <a:t> command. </a:t>
+            </a:r>
+            <a:r>
+              <a:rPr lang="en-US" baseline="0" dirty="0" smtClean="0"/>
+              <a:t>You'll </a:t>
+            </a:r>
+            <a:r>
+              <a:rPr lang="en-US" baseline="0" dirty="0" smtClean="0"/>
+              <a:t>be using the `</a:t>
+            </a:r>
+            <a:r>
+              <a:rPr lang="en-US" sz="1200" dirty="0" err="1" smtClean="0"/>
+              <a:t>inspec</a:t>
+            </a:r>
+            <a:r>
+              <a:rPr lang="en-US" sz="1200" dirty="0" smtClean="0"/>
+              <a:t> compliance login SERVER --password=PASSWORD --user=USER`</a:t>
+            </a:r>
+            <a:r>
+              <a:rPr lang="en-US" sz="1200" baseline="0" dirty="0" smtClean="0"/>
+              <a:t> in a moment to first log into your Compliance server.</a:t>
+            </a:r>
+            <a:endParaRPr lang="en-US" dirty="0" smtClean="0"/>
+          </a:p>
+        </p:txBody>
+      </p:sp>
+      <p:sp>
+        <p:nvSpPr>
+          <p:cNvPr id="4" name="Slide Number Placeholder 3"/>
+          <p:cNvSpPr>
+            <a:spLocks noGrp="1"/>
+          </p:cNvSpPr>
+          <p:nvPr>
+            <p:ph type="sldNum" sz="quarter" idx="10"/>
+          </p:nvPr>
+        </p:nvSpPr>
+        <p:spPr/>
+        <p:txBody>
+          <a:bodyPr/>
+          <a:lstStyle/>
+          <a:p>
+            <a:pPr>
+              <a:defRPr/>
+            </a:pPr>
+            <a:fld id="{DC3734AA-3150-D947-AC52-2F5DF48BFCD5}" type="slidenum">
+              <a:rPr lang="en-US" smtClean="0"/>
+              <a:pPr>
+                <a:defRPr/>
+              </a:pPr>
+              <a:t>26</a:t>
+            </a:fld>
+            <a:endParaRPr lang="en-US" dirty="0"/>
+          </a:p>
+        </p:txBody>
+      </p:sp>
+      <p:sp>
+        <p:nvSpPr>
+          <p:cNvPr id="5" name="Header Placeholder 4"/>
+          <p:cNvSpPr>
+            <a:spLocks noGrp="1"/>
+          </p:cNvSpPr>
+          <p:nvPr>
+            <p:ph type="hdr" sz="quarter" idx="11"/>
+          </p:nvPr>
+        </p:nvSpPr>
+        <p:spPr/>
+        <p:txBody>
+          <a:bodyPr/>
+          <a:lstStyle/>
+          <a:p>
+            <a:pPr>
+              <a:defRPr/>
+            </a:pPr>
+            <a:endParaRPr lang="en-US"/>
+          </a:p>
+        </p:txBody>
+      </p:sp>
+      <p:sp>
+        <p:nvSpPr>
+          <p:cNvPr id="6" name="Footer Placeholder 5"/>
+          <p:cNvSpPr>
+            <a:spLocks noGrp="1"/>
+          </p:cNvSpPr>
+          <p:nvPr>
+            <p:ph type="ftr" sz="quarter" idx="12"/>
+          </p:nvPr>
+        </p:nvSpPr>
+        <p:spPr/>
+        <p:txBody>
+          <a:bodyPr/>
+          <a:lstStyle/>
+          <a:p>
+            <a:pPr>
+              <a:defRPr/>
+            </a:pPr>
+            <a:endParaRPr lang="en-US"/>
+          </a:p>
+        </p:txBody>
+      </p:sp>
+    </p:spTree>
+    <p:extLst>
+      <p:ext uri="{BB962C8B-B14F-4D97-AF65-F5344CB8AC3E}">
+        <p14:creationId xmlns:p14="http://schemas.microsoft.com/office/powerpoint/2010/main" val="2218570627"/>
+      </p:ext>
+    </p:extLst>
+  </p:cSld>
+  <p:clrMapOvr>
+    <a:masterClrMapping/>
+  </p:clrMapOvr>
+</p:notes>
+</file>
+
+<file path=ppt/notesSlides/notesSlide25.xml><?xml version="1.0" encoding="utf-8"?>
+<p:notes xmlns:a="http://schemas.openxmlformats.org/drawingml/2006/main" xmlns:r="http://schemas.openxmlformats.org/officeDocument/2006/relationships" xmlns:p="http://schemas.openxmlformats.org/presentationml/2006/main">
+  <p:cSld>
+    <p:spTree>
+      <p:nvGrpSpPr>
+        <p:cNvPr id="1" name=""/>
+        <p:cNvGrpSpPr/>
+        <p:nvPr/>
+      </p:nvGrpSpPr>
+      <p:grpSpPr>
+        <a:xfrm>
+          <a:off x="0" y="0"/>
+          <a:ext cx="0" cy="0"/>
+          <a:chOff x="0" y="0"/>
+          <a:chExt cx="0" cy="0"/>
+        </a:xfrm>
+      </p:grpSpPr>
+      <p:sp>
+        <p:nvSpPr>
+          <p:cNvPr id="2" name="Slide Image Placeholder 1"/>
+          <p:cNvSpPr>
+            <a:spLocks noGrp="1" noRot="1" noChangeAspect="1"/>
+          </p:cNvSpPr>
+          <p:nvPr>
+            <p:ph type="sldImg"/>
+          </p:nvPr>
+        </p:nvSpPr>
+        <p:spPr/>
+      </p:sp>
+      <p:sp>
+        <p:nvSpPr>
+          <p:cNvPr id="3" name="Notes Placeholder 2"/>
+          <p:cNvSpPr>
+            <a:spLocks noGrp="1"/>
+          </p:cNvSpPr>
+          <p:nvPr>
+            <p:ph type="body" idx="1"/>
+          </p:nvPr>
+        </p:nvSpPr>
+        <p:spPr/>
+        <p:txBody>
+          <a:bodyPr/>
+          <a:lstStyle/>
+          <a:p>
+            <a:r>
+              <a:rPr lang="en-US" dirty="0" smtClean="0"/>
+              <a:t>Use </a:t>
+            </a:r>
+            <a:r>
+              <a:rPr lang="en-US" dirty="0" smtClean="0"/>
+              <a:t>your </a:t>
+            </a:r>
+            <a:r>
+              <a:rPr lang="en-US" dirty="0" smtClean="0"/>
+              <a:t>compliance server's IP address in place of SERVER in this example.</a:t>
+            </a:r>
+          </a:p>
+          <a:p>
+            <a:endParaRPr lang="en-US" dirty="0" smtClean="0"/>
+          </a:p>
+          <a:p>
+            <a:r>
+              <a:rPr lang="en-US" dirty="0" smtClean="0"/>
+              <a:t>Note that</a:t>
+            </a:r>
+            <a:r>
+              <a:rPr lang="en-US" baseline="0" dirty="0" smtClean="0"/>
+              <a:t> the credentials used here are the credentials you created for your Compliance Server UI (admin/admin), not the node's.</a:t>
+            </a:r>
+          </a:p>
+          <a:p>
+            <a:endParaRPr lang="en-US" baseline="0" dirty="0" smtClean="0"/>
+          </a:p>
+          <a:p>
+            <a:pPr marL="0" marR="0" indent="0" algn="l" defTabSz="1217613" rtl="0" eaLnBrk="1" fontAlgn="base" latinLnBrk="0" hangingPunct="1">
+              <a:lnSpc>
+                <a:spcPct val="90000"/>
+              </a:lnSpc>
+              <a:spcBef>
+                <a:spcPct val="30000"/>
+              </a:spcBef>
+              <a:spcAft>
+                <a:spcPts val="450"/>
+              </a:spcAft>
+              <a:buClrTx/>
+              <a:buSzTx/>
+              <a:buFontTx/>
+              <a:buNone/>
+              <a:tabLst/>
+              <a:defRPr/>
+            </a:pPr>
+            <a:r>
+              <a:rPr lang="en-US" baseline="0" dirty="0" smtClean="0"/>
+              <a:t>Note: </a:t>
+            </a:r>
+            <a:r>
+              <a:rPr lang="en-US" dirty="0" smtClean="0"/>
+              <a:t>We are</a:t>
+            </a:r>
+            <a:r>
+              <a:rPr lang="en-US" baseline="0" dirty="0" smtClean="0"/>
+              <a:t> using the `--insecure option` in this lab because we have not set up </a:t>
+            </a:r>
+            <a:r>
+              <a:rPr lang="en-US" sz="1200" b="0" i="0" kern="1200" dirty="0" smtClean="0">
+                <a:solidFill>
+                  <a:schemeClr val="tx1"/>
+                </a:solidFill>
+                <a:effectLst/>
+                <a:latin typeface="Arial" panose="020B0604020202020204" pitchFamily="34" charset="0"/>
+                <a:ea typeface="ＭＳ Ｐゴシック" charset="0"/>
+                <a:cs typeface="Arial" panose="020B0604020202020204" pitchFamily="34" charset="0"/>
+              </a:rPr>
+              <a:t>valid https certificates. </a:t>
+            </a:r>
+            <a:endParaRPr lang="en-US" dirty="0"/>
+          </a:p>
+        </p:txBody>
+      </p:sp>
+      <p:sp>
+        <p:nvSpPr>
+          <p:cNvPr id="4" name="Slide Number Placeholder 3"/>
+          <p:cNvSpPr>
+            <a:spLocks noGrp="1"/>
+          </p:cNvSpPr>
+          <p:nvPr>
+            <p:ph type="sldNum" sz="quarter" idx="10"/>
+          </p:nvPr>
+        </p:nvSpPr>
+        <p:spPr/>
+        <p:txBody>
+          <a:bodyPr/>
+          <a:lstStyle/>
+          <a:p>
+            <a:pPr>
+              <a:defRPr/>
+            </a:pPr>
+            <a:fld id="{DC3734AA-3150-D947-AC52-2F5DF48BFCD5}" type="slidenum">
+              <a:rPr lang="en-US" smtClean="0"/>
+              <a:pPr>
+                <a:defRPr/>
+              </a:pPr>
+              <a:t>27</a:t>
+            </a:fld>
+            <a:endParaRPr lang="en-US" dirty="0"/>
+          </a:p>
+        </p:txBody>
+      </p:sp>
+      <p:sp>
+        <p:nvSpPr>
+          <p:cNvPr id="5" name="Header Placeholder 4"/>
+          <p:cNvSpPr>
+            <a:spLocks noGrp="1"/>
+          </p:cNvSpPr>
+          <p:nvPr>
+            <p:ph type="hdr" sz="quarter" idx="11"/>
+          </p:nvPr>
+        </p:nvSpPr>
+        <p:spPr/>
+        <p:txBody>
+          <a:bodyPr/>
+          <a:lstStyle/>
+          <a:p>
+            <a:pPr>
+              <a:defRPr/>
+            </a:pPr>
+            <a:endParaRPr lang="en-US"/>
+          </a:p>
+        </p:txBody>
+      </p:sp>
+      <p:sp>
+        <p:nvSpPr>
+          <p:cNvPr id="6" name="Footer Placeholder 5"/>
+          <p:cNvSpPr>
+            <a:spLocks noGrp="1"/>
+          </p:cNvSpPr>
+          <p:nvPr>
+            <p:ph type="ftr" sz="quarter" idx="12"/>
+          </p:nvPr>
+        </p:nvSpPr>
+        <p:spPr/>
+        <p:txBody>
+          <a:bodyPr/>
+          <a:lstStyle/>
+          <a:p>
+            <a:pPr>
+              <a:defRPr/>
+            </a:pPr>
+            <a:endParaRPr lang="en-US"/>
+          </a:p>
+        </p:txBody>
+      </p:sp>
+    </p:spTree>
+    <p:extLst>
+      <p:ext uri="{BB962C8B-B14F-4D97-AF65-F5344CB8AC3E}">
+        <p14:creationId xmlns:p14="http://schemas.microsoft.com/office/powerpoint/2010/main" val="3126842609"/>
+      </p:ext>
+    </p:extLst>
+  </p:cSld>
+  <p:clrMapOvr>
+    <a:masterClrMapping/>
+  </p:clrMapOvr>
+</p:notes>
+</file>
+
+<file path=ppt/notesSlides/notesSlide26.xml><?xml version="1.0" encoding="utf-8"?>
+<p:notes xmlns:a="http://schemas.openxmlformats.org/drawingml/2006/main" xmlns:r="http://schemas.openxmlformats.org/officeDocument/2006/relationships" xmlns:p="http://schemas.openxmlformats.org/presentationml/2006/main">
+  <p:cSld>
+    <p:spTree>
+      <p:nvGrpSpPr>
+        <p:cNvPr id="1" name=""/>
+        <p:cNvGrpSpPr/>
+        <p:nvPr/>
+      </p:nvGrpSpPr>
+      <p:grpSpPr>
+        <a:xfrm>
+          <a:off x="0" y="0"/>
+          <a:ext cx="0" cy="0"/>
+          <a:chOff x="0" y="0"/>
+          <a:chExt cx="0" cy="0"/>
+        </a:xfrm>
+      </p:grpSpPr>
+      <p:sp>
+        <p:nvSpPr>
+          <p:cNvPr id="2" name="Slide Image Placeholder 1"/>
+          <p:cNvSpPr>
+            <a:spLocks noGrp="1" noRot="1" noChangeAspect="1"/>
+          </p:cNvSpPr>
+          <p:nvPr>
+            <p:ph type="sldImg"/>
+          </p:nvPr>
+        </p:nvSpPr>
+        <p:spPr/>
+      </p:sp>
+      <p:sp>
+        <p:nvSpPr>
+          <p:cNvPr id="3" name="Notes Placeholder 2"/>
+          <p:cNvSpPr>
+            <a:spLocks noGrp="1"/>
+          </p:cNvSpPr>
+          <p:nvPr>
+            <p:ph type="body" idx="1"/>
+          </p:nvPr>
+        </p:nvSpPr>
+        <p:spPr/>
+        <p:txBody>
+          <a:bodyPr/>
+          <a:lstStyle/>
+          <a:p>
+            <a:r>
+              <a:rPr lang="en-US" dirty="0" smtClean="0"/>
+              <a:t>Notice</a:t>
+            </a:r>
+            <a:r>
+              <a:rPr lang="en-US" baseline="0" dirty="0" smtClean="0"/>
+              <a:t> that even though our VM is now logged into the Compliance server, commands such as `tree` are still executed against the VM we are on.</a:t>
+            </a:r>
+            <a:endParaRPr lang="en-US" dirty="0"/>
+          </a:p>
+        </p:txBody>
+      </p:sp>
+      <p:sp>
+        <p:nvSpPr>
+          <p:cNvPr id="4" name="Slide Number Placeholder 3"/>
+          <p:cNvSpPr>
+            <a:spLocks noGrp="1"/>
+          </p:cNvSpPr>
+          <p:nvPr>
+            <p:ph type="sldNum" sz="quarter" idx="10"/>
+          </p:nvPr>
+        </p:nvSpPr>
+        <p:spPr/>
+        <p:txBody>
+          <a:bodyPr/>
+          <a:lstStyle/>
+          <a:p>
+            <a:pPr>
+              <a:defRPr/>
+            </a:pPr>
+            <a:fld id="{DC3734AA-3150-D947-AC52-2F5DF48BFCD5}" type="slidenum">
+              <a:rPr lang="en-US" smtClean="0"/>
+              <a:pPr>
+                <a:defRPr/>
+              </a:pPr>
+              <a:t>28</a:t>
+            </a:fld>
+            <a:endParaRPr lang="en-US" dirty="0"/>
+          </a:p>
+        </p:txBody>
+      </p:sp>
+      <p:sp>
+        <p:nvSpPr>
+          <p:cNvPr id="5" name="Header Placeholder 4"/>
+          <p:cNvSpPr>
+            <a:spLocks noGrp="1"/>
+          </p:cNvSpPr>
+          <p:nvPr>
+            <p:ph type="hdr" sz="quarter" idx="11"/>
+          </p:nvPr>
+        </p:nvSpPr>
+        <p:spPr/>
+        <p:txBody>
+          <a:bodyPr/>
+          <a:lstStyle/>
+          <a:p>
+            <a:pPr>
+              <a:defRPr/>
+            </a:pPr>
+            <a:endParaRPr lang="en-US"/>
+          </a:p>
+        </p:txBody>
+      </p:sp>
+      <p:sp>
+        <p:nvSpPr>
+          <p:cNvPr id="6" name="Footer Placeholder 5"/>
+          <p:cNvSpPr>
+            <a:spLocks noGrp="1"/>
+          </p:cNvSpPr>
+          <p:nvPr>
+            <p:ph type="ftr" sz="quarter" idx="12"/>
+          </p:nvPr>
+        </p:nvSpPr>
+        <p:spPr/>
+        <p:txBody>
+          <a:bodyPr/>
+          <a:lstStyle/>
+          <a:p>
+            <a:pPr>
+              <a:defRPr/>
+            </a:pPr>
+            <a:endParaRPr lang="en-US"/>
+          </a:p>
+        </p:txBody>
+      </p:sp>
+    </p:spTree>
+    <p:extLst>
+      <p:ext uri="{BB962C8B-B14F-4D97-AF65-F5344CB8AC3E}">
+        <p14:creationId xmlns:p14="http://schemas.microsoft.com/office/powerpoint/2010/main" val="139253476"/>
+      </p:ext>
+    </p:extLst>
+  </p:cSld>
+  <p:clrMapOvr>
+    <a:masterClrMapping/>
+  </p:clrMapOvr>
+</p:notes>
+</file>
+
+<file path=ppt/notesSlides/notesSlide27.xml><?xml version="1.0" encoding="utf-8"?>
+<p:notes xmlns:a="http://schemas.openxmlformats.org/drawingml/2006/main" xmlns:r="http://schemas.openxmlformats.org/officeDocument/2006/relationships" xmlns:p="http://schemas.openxmlformats.org/presentationml/2006/main">
+  <p:cSld>
+    <p:spTree>
+      <p:nvGrpSpPr>
+        <p:cNvPr id="1" name=""/>
+        <p:cNvGrpSpPr/>
+        <p:nvPr/>
+      </p:nvGrpSpPr>
+      <p:grpSpPr>
+        <a:xfrm>
+          <a:off x="0" y="0"/>
+          <a:ext cx="0" cy="0"/>
+          <a:chOff x="0" y="0"/>
+          <a:chExt cx="0" cy="0"/>
+        </a:xfrm>
+      </p:grpSpPr>
+      <p:sp>
+        <p:nvSpPr>
+          <p:cNvPr id="2" name="Slide Image Placeholder 1"/>
+          <p:cNvSpPr>
+            <a:spLocks noGrp="1" noRot="1" noChangeAspect="1"/>
+          </p:cNvSpPr>
+          <p:nvPr>
+            <p:ph type="sldImg"/>
+          </p:nvPr>
+        </p:nvSpPr>
+        <p:spPr/>
+      </p:sp>
+      <p:sp>
+        <p:nvSpPr>
+          <p:cNvPr id="3" name="Notes Placeholder 2"/>
+          <p:cNvSpPr>
+            <a:spLocks noGrp="1"/>
+          </p:cNvSpPr>
+          <p:nvPr>
+            <p:ph type="body" idx="1"/>
+          </p:nvPr>
+        </p:nvSpPr>
+        <p:spPr/>
+        <p:txBody>
+          <a:bodyPr/>
+          <a:lstStyle/>
+          <a:p>
+            <a:pPr marL="0" marR="0" indent="0" algn="l" defTabSz="1217613" rtl="0" eaLnBrk="1" fontAlgn="base" latinLnBrk="0" hangingPunct="1">
+              <a:lnSpc>
+                <a:spcPct val="90000"/>
+              </a:lnSpc>
+              <a:spcBef>
+                <a:spcPct val="30000"/>
+              </a:spcBef>
+              <a:spcAft>
+                <a:spcPts val="450"/>
+              </a:spcAft>
+              <a:buClrTx/>
+              <a:buSzTx/>
+              <a:buFontTx/>
+              <a:buNone/>
+              <a:tabLst/>
+              <a:defRPr/>
+            </a:pPr>
+            <a:r>
+              <a:rPr lang="en-US" dirty="0" smtClean="0"/>
+              <a:t>Again, this </a:t>
+            </a:r>
+            <a:r>
+              <a:rPr lang="en-US" baseline="0" dirty="0" smtClean="0"/>
+              <a:t>`</a:t>
+            </a:r>
+            <a:r>
+              <a:rPr lang="en-US" dirty="0" err="1" smtClean="0"/>
+              <a:t>inspec</a:t>
+            </a:r>
+            <a:r>
+              <a:rPr lang="en-US" dirty="0" smtClean="0"/>
+              <a:t> compliance profiles</a:t>
+            </a:r>
+            <a:r>
+              <a:rPr lang="en-US" baseline="0" dirty="0" smtClean="0"/>
+              <a:t>` command is executed against the VM we are on.</a:t>
+            </a:r>
+            <a:endParaRPr lang="en-US" dirty="0" smtClean="0"/>
+          </a:p>
+          <a:p>
+            <a:endParaRPr lang="en-US" dirty="0"/>
+          </a:p>
+        </p:txBody>
+      </p:sp>
+      <p:sp>
+        <p:nvSpPr>
+          <p:cNvPr id="4" name="Slide Number Placeholder 3"/>
+          <p:cNvSpPr>
+            <a:spLocks noGrp="1"/>
+          </p:cNvSpPr>
+          <p:nvPr>
+            <p:ph type="sldNum" sz="quarter" idx="10"/>
+          </p:nvPr>
+        </p:nvSpPr>
+        <p:spPr/>
+        <p:txBody>
+          <a:bodyPr/>
+          <a:lstStyle/>
+          <a:p>
+            <a:pPr>
+              <a:defRPr/>
+            </a:pPr>
+            <a:fld id="{DC3734AA-3150-D947-AC52-2F5DF48BFCD5}" type="slidenum">
+              <a:rPr lang="en-US" smtClean="0"/>
+              <a:pPr>
+                <a:defRPr/>
+              </a:pPr>
+              <a:t>29</a:t>
+            </a:fld>
+            <a:endParaRPr lang="en-US" dirty="0"/>
+          </a:p>
+        </p:txBody>
+      </p:sp>
+      <p:sp>
+        <p:nvSpPr>
+          <p:cNvPr id="5" name="Header Placeholder 4"/>
+          <p:cNvSpPr>
+            <a:spLocks noGrp="1"/>
+          </p:cNvSpPr>
+          <p:nvPr>
+            <p:ph type="hdr" sz="quarter" idx="11"/>
+          </p:nvPr>
+        </p:nvSpPr>
+        <p:spPr/>
+        <p:txBody>
+          <a:bodyPr/>
+          <a:lstStyle/>
+          <a:p>
+            <a:pPr>
+              <a:defRPr/>
+            </a:pPr>
+            <a:endParaRPr lang="en-US"/>
+          </a:p>
+        </p:txBody>
+      </p:sp>
+      <p:sp>
+        <p:nvSpPr>
+          <p:cNvPr id="6" name="Footer Placeholder 5"/>
+          <p:cNvSpPr>
+            <a:spLocks noGrp="1"/>
+          </p:cNvSpPr>
+          <p:nvPr>
+            <p:ph type="ftr" sz="quarter" idx="12"/>
+          </p:nvPr>
+        </p:nvSpPr>
+        <p:spPr/>
+        <p:txBody>
+          <a:bodyPr/>
+          <a:lstStyle/>
+          <a:p>
+            <a:pPr>
+              <a:defRPr/>
+            </a:pPr>
+            <a:endParaRPr lang="en-US"/>
+          </a:p>
+        </p:txBody>
+      </p:sp>
+    </p:spTree>
+    <p:extLst>
+      <p:ext uri="{BB962C8B-B14F-4D97-AF65-F5344CB8AC3E}">
+        <p14:creationId xmlns:p14="http://schemas.microsoft.com/office/powerpoint/2010/main" val="2550624645"/>
+      </p:ext>
+    </p:extLst>
+  </p:cSld>
+  <p:clrMapOvr>
+    <a:masterClrMapping/>
+  </p:clrMapOvr>
+</p:notes>
+</file>
+
+<file path=ppt/notesSlides/notesSlide28.xml><?xml version="1.0" encoding="utf-8"?>
+<p:notes xmlns:a="http://schemas.openxmlformats.org/drawingml/2006/main" xmlns:r="http://schemas.openxmlformats.org/officeDocument/2006/relationships" xmlns:p="http://schemas.openxmlformats.org/presentationml/2006/main">
+  <p:cSld>
+    <p:spTree>
+      <p:nvGrpSpPr>
+        <p:cNvPr id="1" name=""/>
+        <p:cNvGrpSpPr/>
+        <p:nvPr/>
+      </p:nvGrpSpPr>
+      <p:grpSpPr>
+        <a:xfrm>
+          <a:off x="0" y="0"/>
+          <a:ext cx="0" cy="0"/>
+          <a:chOff x="0" y="0"/>
+          <a:chExt cx="0" cy="0"/>
+        </a:xfrm>
+      </p:grpSpPr>
+      <p:sp>
+        <p:nvSpPr>
+          <p:cNvPr id="2" name="Slide Image Placeholder 1"/>
+          <p:cNvSpPr>
+            <a:spLocks noGrp="1" noRot="1" noChangeAspect="1"/>
+          </p:cNvSpPr>
+          <p:nvPr>
+            <p:ph type="sldImg"/>
+          </p:nvPr>
+        </p:nvSpPr>
+        <p:spPr/>
+      </p:sp>
+      <p:sp>
+        <p:nvSpPr>
+          <p:cNvPr id="3" name="Notes Placeholder 2"/>
+          <p:cNvSpPr>
+            <a:spLocks noGrp="1"/>
+          </p:cNvSpPr>
+          <p:nvPr>
+            <p:ph type="body" idx="1"/>
+          </p:nvPr>
+        </p:nvSpPr>
+        <p:spPr/>
+        <p:txBody>
+          <a:bodyPr/>
+          <a:lstStyle/>
+          <a:p>
+            <a:pPr marL="0" marR="0" indent="0" algn="l" defTabSz="1217613" rtl="0" eaLnBrk="1" fontAlgn="base" latinLnBrk="0" hangingPunct="1">
+              <a:lnSpc>
+                <a:spcPct val="90000"/>
+              </a:lnSpc>
+              <a:spcBef>
+                <a:spcPct val="30000"/>
+              </a:spcBef>
+              <a:spcAft>
+                <a:spcPts val="450"/>
+              </a:spcAft>
+              <a:buClrTx/>
+              <a:buSzTx/>
+              <a:buFontTx/>
+              <a:buNone/>
+              <a:tabLst/>
+              <a:defRPr/>
+            </a:pPr>
+            <a:r>
+              <a:rPr lang="en-US" dirty="0" smtClean="0"/>
+              <a:t>This </a:t>
+            </a:r>
+            <a:r>
+              <a:rPr lang="en-US" baseline="0" dirty="0" smtClean="0"/>
+              <a:t>`</a:t>
+            </a:r>
+            <a:r>
+              <a:rPr lang="en-US" dirty="0" err="1" smtClean="0"/>
+              <a:t>inspec</a:t>
+            </a:r>
+            <a:r>
+              <a:rPr lang="en-US" dirty="0" smtClean="0"/>
+              <a:t> compliance upload secureprofile_01</a:t>
+            </a:r>
+            <a:r>
+              <a:rPr lang="en-US" baseline="0" dirty="0" smtClean="0"/>
+              <a:t>` command is now uploading our custom profile to the Compliance server.</a:t>
+            </a:r>
+            <a:endParaRPr lang="en-US" dirty="0" smtClean="0"/>
+          </a:p>
+        </p:txBody>
+      </p:sp>
+      <p:sp>
+        <p:nvSpPr>
+          <p:cNvPr id="4" name="Slide Number Placeholder 3"/>
+          <p:cNvSpPr>
+            <a:spLocks noGrp="1"/>
+          </p:cNvSpPr>
+          <p:nvPr>
+            <p:ph type="sldNum" sz="quarter" idx="10"/>
+          </p:nvPr>
+        </p:nvSpPr>
+        <p:spPr/>
+        <p:txBody>
+          <a:bodyPr/>
+          <a:lstStyle/>
+          <a:p>
+            <a:pPr>
+              <a:defRPr/>
+            </a:pPr>
+            <a:fld id="{DC3734AA-3150-D947-AC52-2F5DF48BFCD5}" type="slidenum">
+              <a:rPr lang="en-US" smtClean="0"/>
+              <a:pPr>
+                <a:defRPr/>
+              </a:pPr>
+              <a:t>30</a:t>
+            </a:fld>
+            <a:endParaRPr lang="en-US" dirty="0"/>
+          </a:p>
+        </p:txBody>
+      </p:sp>
+      <p:sp>
+        <p:nvSpPr>
+          <p:cNvPr id="5" name="Header Placeholder 4"/>
+          <p:cNvSpPr>
+            <a:spLocks noGrp="1"/>
+          </p:cNvSpPr>
+          <p:nvPr>
+            <p:ph type="hdr" sz="quarter" idx="11"/>
+          </p:nvPr>
+        </p:nvSpPr>
+        <p:spPr/>
+        <p:txBody>
+          <a:bodyPr/>
+          <a:lstStyle/>
+          <a:p>
+            <a:pPr>
+              <a:defRPr/>
+            </a:pPr>
+            <a:endParaRPr lang="en-US"/>
+          </a:p>
+        </p:txBody>
+      </p:sp>
+      <p:sp>
+        <p:nvSpPr>
+          <p:cNvPr id="6" name="Footer Placeholder 5"/>
+          <p:cNvSpPr>
+            <a:spLocks noGrp="1"/>
+          </p:cNvSpPr>
+          <p:nvPr>
+            <p:ph type="ftr" sz="quarter" idx="12"/>
+          </p:nvPr>
+        </p:nvSpPr>
+        <p:spPr/>
+        <p:txBody>
+          <a:bodyPr/>
+          <a:lstStyle/>
+          <a:p>
+            <a:pPr>
+              <a:defRPr/>
+            </a:pPr>
+            <a:endParaRPr lang="en-US"/>
+          </a:p>
+        </p:txBody>
+      </p:sp>
+    </p:spTree>
+    <p:extLst>
+      <p:ext uri="{BB962C8B-B14F-4D97-AF65-F5344CB8AC3E}">
+        <p14:creationId xmlns:p14="http://schemas.microsoft.com/office/powerpoint/2010/main" val="1361647903"/>
+      </p:ext>
+    </p:extLst>
+  </p:cSld>
+  <p:clrMapOvr>
+    <a:masterClrMapping/>
+  </p:clrMapOvr>
+</p:notes>
+</file>
+
+<file path=ppt/notesSlides/notesSlide29.xml><?xml version="1.0" encoding="utf-8"?>
+<p:notes xmlns:a="http://schemas.openxmlformats.org/drawingml/2006/main" xmlns:r="http://schemas.openxmlformats.org/officeDocument/2006/relationships" xmlns:p="http://schemas.openxmlformats.org/presentationml/2006/main">
+  <p:cSld>
+    <p:spTree>
+      <p:nvGrpSpPr>
+        <p:cNvPr id="1" name=""/>
+        <p:cNvGrpSpPr/>
+        <p:nvPr/>
+      </p:nvGrpSpPr>
+      <p:grpSpPr>
+        <a:xfrm>
+          <a:off x="0" y="0"/>
+          <a:ext cx="0" cy="0"/>
+          <a:chOff x="0" y="0"/>
+          <a:chExt cx="0" cy="0"/>
+        </a:xfrm>
+      </p:grpSpPr>
+      <p:sp>
+        <p:nvSpPr>
+          <p:cNvPr id="2" name="Slide Image Placeholder 1"/>
+          <p:cNvSpPr>
+            <a:spLocks noGrp="1" noRot="1" noChangeAspect="1"/>
+          </p:cNvSpPr>
+          <p:nvPr>
+            <p:ph type="sldImg"/>
+          </p:nvPr>
+        </p:nvSpPr>
+        <p:spPr/>
+      </p:sp>
+      <p:sp>
+        <p:nvSpPr>
+          <p:cNvPr id="3" name="Notes Placeholder 2"/>
+          <p:cNvSpPr>
+            <a:spLocks noGrp="1"/>
+          </p:cNvSpPr>
+          <p:nvPr>
+            <p:ph type="body" idx="1"/>
+          </p:nvPr>
+        </p:nvSpPr>
+        <p:spPr/>
+        <p:txBody>
+          <a:bodyPr/>
+          <a:lstStyle/>
+          <a:p>
+            <a:pPr marL="0" marR="0" indent="0" algn="l" defTabSz="1217613" rtl="0" eaLnBrk="1" fontAlgn="base" latinLnBrk="0" hangingPunct="1">
+              <a:lnSpc>
+                <a:spcPct val="90000"/>
+              </a:lnSpc>
+              <a:spcBef>
+                <a:spcPct val="30000"/>
+              </a:spcBef>
+              <a:spcAft>
+                <a:spcPts val="450"/>
+              </a:spcAft>
+              <a:buClrTx/>
+              <a:buSzTx/>
+              <a:buFontTx/>
+              <a:buNone/>
+              <a:tabLst/>
+              <a:defRPr/>
+            </a:pPr>
+            <a:r>
+              <a:rPr lang="en-US" dirty="0" smtClean="0"/>
+              <a:t>This `</a:t>
+            </a:r>
+            <a:r>
+              <a:rPr lang="en-US" dirty="0" err="1" smtClean="0"/>
+              <a:t>inspec</a:t>
+            </a:r>
+            <a:r>
+              <a:rPr lang="en-US" dirty="0" smtClean="0"/>
+              <a:t> compliance profiles`</a:t>
+            </a:r>
+            <a:r>
+              <a:rPr lang="en-US" baseline="0" dirty="0" smtClean="0"/>
+              <a:t> is now executing against our Compliance server, thus we are now looking at the Compliance profiles that reside on the Compliance server. Notice that your </a:t>
+            </a:r>
+            <a:r>
+              <a:rPr lang="en-US" dirty="0" smtClean="0"/>
+              <a:t>secureprofile_01 has been uploaded to the compliance server.</a:t>
+            </a:r>
+          </a:p>
+          <a:p>
+            <a:pPr marL="0" marR="0" indent="0" algn="l" defTabSz="1217613" rtl="0" eaLnBrk="1" fontAlgn="base" latinLnBrk="0" hangingPunct="1">
+              <a:lnSpc>
+                <a:spcPct val="90000"/>
+              </a:lnSpc>
+              <a:spcBef>
+                <a:spcPct val="30000"/>
+              </a:spcBef>
+              <a:spcAft>
+                <a:spcPts val="450"/>
+              </a:spcAft>
+              <a:buClrTx/>
+              <a:buSzTx/>
+              <a:buFontTx/>
+              <a:buNone/>
+              <a:tabLst/>
+              <a:defRPr/>
+            </a:pPr>
+            <a:endParaRPr lang="en-US" dirty="0" smtClean="0"/>
+          </a:p>
+        </p:txBody>
+      </p:sp>
+      <p:sp>
+        <p:nvSpPr>
+          <p:cNvPr id="4" name="Slide Number Placeholder 3"/>
+          <p:cNvSpPr>
+            <a:spLocks noGrp="1"/>
+          </p:cNvSpPr>
+          <p:nvPr>
+            <p:ph type="sldNum" sz="quarter" idx="10"/>
+          </p:nvPr>
+        </p:nvSpPr>
+        <p:spPr/>
+        <p:txBody>
+          <a:bodyPr/>
+          <a:lstStyle/>
+          <a:p>
+            <a:pPr>
+              <a:defRPr/>
+            </a:pPr>
+            <a:fld id="{DC3734AA-3150-D947-AC52-2F5DF48BFCD5}" type="slidenum">
+              <a:rPr lang="en-US" smtClean="0"/>
+              <a:pPr>
+                <a:defRPr/>
+              </a:pPr>
+              <a:t>31</a:t>
+            </a:fld>
+            <a:endParaRPr lang="en-US" dirty="0"/>
+          </a:p>
+        </p:txBody>
+      </p:sp>
+      <p:sp>
+        <p:nvSpPr>
+          <p:cNvPr id="5" name="Header Placeholder 4"/>
+          <p:cNvSpPr>
+            <a:spLocks noGrp="1"/>
+          </p:cNvSpPr>
+          <p:nvPr>
+            <p:ph type="hdr" sz="quarter" idx="11"/>
+          </p:nvPr>
+        </p:nvSpPr>
+        <p:spPr/>
+        <p:txBody>
+          <a:bodyPr/>
+          <a:lstStyle/>
+          <a:p>
+            <a:pPr>
+              <a:defRPr/>
+            </a:pPr>
+            <a:endParaRPr lang="en-US"/>
+          </a:p>
+        </p:txBody>
+      </p:sp>
+      <p:sp>
+        <p:nvSpPr>
+          <p:cNvPr id="6" name="Footer Placeholder 5"/>
+          <p:cNvSpPr>
+            <a:spLocks noGrp="1"/>
+          </p:cNvSpPr>
+          <p:nvPr>
+            <p:ph type="ftr" sz="quarter" idx="12"/>
+          </p:nvPr>
+        </p:nvSpPr>
+        <p:spPr/>
+        <p:txBody>
+          <a:bodyPr/>
+          <a:lstStyle/>
+          <a:p>
+            <a:pPr>
+              <a:defRPr/>
+            </a:pPr>
+            <a:endParaRPr lang="en-US"/>
+          </a:p>
+        </p:txBody>
+      </p:sp>
+    </p:spTree>
+    <p:extLst>
+      <p:ext uri="{BB962C8B-B14F-4D97-AF65-F5344CB8AC3E}">
+        <p14:creationId xmlns:p14="http://schemas.microsoft.com/office/powerpoint/2010/main" val="820847240"/>
       </p:ext>
     </p:extLst>
   </p:cSld>
@@ -4749,6 +5806,1023 @@
     <p:extLst>
       <p:ext uri="{BB962C8B-B14F-4D97-AF65-F5344CB8AC3E}">
         <p14:creationId xmlns:p14="http://schemas.microsoft.com/office/powerpoint/2010/main" val="156069988"/>
+      </p:ext>
+    </p:extLst>
+  </p:cSld>
+  <p:clrMapOvr>
+    <a:masterClrMapping/>
+  </p:clrMapOvr>
+</p:notes>
+</file>
+
+<file path=ppt/notesSlides/notesSlide30.xml><?xml version="1.0" encoding="utf-8"?>
+<p:notes xmlns:a="http://schemas.openxmlformats.org/drawingml/2006/main" xmlns:r="http://schemas.openxmlformats.org/officeDocument/2006/relationships" xmlns:p="http://schemas.openxmlformats.org/presentationml/2006/main">
+  <p:cSld>
+    <p:spTree>
+      <p:nvGrpSpPr>
+        <p:cNvPr id="1" name=""/>
+        <p:cNvGrpSpPr/>
+        <p:nvPr/>
+      </p:nvGrpSpPr>
+      <p:grpSpPr>
+        <a:xfrm>
+          <a:off x="0" y="0"/>
+          <a:ext cx="0" cy="0"/>
+          <a:chOff x="0" y="0"/>
+          <a:chExt cx="0" cy="0"/>
+        </a:xfrm>
+      </p:grpSpPr>
+      <p:sp>
+        <p:nvSpPr>
+          <p:cNvPr id="2" name="Slide Image Placeholder 1"/>
+          <p:cNvSpPr>
+            <a:spLocks noGrp="1" noRot="1" noChangeAspect="1"/>
+          </p:cNvSpPr>
+          <p:nvPr>
+            <p:ph type="sldImg"/>
+          </p:nvPr>
+        </p:nvSpPr>
+        <p:spPr/>
+      </p:sp>
+      <p:sp>
+        <p:nvSpPr>
+          <p:cNvPr id="3" name="Notes Placeholder 2"/>
+          <p:cNvSpPr>
+            <a:spLocks noGrp="1"/>
+          </p:cNvSpPr>
+          <p:nvPr>
+            <p:ph type="body" idx="1"/>
+          </p:nvPr>
+        </p:nvSpPr>
+        <p:spPr/>
+        <p:txBody>
+          <a:bodyPr/>
+          <a:lstStyle/>
+          <a:p>
+            <a:endParaRPr lang="en-US" dirty="0"/>
+          </a:p>
+        </p:txBody>
+      </p:sp>
+      <p:sp>
+        <p:nvSpPr>
+          <p:cNvPr id="4" name="Slide Number Placeholder 3"/>
+          <p:cNvSpPr>
+            <a:spLocks noGrp="1"/>
+          </p:cNvSpPr>
+          <p:nvPr>
+            <p:ph type="sldNum" sz="quarter" idx="10"/>
+          </p:nvPr>
+        </p:nvSpPr>
+        <p:spPr/>
+        <p:txBody>
+          <a:bodyPr/>
+          <a:lstStyle/>
+          <a:p>
+            <a:pPr>
+              <a:defRPr/>
+            </a:pPr>
+            <a:fld id="{DC3734AA-3150-D947-AC52-2F5DF48BFCD5}" type="slidenum">
+              <a:rPr lang="en-US" smtClean="0"/>
+              <a:pPr>
+                <a:defRPr/>
+              </a:pPr>
+              <a:t>32</a:t>
+            </a:fld>
+            <a:endParaRPr lang="en-US" dirty="0"/>
+          </a:p>
+        </p:txBody>
+      </p:sp>
+      <p:sp>
+        <p:nvSpPr>
+          <p:cNvPr id="5" name="Header Placeholder 4"/>
+          <p:cNvSpPr>
+            <a:spLocks noGrp="1"/>
+          </p:cNvSpPr>
+          <p:nvPr>
+            <p:ph type="hdr" sz="quarter" idx="11"/>
+          </p:nvPr>
+        </p:nvSpPr>
+        <p:spPr/>
+        <p:txBody>
+          <a:bodyPr/>
+          <a:lstStyle/>
+          <a:p>
+            <a:pPr>
+              <a:defRPr/>
+            </a:pPr>
+            <a:endParaRPr lang="en-US"/>
+          </a:p>
+        </p:txBody>
+      </p:sp>
+      <p:sp>
+        <p:nvSpPr>
+          <p:cNvPr id="6" name="Footer Placeholder 5"/>
+          <p:cNvSpPr>
+            <a:spLocks noGrp="1"/>
+          </p:cNvSpPr>
+          <p:nvPr>
+            <p:ph type="ftr" sz="quarter" idx="12"/>
+          </p:nvPr>
+        </p:nvSpPr>
+        <p:spPr/>
+        <p:txBody>
+          <a:bodyPr/>
+          <a:lstStyle/>
+          <a:p>
+            <a:pPr>
+              <a:defRPr/>
+            </a:pPr>
+            <a:endParaRPr lang="en-US"/>
+          </a:p>
+        </p:txBody>
+      </p:sp>
+    </p:spTree>
+    <p:extLst>
+      <p:ext uri="{BB962C8B-B14F-4D97-AF65-F5344CB8AC3E}">
+        <p14:creationId xmlns:p14="http://schemas.microsoft.com/office/powerpoint/2010/main" val="3195415876"/>
+      </p:ext>
+    </p:extLst>
+  </p:cSld>
+  <p:clrMapOvr>
+    <a:masterClrMapping/>
+  </p:clrMapOvr>
+</p:notes>
+</file>
+
+<file path=ppt/notesSlides/notesSlide31.xml><?xml version="1.0" encoding="utf-8"?>
+<p:notes xmlns:a="http://schemas.openxmlformats.org/drawingml/2006/main" xmlns:r="http://schemas.openxmlformats.org/officeDocument/2006/relationships" xmlns:p="http://schemas.openxmlformats.org/presentationml/2006/main">
+  <p:cSld>
+    <p:spTree>
+      <p:nvGrpSpPr>
+        <p:cNvPr id="1" name=""/>
+        <p:cNvGrpSpPr/>
+        <p:nvPr/>
+      </p:nvGrpSpPr>
+      <p:grpSpPr>
+        <a:xfrm>
+          <a:off x="0" y="0"/>
+          <a:ext cx="0" cy="0"/>
+          <a:chOff x="0" y="0"/>
+          <a:chExt cx="0" cy="0"/>
+        </a:xfrm>
+      </p:grpSpPr>
+      <p:sp>
+        <p:nvSpPr>
+          <p:cNvPr id="2" name="Slide Image Placeholder 1"/>
+          <p:cNvSpPr>
+            <a:spLocks noGrp="1" noRot="1" noChangeAspect="1"/>
+          </p:cNvSpPr>
+          <p:nvPr>
+            <p:ph type="sldImg"/>
+          </p:nvPr>
+        </p:nvSpPr>
+        <p:spPr/>
+      </p:sp>
+      <p:sp>
+        <p:nvSpPr>
+          <p:cNvPr id="3" name="Notes Placeholder 2"/>
+          <p:cNvSpPr>
+            <a:spLocks noGrp="1"/>
+          </p:cNvSpPr>
+          <p:nvPr>
+            <p:ph type="body" idx="1"/>
+          </p:nvPr>
+        </p:nvSpPr>
+        <p:spPr/>
+        <p:txBody>
+          <a:bodyPr/>
+          <a:lstStyle/>
+          <a:p>
+            <a:endParaRPr lang="en-US" dirty="0"/>
+          </a:p>
+        </p:txBody>
+      </p:sp>
+      <p:sp>
+        <p:nvSpPr>
+          <p:cNvPr id="4" name="Slide Number Placeholder 3"/>
+          <p:cNvSpPr>
+            <a:spLocks noGrp="1"/>
+          </p:cNvSpPr>
+          <p:nvPr>
+            <p:ph type="sldNum" sz="quarter" idx="10"/>
+          </p:nvPr>
+        </p:nvSpPr>
+        <p:spPr/>
+        <p:txBody>
+          <a:bodyPr/>
+          <a:lstStyle/>
+          <a:p>
+            <a:pPr>
+              <a:defRPr/>
+            </a:pPr>
+            <a:fld id="{DC3734AA-3150-D947-AC52-2F5DF48BFCD5}" type="slidenum">
+              <a:rPr lang="en-US" smtClean="0"/>
+              <a:pPr>
+                <a:defRPr/>
+              </a:pPr>
+              <a:t>33</a:t>
+            </a:fld>
+            <a:endParaRPr lang="en-US" dirty="0"/>
+          </a:p>
+        </p:txBody>
+      </p:sp>
+      <p:sp>
+        <p:nvSpPr>
+          <p:cNvPr id="5" name="Header Placeholder 4"/>
+          <p:cNvSpPr>
+            <a:spLocks noGrp="1"/>
+          </p:cNvSpPr>
+          <p:nvPr>
+            <p:ph type="hdr" sz="quarter" idx="11"/>
+          </p:nvPr>
+        </p:nvSpPr>
+        <p:spPr/>
+        <p:txBody>
+          <a:bodyPr/>
+          <a:lstStyle/>
+          <a:p>
+            <a:pPr>
+              <a:defRPr/>
+            </a:pPr>
+            <a:endParaRPr lang="en-US"/>
+          </a:p>
+        </p:txBody>
+      </p:sp>
+      <p:sp>
+        <p:nvSpPr>
+          <p:cNvPr id="6" name="Footer Placeholder 5"/>
+          <p:cNvSpPr>
+            <a:spLocks noGrp="1"/>
+          </p:cNvSpPr>
+          <p:nvPr>
+            <p:ph type="ftr" sz="quarter" idx="12"/>
+          </p:nvPr>
+        </p:nvSpPr>
+        <p:spPr/>
+        <p:txBody>
+          <a:bodyPr/>
+          <a:lstStyle/>
+          <a:p>
+            <a:pPr>
+              <a:defRPr/>
+            </a:pPr>
+            <a:endParaRPr lang="en-US"/>
+          </a:p>
+        </p:txBody>
+      </p:sp>
+    </p:spTree>
+    <p:extLst>
+      <p:ext uri="{BB962C8B-B14F-4D97-AF65-F5344CB8AC3E}">
+        <p14:creationId xmlns:p14="http://schemas.microsoft.com/office/powerpoint/2010/main" val="1950899682"/>
+      </p:ext>
+    </p:extLst>
+  </p:cSld>
+  <p:clrMapOvr>
+    <a:masterClrMapping/>
+  </p:clrMapOvr>
+</p:notes>
+</file>
+
+<file path=ppt/notesSlides/notesSlide32.xml><?xml version="1.0" encoding="utf-8"?>
+<p:notes xmlns:a="http://schemas.openxmlformats.org/drawingml/2006/main" xmlns:r="http://schemas.openxmlformats.org/officeDocument/2006/relationships" xmlns:p="http://schemas.openxmlformats.org/presentationml/2006/main">
+  <p:cSld>
+    <p:spTree>
+      <p:nvGrpSpPr>
+        <p:cNvPr id="1" name=""/>
+        <p:cNvGrpSpPr/>
+        <p:nvPr/>
+      </p:nvGrpSpPr>
+      <p:grpSpPr>
+        <a:xfrm>
+          <a:off x="0" y="0"/>
+          <a:ext cx="0" cy="0"/>
+          <a:chOff x="0" y="0"/>
+          <a:chExt cx="0" cy="0"/>
+        </a:xfrm>
+      </p:grpSpPr>
+      <p:sp>
+        <p:nvSpPr>
+          <p:cNvPr id="2" name="Slide Image Placeholder 1"/>
+          <p:cNvSpPr>
+            <a:spLocks noGrp="1" noRot="1" noChangeAspect="1"/>
+          </p:cNvSpPr>
+          <p:nvPr>
+            <p:ph type="sldImg"/>
+          </p:nvPr>
+        </p:nvSpPr>
+        <p:spPr/>
+      </p:sp>
+      <p:sp>
+        <p:nvSpPr>
+          <p:cNvPr id="3" name="Notes Placeholder 2"/>
+          <p:cNvSpPr>
+            <a:spLocks noGrp="1"/>
+          </p:cNvSpPr>
+          <p:nvPr>
+            <p:ph type="body" idx="1"/>
+          </p:nvPr>
+        </p:nvSpPr>
+        <p:spPr/>
+        <p:txBody>
+          <a:bodyPr/>
+          <a:lstStyle/>
+          <a:p>
+            <a:endParaRPr lang="en-US" dirty="0"/>
+          </a:p>
+        </p:txBody>
+      </p:sp>
+      <p:sp>
+        <p:nvSpPr>
+          <p:cNvPr id="4" name="Slide Number Placeholder 3"/>
+          <p:cNvSpPr>
+            <a:spLocks noGrp="1"/>
+          </p:cNvSpPr>
+          <p:nvPr>
+            <p:ph type="sldNum" sz="quarter" idx="10"/>
+          </p:nvPr>
+        </p:nvSpPr>
+        <p:spPr/>
+        <p:txBody>
+          <a:bodyPr/>
+          <a:lstStyle/>
+          <a:p>
+            <a:pPr>
+              <a:defRPr/>
+            </a:pPr>
+            <a:fld id="{DC3734AA-3150-D947-AC52-2F5DF48BFCD5}" type="slidenum">
+              <a:rPr lang="en-US" smtClean="0"/>
+              <a:pPr>
+                <a:defRPr/>
+              </a:pPr>
+              <a:t>34</a:t>
+            </a:fld>
+            <a:endParaRPr lang="en-US" dirty="0"/>
+          </a:p>
+        </p:txBody>
+      </p:sp>
+      <p:sp>
+        <p:nvSpPr>
+          <p:cNvPr id="5" name="Header Placeholder 4"/>
+          <p:cNvSpPr>
+            <a:spLocks noGrp="1"/>
+          </p:cNvSpPr>
+          <p:nvPr>
+            <p:ph type="hdr" sz="quarter" idx="11"/>
+          </p:nvPr>
+        </p:nvSpPr>
+        <p:spPr/>
+        <p:txBody>
+          <a:bodyPr/>
+          <a:lstStyle/>
+          <a:p>
+            <a:pPr>
+              <a:defRPr/>
+            </a:pPr>
+            <a:endParaRPr lang="en-US"/>
+          </a:p>
+        </p:txBody>
+      </p:sp>
+      <p:sp>
+        <p:nvSpPr>
+          <p:cNvPr id="6" name="Footer Placeholder 5"/>
+          <p:cNvSpPr>
+            <a:spLocks noGrp="1"/>
+          </p:cNvSpPr>
+          <p:nvPr>
+            <p:ph type="ftr" sz="quarter" idx="12"/>
+          </p:nvPr>
+        </p:nvSpPr>
+        <p:spPr/>
+        <p:txBody>
+          <a:bodyPr/>
+          <a:lstStyle/>
+          <a:p>
+            <a:pPr>
+              <a:defRPr/>
+            </a:pPr>
+            <a:endParaRPr lang="en-US"/>
+          </a:p>
+        </p:txBody>
+      </p:sp>
+    </p:spTree>
+    <p:extLst>
+      <p:ext uri="{BB962C8B-B14F-4D97-AF65-F5344CB8AC3E}">
+        <p14:creationId xmlns:p14="http://schemas.microsoft.com/office/powerpoint/2010/main" val="3361437301"/>
+      </p:ext>
+    </p:extLst>
+  </p:cSld>
+  <p:clrMapOvr>
+    <a:masterClrMapping/>
+  </p:clrMapOvr>
+</p:notes>
+</file>
+
+<file path=ppt/notesSlides/notesSlide33.xml><?xml version="1.0" encoding="utf-8"?>
+<p:notes xmlns:a="http://schemas.openxmlformats.org/drawingml/2006/main" xmlns:r="http://schemas.openxmlformats.org/officeDocument/2006/relationships" xmlns:p="http://schemas.openxmlformats.org/presentationml/2006/main">
+  <p:cSld>
+    <p:spTree>
+      <p:nvGrpSpPr>
+        <p:cNvPr id="1" name=""/>
+        <p:cNvGrpSpPr/>
+        <p:nvPr/>
+      </p:nvGrpSpPr>
+      <p:grpSpPr>
+        <a:xfrm>
+          <a:off x="0" y="0"/>
+          <a:ext cx="0" cy="0"/>
+          <a:chOff x="0" y="0"/>
+          <a:chExt cx="0" cy="0"/>
+        </a:xfrm>
+      </p:grpSpPr>
+      <p:sp>
+        <p:nvSpPr>
+          <p:cNvPr id="2" name="Slide Image Placeholder 1"/>
+          <p:cNvSpPr>
+            <a:spLocks noGrp="1" noRot="1" noChangeAspect="1"/>
+          </p:cNvSpPr>
+          <p:nvPr>
+            <p:ph type="sldImg"/>
+          </p:nvPr>
+        </p:nvSpPr>
+        <p:spPr/>
+      </p:sp>
+      <p:sp>
+        <p:nvSpPr>
+          <p:cNvPr id="3" name="Notes Placeholder 2"/>
+          <p:cNvSpPr>
+            <a:spLocks noGrp="1"/>
+          </p:cNvSpPr>
+          <p:nvPr>
+            <p:ph type="body" idx="1"/>
+          </p:nvPr>
+        </p:nvSpPr>
+        <p:spPr/>
+        <p:txBody>
+          <a:bodyPr/>
+          <a:lstStyle/>
+          <a:p>
+            <a:endParaRPr lang="en-US" dirty="0"/>
+          </a:p>
+        </p:txBody>
+      </p:sp>
+      <p:sp>
+        <p:nvSpPr>
+          <p:cNvPr id="4" name="Slide Number Placeholder 3"/>
+          <p:cNvSpPr>
+            <a:spLocks noGrp="1"/>
+          </p:cNvSpPr>
+          <p:nvPr>
+            <p:ph type="sldNum" sz="quarter" idx="10"/>
+          </p:nvPr>
+        </p:nvSpPr>
+        <p:spPr/>
+        <p:txBody>
+          <a:bodyPr/>
+          <a:lstStyle/>
+          <a:p>
+            <a:pPr>
+              <a:defRPr/>
+            </a:pPr>
+            <a:fld id="{DC3734AA-3150-D947-AC52-2F5DF48BFCD5}" type="slidenum">
+              <a:rPr lang="en-US" smtClean="0"/>
+              <a:pPr>
+                <a:defRPr/>
+              </a:pPr>
+              <a:t>35</a:t>
+            </a:fld>
+            <a:endParaRPr lang="en-US" dirty="0"/>
+          </a:p>
+        </p:txBody>
+      </p:sp>
+      <p:sp>
+        <p:nvSpPr>
+          <p:cNvPr id="5" name="Header Placeholder 4"/>
+          <p:cNvSpPr>
+            <a:spLocks noGrp="1"/>
+          </p:cNvSpPr>
+          <p:nvPr>
+            <p:ph type="hdr" sz="quarter" idx="11"/>
+          </p:nvPr>
+        </p:nvSpPr>
+        <p:spPr/>
+        <p:txBody>
+          <a:bodyPr/>
+          <a:lstStyle/>
+          <a:p>
+            <a:pPr>
+              <a:defRPr/>
+            </a:pPr>
+            <a:endParaRPr lang="en-US"/>
+          </a:p>
+        </p:txBody>
+      </p:sp>
+      <p:sp>
+        <p:nvSpPr>
+          <p:cNvPr id="6" name="Footer Placeholder 5"/>
+          <p:cNvSpPr>
+            <a:spLocks noGrp="1"/>
+          </p:cNvSpPr>
+          <p:nvPr>
+            <p:ph type="ftr" sz="quarter" idx="12"/>
+          </p:nvPr>
+        </p:nvSpPr>
+        <p:spPr/>
+        <p:txBody>
+          <a:bodyPr/>
+          <a:lstStyle/>
+          <a:p>
+            <a:pPr>
+              <a:defRPr/>
+            </a:pPr>
+            <a:endParaRPr lang="en-US"/>
+          </a:p>
+        </p:txBody>
+      </p:sp>
+    </p:spTree>
+    <p:extLst>
+      <p:ext uri="{BB962C8B-B14F-4D97-AF65-F5344CB8AC3E}">
+        <p14:creationId xmlns:p14="http://schemas.microsoft.com/office/powerpoint/2010/main" val="3738993137"/>
+      </p:ext>
+    </p:extLst>
+  </p:cSld>
+  <p:clrMapOvr>
+    <a:masterClrMapping/>
+  </p:clrMapOvr>
+</p:notes>
+</file>
+
+<file path=ppt/notesSlides/notesSlide34.xml><?xml version="1.0" encoding="utf-8"?>
+<p:notes xmlns:a="http://schemas.openxmlformats.org/drawingml/2006/main" xmlns:r="http://schemas.openxmlformats.org/officeDocument/2006/relationships" xmlns:p="http://schemas.openxmlformats.org/presentationml/2006/main">
+  <p:cSld>
+    <p:spTree>
+      <p:nvGrpSpPr>
+        <p:cNvPr id="1" name=""/>
+        <p:cNvGrpSpPr/>
+        <p:nvPr/>
+      </p:nvGrpSpPr>
+      <p:grpSpPr>
+        <a:xfrm>
+          <a:off x="0" y="0"/>
+          <a:ext cx="0" cy="0"/>
+          <a:chOff x="0" y="0"/>
+          <a:chExt cx="0" cy="0"/>
+        </a:xfrm>
+      </p:grpSpPr>
+      <p:sp>
+        <p:nvSpPr>
+          <p:cNvPr id="2" name="Slide Image Placeholder 1"/>
+          <p:cNvSpPr>
+            <a:spLocks noGrp="1" noRot="1" noChangeAspect="1"/>
+          </p:cNvSpPr>
+          <p:nvPr>
+            <p:ph type="sldImg"/>
+          </p:nvPr>
+        </p:nvSpPr>
+        <p:spPr/>
+      </p:sp>
+      <p:sp>
+        <p:nvSpPr>
+          <p:cNvPr id="3" name="Notes Placeholder 2"/>
+          <p:cNvSpPr>
+            <a:spLocks noGrp="1"/>
+          </p:cNvSpPr>
+          <p:nvPr>
+            <p:ph type="body" idx="1"/>
+          </p:nvPr>
+        </p:nvSpPr>
+        <p:spPr/>
+        <p:txBody>
+          <a:bodyPr/>
+          <a:lstStyle/>
+          <a:p>
+            <a:endParaRPr lang="en-US" dirty="0"/>
+          </a:p>
+        </p:txBody>
+      </p:sp>
+      <p:sp>
+        <p:nvSpPr>
+          <p:cNvPr id="4" name="Slide Number Placeholder 3"/>
+          <p:cNvSpPr>
+            <a:spLocks noGrp="1"/>
+          </p:cNvSpPr>
+          <p:nvPr>
+            <p:ph type="sldNum" sz="quarter" idx="10"/>
+          </p:nvPr>
+        </p:nvSpPr>
+        <p:spPr/>
+        <p:txBody>
+          <a:bodyPr/>
+          <a:lstStyle/>
+          <a:p>
+            <a:pPr>
+              <a:defRPr/>
+            </a:pPr>
+            <a:fld id="{DC3734AA-3150-D947-AC52-2F5DF48BFCD5}" type="slidenum">
+              <a:rPr lang="en-US" smtClean="0"/>
+              <a:pPr>
+                <a:defRPr/>
+              </a:pPr>
+              <a:t>36</a:t>
+            </a:fld>
+            <a:endParaRPr lang="en-US" dirty="0"/>
+          </a:p>
+        </p:txBody>
+      </p:sp>
+      <p:sp>
+        <p:nvSpPr>
+          <p:cNvPr id="5" name="Header Placeholder 4"/>
+          <p:cNvSpPr>
+            <a:spLocks noGrp="1"/>
+          </p:cNvSpPr>
+          <p:nvPr>
+            <p:ph type="hdr" sz="quarter" idx="11"/>
+          </p:nvPr>
+        </p:nvSpPr>
+        <p:spPr/>
+        <p:txBody>
+          <a:bodyPr/>
+          <a:lstStyle/>
+          <a:p>
+            <a:pPr>
+              <a:defRPr/>
+            </a:pPr>
+            <a:endParaRPr lang="en-US"/>
+          </a:p>
+        </p:txBody>
+      </p:sp>
+      <p:sp>
+        <p:nvSpPr>
+          <p:cNvPr id="6" name="Footer Placeholder 5"/>
+          <p:cNvSpPr>
+            <a:spLocks noGrp="1"/>
+          </p:cNvSpPr>
+          <p:nvPr>
+            <p:ph type="ftr" sz="quarter" idx="12"/>
+          </p:nvPr>
+        </p:nvSpPr>
+        <p:spPr/>
+        <p:txBody>
+          <a:bodyPr/>
+          <a:lstStyle/>
+          <a:p>
+            <a:pPr>
+              <a:defRPr/>
+            </a:pPr>
+            <a:endParaRPr lang="en-US"/>
+          </a:p>
+        </p:txBody>
+      </p:sp>
+    </p:spTree>
+    <p:extLst>
+      <p:ext uri="{BB962C8B-B14F-4D97-AF65-F5344CB8AC3E}">
+        <p14:creationId xmlns:p14="http://schemas.microsoft.com/office/powerpoint/2010/main" val="2218971270"/>
+      </p:ext>
+    </p:extLst>
+  </p:cSld>
+  <p:clrMapOvr>
+    <a:masterClrMapping/>
+  </p:clrMapOvr>
+</p:notes>
+</file>
+
+<file path=ppt/notesSlides/notesSlide35.xml><?xml version="1.0" encoding="utf-8"?>
+<p:notes xmlns:a="http://schemas.openxmlformats.org/drawingml/2006/main" xmlns:r="http://schemas.openxmlformats.org/officeDocument/2006/relationships" xmlns:p="http://schemas.openxmlformats.org/presentationml/2006/main">
+  <p:cSld>
+    <p:spTree>
+      <p:nvGrpSpPr>
+        <p:cNvPr id="1" name=""/>
+        <p:cNvGrpSpPr/>
+        <p:nvPr/>
+      </p:nvGrpSpPr>
+      <p:grpSpPr>
+        <a:xfrm>
+          <a:off x="0" y="0"/>
+          <a:ext cx="0" cy="0"/>
+          <a:chOff x="0" y="0"/>
+          <a:chExt cx="0" cy="0"/>
+        </a:xfrm>
+      </p:grpSpPr>
+      <p:sp>
+        <p:nvSpPr>
+          <p:cNvPr id="2" name="Slide Image Placeholder 1"/>
+          <p:cNvSpPr>
+            <a:spLocks noGrp="1" noRot="1" noChangeAspect="1"/>
+          </p:cNvSpPr>
+          <p:nvPr>
+            <p:ph type="sldImg"/>
+          </p:nvPr>
+        </p:nvSpPr>
+        <p:spPr/>
+      </p:sp>
+      <p:sp>
+        <p:nvSpPr>
+          <p:cNvPr id="3" name="Notes Placeholder 2"/>
+          <p:cNvSpPr>
+            <a:spLocks noGrp="1"/>
+          </p:cNvSpPr>
+          <p:nvPr>
+            <p:ph type="body" idx="1"/>
+          </p:nvPr>
+        </p:nvSpPr>
+        <p:spPr/>
+        <p:txBody>
+          <a:bodyPr/>
+          <a:lstStyle/>
+          <a:p>
+            <a:r>
+              <a:rPr lang="en-US" dirty="0" smtClean="0"/>
+              <a:t>We</a:t>
+            </a:r>
+            <a:r>
+              <a:rPr lang="en-US" baseline="0" dirty="0" smtClean="0"/>
+              <a:t> have now completed this group lab. </a:t>
+            </a:r>
+            <a:endParaRPr lang="en-US" dirty="0" smtClean="0"/>
+          </a:p>
+          <a:p>
+            <a:endParaRPr lang="en-US" dirty="0" smtClean="0"/>
+          </a:p>
+        </p:txBody>
+      </p:sp>
+      <p:sp>
+        <p:nvSpPr>
+          <p:cNvPr id="4" name="Slide Number Placeholder 3"/>
+          <p:cNvSpPr>
+            <a:spLocks noGrp="1"/>
+          </p:cNvSpPr>
+          <p:nvPr>
+            <p:ph type="sldNum" sz="quarter" idx="10"/>
+          </p:nvPr>
+        </p:nvSpPr>
+        <p:spPr/>
+        <p:txBody>
+          <a:bodyPr/>
+          <a:lstStyle/>
+          <a:p>
+            <a:pPr>
+              <a:defRPr/>
+            </a:pPr>
+            <a:fld id="{DC3734AA-3150-D947-AC52-2F5DF48BFCD5}" type="slidenum">
+              <a:rPr lang="en-US" smtClean="0"/>
+              <a:pPr>
+                <a:defRPr/>
+              </a:pPr>
+              <a:t>37</a:t>
+            </a:fld>
+            <a:endParaRPr lang="en-US" dirty="0"/>
+          </a:p>
+        </p:txBody>
+      </p:sp>
+      <p:sp>
+        <p:nvSpPr>
+          <p:cNvPr id="5" name="Header Placeholder 4"/>
+          <p:cNvSpPr>
+            <a:spLocks noGrp="1"/>
+          </p:cNvSpPr>
+          <p:nvPr>
+            <p:ph type="hdr" sz="quarter" idx="11"/>
+          </p:nvPr>
+        </p:nvSpPr>
+        <p:spPr/>
+        <p:txBody>
+          <a:bodyPr/>
+          <a:lstStyle/>
+          <a:p>
+            <a:pPr>
+              <a:defRPr/>
+            </a:pPr>
+            <a:endParaRPr lang="en-US"/>
+          </a:p>
+        </p:txBody>
+      </p:sp>
+      <p:sp>
+        <p:nvSpPr>
+          <p:cNvPr id="6" name="Footer Placeholder 5"/>
+          <p:cNvSpPr>
+            <a:spLocks noGrp="1"/>
+          </p:cNvSpPr>
+          <p:nvPr>
+            <p:ph type="ftr" sz="quarter" idx="12"/>
+          </p:nvPr>
+        </p:nvSpPr>
+        <p:spPr/>
+        <p:txBody>
+          <a:bodyPr/>
+          <a:lstStyle/>
+          <a:p>
+            <a:pPr>
+              <a:defRPr/>
+            </a:pPr>
+            <a:endParaRPr lang="en-US"/>
+          </a:p>
+        </p:txBody>
+      </p:sp>
+    </p:spTree>
+    <p:extLst>
+      <p:ext uri="{BB962C8B-B14F-4D97-AF65-F5344CB8AC3E}">
+        <p14:creationId xmlns:p14="http://schemas.microsoft.com/office/powerpoint/2010/main" val="1700246186"/>
+      </p:ext>
+    </p:extLst>
+  </p:cSld>
+  <p:clrMapOvr>
+    <a:masterClrMapping/>
+  </p:clrMapOvr>
+</p:notes>
+</file>
+
+<file path=ppt/notesSlides/notesSlide36.xml><?xml version="1.0" encoding="utf-8"?>
+<p:notes xmlns:a="http://schemas.openxmlformats.org/drawingml/2006/main" xmlns:r="http://schemas.openxmlformats.org/officeDocument/2006/relationships" xmlns:p="http://schemas.openxmlformats.org/presentationml/2006/main">
+  <p:cSld>
+    <p:spTree>
+      <p:nvGrpSpPr>
+        <p:cNvPr id="1" name=""/>
+        <p:cNvGrpSpPr/>
+        <p:nvPr/>
+      </p:nvGrpSpPr>
+      <p:grpSpPr>
+        <a:xfrm>
+          <a:off x="0" y="0"/>
+          <a:ext cx="0" cy="0"/>
+          <a:chOff x="0" y="0"/>
+          <a:chExt cx="0" cy="0"/>
+        </a:xfrm>
+      </p:grpSpPr>
+      <p:sp>
+        <p:nvSpPr>
+          <p:cNvPr id="2" name="Slide Image Placeholder 1"/>
+          <p:cNvSpPr>
+            <a:spLocks noGrp="1" noRot="1" noChangeAspect="1"/>
+          </p:cNvSpPr>
+          <p:nvPr>
+            <p:ph type="sldImg"/>
+          </p:nvPr>
+        </p:nvSpPr>
+        <p:spPr/>
+      </p:sp>
+      <p:sp>
+        <p:nvSpPr>
+          <p:cNvPr id="3" name="Notes Placeholder 2"/>
+          <p:cNvSpPr>
+            <a:spLocks noGrp="1"/>
+          </p:cNvSpPr>
+          <p:nvPr>
+            <p:ph type="body" idx="1"/>
+          </p:nvPr>
+        </p:nvSpPr>
+        <p:spPr/>
+        <p:txBody>
+          <a:bodyPr/>
+          <a:lstStyle/>
+          <a:p>
+            <a:r>
+              <a:rPr lang="en-US" dirty="0" smtClean="0"/>
+              <a:t>Instructor Note Answers: </a:t>
+            </a:r>
+            <a:br>
+              <a:rPr lang="en-US" dirty="0" smtClean="0"/>
+            </a:br>
+            <a:r>
+              <a:rPr lang="en-US" dirty="0" smtClean="0"/>
+              <a:t>1. `</a:t>
+            </a:r>
+            <a:r>
+              <a:rPr lang="en-US" dirty="0" err="1" smtClean="0"/>
+              <a:t>inspec</a:t>
+            </a:r>
+            <a:r>
+              <a:rPr lang="en-US" dirty="0" smtClean="0"/>
+              <a:t> check` just verifies the code--it doesn't actually test a system. `</a:t>
+            </a:r>
+            <a:r>
+              <a:rPr lang="en-US" dirty="0" err="1" smtClean="0"/>
+              <a:t>inspec</a:t>
+            </a:r>
+            <a:r>
+              <a:rPr lang="en-US" dirty="0" smtClean="0"/>
+              <a:t> exec' will run the tests against a system.</a:t>
+            </a:r>
+          </a:p>
+          <a:p>
+            <a:r>
+              <a:rPr lang="en-US" dirty="0" smtClean="0"/>
+              <a:t>Additional questions will be added when we test this course</a:t>
+            </a:r>
+            <a:r>
+              <a:rPr lang="en-US" baseline="0" dirty="0" smtClean="0"/>
+              <a:t> on the Late February v1.0 Compliance software since </a:t>
+            </a:r>
+            <a:r>
+              <a:rPr lang="en-US" baseline="0" dirty="0" err="1" smtClean="0"/>
+              <a:t>inspec.yml</a:t>
+            </a:r>
+            <a:r>
+              <a:rPr lang="en-US" baseline="0" dirty="0" smtClean="0"/>
+              <a:t> will replace the </a:t>
+            </a:r>
+            <a:r>
+              <a:rPr lang="en-US" baseline="0" dirty="0" err="1" smtClean="0"/>
+              <a:t>inspec</a:t>
+            </a:r>
+            <a:r>
+              <a:rPr lang="en-US" baseline="0" dirty="0" smtClean="0"/>
+              <a:t> requirement of metadata.rb. Plus the new `generate profile` command will change the way we create profiles too</a:t>
+            </a:r>
+            <a:r>
+              <a:rPr lang="en-US" baseline="0" dirty="0" smtClean="0"/>
+              <a:t>.</a:t>
+            </a:r>
+          </a:p>
+          <a:p>
+            <a:r>
+              <a:rPr lang="en-US" baseline="0" dirty="0" smtClean="0"/>
+              <a:t>2. It creates the directories and baseline files that are required fro creating profiles.</a:t>
+            </a:r>
+          </a:p>
+          <a:p>
+            <a:endParaRPr lang="en-US" dirty="0" smtClean="0"/>
+          </a:p>
+          <a:p>
+            <a:endParaRPr lang="en-US" dirty="0"/>
+          </a:p>
+        </p:txBody>
+      </p:sp>
+      <p:sp>
+        <p:nvSpPr>
+          <p:cNvPr id="4" name="Slide Number Placeholder 3"/>
+          <p:cNvSpPr>
+            <a:spLocks noGrp="1"/>
+          </p:cNvSpPr>
+          <p:nvPr>
+            <p:ph type="sldNum" sz="quarter" idx="10"/>
+          </p:nvPr>
+        </p:nvSpPr>
+        <p:spPr/>
+        <p:txBody>
+          <a:bodyPr/>
+          <a:lstStyle/>
+          <a:p>
+            <a:pPr>
+              <a:defRPr/>
+            </a:pPr>
+            <a:fld id="{DC3734AA-3150-D947-AC52-2F5DF48BFCD5}" type="slidenum">
+              <a:rPr lang="en-US" smtClean="0"/>
+              <a:pPr>
+                <a:defRPr/>
+              </a:pPr>
+              <a:t>38</a:t>
+            </a:fld>
+            <a:endParaRPr lang="en-US" dirty="0"/>
+          </a:p>
+        </p:txBody>
+      </p:sp>
+      <p:sp>
+        <p:nvSpPr>
+          <p:cNvPr id="5" name="Header Placeholder 4"/>
+          <p:cNvSpPr>
+            <a:spLocks noGrp="1"/>
+          </p:cNvSpPr>
+          <p:nvPr>
+            <p:ph type="hdr" sz="quarter" idx="11"/>
+          </p:nvPr>
+        </p:nvSpPr>
+        <p:spPr/>
+        <p:txBody>
+          <a:bodyPr/>
+          <a:lstStyle/>
+          <a:p>
+            <a:pPr>
+              <a:defRPr/>
+            </a:pPr>
+            <a:endParaRPr lang="en-US"/>
+          </a:p>
+        </p:txBody>
+      </p:sp>
+      <p:sp>
+        <p:nvSpPr>
+          <p:cNvPr id="6" name="Footer Placeholder 5"/>
+          <p:cNvSpPr>
+            <a:spLocks noGrp="1"/>
+          </p:cNvSpPr>
+          <p:nvPr>
+            <p:ph type="ftr" sz="quarter" idx="12"/>
+          </p:nvPr>
+        </p:nvSpPr>
+        <p:spPr/>
+        <p:txBody>
+          <a:bodyPr/>
+          <a:lstStyle/>
+          <a:p>
+            <a:pPr>
+              <a:defRPr/>
+            </a:pPr>
+            <a:endParaRPr lang="en-US"/>
+          </a:p>
+        </p:txBody>
+      </p:sp>
+    </p:spTree>
+    <p:extLst>
+      <p:ext uri="{BB962C8B-B14F-4D97-AF65-F5344CB8AC3E}">
+        <p14:creationId xmlns:p14="http://schemas.microsoft.com/office/powerpoint/2010/main" val="1552662371"/>
       </p:ext>
     </p:extLst>
   </p:cSld>
@@ -5716,7 +7790,6 @@
               <a:rPr lang="en-US" baseline="0" dirty="0" smtClean="0"/>
               <a:t> requires. </a:t>
             </a:r>
-            <a:endParaRPr lang="en-US" baseline="0" dirty="0" smtClean="0"/>
           </a:p>
           <a:p>
             <a:pPr marL="0" marR="0" indent="0" algn="l" defTabSz="1217613" rtl="0" eaLnBrk="1" fontAlgn="base" latinLnBrk="0" hangingPunct="1">
@@ -6219,6 +8292,13 @@
   <p:transition spd="med">
     <p:fade/>
   </p:transition>
+  <p:timing>
+    <p:tnLst>
+      <p:par>
+        <p:cTn id="1" dur="indefinite" restart="never" nodeType="tmRoot"/>
+      </p:par>
+    </p:tnLst>
+  </p:timing>
 </p:sldLayout>
 </file>
 
@@ -6514,6 +8594,13 @@
   <p:transition spd="med">
     <p:fade/>
   </p:transition>
+  <p:timing>
+    <p:tnLst>
+      <p:par>
+        <p:cTn id="1" dur="indefinite" restart="never" nodeType="tmRoot"/>
+      </p:par>
+    </p:tnLst>
+  </p:timing>
 </p:sldLayout>
 </file>
 
@@ -6644,14 +8731,14 @@
           </a:ln>
           <a:extLst>
             <a:ext uri="{909E8E84-426E-40dd-AFC4-6F175D3DCCD1}">
-              <a14:hiddenFill xmlns:a14="http://schemas.microsoft.com/office/drawing/2010/main" xmlns="">
+              <a14:hiddenFill xmlns="" xmlns:a14="http://schemas.microsoft.com/office/drawing/2010/main">
                 <a:solidFill>
                   <a:srgbClr val="FFFFFF"/>
                 </a:solidFill>
               </a14:hiddenFill>
             </a:ext>
             <a:ext uri="{91240B29-F687-4f45-9708-019B960494DF}">
-              <a14:hiddenLine xmlns:a14="http://schemas.microsoft.com/office/drawing/2010/main" xmlns="" w="9525">
+              <a14:hiddenLine xmlns="" xmlns:a14="http://schemas.microsoft.com/office/drawing/2010/main" w="9525">
                 <a:solidFill>
                   <a:srgbClr val="000000"/>
                 </a:solidFill>
@@ -6799,14 +8886,14 @@
           </a:ln>
           <a:extLst>
             <a:ext uri="{909E8E84-426E-40dd-AFC4-6F175D3DCCD1}">
-              <a14:hiddenFill xmlns:a14="http://schemas.microsoft.com/office/drawing/2010/main" xmlns="">
+              <a14:hiddenFill xmlns="" xmlns:a14="http://schemas.microsoft.com/office/drawing/2010/main">
                 <a:solidFill>
                   <a:srgbClr val="FFFFFF"/>
                 </a:solidFill>
               </a14:hiddenFill>
             </a:ext>
             <a:ext uri="{91240B29-F687-4f45-9708-019B960494DF}">
-              <a14:hiddenLine xmlns:a14="http://schemas.microsoft.com/office/drawing/2010/main" xmlns="" w="9525">
+              <a14:hiddenLine xmlns="" xmlns:a14="http://schemas.microsoft.com/office/drawing/2010/main" w="9525">
                 <a:solidFill>
                   <a:srgbClr val="000000"/>
                 </a:solidFill>
@@ -7207,6 +9294,13 @@
   <p:transition spd="med">
     <p:fade/>
   </p:transition>
+  <p:timing>
+    <p:tnLst>
+      <p:par>
+        <p:cTn id="1" dur="indefinite" restart="never" nodeType="tmRoot"/>
+      </p:par>
+    </p:tnLst>
+  </p:timing>
 </p:sldLayout>
 </file>
 
@@ -7297,14 +9391,14 @@
           </a:ln>
           <a:extLst>
             <a:ext uri="{909E8E84-426E-40dd-AFC4-6F175D3DCCD1}">
-              <a14:hiddenFill xmlns:a14="http://schemas.microsoft.com/office/drawing/2010/main" xmlns="">
+              <a14:hiddenFill xmlns="" xmlns:a14="http://schemas.microsoft.com/office/drawing/2010/main">
                 <a:solidFill>
                   <a:srgbClr val="FFFFFF"/>
                 </a:solidFill>
               </a14:hiddenFill>
             </a:ext>
             <a:ext uri="{91240B29-F687-4f45-9708-019B960494DF}">
-              <a14:hiddenLine xmlns:a14="http://schemas.microsoft.com/office/drawing/2010/main" xmlns="" w="9525">
+              <a14:hiddenLine xmlns="" xmlns:a14="http://schemas.microsoft.com/office/drawing/2010/main" w="9525">
                 <a:solidFill>
                   <a:srgbClr val="000000"/>
                 </a:solidFill>
@@ -7329,6 +9423,13 @@
   <p:transition spd="med">
     <p:fade/>
   </p:transition>
+  <p:timing>
+    <p:tnLst>
+      <p:par>
+        <p:cTn id="1" dur="indefinite" restart="never" nodeType="tmRoot"/>
+      </p:par>
+    </p:tnLst>
+  </p:timing>
 </p:sldLayout>
 </file>
 
@@ -7616,6 +9717,13 @@
   <p:transition spd="med">
     <p:fade/>
   </p:transition>
+  <p:timing>
+    <p:tnLst>
+      <p:par>
+        <p:cTn id="1" dur="indefinite" restart="never" nodeType="tmRoot"/>
+      </p:par>
+    </p:tnLst>
+  </p:timing>
 </p:sldLayout>
 </file>
 
@@ -7830,14 +9938,14 @@
           </a:ln>
           <a:extLst>
             <a:ext uri="{909E8E84-426E-40dd-AFC4-6F175D3DCCD1}">
-              <a14:hiddenFill xmlns:a14="http://schemas.microsoft.com/office/drawing/2010/main" xmlns="">
+              <a14:hiddenFill xmlns="" xmlns:a14="http://schemas.microsoft.com/office/drawing/2010/main">
                 <a:solidFill>
                   <a:srgbClr val="FFFFFF"/>
                 </a:solidFill>
               </a14:hiddenFill>
             </a:ext>
             <a:ext uri="{91240B29-F687-4f45-9708-019B960494DF}">
-              <a14:hiddenLine xmlns:a14="http://schemas.microsoft.com/office/drawing/2010/main" xmlns="" w="9525">
+              <a14:hiddenLine xmlns="" xmlns:a14="http://schemas.microsoft.com/office/drawing/2010/main" w="9525">
                 <a:solidFill>
                   <a:srgbClr val="000000"/>
                 </a:solidFill>
@@ -8037,6 +10145,13 @@
   <p:transition spd="med">
     <p:fade/>
   </p:transition>
+  <p:timing>
+    <p:tnLst>
+      <p:par>
+        <p:cTn id="1" dur="indefinite" restart="never" nodeType="tmRoot"/>
+      </p:par>
+    </p:tnLst>
+  </p:timing>
 </p:sldLayout>
 </file>
 
@@ -8324,6 +10439,13 @@
   <p:transition spd="med">
     <p:fade/>
   </p:transition>
+  <p:timing>
+    <p:tnLst>
+      <p:par>
+        <p:cTn id="1" dur="indefinite" restart="never" nodeType="tmRoot"/>
+      </p:par>
+    </p:tnLst>
+  </p:timing>
 </p:sldLayout>
 </file>
 
@@ -8611,6 +10733,13 @@
   <p:transition spd="med">
     <p:fade/>
   </p:transition>
+  <p:timing>
+    <p:tnLst>
+      <p:par>
+        <p:cTn id="1" dur="indefinite" restart="never" nodeType="tmRoot"/>
+      </p:par>
+    </p:tnLst>
+  </p:timing>
 </p:sldLayout>
 </file>
 
@@ -8960,6 +11089,13 @@
   <p:transition spd="med">
     <p:fade/>
   </p:transition>
+  <p:timing>
+    <p:tnLst>
+      <p:par>
+        <p:cTn id="1" dur="indefinite" restart="never" nodeType="tmRoot"/>
+      </p:par>
+    </p:tnLst>
+  </p:timing>
 </p:sldLayout>
 </file>
 
@@ -9247,6 +11383,13 @@
   <p:transition spd="med">
     <p:fade/>
   </p:transition>
+  <p:timing>
+    <p:tnLst>
+      <p:par>
+        <p:cTn id="1" dur="indefinite" restart="never" nodeType="tmRoot"/>
+      </p:par>
+    </p:tnLst>
+  </p:timing>
 </p:sldLayout>
 </file>
 
@@ -9461,14 +11604,14 @@
           </a:ln>
           <a:extLst>
             <a:ext uri="{909E8E84-426E-40dd-AFC4-6F175D3DCCD1}">
-              <a14:hiddenFill xmlns:a14="http://schemas.microsoft.com/office/drawing/2010/main" xmlns="">
+              <a14:hiddenFill xmlns="" xmlns:a14="http://schemas.microsoft.com/office/drawing/2010/main">
                 <a:solidFill>
                   <a:srgbClr val="FFFFFF"/>
                 </a:solidFill>
               </a14:hiddenFill>
             </a:ext>
             <a:ext uri="{91240B29-F687-4f45-9708-019B960494DF}">
-              <a14:hiddenLine xmlns:a14="http://schemas.microsoft.com/office/drawing/2010/main" xmlns="" w="9525">
+              <a14:hiddenLine xmlns="" xmlns:a14="http://schemas.microsoft.com/office/drawing/2010/main" w="9525">
                 <a:solidFill>
                   <a:srgbClr val="000000"/>
                 </a:solidFill>
@@ -9668,6 +11811,13 @@
   <p:transition spd="med">
     <p:fade/>
   </p:transition>
+  <p:timing>
+    <p:tnLst>
+      <p:par>
+        <p:cTn id="1" dur="indefinite" restart="never" nodeType="tmRoot"/>
+      </p:par>
+    </p:tnLst>
+  </p:timing>
 </p:sldLayout>
 </file>
 
@@ -9845,6 +11995,13 @@
   <p:transition spd="med">
     <p:fade/>
   </p:transition>
+  <p:timing>
+    <p:tnLst>
+      <p:par>
+        <p:cTn id="1" dur="indefinite" restart="never" nodeType="tmRoot"/>
+      </p:par>
+    </p:tnLst>
+  </p:timing>
 </p:sldLayout>
 </file>
 
@@ -10133,6 +12290,13 @@
   <p:transition spd="med">
     <p:fade/>
   </p:transition>
+  <p:timing>
+    <p:tnLst>
+      <p:par>
+        <p:cTn id="1" dur="indefinite" restart="never" nodeType="tmRoot"/>
+      </p:par>
+    </p:tnLst>
+  </p:timing>
 </p:sldLayout>
 </file>
 
@@ -10445,6 +12609,13 @@
   <p:transition spd="med">
     <p:fade/>
   </p:transition>
+  <p:timing>
+    <p:tnLst>
+      <p:par>
+        <p:cTn id="1" dur="indefinite" restart="never" nodeType="tmRoot"/>
+      </p:par>
+    </p:tnLst>
+  </p:timing>
 </p:sldLayout>
 </file>
 
@@ -10749,6 +12920,13 @@
   <p:transition spd="med">
     <p:fade/>
   </p:transition>
+  <p:timing>
+    <p:tnLst>
+      <p:par>
+        <p:cTn id="1" dur="indefinite" restart="never" nodeType="tmRoot"/>
+      </p:par>
+    </p:tnLst>
+  </p:timing>
 </p:sldLayout>
 </file>
 
@@ -10822,14 +13000,14 @@
           </a:ln>
           <a:extLst>
             <a:ext uri="{909E8E84-426E-40dd-AFC4-6F175D3DCCD1}">
-              <a14:hiddenFill xmlns:a14="http://schemas.microsoft.com/office/drawing/2010/main" xmlns="">
+              <a14:hiddenFill xmlns="" xmlns:a14="http://schemas.microsoft.com/office/drawing/2010/main">
                 <a:solidFill>
                   <a:srgbClr val="FFFFFF"/>
                 </a:solidFill>
               </a14:hiddenFill>
             </a:ext>
             <a:ext uri="{91240B29-F687-4f45-9708-019B960494DF}">
-              <a14:hiddenLine xmlns:a14="http://schemas.microsoft.com/office/drawing/2010/main" xmlns="" w="9525">
+              <a14:hiddenLine xmlns="" xmlns:a14="http://schemas.microsoft.com/office/drawing/2010/main" w="9525">
                 <a:solidFill>
                   <a:srgbClr val="000000"/>
                 </a:solidFill>
@@ -11269,6 +13447,13 @@
   <p:transition spd="med">
     <p:fade/>
   </p:transition>
+  <p:timing>
+    <p:tnLst>
+      <p:par>
+        <p:cTn id="1" dur="indefinite" restart="never" nodeType="tmRoot"/>
+      </p:par>
+    </p:tnLst>
+  </p:timing>
 </p:sldLayout>
 </file>
 
@@ -11342,14 +13527,14 @@
           </a:ln>
           <a:extLst>
             <a:ext uri="{909E8E84-426E-40dd-AFC4-6F175D3DCCD1}">
-              <a14:hiddenFill xmlns:a14="http://schemas.microsoft.com/office/drawing/2010/main" xmlns="">
+              <a14:hiddenFill xmlns="" xmlns:a14="http://schemas.microsoft.com/office/drawing/2010/main">
                 <a:solidFill>
                   <a:srgbClr val="FFFFFF"/>
                 </a:solidFill>
               </a14:hiddenFill>
             </a:ext>
             <a:ext uri="{91240B29-F687-4f45-9708-019B960494DF}">
-              <a14:hiddenLine xmlns:a14="http://schemas.microsoft.com/office/drawing/2010/main" xmlns="" w="9525">
+              <a14:hiddenLine xmlns="" xmlns:a14="http://schemas.microsoft.com/office/drawing/2010/main" w="9525">
                 <a:solidFill>
                   <a:srgbClr val="000000"/>
                 </a:solidFill>
@@ -11850,6 +14035,13 @@
   <p:transition spd="med">
     <p:fade/>
   </p:transition>
+  <p:timing>
+    <p:tnLst>
+      <p:par>
+        <p:cTn id="1" dur="indefinite" restart="never" nodeType="tmRoot"/>
+      </p:par>
+    </p:tnLst>
+  </p:timing>
 </p:sldLayout>
 </file>
 
@@ -11923,14 +14115,14 @@
           </a:ln>
           <a:extLst>
             <a:ext uri="{909E8E84-426E-40dd-AFC4-6F175D3DCCD1}">
-              <a14:hiddenFill xmlns:a14="http://schemas.microsoft.com/office/drawing/2010/main" xmlns="">
+              <a14:hiddenFill xmlns="" xmlns:a14="http://schemas.microsoft.com/office/drawing/2010/main">
                 <a:solidFill>
                   <a:srgbClr val="FFFFFF"/>
                 </a:solidFill>
               </a14:hiddenFill>
             </a:ext>
             <a:ext uri="{91240B29-F687-4f45-9708-019B960494DF}">
-              <a14:hiddenLine xmlns:a14="http://schemas.microsoft.com/office/drawing/2010/main" xmlns="" w="9525">
+              <a14:hiddenLine xmlns="" xmlns:a14="http://schemas.microsoft.com/office/drawing/2010/main" w="9525">
                 <a:solidFill>
                   <a:srgbClr val="000000"/>
                 </a:solidFill>
@@ -12201,6 +14393,13 @@
   <p:transition spd="med">
     <p:fade/>
   </p:transition>
+  <p:timing>
+    <p:tnLst>
+      <p:par>
+        <p:cTn id="1" dur="indefinite" restart="never" nodeType="tmRoot"/>
+      </p:par>
+    </p:tnLst>
+  </p:timing>
 </p:sldLayout>
 </file>
 
@@ -12429,6 +14628,13 @@
   <p:transition spd="med">
     <p:fade/>
   </p:transition>
+  <p:timing>
+    <p:tnLst>
+      <p:par>
+        <p:cTn id="1" dur="indefinite" restart="never" nodeType="tmRoot"/>
+      </p:par>
+    </p:tnLst>
+  </p:timing>
 </p:sldLayout>
 </file>
 
@@ -12717,6 +14923,13 @@
   <p:transition spd="med">
     <p:fade/>
   </p:transition>
+  <p:timing>
+    <p:tnLst>
+      <p:par>
+        <p:cTn id="1" dur="indefinite" restart="never" nodeType="tmRoot"/>
+      </p:par>
+    </p:tnLst>
+  </p:timing>
 </p:sldLayout>
 </file>
 
@@ -12870,14 +15083,14 @@
           </a:ln>
           <a:extLst>
             <a:ext uri="{909E8E84-426E-40dd-AFC4-6F175D3DCCD1}">
-              <a14:hiddenFill xmlns:a14="http://schemas.microsoft.com/office/drawing/2010/main" xmlns="">
+              <a14:hiddenFill xmlns="" xmlns:a14="http://schemas.microsoft.com/office/drawing/2010/main">
                 <a:solidFill>
                   <a:srgbClr val="FFFFFF"/>
                 </a:solidFill>
               </a14:hiddenFill>
             </a:ext>
             <a:ext uri="{91240B29-F687-4f45-9708-019B960494DF}">
-              <a14:hiddenLine xmlns:a14="http://schemas.microsoft.com/office/drawing/2010/main" xmlns="" w="9525">
+              <a14:hiddenLine xmlns="" xmlns:a14="http://schemas.microsoft.com/office/drawing/2010/main" w="9525">
                 <a:solidFill>
                   <a:srgbClr val="000000"/>
                 </a:solidFill>
@@ -13630,14 +15843,14 @@
           </a:ln>
           <a:extLst>
             <a:ext uri="{909E8E84-426E-40dd-AFC4-6F175D3DCCD1}">
-              <a14:hiddenFill xmlns:a14="http://schemas.microsoft.com/office/drawing/2010/main" xmlns="">
+              <a14:hiddenFill xmlns="" xmlns:a14="http://schemas.microsoft.com/office/drawing/2010/main">
                 <a:solidFill>
                   <a:srgbClr val="FFFFFF"/>
                 </a:solidFill>
               </a14:hiddenFill>
             </a:ext>
             <a:ext uri="{91240B29-F687-4f45-9708-019B960494DF}">
-              <a14:hiddenLine xmlns:a14="http://schemas.microsoft.com/office/drawing/2010/main" xmlns="" w="9525">
+              <a14:hiddenLine xmlns="" xmlns:a14="http://schemas.microsoft.com/office/drawing/2010/main" w="9525">
                 <a:solidFill>
                   <a:srgbClr val="000000"/>
                 </a:solidFill>
@@ -14647,11 +16860,7 @@
           <a:p>
             <a:r>
               <a:rPr lang="en-US" dirty="0" smtClean="0"/>
-              <a:t>$ </a:t>
-            </a:r>
-            <a:r>
-              <a:rPr lang="en-US" dirty="0" smtClean="0"/>
-              <a:t>tree secureprofile_01 </a:t>
+              <a:t>$ tree secureprofile_01 </a:t>
             </a:r>
             <a:endParaRPr lang="en-US" dirty="0"/>
           </a:p>
@@ -14676,11 +16885,7 @@
           <a:p>
             <a:r>
               <a:rPr lang="en-US" sz="4700" dirty="0" smtClean="0"/>
-              <a:t>GL: </a:t>
-            </a:r>
-            <a:r>
-              <a:rPr lang="en-US" sz="4700" dirty="0" smtClean="0"/>
-              <a:t>View the Compliance Profile Directories and Files</a:t>
+              <a:t>GL: View the Compliance Profile Directories and Files</a:t>
             </a:r>
             <a:endParaRPr lang="en-US" sz="4700" dirty="0"/>
           </a:p>
@@ -14982,11 +17187,7 @@
           <a:p>
             <a:r>
               <a:rPr lang="en-US" sz="4700" dirty="0" smtClean="0"/>
-              <a:t>GL: </a:t>
-            </a:r>
-            <a:r>
-              <a:rPr lang="en-US" sz="4700" dirty="0" smtClean="0"/>
-              <a:t>View the </a:t>
+              <a:t>GL: View the </a:t>
             </a:r>
             <a:r>
               <a:rPr lang="en-US" sz="4700" dirty="0" err="1" smtClean="0"/>
@@ -15569,11 +17770,7 @@
           <a:p>
             <a:r>
               <a:rPr lang="en-US" sz="4900" dirty="0" smtClean="0"/>
-              <a:t>GL: </a:t>
-            </a:r>
-            <a:r>
-              <a:rPr lang="en-US" sz="4900" dirty="0" smtClean="0"/>
-              <a:t>Create the `</a:t>
+              <a:t>GL: Create the `</a:t>
             </a:r>
             <a:r>
               <a:rPr lang="en-US" sz="4900" dirty="0" err="1" smtClean="0"/>
@@ -15658,37 +17855,52 @@
           <a:lstStyle/>
           <a:p>
             <a:r>
-              <a:rPr lang="en-US" smtClean="0"/>
+              <a:rPr lang="en-US" dirty="0" smtClean="0"/>
               <a:t>├── controls</a:t>
             </a:r>
           </a:p>
           <a:p>
             <a:r>
-              <a:rPr lang="en-US" smtClean="0"/>
-              <a:t>│   ├── example.rb</a:t>
-            </a:r>
-          </a:p>
-          <a:p>
-            <a:r>
-              <a:rPr lang="en-US" smtClean="0"/>
-              <a:t>│   └── tmp.rb</a:t>
-            </a:r>
-          </a:p>
-          <a:p>
-            <a:r>
-              <a:rPr lang="en-US" smtClean="0"/>
-              <a:t>├── inspec.yml</a:t>
-            </a:r>
-          </a:p>
-          <a:p>
-            <a:r>
-              <a:rPr lang="en-US" smtClean="0"/>
+              <a:rPr lang="en-US" dirty="0" smtClean="0"/>
+              <a:t>│   ├── </a:t>
+            </a:r>
+            <a:r>
+              <a:rPr lang="en-US" dirty="0" err="1" smtClean="0"/>
+              <a:t>example.rb</a:t>
+            </a:r>
+            <a:endParaRPr lang="en-US" dirty="0" smtClean="0"/>
+          </a:p>
+          <a:p>
+            <a:r>
+              <a:rPr lang="en-US" dirty="0" smtClean="0"/>
+              <a:t>│   └── </a:t>
+            </a:r>
+            <a:r>
+              <a:rPr lang="en-US" dirty="0" err="1" smtClean="0"/>
+              <a:t>tmp.rb</a:t>
+            </a:r>
+            <a:endParaRPr lang="en-US" dirty="0" smtClean="0"/>
+          </a:p>
+          <a:p>
+            <a:r>
+              <a:rPr lang="en-US" dirty="0" smtClean="0"/>
+              <a:t>├── </a:t>
+            </a:r>
+            <a:r>
+              <a:rPr lang="en-US" dirty="0" err="1" smtClean="0"/>
+              <a:t>inspec.yml</a:t>
+            </a:r>
+            <a:endParaRPr lang="en-US" dirty="0" smtClean="0"/>
+          </a:p>
+          <a:p>
+            <a:r>
+              <a:rPr lang="en-US" dirty="0" smtClean="0"/>
               <a:t>├── libraries</a:t>
             </a:r>
           </a:p>
           <a:p>
             <a:r>
-              <a:rPr lang="en-US" smtClean="0"/>
+              <a:rPr lang="en-US" dirty="0" smtClean="0"/>
               <a:t>└── README.md</a:t>
             </a:r>
           </a:p>
@@ -15714,11 +17926,7 @@
           <a:p>
             <a:r>
               <a:rPr lang="en-US" smtClean="0"/>
-              <a:t>$ </a:t>
-            </a:r>
-            <a:r>
-              <a:rPr lang="en-US" smtClean="0"/>
-              <a:t>tree secureprofile_01</a:t>
+              <a:t>$ tree secureprofile_01</a:t>
             </a:r>
             <a:endParaRPr lang="en-US" dirty="0"/>
           </a:p>
@@ -15743,11 +17951,7 @@
           <a:p>
             <a:r>
               <a:rPr lang="en-US" smtClean="0"/>
-              <a:t>GL: </a:t>
-            </a:r>
-            <a:r>
-              <a:rPr lang="en-US" smtClean="0"/>
-              <a:t>Confirm Creation of tmp.rb using `tree`</a:t>
+              <a:t>GL: Confirm Creation of tmp.rb using `tree`</a:t>
             </a:r>
             <a:br>
               <a:rPr lang="en-US" smtClean="0"/>
@@ -16795,7 +18999,6 @@
               <a:rPr lang="en-US" sz="2000" dirty="0"/>
               <a:t>--------</a:t>
             </a:r>
-            <a:endParaRPr lang="en-US" sz="2000" dirty="0"/>
           </a:p>
         </p:txBody>
       </p:sp>
@@ -17284,11 +19487,7 @@
           <a:p>
             <a:r>
               <a:rPr lang="en-US" dirty="0" smtClean="0"/>
-              <a:t>Creating </a:t>
-            </a:r>
-            <a:r>
-              <a:rPr lang="en-US" dirty="0" smtClean="0"/>
-              <a:t>a Custom Profile</a:t>
+              <a:t>Creating a Custom Profile</a:t>
             </a:r>
             <a:endParaRPr lang="en-US" dirty="0"/>
           </a:p>
@@ -18344,7 +20543,12 @@
             <p:ph type="ctrTitle"/>
           </p:nvPr>
         </p:nvSpPr>
-        <p:spPr/>
+        <p:spPr>
+          <a:xfrm>
+            <a:off x="1660524" y="2294618"/>
+            <a:ext cx="12330113" cy="1324881"/>
+          </a:xfrm>
+        </p:spPr>
         <p:txBody>
           <a:bodyPr>
             <a:normAutofit fontScale="90000"/>
@@ -18353,9 +20557,16 @@
           <a:p>
             <a:r>
               <a:rPr lang="en-US" dirty="0"/>
-              <a:t>Uploading the Custom Profile to the Compliance Server</a:t>
-            </a:r>
-            <a:endParaRPr lang="en-US" dirty="0"/>
+              <a:t>Uploading </a:t>
+            </a:r>
+            <a:r>
+              <a:rPr lang="en-US" dirty="0" smtClean="0"/>
+              <a:t>Custom Profiles to </a:t>
+            </a:r>
+            <a:r>
+              <a:rPr lang="en-US" dirty="0"/>
+              <a:t>Compliance Server</a:t>
+            </a:r>
           </a:p>
         </p:txBody>
       </p:sp>
@@ -18532,25 +20743,92 @@
           </a:lstStyle>
           <a:p>
             <a:r>
-              <a:rPr lang="en-US" dirty="0" smtClean="0">
-                <a:solidFill>
-                  <a:srgbClr val="FF0000"/>
-                </a:solidFill>
-              </a:rPr>
-              <a:t>TBD</a:t>
-            </a:r>
-            <a:r>
-              <a:rPr lang="en-US" dirty="0" smtClean="0"/>
-              <a:t> from here to end. Will finish this module on 2/29. This was rewritten due to new features in </a:t>
-            </a:r>
-            <a:r>
               <a:rPr lang="en-US" dirty="0" err="1" smtClean="0"/>
               <a:t>inspec</a:t>
             </a:r>
             <a:r>
+              <a:rPr lang="en-US" dirty="0" smtClean="0"/>
+              <a:t> </a:t>
+            </a:r>
+            <a:r>
               <a:rPr lang="en-US" dirty="0"/>
-              <a:t> v 0.14.2</a:t>
-            </a:r>
+              <a:t>v </a:t>
+            </a:r>
+            <a:r>
+              <a:rPr lang="en-US" dirty="0" smtClean="0"/>
+              <a:t>0.14.2 </a:t>
+            </a:r>
+            <a:r>
+              <a:rPr lang="en-US" dirty="0"/>
+              <a:t>and above </a:t>
+            </a:r>
+            <a:r>
+              <a:rPr lang="en-US" dirty="0" smtClean="0"/>
+              <a:t>uses the `</a:t>
+            </a:r>
+            <a:r>
+              <a:rPr lang="en-US" dirty="0" err="1" smtClean="0"/>
+              <a:t>inspec</a:t>
+            </a:r>
+            <a:r>
+              <a:rPr lang="en-US" dirty="0" smtClean="0"/>
+              <a:t> </a:t>
+            </a:r>
+            <a:r>
+              <a:rPr lang="en-US" dirty="0"/>
+              <a:t>compliance upload </a:t>
+            </a:r>
+            <a:r>
+              <a:rPr lang="en-US" dirty="0" smtClean="0"/>
+              <a:t>PATH` command to upload profiles from a workstation to the Compliance Server.</a:t>
+            </a:r>
+          </a:p>
+          <a:p>
+            <a:endParaRPr lang="en-US" dirty="0"/>
+          </a:p>
+          <a:p>
+            <a:r>
+              <a:rPr lang="en-US" dirty="0" smtClean="0"/>
+              <a:t>That command should be preceded by the `</a:t>
+            </a:r>
+            <a:r>
+              <a:rPr lang="fr-FR" dirty="0" err="1" smtClean="0"/>
+              <a:t>inspec</a:t>
+            </a:r>
+            <a:r>
+              <a:rPr lang="fr-FR" dirty="0" smtClean="0"/>
+              <a:t> </a:t>
+            </a:r>
+            <a:r>
+              <a:rPr lang="fr-FR" dirty="0"/>
+              <a:t>compliance login SERVER --</a:t>
+            </a:r>
+            <a:r>
+              <a:rPr lang="fr-FR" dirty="0" err="1"/>
+              <a:t>password</a:t>
+            </a:r>
+            <a:r>
+              <a:rPr lang="fr-FR" dirty="0"/>
+              <a:t>=PASSWORD --</a:t>
+            </a:r>
+            <a:r>
+              <a:rPr lang="fr-FR" dirty="0" smtClean="0"/>
+              <a:t>user=USER` in </a:t>
+            </a:r>
+            <a:r>
+              <a:rPr lang="fr-FR" dirty="0" err="1" smtClean="0"/>
+              <a:t>order</a:t>
+            </a:r>
+            <a:r>
+              <a:rPr lang="fr-FR" dirty="0" smtClean="0"/>
+              <a:t> to first log in to the Compliance Server.</a:t>
+            </a:r>
+            <a:endParaRPr lang="en-US" dirty="0" smtClean="0"/>
+          </a:p>
+          <a:p>
+            <a:endParaRPr lang="en-US" dirty="0"/>
+          </a:p>
+          <a:p>
             <a:endParaRPr lang="en-US" dirty="0" smtClean="0"/>
           </a:p>
           <a:p>
@@ -18674,7 +20952,7 @@
           <a:p>
             <a:r>
               <a:rPr lang="en-US" dirty="0" smtClean="0"/>
-              <a:t>Uploading it so it can be used in scans..</a:t>
+              <a:t>Uploading it so it can be used in scans.</a:t>
             </a:r>
             <a:endParaRPr lang="en-US" dirty="0"/>
           </a:p>
@@ -18701,15 +20979,25 @@
             </a:pPr>
             <a:r>
               <a:rPr lang="en-US" dirty="0" smtClean="0"/>
-              <a:t>Upload </a:t>
-            </a:r>
-            <a:r>
-              <a:rPr lang="en-US" dirty="0" err="1" smtClean="0"/>
-              <a:t>tbe</a:t>
+              <a:t>Upload your </a:t>
+            </a:r>
+            <a:r>
+              <a:rPr lang="en-US" dirty="0"/>
+              <a:t>c</a:t>
             </a:r>
             <a:r>
               <a:rPr lang="en-US" dirty="0" smtClean="0"/>
-              <a:t>	</a:t>
+              <a:t>ustom profile to the Compliance server.</a:t>
+            </a:r>
+          </a:p>
+          <a:p>
+            <a:pPr marL="342900" indent="-342900">
+              <a:buFont typeface="Wingdings" panose="05000000000000000000" pitchFamily="2" charset="2"/>
+              <a:buChar char="q"/>
+            </a:pPr>
+            <a:r>
+              <a:rPr lang="en-US" dirty="0" smtClean="0"/>
+              <a:t>Run a scan from your Compliance server using your custom profile.	</a:t>
             </a:r>
           </a:p>
           <a:p>
@@ -18752,6 +21040,1862 @@
 </file>
 
 <file path=ppt/slides/slide25.xml><?xml version="1.0" encoding="utf-8"?>
+<p:sld xmlns:a="http://schemas.openxmlformats.org/drawingml/2006/main" xmlns:r="http://schemas.openxmlformats.org/officeDocument/2006/relationships" xmlns:p="http://schemas.openxmlformats.org/presentationml/2006/main">
+  <p:cSld>
+    <p:spTree>
+      <p:nvGrpSpPr>
+        <p:cNvPr id="1" name=""/>
+        <p:cNvGrpSpPr/>
+        <p:nvPr/>
+      </p:nvGrpSpPr>
+      <p:grpSpPr>
+        <a:xfrm>
+          <a:off x="0" y="0"/>
+          <a:ext cx="0" cy="0"/>
+          <a:chOff x="0" y="0"/>
+          <a:chExt cx="0" cy="0"/>
+        </a:xfrm>
+      </p:grpSpPr>
+      <p:sp>
+        <p:nvSpPr>
+          <p:cNvPr id="2" name="Content Placeholder 1"/>
+          <p:cNvSpPr>
+            <a:spLocks noGrp="1"/>
+          </p:cNvSpPr>
+          <p:nvPr>
+            <p:ph sz="quarter" idx="10"/>
+          </p:nvPr>
+        </p:nvSpPr>
+        <p:spPr>
+          <a:xfrm>
+            <a:off x="1121104" y="2876549"/>
+            <a:ext cx="14423693" cy="5019893"/>
+          </a:xfrm>
+        </p:spPr>
+        <p:txBody>
+          <a:bodyPr/>
+          <a:lstStyle/>
+          <a:p>
+            <a:r>
+              <a:rPr lang="en-US" dirty="0" smtClean="0"/>
+              <a:t>secureprofile_01</a:t>
+            </a:r>
+            <a:endParaRPr lang="en-US" dirty="0"/>
+          </a:p>
+        </p:txBody>
+      </p:sp>
+      <p:sp>
+        <p:nvSpPr>
+          <p:cNvPr id="3" name="Text Placeholder 2"/>
+          <p:cNvSpPr>
+            <a:spLocks noGrp="1"/>
+          </p:cNvSpPr>
+          <p:nvPr>
+            <p:ph type="body" sz="quarter" idx="11"/>
+          </p:nvPr>
+        </p:nvSpPr>
+        <p:spPr>
+          <a:xfrm>
+            <a:off x="1121104" y="1337149"/>
+            <a:ext cx="14422528" cy="1120301"/>
+          </a:xfrm>
+        </p:spPr>
+        <p:txBody>
+          <a:bodyPr/>
+          <a:lstStyle/>
+          <a:p>
+            <a:r>
+              <a:rPr lang="en-US" dirty="0" smtClean="0"/>
+              <a:t>$ cd ~</a:t>
+            </a:r>
+          </a:p>
+          <a:p>
+            <a:r>
+              <a:rPr lang="en-US" dirty="0" smtClean="0"/>
+              <a:t>$ ls</a:t>
+            </a:r>
+            <a:endParaRPr lang="en-US" dirty="0"/>
+          </a:p>
+        </p:txBody>
+      </p:sp>
+      <p:sp>
+        <p:nvSpPr>
+          <p:cNvPr id="4" name="Title 3"/>
+          <p:cNvSpPr>
+            <a:spLocks noGrp="1"/>
+          </p:cNvSpPr>
+          <p:nvPr>
+            <p:ph type="title"/>
+          </p:nvPr>
+        </p:nvSpPr>
+        <p:spPr/>
+        <p:txBody>
+          <a:bodyPr>
+            <a:normAutofit/>
+          </a:bodyPr>
+          <a:lstStyle/>
+          <a:p>
+            <a:r>
+              <a:rPr lang="en-US" dirty="0" smtClean="0"/>
+              <a:t>GL: Ensure You Are in the Home Dir </a:t>
+            </a:r>
+            <a:endParaRPr lang="en-US" dirty="0"/>
+          </a:p>
+        </p:txBody>
+      </p:sp>
+    </p:spTree>
+    <p:extLst>
+      <p:ext uri="{BB962C8B-B14F-4D97-AF65-F5344CB8AC3E}">
+        <p14:creationId xmlns:p14="http://schemas.microsoft.com/office/powerpoint/2010/main" val="4238613016"/>
+      </p:ext>
+    </p:extLst>
+  </p:cSld>
+  <p:clrMapOvr>
+    <a:masterClrMapping/>
+  </p:clrMapOvr>
+  <p:transition spd="med">
+    <p:fade/>
+  </p:transition>
+  <p:timing>
+    <p:tnLst>
+      <p:par>
+        <p:cTn id="1" dur="indefinite" restart="never" nodeType="tmRoot"/>
+      </p:par>
+    </p:tnLst>
+  </p:timing>
+</p:sld>
+</file>
+
+<file path=ppt/slides/slide26.xml><?xml version="1.0" encoding="utf-8"?>
+<p:sld xmlns:a="http://schemas.openxmlformats.org/drawingml/2006/main" xmlns:r="http://schemas.openxmlformats.org/officeDocument/2006/relationships" xmlns:p="http://schemas.openxmlformats.org/presentationml/2006/main">
+  <p:cSld>
+    <p:spTree>
+      <p:nvGrpSpPr>
+        <p:cNvPr id="1" name=""/>
+        <p:cNvGrpSpPr/>
+        <p:nvPr/>
+      </p:nvGrpSpPr>
+      <p:grpSpPr>
+        <a:xfrm>
+          <a:off x="0" y="0"/>
+          <a:ext cx="0" cy="0"/>
+          <a:chOff x="0" y="0"/>
+          <a:chExt cx="0" cy="0"/>
+        </a:xfrm>
+      </p:grpSpPr>
+      <p:sp>
+        <p:nvSpPr>
+          <p:cNvPr id="2" name="Content Placeholder 1"/>
+          <p:cNvSpPr>
+            <a:spLocks noGrp="1"/>
+          </p:cNvSpPr>
+          <p:nvPr>
+            <p:ph sz="quarter" idx="10"/>
+          </p:nvPr>
+        </p:nvSpPr>
+        <p:spPr/>
+        <p:txBody>
+          <a:bodyPr/>
+          <a:lstStyle/>
+          <a:p>
+            <a:r>
+              <a:rPr lang="en-US" sz="2000" dirty="0" smtClean="0"/>
+              <a:t>Commands</a:t>
+            </a:r>
+            <a:r>
+              <a:rPr lang="en-US" sz="2000" dirty="0"/>
+              <a:t>:</a:t>
+            </a:r>
+          </a:p>
+          <a:p>
+            <a:r>
+              <a:rPr lang="en-US" sz="2000" dirty="0"/>
+              <a:t>  </a:t>
+            </a:r>
+            <a:r>
+              <a:rPr lang="en-US" sz="2000" dirty="0" err="1"/>
+              <a:t>inspec</a:t>
+            </a:r>
+            <a:r>
+              <a:rPr lang="en-US" sz="2000" dirty="0"/>
+              <a:t> compliance exec PROFILE                                  # executes ...</a:t>
+            </a:r>
+          </a:p>
+          <a:p>
+            <a:r>
+              <a:rPr lang="en-US" sz="2000" dirty="0"/>
+              <a:t>  </a:t>
+            </a:r>
+            <a:r>
+              <a:rPr lang="en-US" sz="2000" dirty="0" err="1"/>
+              <a:t>inspec</a:t>
+            </a:r>
+            <a:r>
+              <a:rPr lang="en-US" sz="2000" dirty="0"/>
+              <a:t> compliance help [COMMAND]                                # Describe ...</a:t>
+            </a:r>
+          </a:p>
+          <a:p>
+            <a:r>
+              <a:rPr lang="en-US" sz="2000" dirty="0"/>
+              <a:t>  </a:t>
+            </a:r>
+            <a:r>
+              <a:rPr lang="en-US" sz="2000" dirty="0" err="1"/>
+              <a:t>inspec</a:t>
+            </a:r>
+            <a:r>
+              <a:rPr lang="en-US" sz="2000" dirty="0"/>
+              <a:t> compliance login SERVER --password=PASSWORD --user=USER  # Log in to...</a:t>
+            </a:r>
+          </a:p>
+          <a:p>
+            <a:r>
+              <a:rPr lang="en-US" sz="2000" dirty="0"/>
+              <a:t>  </a:t>
+            </a:r>
+            <a:r>
+              <a:rPr lang="en-US" sz="2000" dirty="0" err="1"/>
+              <a:t>inspec</a:t>
+            </a:r>
+            <a:r>
+              <a:rPr lang="en-US" sz="2000" dirty="0"/>
+              <a:t> compliance logout                                        # user logo...</a:t>
+            </a:r>
+          </a:p>
+          <a:p>
+            <a:r>
+              <a:rPr lang="en-US" sz="2000" dirty="0"/>
+              <a:t>  </a:t>
+            </a:r>
+            <a:r>
+              <a:rPr lang="en-US" sz="2000" dirty="0" err="1"/>
+              <a:t>inspec</a:t>
+            </a:r>
+            <a:r>
+              <a:rPr lang="en-US" sz="2000" dirty="0"/>
+              <a:t> compliance profiles                                      # list all ...</a:t>
+            </a:r>
+          </a:p>
+          <a:p>
+            <a:r>
+              <a:rPr lang="en-US" sz="2000" dirty="0"/>
+              <a:t>  </a:t>
+            </a:r>
+            <a:r>
+              <a:rPr lang="en-US" sz="2000" dirty="0" err="1"/>
+              <a:t>inspec</a:t>
+            </a:r>
+            <a:r>
+              <a:rPr lang="en-US" sz="2000" dirty="0"/>
+              <a:t> compliance upload PATH                                   # uploads a...</a:t>
+            </a:r>
+          </a:p>
+          <a:p>
+            <a:r>
+              <a:rPr lang="en-US" sz="2000" dirty="0"/>
+              <a:t>  </a:t>
+            </a:r>
+            <a:r>
+              <a:rPr lang="en-US" sz="2000" dirty="0" err="1"/>
+              <a:t>inspec</a:t>
+            </a:r>
+            <a:r>
+              <a:rPr lang="en-US" sz="2000" dirty="0"/>
+              <a:t> compliance version                                       # displays ...</a:t>
+            </a:r>
+          </a:p>
+          <a:p>
+            <a:endParaRPr lang="en-US" sz="2000" dirty="0"/>
+          </a:p>
+        </p:txBody>
+      </p:sp>
+      <p:sp>
+        <p:nvSpPr>
+          <p:cNvPr id="3" name="Text Placeholder 2"/>
+          <p:cNvSpPr>
+            <a:spLocks noGrp="1"/>
+          </p:cNvSpPr>
+          <p:nvPr>
+            <p:ph type="body" sz="quarter" idx="11"/>
+          </p:nvPr>
+        </p:nvSpPr>
+        <p:spPr/>
+        <p:txBody>
+          <a:bodyPr/>
+          <a:lstStyle/>
+          <a:p>
+            <a:r>
+              <a:rPr lang="en-US" dirty="0" smtClean="0"/>
+              <a:t>$ </a:t>
+            </a:r>
+            <a:r>
+              <a:rPr lang="en-US" dirty="0" err="1"/>
+              <a:t>inspec</a:t>
+            </a:r>
+            <a:r>
+              <a:rPr lang="en-US" dirty="0"/>
+              <a:t> compliance </a:t>
+            </a:r>
+            <a:r>
+              <a:rPr lang="en-US" dirty="0" smtClean="0"/>
+              <a:t>help</a:t>
+            </a:r>
+            <a:endParaRPr lang="en-US" dirty="0"/>
+          </a:p>
+        </p:txBody>
+      </p:sp>
+      <p:sp>
+        <p:nvSpPr>
+          <p:cNvPr id="4" name="Title 3"/>
+          <p:cNvSpPr>
+            <a:spLocks noGrp="1"/>
+          </p:cNvSpPr>
+          <p:nvPr>
+            <p:ph type="title"/>
+          </p:nvPr>
+        </p:nvSpPr>
+        <p:spPr/>
+        <p:txBody>
+          <a:bodyPr>
+            <a:normAutofit fontScale="90000"/>
+          </a:bodyPr>
+          <a:lstStyle/>
+          <a:p>
+            <a:r>
+              <a:rPr lang="en-US" dirty="0" smtClean="0"/>
+              <a:t>GL: </a:t>
+            </a:r>
+            <a:r>
+              <a:rPr lang="en-US" dirty="0"/>
+              <a:t>Using '</a:t>
+            </a:r>
+            <a:r>
+              <a:rPr lang="en-US" dirty="0" err="1" smtClean="0"/>
+              <a:t>inspec</a:t>
+            </a:r>
+            <a:r>
+              <a:rPr lang="en-US" dirty="0" smtClean="0"/>
+              <a:t> compliance` Commands</a:t>
+            </a:r>
+            <a:endParaRPr lang="en-US" dirty="0"/>
+          </a:p>
+        </p:txBody>
+      </p:sp>
+    </p:spTree>
+    <p:extLst>
+      <p:ext uri="{BB962C8B-B14F-4D97-AF65-F5344CB8AC3E}">
+        <p14:creationId xmlns:p14="http://schemas.microsoft.com/office/powerpoint/2010/main" val="727714323"/>
+      </p:ext>
+    </p:extLst>
+  </p:cSld>
+  <p:clrMapOvr>
+    <a:masterClrMapping/>
+  </p:clrMapOvr>
+  <p:transition spd="med">
+    <p:fade/>
+  </p:transition>
+  <p:timing>
+    <p:tnLst>
+      <p:par>
+        <p:cTn id="1" dur="indefinite" restart="never" nodeType="tmRoot"/>
+      </p:par>
+    </p:tnLst>
+  </p:timing>
+</p:sld>
+</file>
+
+<file path=ppt/slides/slide27.xml><?xml version="1.0" encoding="utf-8"?>
+<p:sld xmlns:a="http://schemas.openxmlformats.org/drawingml/2006/main" xmlns:r="http://schemas.openxmlformats.org/officeDocument/2006/relationships" xmlns:p="http://schemas.openxmlformats.org/presentationml/2006/main">
+  <p:cSld>
+    <p:spTree>
+      <p:nvGrpSpPr>
+        <p:cNvPr id="1" name=""/>
+        <p:cNvGrpSpPr/>
+        <p:nvPr/>
+      </p:nvGrpSpPr>
+      <p:grpSpPr>
+        <a:xfrm>
+          <a:off x="0" y="0"/>
+          <a:ext cx="0" cy="0"/>
+          <a:chOff x="0" y="0"/>
+          <a:chExt cx="0" cy="0"/>
+        </a:xfrm>
+      </p:grpSpPr>
+      <p:sp>
+        <p:nvSpPr>
+          <p:cNvPr id="2" name="Content Placeholder 1"/>
+          <p:cNvSpPr>
+            <a:spLocks noGrp="1"/>
+          </p:cNvSpPr>
+          <p:nvPr>
+            <p:ph sz="quarter" idx="10"/>
+          </p:nvPr>
+        </p:nvSpPr>
+        <p:spPr>
+          <a:xfrm>
+            <a:off x="1121104" y="2876549"/>
+            <a:ext cx="14423693" cy="5019893"/>
+          </a:xfrm>
+        </p:spPr>
+        <p:txBody>
+          <a:bodyPr/>
+          <a:lstStyle/>
+          <a:p>
+            <a:r>
+              <a:rPr lang="en-US" dirty="0"/>
+              <a:t>Successfully authenticated</a:t>
+            </a:r>
+          </a:p>
+          <a:p>
+            <a:r>
+              <a:rPr lang="en-US" dirty="0"/>
+              <a:t>[chef@ip-172-31-0-65 ~]$</a:t>
+            </a:r>
+          </a:p>
+          <a:p>
+            <a:endParaRPr lang="en-US" dirty="0"/>
+          </a:p>
+        </p:txBody>
+      </p:sp>
+      <p:sp>
+        <p:nvSpPr>
+          <p:cNvPr id="3" name="Text Placeholder 2"/>
+          <p:cNvSpPr>
+            <a:spLocks noGrp="1"/>
+          </p:cNvSpPr>
+          <p:nvPr>
+            <p:ph type="body" sz="quarter" idx="11"/>
+          </p:nvPr>
+        </p:nvSpPr>
+        <p:spPr>
+          <a:xfrm>
+            <a:off x="1121104" y="1337149"/>
+            <a:ext cx="14422528" cy="1215551"/>
+          </a:xfrm>
+        </p:spPr>
+        <p:txBody>
+          <a:bodyPr/>
+          <a:lstStyle/>
+          <a:p>
+            <a:r>
+              <a:rPr lang="en-US" dirty="0"/>
+              <a:t>$ </a:t>
+            </a:r>
+            <a:r>
+              <a:rPr lang="en-US" dirty="0" err="1"/>
+              <a:t>inspec</a:t>
+            </a:r>
+            <a:r>
+              <a:rPr lang="en-US" dirty="0"/>
+              <a:t> compliance login https</a:t>
+            </a:r>
+            <a:r>
+              <a:rPr lang="en-US" dirty="0" smtClean="0"/>
+              <a:t>://SERVER/api </a:t>
+            </a:r>
+            <a:r>
+              <a:rPr lang="en-US" dirty="0"/>
+              <a:t>--user=admin --password=</a:t>
+            </a:r>
+            <a:r>
+              <a:rPr lang="en-US" dirty="0" smtClean="0"/>
+              <a:t>'admin'  </a:t>
+            </a:r>
+            <a:r>
+              <a:rPr lang="en-US" dirty="0"/>
+              <a:t>--insecure</a:t>
+            </a:r>
+            <a:endParaRPr lang="en-US" dirty="0"/>
+          </a:p>
+        </p:txBody>
+      </p:sp>
+      <p:sp>
+        <p:nvSpPr>
+          <p:cNvPr id="4" name="Title 3"/>
+          <p:cNvSpPr>
+            <a:spLocks noGrp="1"/>
+          </p:cNvSpPr>
+          <p:nvPr>
+            <p:ph type="title"/>
+          </p:nvPr>
+        </p:nvSpPr>
+        <p:spPr/>
+        <p:txBody>
+          <a:bodyPr>
+            <a:normAutofit fontScale="90000"/>
+          </a:bodyPr>
+          <a:lstStyle/>
+          <a:p>
+            <a:r>
+              <a:rPr lang="en-US" dirty="0" smtClean="0"/>
+              <a:t>GL: </a:t>
+            </a:r>
+            <a:r>
+              <a:rPr lang="en-US" dirty="0" smtClean="0"/>
+              <a:t>Logging in to your Compliance Server</a:t>
+            </a:r>
+            <a:endParaRPr lang="en-US" dirty="0"/>
+          </a:p>
+        </p:txBody>
+      </p:sp>
+    </p:spTree>
+    <p:extLst>
+      <p:ext uri="{BB962C8B-B14F-4D97-AF65-F5344CB8AC3E}">
+        <p14:creationId xmlns:p14="http://schemas.microsoft.com/office/powerpoint/2010/main" val="3214137790"/>
+      </p:ext>
+    </p:extLst>
+  </p:cSld>
+  <p:clrMapOvr>
+    <a:masterClrMapping/>
+  </p:clrMapOvr>
+  <p:transition spd="med">
+    <p:fade/>
+  </p:transition>
+  <p:timing>
+    <p:tnLst>
+      <p:par>
+        <p:cTn id="1" dur="indefinite" restart="never" nodeType="tmRoot"/>
+      </p:par>
+    </p:tnLst>
+  </p:timing>
+</p:sld>
+</file>
+
+<file path=ppt/slides/slide28.xml><?xml version="1.0" encoding="utf-8"?>
+<p:sld xmlns:a="http://schemas.openxmlformats.org/drawingml/2006/main" xmlns:r="http://schemas.openxmlformats.org/officeDocument/2006/relationships" xmlns:p="http://schemas.openxmlformats.org/presentationml/2006/main">
+  <p:cSld>
+    <p:spTree>
+      <p:nvGrpSpPr>
+        <p:cNvPr id="1" name=""/>
+        <p:cNvGrpSpPr/>
+        <p:nvPr/>
+      </p:nvGrpSpPr>
+      <p:grpSpPr>
+        <a:xfrm>
+          <a:off x="0" y="0"/>
+          <a:ext cx="0" cy="0"/>
+          <a:chOff x="0" y="0"/>
+          <a:chExt cx="0" cy="0"/>
+        </a:xfrm>
+      </p:grpSpPr>
+      <p:sp>
+        <p:nvSpPr>
+          <p:cNvPr id="2" name="Content Placeholder 1"/>
+          <p:cNvSpPr>
+            <a:spLocks noGrp="1"/>
+          </p:cNvSpPr>
+          <p:nvPr>
+            <p:ph sz="quarter" idx="10"/>
+          </p:nvPr>
+        </p:nvSpPr>
+        <p:spPr>
+          <a:xfrm>
+            <a:off x="1121104" y="2876549"/>
+            <a:ext cx="14423693" cy="5019893"/>
+          </a:xfrm>
+        </p:spPr>
+        <p:txBody>
+          <a:bodyPr/>
+          <a:lstStyle/>
+          <a:p>
+            <a:r>
+              <a:rPr lang="en-US" dirty="0" smtClean="0"/>
+              <a:t>secureprofile_01</a:t>
+            </a:r>
+            <a:endParaRPr lang="en-US" dirty="0"/>
+          </a:p>
+          <a:p>
+            <a:r>
+              <a:rPr lang="en-US" dirty="0"/>
+              <a:t>├── controls</a:t>
+            </a:r>
+          </a:p>
+          <a:p>
+            <a:r>
+              <a:rPr lang="en-US" dirty="0"/>
+              <a:t>│   ├── </a:t>
+            </a:r>
+            <a:r>
+              <a:rPr lang="en-US" dirty="0" err="1"/>
+              <a:t>example.rb</a:t>
+            </a:r>
+            <a:endParaRPr lang="en-US" dirty="0"/>
+          </a:p>
+          <a:p>
+            <a:r>
+              <a:rPr lang="en-US" dirty="0"/>
+              <a:t>│   └── </a:t>
+            </a:r>
+            <a:r>
+              <a:rPr lang="en-US" dirty="0" err="1"/>
+              <a:t>tmp.rb</a:t>
+            </a:r>
+            <a:endParaRPr lang="en-US" dirty="0"/>
+          </a:p>
+          <a:p>
+            <a:r>
+              <a:rPr lang="en-US" dirty="0"/>
+              <a:t>├── </a:t>
+            </a:r>
+            <a:r>
+              <a:rPr lang="en-US" dirty="0" err="1"/>
+              <a:t>inspec.yml</a:t>
+            </a:r>
+            <a:endParaRPr lang="en-US" dirty="0"/>
+          </a:p>
+          <a:p>
+            <a:r>
+              <a:rPr lang="en-US" dirty="0"/>
+              <a:t>├── libraries</a:t>
+            </a:r>
+          </a:p>
+          <a:p>
+            <a:r>
+              <a:rPr lang="en-US" dirty="0"/>
+              <a:t>└── README.md</a:t>
+            </a:r>
+          </a:p>
+          <a:p>
+            <a:endParaRPr lang="en-US" dirty="0"/>
+          </a:p>
+          <a:p>
+            <a:endParaRPr lang="en-US" dirty="0"/>
+          </a:p>
+        </p:txBody>
+      </p:sp>
+      <p:sp>
+        <p:nvSpPr>
+          <p:cNvPr id="3" name="Text Placeholder 2"/>
+          <p:cNvSpPr>
+            <a:spLocks noGrp="1"/>
+          </p:cNvSpPr>
+          <p:nvPr>
+            <p:ph type="body" sz="quarter" idx="11"/>
+          </p:nvPr>
+        </p:nvSpPr>
+        <p:spPr>
+          <a:xfrm>
+            <a:off x="1121104" y="1337149"/>
+            <a:ext cx="14422528" cy="1215551"/>
+          </a:xfrm>
+        </p:spPr>
+        <p:txBody>
+          <a:bodyPr/>
+          <a:lstStyle/>
+          <a:p>
+            <a:r>
+              <a:rPr lang="en-US" dirty="0"/>
+              <a:t>$ </a:t>
+            </a:r>
+            <a:r>
+              <a:rPr lang="en-US" dirty="0"/>
+              <a:t>tree secureprofile_01</a:t>
+            </a:r>
+            <a:endParaRPr lang="en-US" dirty="0"/>
+          </a:p>
+        </p:txBody>
+      </p:sp>
+      <p:sp>
+        <p:nvSpPr>
+          <p:cNvPr id="4" name="Title 3"/>
+          <p:cNvSpPr>
+            <a:spLocks noGrp="1"/>
+          </p:cNvSpPr>
+          <p:nvPr>
+            <p:ph type="title"/>
+          </p:nvPr>
+        </p:nvSpPr>
+        <p:spPr/>
+        <p:txBody>
+          <a:bodyPr>
+            <a:normAutofit/>
+          </a:bodyPr>
+          <a:lstStyle/>
+          <a:p>
+            <a:r>
+              <a:rPr lang="en-US" dirty="0" smtClean="0"/>
+              <a:t>GL: </a:t>
+            </a:r>
+            <a:r>
+              <a:rPr lang="en-US" dirty="0" smtClean="0"/>
+              <a:t>Viewing Your Custom Profile Tree</a:t>
+            </a:r>
+            <a:endParaRPr lang="en-US" dirty="0"/>
+          </a:p>
+        </p:txBody>
+      </p:sp>
+    </p:spTree>
+    <p:extLst>
+      <p:ext uri="{BB962C8B-B14F-4D97-AF65-F5344CB8AC3E}">
+        <p14:creationId xmlns:p14="http://schemas.microsoft.com/office/powerpoint/2010/main" val="2849372552"/>
+      </p:ext>
+    </p:extLst>
+  </p:cSld>
+  <p:clrMapOvr>
+    <a:masterClrMapping/>
+  </p:clrMapOvr>
+  <p:transition spd="med">
+    <p:fade/>
+  </p:transition>
+  <p:timing>
+    <p:tnLst>
+      <p:par>
+        <p:cTn id="1" dur="indefinite" restart="never" nodeType="tmRoot"/>
+      </p:par>
+    </p:tnLst>
+  </p:timing>
+</p:sld>
+</file>
+
+<file path=ppt/slides/slide29.xml><?xml version="1.0" encoding="utf-8"?>
+<p:sld xmlns:a="http://schemas.openxmlformats.org/drawingml/2006/main" xmlns:r="http://schemas.openxmlformats.org/officeDocument/2006/relationships" xmlns:p="http://schemas.openxmlformats.org/presentationml/2006/main">
+  <p:cSld>
+    <p:spTree>
+      <p:nvGrpSpPr>
+        <p:cNvPr id="1" name=""/>
+        <p:cNvGrpSpPr/>
+        <p:nvPr/>
+      </p:nvGrpSpPr>
+      <p:grpSpPr>
+        <a:xfrm>
+          <a:off x="0" y="0"/>
+          <a:ext cx="0" cy="0"/>
+          <a:chOff x="0" y="0"/>
+          <a:chExt cx="0" cy="0"/>
+        </a:xfrm>
+      </p:grpSpPr>
+      <p:sp>
+        <p:nvSpPr>
+          <p:cNvPr id="2" name="Content Placeholder 1"/>
+          <p:cNvSpPr>
+            <a:spLocks noGrp="1"/>
+          </p:cNvSpPr>
+          <p:nvPr>
+            <p:ph sz="quarter" idx="10"/>
+          </p:nvPr>
+        </p:nvSpPr>
+        <p:spPr>
+          <a:xfrm>
+            <a:off x="1121104" y="2876549"/>
+            <a:ext cx="14423693" cy="5019893"/>
+          </a:xfrm>
+        </p:spPr>
+        <p:txBody>
+          <a:bodyPr/>
+          <a:lstStyle/>
+          <a:p>
+            <a:r>
+              <a:rPr lang="en-US" sz="1800" dirty="0"/>
+              <a:t>Available profiles:</a:t>
+            </a:r>
+          </a:p>
+          <a:p>
+            <a:r>
+              <a:rPr lang="en-US" sz="1800" dirty="0"/>
+              <a:t>-------------------</a:t>
+            </a:r>
+          </a:p>
+          <a:p>
+            <a:r>
+              <a:rPr lang="en-US" sz="1800" dirty="0"/>
+              <a:t> * admin/profile</a:t>
+            </a:r>
+          </a:p>
+          <a:p>
+            <a:r>
+              <a:rPr lang="en-US" sz="1800" dirty="0"/>
+              <a:t> * admin/profile-cis-3.1</a:t>
+            </a:r>
+          </a:p>
+          <a:p>
+            <a:r>
+              <a:rPr lang="en-US" sz="1800" dirty="0"/>
+              <a:t> * admin/profile1</a:t>
+            </a:r>
+          </a:p>
+          <a:p>
+            <a:r>
+              <a:rPr lang="en-US" sz="1800" dirty="0"/>
+              <a:t> * base/apache</a:t>
+            </a:r>
+          </a:p>
+          <a:p>
+            <a:r>
+              <a:rPr lang="en-US" sz="1800" dirty="0"/>
+              <a:t> * base/</a:t>
+            </a:r>
+            <a:r>
+              <a:rPr lang="en-US" sz="1800" dirty="0" err="1"/>
+              <a:t>linux</a:t>
+            </a:r>
+            <a:endParaRPr lang="en-US" sz="1800" dirty="0"/>
+          </a:p>
+          <a:p>
+            <a:r>
+              <a:rPr lang="en-US" sz="1800" dirty="0"/>
+              <a:t> * base/</a:t>
+            </a:r>
+            <a:r>
+              <a:rPr lang="en-US" sz="1800" dirty="0" err="1"/>
+              <a:t>mysql</a:t>
+            </a:r>
+            <a:endParaRPr lang="en-US" sz="1800" dirty="0"/>
+          </a:p>
+          <a:p>
+            <a:r>
+              <a:rPr lang="en-US" sz="1800" dirty="0"/>
+              <a:t> * base/</a:t>
+            </a:r>
+            <a:r>
+              <a:rPr lang="en-US" sz="1800" dirty="0" err="1"/>
+              <a:t>postgres</a:t>
+            </a:r>
+            <a:endParaRPr lang="en-US" sz="1800" dirty="0"/>
+          </a:p>
+          <a:p>
+            <a:r>
+              <a:rPr lang="en-US" sz="1800" dirty="0"/>
+              <a:t> * base/ssh</a:t>
+            </a:r>
+          </a:p>
+          <a:p>
+            <a:r>
+              <a:rPr lang="en-US" sz="1800" dirty="0"/>
+              <a:t> * base/windows</a:t>
+            </a:r>
+          </a:p>
+          <a:p>
+            <a:r>
+              <a:rPr lang="en-US" sz="1800" dirty="0"/>
+              <a:t> * cis/cis-ubuntu-level1</a:t>
+            </a:r>
+          </a:p>
+          <a:p>
+            <a:r>
+              <a:rPr lang="en-US" sz="1800" dirty="0"/>
+              <a:t> * cis/cis-ubuntu-level2</a:t>
+            </a:r>
+          </a:p>
+          <a:p>
+            <a:endParaRPr lang="en-US" sz="1800" dirty="0"/>
+          </a:p>
+        </p:txBody>
+      </p:sp>
+      <p:sp>
+        <p:nvSpPr>
+          <p:cNvPr id="3" name="Text Placeholder 2"/>
+          <p:cNvSpPr>
+            <a:spLocks noGrp="1"/>
+          </p:cNvSpPr>
+          <p:nvPr>
+            <p:ph type="body" sz="quarter" idx="11"/>
+          </p:nvPr>
+        </p:nvSpPr>
+        <p:spPr>
+          <a:xfrm>
+            <a:off x="1121104" y="1337149"/>
+            <a:ext cx="14422528" cy="1215551"/>
+          </a:xfrm>
+        </p:spPr>
+        <p:txBody>
+          <a:bodyPr/>
+          <a:lstStyle/>
+          <a:p>
+            <a:r>
+              <a:rPr lang="en-US" dirty="0"/>
+              <a:t>$ </a:t>
+            </a:r>
+            <a:r>
+              <a:rPr lang="en-US" dirty="0" err="1"/>
+              <a:t>inspec</a:t>
+            </a:r>
+            <a:r>
+              <a:rPr lang="en-US" dirty="0"/>
+              <a:t> compliance profiles</a:t>
+            </a:r>
+            <a:endParaRPr lang="en-US" dirty="0"/>
+          </a:p>
+        </p:txBody>
+      </p:sp>
+      <p:sp>
+        <p:nvSpPr>
+          <p:cNvPr id="4" name="Title 3"/>
+          <p:cNvSpPr>
+            <a:spLocks noGrp="1"/>
+          </p:cNvSpPr>
+          <p:nvPr>
+            <p:ph type="title"/>
+          </p:nvPr>
+        </p:nvSpPr>
+        <p:spPr/>
+        <p:txBody>
+          <a:bodyPr>
+            <a:normAutofit/>
+          </a:bodyPr>
+          <a:lstStyle/>
+          <a:p>
+            <a:r>
+              <a:rPr lang="en-US" sz="4000" dirty="0" smtClean="0"/>
+              <a:t>GL: </a:t>
+            </a:r>
+            <a:r>
+              <a:rPr lang="en-US" sz="4000" dirty="0" smtClean="0"/>
+              <a:t>Viewing Compliance Profiles on Your Compliance Server</a:t>
+            </a:r>
+            <a:endParaRPr lang="en-US" sz="4000" dirty="0"/>
+          </a:p>
+        </p:txBody>
+      </p:sp>
+    </p:spTree>
+    <p:extLst>
+      <p:ext uri="{BB962C8B-B14F-4D97-AF65-F5344CB8AC3E}">
+        <p14:creationId xmlns:p14="http://schemas.microsoft.com/office/powerpoint/2010/main" val="2238486499"/>
+      </p:ext>
+    </p:extLst>
+  </p:cSld>
+  <p:clrMapOvr>
+    <a:masterClrMapping/>
+  </p:clrMapOvr>
+  <p:transition spd="med">
+    <p:fade/>
+  </p:transition>
+  <p:timing>
+    <p:tnLst>
+      <p:par>
+        <p:cTn id="1" dur="indefinite" restart="never" nodeType="tmRoot"/>
+      </p:par>
+    </p:tnLst>
+  </p:timing>
+</p:sld>
+</file>
+
+<file path=ppt/slides/slide3.xml><?xml version="1.0" encoding="utf-8"?>
+<p:sld xmlns:a="http://schemas.openxmlformats.org/drawingml/2006/main" xmlns:r="http://schemas.openxmlformats.org/officeDocument/2006/relationships" xmlns:p="http://schemas.openxmlformats.org/presentationml/2006/main">
+  <p:cSld>
+    <p:spTree>
+      <p:nvGrpSpPr>
+        <p:cNvPr id="1" name=""/>
+        <p:cNvGrpSpPr/>
+        <p:nvPr/>
+      </p:nvGrpSpPr>
+      <p:grpSpPr>
+        <a:xfrm>
+          <a:off x="0" y="0"/>
+          <a:ext cx="0" cy="0"/>
+          <a:chOff x="0" y="0"/>
+          <a:chExt cx="0" cy="0"/>
+        </a:xfrm>
+      </p:grpSpPr>
+      <p:sp>
+        <p:nvSpPr>
+          <p:cNvPr id="2" name="Title 1"/>
+          <p:cNvSpPr>
+            <a:spLocks noGrp="1"/>
+          </p:cNvSpPr>
+          <p:nvPr>
+            <p:ph type="ctrTitle"/>
+          </p:nvPr>
+        </p:nvSpPr>
+        <p:spPr/>
+        <p:txBody>
+          <a:bodyPr>
+            <a:normAutofit fontScale="90000"/>
+          </a:bodyPr>
+          <a:lstStyle/>
+          <a:p>
+            <a:r>
+              <a:rPr lang="en-US" dirty="0" smtClean="0"/>
+              <a:t>Creating a Custom Profile</a:t>
+            </a:r>
+            <a:endParaRPr lang="en-US" dirty="0"/>
+          </a:p>
+        </p:txBody>
+      </p:sp>
+      <p:sp>
+        <p:nvSpPr>
+          <p:cNvPr id="3" name="Subtitle 2"/>
+          <p:cNvSpPr>
+            <a:spLocks noGrp="1"/>
+          </p:cNvSpPr>
+          <p:nvPr>
+            <p:ph type="subTitle" idx="1"/>
+          </p:nvPr>
+        </p:nvSpPr>
+        <p:spPr>
+          <a:xfrm>
+            <a:off x="1671638" y="3271838"/>
+            <a:ext cx="12319000" cy="4317682"/>
+          </a:xfrm>
+        </p:spPr>
+        <p:txBody>
+          <a:bodyPr/>
+          <a:lstStyle/>
+          <a:p>
+            <a:r>
+              <a:rPr lang="en-US" dirty="0" smtClean="0"/>
+              <a:t>In this section we will create a custom compliance profile.</a:t>
+            </a:r>
+          </a:p>
+          <a:p>
+            <a:endParaRPr lang="en-US" dirty="0"/>
+          </a:p>
+          <a:p>
+            <a:r>
+              <a:rPr lang="en-US" dirty="0" smtClean="0"/>
+              <a:t>Custom profiles are created using </a:t>
+            </a:r>
+            <a:r>
+              <a:rPr lang="en-US" dirty="0" err="1" smtClean="0"/>
+              <a:t>InSpec</a:t>
+            </a:r>
+            <a:r>
+              <a:rPr lang="en-US" dirty="0" smtClean="0"/>
+              <a:t>, just like the existing profiles were created.</a:t>
+            </a:r>
+          </a:p>
+          <a:p>
+            <a:endParaRPr lang="en-US" dirty="0"/>
+          </a:p>
+          <a:p>
+            <a:r>
+              <a:rPr lang="en-US" dirty="0" smtClean="0"/>
+              <a:t>After you have created a custom profile, you'll learn how to upload it to a Compliance Server and then use it to check for compliance issues.</a:t>
+            </a:r>
+            <a:endParaRPr lang="en-US" dirty="0"/>
+          </a:p>
+        </p:txBody>
+      </p:sp>
+    </p:spTree>
+    <p:extLst>
+      <p:ext uri="{BB962C8B-B14F-4D97-AF65-F5344CB8AC3E}">
+        <p14:creationId xmlns:p14="http://schemas.microsoft.com/office/powerpoint/2010/main" val="2095059740"/>
+      </p:ext>
+    </p:extLst>
+  </p:cSld>
+  <p:clrMapOvr>
+    <a:masterClrMapping/>
+  </p:clrMapOvr>
+  <p:transition spd="med">
+    <p:fade/>
+  </p:transition>
+  <p:timing>
+    <p:tnLst>
+      <p:par>
+        <p:cTn id="1" dur="indefinite" restart="never" nodeType="tmRoot"/>
+      </p:par>
+    </p:tnLst>
+  </p:timing>
+</p:sld>
+</file>
+
+<file path=ppt/slides/slide30.xml><?xml version="1.0" encoding="utf-8"?>
+<p:sld xmlns:a="http://schemas.openxmlformats.org/drawingml/2006/main" xmlns:r="http://schemas.openxmlformats.org/officeDocument/2006/relationships" xmlns:p="http://schemas.openxmlformats.org/presentationml/2006/main">
+  <p:cSld>
+    <p:spTree>
+      <p:nvGrpSpPr>
+        <p:cNvPr id="1" name=""/>
+        <p:cNvGrpSpPr/>
+        <p:nvPr/>
+      </p:nvGrpSpPr>
+      <p:grpSpPr>
+        <a:xfrm>
+          <a:off x="0" y="0"/>
+          <a:ext cx="0" cy="0"/>
+          <a:chOff x="0" y="0"/>
+          <a:chExt cx="0" cy="0"/>
+        </a:xfrm>
+      </p:grpSpPr>
+      <p:sp>
+        <p:nvSpPr>
+          <p:cNvPr id="2" name="Content Placeholder 1"/>
+          <p:cNvSpPr>
+            <a:spLocks noGrp="1"/>
+          </p:cNvSpPr>
+          <p:nvPr>
+            <p:ph sz="quarter" idx="10"/>
+          </p:nvPr>
+        </p:nvSpPr>
+        <p:spPr>
+          <a:xfrm>
+            <a:off x="1121104" y="2876549"/>
+            <a:ext cx="14423693" cy="5019893"/>
+          </a:xfrm>
+        </p:spPr>
+        <p:txBody>
+          <a:bodyPr/>
+          <a:lstStyle/>
+          <a:p>
+            <a:r>
+              <a:rPr lang="en-US" sz="1400" dirty="0"/>
+              <a:t>I, [2016-03-02T14:56:18.714517 #29237]  INFO -- : Checking profile in </a:t>
+            </a:r>
+            <a:r>
+              <a:rPr lang="en-US" sz="1400" dirty="0" err="1"/>
+              <a:t>secureprof</a:t>
+            </a:r>
+            <a:r>
+              <a:rPr lang="en-US" sz="1400" dirty="0"/>
+              <a:t>                              ile_01</a:t>
+            </a:r>
+          </a:p>
+          <a:p>
+            <a:r>
+              <a:rPr lang="en-US" sz="1400" dirty="0"/>
+              <a:t>I, [2016-03-02T14:56:18.714883 #29237]  INFO -- : Metadata OK.</a:t>
+            </a:r>
+          </a:p>
+          <a:p>
+            <a:r>
+              <a:rPr lang="en-US" sz="1400" dirty="0"/>
+              <a:t>I, [2016-03-02T14:56:18.842213 #29237]  INFO -- : Found 3 controls.</a:t>
+            </a:r>
+          </a:p>
+          <a:p>
+            <a:r>
+              <a:rPr lang="en-US" sz="1400" dirty="0"/>
+              <a:t>I, [2016-03-02T14:56:18.842320 #29237]  INFO -- : Verify all controls in control                              s/</a:t>
+            </a:r>
+            <a:r>
+              <a:rPr lang="en-US" sz="1400" dirty="0" err="1"/>
+              <a:t>example.rb</a:t>
+            </a:r>
+            <a:endParaRPr lang="en-US" sz="1400" dirty="0"/>
+          </a:p>
+          <a:p>
+            <a:r>
+              <a:rPr lang="en-US" sz="1400" dirty="0"/>
+              <a:t>I, [2016-03-02T14:56:18.842380 #29237]  INFO -- : Verify all controls in control                              s/</a:t>
+            </a:r>
+            <a:r>
+              <a:rPr lang="en-US" sz="1400" dirty="0" err="1"/>
+              <a:t>tmp.rb</a:t>
+            </a:r>
+            <a:endParaRPr lang="en-US" sz="1400" dirty="0"/>
+          </a:p>
+          <a:p>
+            <a:r>
+              <a:rPr lang="en-US" sz="1400" dirty="0"/>
+              <a:t>I, [2016-03-02T14:56:18.842430 #29237]  INFO -- : Control definitions OK.</a:t>
+            </a:r>
+          </a:p>
+          <a:p>
+            <a:r>
+              <a:rPr lang="en-US" sz="1400" dirty="0"/>
+              <a:t>Profile is valid</a:t>
+            </a:r>
+          </a:p>
+          <a:p>
+            <a:r>
+              <a:rPr lang="en-US" sz="1400" dirty="0"/>
+              <a:t>Generate temporary profile archive at /</a:t>
+            </a:r>
+            <a:r>
+              <a:rPr lang="en-US" sz="1400" dirty="0" err="1"/>
+              <a:t>tmp</a:t>
+            </a:r>
+            <a:r>
+              <a:rPr lang="en-US" sz="1400" dirty="0"/>
+              <a:t>/secureprofile_0120160302-29237-1hmvbe                              8.tar.gz</a:t>
+            </a:r>
+          </a:p>
+          <a:p>
+            <a:r>
+              <a:rPr lang="en-US" sz="1400" dirty="0"/>
+              <a:t>I, [2016-03-02T14:56:18.925296 #29237]  INFO -- : Generate archive /</a:t>
+            </a:r>
+            <a:r>
+              <a:rPr lang="en-US" sz="1400" dirty="0" err="1"/>
+              <a:t>tmp</a:t>
+            </a:r>
+            <a:r>
+              <a:rPr lang="en-US" sz="1400" dirty="0"/>
+              <a:t>/</a:t>
+            </a:r>
+            <a:r>
+              <a:rPr lang="en-US" sz="1400" dirty="0" err="1"/>
+              <a:t>securepr</a:t>
+            </a:r>
+            <a:r>
+              <a:rPr lang="en-US" sz="1400" dirty="0"/>
+              <a:t>                              ofile_0120160302-29237-1hmvbe8.tar.gz.</a:t>
+            </a:r>
+          </a:p>
+          <a:p>
+            <a:r>
+              <a:rPr lang="en-US" sz="1400" dirty="0"/>
+              <a:t>I, [2016-03-02T14:56:18.933640 #29237]  INFO -- : Finished archive generation.</a:t>
+            </a:r>
+          </a:p>
+          <a:p>
+            <a:r>
+              <a:rPr lang="en-US" sz="1400" dirty="0"/>
+              <a:t>Start upload to admin/secureprofile_01</a:t>
+            </a:r>
+          </a:p>
+          <a:p>
+            <a:r>
+              <a:rPr lang="en-US" sz="1400" dirty="0"/>
+              <a:t>Uploading to https://54.152.196.46/api/owners/admin/compliance/secureprofile_01/                              tar</a:t>
+            </a:r>
+          </a:p>
+          <a:p>
+            <a:r>
+              <a:rPr lang="en-US" sz="1400" dirty="0"/>
+              <a:t>Successfully uploaded profile</a:t>
+            </a:r>
+          </a:p>
+          <a:p>
+            <a:endParaRPr lang="en-US" sz="1400" dirty="0"/>
+          </a:p>
+          <a:p>
+            <a:endParaRPr lang="en-US" sz="1400" dirty="0"/>
+          </a:p>
+        </p:txBody>
+      </p:sp>
+      <p:sp>
+        <p:nvSpPr>
+          <p:cNvPr id="3" name="Text Placeholder 2"/>
+          <p:cNvSpPr>
+            <a:spLocks noGrp="1"/>
+          </p:cNvSpPr>
+          <p:nvPr>
+            <p:ph type="body" sz="quarter" idx="11"/>
+          </p:nvPr>
+        </p:nvSpPr>
+        <p:spPr>
+          <a:xfrm>
+            <a:off x="1121104" y="1337149"/>
+            <a:ext cx="14422528" cy="1215551"/>
+          </a:xfrm>
+        </p:spPr>
+        <p:txBody>
+          <a:bodyPr/>
+          <a:lstStyle/>
+          <a:p>
+            <a:r>
+              <a:rPr lang="en-US" dirty="0"/>
+              <a:t>$ </a:t>
+            </a:r>
+            <a:r>
+              <a:rPr lang="en-US" dirty="0" err="1"/>
+              <a:t>inspec</a:t>
+            </a:r>
+            <a:r>
+              <a:rPr lang="en-US" dirty="0"/>
+              <a:t> compliance upload secureprofile_01</a:t>
+            </a:r>
+            <a:endParaRPr lang="en-US" dirty="0"/>
+          </a:p>
+        </p:txBody>
+      </p:sp>
+      <p:sp>
+        <p:nvSpPr>
+          <p:cNvPr id="4" name="Title 3"/>
+          <p:cNvSpPr>
+            <a:spLocks noGrp="1"/>
+          </p:cNvSpPr>
+          <p:nvPr>
+            <p:ph type="title"/>
+          </p:nvPr>
+        </p:nvSpPr>
+        <p:spPr/>
+        <p:txBody>
+          <a:bodyPr/>
+          <a:lstStyle/>
+          <a:p>
+            <a:r>
+              <a:rPr lang="en-US" dirty="0" smtClean="0"/>
+              <a:t>GL: </a:t>
+            </a:r>
+            <a:r>
+              <a:rPr lang="en-US" dirty="0" smtClean="0"/>
+              <a:t>Uploading Your Custom Profile</a:t>
+            </a:r>
+            <a:endParaRPr lang="en-US" dirty="0"/>
+          </a:p>
+        </p:txBody>
+      </p:sp>
+    </p:spTree>
+    <p:extLst>
+      <p:ext uri="{BB962C8B-B14F-4D97-AF65-F5344CB8AC3E}">
+        <p14:creationId xmlns:p14="http://schemas.microsoft.com/office/powerpoint/2010/main" val="1114784838"/>
+      </p:ext>
+    </p:extLst>
+  </p:cSld>
+  <p:clrMapOvr>
+    <a:masterClrMapping/>
+  </p:clrMapOvr>
+  <p:transition spd="med">
+    <p:fade/>
+  </p:transition>
+  <p:timing>
+    <p:tnLst>
+      <p:par>
+        <p:cTn id="1" dur="indefinite" restart="never" nodeType="tmRoot"/>
+      </p:par>
+    </p:tnLst>
+  </p:timing>
+</p:sld>
+</file>
+
+<file path=ppt/slides/slide31.xml><?xml version="1.0" encoding="utf-8"?>
+<p:sld xmlns:a="http://schemas.openxmlformats.org/drawingml/2006/main" xmlns:r="http://schemas.openxmlformats.org/officeDocument/2006/relationships" xmlns:p="http://schemas.openxmlformats.org/presentationml/2006/main">
+  <p:cSld>
+    <p:spTree>
+      <p:nvGrpSpPr>
+        <p:cNvPr id="1" name=""/>
+        <p:cNvGrpSpPr/>
+        <p:nvPr/>
+      </p:nvGrpSpPr>
+      <p:grpSpPr>
+        <a:xfrm>
+          <a:off x="0" y="0"/>
+          <a:ext cx="0" cy="0"/>
+          <a:chOff x="0" y="0"/>
+          <a:chExt cx="0" cy="0"/>
+        </a:xfrm>
+      </p:grpSpPr>
+      <p:sp>
+        <p:nvSpPr>
+          <p:cNvPr id="2" name="Content Placeholder 1"/>
+          <p:cNvSpPr>
+            <a:spLocks noGrp="1"/>
+          </p:cNvSpPr>
+          <p:nvPr>
+            <p:ph sz="quarter" idx="10"/>
+          </p:nvPr>
+        </p:nvSpPr>
+        <p:spPr>
+          <a:xfrm>
+            <a:off x="1121104" y="2876549"/>
+            <a:ext cx="14423693" cy="5019893"/>
+          </a:xfrm>
+        </p:spPr>
+        <p:txBody>
+          <a:bodyPr/>
+          <a:lstStyle/>
+          <a:p>
+            <a:r>
+              <a:rPr lang="en-US" sz="1600" dirty="0"/>
+              <a:t>Available profiles:</a:t>
+            </a:r>
+          </a:p>
+          <a:p>
+            <a:r>
+              <a:rPr lang="en-US" sz="1600" dirty="0"/>
+              <a:t>-------------------</a:t>
+            </a:r>
+          </a:p>
+          <a:p>
+            <a:r>
+              <a:rPr lang="en-US" sz="1600" dirty="0"/>
+              <a:t> * admin/profile</a:t>
+            </a:r>
+          </a:p>
+          <a:p>
+            <a:r>
+              <a:rPr lang="en-US" sz="1600" dirty="0"/>
+              <a:t> * admin/profile-cis-3.1</a:t>
+            </a:r>
+          </a:p>
+          <a:p>
+            <a:r>
+              <a:rPr lang="en-US" sz="1600" dirty="0"/>
+              <a:t> * admin/profile1</a:t>
+            </a:r>
+          </a:p>
+          <a:p>
+            <a:r>
+              <a:rPr lang="en-US" sz="1600" dirty="0"/>
+              <a:t> * admin/secureprofile_01</a:t>
+            </a:r>
+          </a:p>
+          <a:p>
+            <a:r>
+              <a:rPr lang="en-US" sz="1600" dirty="0"/>
+              <a:t> * base/apache</a:t>
+            </a:r>
+          </a:p>
+          <a:p>
+            <a:r>
+              <a:rPr lang="en-US" sz="1600" dirty="0"/>
+              <a:t> * base/</a:t>
+            </a:r>
+            <a:r>
+              <a:rPr lang="en-US" sz="1600" dirty="0" err="1"/>
+              <a:t>linux</a:t>
+            </a:r>
+            <a:endParaRPr lang="en-US" sz="1600" dirty="0"/>
+          </a:p>
+          <a:p>
+            <a:r>
+              <a:rPr lang="en-US" sz="1600" dirty="0"/>
+              <a:t> * base/</a:t>
+            </a:r>
+            <a:r>
+              <a:rPr lang="en-US" sz="1600" dirty="0" err="1"/>
+              <a:t>mysql</a:t>
+            </a:r>
+            <a:endParaRPr lang="en-US" sz="1600" dirty="0"/>
+          </a:p>
+          <a:p>
+            <a:r>
+              <a:rPr lang="en-US" sz="1600" dirty="0"/>
+              <a:t> * base/</a:t>
+            </a:r>
+            <a:r>
+              <a:rPr lang="en-US" sz="1600" dirty="0" err="1"/>
+              <a:t>postgres</a:t>
+            </a:r>
+            <a:endParaRPr lang="en-US" sz="1600" dirty="0"/>
+          </a:p>
+          <a:p>
+            <a:r>
+              <a:rPr lang="en-US" sz="1600" dirty="0"/>
+              <a:t> * base/ssh</a:t>
+            </a:r>
+          </a:p>
+          <a:p>
+            <a:r>
+              <a:rPr lang="en-US" sz="1600" dirty="0"/>
+              <a:t> * base/windows</a:t>
+            </a:r>
+          </a:p>
+          <a:p>
+            <a:r>
+              <a:rPr lang="en-US" sz="1600" dirty="0"/>
+              <a:t> * cis/cis-ubuntu-level1</a:t>
+            </a:r>
+          </a:p>
+          <a:p>
+            <a:r>
+              <a:rPr lang="en-US" sz="1600" dirty="0"/>
+              <a:t> * cis/cis-ubuntu-level2</a:t>
+            </a:r>
+          </a:p>
+          <a:p>
+            <a:endParaRPr lang="en-US" sz="1400" dirty="0"/>
+          </a:p>
+          <a:p>
+            <a:endParaRPr lang="en-US" sz="1400" dirty="0"/>
+          </a:p>
+        </p:txBody>
+      </p:sp>
+      <p:sp>
+        <p:nvSpPr>
+          <p:cNvPr id="3" name="Text Placeholder 2"/>
+          <p:cNvSpPr>
+            <a:spLocks noGrp="1"/>
+          </p:cNvSpPr>
+          <p:nvPr>
+            <p:ph type="body" sz="quarter" idx="11"/>
+          </p:nvPr>
+        </p:nvSpPr>
+        <p:spPr>
+          <a:xfrm>
+            <a:off x="1121104" y="1337149"/>
+            <a:ext cx="14422528" cy="1215551"/>
+          </a:xfrm>
+        </p:spPr>
+        <p:txBody>
+          <a:bodyPr/>
+          <a:lstStyle/>
+          <a:p>
+            <a:r>
+              <a:rPr lang="en-US" dirty="0"/>
+              <a:t>$ </a:t>
+            </a:r>
+            <a:r>
+              <a:rPr lang="en-US" dirty="0" err="1"/>
+              <a:t>inspec</a:t>
+            </a:r>
+            <a:r>
+              <a:rPr lang="en-US" dirty="0"/>
+              <a:t> compliance profiles</a:t>
+            </a:r>
+            <a:endParaRPr lang="en-US" dirty="0"/>
+          </a:p>
+        </p:txBody>
+      </p:sp>
+      <p:sp>
+        <p:nvSpPr>
+          <p:cNvPr id="4" name="Title 3"/>
+          <p:cNvSpPr>
+            <a:spLocks noGrp="1"/>
+          </p:cNvSpPr>
+          <p:nvPr>
+            <p:ph type="title"/>
+          </p:nvPr>
+        </p:nvSpPr>
+        <p:spPr/>
+        <p:txBody>
+          <a:bodyPr>
+            <a:normAutofit/>
+          </a:bodyPr>
+          <a:lstStyle/>
+          <a:p>
+            <a:r>
+              <a:rPr lang="en-US" sz="4000" dirty="0"/>
+              <a:t>GL: Viewing Compliance Profiles on Your Compliance Server</a:t>
+            </a:r>
+            <a:endParaRPr lang="en-US" sz="4000" dirty="0"/>
+          </a:p>
+        </p:txBody>
+      </p:sp>
+      <p:sp>
+        <p:nvSpPr>
+          <p:cNvPr id="5" name="Content Placeholder 5"/>
+          <p:cNvSpPr txBox="1">
+            <a:spLocks/>
+          </p:cNvSpPr>
+          <p:nvPr/>
+        </p:nvSpPr>
+        <p:spPr>
+          <a:xfrm>
+            <a:off x="1127883" y="4552950"/>
+            <a:ext cx="14420850" cy="375778"/>
+          </a:xfrm>
+          <a:prstGeom prst="rect">
+            <a:avLst/>
+          </a:prstGeom>
+          <a:solidFill>
+            <a:schemeClr val="accent1">
+              <a:alpha val="60000"/>
+            </a:schemeClr>
+          </a:solidFill>
+          <a:ln>
+            <a:solidFill>
+              <a:schemeClr val="accent1">
+                <a:lumMod val="75000"/>
+              </a:schemeClr>
+            </a:solidFill>
+          </a:ln>
+        </p:spPr>
+        <p:txBody>
+          <a:bodyPr anchor="ctr">
+            <a:noAutofit/>
+          </a:bodyPr>
+          <a:lstStyle>
+            <a:lvl1pPr algn="l" defTabSz="1217613" rtl="0" eaLnBrk="1" fontAlgn="base" hangingPunct="1">
+              <a:spcBef>
+                <a:spcPts val="800"/>
+              </a:spcBef>
+              <a:spcAft>
+                <a:spcPct val="0"/>
+              </a:spcAft>
+              <a:buSzPct val="90000"/>
+              <a:buFont typeface="Arial" charset="0"/>
+              <a:defRPr sz="4200" kern="1200" baseline="0">
+                <a:solidFill>
+                  <a:schemeClr val="bg2"/>
+                </a:solidFill>
+                <a:latin typeface="Courier New"/>
+                <a:ea typeface="ＭＳ Ｐゴシック" charset="0"/>
+                <a:cs typeface="Courier New"/>
+              </a:defRPr>
+            </a:lvl1pPr>
+            <a:lvl2pPr marL="307975" algn="l" defTabSz="1217613" rtl="0" eaLnBrk="1" fontAlgn="base" hangingPunct="1">
+              <a:spcBef>
+                <a:spcPts val="800"/>
+              </a:spcBef>
+              <a:spcAft>
+                <a:spcPct val="0"/>
+              </a:spcAft>
+              <a:buSzPct val="90000"/>
+              <a:buFont typeface="Arial" charset="0"/>
+              <a:defRPr sz="2800" kern="1200">
+                <a:solidFill>
+                  <a:srgbClr val="3E4346"/>
+                </a:solidFill>
+                <a:latin typeface="+mn-lt"/>
+                <a:ea typeface="ＭＳ Ｐゴシック" charset="0"/>
+                <a:cs typeface="+mn-cs"/>
+              </a:defRPr>
+            </a:lvl2pPr>
+            <a:lvl3pPr marL="608013" algn="l" defTabSz="1217613" rtl="0" eaLnBrk="1" fontAlgn="base" hangingPunct="1">
+              <a:spcBef>
+                <a:spcPts val="800"/>
+              </a:spcBef>
+              <a:spcAft>
+                <a:spcPct val="0"/>
+              </a:spcAft>
+              <a:buSzPct val="90000"/>
+              <a:buFont typeface="Arial" charset="0"/>
+              <a:defRPr sz="2400" kern="1200">
+                <a:solidFill>
+                  <a:srgbClr val="3E4346"/>
+                </a:solidFill>
+                <a:latin typeface="+mn-lt"/>
+                <a:ea typeface="ＭＳ Ｐゴシック" charset="0"/>
+                <a:cs typeface="+mn-cs"/>
+              </a:defRPr>
+            </a:lvl3pPr>
+            <a:lvl4pPr marL="839788" algn="l" defTabSz="1217613" rtl="0" eaLnBrk="1" fontAlgn="base" hangingPunct="1">
+              <a:spcBef>
+                <a:spcPts val="800"/>
+              </a:spcBef>
+              <a:spcAft>
+                <a:spcPct val="0"/>
+              </a:spcAft>
+              <a:buSzPct val="90000"/>
+              <a:buFont typeface="Arial" charset="0"/>
+              <a:defRPr sz="2400" kern="1200">
+                <a:solidFill>
+                  <a:srgbClr val="3E4346"/>
+                </a:solidFill>
+                <a:latin typeface="+mn-lt"/>
+                <a:ea typeface="ＭＳ Ｐゴシック" charset="0"/>
+                <a:cs typeface="+mn-cs"/>
+              </a:defRPr>
+            </a:lvl4pPr>
+            <a:lvl5pPr marL="1068388" algn="l" defTabSz="1217613" rtl="0" eaLnBrk="1" fontAlgn="base" hangingPunct="1">
+              <a:spcBef>
+                <a:spcPts val="800"/>
+              </a:spcBef>
+              <a:spcAft>
+                <a:spcPct val="0"/>
+              </a:spcAft>
+              <a:buSzPct val="90000"/>
+              <a:buFont typeface="Arial" charset="0"/>
+              <a:defRPr sz="2000" kern="1200">
+                <a:solidFill>
+                  <a:srgbClr val="3E4346"/>
+                </a:solidFill>
+                <a:latin typeface="+mn-lt"/>
+                <a:ea typeface="ＭＳ Ｐゴシック" charset="0"/>
+                <a:cs typeface="+mn-cs"/>
+              </a:defRPr>
+            </a:lvl5pPr>
+            <a:lvl6pPr marL="3352582" indent="-304780" algn="l" defTabSz="1219120" rtl="0" eaLnBrk="1" latinLnBrk="0" hangingPunct="1">
+              <a:spcBef>
+                <a:spcPct val="20000"/>
+              </a:spcBef>
+              <a:buFont typeface="Arial" pitchFamily="34" charset="0"/>
+              <a:buChar char="•"/>
+              <a:defRPr sz="2667" kern="1200">
+                <a:solidFill>
+                  <a:schemeClr val="tx1"/>
+                </a:solidFill>
+                <a:latin typeface="+mn-lt"/>
+                <a:ea typeface="+mn-ea"/>
+                <a:cs typeface="+mn-cs"/>
+              </a:defRPr>
+            </a:lvl6pPr>
+            <a:lvl7pPr marL="3962142" indent="-304780" algn="l" defTabSz="1219120" rtl="0" eaLnBrk="1" latinLnBrk="0" hangingPunct="1">
+              <a:spcBef>
+                <a:spcPct val="20000"/>
+              </a:spcBef>
+              <a:buFont typeface="Arial" pitchFamily="34" charset="0"/>
+              <a:buChar char="•"/>
+              <a:defRPr sz="2667" kern="1200">
+                <a:solidFill>
+                  <a:schemeClr val="tx1"/>
+                </a:solidFill>
+                <a:latin typeface="+mn-lt"/>
+                <a:ea typeface="+mn-ea"/>
+                <a:cs typeface="+mn-cs"/>
+              </a:defRPr>
+            </a:lvl7pPr>
+            <a:lvl8pPr marL="4571703" indent="-304780" algn="l" defTabSz="1219120" rtl="0" eaLnBrk="1" latinLnBrk="0" hangingPunct="1">
+              <a:spcBef>
+                <a:spcPct val="20000"/>
+              </a:spcBef>
+              <a:buFont typeface="Arial" pitchFamily="34" charset="0"/>
+              <a:buChar char="•"/>
+              <a:defRPr sz="2667" kern="1200">
+                <a:solidFill>
+                  <a:schemeClr val="tx1"/>
+                </a:solidFill>
+                <a:latin typeface="+mn-lt"/>
+                <a:ea typeface="+mn-ea"/>
+                <a:cs typeface="+mn-cs"/>
+              </a:defRPr>
+            </a:lvl8pPr>
+            <a:lvl9pPr marL="5181264" indent="-304780" algn="l" defTabSz="1219120" rtl="0" eaLnBrk="1" latinLnBrk="0" hangingPunct="1">
+              <a:spcBef>
+                <a:spcPct val="20000"/>
+              </a:spcBef>
+              <a:buFont typeface="Arial" pitchFamily="34" charset="0"/>
+              <a:buChar char="•"/>
+              <a:defRPr sz="2667" kern="1200">
+                <a:solidFill>
+                  <a:schemeClr val="tx1"/>
+                </a:solidFill>
+                <a:latin typeface="+mn-lt"/>
+                <a:ea typeface="+mn-ea"/>
+                <a:cs typeface="+mn-cs"/>
+              </a:defRPr>
+            </a:lvl9pPr>
+          </a:lstStyle>
+          <a:p>
+            <a:r>
+              <a:rPr lang="en-US" smtClean="0"/>
+              <a:t> </a:t>
+            </a:r>
+            <a:endParaRPr lang="en-US" dirty="0" smtClean="0"/>
+          </a:p>
+        </p:txBody>
+      </p:sp>
+    </p:spTree>
+    <p:extLst>
+      <p:ext uri="{BB962C8B-B14F-4D97-AF65-F5344CB8AC3E}">
+        <p14:creationId xmlns:p14="http://schemas.microsoft.com/office/powerpoint/2010/main" val="2081982448"/>
+      </p:ext>
+    </p:extLst>
+  </p:cSld>
+  <p:clrMapOvr>
+    <a:masterClrMapping/>
+  </p:clrMapOvr>
+  <p:transition spd="med">
+    <p:fade/>
+  </p:transition>
+  <p:timing>
+    <p:tnLst>
+      <p:par>
+        <p:cTn id="1" dur="indefinite" restart="never" nodeType="tmRoot"/>
+      </p:par>
+    </p:tnLst>
+  </p:timing>
+</p:sld>
+</file>
+
+<file path=ppt/slides/slide32.xml><?xml version="1.0" encoding="utf-8"?>
+<p:sld xmlns:a="http://schemas.openxmlformats.org/drawingml/2006/main" xmlns:r="http://schemas.openxmlformats.org/officeDocument/2006/relationships" xmlns:p="http://schemas.openxmlformats.org/presentationml/2006/main">
+  <p:cSld>
+    <p:spTree>
+      <p:nvGrpSpPr>
+        <p:cNvPr id="1" name=""/>
+        <p:cNvGrpSpPr/>
+        <p:nvPr/>
+      </p:nvGrpSpPr>
+      <p:grpSpPr>
+        <a:xfrm>
+          <a:off x="0" y="0"/>
+          <a:ext cx="0" cy="0"/>
+          <a:chOff x="0" y="0"/>
+          <a:chExt cx="0" cy="0"/>
+        </a:xfrm>
+      </p:grpSpPr>
+      <p:sp>
+        <p:nvSpPr>
+          <p:cNvPr id="2" name="Content Placeholder 1"/>
+          <p:cNvSpPr>
+            <a:spLocks noGrp="1"/>
+          </p:cNvSpPr>
+          <p:nvPr>
+            <p:ph sz="quarter" idx="10"/>
+          </p:nvPr>
+        </p:nvSpPr>
+        <p:spPr>
+          <a:xfrm>
+            <a:off x="1121104" y="2876549"/>
+            <a:ext cx="14423693" cy="5019893"/>
+          </a:xfrm>
+        </p:spPr>
+        <p:txBody>
+          <a:bodyPr/>
+          <a:lstStyle/>
+          <a:p>
+            <a:r>
+              <a:rPr lang="en-US" dirty="0"/>
+              <a:t>Successfully logged out</a:t>
+            </a:r>
+          </a:p>
+          <a:p>
+            <a:endParaRPr lang="en-US" sz="1400" dirty="0"/>
+          </a:p>
+        </p:txBody>
+      </p:sp>
+      <p:sp>
+        <p:nvSpPr>
+          <p:cNvPr id="3" name="Text Placeholder 2"/>
+          <p:cNvSpPr>
+            <a:spLocks noGrp="1"/>
+          </p:cNvSpPr>
+          <p:nvPr>
+            <p:ph type="body" sz="quarter" idx="11"/>
+          </p:nvPr>
+        </p:nvSpPr>
+        <p:spPr>
+          <a:xfrm>
+            <a:off x="1121104" y="1337149"/>
+            <a:ext cx="14422528" cy="1215551"/>
+          </a:xfrm>
+        </p:spPr>
+        <p:txBody>
+          <a:bodyPr/>
+          <a:lstStyle/>
+          <a:p>
+            <a:r>
+              <a:rPr lang="en-US" dirty="0"/>
+              <a:t>$ </a:t>
+            </a:r>
+            <a:r>
+              <a:rPr lang="en-US" dirty="0" err="1"/>
+              <a:t>inspec</a:t>
+            </a:r>
+            <a:r>
+              <a:rPr lang="en-US" dirty="0"/>
+              <a:t> compliance logout</a:t>
+            </a:r>
+            <a:endParaRPr lang="en-US" dirty="0"/>
+          </a:p>
+        </p:txBody>
+      </p:sp>
+      <p:sp>
+        <p:nvSpPr>
+          <p:cNvPr id="4" name="Title 3"/>
+          <p:cNvSpPr>
+            <a:spLocks noGrp="1"/>
+          </p:cNvSpPr>
+          <p:nvPr>
+            <p:ph type="title"/>
+          </p:nvPr>
+        </p:nvSpPr>
+        <p:spPr/>
+        <p:txBody>
+          <a:bodyPr>
+            <a:normAutofit fontScale="90000"/>
+          </a:bodyPr>
+          <a:lstStyle/>
+          <a:p>
+            <a:r>
+              <a:rPr lang="en-US" dirty="0" smtClean="0"/>
+              <a:t>GL: </a:t>
+            </a:r>
+            <a:r>
+              <a:rPr lang="en-US" dirty="0" smtClean="0"/>
+              <a:t>Logging out of Your Compliance server</a:t>
+            </a:r>
+            <a:endParaRPr lang="en-US" dirty="0"/>
+          </a:p>
+        </p:txBody>
+      </p:sp>
+    </p:spTree>
+    <p:extLst>
+      <p:ext uri="{BB962C8B-B14F-4D97-AF65-F5344CB8AC3E}">
+        <p14:creationId xmlns:p14="http://schemas.microsoft.com/office/powerpoint/2010/main" val="3909247991"/>
+      </p:ext>
+    </p:extLst>
+  </p:cSld>
+  <p:clrMapOvr>
+    <a:masterClrMapping/>
+  </p:clrMapOvr>
+  <p:transition spd="med">
+    <p:fade/>
+  </p:transition>
+  <p:timing>
+    <p:tnLst>
+      <p:par>
+        <p:cTn id="1" dur="indefinite" restart="never" nodeType="tmRoot"/>
+      </p:par>
+    </p:tnLst>
+  </p:timing>
+</p:sld>
+</file>
+
+<file path=ppt/slides/slide33.xml><?xml version="1.0" encoding="utf-8"?>
 <p:sld xmlns:a="http://schemas.openxmlformats.org/drawingml/2006/main" xmlns:r="http://schemas.openxmlformats.org/officeDocument/2006/relationships" xmlns:p="http://schemas.openxmlformats.org/presentationml/2006/main">
   <p:cSld>
     <p:bg>
@@ -18796,71 +22940,89 @@
         </p:nvSpPr>
         <p:spPr/>
         <p:txBody>
+          <a:bodyPr>
+            <a:normAutofit fontScale="90000"/>
+          </a:bodyPr>
+          <a:lstStyle/>
+          <a:p>
+            <a:r>
+              <a:rPr lang="en-US" dirty="0" smtClean="0"/>
+              <a:t>GL: Viewing Your Uploaded Custom Profile</a:t>
+            </a:r>
+            <a:endParaRPr lang="en-US" dirty="0"/>
+          </a:p>
+        </p:txBody>
+      </p:sp>
+      <p:sp>
+        <p:nvSpPr>
+          <p:cNvPr id="3" name="Text Placeholder 2"/>
+          <p:cNvSpPr>
+            <a:spLocks noGrp="1"/>
+          </p:cNvSpPr>
+          <p:nvPr>
+            <p:ph type="body" sz="quarter" idx="12"/>
+          </p:nvPr>
+        </p:nvSpPr>
+        <p:spPr>
+          <a:xfrm>
+            <a:off x="383340" y="1856198"/>
+            <a:ext cx="4253746" cy="5345953"/>
+          </a:xfrm>
+        </p:spPr>
+        <p:txBody>
           <a:bodyPr/>
           <a:lstStyle/>
           <a:p>
             <a:r>
               <a:rPr lang="en-US" dirty="0" smtClean="0"/>
-              <a:t>Review Questions</a:t>
-            </a:r>
+              <a:t>Use a web browser to navigate the Compliance tab of your Compliance server. </a:t>
+            </a:r>
+          </a:p>
+          <a:p>
             <a:endParaRPr lang="en-US" dirty="0"/>
           </a:p>
-        </p:txBody>
-      </p:sp>
-      <p:sp>
-        <p:nvSpPr>
-          <p:cNvPr id="3" name="Text Placeholder 2"/>
-          <p:cNvSpPr>
-            <a:spLocks noGrp="1"/>
-          </p:cNvSpPr>
-          <p:nvPr>
-            <p:ph type="body" sz="quarter" idx="12"/>
-          </p:nvPr>
-        </p:nvSpPr>
-        <p:spPr/>
-        <p:txBody>
-          <a:bodyPr/>
-          <a:lstStyle/>
-          <a:p>
-            <a:pPr marL="514350" indent="-514350">
-              <a:buFont typeface="+mj-lt"/>
-              <a:buAutoNum type="arabicPeriod"/>
-            </a:pPr>
+          <a:p>
             <a:r>
               <a:rPr lang="en-US" dirty="0" smtClean="0"/>
-              <a:t>What is the difference between </a:t>
-            </a:r>
-            <a:r>
-              <a:rPr lang="en-US" dirty="0"/>
-              <a:t>`</a:t>
-            </a:r>
-            <a:r>
-              <a:rPr lang="en-US" dirty="0" err="1"/>
-              <a:t>inspec</a:t>
-            </a:r>
-            <a:r>
-              <a:rPr lang="en-US" dirty="0"/>
-              <a:t> check</a:t>
+              <a:t>Notic</a:t>
             </a:r>
             <a:r>
               <a:rPr lang="en-US" dirty="0" smtClean="0"/>
-              <a:t>` and  `</a:t>
-            </a:r>
-            <a:r>
-              <a:rPr lang="en-US" dirty="0" err="1"/>
-              <a:t>inspec</a:t>
-            </a:r>
-            <a:r>
-              <a:rPr lang="en-US" dirty="0"/>
-              <a:t> exec</a:t>
-            </a:r>
-            <a:r>
-              <a:rPr lang="en-US" dirty="0" smtClean="0"/>
-              <a:t>'? </a:t>
-            </a:r>
-          </a:p>
-        </p:txBody>
-      </p:sp>
+              <a:t>e that your custom profile is present.</a:t>
+            </a:r>
+            <a:endParaRPr lang="en-US" dirty="0" smtClean="0"/>
+          </a:p>
+        </p:txBody>
+      </p:sp>
+      <p:pic>
+        <p:nvPicPr>
+          <p:cNvPr id="4" name="Picture 3"/>
+          <p:cNvPicPr>
+            <a:picLocks noChangeAspect="1"/>
+          </p:cNvPicPr>
+          <p:nvPr/>
+        </p:nvPicPr>
+        <p:blipFill>
+          <a:blip r:embed="rId3"/>
+          <a:stretch>
+            <a:fillRect/>
+          </a:stretch>
+        </p:blipFill>
+        <p:spPr>
+          <a:xfrm>
+            <a:off x="4922836" y="1624012"/>
+            <a:ext cx="11198463" cy="4929188"/>
+          </a:xfrm>
+          <a:prstGeom prst="rect">
+            <a:avLst/>
+          </a:prstGeom>
+          <a:ln>
+            <a:solidFill>
+              <a:schemeClr val="accent1"/>
+            </a:solidFill>
+          </a:ln>
+        </p:spPr>
+      </p:pic>
     </p:spTree>
     <p:extLst>
       <p:ext uri="{BB962C8B-B14F-4D97-AF65-F5344CB8AC3E}">
@@ -18884,7 +23046,745 @@
 </p:sld>
 </file>
 
-<file path=ppt/slides/slide26.xml><?xml version="1.0" encoding="utf-8"?>
+<file path=ppt/slides/slide34.xml><?xml version="1.0" encoding="utf-8"?>
+<p:sld xmlns:a="http://schemas.openxmlformats.org/drawingml/2006/main" xmlns:r="http://schemas.openxmlformats.org/officeDocument/2006/relationships" xmlns:p="http://schemas.openxmlformats.org/presentationml/2006/main">
+  <p:cSld>
+    <p:spTree>
+      <p:nvGrpSpPr>
+        <p:cNvPr id="1" name=""/>
+        <p:cNvGrpSpPr/>
+        <p:nvPr/>
+      </p:nvGrpSpPr>
+      <p:grpSpPr>
+        <a:xfrm>
+          <a:off x="0" y="0"/>
+          <a:ext cx="0" cy="0"/>
+          <a:chOff x="0" y="0"/>
+          <a:chExt cx="0" cy="0"/>
+        </a:xfrm>
+      </p:grpSpPr>
+      <p:sp>
+        <p:nvSpPr>
+          <p:cNvPr id="2" name="Title 1"/>
+          <p:cNvSpPr>
+            <a:spLocks noGrp="1"/>
+          </p:cNvSpPr>
+          <p:nvPr>
+            <p:ph type="title"/>
+          </p:nvPr>
+        </p:nvSpPr>
+        <p:spPr/>
+        <p:txBody>
+          <a:bodyPr>
+            <a:normAutofit/>
+          </a:bodyPr>
+          <a:lstStyle/>
+          <a:p>
+            <a:r>
+              <a:rPr lang="en-US" dirty="0"/>
+              <a:t>GL: </a:t>
+            </a:r>
+            <a:r>
+              <a:rPr lang="en-US" dirty="0" smtClean="0"/>
+              <a:t>Testing Your </a:t>
+            </a:r>
+            <a:r>
+              <a:rPr lang="en-US" dirty="0"/>
+              <a:t>Uploaded Custom Profile</a:t>
+            </a:r>
+            <a:endParaRPr lang="en-US" dirty="0"/>
+          </a:p>
+        </p:txBody>
+      </p:sp>
+      <p:sp>
+        <p:nvSpPr>
+          <p:cNvPr id="3" name="Text Placeholder 2"/>
+          <p:cNvSpPr>
+            <a:spLocks noGrp="1"/>
+          </p:cNvSpPr>
+          <p:nvPr>
+            <p:ph type="body" sz="quarter" idx="12"/>
+          </p:nvPr>
+        </p:nvSpPr>
+        <p:spPr>
+          <a:xfrm>
+            <a:off x="650040" y="1856198"/>
+            <a:ext cx="3712410" cy="5345953"/>
+          </a:xfrm>
+        </p:spPr>
+        <p:txBody>
+          <a:bodyPr/>
+          <a:lstStyle/>
+          <a:p>
+            <a:r>
+              <a:rPr lang="en-US" dirty="0" smtClean="0"/>
+              <a:t>Navigate to the Compliance dashboard, click your Linux target, and then click </a:t>
+            </a:r>
+            <a:r>
+              <a:rPr lang="en-US" b="1" dirty="0" smtClean="0"/>
+              <a:t>Scan</a:t>
+            </a:r>
+            <a:r>
+              <a:rPr lang="en-US" dirty="0" smtClean="0"/>
+              <a:t>.</a:t>
+            </a:r>
+            <a:endParaRPr lang="en-US" dirty="0" smtClean="0"/>
+          </a:p>
+        </p:txBody>
+      </p:sp>
+      <p:pic>
+        <p:nvPicPr>
+          <p:cNvPr id="5" name="Picture 4"/>
+          <p:cNvPicPr>
+            <a:picLocks noChangeAspect="1"/>
+          </p:cNvPicPr>
+          <p:nvPr/>
+        </p:nvPicPr>
+        <p:blipFill>
+          <a:blip r:embed="rId3"/>
+          <a:stretch>
+            <a:fillRect/>
+          </a:stretch>
+        </p:blipFill>
+        <p:spPr>
+          <a:xfrm>
+            <a:off x="5322887" y="1856198"/>
+            <a:ext cx="10599506" cy="4239802"/>
+          </a:xfrm>
+          <a:prstGeom prst="rect">
+            <a:avLst/>
+          </a:prstGeom>
+          <a:ln>
+            <a:solidFill>
+              <a:schemeClr val="accent1"/>
+            </a:solidFill>
+          </a:ln>
+        </p:spPr>
+      </p:pic>
+    </p:spTree>
+    <p:extLst>
+      <p:ext uri="{BB962C8B-B14F-4D97-AF65-F5344CB8AC3E}">
+        <p14:creationId xmlns:p14="http://schemas.microsoft.com/office/powerpoint/2010/main" val="2241973164"/>
+      </p:ext>
+    </p:extLst>
+  </p:cSld>
+  <p:clrMapOvr>
+    <a:masterClrMapping/>
+  </p:clrMapOvr>
+  <p:transition spd="med">
+    <p:fade/>
+  </p:transition>
+  <p:timing>
+    <p:tnLst>
+      <p:par>
+        <p:cTn id="1" dur="indefinite" restart="never" nodeType="tmRoot"/>
+      </p:par>
+    </p:tnLst>
+  </p:timing>
+</p:sld>
+</file>
+
+<file path=ppt/slides/slide35.xml><?xml version="1.0" encoding="utf-8"?>
+<p:sld xmlns:a="http://schemas.openxmlformats.org/drawingml/2006/main" xmlns:r="http://schemas.openxmlformats.org/officeDocument/2006/relationships" xmlns:p="http://schemas.openxmlformats.org/presentationml/2006/main">
+  <p:cSld>
+    <p:spTree>
+      <p:nvGrpSpPr>
+        <p:cNvPr id="1" name=""/>
+        <p:cNvGrpSpPr/>
+        <p:nvPr/>
+      </p:nvGrpSpPr>
+      <p:grpSpPr>
+        <a:xfrm>
+          <a:off x="0" y="0"/>
+          <a:ext cx="0" cy="0"/>
+          <a:chOff x="0" y="0"/>
+          <a:chExt cx="0" cy="0"/>
+        </a:xfrm>
+      </p:grpSpPr>
+      <p:sp>
+        <p:nvSpPr>
+          <p:cNvPr id="2" name="Title 1"/>
+          <p:cNvSpPr>
+            <a:spLocks noGrp="1"/>
+          </p:cNvSpPr>
+          <p:nvPr>
+            <p:ph type="title"/>
+          </p:nvPr>
+        </p:nvSpPr>
+        <p:spPr/>
+        <p:txBody>
+          <a:bodyPr/>
+          <a:lstStyle/>
+          <a:p>
+            <a:r>
+              <a:rPr lang="en-US" dirty="0"/>
+              <a:t>GL: Testing Your Uploaded Custom Profile</a:t>
+            </a:r>
+            <a:endParaRPr lang="en-US" dirty="0"/>
+          </a:p>
+        </p:txBody>
+      </p:sp>
+      <p:sp>
+        <p:nvSpPr>
+          <p:cNvPr id="3" name="Text Placeholder 2"/>
+          <p:cNvSpPr>
+            <a:spLocks noGrp="1"/>
+          </p:cNvSpPr>
+          <p:nvPr>
+            <p:ph type="body" sz="quarter" idx="12"/>
+          </p:nvPr>
+        </p:nvSpPr>
+        <p:spPr>
+          <a:xfrm>
+            <a:off x="650040" y="1856198"/>
+            <a:ext cx="3712410" cy="5345953"/>
+          </a:xfrm>
+        </p:spPr>
+        <p:txBody>
+          <a:bodyPr/>
+          <a:lstStyle/>
+          <a:p>
+            <a:r>
+              <a:rPr lang="en-US" dirty="0" smtClean="0"/>
+              <a:t>Select only your custom profile and then click </a:t>
+            </a:r>
+            <a:r>
+              <a:rPr lang="en-US" b="1" dirty="0" smtClean="0"/>
+              <a:t>Scan now</a:t>
+            </a:r>
+            <a:r>
+              <a:rPr lang="en-US" dirty="0" smtClean="0"/>
+              <a:t>. </a:t>
+            </a:r>
+            <a:endParaRPr lang="en-US" dirty="0" smtClean="0"/>
+          </a:p>
+        </p:txBody>
+      </p:sp>
+      <p:pic>
+        <p:nvPicPr>
+          <p:cNvPr id="5" name="Picture 4"/>
+          <p:cNvPicPr>
+            <a:picLocks noChangeAspect="1"/>
+          </p:cNvPicPr>
+          <p:nvPr/>
+        </p:nvPicPr>
+        <p:blipFill>
+          <a:blip r:embed="rId3"/>
+          <a:stretch>
+            <a:fillRect/>
+          </a:stretch>
+        </p:blipFill>
+        <p:spPr>
+          <a:xfrm>
+            <a:off x="8229600" y="1142708"/>
+            <a:ext cx="7296944" cy="6788285"/>
+          </a:xfrm>
+          <a:prstGeom prst="rect">
+            <a:avLst/>
+          </a:prstGeom>
+          <a:ln>
+            <a:solidFill>
+              <a:schemeClr val="accent1"/>
+            </a:solidFill>
+          </a:ln>
+        </p:spPr>
+      </p:pic>
+      <p:cxnSp>
+        <p:nvCxnSpPr>
+          <p:cNvPr id="7" name="Straight Arrow Connector 6"/>
+          <p:cNvCxnSpPr/>
+          <p:nvPr/>
+        </p:nvCxnSpPr>
+        <p:spPr>
+          <a:xfrm>
+            <a:off x="3943350" y="3524250"/>
+            <a:ext cx="8420100" cy="3962400"/>
+          </a:xfrm>
+          <a:prstGeom prst="straightConnector1">
+            <a:avLst/>
+          </a:prstGeom>
+          <a:ln>
+            <a:solidFill>
+              <a:schemeClr val="accent1"/>
+            </a:solidFill>
+            <a:tailEnd type="triangle"/>
+          </a:ln>
+        </p:spPr>
+        <p:style>
+          <a:lnRef idx="3">
+            <a:schemeClr val="accent1"/>
+          </a:lnRef>
+          <a:fillRef idx="0">
+            <a:schemeClr val="accent1"/>
+          </a:fillRef>
+          <a:effectRef idx="2">
+            <a:schemeClr val="accent1"/>
+          </a:effectRef>
+          <a:fontRef idx="minor">
+            <a:schemeClr val="tx1"/>
+          </a:fontRef>
+        </p:style>
+      </p:cxnSp>
+    </p:spTree>
+    <p:extLst>
+      <p:ext uri="{BB962C8B-B14F-4D97-AF65-F5344CB8AC3E}">
+        <p14:creationId xmlns:p14="http://schemas.microsoft.com/office/powerpoint/2010/main" val="4083299625"/>
+      </p:ext>
+    </p:extLst>
+  </p:cSld>
+  <p:clrMapOvr>
+    <a:masterClrMapping/>
+  </p:clrMapOvr>
+  <p:transition spd="med">
+    <p:fade/>
+  </p:transition>
+  <p:timing>
+    <p:tnLst>
+      <p:par>
+        <p:cTn id="1" dur="indefinite" restart="never" nodeType="tmRoot"/>
+      </p:par>
+    </p:tnLst>
+  </p:timing>
+</p:sld>
+</file>
+
+<file path=ppt/slides/slide36.xml><?xml version="1.0" encoding="utf-8"?>
+<p:sld xmlns:a="http://schemas.openxmlformats.org/drawingml/2006/main" xmlns:r="http://schemas.openxmlformats.org/officeDocument/2006/relationships" xmlns:p="http://schemas.openxmlformats.org/presentationml/2006/main">
+  <p:cSld>
+    <p:spTree>
+      <p:nvGrpSpPr>
+        <p:cNvPr id="1" name=""/>
+        <p:cNvGrpSpPr/>
+        <p:nvPr/>
+      </p:nvGrpSpPr>
+      <p:grpSpPr>
+        <a:xfrm>
+          <a:off x="0" y="0"/>
+          <a:ext cx="0" cy="0"/>
+          <a:chOff x="0" y="0"/>
+          <a:chExt cx="0" cy="0"/>
+        </a:xfrm>
+      </p:grpSpPr>
+      <p:sp>
+        <p:nvSpPr>
+          <p:cNvPr id="2" name="Title 1"/>
+          <p:cNvSpPr>
+            <a:spLocks noGrp="1"/>
+          </p:cNvSpPr>
+          <p:nvPr>
+            <p:ph type="title"/>
+          </p:nvPr>
+        </p:nvSpPr>
+        <p:spPr/>
+        <p:txBody>
+          <a:bodyPr/>
+          <a:lstStyle/>
+          <a:p>
+            <a:r>
+              <a:rPr lang="en-US" dirty="0"/>
+              <a:t>GL: Testing Your Uploaded Custom Profile</a:t>
+            </a:r>
+            <a:endParaRPr lang="en-US" dirty="0"/>
+          </a:p>
+        </p:txBody>
+      </p:sp>
+      <p:sp>
+        <p:nvSpPr>
+          <p:cNvPr id="3" name="Text Placeholder 2"/>
+          <p:cNvSpPr>
+            <a:spLocks noGrp="1"/>
+          </p:cNvSpPr>
+          <p:nvPr>
+            <p:ph type="body" sz="quarter" idx="12"/>
+          </p:nvPr>
+        </p:nvSpPr>
+        <p:spPr>
+          <a:xfrm>
+            <a:off x="361950" y="1856198"/>
+            <a:ext cx="4267200" cy="5345953"/>
+          </a:xfrm>
+        </p:spPr>
+        <p:txBody>
+          <a:bodyPr/>
+          <a:lstStyle/>
+          <a:p>
+            <a:r>
+              <a:rPr lang="en-US" dirty="0" smtClean="0"/>
+              <a:t>You should now see that your custom profile works properly and your Linux target is in compliance. </a:t>
+            </a:r>
+            <a:endParaRPr lang="en-US" dirty="0" smtClean="0"/>
+          </a:p>
+        </p:txBody>
+      </p:sp>
+      <p:pic>
+        <p:nvPicPr>
+          <p:cNvPr id="6" name="Picture 5"/>
+          <p:cNvPicPr>
+            <a:picLocks noChangeAspect="1"/>
+          </p:cNvPicPr>
+          <p:nvPr/>
+        </p:nvPicPr>
+        <p:blipFill>
+          <a:blip r:embed="rId3"/>
+          <a:stretch>
+            <a:fillRect/>
+          </a:stretch>
+        </p:blipFill>
+        <p:spPr>
+          <a:xfrm>
+            <a:off x="5013324" y="1809750"/>
+            <a:ext cx="11126249" cy="4362450"/>
+          </a:xfrm>
+          <a:prstGeom prst="rect">
+            <a:avLst/>
+          </a:prstGeom>
+          <a:ln>
+            <a:solidFill>
+              <a:schemeClr val="accent1"/>
+            </a:solidFill>
+          </a:ln>
+        </p:spPr>
+      </p:pic>
+    </p:spTree>
+    <p:extLst>
+      <p:ext uri="{BB962C8B-B14F-4D97-AF65-F5344CB8AC3E}">
+        <p14:creationId xmlns:p14="http://schemas.microsoft.com/office/powerpoint/2010/main" val="1770511766"/>
+      </p:ext>
+    </p:extLst>
+  </p:cSld>
+  <p:clrMapOvr>
+    <a:masterClrMapping/>
+  </p:clrMapOvr>
+  <p:transition spd="med">
+    <p:fade/>
+  </p:transition>
+  <p:timing>
+    <p:tnLst>
+      <p:par>
+        <p:cTn id="1" dur="indefinite" restart="never" nodeType="tmRoot"/>
+      </p:par>
+    </p:tnLst>
+  </p:timing>
+</p:sld>
+</file>
+
+<file path=ppt/slides/slide37.xml><?xml version="1.0" encoding="utf-8"?>
+<p:sld xmlns:a="http://schemas.openxmlformats.org/drawingml/2006/main" xmlns:r="http://schemas.openxmlformats.org/officeDocument/2006/relationships" xmlns:p="http://schemas.openxmlformats.org/presentationml/2006/main">
+  <p:cSld>
+    <p:spTree>
+      <p:nvGrpSpPr>
+        <p:cNvPr id="1" name=""/>
+        <p:cNvGrpSpPr/>
+        <p:nvPr/>
+      </p:nvGrpSpPr>
+      <p:grpSpPr>
+        <a:xfrm>
+          <a:off x="0" y="0"/>
+          <a:ext cx="0" cy="0"/>
+          <a:chOff x="0" y="0"/>
+          <a:chExt cx="0" cy="0"/>
+        </a:xfrm>
+      </p:grpSpPr>
+      <p:sp>
+        <p:nvSpPr>
+          <p:cNvPr id="2" name="Title 1"/>
+          <p:cNvSpPr>
+            <a:spLocks noGrp="1"/>
+          </p:cNvSpPr>
+          <p:nvPr>
+            <p:ph type="ctrTitle"/>
+          </p:nvPr>
+        </p:nvSpPr>
+        <p:spPr>
+          <a:xfrm>
+            <a:off x="1325881" y="2452145"/>
+            <a:ext cx="12664758" cy="968599"/>
+          </a:xfrm>
+        </p:spPr>
+        <p:txBody>
+          <a:bodyPr>
+            <a:normAutofit fontScale="90000"/>
+          </a:bodyPr>
+          <a:lstStyle/>
+          <a:p>
+            <a:r>
+              <a:rPr lang="en-US" dirty="0" smtClean="0"/>
+              <a:t>Group Lab: Uploading the Custom Profile to the Compliance Server </a:t>
+            </a:r>
+            <a:endParaRPr lang="en-US" dirty="0"/>
+          </a:p>
+        </p:txBody>
+      </p:sp>
+      <p:sp>
+        <p:nvSpPr>
+          <p:cNvPr id="3" name="Content Placeholder 2"/>
+          <p:cNvSpPr>
+            <a:spLocks noGrp="1"/>
+          </p:cNvSpPr>
+          <p:nvPr>
+            <p:ph sz="quarter" idx="11"/>
+          </p:nvPr>
+        </p:nvSpPr>
+        <p:spPr>
+          <a:xfrm>
+            <a:off x="1671638" y="3420745"/>
+            <a:ext cx="12319000" cy="1528233"/>
+          </a:xfrm>
+        </p:spPr>
+        <p:txBody>
+          <a:bodyPr/>
+          <a:lstStyle/>
+          <a:p>
+            <a:r>
+              <a:rPr lang="en-US" dirty="0" smtClean="0"/>
+              <a:t>Uploading it so it can be used in scans.</a:t>
+            </a:r>
+            <a:endParaRPr lang="en-US" dirty="0"/>
+          </a:p>
+        </p:txBody>
+      </p:sp>
+      <p:sp>
+        <p:nvSpPr>
+          <p:cNvPr id="4" name="Text Placeholder 3"/>
+          <p:cNvSpPr>
+            <a:spLocks noGrp="1"/>
+          </p:cNvSpPr>
+          <p:nvPr>
+            <p:ph type="body" sz="quarter" idx="10"/>
+          </p:nvPr>
+        </p:nvSpPr>
+        <p:spPr/>
+        <p:txBody>
+          <a:bodyPr/>
+          <a:lstStyle/>
+          <a:p>
+            <a:pPr marL="342900" indent="-342900">
+              <a:buFont typeface="Wingdings" panose="05000000000000000000" pitchFamily="2" charset="2"/>
+              <a:buChar char="ü"/>
+            </a:pPr>
+            <a:r>
+              <a:rPr lang="en-US" dirty="0" smtClean="0"/>
+              <a:t>Upload your </a:t>
+            </a:r>
+            <a:r>
+              <a:rPr lang="en-US" dirty="0"/>
+              <a:t>c</a:t>
+            </a:r>
+            <a:r>
+              <a:rPr lang="en-US" dirty="0" smtClean="0"/>
+              <a:t>ustom profile to the Compliance </a:t>
+            </a:r>
+            <a:r>
+              <a:rPr lang="en-US" dirty="0" smtClean="0"/>
+              <a:t>server.</a:t>
+            </a:r>
+          </a:p>
+          <a:p>
+            <a:pPr marL="342900" indent="-342900">
+              <a:buFont typeface="Wingdings" panose="05000000000000000000" pitchFamily="2" charset="2"/>
+              <a:buChar char="ü"/>
+            </a:pPr>
+            <a:r>
+              <a:rPr lang="en-US" dirty="0" smtClean="0"/>
+              <a:t>Run </a:t>
+            </a:r>
+            <a:r>
+              <a:rPr lang="en-US" dirty="0" smtClean="0"/>
+              <a:t>a scan from your Compliance server using your custom profile.	</a:t>
+            </a:r>
+          </a:p>
+          <a:p>
+            <a:pPr marL="342900" indent="-342900">
+              <a:buFont typeface="Wingdings" panose="05000000000000000000" pitchFamily="2" charset="2"/>
+              <a:buChar char="q"/>
+            </a:pPr>
+            <a:endParaRPr lang="en-US" dirty="0" smtClean="0"/>
+          </a:p>
+          <a:p>
+            <a:pPr marL="342900" indent="-342900">
+              <a:buFont typeface="Wingdings" panose="05000000000000000000" pitchFamily="2" charset="2"/>
+              <a:buChar char="q"/>
+            </a:pPr>
+            <a:endParaRPr lang="en-US" dirty="0"/>
+          </a:p>
+        </p:txBody>
+      </p:sp>
+    </p:spTree>
+    <p:extLst>
+      <p:ext uri="{BB962C8B-B14F-4D97-AF65-F5344CB8AC3E}">
+        <p14:creationId xmlns:p14="http://schemas.microsoft.com/office/powerpoint/2010/main" val="2903353725"/>
+      </p:ext>
+    </p:extLst>
+  </p:cSld>
+  <p:clrMapOvr>
+    <a:masterClrMapping/>
+  </p:clrMapOvr>
+  <p:transition spd="med">
+    <p:fade/>
+  </p:transition>
+  <p:timing>
+    <p:tnLst>
+      <p:par>
+        <p:cTn id="1" dur="indefinite" restart="never" nodeType="tmRoot"/>
+      </p:par>
+    </p:tnLst>
+  </p:timing>
+</p:sld>
+</file>
+
+<file path=ppt/slides/slide38.xml><?xml version="1.0" encoding="utf-8"?>
+<p:sld xmlns:a="http://schemas.openxmlformats.org/drawingml/2006/main" xmlns:r="http://schemas.openxmlformats.org/officeDocument/2006/relationships" xmlns:p="http://schemas.openxmlformats.org/presentationml/2006/main">
+  <p:cSld>
+    <p:spTree>
+      <p:nvGrpSpPr>
+        <p:cNvPr id="1" name=""/>
+        <p:cNvGrpSpPr/>
+        <p:nvPr/>
+      </p:nvGrpSpPr>
+      <p:grpSpPr>
+        <a:xfrm>
+          <a:off x="0" y="0"/>
+          <a:ext cx="0" cy="0"/>
+          <a:chOff x="0" y="0"/>
+          <a:chExt cx="0" cy="0"/>
+        </a:xfrm>
+      </p:grpSpPr>
+      <p:sp>
+        <p:nvSpPr>
+          <p:cNvPr id="2" name="Title 1"/>
+          <p:cNvSpPr>
+            <a:spLocks noGrp="1"/>
+          </p:cNvSpPr>
+          <p:nvPr>
+            <p:ph type="title"/>
+          </p:nvPr>
+        </p:nvSpPr>
+        <p:spPr/>
+        <p:txBody>
+          <a:bodyPr/>
+          <a:lstStyle/>
+          <a:p>
+            <a:r>
+              <a:rPr lang="en-US" dirty="0" smtClean="0"/>
+              <a:t>Review Questions</a:t>
+            </a:r>
+            <a:endParaRPr lang="en-US" dirty="0"/>
+          </a:p>
+        </p:txBody>
+      </p:sp>
+      <p:sp>
+        <p:nvSpPr>
+          <p:cNvPr id="3" name="Text Placeholder 2"/>
+          <p:cNvSpPr>
+            <a:spLocks noGrp="1"/>
+          </p:cNvSpPr>
+          <p:nvPr>
+            <p:ph type="body" sz="quarter" idx="12"/>
+          </p:nvPr>
+        </p:nvSpPr>
+        <p:spPr/>
+        <p:txBody>
+          <a:bodyPr/>
+          <a:lstStyle/>
+          <a:p>
+            <a:pPr marL="514350" indent="-514350">
+              <a:buFont typeface="+mj-lt"/>
+              <a:buAutoNum type="arabicPeriod"/>
+            </a:pPr>
+            <a:r>
+              <a:rPr lang="en-US" dirty="0" smtClean="0"/>
+              <a:t>What is the difference between </a:t>
+            </a:r>
+            <a:r>
+              <a:rPr lang="en-US" dirty="0"/>
+              <a:t>`</a:t>
+            </a:r>
+            <a:r>
+              <a:rPr lang="en-US" dirty="0" err="1"/>
+              <a:t>inspec</a:t>
+            </a:r>
+            <a:r>
+              <a:rPr lang="en-US" dirty="0"/>
+              <a:t> check</a:t>
+            </a:r>
+            <a:r>
+              <a:rPr lang="en-US" dirty="0" smtClean="0"/>
+              <a:t>` and  `</a:t>
+            </a:r>
+            <a:r>
+              <a:rPr lang="en-US" dirty="0" err="1"/>
+              <a:t>inspec</a:t>
+            </a:r>
+            <a:r>
+              <a:rPr lang="en-US" dirty="0"/>
+              <a:t> exec</a:t>
+            </a:r>
+            <a:r>
+              <a:rPr lang="en-US" dirty="0" smtClean="0"/>
+              <a:t>'?</a:t>
+            </a:r>
+            <a:br>
+              <a:rPr lang="en-US" dirty="0" smtClean="0"/>
+            </a:br>
+            <a:endParaRPr lang="en-US" dirty="0" smtClean="0"/>
+          </a:p>
+          <a:p>
+            <a:pPr marL="514350" indent="-514350">
+              <a:buFont typeface="+mj-lt"/>
+              <a:buAutoNum type="arabicPeriod"/>
+            </a:pPr>
+            <a:r>
+              <a:rPr lang="en-US" dirty="0" smtClean="0"/>
+              <a:t>What does `</a:t>
+            </a:r>
+            <a:r>
+              <a:rPr lang="en-US" dirty="0" err="1" smtClean="0"/>
+              <a:t>inspec</a:t>
+            </a:r>
+            <a:r>
+              <a:rPr lang="en-US" dirty="0" smtClean="0"/>
+              <a:t> </a:t>
+            </a:r>
+            <a:r>
+              <a:rPr lang="en-US" dirty="0" err="1"/>
+              <a:t>init</a:t>
+            </a:r>
+            <a:r>
+              <a:rPr lang="en-US" dirty="0"/>
+              <a:t> </a:t>
+            </a:r>
+            <a:r>
+              <a:rPr lang="en-US" dirty="0" smtClean="0"/>
+              <a:t>profile` do? </a:t>
+            </a:r>
+            <a:endParaRPr lang="en-US" dirty="0" smtClean="0"/>
+          </a:p>
+        </p:txBody>
+      </p:sp>
+    </p:spTree>
+    <p:extLst>
+      <p:ext uri="{BB962C8B-B14F-4D97-AF65-F5344CB8AC3E}">
+        <p14:creationId xmlns:p14="http://schemas.microsoft.com/office/powerpoint/2010/main" val="823346188"/>
+      </p:ext>
+    </p:extLst>
+  </p:cSld>
+  <p:clrMapOvr>
+    <a:masterClrMapping/>
+  </p:clrMapOvr>
+  <p:transition spd="med">
+    <p:fade/>
+  </p:transition>
+  <p:timing>
+    <p:tnLst>
+      <p:par>
+        <p:cTn id="1" dur="indefinite" restart="never" nodeType="tmRoot"/>
+      </p:par>
+    </p:tnLst>
+  </p:timing>
+</p:sld>
+</file>
+
+<file path=ppt/slides/slide39.xml><?xml version="1.0" encoding="utf-8"?>
 <p:sld xmlns:a="http://schemas.openxmlformats.org/drawingml/2006/main" xmlns:r="http://schemas.openxmlformats.org/officeDocument/2006/relationships" xmlns:p="http://schemas.openxmlformats.org/presentationml/2006/main">
   <p:cSld>
     <p:spTree>
@@ -19085,125 +23985,6 @@
 </p:sld>
 </file>
 
-<file path=ppt/slides/slide3.xml><?xml version="1.0" encoding="utf-8"?>
-<p:sld xmlns:a="http://schemas.openxmlformats.org/drawingml/2006/main" xmlns:r="http://schemas.openxmlformats.org/officeDocument/2006/relationships" xmlns:p="http://schemas.openxmlformats.org/presentationml/2006/main">
-  <p:cSld>
-    <p:spTree>
-      <p:nvGrpSpPr>
-        <p:cNvPr id="1" name=""/>
-        <p:cNvGrpSpPr/>
-        <p:nvPr/>
-      </p:nvGrpSpPr>
-      <p:grpSpPr>
-        <a:xfrm>
-          <a:off x="0" y="0"/>
-          <a:ext cx="0" cy="0"/>
-          <a:chOff x="0" y="0"/>
-          <a:chExt cx="0" cy="0"/>
-        </a:xfrm>
-      </p:grpSpPr>
-      <p:sp>
-        <p:nvSpPr>
-          <p:cNvPr id="2" name="Title 1"/>
-          <p:cNvSpPr>
-            <a:spLocks noGrp="1"/>
-          </p:cNvSpPr>
-          <p:nvPr>
-            <p:ph type="ctrTitle"/>
-          </p:nvPr>
-        </p:nvSpPr>
-        <p:spPr/>
-        <p:txBody>
-          <a:bodyPr>
-            <a:normAutofit fontScale="90000"/>
-          </a:bodyPr>
-          <a:lstStyle/>
-          <a:p>
-            <a:r>
-              <a:rPr lang="en-US" dirty="0" smtClean="0"/>
-              <a:t>Creating a Custom Profile</a:t>
-            </a:r>
-            <a:endParaRPr lang="en-US" dirty="0"/>
-          </a:p>
-        </p:txBody>
-      </p:sp>
-      <p:sp>
-        <p:nvSpPr>
-          <p:cNvPr id="3" name="Subtitle 2"/>
-          <p:cNvSpPr>
-            <a:spLocks noGrp="1"/>
-          </p:cNvSpPr>
-          <p:nvPr>
-            <p:ph type="subTitle" idx="1"/>
-          </p:nvPr>
-        </p:nvSpPr>
-        <p:spPr>
-          <a:xfrm>
-            <a:off x="1671638" y="3271838"/>
-            <a:ext cx="12319000" cy="4317682"/>
-          </a:xfrm>
-        </p:spPr>
-        <p:txBody>
-          <a:bodyPr/>
-          <a:lstStyle/>
-          <a:p>
-            <a:r>
-              <a:rPr lang="en-US" dirty="0" smtClean="0"/>
-              <a:t>In this section we will create a custom compliance profile.</a:t>
-            </a:r>
-          </a:p>
-          <a:p>
-            <a:endParaRPr lang="en-US" dirty="0"/>
-          </a:p>
-          <a:p>
-            <a:r>
-              <a:rPr lang="en-US" dirty="0" smtClean="0"/>
-              <a:t>Custom profiles are created using </a:t>
-            </a:r>
-            <a:r>
-              <a:rPr lang="en-US" dirty="0" err="1" smtClean="0"/>
-              <a:t>InSpec</a:t>
-            </a:r>
-            <a:r>
-              <a:rPr lang="en-US" dirty="0" smtClean="0"/>
-              <a:t>, just like the existing profiles were created.</a:t>
-            </a:r>
-          </a:p>
-          <a:p>
-            <a:endParaRPr lang="en-US" dirty="0"/>
-          </a:p>
-          <a:p>
-            <a:r>
-              <a:rPr lang="en-US" dirty="0" smtClean="0"/>
-              <a:t>After you have created a custom profile, you'll learn how to upload it to a Compliance Server and then use it to check for compliance issues.</a:t>
-            </a:r>
-            <a:endParaRPr lang="en-US" dirty="0"/>
-          </a:p>
-        </p:txBody>
-      </p:sp>
-    </p:spTree>
-    <p:extLst>
-      <p:ext uri="{BB962C8B-B14F-4D97-AF65-F5344CB8AC3E}">
-        <p14:creationId xmlns:p14="http://schemas.microsoft.com/office/powerpoint/2010/main" val="2095059740"/>
-      </p:ext>
-    </p:extLst>
-  </p:cSld>
-  <p:clrMapOvr>
-    <a:masterClrMapping/>
-  </p:clrMapOvr>
-  <p:transition spd="med">
-    <p:fade/>
-  </p:transition>
-  <p:timing>
-    <p:tnLst>
-      <p:par>
-        <p:cTn id="1" dur="indefinite" restart="never" nodeType="tmRoot"/>
-      </p:par>
-    </p:tnLst>
-  </p:timing>
-</p:sld>
-</file>
-
 <file path=ppt/slides/slide4.xml><?xml version="1.0" encoding="utf-8"?>
 <p:sld xmlns:a="http://schemas.openxmlformats.org/drawingml/2006/main" xmlns:r="http://schemas.openxmlformats.org/officeDocument/2006/relationships" xmlns:p="http://schemas.openxmlformats.org/presentationml/2006/main">
   <p:cSld>
@@ -19275,11 +24056,7 @@
             </a:r>
             <a:r>
               <a:rPr lang="en-US" dirty="0" smtClean="0"/>
-              <a:t>help us create Compliance profiles and </a:t>
-            </a:r>
-            <a:r>
-              <a:rPr lang="en-US" dirty="0" smtClean="0"/>
-              <a:t>run </a:t>
+              <a:t>help us create Compliance profiles and run </a:t>
             </a:r>
             <a:r>
               <a:rPr lang="en-US" dirty="0"/>
@@ -19300,11 +24077,7 @@
             </a:r>
             <a:r>
               <a:rPr lang="en-US" dirty="0" smtClean="0"/>
-              <a:t>commands can </a:t>
-            </a:r>
-            <a:r>
-              <a:rPr lang="en-US" dirty="0" smtClean="0"/>
-              <a:t>run </a:t>
+              <a:t>commands can run </a:t>
             </a:r>
             <a:r>
               <a:rPr lang="en-US" dirty="0"/>
@@ -19321,11 +24094,7 @@
           <a:p>
             <a:r>
               <a:rPr lang="en-US" dirty="0" smtClean="0"/>
-              <a:t>We'll be using </a:t>
-            </a:r>
-            <a:r>
-              <a:rPr lang="en-US" dirty="0" smtClean="0"/>
-              <a:t>`</a:t>
+              <a:t>We'll be using `</a:t>
             </a:r>
             <a:r>
               <a:rPr lang="en-US" dirty="0" err="1" smtClean="0"/>
@@ -19341,11 +24110,7 @@
             </a:r>
             <a:r>
               <a:rPr lang="en-US" dirty="0" smtClean="0"/>
-              <a:t>, </a:t>
-            </a:r>
-            <a:r>
-              <a:rPr lang="en-US" dirty="0" smtClean="0"/>
-              <a:t>`</a:t>
+              <a:t>, `</a:t>
             </a:r>
             <a:r>
               <a:rPr lang="en-US" dirty="0" err="1" smtClean="0"/>
@@ -19353,11 +24118,7 @@
             </a:r>
             <a:r>
               <a:rPr lang="en-US" dirty="0" smtClean="0"/>
-              <a:t> </a:t>
-            </a:r>
-            <a:r>
-              <a:rPr lang="en-US" dirty="0" smtClean="0"/>
-              <a:t>check` and `</a:t>
+              <a:t> check` and `</a:t>
             </a:r>
             <a:r>
               <a:rPr lang="en-US" dirty="0" err="1" smtClean="0"/>
@@ -19397,7 +24158,6 @@
               <a:rPr lang="en-US" dirty="0" smtClean="0"/>
               <a:t>' streamlines the creation of new Compliance profiles.</a:t>
             </a:r>
-            <a:endParaRPr lang="en-US" dirty="0" smtClean="0"/>
           </a:p>
         </p:txBody>
       </p:sp>
@@ -19559,11 +24319,7 @@
             </a:r>
             <a:r>
               <a:rPr lang="en-US" dirty="0" smtClean="0"/>
-              <a:t>compliance profile code that you write --</a:t>
-            </a:r>
-            <a:r>
-              <a:rPr lang="en-US" dirty="0" smtClean="0"/>
-              <a:t>it </a:t>
+              <a:t>compliance profile code that you write --it </a:t>
             </a:r>
             <a:r>
               <a:rPr lang="en-US" dirty="0"/>
@@ -19731,11 +24487,7 @@
             </a:pPr>
             <a:r>
               <a:rPr lang="en-US" dirty="0" smtClean="0"/>
-              <a:t>Create </a:t>
-            </a:r>
-            <a:r>
-              <a:rPr lang="en-US" dirty="0" smtClean="0"/>
-              <a:t>a custom profile.</a:t>
+              <a:t>Create a custom profile.</a:t>
             </a:r>
           </a:p>
           <a:p>
@@ -20264,11 +25016,7 @@
           <a:p>
             <a:r>
               <a:rPr lang="en-US" sz="4700" dirty="0" smtClean="0"/>
-              <a:t>GL: </a:t>
-            </a:r>
-            <a:r>
-              <a:rPr lang="en-US" sz="4700" dirty="0" smtClean="0"/>
-              <a:t>Using `</a:t>
+              <a:t>GL: Using `</a:t>
             </a:r>
             <a:r>
               <a:rPr lang="en-US" sz="4700" dirty="0" err="1" smtClean="0"/>
@@ -20569,11 +25317,7 @@
           <a:p>
             <a:r>
               <a:rPr lang="en-US" sz="4700" dirty="0" smtClean="0"/>
-              <a:t>GL: </a:t>
-            </a:r>
-            <a:r>
-              <a:rPr lang="en-US" sz="4700" dirty="0" smtClean="0"/>
-              <a:t>Using `</a:t>
+              <a:t>GL: Using `</a:t>
             </a:r>
             <a:r>
               <a:rPr lang="en-US" sz="4700" dirty="0" err="1" smtClean="0"/>
@@ -22227,27 +26971,6 @@
 </file>
 
 <file path=customXml/item1.xml><?xml version="1.0" encoding="utf-8"?>
-<p:properties xmlns:p="http://schemas.microsoft.com/office/2006/metadata/properties" xmlns:xsi="http://www.w3.org/2001/XMLSchema-instance" xmlns:pc="http://schemas.microsoft.com/office/infopath/2007/PartnerControls">
-  <documentManagement>
-    <_dlc_DocId xmlns="7bb5d761-a2ea-4873-95f7-7a6658fb3ef0">M4CWTKMW727E-592-73</_dlc_DocId>
-    <_dlc_DocIdUrl xmlns="7bb5d761-a2ea-4873-95f7-7a6658fb3ef0">
-      <Url>https://kms.vci.local/marketing/team/_layouts/DocIdRedir.aspx?ID=M4CWTKMW727E-592-73</Url>
-      <Description>M4CWTKMW727E-592-73</Description>
-    </_dlc_DocIdUrl>
-  </documentManagement>
-</p:properties>
-</file>
-
-<file path=customXml/item2.xml><?xml version="1.0" encoding="utf-8"?>
-<?mso-contentType ?>
-<FormTemplates xmlns="http://schemas.microsoft.com/sharepoint/v3/contenttype/forms">
-  <Display>DocumentLibraryForm</Display>
-  <Edit>DocumentLibraryForm</Edit>
-  <New>DocumentLibraryForm</New>
-</FormTemplates>
-</file>
-
-<file path=customXml/item3.xml><?xml version="1.0" encoding="utf-8"?>
 <?mso-contentType ?>
 <spe:Receivers xmlns:spe="http://schemas.microsoft.com/sharepoint/events">
   <Receiver>
@@ -22291,6 +27014,27 @@
     <Filter/>
   </Receiver>
 </spe:Receivers>
+</file>
+
+<file path=customXml/item2.xml><?xml version="1.0" encoding="utf-8"?>
+<?mso-contentType ?>
+<FormTemplates xmlns="http://schemas.microsoft.com/sharepoint/v3/contenttype/forms">
+  <Display>DocumentLibraryForm</Display>
+  <Edit>DocumentLibraryForm</Edit>
+  <New>DocumentLibraryForm</New>
+</FormTemplates>
+</file>
+
+<file path=customXml/item3.xml><?xml version="1.0" encoding="utf-8"?>
+<p:properties xmlns:p="http://schemas.microsoft.com/office/2006/metadata/properties" xmlns:xsi="http://www.w3.org/2001/XMLSchema-instance" xmlns:pc="http://schemas.microsoft.com/office/infopath/2007/PartnerControls">
+  <documentManagement>
+    <_dlc_DocId xmlns="7bb5d761-a2ea-4873-95f7-7a6658fb3ef0">M4CWTKMW727E-592-73</_dlc_DocId>
+    <_dlc_DocIdUrl xmlns="7bb5d761-a2ea-4873-95f7-7a6658fb3ef0">
+      <Url>https://kms.vci.local/marketing/team/_layouts/DocIdRedir.aspx?ID=M4CWTKMW727E-592-73</Url>
+      <Description>M4CWTKMW727E-592-73</Description>
+    </_dlc_DocIdUrl>
+  </documentManagement>
+</p:properties>
 </file>
 
 <file path=customXml/item4.xml><?xml version="1.0" encoding="utf-8"?>
@@ -22439,17 +27183,9 @@
 </file>
 
 <file path=customXml/itemProps1.xml><?xml version="1.0" encoding="utf-8"?>
-<ds:datastoreItem xmlns:ds="http://schemas.openxmlformats.org/officeDocument/2006/customXml" ds:itemID="{6921749B-AEB7-461B-845F-603CABD25259}">
+<ds:datastoreItem xmlns:ds="http://schemas.openxmlformats.org/officeDocument/2006/customXml" ds:itemID="{B13EBC30-FE27-4C6A-B723-23FC2188F7DC}">
   <ds:schemaRefs>
-    <ds:schemaRef ds:uri="http://schemas.microsoft.com/office/2006/documentManagement/types"/>
-    <ds:schemaRef ds:uri="http://schemas.microsoft.com/office/infopath/2007/PartnerControls"/>
-    <ds:schemaRef ds:uri="http://purl.org/dc/elements/1.1/"/>
-    <ds:schemaRef ds:uri="http://schemas.microsoft.com/office/2006/metadata/properties"/>
-    <ds:schemaRef ds:uri="7bb5d761-a2ea-4873-95f7-7a6658fb3ef0"/>
-    <ds:schemaRef ds:uri="http://purl.org/dc/terms/"/>
-    <ds:schemaRef ds:uri="http://schemas.openxmlformats.org/package/2006/metadata/core-properties"/>
-    <ds:schemaRef ds:uri="http://www.w3.org/XML/1998/namespace"/>
-    <ds:schemaRef ds:uri="http://purl.org/dc/dcmitype/"/>
+    <ds:schemaRef ds:uri="http://schemas.microsoft.com/sharepoint/events"/>
   </ds:schemaRefs>
 </ds:datastoreItem>
 </file>
@@ -22463,9 +27199,17 @@
 </file>
 
 <file path=customXml/itemProps3.xml><?xml version="1.0" encoding="utf-8"?>
-<ds:datastoreItem xmlns:ds="http://schemas.openxmlformats.org/officeDocument/2006/customXml" ds:itemID="{B13EBC30-FE27-4C6A-B723-23FC2188F7DC}">
+<ds:datastoreItem xmlns:ds="http://schemas.openxmlformats.org/officeDocument/2006/customXml" ds:itemID="{6921749B-AEB7-461B-845F-603CABD25259}">
   <ds:schemaRefs>
-    <ds:schemaRef ds:uri="http://schemas.microsoft.com/sharepoint/events"/>
+    <ds:schemaRef ds:uri="http://schemas.microsoft.com/office/2006/documentManagement/types"/>
+    <ds:schemaRef ds:uri="http://schemas.microsoft.com/office/infopath/2007/PartnerControls"/>
+    <ds:schemaRef ds:uri="http://purl.org/dc/elements/1.1/"/>
+    <ds:schemaRef ds:uri="http://schemas.microsoft.com/office/2006/metadata/properties"/>
+    <ds:schemaRef ds:uri="7bb5d761-a2ea-4873-95f7-7a6658fb3ef0"/>
+    <ds:schemaRef ds:uri="http://purl.org/dc/terms/"/>
+    <ds:schemaRef ds:uri="http://schemas.openxmlformats.org/package/2006/metadata/core-properties"/>
+    <ds:schemaRef ds:uri="http://www.w3.org/XML/1998/namespace"/>
+    <ds:schemaRef ds:uri="http://purl.org/dc/dcmitype/"/>
   </ds:schemaRefs>
 </ds:datastoreItem>
 </file>

--- a/05-creating-custom-profiles.pptx
+++ b/05-creating-custom-profiles.pptx
@@ -1450,7 +1450,15 @@
             </a:r>
             <a:r>
               <a:rPr lang="en-US" baseline="0" dirty="0" smtClean="0"/>
-              <a:t> reside next to the default `</a:t>
+              <a:t> </a:t>
+            </a:r>
+            <a:r>
+              <a:rPr lang="en-US" baseline="0" dirty="0" smtClean="0"/>
+              <a:t>resides </a:t>
+            </a:r>
+            <a:r>
+              <a:rPr lang="en-US" baseline="0" dirty="0" smtClean="0"/>
+              <a:t>next to the default `</a:t>
             </a:r>
             <a:r>
               <a:rPr lang="en-US" baseline="0" dirty="0" err="1" smtClean="0"/>
@@ -4335,15 +4343,7 @@
           <a:p>
             <a:r>
               <a:rPr lang="en-US" dirty="0" smtClean="0"/>
-              <a:t>In addition to the uploading procedure we'll do in the exercise, in the workplace you could also upload </a:t>
-            </a:r>
-            <a:r>
-              <a:rPr lang="en-US" dirty="0" smtClean="0"/>
-              <a:t>custom </a:t>
-            </a:r>
-            <a:r>
-              <a:rPr lang="en-US" dirty="0" smtClean="0"/>
-              <a:t>profiles using an API.</a:t>
+              <a:t>In addition to the uploading procedure we'll do in the exercise, in the workplace you could also upload custom profiles using an API.</a:t>
             </a:r>
           </a:p>
           <a:p>
@@ -4687,15 +4687,7 @@
             </a:r>
             <a:r>
               <a:rPr lang="en-US" baseline="0" dirty="0" smtClean="0"/>
-              <a:t> command. </a:t>
-            </a:r>
-            <a:r>
-              <a:rPr lang="en-US" baseline="0" dirty="0" smtClean="0"/>
-              <a:t>You'll </a:t>
-            </a:r>
-            <a:r>
-              <a:rPr lang="en-US" baseline="0" dirty="0" smtClean="0"/>
-              <a:t>be using the `</a:t>
+              <a:t> command. You'll be using the `</a:t>
             </a:r>
             <a:r>
               <a:rPr lang="en-US" sz="1200" dirty="0" err="1" smtClean="0"/>
@@ -4845,15 +4837,7 @@
           <a:p>
             <a:r>
               <a:rPr lang="en-US" dirty="0" smtClean="0"/>
-              <a:t>Use </a:t>
-            </a:r>
-            <a:r>
-              <a:rPr lang="en-US" dirty="0" smtClean="0"/>
-              <a:t>your </a:t>
-            </a:r>
-            <a:r>
-              <a:rPr lang="en-US" dirty="0" smtClean="0"/>
-              <a:t>compliance server's IP address in place of SERVER in this example.</a:t>
+              <a:t>Use your compliance server's IP address in place of SERVER in this example.</a:t>
             </a:r>
           </a:p>
           <a:p>
@@ -4871,6 +4855,32 @@
           </a:p>
           <a:p>
             <a:endParaRPr lang="en-US" baseline="0" dirty="0" smtClean="0"/>
+          </a:p>
+          <a:p>
+            <a:r>
+              <a:rPr lang="en-US" sz="1200" kern="1200" smtClean="0">
+                <a:solidFill>
+                  <a:schemeClr val="tx1"/>
+                </a:solidFill>
+                <a:effectLst/>
+                <a:latin typeface="Arial" panose="020B0604020202020204" pitchFamily="34" charset="0"/>
+                <a:ea typeface="ＭＳ Ｐゴシック" charset="0"/>
+                <a:cs typeface="Arial" panose="020B0604020202020204" pitchFamily="34" charset="0"/>
+              </a:rPr>
+              <a:t>We </a:t>
+            </a:r>
+            <a:r>
+              <a:rPr lang="en-US" sz="1200" kern="1200" dirty="0" smtClean="0">
+                <a:solidFill>
+                  <a:schemeClr val="tx1"/>
+                </a:solidFill>
+                <a:effectLst/>
+                <a:latin typeface="Arial" panose="020B0604020202020204" pitchFamily="34" charset="0"/>
+                <a:ea typeface="ＭＳ Ｐゴシック" charset="0"/>
+                <a:cs typeface="Arial" panose="020B0604020202020204" pitchFamily="34" charset="0"/>
+              </a:rPr>
+              <a:t>are using the `--insecure option` in this lab because we are not using valid self-signed certificates.</a:t>
+            </a:r>
           </a:p>
           <a:p>
             <a:pPr marL="0" marR="0" indent="0" algn="l" defTabSz="1217613" rtl="0" eaLnBrk="1" fontAlgn="base" latinLnBrk="0" hangingPunct="1">
@@ -4891,29 +4901,12 @@
               <a:defRPr/>
             </a:pPr>
             <a:r>
-              <a:rPr lang="en-US" baseline="0" dirty="0" smtClean="0"/>
-              <a:t>Note: </a:t>
-            </a:r>
-            <a:r>
               <a:rPr lang="en-US" dirty="0" smtClean="0"/>
-              <a:t>We are</a:t>
-            </a:r>
-            <a:r>
-              <a:rPr lang="en-US" baseline="0" dirty="0" smtClean="0"/>
-              <a:t> using the `--insecure option` in this lab because we have not set up </a:t>
-            </a:r>
-            <a:r>
-              <a:rPr lang="en-US" sz="1200" b="0" i="0" kern="1200" dirty="0" smtClean="0">
-                <a:solidFill>
-                  <a:schemeClr val="tx1"/>
-                </a:solidFill>
-                <a:effectLst/>
-                <a:latin typeface="Arial" panose="020B0604020202020204" pitchFamily="34" charset="0"/>
-                <a:ea typeface="ＭＳ Ｐゴシック" charset="0"/>
-                <a:cs typeface="Arial" panose="020B0604020202020204" pitchFamily="34" charset="0"/>
-              </a:rPr>
-              <a:t>valid https certificates. </a:t>
-            </a:r>
+              <a:t/>
+            </a:r>
+            <a:br>
+              <a:rPr lang="en-US" dirty="0" smtClean="0"/>
+            </a:br>
             <a:endParaRPr lang="en-US" dirty="0"/>
           </a:p>
         </p:txBody>
@@ -6725,11 +6718,7 @@
             </a:r>
             <a:r>
               <a:rPr lang="en-US" baseline="0" dirty="0" smtClean="0"/>
-              <a:t> requirement of metadata.rb. Plus the new `generate profile` command will change the way we create profiles too</a:t>
-            </a:r>
-            <a:r>
-              <a:rPr lang="en-US" baseline="0" dirty="0" smtClean="0"/>
-              <a:t>.</a:t>
+              <a:t> requirement of metadata.rb. Plus the new `generate profile` command will change the way we create profiles too.</a:t>
             </a:r>
           </a:p>
           <a:p>
@@ -8021,28 +8010,8 @@
             </a:pPr>
             <a:r>
               <a:rPr lang="en-US" baseline="0" dirty="0" smtClean="0"/>
-              <a:t>In the workplace you should modify this file but we'll leave it as-is for now. TBD elaborate.</a:t>
-            </a:r>
-          </a:p>
-          <a:p>
-            <a:pPr marL="0" marR="0" indent="0" algn="l" defTabSz="1217613" rtl="0" eaLnBrk="1" fontAlgn="base" latinLnBrk="0" hangingPunct="1">
-              <a:lnSpc>
-                <a:spcPct val="90000"/>
-              </a:lnSpc>
-              <a:spcBef>
-                <a:spcPct val="30000"/>
-              </a:spcBef>
-              <a:spcAft>
-                <a:spcPts val="450"/>
-              </a:spcAft>
-              <a:buClrTx/>
-              <a:buSzTx/>
-              <a:buFontTx/>
-              <a:buNone/>
-              <a:tabLst/>
-              <a:defRPr/>
-            </a:pPr>
-            <a:endParaRPr lang="en-US" baseline="0" dirty="0" smtClean="0"/>
+              <a:t>In the workplace you should modify this file but we'll leave it as-is for now. </a:t>
+            </a:r>
           </a:p>
           <a:p>
             <a:pPr marL="0" marR="0" indent="0" algn="l" defTabSz="1217613" rtl="0" eaLnBrk="1" fontAlgn="base" latinLnBrk="0" hangingPunct="1">
@@ -21506,7 +21475,6 @@
               <a:rPr lang="en-US" dirty="0"/>
               <a:t>--insecure</a:t>
             </a:r>
-            <a:endParaRPr lang="en-US" dirty="0"/>
           </a:p>
         </p:txBody>
       </p:sp>
@@ -21529,11 +21497,7 @@
           <a:p>
             <a:r>
               <a:rPr lang="en-US" dirty="0" smtClean="0"/>
-              <a:t>GL: </a:t>
-            </a:r>
-            <a:r>
-              <a:rPr lang="en-US" dirty="0" smtClean="0"/>
-              <a:t>Logging in to your Compliance Server</a:t>
+              <a:t>GL: Logging in to your Compliance Server</a:t>
             </a:r>
             <a:endParaRPr lang="en-US" dirty="0"/>
           </a:p>
@@ -21686,13 +21650,8 @@
           <a:p>
             <a:r>
               <a:rPr lang="en-US" dirty="0"/>
-              <a:t>$ </a:t>
-            </a:r>
-            <a:r>
-              <a:rPr lang="en-US" dirty="0"/>
-              <a:t>tree secureprofile_01</a:t>
-            </a:r>
-            <a:endParaRPr lang="en-US" dirty="0"/>
+              <a:t>$ tree secureprofile_01</a:t>
+            </a:r>
           </a:p>
         </p:txBody>
       </p:sp>
@@ -21715,11 +21674,7 @@
           <a:p>
             <a:r>
               <a:rPr lang="en-US" dirty="0" smtClean="0"/>
-              <a:t>GL: </a:t>
-            </a:r>
-            <a:r>
-              <a:rPr lang="en-US" dirty="0" smtClean="0"/>
-              <a:t>Viewing Your Custom Profile Tree</a:t>
+              <a:t>GL: Viewing Your Custom Profile Tree</a:t>
             </a:r>
             <a:endParaRPr lang="en-US" dirty="0"/>
           </a:p>
@@ -21914,7 +21869,6 @@
               <a:rPr lang="en-US" dirty="0"/>
               <a:t> compliance profiles</a:t>
             </a:r>
-            <a:endParaRPr lang="en-US" dirty="0"/>
           </a:p>
         </p:txBody>
       </p:sp>
@@ -21937,11 +21891,7 @@
           <a:p>
             <a:r>
               <a:rPr lang="en-US" sz="4000" dirty="0" smtClean="0"/>
-              <a:t>GL: </a:t>
-            </a:r>
-            <a:r>
-              <a:rPr lang="en-US" sz="4000" dirty="0" smtClean="0"/>
-              <a:t>Viewing Compliance Profiles on Your Compliance Server</a:t>
+              <a:t>GL: Viewing Compliance Profiles on Your Compliance Server</a:t>
             </a:r>
             <a:endParaRPr lang="en-US" sz="4000" dirty="0"/>
           </a:p>
@@ -22285,7 +22235,6 @@
               <a:rPr lang="en-US" dirty="0"/>
               <a:t> compliance upload secureprofile_01</a:t>
             </a:r>
-            <a:endParaRPr lang="en-US" dirty="0"/>
           </a:p>
         </p:txBody>
       </p:sp>
@@ -22306,11 +22255,7 @@
           <a:p>
             <a:r>
               <a:rPr lang="en-US" dirty="0" smtClean="0"/>
-              <a:t>GL: </a:t>
-            </a:r>
-            <a:r>
-              <a:rPr lang="en-US" dirty="0" smtClean="0"/>
-              <a:t>Uploading Your Custom Profile</a:t>
+              <a:t>GL: Uploading Your Custom Profile</a:t>
             </a:r>
             <a:endParaRPr lang="en-US" dirty="0"/>
           </a:p>
@@ -22514,7 +22459,6 @@
               <a:rPr lang="en-US" dirty="0"/>
               <a:t> compliance profiles</a:t>
             </a:r>
-            <a:endParaRPr lang="en-US" dirty="0"/>
           </a:p>
         </p:txBody>
       </p:sp>
@@ -22539,7 +22483,6 @@
               <a:rPr lang="en-US" sz="4000" dirty="0"/>
               <a:t>GL: Viewing Compliance Profiles on Your Compliance Server</a:t>
             </a:r>
-            <a:endParaRPr lang="en-US" sz="4000" dirty="0"/>
           </a:p>
         </p:txBody>
       </p:sp>
@@ -22839,7 +22782,6 @@
               <a:rPr lang="en-US" dirty="0"/>
               <a:t> compliance logout</a:t>
             </a:r>
-            <a:endParaRPr lang="en-US" dirty="0"/>
           </a:p>
         </p:txBody>
       </p:sp>
@@ -22862,11 +22804,7 @@
           <a:p>
             <a:r>
               <a:rPr lang="en-US" dirty="0" smtClean="0"/>
-              <a:t>GL: </a:t>
-            </a:r>
-            <a:r>
-              <a:rPr lang="en-US" dirty="0" smtClean="0"/>
-              <a:t>Logging out of Your Compliance server</a:t>
+              <a:t>GL: Logging out of Your Compliance server</a:t>
             </a:r>
             <a:endParaRPr lang="en-US" dirty="0"/>
           </a:p>
@@ -22984,13 +22922,8 @@
           <a:p>
             <a:r>
               <a:rPr lang="en-US" dirty="0" smtClean="0"/>
-              <a:t>Notic</a:t>
-            </a:r>
-            <a:r>
-              <a:rPr lang="en-US" dirty="0" smtClean="0"/>
-              <a:t>e that your custom profile is present.</a:t>
-            </a:r>
-            <a:endParaRPr lang="en-US" dirty="0" smtClean="0"/>
+              <a:t>Notice that your custom profile is present.</a:t>
+            </a:r>
           </a:p>
         </p:txBody>
       </p:sp>
@@ -23092,7 +23025,6 @@
               <a:rPr lang="en-US" dirty="0"/>
               <a:t>Uploaded Custom Profile</a:t>
             </a:r>
-            <a:endParaRPr lang="en-US" dirty="0"/>
           </a:p>
         </p:txBody>
       </p:sp>
@@ -23128,7 +23060,6 @@
               <a:rPr lang="en-US" dirty="0" smtClean="0"/>
               <a:t>.</a:t>
             </a:r>
-            <a:endParaRPr lang="en-US" dirty="0" smtClean="0"/>
           </a:p>
         </p:txBody>
       </p:sp>
@@ -23220,7 +23151,6 @@
               <a:rPr lang="en-US" dirty="0"/>
               <a:t>GL: Testing Your Uploaded Custom Profile</a:t>
             </a:r>
-            <a:endParaRPr lang="en-US" dirty="0"/>
           </a:p>
         </p:txBody>
       </p:sp>
@@ -23256,7 +23186,6 @@
               <a:rPr lang="en-US" dirty="0" smtClean="0"/>
               <a:t>. </a:t>
             </a:r>
-            <a:endParaRPr lang="en-US" dirty="0" smtClean="0"/>
           </a:p>
         </p:txBody>
       </p:sp>
@@ -23384,7 +23313,6 @@
               <a:rPr lang="en-US" dirty="0"/>
               <a:t>GL: Testing Your Uploaded Custom Profile</a:t>
             </a:r>
-            <a:endParaRPr lang="en-US" dirty="0"/>
           </a:p>
         </p:txBody>
       </p:sp>
@@ -23412,7 +23340,6 @@
               <a:rPr lang="en-US" dirty="0" smtClean="0"/>
               <a:t>You should now see that your custom profile works properly and your Linux target is in compliance. </a:t>
             </a:r>
-            <a:endParaRPr lang="en-US" dirty="0" smtClean="0"/>
           </a:p>
         </p:txBody>
       </p:sp>
@@ -23572,11 +23499,7 @@
             </a:r>
             <a:r>
               <a:rPr lang="en-US" dirty="0" smtClean="0"/>
-              <a:t>ustom profile to the Compliance </a:t>
-            </a:r>
-            <a:r>
-              <a:rPr lang="en-US" dirty="0" smtClean="0"/>
-              <a:t>server.</a:t>
+              <a:t>ustom profile to the Compliance server.</a:t>
             </a:r>
           </a:p>
           <a:p>
@@ -23586,11 +23509,7 @@
             </a:pPr>
             <a:r>
               <a:rPr lang="en-US" dirty="0" smtClean="0"/>
-              <a:t>Run </a:t>
-            </a:r>
-            <a:r>
-              <a:rPr lang="en-US" dirty="0" smtClean="0"/>
-              <a:t>a scan from your Compliance server using your custom profile.	</a:t>
+              <a:t>Run a scan from your Compliance server using your custom profile.	</a:t>
             </a:r>
           </a:p>
           <a:p>
@@ -23757,7 +23676,6 @@
               <a:rPr lang="en-US" dirty="0" smtClean="0"/>
               <a:t>profile` do? </a:t>
             </a:r>
-            <a:endParaRPr lang="en-US" dirty="0" smtClean="0"/>
           </a:p>
         </p:txBody>
       </p:sp>
@@ -26972,52 +26890,6 @@
 
 <file path=customXml/item1.xml><?xml version="1.0" encoding="utf-8"?>
 <?mso-contentType ?>
-<spe:Receivers xmlns:spe="http://schemas.microsoft.com/sharepoint/events">
-  <Receiver>
-    <Name>Document ID Generator</Name>
-    <Synchronization>Synchronous</Synchronization>
-    <Type>10001</Type>
-    <SequenceNumber>1000</SequenceNumber>
-    <Assembly>Microsoft.Office.DocumentManagement, Version=14.0.0.0, Culture=neutral, PublicKeyToken=71e9bce111e9429c</Assembly>
-    <Class>Microsoft.Office.DocumentManagement.Internal.DocIdHandler</Class>
-    <Data/>
-    <Filter/>
-  </Receiver>
-  <Receiver>
-    <Name>Document ID Generator</Name>
-    <Synchronization>Synchronous</Synchronization>
-    <Type>10002</Type>
-    <SequenceNumber>1001</SequenceNumber>
-    <Assembly>Microsoft.Office.DocumentManagement, Version=14.0.0.0, Culture=neutral, PublicKeyToken=71e9bce111e9429c</Assembly>
-    <Class>Microsoft.Office.DocumentManagement.Internal.DocIdHandler</Class>
-    <Data/>
-    <Filter/>
-  </Receiver>
-  <Receiver>
-    <Name>Document ID Generator</Name>
-    <Synchronization>Synchronous</Synchronization>
-    <Type>10004</Type>
-    <SequenceNumber>1002</SequenceNumber>
-    <Assembly>Microsoft.Office.DocumentManagement, Version=14.0.0.0, Culture=neutral, PublicKeyToken=71e9bce111e9429c</Assembly>
-    <Class>Microsoft.Office.DocumentManagement.Internal.DocIdHandler</Class>
-    <Data/>
-    <Filter/>
-  </Receiver>
-  <Receiver>
-    <Name>Document ID Generator</Name>
-    <Synchronization>Synchronous</Synchronization>
-    <Type>10006</Type>
-    <SequenceNumber>1003</SequenceNumber>
-    <Assembly>Microsoft.Office.DocumentManagement, Version=14.0.0.0, Culture=neutral, PublicKeyToken=71e9bce111e9429c</Assembly>
-    <Class>Microsoft.Office.DocumentManagement.Internal.DocIdHandler</Class>
-    <Data/>
-    <Filter/>
-  </Receiver>
-</spe:Receivers>
-</file>
-
-<file path=customXml/item2.xml><?xml version="1.0" encoding="utf-8"?>
-<?mso-contentType ?>
 <FormTemplates xmlns="http://schemas.microsoft.com/sharepoint/v3/contenttype/forms">
   <Display>DocumentLibraryForm</Display>
   <Edit>DocumentLibraryForm</Edit>
@@ -27025,7 +26897,7 @@
 </FormTemplates>
 </file>
 
-<file path=customXml/item3.xml><?xml version="1.0" encoding="utf-8"?>
+<file path=customXml/item2.xml><?xml version="1.0" encoding="utf-8"?>
 <p:properties xmlns:p="http://schemas.microsoft.com/office/2006/metadata/properties" xmlns:xsi="http://www.w3.org/2001/XMLSchema-instance" xmlns:pc="http://schemas.microsoft.com/office/infopath/2007/PartnerControls">
   <documentManagement>
     <_dlc_DocId xmlns="7bb5d761-a2ea-4873-95f7-7a6658fb3ef0">M4CWTKMW727E-592-73</_dlc_DocId>
@@ -27037,7 +26909,7 @@
 </p:properties>
 </file>
 
-<file path=customXml/item4.xml><?xml version="1.0" encoding="utf-8"?>
+<file path=customXml/item3.xml><?xml version="1.0" encoding="utf-8"?>
 <ct:contentTypeSchema xmlns:ct="http://schemas.microsoft.com/office/2006/metadata/contentType" xmlns:ma="http://schemas.microsoft.com/office/2006/metadata/properties/metaAttributes" ct:_="" ma:_="" ma:contentTypeName="Document" ma:contentTypeID="0x0101000812F700BE7F874999720E88173FE491" ma:contentTypeVersion="0" ma:contentTypeDescription="Create a new document." ma:contentTypeScope="" ma:versionID="3f79f408e2ca720b7aba6e0e32464d0c">
   <xsd:schema xmlns:xsd="http://www.w3.org/2001/XMLSchema" xmlns:xs="http://www.w3.org/2001/XMLSchema" xmlns:p="http://schemas.microsoft.com/office/2006/metadata/properties" xmlns:ns2="7bb5d761-a2ea-4873-95f7-7a6658fb3ef0" targetNamespace="http://schemas.microsoft.com/office/2006/metadata/properties" ma:root="true" ma:fieldsID="1e062cd38ba31e406bfc4340fbc7f87a" ns2:_="">
     <xsd:import namespace="7bb5d761-a2ea-4873-95f7-7a6658fb3ef0"/>
@@ -27182,15 +27054,53 @@
 </ct:contentTypeSchema>
 </file>
 
-<file path=customXml/itemProps1.xml><?xml version="1.0" encoding="utf-8"?>
-<ds:datastoreItem xmlns:ds="http://schemas.openxmlformats.org/officeDocument/2006/customXml" ds:itemID="{B13EBC30-FE27-4C6A-B723-23FC2188F7DC}">
-  <ds:schemaRefs>
-    <ds:schemaRef ds:uri="http://schemas.microsoft.com/sharepoint/events"/>
-  </ds:schemaRefs>
-</ds:datastoreItem>
+<file path=customXml/item4.xml><?xml version="1.0" encoding="utf-8"?>
+<?mso-contentType ?>
+<spe:Receivers xmlns:spe="http://schemas.microsoft.com/sharepoint/events">
+  <Receiver>
+    <Name>Document ID Generator</Name>
+    <Synchronization>Synchronous</Synchronization>
+    <Type>10001</Type>
+    <SequenceNumber>1000</SequenceNumber>
+    <Assembly>Microsoft.Office.DocumentManagement, Version=14.0.0.0, Culture=neutral, PublicKeyToken=71e9bce111e9429c</Assembly>
+    <Class>Microsoft.Office.DocumentManagement.Internal.DocIdHandler</Class>
+    <Data/>
+    <Filter/>
+  </Receiver>
+  <Receiver>
+    <Name>Document ID Generator</Name>
+    <Synchronization>Synchronous</Synchronization>
+    <Type>10002</Type>
+    <SequenceNumber>1001</SequenceNumber>
+    <Assembly>Microsoft.Office.DocumentManagement, Version=14.0.0.0, Culture=neutral, PublicKeyToken=71e9bce111e9429c</Assembly>
+    <Class>Microsoft.Office.DocumentManagement.Internal.DocIdHandler</Class>
+    <Data/>
+    <Filter/>
+  </Receiver>
+  <Receiver>
+    <Name>Document ID Generator</Name>
+    <Synchronization>Synchronous</Synchronization>
+    <Type>10004</Type>
+    <SequenceNumber>1002</SequenceNumber>
+    <Assembly>Microsoft.Office.DocumentManagement, Version=14.0.0.0, Culture=neutral, PublicKeyToken=71e9bce111e9429c</Assembly>
+    <Class>Microsoft.Office.DocumentManagement.Internal.DocIdHandler</Class>
+    <Data/>
+    <Filter/>
+  </Receiver>
+  <Receiver>
+    <Name>Document ID Generator</Name>
+    <Synchronization>Synchronous</Synchronization>
+    <Type>10006</Type>
+    <SequenceNumber>1003</SequenceNumber>
+    <Assembly>Microsoft.Office.DocumentManagement, Version=14.0.0.0, Culture=neutral, PublicKeyToken=71e9bce111e9429c</Assembly>
+    <Class>Microsoft.Office.DocumentManagement.Internal.DocIdHandler</Class>
+    <Data/>
+    <Filter/>
+  </Receiver>
+</spe:Receivers>
 </file>
 
-<file path=customXml/itemProps2.xml><?xml version="1.0" encoding="utf-8"?>
+<file path=customXml/itemProps1.xml><?xml version="1.0" encoding="utf-8"?>
 <ds:datastoreItem xmlns:ds="http://schemas.openxmlformats.org/officeDocument/2006/customXml" ds:itemID="{5CDEB364-43EC-4510-9881-539C2A3FCE9E}">
   <ds:schemaRefs>
     <ds:schemaRef ds:uri="http://schemas.microsoft.com/sharepoint/v3/contenttype/forms"/>
@@ -27198,23 +27108,23 @@
 </ds:datastoreItem>
 </file>
 
-<file path=customXml/itemProps3.xml><?xml version="1.0" encoding="utf-8"?>
+<file path=customXml/itemProps2.xml><?xml version="1.0" encoding="utf-8"?>
 <ds:datastoreItem xmlns:ds="http://schemas.openxmlformats.org/officeDocument/2006/customXml" ds:itemID="{6921749B-AEB7-461B-845F-603CABD25259}">
   <ds:schemaRefs>
+    <ds:schemaRef ds:uri="http://schemas.microsoft.com/office/2006/metadata/properties"/>
+    <ds:schemaRef ds:uri="7bb5d761-a2ea-4873-95f7-7a6658fb3ef0"/>
     <ds:schemaRef ds:uri="http://schemas.microsoft.com/office/2006/documentManagement/types"/>
+    <ds:schemaRef ds:uri="http://purl.org/dc/terms/"/>
+    <ds:schemaRef ds:uri="http://schemas.openxmlformats.org/package/2006/metadata/core-properties"/>
+    <ds:schemaRef ds:uri="http://purl.org/dc/dcmitype/"/>
     <ds:schemaRef ds:uri="http://schemas.microsoft.com/office/infopath/2007/PartnerControls"/>
     <ds:schemaRef ds:uri="http://purl.org/dc/elements/1.1/"/>
-    <ds:schemaRef ds:uri="http://schemas.microsoft.com/office/2006/metadata/properties"/>
-    <ds:schemaRef ds:uri="7bb5d761-a2ea-4873-95f7-7a6658fb3ef0"/>
-    <ds:schemaRef ds:uri="http://purl.org/dc/terms/"/>
-    <ds:schemaRef ds:uri="http://schemas.openxmlformats.org/package/2006/metadata/core-properties"/>
     <ds:schemaRef ds:uri="http://www.w3.org/XML/1998/namespace"/>
-    <ds:schemaRef ds:uri="http://purl.org/dc/dcmitype/"/>
   </ds:schemaRefs>
 </ds:datastoreItem>
 </file>
 
-<file path=customXml/itemProps4.xml><?xml version="1.0" encoding="utf-8"?>
+<file path=customXml/itemProps3.xml><?xml version="1.0" encoding="utf-8"?>
 <ds:datastoreItem xmlns:ds="http://schemas.openxmlformats.org/officeDocument/2006/customXml" ds:itemID="{164479E5-0B02-49AC-B79E-EC1D6164DDD3}">
   <ds:schemaRefs>
     <ds:schemaRef ds:uri="http://schemas.microsoft.com/office/2006/metadata/contentType"/>
@@ -27230,4 +27140,12 @@
     <ds:schemaRef ds:uri="http://schemas.microsoft.com/internal/obd"/>
   </ds:schemaRefs>
 </ds:datastoreItem>
+</file>
+
+<file path=customXml/itemProps4.xml><?xml version="1.0" encoding="utf-8"?>
+<ds:datastoreItem xmlns:ds="http://schemas.openxmlformats.org/officeDocument/2006/customXml" ds:itemID="{B13EBC30-FE27-4C6A-B723-23FC2188F7DC}">
+  <ds:schemaRefs>
+    <ds:schemaRef ds:uri="http://schemas.microsoft.com/sharepoint/events"/>
+  </ds:schemaRefs>
+</ds:datastoreItem>
 </file>